--- a/files/Folien.pptx
+++ b/files/Folien.pptx
@@ -127,7 +127,7 @@
   </p:defaultTextStyle>
   <p:extLst>
     <p:ext uri="{EFAFB233-063F-42B5-8137-9DF3F51BA10A}">
-      <p15:sldGuideLst xmlns:p15="http://schemas.microsoft.com/office/powerpoint/2012/main" xmlns="">
+      <p15:sldGuideLst xmlns="" xmlns:p15="http://schemas.microsoft.com/office/powerpoint/2012/main">
         <p15:guide id="1" orient="horz" pos="3146">
           <p15:clr>
             <a:srgbClr val="A4A3A4"/>
@@ -10122,7 +10122,6 @@
               <a:rPr lang="de-DE" sz="1800" dirty="0"/>
               <a:t>Göring</a:t>
             </a:r>
-            <a:endParaRPr lang="de-DE" sz="1800" dirty="0"/>
           </a:p>
         </p:txBody>
       </p:sp>
@@ -10957,7 +10956,9 @@
         </p:nvSpPr>
         <p:spPr/>
         <p:txBody>
-          <a:bodyPr/>
+          <a:bodyPr>
+            <a:normAutofit fontScale="90000"/>
+          </a:bodyPr>
           <a:lstStyle/>
           <a:p>
             <a:r>
@@ -11119,49 +11120,52 @@
         </p:nvSpPr>
         <p:spPr/>
         <p:txBody>
+          <a:bodyPr>
+            <a:normAutofit/>
+          </a:bodyPr>
+          <a:lstStyle/>
+          <a:p>
+            <a:r>
+              <a:rPr lang="de-DE" dirty="0" smtClean="0"/>
+              <a:t>WIP – Agenda</a:t>
+            </a:r>
+            <a:endParaRPr lang="de-DE" dirty="0"/>
+          </a:p>
+        </p:txBody>
+      </p:sp>
+      <p:sp>
+        <p:nvSpPr>
+          <p:cNvPr id="5" name="Inhaltsplatzhalter 4"/>
+          <p:cNvSpPr>
+            <a:spLocks noGrp="1"/>
+          </p:cNvSpPr>
+          <p:nvPr>
+            <p:ph idx="13"/>
+          </p:nvPr>
+        </p:nvSpPr>
+        <p:spPr/>
+        <p:txBody>
           <a:bodyPr/>
           <a:lstStyle/>
           <a:p>
             <a:r>
               <a:rPr lang="de-DE" dirty="0" smtClean="0"/>
-              <a:t>WIP</a:t>
-            </a:r>
-            <a:endParaRPr lang="de-DE" dirty="0"/>
-          </a:p>
-        </p:txBody>
-      </p:sp>
-      <p:sp>
-        <p:nvSpPr>
-          <p:cNvPr id="5" name="Inhaltsplatzhalter 4"/>
-          <p:cNvSpPr>
-            <a:spLocks noGrp="1"/>
-          </p:cNvSpPr>
-          <p:nvPr>
-            <p:ph idx="13"/>
-          </p:nvPr>
-        </p:nvSpPr>
-        <p:spPr/>
-        <p:txBody>
-          <a:bodyPr/>
-          <a:lstStyle/>
-          <a:p>
-            <a:r>
-              <a:rPr lang="de-DE" dirty="0" smtClean="0"/>
-              <a:t>Platz für ein Bild ist rechts dieses Rahmens auch</a:t>
-            </a:r>
-          </a:p>
-          <a:p>
-            <a:r>
-              <a:rPr lang="de-DE" dirty="0" smtClean="0"/>
-              <a:t>Wenn Ihr kein Bild haben wollt, dann braucht Ihr auch keins einzufügen</a:t>
-            </a:r>
-          </a:p>
-          <a:p>
-            <a:r>
-              <a:rPr lang="de-DE" dirty="0" smtClean="0"/>
-              <a:t>Ihr könnt dann aber auch „Agenda ohne Sub ohne Bild“ nehmen, dann habt Ihr mehr Platz</a:t>
-            </a:r>
-            <a:endParaRPr lang="de-DE" dirty="0"/>
+              <a:t>Projekt Einrichten</a:t>
+            </a:r>
+            <a:endParaRPr lang="de-DE" dirty="0" smtClean="0"/>
+          </a:p>
+          <a:p>
+            <a:r>
+              <a:rPr lang="de-DE" dirty="0" smtClean="0"/>
+              <a:t>Kurze Erklärung</a:t>
+            </a:r>
+          </a:p>
+          <a:p>
+            <a:r>
+              <a:rPr lang="de-DE" dirty="0" smtClean="0"/>
+              <a:t>Aufgaben</a:t>
+            </a:r>
+            <a:endParaRPr lang="de-DE" dirty="0" smtClean="0"/>
           </a:p>
         </p:txBody>
       </p:sp>
@@ -11264,16 +11268,24 @@
           <a:lstStyle/>
           <a:p>
             <a:r>
-              <a:rPr lang="de-DE" dirty="0" smtClean="0"/>
-              <a:t>Ein </a:t>
-            </a:r>
-            <a:r>
-              <a:rPr lang="de-DE" dirty="0" err="1" smtClean="0"/>
-              <a:t>Bsp</a:t>
-            </a:r>
-            <a:r>
-              <a:rPr lang="de-DE" dirty="0" smtClean="0"/>
-              <a:t> für das Layout „Übung ohne Sub Bild “</a:t>
+              <a:rPr lang="en-US" dirty="0" smtClean="0"/>
+              <a:t>Abstract </a:t>
+            </a:r>
+            <a:r>
+              <a:rPr lang="en-US" dirty="0"/>
+              <a:t>Tests </a:t>
+            </a:r>
+            <a:r>
+              <a:rPr lang="en-US" dirty="0" err="1"/>
+              <a:t>nach</a:t>
+            </a:r>
+            <a:r>
+              <a:rPr lang="en-US" dirty="0"/>
+              <a:t> </a:t>
+            </a:r>
+            <a:r>
+              <a:rPr lang="en-US" dirty="0" smtClean="0"/>
+              <a:t>Contracts</a:t>
             </a:r>
             <a:endParaRPr lang="de-DE" dirty="0"/>
           </a:p>
@@ -11298,67 +11310,69 @@
               <a:buNone/>
             </a:pPr>
             <a:r>
-              <a:rPr lang="de-DE" dirty="0" smtClean="0"/>
-              <a:t>Ist gedacht für Übungen, neben denen ein Bild steht.</a:t>
-            </a:r>
-          </a:p>
-          <a:p>
-            <a:r>
-              <a:rPr lang="de-DE" dirty="0" smtClean="0"/>
-              <a:t>Auch für Aufzählungen</a:t>
-            </a:r>
-          </a:p>
-          <a:p>
-            <a:pPr lvl="1"/>
-            <a:r>
-              <a:rPr lang="de-DE" dirty="0" smtClean="0"/>
-              <a:t>und Unter-Aufzählungen</a:t>
-            </a:r>
-          </a:p>
-          <a:p>
-            <a:pPr marL="0" lvl="1" indent="0">
+              <a:rPr lang="de-DE" dirty="0" err="1" smtClean="0"/>
+              <a:t>Junit</a:t>
+            </a:r>
+            <a:r>
+              <a:rPr lang="de-DE" dirty="0" smtClean="0"/>
+              <a:t> 4 verwendet Abstract Tests </a:t>
+            </a:r>
+          </a:p>
+          <a:p>
+            <a:pPr marL="0" indent="0">
               <a:buNone/>
             </a:pPr>
-            <a:r>
-              <a:rPr lang="de-DE" dirty="0" smtClean="0"/>
-              <a:t>Ab hier ist die Aufzählung zu Ende. Platz wäre noch.</a:t>
-            </a:r>
-          </a:p>
-          <a:p>
-            <a:pPr marL="0" lvl="1" indent="0">
+            <a:endParaRPr lang="de-DE" dirty="0"/>
+          </a:p>
+          <a:p>
+            <a:pPr marL="0" indent="0">
               <a:buNone/>
             </a:pPr>
             <a:r>
               <a:rPr lang="de-DE" dirty="0" smtClean="0"/>
-              <a:t>Noch eine Zeile Text.</a:t>
-            </a:r>
-          </a:p>
-          <a:p>
-            <a:pPr marL="0" lvl="1" indent="0">
+              <a:t>Mit </a:t>
+            </a:r>
+            <a:r>
+              <a:rPr lang="de-DE" dirty="0" err="1" smtClean="0"/>
+              <a:t>Junit</a:t>
+            </a:r>
+            <a:r>
+              <a:rPr lang="de-DE" dirty="0" smtClean="0"/>
+              <a:t> 5 und Java 8 steht eine neue Schreibweise zur Verfügung.</a:t>
+            </a:r>
+          </a:p>
+          <a:p>
+            <a:pPr marL="0" indent="0">
               <a:buNone/>
             </a:pPr>
             <a:r>
               <a:rPr lang="de-DE" dirty="0" smtClean="0"/>
-              <a:t>Noch eine Zeile Text.</a:t>
-            </a:r>
-          </a:p>
-          <a:p>
-            <a:pPr marL="0" lvl="1" indent="0">
+              <a:t>Hier werden solche Test als </a:t>
+            </a:r>
+            <a:r>
+              <a:rPr lang="de-DE" dirty="0" err="1" smtClean="0"/>
+              <a:t>Contracts</a:t>
+            </a:r>
+            <a:r>
+              <a:rPr lang="de-DE" dirty="0" smtClean="0"/>
+              <a:t> bezeichnet.</a:t>
+            </a:r>
+          </a:p>
+          <a:p>
+            <a:pPr marL="0" indent="0">
               <a:buNone/>
             </a:pPr>
-            <a:r>
-              <a:rPr lang="de-DE" dirty="0" smtClean="0"/>
-              <a:t>Noch eine Zeile Text</a:t>
-            </a:r>
-          </a:p>
-          <a:p>
-            <a:pPr marL="0" lvl="1" indent="0">
+            <a:endParaRPr lang="de-DE" dirty="0"/>
+          </a:p>
+          <a:p>
+            <a:pPr marL="0" indent="0">
               <a:buNone/>
             </a:pPr>
             <a:r>
               <a:rPr lang="de-DE" dirty="0" smtClean="0"/>
-              <a:t>Die unterste Zeile, die Text enthält.</a:t>
-            </a:r>
+              <a:t>Sie nutzten Java 8 Interfaces.</a:t>
+            </a:r>
+            <a:endParaRPr lang="de-DE" dirty="0"/>
           </a:p>
         </p:txBody>
       </p:sp>
@@ -11559,8 +11573,20 @@
           <a:lstStyle/>
           <a:p>
             <a:r>
-              <a:rPr lang="de-DE" dirty="0" smtClean="0"/>
-              <a:t>Ich bin „Übung ohne Sub ohne Bild“</a:t>
+              <a:rPr lang="en-US" dirty="0"/>
+              <a:t>Exception Testing </a:t>
+            </a:r>
+            <a:r>
+              <a:rPr lang="en-US" dirty="0" err="1"/>
+              <a:t>assertThrows</a:t>
+            </a:r>
+            <a:r>
+              <a:rPr lang="en-US" dirty="0"/>
+              <a:t> vs </a:t>
+            </a:r>
+            <a:r>
+              <a:rPr lang="en-US" dirty="0" err="1"/>
+              <a:t>ExpectedException</a:t>
             </a:r>
             <a:endParaRPr lang="de-DE" dirty="0"/>
           </a:p>
@@ -11583,9 +11609,126 @@
           <a:p>
             <a:r>
               <a:rPr lang="de-DE" dirty="0" smtClean="0"/>
-              <a:t>Hier ist dann wieder sehr viel Platz, um die Übung zu beschreiben. Deshalb gibt es hier auch kein Bild.</a:t>
-            </a:r>
+              <a:t>Alt:</a:t>
+            </a:r>
+          </a:p>
+          <a:p>
+            <a:pPr marL="0" indent="0">
+              <a:buNone/>
+            </a:pPr>
+            <a:r>
+              <a:rPr lang="de-DE" dirty="0" smtClean="0"/>
+              <a:t>@</a:t>
+            </a:r>
+            <a:r>
+              <a:rPr lang="de-DE" dirty="0" err="1" smtClean="0"/>
+              <a:t>Rule</a:t>
+            </a:r>
+            <a:endParaRPr lang="de-DE" dirty="0" smtClean="0"/>
+          </a:p>
+          <a:p>
+            <a:pPr marL="0" indent="0">
+              <a:buNone/>
+            </a:pPr>
+            <a:r>
+              <a:rPr lang="de-DE" dirty="0" err="1" smtClean="0"/>
+              <a:t>ExpectedException</a:t>
+            </a:r>
+            <a:r>
+              <a:rPr lang="de-DE" dirty="0" smtClean="0"/>
+              <a:t> </a:t>
+            </a:r>
+            <a:r>
+              <a:rPr lang="de-DE" dirty="0" err="1" smtClean="0"/>
+              <a:t>expect</a:t>
+            </a:r>
+            <a:r>
+              <a:rPr lang="de-DE" dirty="0" smtClean="0"/>
+              <a:t> </a:t>
+            </a:r>
+            <a:r>
+              <a:rPr lang="de-DE" dirty="0"/>
+              <a:t>= </a:t>
+            </a:r>
+            <a:r>
+              <a:rPr lang="de-DE" dirty="0" err="1" smtClean="0"/>
+              <a:t>ExpectedException.none</a:t>
+            </a:r>
+            <a:r>
+              <a:rPr lang="de-DE" dirty="0" smtClean="0"/>
+              <a:t>();</a:t>
+            </a:r>
+          </a:p>
+          <a:p>
+            <a:pPr marL="0" indent="0">
+              <a:buNone/>
+            </a:pPr>
+            <a:r>
+              <a:rPr lang="de-DE" dirty="0" smtClean="0"/>
+              <a:t>…</a:t>
+            </a:r>
+          </a:p>
+          <a:p>
+            <a:pPr marL="0" indent="0">
+              <a:buNone/>
+            </a:pPr>
+            <a:r>
+              <a:rPr lang="de-DE" dirty="0" err="1" smtClean="0"/>
+              <a:t>expect.expect</a:t>
+            </a:r>
+            <a:r>
+              <a:rPr lang="de-DE" dirty="0" smtClean="0"/>
+              <a:t>(</a:t>
+            </a:r>
+            <a:r>
+              <a:rPr lang="de-DE" dirty="0" err="1" smtClean="0"/>
+              <a:t>Exception.class</a:t>
+            </a:r>
+            <a:r>
+              <a:rPr lang="de-DE" dirty="0"/>
+              <a:t>);</a:t>
+            </a:r>
+            <a:endParaRPr lang="de-DE" dirty="0" smtClean="0"/>
+          </a:p>
+          <a:p>
             <a:endParaRPr lang="de-DE" dirty="0"/>
+          </a:p>
+          <a:p>
+            <a:r>
+              <a:rPr lang="de-DE" dirty="0" smtClean="0"/>
+              <a:t>Neu:</a:t>
+            </a:r>
+            <a:endParaRPr lang="de-DE" dirty="0"/>
+          </a:p>
+          <a:p>
+            <a:pPr marL="0" indent="0">
+              <a:buNone/>
+            </a:pPr>
+            <a:r>
+              <a:rPr lang="de-DE" dirty="0" err="1" smtClean="0"/>
+              <a:t>assertThrows</a:t>
+            </a:r>
+            <a:r>
+              <a:rPr lang="de-DE" dirty="0" smtClean="0"/>
+              <a:t>(</a:t>
+            </a:r>
+            <a:r>
+              <a:rPr lang="de-DE" dirty="0" err="1" smtClean="0"/>
+              <a:t>Exception.class</a:t>
+            </a:r>
+            <a:r>
+              <a:rPr lang="de-DE" dirty="0" smtClean="0"/>
+              <a:t>, </a:t>
+            </a:r>
+            <a:r>
+              <a:rPr lang="de-DE" dirty="0" err="1" smtClean="0"/>
+              <a:t>ExceptionThrowingFunction</a:t>
+            </a:r>
+            <a:r>
+              <a:rPr lang="de-DE" dirty="0" smtClean="0"/>
+              <a:t>);</a:t>
+            </a:r>
+            <a:endParaRPr lang="de-DE" dirty="0" smtClean="0"/>
           </a:p>
         </p:txBody>
       </p:sp>
@@ -14069,24 +14212,6 @@
 </file>
 
 <file path=customXml/item1.xml><?xml version="1.0" encoding="utf-8"?>
-<?mso-contentType ?>
-<FormTemplates xmlns="http://schemas.microsoft.com/sharepoint/v3/contenttype/forms">
-  <Display>DocumentLibraryForm</Display>
-  <Edit>DocumentLibraryForm</Edit>
-  <New>DocumentLibraryForm</New>
-</FormTemplates>
-</file>
-
-<file path=customXml/item2.xml><?xml version="1.0" encoding="utf-8"?>
-<p:properties xmlns:p="http://schemas.microsoft.com/office/2006/metadata/properties" xmlns:xsi="http://www.w3.org/2001/XMLSchema-instance" xmlns:pc="http://schemas.microsoft.com/office/infopath/2007/PartnerControls">
-  <documentManagement>
-    <_Version xmlns="http://schemas.microsoft.com/sharepoint/v3/fields" xsi:nil="true"/>
-    <_Status xmlns="http://schemas.microsoft.com/sharepoint/v3/fields">Not Started</_Status>
-  </documentManagement>
-</p:properties>
-</file>
-
-<file path=customXml/item3.xml><?xml version="1.0" encoding="utf-8"?>
 <ct:contentTypeSchema xmlns:ct="http://schemas.microsoft.com/office/2006/metadata/contentType" xmlns:ma="http://schemas.microsoft.com/office/2006/metadata/properties/metaAttributes" ct:_="" ma:_="" ma:contentTypeName="Document" ma:contentTypeID="0x0101000DE64AEEDD9B7A4D93545ACBE97D4615" ma:contentTypeVersion="2" ma:contentTypeDescription="Create a new document." ma:contentTypeScope="" ma:versionID="f49002b78e3a4a71b814eef46a983816">
   <xsd:schema xmlns:xsd="http://www.w3.org/2001/XMLSchema" xmlns:xs="http://www.w3.org/2001/XMLSchema" xmlns:p="http://schemas.microsoft.com/office/2006/metadata/properties" xmlns:ns2="http://schemas.microsoft.com/sharepoint/v3/fields" targetNamespace="http://schemas.microsoft.com/office/2006/metadata/properties" ma:root="true" ma:fieldsID="38f6db2dd0d9a0cf6a8dc37be32b365b" ns2:_="">
     <xsd:import namespace="http://schemas.microsoft.com/sharepoint/v3/fields"/>
@@ -14230,10 +14355,38 @@
 </ct:contentTypeSchema>
 </file>
 
+<file path=customXml/item2.xml><?xml version="1.0" encoding="utf-8"?>
+<p:properties xmlns:p="http://schemas.microsoft.com/office/2006/metadata/properties" xmlns:xsi="http://www.w3.org/2001/XMLSchema-instance" xmlns:pc="http://schemas.microsoft.com/office/infopath/2007/PartnerControls">
+  <documentManagement>
+    <_Version xmlns="http://schemas.microsoft.com/sharepoint/v3/fields" xsi:nil="true"/>
+    <_Status xmlns="http://schemas.microsoft.com/sharepoint/v3/fields">Not Started</_Status>
+  </documentManagement>
+</p:properties>
+</file>
+
+<file path=customXml/item3.xml><?xml version="1.0" encoding="utf-8"?>
+<?mso-contentType ?>
+<FormTemplates xmlns="http://schemas.microsoft.com/sharepoint/v3/contenttype/forms">
+  <Display>DocumentLibraryForm</Display>
+  <Edit>DocumentLibraryForm</Edit>
+  <New>DocumentLibraryForm</New>
+</FormTemplates>
+</file>
+
 <file path=customXml/itemProps1.xml><?xml version="1.0" encoding="utf-8"?>
-<ds:datastoreItem xmlns:ds="http://schemas.openxmlformats.org/officeDocument/2006/customXml" ds:itemID="{87D2A1B0-FF3E-4009-940D-AED0EB70AA20}">
+<ds:datastoreItem xmlns:ds="http://schemas.openxmlformats.org/officeDocument/2006/customXml" ds:itemID="{E4214858-785C-42F7-BE66-6D0E79395FC8}">
   <ds:schemaRefs>
-    <ds:schemaRef ds:uri="http://schemas.microsoft.com/sharepoint/v3/contenttype/forms"/>
+    <ds:schemaRef ds:uri="http://schemas.microsoft.com/office/2006/metadata/contentType"/>
+    <ds:schemaRef ds:uri="http://schemas.microsoft.com/office/2006/metadata/properties/metaAttributes"/>
+    <ds:schemaRef ds:uri="http://www.w3.org/2001/XMLSchema"/>
+    <ds:schemaRef ds:uri="http://schemas.microsoft.com/office/2006/metadata/properties"/>
+    <ds:schemaRef ds:uri="http://schemas.microsoft.com/sharepoint/v3/fields"/>
+    <ds:schemaRef ds:uri="http://schemas.microsoft.com/office/2006/documentManagement/types"/>
+    <ds:schemaRef ds:uri="http://schemas.microsoft.com/office/infopath/2007/PartnerControls"/>
+    <ds:schemaRef ds:uri="http://schemas.openxmlformats.org/package/2006/metadata/core-properties"/>
+    <ds:schemaRef ds:uri="http://purl.org/dc/elements/1.1/"/>
+    <ds:schemaRef ds:uri="http://purl.org/dc/terms/"/>
+    <ds:schemaRef ds:uri="http://schemas.microsoft.com/internal/obd"/>
   </ds:schemaRefs>
 </ds:datastoreItem>
 </file>
@@ -14255,19 +14408,9 @@
 </file>
 
 <file path=customXml/itemProps3.xml><?xml version="1.0" encoding="utf-8"?>
-<ds:datastoreItem xmlns:ds="http://schemas.openxmlformats.org/officeDocument/2006/customXml" ds:itemID="{E4214858-785C-42F7-BE66-6D0E79395FC8}">
+<ds:datastoreItem xmlns:ds="http://schemas.openxmlformats.org/officeDocument/2006/customXml" ds:itemID="{87D2A1B0-FF3E-4009-940D-AED0EB70AA20}">
   <ds:schemaRefs>
-    <ds:schemaRef ds:uri="http://schemas.microsoft.com/office/2006/metadata/contentType"/>
-    <ds:schemaRef ds:uri="http://schemas.microsoft.com/office/2006/metadata/properties/metaAttributes"/>
-    <ds:schemaRef ds:uri="http://www.w3.org/2001/XMLSchema"/>
-    <ds:schemaRef ds:uri="http://schemas.microsoft.com/office/2006/metadata/properties"/>
-    <ds:schemaRef ds:uri="http://schemas.microsoft.com/sharepoint/v3/fields"/>
-    <ds:schemaRef ds:uri="http://schemas.microsoft.com/office/2006/documentManagement/types"/>
-    <ds:schemaRef ds:uri="http://schemas.microsoft.com/office/infopath/2007/PartnerControls"/>
-    <ds:schemaRef ds:uri="http://schemas.openxmlformats.org/package/2006/metadata/core-properties"/>
-    <ds:schemaRef ds:uri="http://purl.org/dc/elements/1.1/"/>
-    <ds:schemaRef ds:uri="http://purl.org/dc/terms/"/>
-    <ds:schemaRef ds:uri="http://schemas.microsoft.com/internal/obd"/>
+    <ds:schemaRef ds:uri="http://schemas.microsoft.com/sharepoint/v3/contenttype/forms"/>
   </ds:schemaRefs>
 </ds:datastoreItem>
 </file>
--- a/files/Folien.pptx
+++ b/files/Folien.pptx
@@ -127,7 +127,7 @@
   </p:defaultTextStyle>
   <p:extLst>
     <p:ext uri="{EFAFB233-063F-42B5-8137-9DF3F51BA10A}">
-      <p15:sldGuideLst xmlns="" xmlns:p15="http://schemas.microsoft.com/office/powerpoint/2012/main">
+      <p15:sldGuideLst xmlns:p15="http://schemas.microsoft.com/office/powerpoint/2012/main">
         <p15:guide id="1" orient="horz" pos="3146">
           <p15:clr>
             <a:srgbClr val="A4A3A4"/>
@@ -138,7 +138,36 @@
             <a:srgbClr val="A4A3A4"/>
           </p15:clr>
         </p15:guide>
+        <p15:guide id="3" orient="horz" pos="1247">
+          <p15:clr>
+            <a:srgbClr val="A4A3A4"/>
+          </p15:clr>
+        </p15:guide>
+        <p15:guide id="4" orient="horz" pos="2764">
+          <p15:clr>
+            <a:srgbClr val="A4A3A4"/>
+          </p15:clr>
+        </p15:guide>
+        <p15:guide id="5" pos="5543">
+          <p15:clr>
+            <a:srgbClr val="A4A3A4"/>
+          </p15:clr>
+        </p15:guide>
       </p15:sldGuideLst>
+    </p:ext>
+    <p:ext uri="{2D200454-40CA-4A62-9FC3-DE9A4176ACB9}">
+      <p15:notesGuideLst xmlns:p15="http://schemas.microsoft.com/office/powerpoint/2012/main">
+        <p15:guide id="1" orient="horz" pos="3144">
+          <p15:clr>
+            <a:srgbClr val="A4A3A4"/>
+          </p15:clr>
+        </p15:guide>
+        <p15:guide id="2" pos="2140">
+          <p15:clr>
+            <a:srgbClr val="A4A3A4"/>
+          </p15:clr>
+        </p15:guide>
+      </p15:notesGuideLst>
     </p:ext>
   </p:extLst>
 </p:presentation>
@@ -232,7 +261,7 @@
           <a:p>
             <a:fld id="{1869EC12-32BB-B84B-964B-77CD8A6EA5B5}" type="datetimeFigureOut">
               <a:rPr lang="de-DE" smtClean="0"/>
-              <a:t>13.04.2018</a:t>
+              <a:t>26.04.2018</a:t>
             </a:fld>
             <a:endParaRPr lang="de-DE" dirty="0"/>
           </a:p>
@@ -398,7 +427,7 @@
           <a:p>
             <a:fld id="{396D8CEF-220A-EC43-8099-BAE7D65DBE3D}" type="datetimeFigureOut">
               <a:rPr lang="de-DE" smtClean="0"/>
-              <a:t>13.04.2018</a:t>
+              <a:t>26.04.2018</a:t>
             </a:fld>
             <a:endParaRPr lang="de-DE" dirty="0"/>
           </a:p>
@@ -462,38 +491,37 @@
           <a:p>
             <a:pPr lvl="0"/>
             <a:r>
-              <a:rPr lang="de-DE" smtClean="0"/>
+              <a:rPr lang="de-DE"/>
               <a:t>Mastertextformat bearbeiten</a:t>
             </a:r>
           </a:p>
           <a:p>
             <a:pPr lvl="1"/>
             <a:r>
-              <a:rPr lang="de-DE" smtClean="0"/>
+              <a:rPr lang="de-DE"/>
               <a:t>Zweite Ebene</a:t>
             </a:r>
           </a:p>
           <a:p>
             <a:pPr lvl="2"/>
             <a:r>
-              <a:rPr lang="de-DE" smtClean="0"/>
+              <a:rPr lang="de-DE"/>
               <a:t>Dritte Ebene</a:t>
             </a:r>
           </a:p>
           <a:p>
             <a:pPr lvl="3"/>
             <a:r>
-              <a:rPr lang="de-DE" smtClean="0"/>
+              <a:rPr lang="de-DE"/>
               <a:t>Vierte Ebene</a:t>
             </a:r>
           </a:p>
           <a:p>
             <a:pPr lvl="4"/>
             <a:r>
-              <a:rPr lang="de-DE" smtClean="0"/>
+              <a:rPr lang="de-DE"/>
               <a:t>Fünfte Ebene</a:t>
             </a:r>
-            <a:endParaRPr lang="de-DE"/>
           </a:p>
         </p:txBody>
       </p:sp>
@@ -882,10 +910,9 @@
           </a:lstStyle>
           <a:p>
             <a:r>
-              <a:rPr lang="de-DE" dirty="0" smtClean="0"/>
+              <a:rPr lang="de-DE" dirty="0"/>
               <a:t>Kunde</a:t>
             </a:r>
-            <a:endParaRPr lang="de-DE" dirty="0"/>
           </a:p>
         </p:txBody>
       </p:sp>
@@ -921,19 +948,19 @@
           </a:lstStyle>
           <a:p>
             <a:r>
-              <a:rPr lang="en-US" dirty="0" err="1" smtClean="0"/>
+              <a:rPr lang="en-US" dirty="0" err="1"/>
               <a:t>Titel</a:t>
             </a:r>
             <a:r>
-              <a:rPr lang="en-US" dirty="0" smtClean="0"/>
+              <a:rPr lang="en-US" dirty="0"/>
               <a:t> (</a:t>
             </a:r>
             <a:r>
-              <a:rPr lang="en-US" dirty="0" err="1" smtClean="0"/>
+              <a:rPr lang="en-US" dirty="0" err="1"/>
               <a:t>einzeilig</a:t>
             </a:r>
             <a:r>
-              <a:rPr lang="en-US" dirty="0" smtClean="0"/>
+              <a:rPr lang="en-US" dirty="0"/>
               <a:t>)</a:t>
             </a:r>
             <a:endParaRPr lang="de-DE" dirty="0"/>
@@ -1095,10 +1122,10 @@
           <a:p>
             <a:pPr lvl="0"/>
             <a:r>
-              <a:rPr lang="de-DE" dirty="0" err="1" smtClean="0"/>
+              <a:rPr lang="de-DE" dirty="0" err="1"/>
               <a:t>Subtitel</a:t>
             </a:r>
-            <a:endParaRPr lang="de-DE" dirty="0" smtClean="0"/>
+            <a:endParaRPr lang="de-DE" dirty="0"/>
           </a:p>
         </p:txBody>
       </p:sp>
@@ -1135,17 +1162,16 @@
           <a:p>
             <a:pPr lvl="0"/>
             <a:r>
-              <a:rPr lang="de-DE" dirty="0" smtClean="0"/>
+              <a:rPr lang="de-DE" dirty="0"/>
               <a:t>Datum</a:t>
             </a:r>
             <a:br>
-              <a:rPr lang="de-DE" dirty="0" smtClean="0"/>
+              <a:rPr lang="de-DE" dirty="0"/>
             </a:br>
             <a:r>
-              <a:rPr lang="de-DE" dirty="0" smtClean="0"/>
+              <a:rPr lang="de-DE" dirty="0"/>
               <a:t>Ort</a:t>
             </a:r>
-            <a:endParaRPr lang="de-DE" dirty="0"/>
           </a:p>
         </p:txBody>
       </p:sp>
@@ -1180,10 +1206,9 @@
           <a:p>
             <a:pPr lvl="0"/>
             <a:r>
-              <a:rPr lang="de-DE" dirty="0" smtClean="0"/>
+              <a:rPr lang="de-DE" dirty="0"/>
               <a:t>Trainer 1</a:t>
             </a:r>
-            <a:endParaRPr lang="de-DE" dirty="0"/>
           </a:p>
         </p:txBody>
       </p:sp>
@@ -1218,10 +1243,9 @@
           <a:p>
             <a:pPr lvl="0"/>
             <a:r>
-              <a:rPr lang="de-DE" dirty="0" smtClean="0"/>
+              <a:rPr lang="de-DE" dirty="0"/>
               <a:t>Trainer 2</a:t>
             </a:r>
-            <a:endParaRPr lang="de-DE" dirty="0"/>
           </a:p>
         </p:txBody>
       </p:sp>
@@ -1258,10 +1282,9 @@
           <a:p>
             <a:pPr lvl="0"/>
             <a:r>
-              <a:rPr lang="de-DE" dirty="0" smtClean="0"/>
+              <a:rPr lang="de-DE" dirty="0"/>
               <a:t>E-Mail Trainer 1</a:t>
             </a:r>
-            <a:endParaRPr lang="de-DE" dirty="0"/>
           </a:p>
         </p:txBody>
       </p:sp>
@@ -1298,10 +1321,9 @@
           <a:p>
             <a:pPr lvl="0"/>
             <a:r>
-              <a:rPr lang="de-DE" dirty="0" smtClean="0"/>
+              <a:rPr lang="de-DE" dirty="0"/>
               <a:t>E-Mail Trainer 2</a:t>
             </a:r>
-            <a:endParaRPr lang="de-DE" dirty="0"/>
           </a:p>
         </p:txBody>
       </p:sp>
@@ -1351,7 +1373,7 @@
           <a:lstStyle/>
           <a:p>
             <a:r>
-              <a:rPr lang="en-US" smtClean="0"/>
+              <a:rPr lang="en-US"/>
               <a:t>Experts in agile software engineering</a:t>
             </a:r>
             <a:endParaRPr lang="de-DE" dirty="0"/>
@@ -1385,10 +1407,9 @@
           </a:lstStyle>
           <a:p>
             <a:r>
-              <a:rPr lang="de-DE" dirty="0" smtClean="0"/>
+              <a:rPr lang="de-DE" dirty="0"/>
               <a:t>Übung mit Sub ohne Bild</a:t>
             </a:r>
-            <a:endParaRPr lang="de-DE" dirty="0"/>
           </a:p>
         </p:txBody>
       </p:sp>
@@ -1686,10 +1707,9 @@
           </a:lstStyle>
           <a:p>
             <a:r>
-              <a:rPr lang="de-DE" dirty="0" smtClean="0"/>
+              <a:rPr lang="de-DE" dirty="0"/>
               <a:t>10 min</a:t>
             </a:r>
-            <a:endParaRPr lang="de-DE" dirty="0"/>
           </a:p>
         </p:txBody>
       </p:sp>
@@ -1726,14 +1746,13 @@
           <a:p>
             <a:pPr lvl="0"/>
             <a:r>
-              <a:rPr lang="de-DE" dirty="0" err="1" smtClean="0"/>
+              <a:rPr lang="de-DE" dirty="0" err="1"/>
               <a:t>Subtitel</a:t>
             </a:r>
             <a:r>
-              <a:rPr lang="de-DE" dirty="0" smtClean="0"/>
+              <a:rPr lang="de-DE" dirty="0"/>
               <a:t> der Übung</a:t>
             </a:r>
-            <a:endParaRPr lang="de-DE" dirty="0"/>
           </a:p>
         </p:txBody>
       </p:sp>
@@ -1783,7 +1802,7 @@
           <a:lstStyle/>
           <a:p>
             <a:r>
-              <a:rPr lang="en-US" smtClean="0"/>
+              <a:rPr lang="en-US"/>
               <a:t>Experts in agile software engineering</a:t>
             </a:r>
             <a:endParaRPr lang="de-DE" dirty="0"/>
@@ -1817,10 +1836,9 @@
           </a:lstStyle>
           <a:p>
             <a:r>
-              <a:rPr lang="de-DE" dirty="0" smtClean="0"/>
+              <a:rPr lang="de-DE" dirty="0"/>
               <a:t>Text ohne Sub Bild</a:t>
             </a:r>
-            <a:endParaRPr lang="de-DE" dirty="0"/>
           </a:p>
         </p:txBody>
       </p:sp>
@@ -1912,38 +1930,37 @@
           <a:p>
             <a:pPr lvl="0"/>
             <a:r>
-              <a:rPr lang="de-DE" dirty="0" smtClean="0"/>
+              <a:rPr lang="de-DE" dirty="0"/>
               <a:t>Und wenn Du kein Bild brauchst, dann einfach den Textrahmen nach rechts vergrößern</a:t>
             </a:r>
           </a:p>
           <a:p>
             <a:pPr lvl="1"/>
             <a:r>
-              <a:rPr lang="de-DE" dirty="0" smtClean="0"/>
+              <a:rPr lang="de-DE" dirty="0"/>
               <a:t>Zweite Ebene</a:t>
             </a:r>
           </a:p>
           <a:p>
             <a:pPr lvl="2"/>
             <a:r>
-              <a:rPr lang="de-DE" dirty="0" smtClean="0"/>
+              <a:rPr lang="de-DE" dirty="0"/>
               <a:t>Dritte Ebene</a:t>
             </a:r>
           </a:p>
           <a:p>
             <a:pPr lvl="3"/>
             <a:r>
-              <a:rPr lang="de-DE" dirty="0" smtClean="0"/>
+              <a:rPr lang="de-DE" dirty="0"/>
               <a:t>Vierte Ebene</a:t>
             </a:r>
           </a:p>
           <a:p>
             <a:pPr lvl="4"/>
             <a:r>
-              <a:rPr lang="de-DE" dirty="0" smtClean="0"/>
+              <a:rPr lang="de-DE" dirty="0"/>
               <a:t>Fünfte Ebene</a:t>
             </a:r>
-            <a:endParaRPr lang="de-DE" dirty="0"/>
           </a:p>
         </p:txBody>
       </p:sp>
@@ -2065,13 +2082,6 @@
   <p:clrMapOvr>
     <a:masterClrMapping/>
   </p:clrMapOvr>
-  <p:timing>
-    <p:tnLst>
-      <p:par>
-        <p:cTn id="1" dur="indefinite" restart="never" nodeType="tmRoot"/>
-      </p:par>
-    </p:tnLst>
-  </p:timing>
 </p:sldLayout>
 </file>
 
@@ -2108,7 +2118,7 @@
           <a:lstStyle/>
           <a:p>
             <a:r>
-              <a:rPr lang="en-US" smtClean="0"/>
+              <a:rPr lang="en-US"/>
               <a:t>Experts in agile software engineering</a:t>
             </a:r>
             <a:endParaRPr lang="de-DE" dirty="0"/>
@@ -2142,10 +2152,9 @@
           </a:lstStyle>
           <a:p>
             <a:r>
-              <a:rPr lang="de-DE" dirty="0" smtClean="0"/>
+              <a:rPr lang="de-DE" dirty="0"/>
               <a:t>Text ohne Sub ohne Bild</a:t>
             </a:r>
-            <a:endParaRPr lang="de-DE" dirty="0"/>
           </a:p>
         </p:txBody>
       </p:sp>
@@ -2238,41 +2247,36 @@
             <a:pPr lvl="0"/>
             <a:r>
               <a:rPr lang="de-DE" dirty="0"/>
-              <a:t>Textmasterformat </a:t>
-            </a:r>
-            <a:r>
-              <a:rPr lang="de-DE" dirty="0" smtClean="0"/>
-              <a:t>bearbeiten</a:t>
+              <a:t>Textmasterformat bearbeiten</a:t>
             </a:r>
           </a:p>
           <a:p>
             <a:pPr lvl="1"/>
             <a:r>
-              <a:rPr lang="de-DE" dirty="0" smtClean="0"/>
+              <a:rPr lang="de-DE" dirty="0"/>
               <a:t>Zweite Ebene</a:t>
             </a:r>
           </a:p>
           <a:p>
             <a:pPr lvl="2"/>
             <a:r>
-              <a:rPr lang="de-DE" dirty="0" smtClean="0"/>
+              <a:rPr lang="de-DE" dirty="0"/>
               <a:t>Dritte Ebene</a:t>
             </a:r>
           </a:p>
           <a:p>
             <a:pPr lvl="3"/>
             <a:r>
-              <a:rPr lang="de-DE" dirty="0" smtClean="0"/>
+              <a:rPr lang="de-DE" dirty="0"/>
               <a:t>Vierte Ebene</a:t>
             </a:r>
           </a:p>
           <a:p>
             <a:pPr lvl="4"/>
             <a:r>
-              <a:rPr lang="de-DE" dirty="0" smtClean="0"/>
+              <a:rPr lang="de-DE" dirty="0"/>
               <a:t>Fünfte Ebene</a:t>
             </a:r>
-            <a:endParaRPr lang="de-DE" dirty="0"/>
           </a:p>
         </p:txBody>
       </p:sp>
@@ -2394,13 +2398,6 @@
   <p:clrMapOvr>
     <a:masterClrMapping/>
   </p:clrMapOvr>
-  <p:timing>
-    <p:tnLst>
-      <p:par>
-        <p:cTn id="1" dur="indefinite" restart="never" nodeType="tmRoot"/>
-      </p:par>
-    </p:tnLst>
-  </p:timing>
 </p:sldLayout>
 </file>
 
@@ -2437,7 +2434,7 @@
           <a:lstStyle/>
           <a:p>
             <a:r>
-              <a:rPr lang="en-US" smtClean="0"/>
+              <a:rPr lang="en-US"/>
               <a:t>Experts in agile software engineering</a:t>
             </a:r>
             <a:endParaRPr lang="de-DE" dirty="0"/>
@@ -2471,10 +2468,9 @@
           </a:lstStyle>
           <a:p>
             <a:r>
-              <a:rPr lang="de-DE" dirty="0" smtClean="0"/>
+              <a:rPr lang="de-DE" dirty="0"/>
               <a:t>Text mit Sub Bild</a:t>
             </a:r>
-            <a:endParaRPr lang="de-DE" dirty="0"/>
           </a:p>
         </p:txBody>
       </p:sp>
@@ -2567,41 +2563,36 @@
             <a:pPr lvl="0"/>
             <a:r>
               <a:rPr lang="de-DE" dirty="0"/>
-              <a:t>Textmasterformat </a:t>
-            </a:r>
-            <a:r>
-              <a:rPr lang="de-DE" dirty="0" smtClean="0"/>
-              <a:t>bearbeiten</a:t>
+              <a:t>Textmasterformat bearbeiten</a:t>
             </a:r>
           </a:p>
           <a:p>
             <a:pPr lvl="1"/>
             <a:r>
-              <a:rPr lang="de-DE" dirty="0" smtClean="0"/>
+              <a:rPr lang="de-DE" dirty="0"/>
               <a:t>Zweite Ebene</a:t>
             </a:r>
           </a:p>
           <a:p>
             <a:pPr lvl="2"/>
             <a:r>
-              <a:rPr lang="de-DE" dirty="0" smtClean="0"/>
+              <a:rPr lang="de-DE" dirty="0"/>
               <a:t>Dritte Ebene</a:t>
             </a:r>
           </a:p>
           <a:p>
             <a:pPr lvl="3"/>
             <a:r>
-              <a:rPr lang="de-DE" dirty="0" smtClean="0"/>
+              <a:rPr lang="de-DE" dirty="0"/>
               <a:t>Vierte Ebene</a:t>
             </a:r>
           </a:p>
           <a:p>
             <a:pPr lvl="4"/>
             <a:r>
-              <a:rPr lang="de-DE" dirty="0" smtClean="0"/>
+              <a:rPr lang="de-DE" dirty="0"/>
               <a:t>Fünfte Ebene</a:t>
             </a:r>
-            <a:endParaRPr lang="de-DE" dirty="0"/>
           </a:p>
         </p:txBody>
       </p:sp>
@@ -2746,7 +2737,7 @@
           <a:p>
             <a:pPr lvl="0"/>
             <a:r>
-              <a:rPr lang="de-DE" dirty="0" err="1" smtClean="0"/>
+              <a:rPr lang="de-DE" dirty="0" err="1"/>
               <a:t>Subtitel</a:t>
             </a:r>
             <a:endParaRPr lang="de-DE" dirty="0"/>
@@ -2763,13 +2754,6 @@
   <p:clrMapOvr>
     <a:masterClrMapping/>
   </p:clrMapOvr>
-  <p:timing>
-    <p:tnLst>
-      <p:par>
-        <p:cTn id="1" dur="indefinite" restart="never" nodeType="tmRoot"/>
-      </p:par>
-    </p:tnLst>
-  </p:timing>
 </p:sldLayout>
 </file>
 
@@ -2806,7 +2790,7 @@
           <a:lstStyle/>
           <a:p>
             <a:r>
-              <a:rPr lang="en-US" smtClean="0"/>
+              <a:rPr lang="en-US"/>
               <a:t>Experts in agile software engineering</a:t>
             </a:r>
             <a:endParaRPr lang="de-DE" dirty="0"/>
@@ -2840,10 +2824,9 @@
           </a:lstStyle>
           <a:p>
             <a:r>
-              <a:rPr lang="de-DE" dirty="0" smtClean="0"/>
+              <a:rPr lang="de-DE" dirty="0"/>
               <a:t>Text mit Sub ohne Bild</a:t>
             </a:r>
-            <a:endParaRPr lang="de-DE" dirty="0"/>
           </a:p>
         </p:txBody>
       </p:sp>
@@ -2936,41 +2919,36 @@
             <a:pPr lvl="0"/>
             <a:r>
               <a:rPr lang="de-DE" dirty="0"/>
-              <a:t>Textmasterformat </a:t>
-            </a:r>
-            <a:r>
-              <a:rPr lang="de-DE" dirty="0" smtClean="0"/>
-              <a:t>bearbeiten</a:t>
+              <a:t>Textmasterformat bearbeiten</a:t>
             </a:r>
           </a:p>
           <a:p>
             <a:pPr lvl="1"/>
             <a:r>
-              <a:rPr lang="de-DE" dirty="0" smtClean="0"/>
+              <a:rPr lang="de-DE" dirty="0"/>
               <a:t>Zweite Ebene</a:t>
             </a:r>
           </a:p>
           <a:p>
             <a:pPr lvl="2"/>
             <a:r>
-              <a:rPr lang="de-DE" dirty="0" smtClean="0"/>
+              <a:rPr lang="de-DE" dirty="0"/>
               <a:t>Dritte Ebene</a:t>
             </a:r>
           </a:p>
           <a:p>
             <a:pPr lvl="3"/>
             <a:r>
-              <a:rPr lang="de-DE" dirty="0" smtClean="0"/>
+              <a:rPr lang="de-DE" dirty="0"/>
               <a:t>Vierte Ebene</a:t>
             </a:r>
           </a:p>
           <a:p>
             <a:pPr lvl="4"/>
             <a:r>
-              <a:rPr lang="de-DE" dirty="0" smtClean="0"/>
+              <a:rPr lang="de-DE" dirty="0"/>
               <a:t>Fünfte Ebene</a:t>
             </a:r>
-            <a:endParaRPr lang="de-DE" dirty="0"/>
           </a:p>
         </p:txBody>
       </p:sp>
@@ -3115,7 +3093,7 @@
           <a:p>
             <a:pPr lvl="0"/>
             <a:r>
-              <a:rPr lang="de-DE" dirty="0" err="1" smtClean="0"/>
+              <a:rPr lang="de-DE" dirty="0" err="1"/>
               <a:t>Subtitel</a:t>
             </a:r>
             <a:endParaRPr lang="de-DE" dirty="0"/>
@@ -3132,13 +3110,6 @@
   <p:clrMapOvr>
     <a:masterClrMapping/>
   </p:clrMapOvr>
-  <p:timing>
-    <p:tnLst>
-      <p:par>
-        <p:cTn id="1" dur="indefinite" restart="never" nodeType="tmRoot"/>
-      </p:par>
-    </p:tnLst>
-  </p:timing>
 </p:sldLayout>
 </file>
 
@@ -3175,10 +3146,9 @@
           <a:lstStyle/>
           <a:p>
             <a:r>
-              <a:rPr lang="de-DE" dirty="0" smtClean="0"/>
+              <a:rPr lang="de-DE" dirty="0"/>
               <a:t>Titelmasterformat durch Klicken bearbeiten</a:t>
             </a:r>
-            <a:endParaRPr lang="de-DE" dirty="0"/>
           </a:p>
         </p:txBody>
       </p:sp>
@@ -3198,7 +3168,7 @@
           <a:lstStyle/>
           <a:p>
             <a:r>
-              <a:rPr lang="en-US" smtClean="0"/>
+              <a:rPr lang="en-US"/>
               <a:t>Experts in agile software engineering</a:t>
             </a:r>
             <a:endParaRPr lang="de-DE" dirty="0"/>
@@ -3275,10 +3245,9 @@
           <a:lstStyle/>
           <a:p>
             <a:r>
-              <a:rPr lang="de-DE" dirty="0" smtClean="0"/>
+              <a:rPr lang="de-DE" dirty="0"/>
               <a:t>Titelmasterformat durch Klicken bearbeiten</a:t>
             </a:r>
-            <a:endParaRPr lang="de-DE" dirty="0"/>
           </a:p>
         </p:txBody>
       </p:sp>
@@ -3298,7 +3267,7 @@
           <a:lstStyle/>
           <a:p>
             <a:r>
-              <a:rPr lang="en-US" smtClean="0"/>
+              <a:rPr lang="en-US"/>
               <a:t>Experts in agile software engineering</a:t>
             </a:r>
             <a:endParaRPr lang="de-DE" dirty="0"/>
@@ -3362,7 +3331,7 @@
           <a:p>
             <a:pPr lvl="0"/>
             <a:r>
-              <a:rPr lang="de-DE" dirty="0" err="1" smtClean="0"/>
+              <a:rPr lang="de-DE" dirty="0" err="1"/>
               <a:t>Subtitel</a:t>
             </a:r>
             <a:endParaRPr lang="de-DE" dirty="0"/>
@@ -3468,15 +3437,15 @@
           <a:p>
             <a:pPr lvl="0"/>
             <a:r>
-              <a:rPr lang="en-US" dirty="0" err="1" smtClean="0"/>
+              <a:rPr lang="en-US" dirty="0" err="1"/>
               <a:t>Erste</a:t>
             </a:r>
             <a:r>
-              <a:rPr lang="en-US" dirty="0" smtClean="0"/>
+              <a:rPr lang="en-US" dirty="0"/>
               <a:t> </a:t>
             </a:r>
             <a:r>
-              <a:rPr lang="en-US" dirty="0" err="1" smtClean="0"/>
+              <a:rPr lang="en-US" dirty="0" err="1"/>
               <a:t>Ebene</a:t>
             </a:r>
             <a:endParaRPr lang="en-US" dirty="0"/>
@@ -3484,15 +3453,15 @@
           <a:p>
             <a:pPr lvl="1"/>
             <a:r>
-              <a:rPr lang="en-US" dirty="0" err="1" smtClean="0"/>
+              <a:rPr lang="en-US" dirty="0" err="1"/>
               <a:t>Zweite</a:t>
             </a:r>
             <a:r>
-              <a:rPr lang="en-US" dirty="0" smtClean="0"/>
+              <a:rPr lang="en-US" dirty="0"/>
               <a:t> </a:t>
             </a:r>
             <a:r>
-              <a:rPr lang="en-US" dirty="0" err="1" smtClean="0"/>
+              <a:rPr lang="en-US" dirty="0" err="1"/>
               <a:t>Ebene</a:t>
             </a:r>
             <a:endParaRPr lang="en-US" dirty="0"/>
@@ -3500,15 +3469,15 @@
           <a:p>
             <a:pPr lvl="2"/>
             <a:r>
-              <a:rPr lang="en-US" dirty="0" err="1" smtClean="0"/>
+              <a:rPr lang="en-US" dirty="0" err="1"/>
               <a:t>Dritte</a:t>
             </a:r>
             <a:r>
-              <a:rPr lang="en-US" dirty="0" smtClean="0"/>
+              <a:rPr lang="en-US" dirty="0"/>
               <a:t> </a:t>
             </a:r>
             <a:r>
-              <a:rPr lang="en-US" dirty="0" err="1" smtClean="0"/>
+              <a:rPr lang="en-US" dirty="0" err="1"/>
               <a:t>Ebene</a:t>
             </a:r>
             <a:endParaRPr lang="en-US" dirty="0"/>
@@ -3584,15 +3553,15 @@
           <a:p>
             <a:pPr lvl="0"/>
             <a:r>
-              <a:rPr lang="en-US" dirty="0" err="1" smtClean="0"/>
+              <a:rPr lang="en-US" dirty="0" err="1"/>
               <a:t>Erste</a:t>
             </a:r>
             <a:r>
-              <a:rPr lang="en-US" dirty="0" smtClean="0"/>
+              <a:rPr lang="en-US" dirty="0"/>
               <a:t> </a:t>
             </a:r>
             <a:r>
-              <a:rPr lang="en-US" dirty="0" err="1" smtClean="0"/>
+              <a:rPr lang="en-US" dirty="0" err="1"/>
               <a:t>Ebene</a:t>
             </a:r>
             <a:endParaRPr lang="en-US" dirty="0"/>
@@ -3600,15 +3569,15 @@
           <a:p>
             <a:pPr lvl="1"/>
             <a:r>
-              <a:rPr lang="en-US" dirty="0" err="1" smtClean="0"/>
+              <a:rPr lang="en-US" dirty="0" err="1"/>
               <a:t>Zweite</a:t>
             </a:r>
             <a:r>
-              <a:rPr lang="en-US" dirty="0" smtClean="0"/>
+              <a:rPr lang="en-US" dirty="0"/>
               <a:t> </a:t>
             </a:r>
             <a:r>
-              <a:rPr lang="en-US" dirty="0" err="1" smtClean="0"/>
+              <a:rPr lang="en-US" dirty="0" err="1"/>
               <a:t>Ebene</a:t>
             </a:r>
             <a:endParaRPr lang="en-US" dirty="0"/>
@@ -3616,15 +3585,15 @@
           <a:p>
             <a:pPr lvl="2"/>
             <a:r>
-              <a:rPr lang="en-US" dirty="0" err="1" smtClean="0"/>
+              <a:rPr lang="en-US" dirty="0" err="1"/>
               <a:t>Dritte</a:t>
             </a:r>
             <a:r>
-              <a:rPr lang="en-US" dirty="0" smtClean="0"/>
+              <a:rPr lang="en-US" dirty="0"/>
               <a:t> </a:t>
             </a:r>
             <a:r>
-              <a:rPr lang="en-US" dirty="0" err="1" smtClean="0"/>
+              <a:rPr lang="en-US" dirty="0" err="1"/>
               <a:t>Ebene</a:t>
             </a:r>
             <a:endParaRPr lang="en-US" dirty="0"/>
@@ -3793,7 +3762,7 @@
           <a:lstStyle/>
           <a:p>
             <a:r>
-              <a:rPr lang="en-US" smtClean="0"/>
+              <a:rPr lang="en-US"/>
               <a:t>Experts in agile software engineering</a:t>
             </a:r>
             <a:endParaRPr lang="de-DE" dirty="0"/>
@@ -3839,10 +3808,9 @@
           <a:p>
             <a:pPr lvl="0"/>
             <a:r>
-              <a:rPr lang="de-DE" dirty="0" smtClean="0"/>
+              <a:rPr lang="de-DE" dirty="0"/>
               <a:t>Titel</a:t>
             </a:r>
-            <a:endParaRPr lang="de-DE" dirty="0"/>
           </a:p>
         </p:txBody>
       </p:sp>
@@ -3885,10 +3853,9 @@
           <a:p>
             <a:pPr lvl="0"/>
             <a:r>
-              <a:rPr lang="de-DE" dirty="0" smtClean="0"/>
+              <a:rPr lang="de-DE" dirty="0"/>
               <a:t>Titel</a:t>
             </a:r>
-            <a:endParaRPr lang="de-DE" dirty="0"/>
           </a:p>
         </p:txBody>
       </p:sp>
@@ -4120,13 +4087,6 @@
   <p:clrMapOvr>
     <a:masterClrMapping/>
   </p:clrMapOvr>
-  <p:timing>
-    <p:tnLst>
-      <p:par>
-        <p:cTn id="1" dur="indefinite" restart="never" nodeType="tmRoot"/>
-      </p:par>
-    </p:tnLst>
-  </p:timing>
 </p:sldLayout>
 </file>
 
@@ -4163,14 +4123,14 @@
           <a:lstStyle/>
           <a:p>
             <a:r>
-              <a:rPr lang="en-US" smtClean="0">
+              <a:rPr lang="en-US">
                 <a:solidFill>
                   <a:srgbClr val="BABABA"/>
                 </a:solidFill>
               </a:rPr>
               <a:t>Experts in agile software engineering</a:t>
             </a:r>
-            <a:endParaRPr lang="de-DE" dirty="0" smtClean="0">
+            <a:endParaRPr lang="de-DE" dirty="0">
               <a:solidFill>
                 <a:srgbClr val="BABABA"/>
               </a:solidFill>
@@ -4348,22 +4308,21 @@
           </a:lstStyle>
           <a:p>
             <a:r>
-              <a:rPr lang="en-US" dirty="0" err="1" smtClean="0"/>
+              <a:rPr lang="en-US" dirty="0" err="1"/>
               <a:t>Titel</a:t>
             </a:r>
             <a:r>
-              <a:rPr lang="en-US" dirty="0" smtClean="0"/>
+              <a:rPr lang="en-US" dirty="0"/>
               <a:t> (</a:t>
             </a:r>
             <a:r>
-              <a:rPr lang="en-US" dirty="0" err="1" smtClean="0"/>
+              <a:rPr lang="en-US" dirty="0" err="1"/>
               <a:t>einzeilig</a:t>
             </a:r>
             <a:r>
-              <a:rPr lang="en-US" dirty="0" smtClean="0"/>
+              <a:rPr lang="en-US" dirty="0"/>
               <a:t>)</a:t>
             </a:r>
-            <a:endParaRPr lang="en-US" dirty="0"/>
           </a:p>
         </p:txBody>
       </p:sp>
@@ -4400,7 +4359,7 @@
           <a:p>
             <a:pPr lvl="0"/>
             <a:r>
-              <a:rPr lang="de-DE" dirty="0" err="1" smtClean="0"/>
+              <a:rPr lang="de-DE" dirty="0" err="1"/>
               <a:t>Subtitel</a:t>
             </a:r>
             <a:endParaRPr lang="de-DE" dirty="0"/>
@@ -4453,14 +4412,14 @@
           <a:lstStyle/>
           <a:p>
             <a:r>
-              <a:rPr lang="en-US" smtClean="0">
+              <a:rPr lang="en-US">
                 <a:solidFill>
                   <a:srgbClr val="BABABA"/>
                 </a:solidFill>
               </a:rPr>
               <a:t>Experts in agile software engineering</a:t>
             </a:r>
-            <a:endParaRPr lang="de-DE" dirty="0" smtClean="0">
+            <a:endParaRPr lang="de-DE" dirty="0">
               <a:solidFill>
                 <a:srgbClr val="BABABA"/>
               </a:solidFill>
@@ -4638,34 +4597,34 @@
           </a:lstStyle>
           <a:p>
             <a:r>
-              <a:rPr lang="en-US" dirty="0" err="1" smtClean="0"/>
+              <a:rPr lang="en-US" dirty="0" err="1"/>
               <a:t>Titel</a:t>
             </a:r>
             <a:r>
-              <a:rPr lang="en-US" dirty="0" smtClean="0"/>
+              <a:rPr lang="en-US" dirty="0"/>
               <a:t> </a:t>
             </a:r>
             <a:br>
-              <a:rPr lang="en-US" dirty="0" smtClean="0"/>
+              <a:rPr lang="en-US" dirty="0"/>
             </a:br>
             <a:r>
-              <a:rPr lang="en-US" dirty="0" err="1" smtClean="0"/>
+              <a:rPr lang="en-US" dirty="0" err="1"/>
               <a:t>zweite</a:t>
             </a:r>
             <a:r>
-              <a:rPr lang="en-US" dirty="0" smtClean="0"/>
+              <a:rPr lang="en-US" dirty="0"/>
               <a:t> </a:t>
             </a:r>
             <a:r>
-              <a:rPr lang="en-US" dirty="0" err="1" smtClean="0"/>
+              <a:rPr lang="en-US" dirty="0" err="1"/>
               <a:t>Zeile</a:t>
             </a:r>
             <a:r>
-              <a:rPr lang="en-US" dirty="0" smtClean="0"/>
+              <a:rPr lang="en-US" dirty="0"/>
               <a:t> </a:t>
             </a:r>
             <a:r>
-              <a:rPr lang="en-US" dirty="0" err="1" smtClean="0"/>
+              <a:rPr lang="en-US" dirty="0" err="1"/>
               <a:t>Titel</a:t>
             </a:r>
             <a:endParaRPr lang="en-US" dirty="0"/>
@@ -4705,7 +4664,7 @@
           <a:p>
             <a:pPr lvl="0"/>
             <a:r>
-              <a:rPr lang="de-DE" dirty="0" err="1" smtClean="0"/>
+              <a:rPr lang="de-DE" dirty="0" err="1"/>
               <a:t>Subtitel</a:t>
             </a:r>
             <a:endParaRPr lang="de-DE" dirty="0"/>
@@ -4940,10 +4899,9 @@
           </a:lstStyle>
           <a:p>
             <a:r>
-              <a:rPr lang="de-DE" dirty="0" smtClean="0"/>
+              <a:rPr lang="de-DE" dirty="0"/>
               <a:t>Kunde</a:t>
             </a:r>
-            <a:endParaRPr lang="de-DE" dirty="0"/>
           </a:p>
         </p:txBody>
       </p:sp>
@@ -4981,42 +4939,42 @@
           </a:lstStyle>
           <a:p>
             <a:r>
-              <a:rPr lang="en-US" dirty="0" err="1" smtClean="0"/>
+              <a:rPr lang="en-US" dirty="0" err="1"/>
               <a:t>Titel</a:t>
             </a:r>
             <a:r>
-              <a:rPr lang="en-US" dirty="0" smtClean="0"/>
+              <a:rPr lang="en-US" dirty="0"/>
               <a:t> (</a:t>
             </a:r>
             <a:r>
-              <a:rPr lang="en-US" dirty="0" err="1" smtClean="0"/>
+              <a:rPr lang="en-US" dirty="0" err="1"/>
               <a:t>einzeilig</a:t>
             </a:r>
             <a:r>
-              <a:rPr lang="en-US" dirty="0" smtClean="0"/>
+              <a:rPr lang="en-US" dirty="0"/>
               <a:t>)</a:t>
             </a:r>
             <a:br>
-              <a:rPr lang="en-US" dirty="0" smtClean="0"/>
+              <a:rPr lang="en-US" dirty="0"/>
             </a:br>
             <a:r>
-              <a:rPr lang="en-US" dirty="0" err="1" smtClean="0"/>
+              <a:rPr lang="en-US" dirty="0" err="1"/>
               <a:t>zweite</a:t>
             </a:r>
             <a:r>
-              <a:rPr lang="en-US" dirty="0" smtClean="0"/>
+              <a:rPr lang="en-US" dirty="0"/>
               <a:t> </a:t>
             </a:r>
             <a:r>
-              <a:rPr lang="en-US" dirty="0" err="1" smtClean="0"/>
+              <a:rPr lang="en-US" dirty="0" err="1"/>
               <a:t>Zeile</a:t>
             </a:r>
             <a:r>
-              <a:rPr lang="en-US" dirty="0" smtClean="0"/>
+              <a:rPr lang="en-US" dirty="0"/>
               <a:t> </a:t>
             </a:r>
             <a:r>
-              <a:rPr lang="en-US" dirty="0" err="1" smtClean="0"/>
+              <a:rPr lang="en-US" dirty="0" err="1"/>
               <a:t>Titel</a:t>
             </a:r>
             <a:endParaRPr lang="de-DE" dirty="0"/>
@@ -5178,10 +5136,10 @@
           <a:p>
             <a:pPr lvl="0"/>
             <a:r>
-              <a:rPr lang="de-DE" dirty="0" err="1" smtClean="0"/>
+              <a:rPr lang="de-DE" dirty="0" err="1"/>
               <a:t>Subtitel</a:t>
             </a:r>
-            <a:endParaRPr lang="de-DE" dirty="0" smtClean="0"/>
+            <a:endParaRPr lang="de-DE" dirty="0"/>
           </a:p>
         </p:txBody>
       </p:sp>
@@ -5218,17 +5176,16 @@
           <a:p>
             <a:pPr lvl="0"/>
             <a:r>
-              <a:rPr lang="de-DE" dirty="0" smtClean="0"/>
+              <a:rPr lang="de-DE" dirty="0"/>
               <a:t>Datum</a:t>
             </a:r>
             <a:br>
-              <a:rPr lang="de-DE" dirty="0" smtClean="0"/>
+              <a:rPr lang="de-DE" dirty="0"/>
             </a:br>
             <a:r>
-              <a:rPr lang="de-DE" dirty="0" smtClean="0"/>
+              <a:rPr lang="de-DE" dirty="0"/>
               <a:t>Ort</a:t>
             </a:r>
-            <a:endParaRPr lang="de-DE" dirty="0"/>
           </a:p>
         </p:txBody>
       </p:sp>
@@ -5263,10 +5220,9 @@
           <a:p>
             <a:pPr lvl="0"/>
             <a:r>
-              <a:rPr lang="de-DE" dirty="0" smtClean="0"/>
+              <a:rPr lang="de-DE" dirty="0"/>
               <a:t>Trainer 1</a:t>
             </a:r>
-            <a:endParaRPr lang="de-DE" dirty="0"/>
           </a:p>
         </p:txBody>
       </p:sp>
@@ -5301,10 +5257,9 @@
           <a:p>
             <a:pPr lvl="0"/>
             <a:r>
-              <a:rPr lang="de-DE" dirty="0" smtClean="0"/>
+              <a:rPr lang="de-DE" dirty="0"/>
               <a:t>Trainer 2</a:t>
             </a:r>
-            <a:endParaRPr lang="de-DE" dirty="0"/>
           </a:p>
         </p:txBody>
       </p:sp>
@@ -5341,10 +5296,9 @@
           <a:p>
             <a:pPr lvl="0"/>
             <a:r>
-              <a:rPr lang="de-DE" dirty="0" smtClean="0"/>
+              <a:rPr lang="de-DE" dirty="0"/>
               <a:t>E-Mail Trainer 1</a:t>
             </a:r>
-            <a:endParaRPr lang="de-DE" dirty="0"/>
           </a:p>
         </p:txBody>
       </p:sp>
@@ -5381,10 +5335,9 @@
           <a:p>
             <a:pPr lvl="0"/>
             <a:r>
-              <a:rPr lang="de-DE" dirty="0" smtClean="0"/>
+              <a:rPr lang="de-DE" dirty="0"/>
               <a:t>E-Mail Trainer 2</a:t>
             </a:r>
-            <a:endParaRPr lang="de-DE" dirty="0"/>
           </a:p>
         </p:txBody>
       </p:sp>
@@ -5564,10 +5517,9 @@
           </a:lstStyle>
           <a:p>
             <a:r>
-              <a:rPr lang="de-DE" dirty="0" smtClean="0"/>
+              <a:rPr lang="de-DE" dirty="0"/>
               <a:t>Agenda ohne Sub Bild </a:t>
             </a:r>
-            <a:endParaRPr lang="de-DE" dirty="0"/>
           </a:p>
         </p:txBody>
       </p:sp>
@@ -5760,17 +5712,13 @@
             <a:pPr lvl="0"/>
             <a:r>
               <a:rPr lang="de-DE" dirty="0"/>
-              <a:t>Textmasterformat </a:t>
-            </a:r>
-            <a:r>
-              <a:rPr lang="de-DE" dirty="0" smtClean="0"/>
-              <a:t>bearbeiten</a:t>
+              <a:t>Textmasterformat bearbeiten</a:t>
             </a:r>
           </a:p>
           <a:p>
             <a:pPr lvl="0"/>
             <a:r>
-              <a:rPr lang="de-DE" dirty="0" smtClean="0"/>
+              <a:rPr lang="de-DE" dirty="0"/>
               <a:t>Zweite Zeile</a:t>
             </a:r>
           </a:p>
@@ -5956,10 +5904,9 @@
           </a:lstStyle>
           <a:p>
             <a:r>
-              <a:rPr lang="de-DE" dirty="0" smtClean="0"/>
+              <a:rPr lang="de-DE" dirty="0"/>
               <a:t>Agenda ohne Sub ohne Bild  </a:t>
             </a:r>
-            <a:endParaRPr lang="de-DE" dirty="0"/>
           </a:p>
         </p:txBody>
       </p:sp>
@@ -6152,17 +6099,13 @@
             <a:pPr lvl="0"/>
             <a:r>
               <a:rPr lang="de-DE" dirty="0"/>
-              <a:t>Textmasterformat </a:t>
-            </a:r>
-            <a:r>
-              <a:rPr lang="de-DE" dirty="0" smtClean="0"/>
-              <a:t>bearbeiten</a:t>
+              <a:t>Textmasterformat bearbeiten</a:t>
             </a:r>
           </a:p>
           <a:p>
             <a:pPr lvl="0"/>
             <a:r>
-              <a:rPr lang="de-DE" dirty="0" smtClean="0"/>
+              <a:rPr lang="de-DE" dirty="0"/>
               <a:t>Zweite Zeile</a:t>
             </a:r>
           </a:p>
@@ -6348,10 +6291,9 @@
           </a:lstStyle>
           <a:p>
             <a:r>
-              <a:rPr lang="de-DE" dirty="0" smtClean="0"/>
+              <a:rPr lang="de-DE" dirty="0"/>
               <a:t>Agenda mit Sub Bild </a:t>
             </a:r>
-            <a:endParaRPr lang="de-DE" dirty="0"/>
           </a:p>
         </p:txBody>
       </p:sp>
@@ -6508,14 +6450,13 @@
           <a:p>
             <a:pPr lvl="0"/>
             <a:r>
-              <a:rPr lang="de-DE" dirty="0" err="1" smtClean="0"/>
+              <a:rPr lang="de-DE" dirty="0" err="1"/>
               <a:t>Subtitel</a:t>
             </a:r>
             <a:r>
-              <a:rPr lang="de-DE" dirty="0" smtClean="0"/>
+              <a:rPr lang="de-DE" dirty="0"/>
               <a:t> der Agenda</a:t>
             </a:r>
-            <a:endParaRPr lang="de-DE" dirty="0"/>
           </a:p>
         </p:txBody>
       </p:sp>
@@ -6588,17 +6529,13 @@
             <a:pPr lvl="0"/>
             <a:r>
               <a:rPr lang="de-DE" dirty="0"/>
-              <a:t>Textmasterformat </a:t>
-            </a:r>
-            <a:r>
-              <a:rPr lang="de-DE" dirty="0" smtClean="0"/>
-              <a:t>bearbeiten</a:t>
+              <a:t>Textmasterformat bearbeiten</a:t>
             </a:r>
           </a:p>
           <a:p>
             <a:pPr lvl="0"/>
             <a:r>
-              <a:rPr lang="de-DE" dirty="0" smtClean="0"/>
+              <a:rPr lang="de-DE" dirty="0"/>
               <a:t>Zweite Zeile</a:t>
             </a:r>
           </a:p>
@@ -6784,10 +6721,9 @@
           </a:lstStyle>
           <a:p>
             <a:r>
-              <a:rPr lang="de-DE" dirty="0" smtClean="0"/>
+              <a:rPr lang="de-DE" dirty="0"/>
               <a:t>Agenda mit Sub ohne Bild </a:t>
             </a:r>
-            <a:endParaRPr lang="de-DE" dirty="0"/>
           </a:p>
         </p:txBody>
       </p:sp>
@@ -6944,14 +6880,13 @@
           <a:p>
             <a:pPr lvl="0"/>
             <a:r>
-              <a:rPr lang="de-DE" dirty="0" err="1" smtClean="0"/>
+              <a:rPr lang="de-DE" dirty="0" err="1"/>
               <a:t>Subtitel</a:t>
             </a:r>
             <a:r>
-              <a:rPr lang="de-DE" dirty="0" smtClean="0"/>
+              <a:rPr lang="de-DE" dirty="0"/>
               <a:t> der Agenda</a:t>
             </a:r>
-            <a:endParaRPr lang="de-DE" dirty="0"/>
           </a:p>
         </p:txBody>
       </p:sp>
@@ -7024,17 +6959,13 @@
             <a:pPr lvl="0"/>
             <a:r>
               <a:rPr lang="de-DE" dirty="0"/>
-              <a:t>Textmasterformat </a:t>
-            </a:r>
-            <a:r>
-              <a:rPr lang="de-DE" dirty="0" smtClean="0"/>
-              <a:t>bearbeiten</a:t>
+              <a:t>Textmasterformat bearbeiten</a:t>
             </a:r>
           </a:p>
           <a:p>
             <a:pPr lvl="0"/>
             <a:r>
-              <a:rPr lang="de-DE" dirty="0" smtClean="0"/>
+              <a:rPr lang="de-DE" dirty="0"/>
               <a:t>Zweite Zeile</a:t>
             </a:r>
           </a:p>
@@ -7090,7 +7021,7 @@
           <a:lstStyle/>
           <a:p>
             <a:r>
-              <a:rPr lang="en-US" smtClean="0"/>
+              <a:rPr lang="en-US"/>
               <a:t>Experts in agile software engineering</a:t>
             </a:r>
             <a:endParaRPr lang="de-DE" dirty="0"/>
@@ -7124,10 +7055,9 @@
           </a:lstStyle>
           <a:p>
             <a:r>
-              <a:rPr lang="de-DE" dirty="0" smtClean="0"/>
+              <a:rPr lang="de-DE" dirty="0"/>
               <a:t>Übung ohne Sub Bild</a:t>
             </a:r>
-            <a:endParaRPr lang="de-DE" dirty="0"/>
           </a:p>
         </p:txBody>
       </p:sp>
@@ -7425,10 +7355,9 @@
           </a:lstStyle>
           <a:p>
             <a:r>
-              <a:rPr lang="de-DE" dirty="0" smtClean="0"/>
+              <a:rPr lang="de-DE" dirty="0"/>
               <a:t>10 min</a:t>
             </a:r>
-            <a:endParaRPr lang="de-DE" dirty="0"/>
           </a:p>
         </p:txBody>
       </p:sp>
@@ -7478,7 +7407,7 @@
           <a:lstStyle/>
           <a:p>
             <a:r>
-              <a:rPr lang="en-US" smtClean="0"/>
+              <a:rPr lang="en-US"/>
               <a:t>Experts in agile software engineering</a:t>
             </a:r>
             <a:endParaRPr lang="de-DE" dirty="0"/>
@@ -7512,10 +7441,9 @@
           </a:lstStyle>
           <a:p>
             <a:r>
-              <a:rPr lang="de-DE" dirty="0" smtClean="0"/>
+              <a:rPr lang="de-DE" dirty="0"/>
               <a:t>Übung ohne Sub ohne Bild</a:t>
             </a:r>
-            <a:endParaRPr lang="de-DE" dirty="0"/>
           </a:p>
         </p:txBody>
       </p:sp>
@@ -7813,10 +7741,9 @@
           </a:lstStyle>
           <a:p>
             <a:r>
-              <a:rPr lang="de-DE" dirty="0" smtClean="0"/>
+              <a:rPr lang="de-DE" dirty="0"/>
               <a:t>10 min</a:t>
             </a:r>
-            <a:endParaRPr lang="de-DE" dirty="0"/>
           </a:p>
         </p:txBody>
       </p:sp>
@@ -7866,7 +7793,7 @@
           <a:lstStyle/>
           <a:p>
             <a:r>
-              <a:rPr lang="en-US" smtClean="0"/>
+              <a:rPr lang="en-US"/>
               <a:t>Experts in agile software engineering</a:t>
             </a:r>
             <a:endParaRPr lang="de-DE" dirty="0"/>
@@ -7900,10 +7827,9 @@
           </a:lstStyle>
           <a:p>
             <a:r>
-              <a:rPr lang="de-DE" dirty="0" smtClean="0"/>
+              <a:rPr lang="de-DE" dirty="0"/>
               <a:t>Übung mit Sub Bild</a:t>
             </a:r>
-            <a:endParaRPr lang="de-DE" dirty="0"/>
           </a:p>
         </p:txBody>
       </p:sp>
@@ -8201,10 +8127,9 @@
           </a:lstStyle>
           <a:p>
             <a:r>
-              <a:rPr lang="de-DE" dirty="0" smtClean="0"/>
+              <a:rPr lang="de-DE" dirty="0"/>
               <a:t>10 min</a:t>
             </a:r>
-            <a:endParaRPr lang="de-DE" dirty="0"/>
           </a:p>
         </p:txBody>
       </p:sp>
@@ -8241,14 +8166,13 @@
           <a:p>
             <a:pPr lvl="0"/>
             <a:r>
-              <a:rPr lang="de-DE" dirty="0" err="1" smtClean="0"/>
+              <a:rPr lang="de-DE" dirty="0" err="1"/>
               <a:t>Subtitel</a:t>
             </a:r>
             <a:r>
-              <a:rPr lang="de-DE" dirty="0" smtClean="0"/>
+              <a:rPr lang="de-DE" dirty="0"/>
               <a:t> der Agenda</a:t>
             </a:r>
-            <a:endParaRPr lang="de-DE" dirty="0"/>
           </a:p>
         </p:txBody>
       </p:sp>
@@ -8343,7 +8267,7 @@
           <a:lstStyle/>
           <a:p>
             <a:r>
-              <a:rPr lang="de-DE" dirty="0" smtClean="0"/>
+              <a:rPr lang="de-DE" dirty="0"/>
               <a:t>Mastertitelformat bearbeiten</a:t>
             </a:r>
             <a:endParaRPr lang="en-US" dirty="0"/>
@@ -8377,35 +8301,35 @@
           <a:p>
             <a:pPr lvl="0"/>
             <a:r>
-              <a:rPr lang="de-DE" dirty="0" smtClean="0"/>
+              <a:rPr lang="de-DE" dirty="0"/>
               <a:t>Erste Ebene</a:t>
             </a:r>
           </a:p>
           <a:p>
             <a:pPr lvl="1"/>
             <a:r>
-              <a:rPr lang="de-DE" dirty="0" smtClean="0"/>
+              <a:rPr lang="de-DE" dirty="0"/>
               <a:t>Zweite Ebene</a:t>
             </a:r>
           </a:p>
           <a:p>
             <a:pPr lvl="2"/>
             <a:r>
-              <a:rPr lang="de-DE" dirty="0" smtClean="0"/>
+              <a:rPr lang="de-DE" dirty="0"/>
               <a:t>Dritte Ebene</a:t>
             </a:r>
           </a:p>
           <a:p>
             <a:pPr lvl="3"/>
             <a:r>
-              <a:rPr lang="de-DE" dirty="0" smtClean="0"/>
+              <a:rPr lang="de-DE" dirty="0"/>
               <a:t>Vierte Ebene</a:t>
             </a:r>
           </a:p>
           <a:p>
             <a:pPr lvl="4"/>
             <a:r>
-              <a:rPr lang="de-DE" dirty="0" smtClean="0"/>
+              <a:rPr lang="de-DE" dirty="0"/>
               <a:t>Fünfte Ebene</a:t>
             </a:r>
             <a:endParaRPr lang="en-US" dirty="0"/>
@@ -8444,7 +8368,7 @@
           </a:lstStyle>
           <a:p>
             <a:r>
-              <a:rPr lang="en-US" smtClean="0"/>
+              <a:rPr lang="en-US"/>
               <a:t>Experts in agile software engineering</a:t>
             </a:r>
             <a:endParaRPr lang="de-DE" dirty="0"/>
@@ -8750,7 +8674,7 @@
           </a:lstStyle>
           <a:p>
             <a:r>
-              <a:rPr lang="de-DE" dirty="0" smtClean="0"/>
+              <a:rPr lang="de-DE" dirty="0"/>
               <a:t>© 2018 andrena objects ag  </a:t>
             </a:r>
           </a:p>
@@ -8783,13 +8707,6 @@
     <p:sldLayoutId id="2147493556" r:id="rId16"/>
     <p:sldLayoutId id="2147493557" r:id="rId17"/>
   </p:sldLayoutIdLst>
-  <p:timing>
-    <p:tnLst>
-      <p:par>
-        <p:cTn id="1" dur="indefinite" restart="never" nodeType="tmRoot"/>
-      </p:par>
-    </p:tnLst>
-  </p:timing>
   <p:hf hdr="0" dt="0"/>
   <p:txStyles>
     <p:titleStyle>
@@ -9166,7 +9083,7 @@
           </a:lstStyle>
           <a:p>
             <a:r>
-              <a:rPr lang="en-US" smtClean="0">
+              <a:rPr lang="en-US">
                 <a:solidFill>
                   <a:srgbClr val="BABABA"/>
                 </a:solidFill>
@@ -9488,7 +9405,7 @@
           </a:lstStyle>
           <a:p>
             <a:r>
-              <a:rPr lang="de-DE" dirty="0" smtClean="0">
+              <a:rPr lang="de-DE" dirty="0">
                 <a:solidFill>
                   <a:srgbClr val="BABABA"/>
                 </a:solidFill>
@@ -9524,7 +9441,7 @@
           <a:lstStyle/>
           <a:p>
             <a:r>
-              <a:rPr lang="de-DE" dirty="0" smtClean="0"/>
+              <a:rPr lang="de-DE" dirty="0"/>
               <a:t>Mastertitelformat bearbeiten</a:t>
             </a:r>
             <a:endParaRPr lang="en-US" dirty="0"/>
@@ -9558,35 +9475,35 @@
           <a:p>
             <a:pPr lvl="0"/>
             <a:r>
-              <a:rPr lang="de-DE" dirty="0" smtClean="0"/>
+              <a:rPr lang="de-DE" dirty="0"/>
               <a:t>Erste Ebene</a:t>
             </a:r>
           </a:p>
           <a:p>
             <a:pPr lvl="1"/>
             <a:r>
-              <a:rPr lang="de-DE" dirty="0" smtClean="0"/>
+              <a:rPr lang="de-DE" dirty="0"/>
               <a:t>Zweite Ebene</a:t>
             </a:r>
           </a:p>
           <a:p>
             <a:pPr lvl="2"/>
             <a:r>
-              <a:rPr lang="de-DE" dirty="0" smtClean="0"/>
+              <a:rPr lang="de-DE" dirty="0"/>
               <a:t>Dritte Ebene</a:t>
             </a:r>
           </a:p>
           <a:p>
             <a:pPr lvl="3"/>
             <a:r>
-              <a:rPr lang="de-DE" dirty="0" smtClean="0"/>
+              <a:rPr lang="de-DE" dirty="0"/>
               <a:t>Vierte Ebene</a:t>
             </a:r>
           </a:p>
           <a:p>
             <a:pPr lvl="4"/>
             <a:r>
-              <a:rPr lang="de-DE" dirty="0" smtClean="0"/>
+              <a:rPr lang="de-DE" dirty="0"/>
               <a:t>Fünfte Ebene</a:t>
             </a:r>
             <a:endParaRPr lang="en-US" dirty="0"/>
@@ -9908,26 +9825,22 @@
           <a:p>
             <a:r>
               <a:rPr lang="de-DE" dirty="0" err="1"/>
-              <a:t>a</a:t>
-            </a:r>
-            <a:r>
-              <a:rPr lang="de-DE" dirty="0" err="1" smtClean="0"/>
-              <a:t>ndrena</a:t>
-            </a:r>
-            <a:r>
-              <a:rPr lang="de-DE" dirty="0" smtClean="0"/>
+              <a:t>andrena</a:t>
+            </a:r>
+            <a:r>
+              <a:rPr lang="de-DE" dirty="0"/>
               <a:t> </a:t>
             </a:r>
             <a:r>
-              <a:rPr lang="de-DE" dirty="0" err="1" smtClean="0"/>
+              <a:rPr lang="de-DE" dirty="0" err="1"/>
               <a:t>objects</a:t>
             </a:r>
             <a:r>
-              <a:rPr lang="de-DE" dirty="0" smtClean="0"/>
+              <a:rPr lang="de-DE" dirty="0"/>
               <a:t> </a:t>
             </a:r>
             <a:r>
-              <a:rPr lang="de-DE" dirty="0" err="1" smtClean="0"/>
+              <a:rPr lang="de-DE" dirty="0" err="1"/>
               <a:t>ag</a:t>
             </a:r>
             <a:endParaRPr lang="de-DE" dirty="0"/>
@@ -9942,6 +9855,34 @@
           </p:cNvSpPr>
           <p:nvPr>
             <p:ph type="title"/>
+          </p:nvPr>
+        </p:nvSpPr>
+        <p:spPr/>
+        <p:txBody>
+          <a:bodyPr>
+            <a:normAutofit/>
+          </a:bodyPr>
+          <a:lstStyle/>
+          <a:p>
+            <a:r>
+              <a:rPr lang="de-DE" dirty="0" err="1"/>
+              <a:t>JUnit</a:t>
+            </a:r>
+            <a:r>
+              <a:rPr lang="de-DE" dirty="0"/>
+              <a:t> 5</a:t>
+            </a:r>
+          </a:p>
+        </p:txBody>
+      </p:sp>
+      <p:sp>
+        <p:nvSpPr>
+          <p:cNvPr id="4" name="Textplatzhalter 3"/>
+          <p:cNvSpPr>
+            <a:spLocks noGrp="1"/>
+          </p:cNvSpPr>
+          <p:nvPr>
+            <p:ph type="body" sz="quarter" idx="10"/>
           </p:nvPr>
         </p:nvSpPr>
         <p:spPr/>
@@ -9950,25 +9891,20 @@
           <a:lstStyle/>
           <a:p>
             <a:r>
-              <a:rPr lang="de-DE" dirty="0" err="1" smtClean="0"/>
-              <a:t>Junit</a:t>
-            </a:r>
-            <a:r>
-              <a:rPr lang="de-DE" dirty="0" smtClean="0"/>
-              <a:t> 5</a:t>
-            </a:r>
-            <a:endParaRPr lang="de-DE" dirty="0"/>
-          </a:p>
-        </p:txBody>
-      </p:sp>
-      <p:sp>
-        <p:nvSpPr>
-          <p:cNvPr id="4" name="Textplatzhalter 3"/>
-          <p:cNvSpPr>
-            <a:spLocks noGrp="1"/>
-          </p:cNvSpPr>
-          <p:nvPr>
-            <p:ph type="body" sz="quarter" idx="10"/>
+              <a:rPr lang="de-DE" dirty="0"/>
+              <a:t>Das will ich jetzt auch benutzen!</a:t>
+            </a:r>
+          </a:p>
+        </p:txBody>
+      </p:sp>
+      <p:sp>
+        <p:nvSpPr>
+          <p:cNvPr id="9" name="Textplatzhalter 8"/>
+          <p:cNvSpPr>
+            <a:spLocks noGrp="1"/>
+          </p:cNvSpPr>
+          <p:nvPr>
+            <p:ph type="body" sz="quarter" idx="11"/>
           </p:nvPr>
         </p:nvSpPr>
         <p:spPr/>
@@ -9977,21 +9913,26 @@
           <a:lstStyle/>
           <a:p>
             <a:r>
-              <a:rPr lang="de-DE" dirty="0" smtClean="0"/>
-              <a:t>Das will ich jetzt auch benutzen!</a:t>
-            </a:r>
-            <a:endParaRPr lang="de-DE" dirty="0"/>
-          </a:p>
-        </p:txBody>
-      </p:sp>
-      <p:sp>
-        <p:nvSpPr>
-          <p:cNvPr id="9" name="Textplatzhalter 8"/>
-          <p:cNvSpPr>
-            <a:spLocks noGrp="1"/>
-          </p:cNvSpPr>
-          <p:nvPr>
-            <p:ph type="body" sz="quarter" idx="11"/>
+              <a:rPr lang="de-DE" dirty="0"/>
+              <a:t>22. Juni 2018</a:t>
+            </a:r>
+          </a:p>
+          <a:p>
+            <a:r>
+              <a:rPr lang="de-DE" dirty="0"/>
+              <a:t>Entwicklertag Karlsruhe</a:t>
+            </a:r>
+          </a:p>
+        </p:txBody>
+      </p:sp>
+      <p:sp>
+        <p:nvSpPr>
+          <p:cNvPr id="10" name="Textplatzhalter 9"/>
+          <p:cNvSpPr>
+            <a:spLocks noGrp="1"/>
+          </p:cNvSpPr>
+          <p:nvPr>
+            <p:ph type="body" sz="quarter" idx="12"/>
           </p:nvPr>
         </p:nvSpPr>
         <p:spPr/>
@@ -10000,56 +9941,53 @@
           <a:lstStyle/>
           <a:p>
             <a:r>
-              <a:rPr lang="de-DE" dirty="0" smtClean="0"/>
-              <a:t>22. Juni 2018</a:t>
-            </a:r>
-          </a:p>
-          <a:p>
-            <a:r>
-              <a:rPr lang="de-DE" dirty="0" smtClean="0"/>
-              <a:t>Entwicklertag Karlsruhe</a:t>
-            </a:r>
-            <a:endParaRPr lang="de-DE" dirty="0"/>
-          </a:p>
-        </p:txBody>
-      </p:sp>
-      <p:sp>
-        <p:nvSpPr>
-          <p:cNvPr id="10" name="Textplatzhalter 9"/>
-          <p:cNvSpPr>
-            <a:spLocks noGrp="1"/>
-          </p:cNvSpPr>
-          <p:nvPr>
-            <p:ph type="body" sz="quarter" idx="12"/>
-          </p:nvPr>
-        </p:nvSpPr>
-        <p:spPr/>
+              <a:rPr lang="de-DE" dirty="0"/>
+              <a:t>Claudia Fuhrmann</a:t>
+            </a:r>
+          </a:p>
+        </p:txBody>
+      </p:sp>
+      <p:sp>
+        <p:nvSpPr>
+          <p:cNvPr id="11" name="Textplatzhalter 10"/>
+          <p:cNvSpPr>
+            <a:spLocks noGrp="1"/>
+          </p:cNvSpPr>
+          <p:nvPr>
+            <p:ph type="body" sz="quarter" idx="13"/>
+          </p:nvPr>
+        </p:nvSpPr>
+        <p:spPr>
+          <a:xfrm>
+            <a:off x="6029999" y="4186125"/>
+            <a:ext cx="2852827" cy="549275"/>
+          </a:xfrm>
+        </p:spPr>
         <p:txBody>
           <a:bodyPr/>
           <a:lstStyle/>
           <a:p>
             <a:r>
-              <a:rPr lang="de-DE" dirty="0" smtClean="0"/>
-              <a:t>Claudia Fuhrmann</a:t>
-            </a:r>
-            <a:endParaRPr lang="de-DE" dirty="0"/>
-          </a:p>
-        </p:txBody>
-      </p:sp>
-      <p:sp>
-        <p:nvSpPr>
-          <p:cNvPr id="11" name="Textplatzhalter 10"/>
-          <p:cNvSpPr>
-            <a:spLocks noGrp="1"/>
-          </p:cNvSpPr>
-          <p:nvPr>
-            <p:ph type="body" sz="quarter" idx="13"/>
+              <a:rPr lang="de-DE" dirty="0"/>
+              <a:t>Felix Schlosser</a:t>
+            </a:r>
+          </a:p>
+        </p:txBody>
+      </p:sp>
+      <p:sp>
+        <p:nvSpPr>
+          <p:cNvPr id="12" name="Textplatzhalter 11"/>
+          <p:cNvSpPr>
+            <a:spLocks noGrp="1"/>
+          </p:cNvSpPr>
+          <p:nvPr>
+            <p:ph type="body" sz="quarter" idx="14"/>
           </p:nvPr>
         </p:nvSpPr>
         <p:spPr>
           <a:xfrm>
-            <a:off x="6029999" y="4186125"/>
-            <a:ext cx="2852827" cy="549275"/>
+            <a:off x="6030913" y="3833813"/>
+            <a:ext cx="2550008" cy="420687"/>
           </a:xfrm>
         </p:spPr>
         <p:txBody>
@@ -10057,38 +9995,9 @@
           <a:lstStyle/>
           <a:p>
             <a:r>
-              <a:rPr lang="de-DE" dirty="0" smtClean="0"/>
-              <a:t>Felix Schlosser</a:t>
-            </a:r>
-            <a:endParaRPr lang="de-DE" dirty="0"/>
-          </a:p>
-        </p:txBody>
-      </p:sp>
-      <p:sp>
-        <p:nvSpPr>
-          <p:cNvPr id="12" name="Textplatzhalter 11"/>
-          <p:cNvSpPr>
-            <a:spLocks noGrp="1"/>
-          </p:cNvSpPr>
-          <p:nvPr>
-            <p:ph type="body" sz="quarter" idx="14"/>
-          </p:nvPr>
-        </p:nvSpPr>
-        <p:spPr>
-          <a:xfrm>
-            <a:off x="6030913" y="3833813"/>
-            <a:ext cx="2550008" cy="420687"/>
-          </a:xfrm>
-        </p:spPr>
-        <p:txBody>
-          <a:bodyPr/>
-          <a:lstStyle/>
-          <a:p>
-            <a:r>
-              <a:rPr lang="de-DE" sz="1800" dirty="0" smtClean="0"/>
+              <a:rPr lang="de-DE" sz="1800" dirty="0"/>
               <a:t>Dirk Tröndle</a:t>
             </a:r>
-            <a:endParaRPr lang="de-DE" sz="1800" dirty="0"/>
           </a:p>
         </p:txBody>
       </p:sp>
@@ -10115,12 +10024,8 @@
           <a:lstStyle/>
           <a:p>
             <a:r>
-              <a:rPr lang="de-DE" sz="1800" dirty="0" smtClean="0"/>
-              <a:t>Johannes </a:t>
-            </a:r>
-            <a:r>
               <a:rPr lang="de-DE" sz="1800" dirty="0"/>
-              <a:t>Göring</a:t>
+              <a:t>Johannes Göring</a:t>
             </a:r>
           </a:p>
         </p:txBody>
@@ -10135,13 +10040,6 @@
   <p:clrMapOvr>
     <a:masterClrMapping/>
   </p:clrMapOvr>
-  <p:timing>
-    <p:tnLst>
-      <p:par>
-        <p:cTn id="1" dur="indefinite" restart="never" nodeType="tmRoot"/>
-      </p:par>
-    </p:tnLst>
-  </p:timing>
 </p:sld>
 </file>
 
@@ -10178,7 +10076,7 @@
           <a:lstStyle/>
           <a:p>
             <a:r>
-              <a:rPr lang="en-US" smtClean="0"/>
+              <a:rPr lang="en-US"/>
               <a:t>Experts in agile software engineering</a:t>
             </a:r>
             <a:endParaRPr lang="de-DE" dirty="0"/>
@@ -10201,10 +10099,9 @@
           <a:lstStyle/>
           <a:p>
             <a:r>
-              <a:rPr lang="de-DE" dirty="0" smtClean="0"/>
+              <a:rPr lang="de-DE" dirty="0"/>
               <a:t>Beispiel für „Text mit Sub ohne Bild“</a:t>
             </a:r>
-            <a:endParaRPr lang="de-DE" dirty="0"/>
           </a:p>
         </p:txBody>
       </p:sp>
@@ -10227,18 +10124,17 @@
               <a:buNone/>
             </a:pPr>
             <a:r>
-              <a:rPr lang="de-DE" dirty="0" smtClean="0"/>
+              <a:rPr lang="de-DE" dirty="0"/>
               <a:t>Hier ist jetzt über die ganze Folie hinweg Platz für Text. Wenn man ein Bild möchte, bitte das Layout „Titel </a:t>
             </a:r>
             <a:r>
-              <a:rPr lang="de-DE" dirty="0" err="1" smtClean="0"/>
+              <a:rPr lang="de-DE" dirty="0" err="1"/>
               <a:t>subtitel</a:t>
             </a:r>
             <a:r>
-              <a:rPr lang="de-DE" dirty="0" smtClean="0"/>
+              <a:rPr lang="de-DE" dirty="0"/>
               <a:t> Text Platz für Bild“ nehmen.</a:t>
             </a:r>
-            <a:endParaRPr lang="de-DE" dirty="0"/>
           </a:p>
         </p:txBody>
       </p:sp>
@@ -10337,11 +10233,11 @@
           <a:lstStyle/>
           <a:p>
             <a:r>
-              <a:rPr lang="de-DE" dirty="0" smtClean="0"/>
+              <a:rPr lang="de-DE" dirty="0"/>
               <a:t>Ich bin wie immer der </a:t>
             </a:r>
             <a:r>
-              <a:rPr lang="de-DE" dirty="0" err="1" smtClean="0"/>
+              <a:rPr lang="de-DE" dirty="0" err="1"/>
               <a:t>Subtitel</a:t>
             </a:r>
             <a:endParaRPr lang="de-DE" dirty="0"/>
@@ -10394,10 +10290,9 @@
           <a:lstStyle/>
           <a:p>
             <a:r>
-              <a:rPr lang="de-DE" dirty="0" smtClean="0"/>
+              <a:rPr lang="de-DE" dirty="0"/>
               <a:t>Beispiel für „Titel ohne Sub“ (hat auch sonst nix, alles frei)</a:t>
             </a:r>
-            <a:endParaRPr lang="de-DE" dirty="0"/>
           </a:p>
         </p:txBody>
       </p:sp>
@@ -10441,7 +10336,7 @@
           <a:lstStyle/>
           <a:p>
             <a:r>
-              <a:rPr lang="en-US" smtClean="0"/>
+              <a:rPr lang="en-US"/>
               <a:t>Experts in agile software engineering</a:t>
             </a:r>
             <a:endParaRPr lang="de-DE" dirty="0"/>
@@ -10494,10 +10389,9 @@
           <a:lstStyle/>
           <a:p>
             <a:r>
-              <a:rPr lang="de-DE" dirty="0" smtClean="0"/>
+              <a:rPr lang="de-DE" dirty="0"/>
               <a:t>Beispiel für „Titel mit Sub“ (und sonst nix)</a:t>
             </a:r>
-            <a:endParaRPr lang="de-DE" dirty="0"/>
           </a:p>
         </p:txBody>
       </p:sp>
@@ -10541,11 +10435,11 @@
           <a:lstStyle/>
           <a:p>
             <a:r>
-              <a:rPr lang="de-DE" dirty="0" smtClean="0"/>
+              <a:rPr lang="de-DE" dirty="0"/>
               <a:t>Ich bin das Beispiel für einen </a:t>
             </a:r>
             <a:r>
-              <a:rPr lang="de-DE" dirty="0" err="1" smtClean="0"/>
+              <a:rPr lang="de-DE" dirty="0" err="1"/>
               <a:t>Subtitel</a:t>
             </a:r>
             <a:endParaRPr lang="de-DE" dirty="0"/>
@@ -10568,7 +10462,7 @@
           <a:lstStyle/>
           <a:p>
             <a:r>
-              <a:rPr lang="en-US" smtClean="0"/>
+              <a:rPr lang="en-US"/>
               <a:t>Experts in agile software engineering</a:t>
             </a:r>
             <a:endParaRPr lang="de-DE" dirty="0"/>
@@ -10659,10 +10553,9 @@
           <a:lstStyle/>
           <a:p>
             <a:r>
-              <a:rPr lang="de-DE" dirty="0" smtClean="0"/>
+              <a:rPr lang="de-DE" dirty="0"/>
               <a:t>Ich bin ein Beispiel für „2 Blöcke Vergleich“</a:t>
             </a:r>
-            <a:endParaRPr lang="de-DE" dirty="0"/>
           </a:p>
         </p:txBody>
       </p:sp>
@@ -10761,7 +10654,7 @@
           <a:lstStyle/>
           <a:p>
             <a:r>
-              <a:rPr lang="en-US" smtClean="0"/>
+              <a:rPr lang="en-US"/>
               <a:t>Experts in agile software engineering</a:t>
             </a:r>
             <a:endParaRPr lang="de-DE" dirty="0"/>
@@ -10852,10 +10745,9 @@
           <a:lstStyle/>
           <a:p>
             <a:r>
-              <a:rPr lang="de-DE" dirty="0" smtClean="0"/>
+              <a:rPr lang="de-DE" dirty="0"/>
               <a:t>Bsp. für „Zwischenfolie Titel einzeilig mit Sub“</a:t>
             </a:r>
-            <a:endParaRPr lang="de-DE" dirty="0"/>
           </a:p>
         </p:txBody>
       </p:sp>
@@ -10875,10 +10767,9 @@
           <a:lstStyle/>
           <a:p>
             <a:r>
-              <a:rPr lang="de-DE" dirty="0" smtClean="0"/>
+              <a:rPr lang="de-DE" dirty="0"/>
               <a:t>Ich bin der Untertitel dieser Folie</a:t>
             </a:r>
-            <a:endParaRPr lang="de-DE" dirty="0"/>
           </a:p>
         </p:txBody>
       </p:sp>
@@ -10962,18 +10853,9 @@
           <a:lstStyle/>
           <a:p>
             <a:r>
-              <a:rPr lang="de-DE" dirty="0" smtClean="0"/>
-              <a:t>Ich bin ein Beispiel für „Zwischenfolie Titel zweizeilig</a:t>
-            </a:r>
-            <a:r>
-              <a:rPr lang="de-DE" dirty="0"/>
-              <a:t> </a:t>
-            </a:r>
-            <a:r>
-              <a:rPr lang="de-DE" dirty="0" smtClean="0"/>
-              <a:t>mit Sub“ und habe 2 Zeilen</a:t>
-            </a:r>
-            <a:endParaRPr lang="de-DE" dirty="0"/>
+              <a:rPr lang="de-DE" dirty="0"/>
+              <a:t>Ich bin ein Beispiel für „Zwischenfolie Titel zweizeilig mit Sub“ und habe 2 Zeilen</a:t>
+            </a:r>
           </a:p>
         </p:txBody>
       </p:sp>
@@ -10993,10 +10875,9 @@
           <a:lstStyle/>
           <a:p>
             <a:r>
-              <a:rPr lang="de-DE" dirty="0" smtClean="0"/>
+              <a:rPr lang="de-DE" dirty="0"/>
               <a:t>Ich bin immer noch der Untertitel</a:t>
             </a:r>
-            <a:endParaRPr lang="de-DE" dirty="0"/>
           </a:p>
         </p:txBody>
       </p:sp>
@@ -11016,14 +10897,14 @@
           <a:lstStyle/>
           <a:p>
             <a:r>
-              <a:rPr lang="en-US" smtClean="0">
+              <a:rPr lang="en-US">
                 <a:solidFill>
                   <a:srgbClr val="BABABA"/>
                 </a:solidFill>
               </a:rPr>
               <a:t>Experts in agile software engineering</a:t>
             </a:r>
-            <a:endParaRPr lang="de-DE" dirty="0" smtClean="0">
+            <a:endParaRPr lang="de-DE" dirty="0">
               <a:solidFill>
                 <a:srgbClr val="BABABA"/>
               </a:solidFill>
@@ -11077,7 +10958,7 @@
           <a:lstStyle/>
           <a:p>
             <a:r>
-              <a:rPr lang="en-US" smtClean="0"/>
+              <a:rPr lang="en-US"/>
               <a:t>Experts in agile software engineering</a:t>
             </a:r>
             <a:endParaRPr lang="en-US" dirty="0"/>
@@ -11126,10 +11007,9 @@
           <a:lstStyle/>
           <a:p>
             <a:r>
-              <a:rPr lang="de-DE" dirty="0" smtClean="0"/>
+              <a:rPr lang="de-DE" dirty="0"/>
               <a:t>WIP – Agenda</a:t>
             </a:r>
-            <a:endParaRPr lang="de-DE" dirty="0"/>
           </a:p>
         </p:txBody>
       </p:sp>
@@ -11149,23 +11029,21 @@
           <a:lstStyle/>
           <a:p>
             <a:r>
-              <a:rPr lang="de-DE" dirty="0" smtClean="0"/>
+              <a:rPr lang="de-DE" dirty="0"/>
               <a:t>Projekt Einrichten</a:t>
             </a:r>
-            <a:endParaRPr lang="de-DE" dirty="0" smtClean="0"/>
-          </a:p>
-          <a:p>
-            <a:r>
-              <a:rPr lang="de-DE" dirty="0" smtClean="0"/>
+          </a:p>
+          <a:p>
+            <a:r>
+              <a:rPr lang="de-DE" dirty="0"/>
               <a:t>Kurze Erklärung</a:t>
             </a:r>
           </a:p>
           <a:p>
             <a:r>
-              <a:rPr lang="de-DE" dirty="0" smtClean="0"/>
+              <a:rPr lang="de-DE" dirty="0"/>
               <a:t>Aufgaben</a:t>
             </a:r>
-            <a:endParaRPr lang="de-DE" dirty="0" smtClean="0"/>
           </a:p>
         </p:txBody>
       </p:sp>
@@ -11245,7 +11123,7 @@
           <a:lstStyle/>
           <a:p>
             <a:r>
-              <a:rPr lang="en-US" smtClean="0"/>
+              <a:rPr lang="en-US"/>
               <a:t>Experts in agile software engineering</a:t>
             </a:r>
             <a:endParaRPr lang="de-DE" dirty="0"/>
@@ -11268,12 +11146,8 @@
           <a:lstStyle/>
           <a:p>
             <a:r>
-              <a:rPr lang="en-US" dirty="0" smtClean="0"/>
-              <a:t>Abstract </a:t>
-            </a:r>
-            <a:r>
               <a:rPr lang="en-US" dirty="0"/>
-              <a:t>Tests </a:t>
+              <a:t>Abstract Tests </a:t>
             </a:r>
             <a:r>
               <a:rPr lang="en-US" dirty="0" err="1"/>
@@ -11281,11 +11155,7 @@
             </a:r>
             <a:r>
               <a:rPr lang="en-US" dirty="0"/>
-              <a:t> </a:t>
-            </a:r>
-            <a:r>
-              <a:rPr lang="en-US" dirty="0" smtClean="0"/>
-              <a:t>Contracts</a:t>
+              <a:t> Contracts</a:t>
             </a:r>
             <a:endParaRPr lang="de-DE" dirty="0"/>
           </a:p>
@@ -11310,11 +11180,11 @@
               <a:buNone/>
             </a:pPr>
             <a:r>
-              <a:rPr lang="de-DE" dirty="0" err="1" smtClean="0"/>
-              <a:t>Junit</a:t>
-            </a:r>
-            <a:r>
-              <a:rPr lang="de-DE" dirty="0" smtClean="0"/>
+              <a:rPr lang="de-DE" dirty="0" err="1"/>
+              <a:t>JUnit</a:t>
+            </a:r>
+            <a:r>
+              <a:rPr lang="de-DE" dirty="0"/>
               <a:t> 4 verwendet Abstract Tests </a:t>
             </a:r>
           </a:p>
@@ -11329,15 +11199,15 @@
               <a:buNone/>
             </a:pPr>
             <a:r>
-              <a:rPr lang="de-DE" dirty="0" smtClean="0"/>
+              <a:rPr lang="de-DE" dirty="0"/>
               <a:t>Mit </a:t>
             </a:r>
             <a:r>
-              <a:rPr lang="de-DE" dirty="0" err="1" smtClean="0"/>
-              <a:t>Junit</a:t>
-            </a:r>
-            <a:r>
-              <a:rPr lang="de-DE" dirty="0" smtClean="0"/>
+              <a:rPr lang="de-DE" dirty="0" err="1"/>
+              <a:t>JUnit</a:t>
+            </a:r>
+            <a:r>
+              <a:rPr lang="de-DE" dirty="0"/>
               <a:t> 5 und Java 8 steht eine neue Schreibweise zur Verfügung.</a:t>
             </a:r>
           </a:p>
@@ -11346,15 +11216,15 @@
               <a:buNone/>
             </a:pPr>
             <a:r>
-              <a:rPr lang="de-DE" dirty="0" smtClean="0"/>
+              <a:rPr lang="de-DE" dirty="0"/>
               <a:t>Hier werden solche Test als </a:t>
             </a:r>
             <a:r>
-              <a:rPr lang="de-DE" dirty="0" err="1" smtClean="0"/>
+              <a:rPr lang="de-DE" dirty="0" err="1"/>
               <a:t>Contracts</a:t>
             </a:r>
             <a:r>
-              <a:rPr lang="de-DE" dirty="0" smtClean="0"/>
+              <a:rPr lang="de-DE" dirty="0"/>
               <a:t> bezeichnet.</a:t>
             </a:r>
           </a:p>
@@ -11369,10 +11239,9 @@
               <a:buNone/>
             </a:pPr>
             <a:r>
-              <a:rPr lang="de-DE" dirty="0" smtClean="0"/>
+              <a:rPr lang="de-DE" dirty="0"/>
               <a:t>Sie nutzten Java 8 Interfaces.</a:t>
             </a:r>
-            <a:endParaRPr lang="de-DE" dirty="0"/>
           </a:p>
         </p:txBody>
       </p:sp>
@@ -11550,7 +11419,7 @@
           <a:lstStyle/>
           <a:p>
             <a:r>
-              <a:rPr lang="en-US" smtClean="0"/>
+              <a:rPr lang="en-US"/>
               <a:t>Experts in agile software engineering</a:t>
             </a:r>
             <a:endParaRPr lang="de-DE" dirty="0"/>
@@ -11608,7 +11477,7 @@
           <a:lstStyle/>
           <a:p>
             <a:r>
-              <a:rPr lang="de-DE" dirty="0" smtClean="0"/>
+              <a:rPr lang="de-DE" dirty="0"/>
               <a:t>Alt:</a:t>
             </a:r>
           </a:p>
@@ -11617,45 +11486,41 @@
               <a:buNone/>
             </a:pPr>
             <a:r>
-              <a:rPr lang="de-DE" dirty="0" smtClean="0"/>
+              <a:rPr lang="de-DE" dirty="0"/>
               <a:t>@</a:t>
             </a:r>
             <a:r>
-              <a:rPr lang="de-DE" dirty="0" err="1" smtClean="0"/>
+              <a:rPr lang="de-DE" dirty="0" err="1"/>
               <a:t>Rule</a:t>
             </a:r>
-            <a:endParaRPr lang="de-DE" dirty="0" smtClean="0"/>
+            <a:endParaRPr lang="de-DE" dirty="0"/>
           </a:p>
           <a:p>
             <a:pPr marL="0" indent="0">
               <a:buNone/>
             </a:pPr>
             <a:r>
-              <a:rPr lang="de-DE" dirty="0" err="1" smtClean="0"/>
+              <a:rPr lang="de-DE" dirty="0" err="1"/>
               <a:t>ExpectedException</a:t>
             </a:r>
             <a:r>
-              <a:rPr lang="de-DE" dirty="0" smtClean="0"/>
+              <a:rPr lang="de-DE" dirty="0"/>
               <a:t> </a:t>
             </a:r>
             <a:r>
-              <a:rPr lang="de-DE" dirty="0" err="1" smtClean="0"/>
+              <a:rPr lang="de-DE" dirty="0" err="1"/>
               <a:t>expect</a:t>
             </a:r>
             <a:r>
-              <a:rPr lang="de-DE" dirty="0" smtClean="0"/>
-              <a:t> </a:t>
-            </a:r>
-            <a:r>
-              <a:rPr lang="de-DE" dirty="0"/>
-              <a:t>= </a:t>
-            </a:r>
-            <a:r>
-              <a:rPr lang="de-DE" dirty="0" err="1" smtClean="0"/>
+              <a:rPr lang="de-DE" dirty="0"/>
+              <a:t> = </a:t>
+            </a:r>
+            <a:r>
+              <a:rPr lang="de-DE" dirty="0" err="1"/>
               <a:t>ExpectedException.none</a:t>
             </a:r>
             <a:r>
-              <a:rPr lang="de-DE" dirty="0" smtClean="0"/>
+              <a:rPr lang="de-DE" dirty="0"/>
               <a:t>();</a:t>
             </a:r>
           </a:p>
@@ -11664,7 +11529,7 @@
               <a:buNone/>
             </a:pPr>
             <a:r>
-              <a:rPr lang="de-DE" dirty="0" smtClean="0"/>
+              <a:rPr lang="de-DE" dirty="0"/>
               <a:t>…</a:t>
             </a:r>
           </a:p>
@@ -11673,62 +11538,59 @@
               <a:buNone/>
             </a:pPr>
             <a:r>
-              <a:rPr lang="de-DE" dirty="0" err="1" smtClean="0"/>
+              <a:rPr lang="de-DE" dirty="0" err="1"/>
               <a:t>expect.expect</a:t>
             </a:r>
             <a:r>
-              <a:rPr lang="de-DE" dirty="0" smtClean="0"/>
+              <a:rPr lang="de-DE" dirty="0"/>
               <a:t>(</a:t>
             </a:r>
             <a:r>
-              <a:rPr lang="de-DE" dirty="0" err="1" smtClean="0"/>
+              <a:rPr lang="de-DE" dirty="0" err="1"/>
               <a:t>Exception.class</a:t>
             </a:r>
             <a:r>
               <a:rPr lang="de-DE" dirty="0"/>
               <a:t>);</a:t>
             </a:r>
-            <a:endParaRPr lang="de-DE" dirty="0" smtClean="0"/>
           </a:p>
           <a:p>
             <a:endParaRPr lang="de-DE" dirty="0"/>
           </a:p>
           <a:p>
             <a:r>
-              <a:rPr lang="de-DE" dirty="0" smtClean="0"/>
+              <a:rPr lang="de-DE" dirty="0"/>
               <a:t>Neu:</a:t>
             </a:r>
-            <a:endParaRPr lang="de-DE" dirty="0"/>
           </a:p>
           <a:p>
             <a:pPr marL="0" indent="0">
               <a:buNone/>
             </a:pPr>
             <a:r>
-              <a:rPr lang="de-DE" dirty="0" err="1" smtClean="0"/>
+              <a:rPr lang="de-DE" dirty="0" err="1"/>
               <a:t>assertThrows</a:t>
             </a:r>
             <a:r>
-              <a:rPr lang="de-DE" dirty="0" smtClean="0"/>
+              <a:rPr lang="de-DE" dirty="0"/>
               <a:t>(</a:t>
             </a:r>
             <a:r>
-              <a:rPr lang="de-DE" dirty="0" err="1" smtClean="0"/>
+              <a:rPr lang="de-DE" dirty="0" err="1"/>
               <a:t>Exception.class</a:t>
             </a:r>
             <a:r>
-              <a:rPr lang="de-DE" dirty="0" smtClean="0"/>
+              <a:rPr lang="de-DE" dirty="0"/>
               <a:t>, </a:t>
             </a:r>
             <a:r>
-              <a:rPr lang="de-DE" dirty="0" err="1" smtClean="0"/>
+              <a:rPr lang="de-DE" dirty="0" err="1"/>
               <a:t>ExceptionThrowingFunction</a:t>
             </a:r>
             <a:r>
-              <a:rPr lang="de-DE" dirty="0" smtClean="0"/>
+              <a:rPr lang="de-DE" dirty="0"/>
               <a:t>);</a:t>
             </a:r>
-            <a:endParaRPr lang="de-DE" dirty="0" smtClean="0"/>
           </a:p>
         </p:txBody>
       </p:sp>
@@ -11876,7 +11738,7 @@
           <a:lstStyle/>
           <a:p>
             <a:r>
-              <a:rPr lang="en-US" smtClean="0"/>
+              <a:rPr lang="en-US"/>
               <a:t>Experts in agile software engineering</a:t>
             </a:r>
             <a:endParaRPr lang="de-DE" dirty="0"/>
@@ -11899,10 +11761,9 @@
           <a:lstStyle/>
           <a:p>
             <a:r>
-              <a:rPr lang="de-DE" dirty="0" smtClean="0"/>
+              <a:rPr lang="de-DE" dirty="0"/>
               <a:t>Ich bin „Übung mit Sub Bild“</a:t>
             </a:r>
-            <a:endParaRPr lang="de-DE" dirty="0"/>
           </a:p>
         </p:txBody>
       </p:sp>
@@ -11922,10 +11783,9 @@
           <a:lstStyle/>
           <a:p>
             <a:r>
-              <a:rPr lang="de-DE" dirty="0" smtClean="0"/>
+              <a:rPr lang="de-DE" dirty="0"/>
               <a:t>Ich bin die Beschreibung der Übung. Neben mir ist noch Platz für ein Bild.</a:t>
             </a:r>
-            <a:endParaRPr lang="de-DE" dirty="0"/>
           </a:p>
         </p:txBody>
       </p:sp>
@@ -12043,11 +11903,11 @@
           <a:lstStyle/>
           <a:p>
             <a:r>
-              <a:rPr lang="de-DE" dirty="0" smtClean="0"/>
+              <a:rPr lang="de-DE" dirty="0"/>
               <a:t>Daher bin ich der </a:t>
             </a:r>
             <a:r>
-              <a:rPr lang="de-DE" dirty="0" err="1" smtClean="0"/>
+              <a:rPr lang="de-DE" dirty="0" err="1"/>
               <a:t>Subtitel</a:t>
             </a:r>
             <a:endParaRPr lang="de-DE" dirty="0"/>
@@ -12130,7 +11990,7 @@
           <a:lstStyle/>
           <a:p>
             <a:r>
-              <a:rPr lang="en-US" smtClean="0"/>
+              <a:rPr lang="en-US"/>
               <a:t>Experts in agile software engineering</a:t>
             </a:r>
             <a:endParaRPr lang="de-DE" dirty="0"/>
@@ -12153,10 +12013,9 @@
           <a:lstStyle/>
           <a:p>
             <a:r>
-              <a:rPr lang="de-DE" dirty="0" smtClean="0"/>
+              <a:rPr lang="de-DE" dirty="0"/>
               <a:t>Ich bin „Übung mit Sub ohne Bild“</a:t>
             </a:r>
-            <a:endParaRPr lang="de-DE" dirty="0"/>
           </a:p>
         </p:txBody>
       </p:sp>
@@ -12176,14 +12035,13 @@
           <a:lstStyle/>
           <a:p>
             <a:r>
-              <a:rPr lang="de-DE" dirty="0" smtClean="0"/>
+              <a:rPr lang="de-DE" dirty="0"/>
               <a:t>Hier ist die Beschreibung der Übung so lang, dass auf ein Bild </a:t>
             </a:r>
             <a:r>
-              <a:rPr lang="de-DE" smtClean="0"/>
+              <a:rPr lang="de-DE"/>
               <a:t>verzichtet wurde. </a:t>
             </a:r>
-            <a:endParaRPr lang="de-DE"/>
           </a:p>
         </p:txBody>
       </p:sp>
@@ -12301,11 +12159,11 @@
           <a:lstStyle/>
           <a:p>
             <a:r>
-              <a:rPr lang="de-DE" dirty="0" smtClean="0"/>
+              <a:rPr lang="de-DE" dirty="0"/>
               <a:t>Ich bin wie immer der </a:t>
             </a:r>
             <a:r>
-              <a:rPr lang="de-DE" dirty="0" err="1" smtClean="0"/>
+              <a:rPr lang="de-DE" dirty="0" err="1"/>
               <a:t>Subtitel</a:t>
             </a:r>
             <a:endParaRPr lang="de-DE" dirty="0"/>
@@ -12358,18 +12216,17 @@
           <a:lstStyle/>
           <a:p>
             <a:r>
-              <a:rPr lang="de-DE" dirty="0" smtClean="0"/>
+              <a:rPr lang="de-DE" dirty="0"/>
               <a:t>Ein </a:t>
             </a:r>
             <a:r>
-              <a:rPr lang="de-DE" dirty="0" err="1" smtClean="0"/>
+              <a:rPr lang="de-DE" dirty="0" err="1"/>
               <a:t>Bsp</a:t>
             </a:r>
             <a:r>
-              <a:rPr lang="de-DE" dirty="0" smtClean="0"/>
+              <a:rPr lang="de-DE" dirty="0"/>
               <a:t> für das Layout „Text ohne Sub Bild“</a:t>
             </a:r>
-            <a:endParaRPr lang="de-DE" dirty="0"/>
           </a:p>
         </p:txBody>
       </p:sp>
@@ -12508,20 +12365,20 @@
               <a:buNone/>
             </a:pPr>
             <a:r>
-              <a:rPr lang="de-DE" dirty="0" smtClean="0"/>
+              <a:rPr lang="de-DE" dirty="0"/>
               <a:t>Hier ist Platz für den Text.</a:t>
             </a:r>
           </a:p>
           <a:p>
             <a:r>
-              <a:rPr lang="de-DE" dirty="0" smtClean="0"/>
+              <a:rPr lang="de-DE" dirty="0"/>
               <a:t>Auch für Aufzählungen</a:t>
             </a:r>
           </a:p>
           <a:p>
             <a:pPr lvl="1"/>
             <a:r>
-              <a:rPr lang="de-DE" dirty="0" smtClean="0"/>
+              <a:rPr lang="de-DE" dirty="0"/>
               <a:t>und Unter-Aufzählungen</a:t>
             </a:r>
           </a:p>
@@ -12530,7 +12387,7 @@
               <a:buNone/>
             </a:pPr>
             <a:r>
-              <a:rPr lang="de-DE" dirty="0" smtClean="0"/>
+              <a:rPr lang="de-DE" dirty="0"/>
               <a:t>Ab hier ist die Aufzählung zu Ende.</a:t>
             </a:r>
           </a:p>
@@ -12539,7 +12396,7 @@
               <a:buNone/>
             </a:pPr>
             <a:r>
-              <a:rPr lang="de-DE" dirty="0" smtClean="0"/>
+              <a:rPr lang="de-DE" dirty="0"/>
               <a:t>Noch eine Zeile Text.</a:t>
             </a:r>
           </a:p>
@@ -12548,7 +12405,7 @@
               <a:buNone/>
             </a:pPr>
             <a:r>
-              <a:rPr lang="de-DE" dirty="0" smtClean="0"/>
+              <a:rPr lang="de-DE" dirty="0"/>
               <a:t>Noch eine Zeile Text.</a:t>
             </a:r>
           </a:p>
@@ -12557,7 +12414,7 @@
               <a:buNone/>
             </a:pPr>
             <a:r>
-              <a:rPr lang="de-DE" dirty="0" smtClean="0"/>
+              <a:rPr lang="de-DE" dirty="0"/>
               <a:t>Noch eine Zeile Text.</a:t>
             </a:r>
           </a:p>
@@ -12566,7 +12423,7 @@
               <a:buNone/>
             </a:pPr>
             <a:r>
-              <a:rPr lang="de-DE" dirty="0" smtClean="0"/>
+              <a:rPr lang="de-DE" dirty="0"/>
               <a:t>Noch eine Zeile Text.</a:t>
             </a:r>
           </a:p>
@@ -12575,7 +12432,7 @@
               <a:buNone/>
             </a:pPr>
             <a:r>
-              <a:rPr lang="de-DE" dirty="0" smtClean="0"/>
+              <a:rPr lang="de-DE" dirty="0"/>
               <a:t>Noch eine Zeile Text. </a:t>
             </a:r>
           </a:p>
@@ -12584,10 +12441,9 @@
               <a:buNone/>
             </a:pPr>
             <a:r>
-              <a:rPr lang="de-DE" dirty="0" smtClean="0"/>
+              <a:rPr lang="de-DE" dirty="0"/>
               <a:t>Die letzte Zeile Text.</a:t>
             </a:r>
-            <a:endParaRPr lang="de-DE" dirty="0"/>
           </a:p>
         </p:txBody>
       </p:sp>
@@ -12607,7 +12463,7 @@
           <a:lstStyle/>
           <a:p>
             <a:r>
-              <a:rPr lang="en-US" smtClean="0"/>
+              <a:rPr lang="en-US"/>
               <a:t>Experts in agile software engineering</a:t>
             </a:r>
             <a:endParaRPr lang="de-DE" dirty="0"/>
@@ -12660,10 +12516,9 @@
           <a:lstStyle/>
           <a:p>
             <a:r>
-              <a:rPr lang="de-DE" dirty="0" smtClean="0"/>
+              <a:rPr lang="de-DE" dirty="0"/>
               <a:t>Beispiel für ´“Text ohne Sub ohne Bild“</a:t>
             </a:r>
-            <a:endParaRPr lang="de-DE" dirty="0"/>
           </a:p>
         </p:txBody>
       </p:sp>
@@ -12683,7 +12538,7 @@
           <a:lstStyle/>
           <a:p>
             <a:r>
-              <a:rPr lang="de-DE" dirty="0" smtClean="0"/>
+              <a:rPr lang="de-DE" dirty="0"/>
               <a:t>Und ich bin dann der Text, der hier erscheinen kann. Ich laufe über die ganze Folie, und wie immer, wenn das der Fall ist, gibt es kein Bild. Wenn man ein Bild möchte, bitte das Layout „Text ohne Sub Bild“ nehmen.</a:t>
             </a:r>
           </a:p>
@@ -12784,7 +12639,7 @@
           <a:lstStyle/>
           <a:p>
             <a:r>
-              <a:rPr lang="en-US" smtClean="0"/>
+              <a:rPr lang="en-US"/>
               <a:t>Experts in agile software engineering</a:t>
             </a:r>
             <a:endParaRPr lang="de-DE" dirty="0"/>
@@ -12837,7 +12692,7 @@
           <a:lstStyle/>
           <a:p>
             <a:r>
-              <a:rPr lang="en-US" smtClean="0"/>
+              <a:rPr lang="en-US"/>
               <a:t>Experts in agile software engineering</a:t>
             </a:r>
             <a:endParaRPr lang="de-DE" dirty="0"/>
@@ -12860,10 +12715,9 @@
           <a:lstStyle/>
           <a:p>
             <a:r>
-              <a:rPr lang="de-DE" dirty="0" smtClean="0"/>
+              <a:rPr lang="de-DE" dirty="0"/>
               <a:t>Beispiel für „Text mit Sub Bild“</a:t>
             </a:r>
-            <a:endParaRPr lang="de-DE" dirty="0"/>
           </a:p>
         </p:txBody>
       </p:sp>
@@ -12883,16 +12737,15 @@
           <a:lstStyle/>
           <a:p>
             <a:r>
-              <a:rPr lang="de-DE" dirty="0" smtClean="0"/>
+              <a:rPr lang="de-DE" dirty="0"/>
               <a:t>Hier steht wie immer Text</a:t>
             </a:r>
           </a:p>
           <a:p>
             <a:r>
-              <a:rPr lang="de-DE" dirty="0" smtClean="0"/>
+              <a:rPr lang="de-DE" dirty="0"/>
               <a:t>Gerne auch mit Aufzählungen</a:t>
             </a:r>
-            <a:endParaRPr lang="de-DE" dirty="0"/>
           </a:p>
         </p:txBody>
       </p:sp>
@@ -12937,11 +12790,11 @@
           <a:lstStyle/>
           <a:p>
             <a:r>
-              <a:rPr lang="de-DE" dirty="0" smtClean="0"/>
+              <a:rPr lang="de-DE" dirty="0"/>
               <a:t>Hat im Gegensatz zu „Text ohne Sub Bild“ diesen </a:t>
             </a:r>
             <a:r>
-              <a:rPr lang="de-DE" dirty="0" err="1" smtClean="0"/>
+              <a:rPr lang="de-DE" dirty="0" err="1"/>
               <a:t>Subtitel</a:t>
             </a:r>
             <a:endParaRPr lang="de-DE" dirty="0"/>
@@ -14212,6 +14065,24 @@
 </file>
 
 <file path=customXml/item1.xml><?xml version="1.0" encoding="utf-8"?>
+<p:properties xmlns:p="http://schemas.microsoft.com/office/2006/metadata/properties" xmlns:xsi="http://www.w3.org/2001/XMLSchema-instance" xmlns:pc="http://schemas.microsoft.com/office/infopath/2007/PartnerControls">
+  <documentManagement>
+    <_Version xmlns="http://schemas.microsoft.com/sharepoint/v3/fields" xsi:nil="true"/>
+    <_Status xmlns="http://schemas.microsoft.com/sharepoint/v3/fields">Not Started</_Status>
+  </documentManagement>
+</p:properties>
+</file>
+
+<file path=customXml/item2.xml><?xml version="1.0" encoding="utf-8"?>
+<?mso-contentType ?>
+<FormTemplates xmlns="http://schemas.microsoft.com/sharepoint/v3/contenttype/forms">
+  <Display>DocumentLibraryForm</Display>
+  <Edit>DocumentLibraryForm</Edit>
+  <New>DocumentLibraryForm</New>
+</FormTemplates>
+</file>
+
+<file path=customXml/item3.xml><?xml version="1.0" encoding="utf-8"?>
 <ct:contentTypeSchema xmlns:ct="http://schemas.microsoft.com/office/2006/metadata/contentType" xmlns:ma="http://schemas.microsoft.com/office/2006/metadata/properties/metaAttributes" ct:_="" ma:_="" ma:contentTypeName="Document" ma:contentTypeID="0x0101000DE64AEEDD9B7A4D93545ACBE97D4615" ma:contentTypeVersion="2" ma:contentTypeDescription="Create a new document." ma:contentTypeScope="" ma:versionID="f49002b78e3a4a71b814eef46a983816">
   <xsd:schema xmlns:xsd="http://www.w3.org/2001/XMLSchema" xmlns:xs="http://www.w3.org/2001/XMLSchema" xmlns:p="http://schemas.microsoft.com/office/2006/metadata/properties" xmlns:ns2="http://schemas.microsoft.com/sharepoint/v3/fields" targetNamespace="http://schemas.microsoft.com/office/2006/metadata/properties" ma:root="true" ma:fieldsID="38f6db2dd0d9a0cf6a8dc37be32b365b" ns2:_="">
     <xsd:import namespace="http://schemas.microsoft.com/sharepoint/v3/fields"/>
@@ -14355,25 +14226,31 @@
 </ct:contentTypeSchema>
 </file>
 
-<file path=customXml/item2.xml><?xml version="1.0" encoding="utf-8"?>
-<p:properties xmlns:p="http://schemas.microsoft.com/office/2006/metadata/properties" xmlns:xsi="http://www.w3.org/2001/XMLSchema-instance" xmlns:pc="http://schemas.microsoft.com/office/infopath/2007/PartnerControls">
-  <documentManagement>
-    <_Version xmlns="http://schemas.microsoft.com/sharepoint/v3/fields" xsi:nil="true"/>
-    <_Status xmlns="http://schemas.microsoft.com/sharepoint/v3/fields">Not Started</_Status>
-  </documentManagement>
-</p:properties>
+<file path=customXml/itemProps1.xml><?xml version="1.0" encoding="utf-8"?>
+<ds:datastoreItem xmlns:ds="http://schemas.openxmlformats.org/officeDocument/2006/customXml" ds:itemID="{7B6F2769-7194-4217-93D3-3AF3A4742282}">
+  <ds:schemaRefs>
+    <ds:schemaRef ds:uri="http://schemas.microsoft.com/office/infopath/2007/PartnerControls"/>
+    <ds:schemaRef ds:uri="http://purl.org/dc/dcmitype/"/>
+    <ds:schemaRef ds:uri="http://purl.org/dc/terms/"/>
+    <ds:schemaRef ds:uri="http://schemas.microsoft.com/office/2006/documentManagement/types"/>
+    <ds:schemaRef ds:uri="http://schemas.openxmlformats.org/package/2006/metadata/core-properties"/>
+    <ds:schemaRef ds:uri="http://purl.org/dc/elements/1.1/"/>
+    <ds:schemaRef ds:uri="http://schemas.microsoft.com/sharepoint/v3/fields"/>
+    <ds:schemaRef ds:uri="http://schemas.microsoft.com/office/2006/metadata/properties"/>
+    <ds:schemaRef ds:uri="http://www.w3.org/XML/1998/namespace"/>
+  </ds:schemaRefs>
+</ds:datastoreItem>
 </file>
 
-<file path=customXml/item3.xml><?xml version="1.0" encoding="utf-8"?>
-<?mso-contentType ?>
-<FormTemplates xmlns="http://schemas.microsoft.com/sharepoint/v3/contenttype/forms">
-  <Display>DocumentLibraryForm</Display>
-  <Edit>DocumentLibraryForm</Edit>
-  <New>DocumentLibraryForm</New>
-</FormTemplates>
+<file path=customXml/itemProps2.xml><?xml version="1.0" encoding="utf-8"?>
+<ds:datastoreItem xmlns:ds="http://schemas.openxmlformats.org/officeDocument/2006/customXml" ds:itemID="{87D2A1B0-FF3E-4009-940D-AED0EB70AA20}">
+  <ds:schemaRefs>
+    <ds:schemaRef ds:uri="http://schemas.microsoft.com/sharepoint/v3/contenttype/forms"/>
+  </ds:schemaRefs>
+</ds:datastoreItem>
 </file>
 
-<file path=customXml/itemProps1.xml><?xml version="1.0" encoding="utf-8"?>
+<file path=customXml/itemProps3.xml><?xml version="1.0" encoding="utf-8"?>
 <ds:datastoreItem xmlns:ds="http://schemas.openxmlformats.org/officeDocument/2006/customXml" ds:itemID="{E4214858-785C-42F7-BE66-6D0E79395FC8}">
   <ds:schemaRefs>
     <ds:schemaRef ds:uri="http://schemas.microsoft.com/office/2006/metadata/contentType"/>
@@ -14389,28 +14266,4 @@
     <ds:schemaRef ds:uri="http://schemas.microsoft.com/internal/obd"/>
   </ds:schemaRefs>
 </ds:datastoreItem>
-</file>
-
-<file path=customXml/itemProps2.xml><?xml version="1.0" encoding="utf-8"?>
-<ds:datastoreItem xmlns:ds="http://schemas.openxmlformats.org/officeDocument/2006/customXml" ds:itemID="{7B6F2769-7194-4217-93D3-3AF3A4742282}">
-  <ds:schemaRefs>
-    <ds:schemaRef ds:uri="http://schemas.microsoft.com/office/infopath/2007/PartnerControls"/>
-    <ds:schemaRef ds:uri="http://purl.org/dc/dcmitype/"/>
-    <ds:schemaRef ds:uri="http://purl.org/dc/terms/"/>
-    <ds:schemaRef ds:uri="http://schemas.microsoft.com/office/2006/documentManagement/types"/>
-    <ds:schemaRef ds:uri="http://schemas.openxmlformats.org/package/2006/metadata/core-properties"/>
-    <ds:schemaRef ds:uri="http://purl.org/dc/elements/1.1/"/>
-    <ds:schemaRef ds:uri="http://schemas.microsoft.com/sharepoint/v3/fields"/>
-    <ds:schemaRef ds:uri="http://schemas.microsoft.com/office/2006/metadata/properties"/>
-    <ds:schemaRef ds:uri="http://www.w3.org/XML/1998/namespace"/>
-  </ds:schemaRefs>
-</ds:datastoreItem>
-</file>
-
-<file path=customXml/itemProps3.xml><?xml version="1.0" encoding="utf-8"?>
-<ds:datastoreItem xmlns:ds="http://schemas.openxmlformats.org/officeDocument/2006/customXml" ds:itemID="{87D2A1B0-FF3E-4009-940D-AED0EB70AA20}">
-  <ds:schemaRefs>
-    <ds:schemaRef ds:uri="http://schemas.microsoft.com/sharepoint/v3/contenttype/forms"/>
-  </ds:schemaRefs>
-</ds:datastoreItem>
 </file>
--- a/files/Folien.pptx
+++ b/files/Folien.pptx
@@ -6,10 +6,10 @@
     <p:sldMasterId id="2147493488" r:id="rId5"/>
   </p:sldMasterIdLst>
   <p:notesMasterIdLst>
-    <p:notesMasterId r:id="rId21"/>
+    <p:notesMasterId r:id="rId22"/>
   </p:notesMasterIdLst>
   <p:handoutMasterIdLst>
-    <p:handoutMasterId r:id="rId22"/>
+    <p:handoutMasterId r:id="rId23"/>
   </p:handoutMasterIdLst>
   <p:sldIdLst>
     <p:sldId id="268" r:id="rId6"/>
@@ -18,15 +18,16 @@
     <p:sldId id="294" r:id="rId9"/>
     <p:sldId id="295" r:id="rId10"/>
     <p:sldId id="296" r:id="rId11"/>
-    <p:sldId id="277" r:id="rId12"/>
-    <p:sldId id="282" r:id="rId13"/>
-    <p:sldId id="283" r:id="rId14"/>
-    <p:sldId id="290" r:id="rId15"/>
-    <p:sldId id="284" r:id="rId16"/>
-    <p:sldId id="285" r:id="rId17"/>
-    <p:sldId id="297" r:id="rId18"/>
-    <p:sldId id="272" r:id="rId19"/>
-    <p:sldId id="273" r:id="rId20"/>
+    <p:sldId id="298" r:id="rId12"/>
+    <p:sldId id="277" r:id="rId13"/>
+    <p:sldId id="282" r:id="rId14"/>
+    <p:sldId id="283" r:id="rId15"/>
+    <p:sldId id="290" r:id="rId16"/>
+    <p:sldId id="284" r:id="rId17"/>
+    <p:sldId id="285" r:id="rId18"/>
+    <p:sldId id="297" r:id="rId19"/>
+    <p:sldId id="272" r:id="rId20"/>
+    <p:sldId id="273" r:id="rId21"/>
   </p:sldIdLst>
   <p:sldSz cx="9144000" cy="5143500" type="screen16x9"/>
   <p:notesSz cx="6794500" cy="9982200"/>
@@ -261,7 +262,7 @@
           <a:p>
             <a:fld id="{1869EC12-32BB-B84B-964B-77CD8A6EA5B5}" type="datetimeFigureOut">
               <a:rPr lang="de-DE" smtClean="0"/>
-              <a:t>26.04.2018</a:t>
+              <a:t>07.05.2018</a:t>
             </a:fld>
             <a:endParaRPr lang="de-DE" dirty="0"/>
           </a:p>
@@ -427,7 +428,7 @@
           <a:p>
             <a:fld id="{396D8CEF-220A-EC43-8099-BAE7D65DBE3D}" type="datetimeFigureOut">
               <a:rPr lang="de-DE" smtClean="0"/>
-              <a:t>26.04.2018</a:t>
+              <a:t>07.05.2018</a:t>
             </a:fld>
             <a:endParaRPr lang="de-DE" dirty="0"/>
           </a:p>
@@ -10062,7 +10063,7 @@
       </p:grpSpPr>
       <p:sp>
         <p:nvSpPr>
-          <p:cNvPr id="2" name="Fußzeilenplatzhalter 1"/>
+          <p:cNvPr id="11" name="Fußzeilenplatzhalter 10"/>
           <p:cNvSpPr>
             <a:spLocks noGrp="1"/>
           </p:cNvSpPr>
@@ -10085,7 +10086,7 @@
       </p:sp>
       <p:sp>
         <p:nvSpPr>
-          <p:cNvPr id="3" name="Titel 2"/>
+          <p:cNvPr id="2" name="Titel 1"/>
           <p:cNvSpPr>
             <a:spLocks noGrp="1"/>
           </p:cNvSpPr>
@@ -10100,14 +10101,14 @@
           <a:p>
             <a:r>
               <a:rPr lang="de-DE" dirty="0"/>
-              <a:t>Beispiel für „Text mit Sub ohne Bild“</a:t>
-            </a:r>
-          </a:p>
-        </p:txBody>
-      </p:sp>
-      <p:sp>
-        <p:nvSpPr>
-          <p:cNvPr id="4" name="Inhaltsplatzhalter 3"/>
+              <a:t>Beispiel für „Text mit Sub Bild“</a:t>
+            </a:r>
+          </a:p>
+        </p:txBody>
+      </p:sp>
+      <p:sp>
+        <p:nvSpPr>
+          <p:cNvPr id="3" name="Inhaltsplatzhalter 2"/>
           <p:cNvSpPr>
             <a:spLocks noGrp="1"/>
           </p:cNvSpPr>
@@ -10120,27 +10121,22 @@
           <a:bodyPr/>
           <a:lstStyle/>
           <a:p>
-            <a:pPr marL="0" indent="0">
-              <a:buNone/>
-            </a:pPr>
-            <a:r>
-              <a:rPr lang="de-DE" dirty="0"/>
-              <a:t>Hier ist jetzt über die ganze Folie hinweg Platz für Text. Wenn man ein Bild möchte, bitte das Layout „Titel </a:t>
-            </a:r>
-            <a:r>
-              <a:rPr lang="de-DE" dirty="0" err="1"/>
-              <a:t>subtitel</a:t>
-            </a:r>
-            <a:r>
-              <a:rPr lang="de-DE" dirty="0"/>
-              <a:t> Text Platz für Bild“ nehmen.</a:t>
-            </a:r>
-          </a:p>
-        </p:txBody>
-      </p:sp>
-      <p:sp>
-        <p:nvSpPr>
-          <p:cNvPr id="5" name="Foliennummernplatzhalter 4"/>
+            <a:r>
+              <a:rPr lang="de-DE" dirty="0"/>
+              <a:t>Hier steht wie immer Text</a:t>
+            </a:r>
+          </a:p>
+          <a:p>
+            <a:r>
+              <a:rPr lang="de-DE" dirty="0"/>
+              <a:t>Gerne auch mit Aufzählungen</a:t>
+            </a:r>
+          </a:p>
+        </p:txBody>
+      </p:sp>
+      <p:sp>
+        <p:nvSpPr>
+          <p:cNvPr id="4" name="Foliennummernplatzhalter 3"/>
           <p:cNvSpPr>
             <a:spLocks noGrp="1"/>
           </p:cNvSpPr>
@@ -10153,73 +10149,19 @@
           <a:bodyPr/>
           <a:lstStyle/>
           <a:p>
-            <a:pPr marL="0" marR="0" lvl="0" indent="0" algn="ctr" defTabSz="914400" eaLnBrk="1" fontAlgn="auto" latinLnBrk="0" hangingPunct="1">
-              <a:lnSpc>
-                <a:spcPct val="100000"/>
-              </a:lnSpc>
-              <a:spcBef>
-                <a:spcPts val="0"/>
-              </a:spcBef>
-              <a:spcAft>
-                <a:spcPts val="0"/>
-              </a:spcAft>
-              <a:buClrTx/>
-              <a:buSzTx/>
-              <a:buFontTx/>
-              <a:buNone/>
-              <a:tabLst/>
-              <a:defRPr/>
-            </a:pPr>
+            <a:pPr lvl="0"/>
             <a:fld id="{6C6AE60A-B69C-4790-82F7-3882EDF23186}" type="slidenum">
-              <a:rPr kumimoji="0" lang="de-DE" sz="1000" b="0" i="0" u="none" strike="noStrike" kern="0" cap="none" spc="0" normalizeH="0" baseline="0" noProof="0" smtClean="0">
-                <a:ln>
-                  <a:noFill/>
-                </a:ln>
-                <a:solidFill>
-                  <a:srgbClr val="51A025"/>
-                </a:solidFill>
-                <a:effectLst/>
-                <a:uLnTx/>
-                <a:uFillTx/>
-                <a:latin typeface="Calibri"/>
-              </a:rPr>
-              <a:pPr marL="0" marR="0" lvl="0" indent="0" algn="ctr" defTabSz="914400" eaLnBrk="1" fontAlgn="auto" latinLnBrk="0" hangingPunct="1">
-                <a:lnSpc>
-                  <a:spcPct val="100000"/>
-                </a:lnSpc>
-                <a:spcBef>
-                  <a:spcPts val="0"/>
-                </a:spcBef>
-                <a:spcAft>
-                  <a:spcPts val="0"/>
-                </a:spcAft>
-                <a:buClrTx/>
-                <a:buSzTx/>
-                <a:buFontTx/>
-                <a:buNone/>
-                <a:tabLst/>
-                <a:defRPr/>
-              </a:pPr>
+              <a:rPr lang="de-DE" noProof="0" smtClean="0"/>
+              <a:pPr lvl="0"/>
               <a:t>10</a:t>
             </a:fld>
-            <a:endParaRPr kumimoji="0" lang="de-DE" sz="1000" b="0" i="0" u="none" strike="noStrike" kern="0" cap="none" spc="0" normalizeH="0" baseline="0" noProof="0" dirty="0">
-              <a:ln>
-                <a:noFill/>
-              </a:ln>
-              <a:solidFill>
-                <a:srgbClr val="51A025"/>
-              </a:solidFill>
-              <a:effectLst/>
-              <a:uLnTx/>
-              <a:uFillTx/>
-              <a:latin typeface="Calibri"/>
-            </a:endParaRPr>
-          </a:p>
-        </p:txBody>
-      </p:sp>
-      <p:sp>
-        <p:nvSpPr>
-          <p:cNvPr id="6" name="Textplatzhalter 5"/>
+            <a:endParaRPr lang="de-DE" noProof="0" dirty="0"/>
+          </a:p>
+        </p:txBody>
+      </p:sp>
+      <p:sp>
+        <p:nvSpPr>
+          <p:cNvPr id="5" name="Textplatzhalter 4"/>
           <p:cNvSpPr>
             <a:spLocks noGrp="1"/>
           </p:cNvSpPr>
@@ -10234,7 +10176,7 @@
           <a:p>
             <a:r>
               <a:rPr lang="de-DE" dirty="0"/>
-              <a:t>Ich bin wie immer der </a:t>
+              <a:t>Hat im Gegensatz zu „Text ohne Sub Bild“ diesen </a:t>
             </a:r>
             <a:r>
               <a:rPr lang="de-DE" dirty="0" err="1"/>
@@ -10244,10 +10186,40 @@
           </a:p>
         </p:txBody>
       </p:sp>
+      <p:pic>
+        <p:nvPicPr>
+          <p:cNvPr id="6" name="Grafik 5"/>
+          <p:cNvPicPr>
+            <a:picLocks noChangeAspect="1"/>
+          </p:cNvPicPr>
+          <p:nvPr/>
+        </p:nvPicPr>
+        <p:blipFill>
+          <a:blip r:embed="rId2">
+            <a:extLst>
+              <a:ext uri="{28A0092B-C50C-407E-A947-70E740481C1C}">
+                <a14:useLocalDpi xmlns:a14="http://schemas.microsoft.com/office/drawing/2010/main" val="0"/>
+              </a:ext>
+            </a:extLst>
+          </a:blip>
+          <a:stretch>
+            <a:fillRect/>
+          </a:stretch>
+        </p:blipFill>
+        <p:spPr>
+          <a:xfrm>
+            <a:off x="6005911" y="1803400"/>
+            <a:ext cx="2799952" cy="2814460"/>
+          </a:xfrm>
+          <a:prstGeom prst="rect">
+            <a:avLst/>
+          </a:prstGeom>
+        </p:spPr>
+      </p:pic>
     </p:spTree>
     <p:extLst>
       <p:ext uri="{BB962C8B-B14F-4D97-AF65-F5344CB8AC3E}">
-        <p14:creationId xmlns:p14="http://schemas.microsoft.com/office/powerpoint/2010/main" val="2878903141"/>
+        <p14:creationId xmlns:p14="http://schemas.microsoft.com/office/powerpoint/2010/main" val="2774254206"/>
       </p:ext>
     </p:extLst>
   </p:cSld>
@@ -10276,12 +10248,12 @@
       </p:grpSpPr>
       <p:sp>
         <p:nvSpPr>
-          <p:cNvPr id="2" name="Titel 1"/>
-          <p:cNvSpPr>
-            <a:spLocks noGrp="1"/>
-          </p:cNvSpPr>
-          <p:nvPr>
-            <p:ph type="title"/>
+          <p:cNvPr id="2" name="Fußzeilenplatzhalter 1"/>
+          <p:cNvSpPr>
+            <a:spLocks noGrp="1"/>
+          </p:cNvSpPr>
+          <p:nvPr>
+            <p:ph type="ftr" sz="quarter" idx="10"/>
           </p:nvPr>
         </p:nvSpPr>
         <p:spPr/>
@@ -10290,20 +10262,21 @@
           <a:lstStyle/>
           <a:p>
             <a:r>
-              <a:rPr lang="de-DE" dirty="0"/>
-              <a:t>Beispiel für „Titel ohne Sub“ (hat auch sonst nix, alles frei)</a:t>
-            </a:r>
-          </a:p>
-        </p:txBody>
-      </p:sp>
-      <p:sp>
-        <p:nvSpPr>
-          <p:cNvPr id="3" name="Foliennummernplatzhalter 2"/>
-          <p:cNvSpPr>
-            <a:spLocks noGrp="1"/>
-          </p:cNvSpPr>
-          <p:nvPr>
-            <p:ph type="sldNum" sz="quarter" idx="11"/>
+              <a:rPr lang="en-US"/>
+              <a:t>Experts in agile software engineering</a:t>
+            </a:r>
+            <a:endParaRPr lang="de-DE" dirty="0"/>
+          </a:p>
+        </p:txBody>
+      </p:sp>
+      <p:sp>
+        <p:nvSpPr>
+          <p:cNvPr id="3" name="Titel 2"/>
+          <p:cNvSpPr>
+            <a:spLocks noGrp="1"/>
+          </p:cNvSpPr>
+          <p:nvPr>
+            <p:ph type="title"/>
           </p:nvPr>
         </p:nvSpPr>
         <p:spPr/>
@@ -10311,23 +10284,133 @@
           <a:bodyPr/>
           <a:lstStyle/>
           <a:p>
+            <a:r>
+              <a:rPr lang="de-DE" dirty="0"/>
+              <a:t>Beispiel für „Text mit Sub ohne Bild“</a:t>
+            </a:r>
+          </a:p>
+        </p:txBody>
+      </p:sp>
+      <p:sp>
+        <p:nvSpPr>
+          <p:cNvPr id="4" name="Inhaltsplatzhalter 3"/>
+          <p:cNvSpPr>
+            <a:spLocks noGrp="1"/>
+          </p:cNvSpPr>
+          <p:nvPr>
+            <p:ph idx="12"/>
+          </p:nvPr>
+        </p:nvSpPr>
+        <p:spPr/>
+        <p:txBody>
+          <a:bodyPr/>
+          <a:lstStyle/>
+          <a:p>
+            <a:pPr marL="0" indent="0">
+              <a:buNone/>
+            </a:pPr>
+            <a:r>
+              <a:rPr lang="de-DE" dirty="0"/>
+              <a:t>Hier ist jetzt über die ganze Folie hinweg Platz für Text. Wenn man ein Bild möchte, bitte das Layout „Titel </a:t>
+            </a:r>
+            <a:r>
+              <a:rPr lang="de-DE" dirty="0" err="1"/>
+              <a:t>subtitel</a:t>
+            </a:r>
+            <a:r>
+              <a:rPr lang="de-DE" dirty="0"/>
+              <a:t> Text Platz für Bild“ nehmen.</a:t>
+            </a:r>
+          </a:p>
+        </p:txBody>
+      </p:sp>
+      <p:sp>
+        <p:nvSpPr>
+          <p:cNvPr id="5" name="Foliennummernplatzhalter 4"/>
+          <p:cNvSpPr>
+            <a:spLocks noGrp="1"/>
+          </p:cNvSpPr>
+          <p:nvPr>
+            <p:ph type="sldNum" sz="quarter" idx="4"/>
+          </p:nvPr>
+        </p:nvSpPr>
+        <p:spPr/>
+        <p:txBody>
+          <a:bodyPr/>
+          <a:lstStyle/>
+          <a:p>
+            <a:pPr marL="0" marR="0" lvl="0" indent="0" algn="ctr" defTabSz="914400" eaLnBrk="1" fontAlgn="auto" latinLnBrk="0" hangingPunct="1">
+              <a:lnSpc>
+                <a:spcPct val="100000"/>
+              </a:lnSpc>
+              <a:spcBef>
+                <a:spcPts val="0"/>
+              </a:spcBef>
+              <a:spcAft>
+                <a:spcPts val="0"/>
+              </a:spcAft>
+              <a:buClrTx/>
+              <a:buSzTx/>
+              <a:buFontTx/>
+              <a:buNone/>
+              <a:tabLst/>
+              <a:defRPr/>
+            </a:pPr>
             <a:fld id="{6C6AE60A-B69C-4790-82F7-3882EDF23186}" type="slidenum">
-              <a:rPr lang="de-DE" smtClean="0"/>
-              <a:pPr/>
+              <a:rPr kumimoji="0" lang="de-DE" sz="1000" b="0" i="0" u="none" strike="noStrike" kern="0" cap="none" spc="0" normalizeH="0" baseline="0" noProof="0" smtClean="0">
+                <a:ln>
+                  <a:noFill/>
+                </a:ln>
+                <a:solidFill>
+                  <a:srgbClr val="51A025"/>
+                </a:solidFill>
+                <a:effectLst/>
+                <a:uLnTx/>
+                <a:uFillTx/>
+                <a:latin typeface="Calibri"/>
+              </a:rPr>
+              <a:pPr marL="0" marR="0" lvl="0" indent="0" algn="ctr" defTabSz="914400" eaLnBrk="1" fontAlgn="auto" latinLnBrk="0" hangingPunct="1">
+                <a:lnSpc>
+                  <a:spcPct val="100000"/>
+                </a:lnSpc>
+                <a:spcBef>
+                  <a:spcPts val="0"/>
+                </a:spcBef>
+                <a:spcAft>
+                  <a:spcPts val="0"/>
+                </a:spcAft>
+                <a:buClrTx/>
+                <a:buSzTx/>
+                <a:buFontTx/>
+                <a:buNone/>
+                <a:tabLst/>
+                <a:defRPr/>
+              </a:pPr>
               <a:t>11</a:t>
             </a:fld>
-            <a:endParaRPr lang="de-DE" dirty="0"/>
-          </a:p>
-        </p:txBody>
-      </p:sp>
-      <p:sp>
-        <p:nvSpPr>
-          <p:cNvPr id="4" name="Fußzeilenplatzhalter 3"/>
-          <p:cNvSpPr>
-            <a:spLocks noGrp="1"/>
-          </p:cNvSpPr>
-          <p:nvPr>
-            <p:ph type="ftr" sz="quarter" idx="10"/>
+            <a:endParaRPr kumimoji="0" lang="de-DE" sz="1000" b="0" i="0" u="none" strike="noStrike" kern="0" cap="none" spc="0" normalizeH="0" baseline="0" noProof="0" dirty="0">
+              <a:ln>
+                <a:noFill/>
+              </a:ln>
+              <a:solidFill>
+                <a:srgbClr val="51A025"/>
+              </a:solidFill>
+              <a:effectLst/>
+              <a:uLnTx/>
+              <a:uFillTx/>
+              <a:latin typeface="Calibri"/>
+            </a:endParaRPr>
+          </a:p>
+        </p:txBody>
+      </p:sp>
+      <p:sp>
+        <p:nvSpPr>
+          <p:cNvPr id="6" name="Textplatzhalter 5"/>
+          <p:cNvSpPr>
+            <a:spLocks noGrp="1"/>
+          </p:cNvSpPr>
+          <p:nvPr>
+            <p:ph type="body" sz="quarter" idx="13"/>
           </p:nvPr>
         </p:nvSpPr>
         <p:spPr/>
@@ -10336,8 +10419,12 @@
           <a:lstStyle/>
           <a:p>
             <a:r>
-              <a:rPr lang="en-US"/>
-              <a:t>Experts in agile software engineering</a:t>
+              <a:rPr lang="de-DE" dirty="0"/>
+              <a:t>Ich bin wie immer der </a:t>
+            </a:r>
+            <a:r>
+              <a:rPr lang="de-DE" dirty="0" err="1"/>
+              <a:t>Subtitel</a:t>
             </a:r>
             <a:endParaRPr lang="de-DE" dirty="0"/>
           </a:p>
@@ -10346,7 +10433,7 @@
     </p:spTree>
     <p:extLst>
       <p:ext uri="{BB962C8B-B14F-4D97-AF65-F5344CB8AC3E}">
-        <p14:creationId xmlns:p14="http://schemas.microsoft.com/office/powerpoint/2010/main" val="4278197853"/>
+        <p14:creationId xmlns:p14="http://schemas.microsoft.com/office/powerpoint/2010/main" val="2878903141"/>
       </p:ext>
     </p:extLst>
   </p:cSld>
@@ -10390,7 +10477,7 @@
           <a:p>
             <a:r>
               <a:rPr lang="de-DE" dirty="0"/>
-              <a:t>Beispiel für „Titel mit Sub“ (und sonst nix)</a:t>
+              <a:t>Beispiel für „Titel ohne Sub“ (hat auch sonst nix, alles frei)</a:t>
             </a:r>
           </a:p>
         </p:txBody>
@@ -10421,34 +10508,7 @@
       </p:sp>
       <p:sp>
         <p:nvSpPr>
-          <p:cNvPr id="4" name="Textplatzhalter 3"/>
-          <p:cNvSpPr>
-            <a:spLocks noGrp="1"/>
-          </p:cNvSpPr>
-          <p:nvPr>
-            <p:ph type="body" sz="quarter" idx="12"/>
-          </p:nvPr>
-        </p:nvSpPr>
-        <p:spPr/>
-        <p:txBody>
-          <a:bodyPr/>
-          <a:lstStyle/>
-          <a:p>
-            <a:r>
-              <a:rPr lang="de-DE" dirty="0"/>
-              <a:t>Ich bin das Beispiel für einen </a:t>
-            </a:r>
-            <a:r>
-              <a:rPr lang="de-DE" dirty="0" err="1"/>
-              <a:t>Subtitel</a:t>
-            </a:r>
-            <a:endParaRPr lang="de-DE" dirty="0"/>
-          </a:p>
-        </p:txBody>
-      </p:sp>
-      <p:sp>
-        <p:nvSpPr>
-          <p:cNvPr id="5" name="Fußzeilenplatzhalter 4"/>
+          <p:cNvPr id="4" name="Fußzeilenplatzhalter 3"/>
           <p:cNvSpPr>
             <a:spLocks noGrp="1"/>
           </p:cNvSpPr>
@@ -10472,7 +10532,7 @@
     </p:spTree>
     <p:extLst>
       <p:ext uri="{BB962C8B-B14F-4D97-AF65-F5344CB8AC3E}">
-        <p14:creationId xmlns:p14="http://schemas.microsoft.com/office/powerpoint/2010/main" val="784989124"/>
+        <p14:creationId xmlns:p14="http://schemas.microsoft.com/office/powerpoint/2010/main" val="4278197853"/>
       </p:ext>
     </p:extLst>
   </p:cSld>
@@ -10501,12 +10561,12 @@
       </p:grpSpPr>
       <p:sp>
         <p:nvSpPr>
-          <p:cNvPr id="2" name="Inhaltsplatzhalter 1"/>
-          <p:cNvSpPr>
-            <a:spLocks noGrp="1"/>
-          </p:cNvSpPr>
-          <p:nvPr>
-            <p:ph sz="quarter" idx="10"/>
+          <p:cNvPr id="2" name="Titel 1"/>
+          <p:cNvSpPr>
+            <a:spLocks noGrp="1"/>
+          </p:cNvSpPr>
+          <p:nvPr>
+            <p:ph type="title"/>
           </p:nvPr>
         </p:nvSpPr>
         <p:spPr/>
@@ -10514,18 +10574,21 @@
           <a:bodyPr/>
           <a:lstStyle/>
           <a:p>
-            <a:endParaRPr lang="de-DE"/>
-          </a:p>
-        </p:txBody>
-      </p:sp>
-      <p:sp>
-        <p:nvSpPr>
-          <p:cNvPr id="3" name="Inhaltsplatzhalter 2"/>
-          <p:cNvSpPr>
-            <a:spLocks noGrp="1"/>
-          </p:cNvSpPr>
-          <p:nvPr>
-            <p:ph sz="quarter" idx="11"/>
+            <a:r>
+              <a:rPr lang="de-DE" dirty="0"/>
+              <a:t>Beispiel für „Titel mit Sub“ (und sonst nix)</a:t>
+            </a:r>
+          </a:p>
+        </p:txBody>
+      </p:sp>
+      <p:sp>
+        <p:nvSpPr>
+          <p:cNvPr id="3" name="Foliennummernplatzhalter 2"/>
+          <p:cNvSpPr>
+            <a:spLocks noGrp="1"/>
+          </p:cNvSpPr>
+          <p:nvPr>
+            <p:ph type="sldNum" sz="quarter" idx="11"/>
           </p:nvPr>
         </p:nvSpPr>
         <p:spPr/>
@@ -10533,18 +10596,23 @@
           <a:bodyPr/>
           <a:lstStyle/>
           <a:p>
-            <a:endParaRPr lang="de-DE"/>
-          </a:p>
-        </p:txBody>
-      </p:sp>
-      <p:sp>
-        <p:nvSpPr>
-          <p:cNvPr id="4" name="Titel 3"/>
-          <p:cNvSpPr>
-            <a:spLocks noGrp="1"/>
-          </p:cNvSpPr>
-          <p:nvPr>
-            <p:ph type="title"/>
+            <a:fld id="{6C6AE60A-B69C-4790-82F7-3882EDF23186}" type="slidenum">
+              <a:rPr lang="de-DE" smtClean="0"/>
+              <a:pPr/>
+              <a:t>13</a:t>
+            </a:fld>
+            <a:endParaRPr lang="de-DE" dirty="0"/>
+          </a:p>
+        </p:txBody>
+      </p:sp>
+      <p:sp>
+        <p:nvSpPr>
+          <p:cNvPr id="4" name="Textplatzhalter 3"/>
+          <p:cNvSpPr>
+            <a:spLocks noGrp="1"/>
+          </p:cNvSpPr>
+          <p:nvPr>
+            <p:ph type="body" sz="quarter" idx="12"/>
           </p:nvPr>
         </p:nvSpPr>
         <p:spPr/>
@@ -10554,19 +10622,24 @@
           <a:p>
             <a:r>
               <a:rPr lang="de-DE" dirty="0"/>
-              <a:t>Ich bin ein Beispiel für „2 Blöcke Vergleich“</a:t>
-            </a:r>
-          </a:p>
-        </p:txBody>
-      </p:sp>
-      <p:sp>
-        <p:nvSpPr>
-          <p:cNvPr id="5" name="Foliennummernplatzhalter 4"/>
-          <p:cNvSpPr>
-            <a:spLocks noGrp="1"/>
-          </p:cNvSpPr>
-          <p:nvPr>
-            <p:ph type="sldNum" sz="quarter" idx="4"/>
+              <a:t>Ich bin das Beispiel für einen </a:t>
+            </a:r>
+            <a:r>
+              <a:rPr lang="de-DE" dirty="0" err="1"/>
+              <a:t>Subtitel</a:t>
+            </a:r>
+            <a:endParaRPr lang="de-DE" dirty="0"/>
+          </a:p>
+        </p:txBody>
+      </p:sp>
+      <p:sp>
+        <p:nvSpPr>
+          <p:cNvPr id="5" name="Fußzeilenplatzhalter 4"/>
+          <p:cNvSpPr>
+            <a:spLocks noGrp="1"/>
+          </p:cNvSpPr>
+          <p:nvPr>
+            <p:ph type="ftr" sz="quarter" idx="10"/>
           </p:nvPr>
         </p:nvSpPr>
         <p:spPr/>
@@ -10574,135 +10647,18 @@
           <a:bodyPr/>
           <a:lstStyle/>
           <a:p>
-            <a:pPr marL="0" marR="0" lvl="0" indent="0" algn="ctr" defTabSz="914400" eaLnBrk="1" fontAlgn="auto" latinLnBrk="0" hangingPunct="1">
-              <a:lnSpc>
-                <a:spcPct val="100000"/>
-              </a:lnSpc>
-              <a:spcBef>
-                <a:spcPts val="0"/>
-              </a:spcBef>
-              <a:spcAft>
-                <a:spcPts val="0"/>
-              </a:spcAft>
-              <a:buClrTx/>
-              <a:buSzTx/>
-              <a:buFontTx/>
-              <a:buNone/>
-              <a:tabLst/>
-              <a:defRPr/>
-            </a:pPr>
-            <a:fld id="{6C6AE60A-B69C-4790-82F7-3882EDF23186}" type="slidenum">
-              <a:rPr kumimoji="0" lang="de-DE" sz="1000" b="0" i="0" u="none" strike="noStrike" kern="0" cap="none" spc="0" normalizeH="0" baseline="0" noProof="0" smtClean="0">
-                <a:ln>
-                  <a:noFill/>
-                </a:ln>
-                <a:solidFill>
-                  <a:srgbClr val="51A025"/>
-                </a:solidFill>
-                <a:effectLst/>
-                <a:uLnTx/>
-                <a:uFillTx/>
-                <a:latin typeface="Calibri"/>
-              </a:rPr>
-              <a:pPr marL="0" marR="0" lvl="0" indent="0" algn="ctr" defTabSz="914400" eaLnBrk="1" fontAlgn="auto" latinLnBrk="0" hangingPunct="1">
-                <a:lnSpc>
-                  <a:spcPct val="100000"/>
-                </a:lnSpc>
-                <a:spcBef>
-                  <a:spcPts val="0"/>
-                </a:spcBef>
-                <a:spcAft>
-                  <a:spcPts val="0"/>
-                </a:spcAft>
-                <a:buClrTx/>
-                <a:buSzTx/>
-                <a:buFontTx/>
-                <a:buNone/>
-                <a:tabLst/>
-                <a:defRPr/>
-              </a:pPr>
-              <a:t>13</a:t>
-            </a:fld>
-            <a:endParaRPr kumimoji="0" lang="de-DE" sz="1000" b="0" i="0" u="none" strike="noStrike" kern="0" cap="none" spc="0" normalizeH="0" baseline="0" noProof="0" dirty="0">
-              <a:ln>
-                <a:noFill/>
-              </a:ln>
-              <a:solidFill>
-                <a:srgbClr val="51A025"/>
-              </a:solidFill>
-              <a:effectLst/>
-              <a:uLnTx/>
-              <a:uFillTx/>
-              <a:latin typeface="Calibri"/>
-            </a:endParaRPr>
-          </a:p>
-        </p:txBody>
-      </p:sp>
-      <p:sp>
-        <p:nvSpPr>
-          <p:cNvPr id="6" name="Fußzeilenplatzhalter 5"/>
-          <p:cNvSpPr>
-            <a:spLocks noGrp="1"/>
-          </p:cNvSpPr>
-          <p:nvPr>
-            <p:ph type="ftr" sz="quarter" idx="21"/>
-          </p:nvPr>
-        </p:nvSpPr>
-        <p:spPr/>
-        <p:txBody>
-          <a:bodyPr/>
-          <a:lstStyle/>
-          <a:p>
             <a:r>
               <a:rPr lang="en-US"/>
               <a:t>Experts in agile software engineering</a:t>
             </a:r>
             <a:endParaRPr lang="de-DE" dirty="0"/>
-          </a:p>
-        </p:txBody>
-      </p:sp>
-      <p:sp>
-        <p:nvSpPr>
-          <p:cNvPr id="7" name="Textplatzhalter 6"/>
-          <p:cNvSpPr>
-            <a:spLocks noGrp="1"/>
-          </p:cNvSpPr>
-          <p:nvPr>
-            <p:ph type="body" sz="quarter" idx="22"/>
-          </p:nvPr>
-        </p:nvSpPr>
-        <p:spPr/>
-        <p:txBody>
-          <a:bodyPr/>
-          <a:lstStyle/>
-          <a:p>
-            <a:endParaRPr lang="de-DE"/>
-          </a:p>
-        </p:txBody>
-      </p:sp>
-      <p:sp>
-        <p:nvSpPr>
-          <p:cNvPr id="8" name="Textplatzhalter 7"/>
-          <p:cNvSpPr>
-            <a:spLocks noGrp="1"/>
-          </p:cNvSpPr>
-          <p:nvPr>
-            <p:ph type="body" sz="quarter" idx="23"/>
-          </p:nvPr>
-        </p:nvSpPr>
-        <p:spPr/>
-        <p:txBody>
-          <a:bodyPr/>
-          <a:lstStyle/>
-          <a:p>
-            <a:endParaRPr lang="de-DE"/>
           </a:p>
         </p:txBody>
       </p:sp>
     </p:spTree>
     <p:extLst>
       <p:ext uri="{BB962C8B-B14F-4D97-AF65-F5344CB8AC3E}">
-        <p14:creationId xmlns:p14="http://schemas.microsoft.com/office/powerpoint/2010/main" val="3969714348"/>
+        <p14:creationId xmlns:p14="http://schemas.microsoft.com/office/powerpoint/2010/main" val="784989124"/>
       </p:ext>
     </p:extLst>
   </p:cSld>
@@ -10731,12 +10687,12 @@
       </p:grpSpPr>
       <p:sp>
         <p:nvSpPr>
-          <p:cNvPr id="2" name="Titel 1"/>
-          <p:cNvSpPr>
-            <a:spLocks noGrp="1"/>
-          </p:cNvSpPr>
-          <p:nvPr>
-            <p:ph type="title"/>
+          <p:cNvPr id="2" name="Inhaltsplatzhalter 1"/>
+          <p:cNvSpPr>
+            <a:spLocks noGrp="1"/>
+          </p:cNvSpPr>
+          <p:nvPr>
+            <p:ph sz="quarter" idx="10"/>
           </p:nvPr>
         </p:nvSpPr>
         <p:spPr/>
@@ -10744,21 +10700,18 @@
           <a:bodyPr/>
           <a:lstStyle/>
           <a:p>
-            <a:r>
-              <a:rPr lang="de-DE" dirty="0"/>
-              <a:t>Bsp. für „Zwischenfolie Titel einzeilig mit Sub“</a:t>
-            </a:r>
-          </a:p>
-        </p:txBody>
-      </p:sp>
-      <p:sp>
-        <p:nvSpPr>
-          <p:cNvPr id="3" name="Textplatzhalter 2"/>
-          <p:cNvSpPr>
-            <a:spLocks noGrp="1"/>
-          </p:cNvSpPr>
-          <p:nvPr>
-            <p:ph type="body" sz="quarter" idx="12"/>
+            <a:endParaRPr lang="de-DE"/>
+          </a:p>
+        </p:txBody>
+      </p:sp>
+      <p:sp>
+        <p:nvSpPr>
+          <p:cNvPr id="3" name="Inhaltsplatzhalter 2"/>
+          <p:cNvSpPr>
+            <a:spLocks noGrp="1"/>
+          </p:cNvSpPr>
+          <p:nvPr>
+            <p:ph sz="quarter" idx="11"/>
           </p:nvPr>
         </p:nvSpPr>
         <p:spPr/>
@@ -10766,17 +10719,176 @@
           <a:bodyPr/>
           <a:lstStyle/>
           <a:p>
-            <a:r>
-              <a:rPr lang="de-DE" dirty="0"/>
-              <a:t>Ich bin der Untertitel dieser Folie</a:t>
-            </a:r>
+            <a:endParaRPr lang="de-DE"/>
+          </a:p>
+        </p:txBody>
+      </p:sp>
+      <p:sp>
+        <p:nvSpPr>
+          <p:cNvPr id="4" name="Titel 3"/>
+          <p:cNvSpPr>
+            <a:spLocks noGrp="1"/>
+          </p:cNvSpPr>
+          <p:nvPr>
+            <p:ph type="title"/>
+          </p:nvPr>
+        </p:nvSpPr>
+        <p:spPr/>
+        <p:txBody>
+          <a:bodyPr/>
+          <a:lstStyle/>
+          <a:p>
+            <a:r>
+              <a:rPr lang="de-DE" dirty="0"/>
+              <a:t>Ich bin ein Beispiel für „2 Blöcke Vergleich“</a:t>
+            </a:r>
+          </a:p>
+        </p:txBody>
+      </p:sp>
+      <p:sp>
+        <p:nvSpPr>
+          <p:cNvPr id="5" name="Foliennummernplatzhalter 4"/>
+          <p:cNvSpPr>
+            <a:spLocks noGrp="1"/>
+          </p:cNvSpPr>
+          <p:nvPr>
+            <p:ph type="sldNum" sz="quarter" idx="4"/>
+          </p:nvPr>
+        </p:nvSpPr>
+        <p:spPr/>
+        <p:txBody>
+          <a:bodyPr/>
+          <a:lstStyle/>
+          <a:p>
+            <a:pPr marL="0" marR="0" lvl="0" indent="0" algn="ctr" defTabSz="914400" eaLnBrk="1" fontAlgn="auto" latinLnBrk="0" hangingPunct="1">
+              <a:lnSpc>
+                <a:spcPct val="100000"/>
+              </a:lnSpc>
+              <a:spcBef>
+                <a:spcPts val="0"/>
+              </a:spcBef>
+              <a:spcAft>
+                <a:spcPts val="0"/>
+              </a:spcAft>
+              <a:buClrTx/>
+              <a:buSzTx/>
+              <a:buFontTx/>
+              <a:buNone/>
+              <a:tabLst/>
+              <a:defRPr/>
+            </a:pPr>
+            <a:fld id="{6C6AE60A-B69C-4790-82F7-3882EDF23186}" type="slidenum">
+              <a:rPr kumimoji="0" lang="de-DE" sz="1000" b="0" i="0" u="none" strike="noStrike" kern="0" cap="none" spc="0" normalizeH="0" baseline="0" noProof="0" smtClean="0">
+                <a:ln>
+                  <a:noFill/>
+                </a:ln>
+                <a:solidFill>
+                  <a:srgbClr val="51A025"/>
+                </a:solidFill>
+                <a:effectLst/>
+                <a:uLnTx/>
+                <a:uFillTx/>
+                <a:latin typeface="Calibri"/>
+              </a:rPr>
+              <a:pPr marL="0" marR="0" lvl="0" indent="0" algn="ctr" defTabSz="914400" eaLnBrk="1" fontAlgn="auto" latinLnBrk="0" hangingPunct="1">
+                <a:lnSpc>
+                  <a:spcPct val="100000"/>
+                </a:lnSpc>
+                <a:spcBef>
+                  <a:spcPts val="0"/>
+                </a:spcBef>
+                <a:spcAft>
+                  <a:spcPts val="0"/>
+                </a:spcAft>
+                <a:buClrTx/>
+                <a:buSzTx/>
+                <a:buFontTx/>
+                <a:buNone/>
+                <a:tabLst/>
+                <a:defRPr/>
+              </a:pPr>
+              <a:t>14</a:t>
+            </a:fld>
+            <a:endParaRPr kumimoji="0" lang="de-DE" sz="1000" b="0" i="0" u="none" strike="noStrike" kern="0" cap="none" spc="0" normalizeH="0" baseline="0" noProof="0" dirty="0">
+              <a:ln>
+                <a:noFill/>
+              </a:ln>
+              <a:solidFill>
+                <a:srgbClr val="51A025"/>
+              </a:solidFill>
+              <a:effectLst/>
+              <a:uLnTx/>
+              <a:uFillTx/>
+              <a:latin typeface="Calibri"/>
+            </a:endParaRPr>
+          </a:p>
+        </p:txBody>
+      </p:sp>
+      <p:sp>
+        <p:nvSpPr>
+          <p:cNvPr id="6" name="Fußzeilenplatzhalter 5"/>
+          <p:cNvSpPr>
+            <a:spLocks noGrp="1"/>
+          </p:cNvSpPr>
+          <p:nvPr>
+            <p:ph type="ftr" sz="quarter" idx="21"/>
+          </p:nvPr>
+        </p:nvSpPr>
+        <p:spPr/>
+        <p:txBody>
+          <a:bodyPr/>
+          <a:lstStyle/>
+          <a:p>
+            <a:r>
+              <a:rPr lang="en-US"/>
+              <a:t>Experts in agile software engineering</a:t>
+            </a:r>
+            <a:endParaRPr lang="de-DE" dirty="0"/>
+          </a:p>
+        </p:txBody>
+      </p:sp>
+      <p:sp>
+        <p:nvSpPr>
+          <p:cNvPr id="7" name="Textplatzhalter 6"/>
+          <p:cNvSpPr>
+            <a:spLocks noGrp="1"/>
+          </p:cNvSpPr>
+          <p:nvPr>
+            <p:ph type="body" sz="quarter" idx="22"/>
+          </p:nvPr>
+        </p:nvSpPr>
+        <p:spPr/>
+        <p:txBody>
+          <a:bodyPr/>
+          <a:lstStyle/>
+          <a:p>
+            <a:endParaRPr lang="de-DE"/>
+          </a:p>
+        </p:txBody>
+      </p:sp>
+      <p:sp>
+        <p:nvSpPr>
+          <p:cNvPr id="8" name="Textplatzhalter 7"/>
+          <p:cNvSpPr>
+            <a:spLocks noGrp="1"/>
+          </p:cNvSpPr>
+          <p:nvPr>
+            <p:ph type="body" sz="quarter" idx="23"/>
+          </p:nvPr>
+        </p:nvSpPr>
+        <p:spPr/>
+        <p:txBody>
+          <a:bodyPr/>
+          <a:lstStyle/>
+          <a:p>
+            <a:endParaRPr lang="de-DE"/>
           </a:p>
         </p:txBody>
       </p:sp>
     </p:spTree>
     <p:extLst>
       <p:ext uri="{BB962C8B-B14F-4D97-AF65-F5344CB8AC3E}">
-        <p14:creationId xmlns:p14="http://schemas.microsoft.com/office/powerpoint/2010/main" val="3668982268"/>
+        <p14:creationId xmlns:p14="http://schemas.microsoft.com/office/powerpoint/2010/main" val="3969714348"/>
       </p:ext>
     </p:extLst>
   </p:cSld>
@@ -10805,12 +10917,12 @@
       </p:grpSpPr>
       <p:sp>
         <p:nvSpPr>
-          <p:cNvPr id="3" name="Foliennummernplatzhalter 2"/>
-          <p:cNvSpPr>
-            <a:spLocks noGrp="1"/>
-          </p:cNvSpPr>
-          <p:nvPr>
-            <p:ph type="sldNum" sz="quarter" idx="11"/>
+          <p:cNvPr id="2" name="Titel 1"/>
+          <p:cNvSpPr>
+            <a:spLocks noGrp="1"/>
+          </p:cNvSpPr>
+          <p:nvPr>
+            <p:ph type="title"/>
           </p:nvPr>
         </p:nvSpPr>
         <p:spPr/>
@@ -10818,6 +10930,80 @@
           <a:bodyPr/>
           <a:lstStyle/>
           <a:p>
+            <a:r>
+              <a:rPr lang="de-DE" dirty="0"/>
+              <a:t>Bsp. für „Zwischenfolie Titel einzeilig mit Sub“</a:t>
+            </a:r>
+          </a:p>
+        </p:txBody>
+      </p:sp>
+      <p:sp>
+        <p:nvSpPr>
+          <p:cNvPr id="3" name="Textplatzhalter 2"/>
+          <p:cNvSpPr>
+            <a:spLocks noGrp="1"/>
+          </p:cNvSpPr>
+          <p:nvPr>
+            <p:ph type="body" sz="quarter" idx="12"/>
+          </p:nvPr>
+        </p:nvSpPr>
+        <p:spPr/>
+        <p:txBody>
+          <a:bodyPr/>
+          <a:lstStyle/>
+          <a:p>
+            <a:r>
+              <a:rPr lang="de-DE" dirty="0"/>
+              <a:t>Ich bin der Untertitel dieser Folie</a:t>
+            </a:r>
+          </a:p>
+        </p:txBody>
+      </p:sp>
+    </p:spTree>
+    <p:extLst>
+      <p:ext uri="{BB962C8B-B14F-4D97-AF65-F5344CB8AC3E}">
+        <p14:creationId xmlns:p14="http://schemas.microsoft.com/office/powerpoint/2010/main" val="3668982268"/>
+      </p:ext>
+    </p:extLst>
+  </p:cSld>
+  <p:clrMapOvr>
+    <a:masterClrMapping/>
+  </p:clrMapOvr>
+</p:sld>
+</file>
+
+<file path=ppt/slides/slide16.xml><?xml version="1.0" encoding="utf-8"?>
+<p:sld xmlns:a="http://schemas.openxmlformats.org/drawingml/2006/main" xmlns:r="http://schemas.openxmlformats.org/officeDocument/2006/relationships" xmlns:p="http://schemas.openxmlformats.org/presentationml/2006/main">
+  <p:cSld>
+    <p:spTree>
+      <p:nvGrpSpPr>
+        <p:cNvPr id="1" name=""/>
+        <p:cNvGrpSpPr/>
+        <p:nvPr/>
+      </p:nvGrpSpPr>
+      <p:grpSpPr>
+        <a:xfrm>
+          <a:off x="0" y="0"/>
+          <a:ext cx="0" cy="0"/>
+          <a:chOff x="0" y="0"/>
+          <a:chExt cx="0" cy="0"/>
+        </a:xfrm>
+      </p:grpSpPr>
+      <p:sp>
+        <p:nvSpPr>
+          <p:cNvPr id="3" name="Foliennummernplatzhalter 2"/>
+          <p:cNvSpPr>
+            <a:spLocks noGrp="1"/>
+          </p:cNvSpPr>
+          <p:nvPr>
+            <p:ph type="sldNum" sz="quarter" idx="11"/>
+          </p:nvPr>
+        </p:nvSpPr>
+        <p:spPr/>
+        <p:txBody>
+          <a:bodyPr/>
+          <a:lstStyle/>
+          <a:p>
             <a:fld id="{6C6AE60A-B69C-4790-82F7-3882EDF23186}" type="slidenum">
               <a:rPr lang="de-DE" smtClean="0">
                 <a:solidFill>
@@ -10825,7 +11011,7 @@
                 </a:solidFill>
               </a:rPr>
               <a:pPr/>
-              <a:t>15</a:t>
+              <a:t>16</a:t>
             </a:fld>
             <a:endParaRPr lang="de-DE" dirty="0">
               <a:solidFill>
@@ -11762,7 +11948,7 @@
           <a:p>
             <a:r>
               <a:rPr lang="de-DE" dirty="0"/>
-              <a:t>Ich bin „Übung mit Sub Bild“</a:t>
+              <a:t>Annotationen</a:t>
             </a:r>
           </a:p>
         </p:txBody>
@@ -11777,14 +11963,120 @@
             <p:ph idx="12"/>
           </p:nvPr>
         </p:nvSpPr>
-        <p:spPr/>
-        <p:txBody>
-          <a:bodyPr/>
+        <p:spPr>
+          <a:xfrm>
+            <a:off x="457199" y="1692000"/>
+            <a:ext cx="7744692" cy="3042000"/>
+          </a:xfrm>
+        </p:spPr>
+        <p:txBody>
+          <a:bodyPr lIns="90000"/>
           <a:lstStyle/>
           <a:p>
             <a:r>
               <a:rPr lang="de-DE" dirty="0"/>
-              <a:t>Ich bin die Beschreibung der Übung. Neben mir ist noch Platz für ein Bild.</a:t>
+              <a:t>Alt: </a:t>
+            </a:r>
+          </a:p>
+          <a:p>
+            <a:pPr marL="0" indent="0">
+              <a:buNone/>
+            </a:pPr>
+            <a:r>
+              <a:rPr lang="de-DE" dirty="0"/>
+              <a:t>     Rule, @</a:t>
+            </a:r>
+            <a:r>
+              <a:rPr lang="de-DE" dirty="0" err="1"/>
+              <a:t>Ignore</a:t>
+            </a:r>
+            <a:r>
+              <a:rPr lang="de-DE" dirty="0"/>
+              <a:t>, </a:t>
+            </a:r>
+            <a:r>
+              <a:rPr lang="en-US" dirty="0"/>
+              <a:t>@Before, @After, @</a:t>
+            </a:r>
+            <a:r>
+              <a:rPr lang="en-US" dirty="0" err="1"/>
+              <a:t>BeforeClass</a:t>
+            </a:r>
+            <a:r>
+              <a:rPr lang="en-US" dirty="0"/>
+              <a:t>, @</a:t>
+            </a:r>
+            <a:r>
+              <a:rPr lang="en-US" dirty="0" err="1"/>
+              <a:t>AfterClass</a:t>
+            </a:r>
+            <a:endParaRPr lang="de-DE" dirty="0"/>
+          </a:p>
+          <a:p>
+            <a:r>
+              <a:rPr lang="de-DE" dirty="0"/>
+              <a:t>Neu: </a:t>
+            </a:r>
+          </a:p>
+          <a:p>
+            <a:pPr marL="0" indent="0">
+              <a:buNone/>
+            </a:pPr>
+            <a:r>
+              <a:rPr lang="de-DE" dirty="0"/>
+              <a:t>     @</a:t>
+            </a:r>
+            <a:r>
+              <a:rPr lang="de-DE" dirty="0" err="1"/>
+              <a:t>Repeated</a:t>
+            </a:r>
+            <a:r>
+              <a:rPr lang="de-DE" dirty="0"/>
+              <a:t> , @Disabled, @</a:t>
+            </a:r>
+            <a:r>
+              <a:rPr lang="de-DE" dirty="0" err="1"/>
+              <a:t>BeforeEach</a:t>
+            </a:r>
+            <a:r>
+              <a:rPr lang="de-DE" dirty="0"/>
+              <a:t>, @</a:t>
+            </a:r>
+            <a:r>
+              <a:rPr lang="de-DE" dirty="0" err="1"/>
+              <a:t>AfterEach</a:t>
+            </a:r>
+            <a:r>
+              <a:rPr lang="de-DE" dirty="0"/>
+              <a:t>, @</a:t>
+            </a:r>
+            <a:r>
+              <a:rPr lang="de-DE" dirty="0" err="1"/>
+              <a:t>BeforeAll</a:t>
+            </a:r>
+            <a:r>
+              <a:rPr lang="de-DE" dirty="0"/>
+              <a:t>, @</a:t>
+            </a:r>
+            <a:r>
+              <a:rPr lang="de-DE" dirty="0" err="1"/>
+              <a:t>AfterAll</a:t>
+            </a:r>
+            <a:endParaRPr lang="de-DE" dirty="0"/>
+          </a:p>
+          <a:p>
+            <a:r>
+              <a:rPr lang="de-DE" dirty="0"/>
+              <a:t>Ohne frühere Variante:</a:t>
+            </a:r>
+          </a:p>
+          <a:p>
+            <a:pPr marL="0" indent="0">
+              <a:buNone/>
+            </a:pPr>
+            <a:r>
+              <a:rPr lang="de-DE" dirty="0"/>
+              <a:t>     @Displayname</a:t>
             </a:r>
           </a:p>
         </p:txBody>
@@ -11887,63 +12179,6 @@
           </a:p>
         </p:txBody>
       </p:sp>
-      <p:sp>
-        <p:nvSpPr>
-          <p:cNvPr id="7" name="Textplatzhalter 6"/>
-          <p:cNvSpPr>
-            <a:spLocks noGrp="1"/>
-          </p:cNvSpPr>
-          <p:nvPr>
-            <p:ph type="body" sz="quarter" idx="14"/>
-          </p:nvPr>
-        </p:nvSpPr>
-        <p:spPr/>
-        <p:txBody>
-          <a:bodyPr/>
-          <a:lstStyle/>
-          <a:p>
-            <a:r>
-              <a:rPr lang="de-DE" dirty="0"/>
-              <a:t>Daher bin ich der </a:t>
-            </a:r>
-            <a:r>
-              <a:rPr lang="de-DE" dirty="0" err="1"/>
-              <a:t>Subtitel</a:t>
-            </a:r>
-            <a:endParaRPr lang="de-DE" dirty="0"/>
-          </a:p>
-        </p:txBody>
-      </p:sp>
-      <p:pic>
-        <p:nvPicPr>
-          <p:cNvPr id="9" name="Grafik 8"/>
-          <p:cNvPicPr>
-            <a:picLocks noChangeAspect="1"/>
-          </p:cNvPicPr>
-          <p:nvPr/>
-        </p:nvPicPr>
-        <p:blipFill>
-          <a:blip r:embed="rId2">
-            <a:extLst>
-              <a:ext uri="{28A0092B-C50C-407E-A947-70E740481C1C}">
-                <a14:useLocalDpi xmlns:a14="http://schemas.microsoft.com/office/drawing/2010/main" val="0"/>
-              </a:ext>
-            </a:extLst>
-          </a:blip>
-          <a:stretch>
-            <a:fillRect/>
-          </a:stretch>
-        </p:blipFill>
-        <p:spPr>
-          <a:xfrm>
-            <a:off x="5399773" y="1483200"/>
-            <a:ext cx="3399513" cy="3240000"/>
-          </a:xfrm>
-          <a:prstGeom prst="rect">
-            <a:avLst/>
-          </a:prstGeom>
-        </p:spPr>
-      </p:pic>
     </p:spTree>
     <p:extLst>
       <p:ext uri="{BB962C8B-B14F-4D97-AF65-F5344CB8AC3E}">
@@ -12013,9 +12248,26 @@
           <a:lstStyle/>
           <a:p>
             <a:r>
-              <a:rPr lang="de-DE" dirty="0"/>
-              <a:t>Ich bin „Übung mit Sub ohne Bild“</a:t>
-            </a:r>
+              <a:rPr lang="de-DE" dirty="0" err="1"/>
+              <a:t>Hamcrest</a:t>
+            </a:r>
+            <a:r>
+              <a:rPr lang="de-DE" dirty="0"/>
+              <a:t> </a:t>
+            </a:r>
+            <a:r>
+              <a:rPr lang="de-DE" dirty="0" err="1"/>
+              <a:t>Matchers</a:t>
+            </a:r>
+            <a:r>
+              <a:rPr lang="de-DE" dirty="0"/>
+              <a:t> und </a:t>
+            </a:r>
+            <a:r>
+              <a:rPr lang="de-DE" dirty="0" err="1"/>
+              <a:t>AssertJ</a:t>
+            </a:r>
+            <a:endParaRPr lang="de-DE" dirty="0"/>
           </a:p>
         </p:txBody>
       </p:sp>
@@ -12031,17 +12283,232 @@
         </p:nvSpPr>
         <p:spPr/>
         <p:txBody>
-          <a:bodyPr/>
+          <a:bodyPr>
+            <a:normAutofit/>
+          </a:bodyPr>
           <a:lstStyle/>
           <a:p>
             <a:r>
               <a:rPr lang="de-DE" dirty="0"/>
-              <a:t>Hier ist die Beschreibung der Übung so lang, dass auf ein Bild </a:t>
-            </a:r>
-            <a:r>
-              <a:rPr lang="de-DE"/>
-              <a:t>verzichtet wurde. </a:t>
-            </a:r>
+              <a:t>Alt:</a:t>
+            </a:r>
+          </a:p>
+          <a:p>
+            <a:pPr marL="0" indent="0">
+              <a:buNone/>
+            </a:pPr>
+            <a:r>
+              <a:rPr lang="de-DE" dirty="0"/>
+              <a:t>     </a:t>
+            </a:r>
+            <a:r>
+              <a:rPr lang="de-DE" dirty="0" err="1"/>
+              <a:t>Hamcrest</a:t>
+            </a:r>
+            <a:r>
+              <a:rPr lang="de-DE" dirty="0"/>
+              <a:t> ist in </a:t>
+            </a:r>
+            <a:r>
+              <a:rPr lang="de-DE" dirty="0" err="1"/>
+              <a:t>JUnit</a:t>
+            </a:r>
+            <a:r>
+              <a:rPr lang="de-DE" dirty="0"/>
+              <a:t> eingebunden</a:t>
+            </a:r>
+          </a:p>
+          <a:p>
+            <a:r>
+              <a:rPr lang="de-DE" dirty="0"/>
+              <a:t>Neu:</a:t>
+            </a:r>
+          </a:p>
+          <a:p>
+            <a:pPr marL="0" indent="0">
+              <a:buNone/>
+            </a:pPr>
+            <a:r>
+              <a:rPr lang="de-DE" dirty="0"/>
+              <a:t>     Manuell einbinden:</a:t>
+            </a:r>
+          </a:p>
+          <a:p>
+            <a:pPr marL="0" indent="0">
+              <a:buNone/>
+            </a:pPr>
+            <a:r>
+              <a:rPr lang="de-DE" dirty="0"/>
+              <a:t> 	</a:t>
+            </a:r>
+            <a:r>
+              <a:rPr lang="de-DE" sz="1200" dirty="0" err="1">
+                <a:latin typeface="Arial" panose="020B0604020202020204" pitchFamily="34" charset="0"/>
+                <a:cs typeface="Arial" panose="020B0604020202020204" pitchFamily="34" charset="0"/>
+              </a:rPr>
+              <a:t>dependencies</a:t>
+            </a:r>
+            <a:r>
+              <a:rPr lang="de-DE" sz="1200" dirty="0">
+                <a:latin typeface="Arial" panose="020B0604020202020204" pitchFamily="34" charset="0"/>
+                <a:cs typeface="Arial" panose="020B0604020202020204" pitchFamily="34" charset="0"/>
+              </a:rPr>
+              <a:t> {</a:t>
+            </a:r>
+          </a:p>
+          <a:p>
+            <a:pPr marL="456795" lvl="1" indent="0">
+              <a:buNone/>
+            </a:pPr>
+            <a:r>
+              <a:rPr lang="de-DE" sz="1200" dirty="0">
+                <a:latin typeface="Arial" panose="020B0604020202020204" pitchFamily="34" charset="0"/>
+                <a:cs typeface="Arial" panose="020B0604020202020204" pitchFamily="34" charset="0"/>
+              </a:rPr>
+              <a:t>    </a:t>
+            </a:r>
+            <a:r>
+              <a:rPr lang="de-DE" sz="1200" dirty="0" err="1">
+                <a:latin typeface="Arial" panose="020B0604020202020204" pitchFamily="34" charset="0"/>
+                <a:cs typeface="Arial" panose="020B0604020202020204" pitchFamily="34" charset="0"/>
+              </a:rPr>
+              <a:t>testCompile</a:t>
+            </a:r>
+            <a:r>
+              <a:rPr lang="de-DE" sz="1200" dirty="0">
+                <a:latin typeface="Arial" panose="020B0604020202020204" pitchFamily="34" charset="0"/>
+                <a:cs typeface="Arial" panose="020B0604020202020204" pitchFamily="34" charset="0"/>
+              </a:rPr>
+              <a:t>('org.hamcrest:hamcrest-library:1.3‘)</a:t>
+            </a:r>
+          </a:p>
+          <a:p>
+            <a:pPr marL="456795" lvl="1" indent="0">
+              <a:buNone/>
+            </a:pPr>
+            <a:r>
+              <a:rPr lang="de-DE" sz="1200" dirty="0">
+                <a:latin typeface="Arial" panose="020B0604020202020204" pitchFamily="34" charset="0"/>
+                <a:cs typeface="Arial" panose="020B0604020202020204" pitchFamily="34" charset="0"/>
+              </a:rPr>
+              <a:t>}</a:t>
+            </a:r>
+          </a:p>
+          <a:p>
+            <a:r>
+              <a:rPr lang="de-DE" dirty="0"/>
+              <a:t>Alternative zu </a:t>
+            </a:r>
+            <a:r>
+              <a:rPr lang="de-DE" dirty="0" err="1"/>
+              <a:t>Hamcrest</a:t>
+            </a:r>
+            <a:r>
+              <a:rPr lang="de-DE" dirty="0"/>
+              <a:t>: </a:t>
+            </a:r>
+            <a:r>
+              <a:rPr lang="de-DE" dirty="0" err="1"/>
+              <a:t>AssertJ</a:t>
+            </a:r>
+            <a:endParaRPr lang="de-DE" dirty="0"/>
+          </a:p>
+          <a:p>
+            <a:pPr marL="0" indent="0">
+              <a:buNone/>
+            </a:pPr>
+            <a:r>
+              <a:rPr lang="de-DE" dirty="0"/>
+              <a:t>     	</a:t>
+            </a:r>
+            <a:r>
+              <a:rPr lang="de-DE" sz="1200" dirty="0" err="1">
+                <a:latin typeface="Arial" panose="020B0604020202020204" pitchFamily="34" charset="0"/>
+                <a:cs typeface="Arial" panose="020B0604020202020204" pitchFamily="34" charset="0"/>
+              </a:rPr>
+              <a:t>import</a:t>
+            </a:r>
+            <a:r>
+              <a:rPr lang="de-DE" sz="1200" dirty="0">
+                <a:latin typeface="Arial" panose="020B0604020202020204" pitchFamily="34" charset="0"/>
+                <a:cs typeface="Arial" panose="020B0604020202020204" pitchFamily="34" charset="0"/>
+              </a:rPr>
+              <a:t> </a:t>
+            </a:r>
+            <a:r>
+              <a:rPr lang="de-DE" sz="1200" dirty="0" err="1">
+                <a:latin typeface="Arial" panose="020B0604020202020204" pitchFamily="34" charset="0"/>
+                <a:cs typeface="Arial" panose="020B0604020202020204" pitchFamily="34" charset="0"/>
+              </a:rPr>
+              <a:t>static</a:t>
+            </a:r>
+            <a:r>
+              <a:rPr lang="de-DE" sz="1200" dirty="0">
+                <a:latin typeface="Arial" panose="020B0604020202020204" pitchFamily="34" charset="0"/>
+                <a:cs typeface="Arial" panose="020B0604020202020204" pitchFamily="34" charset="0"/>
+              </a:rPr>
+              <a:t> org.assertj.core.api.Assertions.*</a:t>
+            </a:r>
+          </a:p>
+          <a:p>
+            <a:pPr marL="0" indent="0">
+              <a:buNone/>
+            </a:pPr>
+            <a:r>
+              <a:rPr lang="de-DE" sz="1200" dirty="0">
+                <a:latin typeface="Arial" panose="020B0604020202020204" pitchFamily="34" charset="0"/>
+                <a:cs typeface="Arial" panose="020B0604020202020204" pitchFamily="34" charset="0"/>
+              </a:rPr>
+              <a:t>      	</a:t>
+            </a:r>
+            <a:r>
+              <a:rPr lang="de-DE" sz="1200" dirty="0" err="1">
+                <a:latin typeface="Arial" panose="020B0604020202020204" pitchFamily="34" charset="0"/>
+                <a:cs typeface="Arial" panose="020B0604020202020204" pitchFamily="34" charset="0"/>
+              </a:rPr>
+              <a:t>assertThat</a:t>
+            </a:r>
+            <a:r>
+              <a:rPr lang="de-DE" sz="1200" dirty="0">
+                <a:latin typeface="Arial" panose="020B0604020202020204" pitchFamily="34" charset="0"/>
+                <a:cs typeface="Arial" panose="020B0604020202020204" pitchFamily="34" charset="0"/>
+              </a:rPr>
+              <a:t>(</a:t>
+            </a:r>
+            <a:r>
+              <a:rPr lang="de-DE" altLang="de-DE" sz="1200" dirty="0">
+                <a:latin typeface="Arial Unicode MS"/>
+              </a:rPr>
+              <a:t>„JUnit5“).</a:t>
+            </a:r>
+            <a:r>
+              <a:rPr lang="de-DE" altLang="de-DE" sz="1200" dirty="0" err="1">
+                <a:latin typeface="Arial Unicode MS"/>
+              </a:rPr>
+              <a:t>isNotEqualTo</a:t>
+            </a:r>
+            <a:r>
+              <a:rPr lang="de-DE" altLang="de-DE" sz="1200" dirty="0">
+                <a:latin typeface="Arial Unicode MS"/>
+              </a:rPr>
+              <a:t>(„</a:t>
+            </a:r>
+            <a:r>
+              <a:rPr lang="de-DE" altLang="de-DE" sz="1200" dirty="0" err="1">
+                <a:latin typeface="Arial Unicode MS"/>
+              </a:rPr>
+              <a:t>AssertJ</a:t>
+            </a:r>
+            <a:r>
+              <a:rPr lang="de-DE" altLang="de-DE" sz="1200" dirty="0">
+                <a:latin typeface="Arial Unicode MS"/>
+              </a:rPr>
+              <a:t>“);</a:t>
+            </a:r>
+            <a:endParaRPr lang="de-DE" sz="1200" dirty="0">
+              <a:latin typeface="Arial" panose="020B0604020202020204" pitchFamily="34" charset="0"/>
+              <a:cs typeface="Arial" panose="020B0604020202020204" pitchFamily="34" charset="0"/>
+            </a:endParaRPr>
           </a:p>
         </p:txBody>
       </p:sp>
@@ -12143,33 +12610,6 @@
           </a:p>
         </p:txBody>
       </p:sp>
-      <p:sp>
-        <p:nvSpPr>
-          <p:cNvPr id="7" name="Textplatzhalter 6"/>
-          <p:cNvSpPr>
-            <a:spLocks noGrp="1"/>
-          </p:cNvSpPr>
-          <p:nvPr>
-            <p:ph type="body" sz="quarter" idx="14"/>
-          </p:nvPr>
-        </p:nvSpPr>
-        <p:spPr/>
-        <p:txBody>
-          <a:bodyPr/>
-          <a:lstStyle/>
-          <a:p>
-            <a:r>
-              <a:rPr lang="de-DE" dirty="0"/>
-              <a:t>Ich bin wie immer der </a:t>
-            </a:r>
-            <a:r>
-              <a:rPr lang="de-DE" dirty="0" err="1"/>
-              <a:t>Subtitel</a:t>
-            </a:r>
-            <a:endParaRPr lang="de-DE" dirty="0"/>
-          </a:p>
-        </p:txBody>
-      </p:sp>
     </p:spTree>
     <p:extLst>
       <p:ext uri="{BB962C8B-B14F-4D97-AF65-F5344CB8AC3E}">
@@ -12202,6 +12642,638 @@
       </p:grpSpPr>
       <p:sp>
         <p:nvSpPr>
+          <p:cNvPr id="4" name="Inhaltsplatzhalter 3"/>
+          <p:cNvSpPr>
+            <a:spLocks noGrp="1"/>
+          </p:cNvSpPr>
+          <p:nvPr>
+            <p:ph sz="quarter" idx="10"/>
+          </p:nvPr>
+        </p:nvSpPr>
+        <p:spPr>
+          <a:xfrm>
+            <a:off x="457200" y="1893225"/>
+            <a:ext cx="3996000" cy="2838078"/>
+          </a:xfrm>
+        </p:spPr>
+        <p:txBody>
+          <a:bodyPr>
+            <a:noAutofit/>
+          </a:bodyPr>
+          <a:lstStyle/>
+          <a:p>
+            <a:pPr marL="0" indent="0">
+              <a:buNone/>
+            </a:pPr>
+            <a:r>
+              <a:rPr lang="de-DE" sz="900" dirty="0"/>
+              <a:t>@</a:t>
+            </a:r>
+            <a:r>
+              <a:rPr lang="de-DE" sz="900" dirty="0" err="1"/>
+              <a:t>RunWith</a:t>
+            </a:r>
+            <a:r>
+              <a:rPr lang="de-DE" sz="900" dirty="0"/>
+              <a:t>(</a:t>
+            </a:r>
+            <a:r>
+              <a:rPr lang="de-DE" sz="900" dirty="0" err="1"/>
+              <a:t>MockitoJUnitRunner.class</a:t>
+            </a:r>
+            <a:r>
+              <a:rPr lang="de-DE" sz="900" dirty="0"/>
+              <a:t>)</a:t>
+            </a:r>
+          </a:p>
+          <a:p>
+            <a:pPr marL="0" indent="0">
+              <a:buNone/>
+            </a:pPr>
+            <a:r>
+              <a:rPr lang="de-DE" sz="900" dirty="0" err="1"/>
+              <a:t>public</a:t>
+            </a:r>
+            <a:r>
+              <a:rPr lang="de-DE" sz="900" dirty="0"/>
+              <a:t> </a:t>
+            </a:r>
+            <a:r>
+              <a:rPr lang="de-DE" sz="900" dirty="0" err="1"/>
+              <a:t>class</a:t>
+            </a:r>
+            <a:r>
+              <a:rPr lang="de-DE" sz="900" dirty="0"/>
+              <a:t> </a:t>
+            </a:r>
+            <a:r>
+              <a:rPr lang="de-DE" sz="900" dirty="0" err="1"/>
+              <a:t>MockenTest</a:t>
+            </a:r>
+            <a:r>
+              <a:rPr lang="de-DE" sz="900" dirty="0"/>
+              <a:t> {</a:t>
+            </a:r>
+          </a:p>
+          <a:p>
+            <a:pPr marL="0" indent="0">
+              <a:buNone/>
+            </a:pPr>
+            <a:r>
+              <a:rPr lang="de-DE" sz="900" dirty="0"/>
+              <a:t>	@Mock</a:t>
+            </a:r>
+          </a:p>
+          <a:p>
+            <a:pPr marL="0" indent="0">
+              <a:buNone/>
+            </a:pPr>
+            <a:r>
+              <a:rPr lang="de-DE" sz="900" dirty="0"/>
+              <a:t>	private </a:t>
+            </a:r>
+            <a:r>
+              <a:rPr lang="de-DE" sz="900" dirty="0" err="1"/>
+              <a:t>MockKlasse</a:t>
+            </a:r>
+            <a:r>
+              <a:rPr lang="de-DE" sz="900" dirty="0"/>
+              <a:t> </a:t>
+            </a:r>
+            <a:r>
+              <a:rPr lang="de-DE" sz="900" dirty="0" err="1"/>
+              <a:t>mocked</a:t>
+            </a:r>
+            <a:r>
+              <a:rPr lang="de-DE" sz="900" dirty="0"/>
+              <a:t>;</a:t>
+            </a:r>
+          </a:p>
+          <a:p>
+            <a:pPr marL="0" indent="0">
+              <a:buNone/>
+            </a:pPr>
+            <a:endParaRPr lang="de-DE" sz="900" dirty="0"/>
+          </a:p>
+          <a:p>
+            <a:pPr marL="0" indent="0">
+              <a:buNone/>
+            </a:pPr>
+            <a:r>
+              <a:rPr lang="de-DE" sz="900" dirty="0"/>
+              <a:t>	private </a:t>
+            </a:r>
+            <a:r>
+              <a:rPr lang="de-DE" sz="900" dirty="0" err="1"/>
+              <a:t>TestKlasse</a:t>
+            </a:r>
+            <a:r>
+              <a:rPr lang="de-DE" sz="900" dirty="0"/>
+              <a:t> </a:t>
+            </a:r>
+            <a:r>
+              <a:rPr lang="de-DE" sz="900" dirty="0" err="1"/>
+              <a:t>underTest</a:t>
+            </a:r>
+            <a:r>
+              <a:rPr lang="de-DE" sz="900" dirty="0"/>
+              <a:t>;</a:t>
+            </a:r>
+          </a:p>
+          <a:p>
+            <a:pPr marL="0" indent="0">
+              <a:buNone/>
+            </a:pPr>
+            <a:endParaRPr lang="de-DE" sz="900" dirty="0"/>
+          </a:p>
+          <a:p>
+            <a:pPr marL="0" indent="0">
+              <a:buNone/>
+            </a:pPr>
+            <a:r>
+              <a:rPr lang="de-DE" sz="900" dirty="0"/>
+              <a:t>	@</a:t>
+            </a:r>
+            <a:r>
+              <a:rPr lang="de-DE" sz="900" dirty="0" err="1"/>
+              <a:t>Before</a:t>
+            </a:r>
+            <a:endParaRPr lang="de-DE" sz="900" dirty="0"/>
+          </a:p>
+          <a:p>
+            <a:pPr marL="0" indent="0">
+              <a:buNone/>
+            </a:pPr>
+            <a:r>
+              <a:rPr lang="de-DE" sz="900" dirty="0"/>
+              <a:t>	</a:t>
+            </a:r>
+            <a:r>
+              <a:rPr lang="de-DE" sz="900" dirty="0" err="1"/>
+              <a:t>public</a:t>
+            </a:r>
+            <a:r>
+              <a:rPr lang="de-DE" sz="900" dirty="0"/>
+              <a:t> </a:t>
+            </a:r>
+            <a:r>
+              <a:rPr lang="de-DE" sz="900" dirty="0" err="1"/>
+              <a:t>void</a:t>
+            </a:r>
+            <a:r>
+              <a:rPr lang="de-DE" sz="900" dirty="0"/>
+              <a:t> </a:t>
+            </a:r>
+            <a:r>
+              <a:rPr lang="de-DE" sz="900" dirty="0" err="1"/>
+              <a:t>setUp</a:t>
+            </a:r>
+            <a:r>
+              <a:rPr lang="de-DE" sz="900" dirty="0"/>
+              <a:t>(){</a:t>
+            </a:r>
+          </a:p>
+          <a:p>
+            <a:pPr marL="0" indent="0">
+              <a:buNone/>
+            </a:pPr>
+            <a:r>
+              <a:rPr lang="de-DE" sz="900" dirty="0"/>
+              <a:t>	   </a:t>
+            </a:r>
+            <a:r>
+              <a:rPr lang="de-DE" sz="900" dirty="0" err="1"/>
+              <a:t>when</a:t>
+            </a:r>
+            <a:r>
+              <a:rPr lang="de-DE" sz="900" dirty="0"/>
+              <a:t>(</a:t>
+            </a:r>
+            <a:r>
+              <a:rPr lang="de-DE" sz="900" dirty="0" err="1"/>
+              <a:t>mocked.call</a:t>
+            </a:r>
+            <a:r>
+              <a:rPr lang="de-DE" sz="900" dirty="0"/>
+              <a:t>()).</a:t>
+            </a:r>
+            <a:r>
+              <a:rPr lang="de-DE" sz="900" dirty="0" err="1"/>
+              <a:t>thenReturn</a:t>
+            </a:r>
+            <a:r>
+              <a:rPr lang="de-DE" sz="900" dirty="0"/>
+              <a:t>(</a:t>
+            </a:r>
+            <a:r>
+              <a:rPr lang="de-DE" sz="900" dirty="0" err="1"/>
+              <a:t>true</a:t>
+            </a:r>
+            <a:r>
+              <a:rPr lang="de-DE" sz="900" dirty="0"/>
+              <a:t>);</a:t>
+            </a:r>
+          </a:p>
+          <a:p>
+            <a:pPr marL="0" indent="0">
+              <a:buNone/>
+            </a:pPr>
+            <a:r>
+              <a:rPr lang="de-DE" sz="900" dirty="0"/>
+              <a:t>	}</a:t>
+            </a:r>
+          </a:p>
+          <a:p>
+            <a:pPr marL="0" indent="0">
+              <a:buNone/>
+            </a:pPr>
+            <a:endParaRPr lang="de-DE" sz="900" dirty="0"/>
+          </a:p>
+          <a:p>
+            <a:pPr marL="0" indent="0">
+              <a:buNone/>
+            </a:pPr>
+            <a:r>
+              <a:rPr lang="de-DE" sz="900" dirty="0"/>
+              <a:t>	@Test</a:t>
+            </a:r>
+          </a:p>
+          <a:p>
+            <a:pPr marL="0" indent="0">
+              <a:buNone/>
+            </a:pPr>
+            <a:r>
+              <a:rPr lang="en-US" sz="900" dirty="0"/>
+              <a:t>	public void test() {</a:t>
+            </a:r>
+          </a:p>
+          <a:p>
+            <a:pPr marL="0" indent="0">
+              <a:buNone/>
+            </a:pPr>
+            <a:r>
+              <a:rPr lang="en-US" sz="900" dirty="0"/>
+              <a:t>	  undertest(mocked);</a:t>
+            </a:r>
+          </a:p>
+          <a:p>
+            <a:pPr marL="0" indent="0">
+              <a:buNone/>
+            </a:pPr>
+            <a:r>
+              <a:rPr lang="de-DE" sz="900" dirty="0"/>
+              <a:t>	}</a:t>
+            </a:r>
+          </a:p>
+          <a:p>
+            <a:pPr marL="0" indent="0">
+              <a:buNone/>
+            </a:pPr>
+            <a:r>
+              <a:rPr lang="de-DE" sz="900" dirty="0"/>
+              <a:t>}</a:t>
+            </a:r>
+            <a:endParaRPr lang="de-DE" sz="900" dirty="0">
+              <a:latin typeface="Arial" panose="020B0604020202020204" pitchFamily="34" charset="0"/>
+              <a:cs typeface="Arial" panose="020B0604020202020204" pitchFamily="34" charset="0"/>
+            </a:endParaRPr>
+          </a:p>
+        </p:txBody>
+      </p:sp>
+      <p:sp>
+        <p:nvSpPr>
+          <p:cNvPr id="10" name="Inhaltsplatzhalter 9">
+            <a:extLst>
+              <a:ext uri="{FF2B5EF4-FFF2-40B4-BE49-F238E27FC236}">
+                <a16:creationId xmlns:a16="http://schemas.microsoft.com/office/drawing/2014/main" id="{1FC24A4E-D79D-4670-B9CA-499CBE90A94E}"/>
+              </a:ext>
+            </a:extLst>
+          </p:cNvPr>
+          <p:cNvSpPr>
+            <a:spLocks noGrp="1"/>
+          </p:cNvSpPr>
+          <p:nvPr>
+            <p:ph sz="quarter" idx="11"/>
+          </p:nvPr>
+        </p:nvSpPr>
+        <p:spPr>
+          <a:xfrm>
+            <a:off x="4669200" y="1893225"/>
+            <a:ext cx="3996000" cy="2838078"/>
+          </a:xfrm>
+        </p:spPr>
+        <p:txBody>
+          <a:bodyPr>
+            <a:noAutofit/>
+          </a:bodyPr>
+          <a:lstStyle/>
+          <a:p>
+            <a:pPr marL="0" indent="0">
+              <a:buNone/>
+            </a:pPr>
+            <a:r>
+              <a:rPr lang="de-DE" sz="900" dirty="0"/>
+              <a:t>@</a:t>
+            </a:r>
+            <a:r>
+              <a:rPr lang="de-DE" sz="900" dirty="0" err="1"/>
+              <a:t>ExtendWith</a:t>
+            </a:r>
+            <a:r>
+              <a:rPr lang="de-DE" sz="900" dirty="0"/>
+              <a:t>(</a:t>
+            </a:r>
+            <a:r>
+              <a:rPr lang="de-DE" sz="900" dirty="0" err="1"/>
+              <a:t>MockitoExtension.class</a:t>
+            </a:r>
+            <a:r>
+              <a:rPr lang="de-DE" sz="900" dirty="0"/>
+              <a:t>)</a:t>
+            </a:r>
+          </a:p>
+          <a:p>
+            <a:pPr marL="0" indent="0">
+              <a:buNone/>
+            </a:pPr>
+            <a:r>
+              <a:rPr lang="de-DE" sz="900" dirty="0"/>
+              <a:t>@</a:t>
+            </a:r>
+            <a:r>
+              <a:rPr lang="de-DE" sz="900" dirty="0" err="1"/>
+              <a:t>RunWith</a:t>
+            </a:r>
+            <a:r>
+              <a:rPr lang="de-DE" sz="900" dirty="0"/>
+              <a:t>(</a:t>
+            </a:r>
+            <a:r>
+              <a:rPr lang="de-DE" sz="900" dirty="0" err="1"/>
+              <a:t>JUnitPlatform.class</a:t>
+            </a:r>
+            <a:r>
+              <a:rPr lang="de-DE" sz="900" dirty="0"/>
+              <a:t>)</a:t>
+            </a:r>
+          </a:p>
+          <a:p>
+            <a:pPr marL="0" indent="0">
+              <a:buNone/>
+            </a:pPr>
+            <a:r>
+              <a:rPr lang="de-DE" sz="900" dirty="0" err="1"/>
+              <a:t>public</a:t>
+            </a:r>
+            <a:r>
+              <a:rPr lang="de-DE" sz="900" dirty="0"/>
+              <a:t> </a:t>
+            </a:r>
+            <a:r>
+              <a:rPr lang="de-DE" sz="900" dirty="0" err="1"/>
+              <a:t>class</a:t>
+            </a:r>
+            <a:r>
+              <a:rPr lang="de-DE" sz="900" dirty="0"/>
+              <a:t> </a:t>
+            </a:r>
+            <a:r>
+              <a:rPr lang="de-DE" sz="900" dirty="0" err="1"/>
+              <a:t>MockenTest</a:t>
+            </a:r>
+            <a:r>
+              <a:rPr lang="de-DE" sz="900" dirty="0"/>
+              <a:t> {</a:t>
+            </a:r>
+          </a:p>
+          <a:p>
+            <a:pPr marL="0" indent="0">
+              <a:buNone/>
+            </a:pPr>
+            <a:r>
+              <a:rPr lang="de-DE" sz="900" dirty="0"/>
+              <a:t>	@Mock</a:t>
+            </a:r>
+          </a:p>
+          <a:p>
+            <a:pPr marL="0" indent="0">
+              <a:buNone/>
+            </a:pPr>
+            <a:r>
+              <a:rPr lang="de-DE" sz="900" dirty="0"/>
+              <a:t>	private MockKlasse1 mocked1;</a:t>
+            </a:r>
+          </a:p>
+          <a:p>
+            <a:pPr marL="0" indent="0">
+              <a:buNone/>
+            </a:pPr>
+            <a:endParaRPr lang="de-DE" sz="900" dirty="0"/>
+          </a:p>
+          <a:p>
+            <a:pPr marL="0" indent="0">
+              <a:buNone/>
+            </a:pPr>
+            <a:r>
+              <a:rPr lang="de-DE" sz="900" dirty="0"/>
+              <a:t>	private </a:t>
+            </a:r>
+            <a:r>
+              <a:rPr lang="de-DE" sz="900" dirty="0" err="1"/>
+              <a:t>TestKlasse</a:t>
+            </a:r>
+            <a:r>
+              <a:rPr lang="de-DE" sz="900" dirty="0"/>
+              <a:t> </a:t>
+            </a:r>
+            <a:r>
+              <a:rPr lang="de-DE" sz="900" dirty="0" err="1"/>
+              <a:t>underTest</a:t>
+            </a:r>
+            <a:r>
+              <a:rPr lang="de-DE" sz="900" dirty="0"/>
+              <a:t>;</a:t>
+            </a:r>
+          </a:p>
+          <a:p>
+            <a:pPr marL="0" indent="0">
+              <a:buNone/>
+            </a:pPr>
+            <a:endParaRPr lang="de-DE" sz="900" dirty="0"/>
+          </a:p>
+          <a:p>
+            <a:pPr marL="0" indent="0">
+              <a:buNone/>
+            </a:pPr>
+            <a:r>
+              <a:rPr lang="de-DE" sz="900" dirty="0"/>
+              <a:t>	@</a:t>
+            </a:r>
+            <a:r>
+              <a:rPr lang="de-DE" sz="900" dirty="0" err="1"/>
+              <a:t>BeforeEach</a:t>
+            </a:r>
+            <a:endParaRPr lang="de-DE" sz="900" dirty="0"/>
+          </a:p>
+          <a:p>
+            <a:pPr marL="0" indent="0">
+              <a:buNone/>
+            </a:pPr>
+            <a:r>
+              <a:rPr lang="de-DE" sz="900" dirty="0"/>
+              <a:t>   	</a:t>
+            </a:r>
+            <a:r>
+              <a:rPr lang="de-DE" sz="900" dirty="0" err="1"/>
+              <a:t>void</a:t>
+            </a:r>
+            <a:r>
+              <a:rPr lang="de-DE" sz="900" dirty="0"/>
+              <a:t> </a:t>
+            </a:r>
+            <a:r>
+              <a:rPr lang="de-DE" sz="900" dirty="0" err="1"/>
+              <a:t>setUp</a:t>
+            </a:r>
+            <a:r>
+              <a:rPr lang="de-DE" sz="900" dirty="0"/>
+              <a:t>(@Mock MockKlasse2 mocked2){</a:t>
+            </a:r>
+          </a:p>
+          <a:p>
+            <a:pPr marL="0" indent="0">
+              <a:buNone/>
+            </a:pPr>
+            <a:r>
+              <a:rPr lang="de-DE" sz="900" dirty="0"/>
+              <a:t>	   </a:t>
+            </a:r>
+            <a:r>
+              <a:rPr lang="de-DE" sz="900" dirty="0" err="1"/>
+              <a:t>when</a:t>
+            </a:r>
+            <a:r>
+              <a:rPr lang="de-DE" sz="900" dirty="0"/>
+              <a:t>(mocked1.call()).</a:t>
+            </a:r>
+            <a:r>
+              <a:rPr lang="de-DE" sz="900" dirty="0" err="1"/>
+              <a:t>thenReturn</a:t>
+            </a:r>
+            <a:r>
+              <a:rPr lang="de-DE" sz="900" dirty="0"/>
+              <a:t>(</a:t>
+            </a:r>
+            <a:r>
+              <a:rPr lang="de-DE" sz="900" dirty="0" err="1"/>
+              <a:t>true</a:t>
+            </a:r>
+            <a:r>
+              <a:rPr lang="de-DE" sz="900" dirty="0"/>
+              <a:t>);</a:t>
+            </a:r>
+          </a:p>
+          <a:p>
+            <a:pPr marL="0" indent="0">
+              <a:buNone/>
+            </a:pPr>
+            <a:r>
+              <a:rPr lang="de-DE" sz="900" dirty="0"/>
+              <a:t>	   </a:t>
+            </a:r>
+            <a:r>
+              <a:rPr lang="de-DE" sz="900" dirty="0" err="1"/>
+              <a:t>when</a:t>
+            </a:r>
+            <a:r>
+              <a:rPr lang="de-DE" sz="900" dirty="0"/>
+              <a:t>(mocked2.call()).</a:t>
+            </a:r>
+            <a:r>
+              <a:rPr lang="de-DE" sz="900" dirty="0" err="1"/>
+              <a:t>thenReturn</a:t>
+            </a:r>
+            <a:r>
+              <a:rPr lang="de-DE" sz="900" dirty="0"/>
+              <a:t>(</a:t>
+            </a:r>
+            <a:r>
+              <a:rPr lang="de-DE" sz="900" dirty="0" err="1"/>
+              <a:t>false</a:t>
+            </a:r>
+            <a:r>
+              <a:rPr lang="de-DE" sz="900" dirty="0"/>
+              <a:t>);</a:t>
+            </a:r>
+          </a:p>
+          <a:p>
+            <a:pPr marL="0" indent="0">
+              <a:buNone/>
+            </a:pPr>
+            <a:r>
+              <a:rPr lang="de-DE" sz="900" dirty="0"/>
+              <a:t>	}</a:t>
+            </a:r>
+          </a:p>
+          <a:p>
+            <a:pPr marL="0" indent="0">
+              <a:buNone/>
+            </a:pPr>
+            <a:endParaRPr lang="de-DE" sz="900" dirty="0"/>
+          </a:p>
+          <a:p>
+            <a:pPr marL="0" indent="0">
+              <a:buNone/>
+            </a:pPr>
+            <a:r>
+              <a:rPr lang="de-DE" sz="900" dirty="0"/>
+              <a:t>	@Test</a:t>
+            </a:r>
+          </a:p>
+          <a:p>
+            <a:pPr marL="0" indent="0">
+              <a:buNone/>
+            </a:pPr>
+            <a:r>
+              <a:rPr lang="en-US" sz="900" dirty="0"/>
+              <a:t>	public void test() {</a:t>
+            </a:r>
+          </a:p>
+          <a:p>
+            <a:pPr marL="0" indent="0">
+              <a:buNone/>
+            </a:pPr>
+            <a:r>
+              <a:rPr lang="en-US" sz="900" dirty="0"/>
+              <a:t>	  undertest(mocked);</a:t>
+            </a:r>
+          </a:p>
+          <a:p>
+            <a:pPr marL="0" indent="0">
+              <a:buNone/>
+            </a:pPr>
+            <a:r>
+              <a:rPr lang="de-DE" sz="900" dirty="0"/>
+              <a:t>	}</a:t>
+            </a:r>
+          </a:p>
+          <a:p>
+            <a:pPr marL="0" indent="0">
+              <a:buNone/>
+            </a:pPr>
+            <a:r>
+              <a:rPr lang="de-DE" sz="900" dirty="0"/>
+              <a:t>}</a:t>
+            </a:r>
+            <a:endParaRPr lang="de-DE" sz="900" dirty="0">
+              <a:latin typeface="Arial" panose="020B0604020202020204" pitchFamily="34" charset="0"/>
+              <a:cs typeface="Arial" panose="020B0604020202020204" pitchFamily="34" charset="0"/>
+            </a:endParaRPr>
+          </a:p>
+        </p:txBody>
+      </p:sp>
+      <p:sp>
+        <p:nvSpPr>
           <p:cNvPr id="3" name="Titel 2"/>
           <p:cNvSpPr>
             <a:spLocks noGrp="1"/>
@@ -12217,15 +13289,15 @@
           <a:p>
             <a:r>
               <a:rPr lang="de-DE" dirty="0"/>
-              <a:t>Ein </a:t>
+              <a:t>Mocken ohne </a:t>
             </a:r>
             <a:r>
               <a:rPr lang="de-DE" dirty="0" err="1"/>
-              <a:t>Bsp</a:t>
-            </a:r>
-            <a:r>
-              <a:rPr lang="de-DE" dirty="0"/>
-              <a:t> für das Layout „Text ohne Sub Bild“</a:t>
+              <a:t>MockitoRunner</a:t>
+            </a:r>
+            <a:r>
+              <a:rPr lang="de-DE" dirty="0"/>
+              <a:t> </a:t>
             </a:r>
           </a:p>
         </p:txBody>
@@ -12309,171 +13381,143 @@
           </a:p>
         </p:txBody>
       </p:sp>
-      <p:pic>
-        <p:nvPicPr>
-          <p:cNvPr id="6" name="Grafik 5"/>
-          <p:cNvPicPr>
-            <a:picLocks noChangeAspect="1"/>
-          </p:cNvPicPr>
-          <p:nvPr/>
-        </p:nvPicPr>
-        <p:blipFill>
-          <a:blip r:embed="rId2">
+      <p:sp>
+        <p:nvSpPr>
+          <p:cNvPr id="2" name="Fußzeilenplatzhalter 1"/>
+          <p:cNvSpPr>
+            <a:spLocks noGrp="1"/>
+          </p:cNvSpPr>
+          <p:nvPr>
+            <p:ph type="ftr" sz="quarter" idx="21"/>
+          </p:nvPr>
+        </p:nvSpPr>
+        <p:spPr/>
+        <p:txBody>
+          <a:bodyPr/>
+          <a:lstStyle/>
+          <a:p>
+            <a:r>
+              <a:rPr lang="en-US"/>
+              <a:t>Experts in agile software engineering</a:t>
+            </a:r>
+            <a:endParaRPr lang="de-DE" dirty="0"/>
+          </a:p>
+        </p:txBody>
+      </p:sp>
+      <p:sp>
+        <p:nvSpPr>
+          <p:cNvPr id="11" name="Textplatzhalter 10">
             <a:extLst>
-              <a:ext uri="{28A0092B-C50C-407E-A947-70E740481C1C}">
-                <a14:useLocalDpi xmlns:a14="http://schemas.microsoft.com/office/drawing/2010/main" val="0"/>
+              <a:ext uri="{FF2B5EF4-FFF2-40B4-BE49-F238E27FC236}">
+                <a16:creationId xmlns:a16="http://schemas.microsoft.com/office/drawing/2014/main" id="{72D7F41B-4B9D-48F4-8D65-3559D2613E34}"/>
               </a:ext>
             </a:extLst>
-          </a:blip>
-          <a:stretch>
-            <a:fillRect/>
-          </a:stretch>
-        </p:blipFill>
+          </p:cNvPr>
+          <p:cNvSpPr>
+            <a:spLocks noGrp="1"/>
+          </p:cNvSpPr>
+          <p:nvPr>
+            <p:ph type="body" sz="quarter" idx="22"/>
+          </p:nvPr>
+        </p:nvSpPr>
         <p:spPr>
           <a:xfrm>
-            <a:off x="3975552" y="1483200"/>
-            <a:ext cx="4823961" cy="3240000"/>
-          </a:xfrm>
-          <a:prstGeom prst="rect">
+            <a:off x="457200" y="1250813"/>
+            <a:ext cx="3995738" cy="444500"/>
+          </a:xfrm>
+        </p:spPr>
+        <p:txBody>
+          <a:bodyPr>
+            <a:normAutofit/>
+          </a:bodyPr>
+          <a:lstStyle/>
+          <a:p>
+            <a:r>
+              <a:rPr lang="de-DE" sz="1600" dirty="0"/>
+              <a:t>Alt</a:t>
+            </a:r>
+          </a:p>
+        </p:txBody>
+      </p:sp>
+      <p:sp>
+        <p:nvSpPr>
+          <p:cNvPr id="12" name="Textplatzhalter 11">
+            <a:extLst>
+              <a:ext uri="{FF2B5EF4-FFF2-40B4-BE49-F238E27FC236}">
+                <a16:creationId xmlns:a16="http://schemas.microsoft.com/office/drawing/2014/main" id="{9FDA75BD-DAA7-47F1-A19B-FE7CE95653DD}"/>
+              </a:ext>
+            </a:extLst>
+          </p:cNvPr>
+          <p:cNvSpPr>
+            <a:spLocks noGrp="1"/>
+          </p:cNvSpPr>
+          <p:nvPr>
+            <p:ph type="body" sz="quarter" idx="23"/>
+          </p:nvPr>
+        </p:nvSpPr>
+        <p:spPr>
+          <a:xfrm>
+            <a:off x="4669200" y="1252425"/>
+            <a:ext cx="3995738" cy="444500"/>
+          </a:xfrm>
+        </p:spPr>
+        <p:txBody>
+          <a:bodyPr>
+            <a:normAutofit/>
+          </a:bodyPr>
+          <a:lstStyle/>
+          <a:p>
+            <a:r>
+              <a:rPr lang="de-DE" sz="1600" dirty="0"/>
+              <a:t>Neu</a:t>
+            </a:r>
+          </a:p>
+        </p:txBody>
+      </p:sp>
+      <p:cxnSp>
+        <p:nvCxnSpPr>
+          <p:cNvPr id="9" name="Gerader Verbinder 8">
+            <a:extLst>
+              <a:ext uri="{FF2B5EF4-FFF2-40B4-BE49-F238E27FC236}">
+                <a16:creationId xmlns:a16="http://schemas.microsoft.com/office/drawing/2014/main" id="{473A190E-11C7-44C6-B413-5B19A02D32C3}"/>
+              </a:ext>
+            </a:extLst>
+          </p:cNvPr>
+          <p:cNvCxnSpPr>
+            <a:cxnSpLocks/>
+            <a:stCxn id="4" idx="0"/>
+            <a:endCxn id="4" idx="2"/>
+          </p:cNvCxnSpPr>
+          <p:nvPr/>
+        </p:nvCxnSpPr>
+        <p:spPr>
+          <a:xfrm>
+            <a:off x="4561199" y="1518825"/>
+            <a:ext cx="0" cy="3042000"/>
+          </a:xfrm>
+          <a:prstGeom prst="line">
             <a:avLst/>
           </a:prstGeom>
         </p:spPr>
-      </p:pic>
-      <p:sp>
-        <p:nvSpPr>
-          <p:cNvPr id="4" name="Inhaltsplatzhalter 3"/>
-          <p:cNvSpPr>
-            <a:spLocks noGrp="1"/>
-          </p:cNvSpPr>
-          <p:nvPr>
-            <p:ph idx="12"/>
-          </p:nvPr>
-        </p:nvSpPr>
-        <p:spPr>
-          <a:xfrm>
-            <a:off x="457198" y="1483200"/>
-            <a:ext cx="4824000" cy="3240000"/>
-          </a:xfrm>
-        </p:spPr>
-        <p:txBody>
-          <a:bodyPr>
-            <a:normAutofit lnSpcReduction="10000"/>
-          </a:bodyPr>
-          <a:lstStyle/>
-          <a:p>
-            <a:pPr marL="0" indent="0">
-              <a:buNone/>
-            </a:pPr>
-            <a:r>
-              <a:rPr lang="de-DE" dirty="0"/>
-              <a:t>Hier ist Platz für den Text.</a:t>
-            </a:r>
-          </a:p>
-          <a:p>
-            <a:r>
-              <a:rPr lang="de-DE" dirty="0"/>
-              <a:t>Auch für Aufzählungen</a:t>
-            </a:r>
-          </a:p>
-          <a:p>
-            <a:pPr lvl="1"/>
-            <a:r>
-              <a:rPr lang="de-DE" dirty="0"/>
-              <a:t>und Unter-Aufzählungen</a:t>
-            </a:r>
-          </a:p>
-          <a:p>
-            <a:pPr marL="455613" lvl="1" indent="-455613" defTabSz="269875">
-              <a:buNone/>
-            </a:pPr>
-            <a:r>
-              <a:rPr lang="de-DE" dirty="0"/>
-              <a:t>Ab hier ist die Aufzählung zu Ende.</a:t>
-            </a:r>
-          </a:p>
-          <a:p>
-            <a:pPr marL="455613" lvl="1" indent="-455613" defTabSz="269875">
-              <a:buNone/>
-            </a:pPr>
-            <a:r>
-              <a:rPr lang="de-DE" dirty="0"/>
-              <a:t>Noch eine Zeile Text.</a:t>
-            </a:r>
-          </a:p>
-          <a:p>
-            <a:pPr marL="455613" lvl="1" indent="-455613" defTabSz="269875">
-              <a:buNone/>
-            </a:pPr>
-            <a:r>
-              <a:rPr lang="de-DE" dirty="0"/>
-              <a:t>Noch eine Zeile Text.</a:t>
-            </a:r>
-          </a:p>
-          <a:p>
-            <a:pPr marL="455613" lvl="1" indent="-455613" defTabSz="269875">
-              <a:buNone/>
-            </a:pPr>
-            <a:r>
-              <a:rPr lang="de-DE" dirty="0"/>
-              <a:t>Noch eine Zeile Text.</a:t>
-            </a:r>
-          </a:p>
-          <a:p>
-            <a:pPr marL="455613" lvl="1" indent="-455613" defTabSz="269875">
-              <a:buNone/>
-            </a:pPr>
-            <a:r>
-              <a:rPr lang="de-DE" dirty="0"/>
-              <a:t>Noch eine Zeile Text.</a:t>
-            </a:r>
-          </a:p>
-          <a:p>
-            <a:pPr marL="455613" lvl="1" indent="-455613" defTabSz="269875">
-              <a:buNone/>
-            </a:pPr>
-            <a:r>
-              <a:rPr lang="de-DE" dirty="0"/>
-              <a:t>Noch eine Zeile Text. </a:t>
-            </a:r>
-          </a:p>
-          <a:p>
-            <a:pPr marL="455613" lvl="1" indent="-455613" defTabSz="269875">
-              <a:buNone/>
-            </a:pPr>
-            <a:r>
-              <a:rPr lang="de-DE" dirty="0"/>
-              <a:t>Die letzte Zeile Text.</a:t>
-            </a:r>
-          </a:p>
-        </p:txBody>
-      </p:sp>
-      <p:sp>
-        <p:nvSpPr>
-          <p:cNvPr id="2" name="Fußzeilenplatzhalter 1"/>
-          <p:cNvSpPr>
-            <a:spLocks noGrp="1"/>
-          </p:cNvSpPr>
-          <p:nvPr>
-            <p:ph type="ftr" sz="quarter" idx="10"/>
-          </p:nvPr>
-        </p:nvSpPr>
-        <p:spPr/>
-        <p:txBody>
-          <a:bodyPr/>
-          <a:lstStyle/>
-          <a:p>
-            <a:r>
-              <a:rPr lang="en-US"/>
-              <a:t>Experts in agile software engineering</a:t>
-            </a:r>
-            <a:endParaRPr lang="de-DE" dirty="0"/>
-          </a:p>
-        </p:txBody>
-      </p:sp>
+        <p:style>
+          <a:lnRef idx="2">
+            <a:schemeClr val="accent1"/>
+          </a:lnRef>
+          <a:fillRef idx="0">
+            <a:schemeClr val="accent1"/>
+          </a:fillRef>
+          <a:effectRef idx="1">
+            <a:schemeClr val="accent1"/>
+          </a:effectRef>
+          <a:fontRef idx="minor">
+            <a:schemeClr val="tx1"/>
+          </a:fontRef>
+        </p:style>
+      </p:cxnSp>
     </p:spTree>
     <p:extLst>
       <p:ext uri="{BB962C8B-B14F-4D97-AF65-F5344CB8AC3E}">
-        <p14:creationId xmlns:p14="http://schemas.microsoft.com/office/powerpoint/2010/main" val="208913358"/>
+        <p14:creationId xmlns:p14="http://schemas.microsoft.com/office/powerpoint/2010/main" val="3780619473"/>
       </p:ext>
     </p:extLst>
   </p:cSld>
@@ -12502,7 +13546,7 @@
       </p:grpSpPr>
       <p:sp>
         <p:nvSpPr>
-          <p:cNvPr id="6" name="Titel 5"/>
+          <p:cNvPr id="3" name="Titel 2"/>
           <p:cNvSpPr>
             <a:spLocks noGrp="1"/>
           </p:cNvSpPr>
@@ -12517,29 +13561,15 @@
           <a:p>
             <a:r>
               <a:rPr lang="de-DE" dirty="0"/>
-              <a:t>Beispiel für ´“Text ohne Sub ohne Bild“</a:t>
-            </a:r>
-          </a:p>
-        </p:txBody>
-      </p:sp>
-      <p:sp>
-        <p:nvSpPr>
-          <p:cNvPr id="7" name="Inhaltsplatzhalter 6"/>
-          <p:cNvSpPr>
-            <a:spLocks noGrp="1"/>
-          </p:cNvSpPr>
-          <p:nvPr>
-            <p:ph idx="12"/>
-          </p:nvPr>
-        </p:nvSpPr>
-        <p:spPr/>
-        <p:txBody>
-          <a:bodyPr/>
-          <a:lstStyle/>
-          <a:p>
-            <a:r>
-              <a:rPr lang="de-DE" dirty="0"/>
-              <a:t>Und ich bin dann der Text, der hier erscheinen kann. Ich laufe über die ganze Folie, und wie immer, wenn das der Fall ist, gibt es kein Bild. Wenn man ein Bild möchte, bitte das Layout „Text ohne Sub Bild“ nehmen.</a:t>
+              <a:t>Ein </a:t>
+            </a:r>
+            <a:r>
+              <a:rPr lang="de-DE" dirty="0" err="1"/>
+              <a:t>Bsp</a:t>
+            </a:r>
+            <a:r>
+              <a:rPr lang="de-DE" dirty="0"/>
+              <a:t> für das Layout „Text ohne Sub Bild“</a:t>
             </a:r>
           </a:p>
         </p:txBody>
@@ -12623,6 +13653,144 @@
           </a:p>
         </p:txBody>
       </p:sp>
+      <p:pic>
+        <p:nvPicPr>
+          <p:cNvPr id="6" name="Grafik 5"/>
+          <p:cNvPicPr>
+            <a:picLocks noChangeAspect="1"/>
+          </p:cNvPicPr>
+          <p:nvPr/>
+        </p:nvPicPr>
+        <p:blipFill>
+          <a:blip r:embed="rId2">
+            <a:extLst>
+              <a:ext uri="{28A0092B-C50C-407E-A947-70E740481C1C}">
+                <a14:useLocalDpi xmlns:a14="http://schemas.microsoft.com/office/drawing/2010/main" val="0"/>
+              </a:ext>
+            </a:extLst>
+          </a:blip>
+          <a:stretch>
+            <a:fillRect/>
+          </a:stretch>
+        </p:blipFill>
+        <p:spPr>
+          <a:xfrm>
+            <a:off x="3975552" y="1483200"/>
+            <a:ext cx="4823961" cy="3240000"/>
+          </a:xfrm>
+          <a:prstGeom prst="rect">
+            <a:avLst/>
+          </a:prstGeom>
+        </p:spPr>
+      </p:pic>
+      <p:sp>
+        <p:nvSpPr>
+          <p:cNvPr id="4" name="Inhaltsplatzhalter 3"/>
+          <p:cNvSpPr>
+            <a:spLocks noGrp="1"/>
+          </p:cNvSpPr>
+          <p:nvPr>
+            <p:ph idx="12"/>
+          </p:nvPr>
+        </p:nvSpPr>
+        <p:spPr>
+          <a:xfrm>
+            <a:off x="457198" y="1483200"/>
+            <a:ext cx="4824000" cy="3240000"/>
+          </a:xfrm>
+        </p:spPr>
+        <p:txBody>
+          <a:bodyPr>
+            <a:normAutofit lnSpcReduction="10000"/>
+          </a:bodyPr>
+          <a:lstStyle/>
+          <a:p>
+            <a:pPr marL="0" indent="0">
+              <a:buNone/>
+            </a:pPr>
+            <a:r>
+              <a:rPr lang="de-DE" dirty="0"/>
+              <a:t>Hier ist Platz für den Text.</a:t>
+            </a:r>
+          </a:p>
+          <a:p>
+            <a:r>
+              <a:rPr lang="de-DE" dirty="0"/>
+              <a:t>Auch für Aufzählungen</a:t>
+            </a:r>
+          </a:p>
+          <a:p>
+            <a:pPr lvl="1"/>
+            <a:r>
+              <a:rPr lang="de-DE" dirty="0"/>
+              <a:t>und Unter-Aufzählungen</a:t>
+            </a:r>
+          </a:p>
+          <a:p>
+            <a:pPr marL="455613" lvl="1" indent="-455613" defTabSz="269875">
+              <a:buNone/>
+            </a:pPr>
+            <a:r>
+              <a:rPr lang="de-DE" dirty="0"/>
+              <a:t>Ab hier ist die Aufzählung zu Ende.</a:t>
+            </a:r>
+          </a:p>
+          <a:p>
+            <a:pPr marL="455613" lvl="1" indent="-455613" defTabSz="269875">
+              <a:buNone/>
+            </a:pPr>
+            <a:r>
+              <a:rPr lang="de-DE" dirty="0"/>
+              <a:t>Noch eine Zeile Text.</a:t>
+            </a:r>
+          </a:p>
+          <a:p>
+            <a:pPr marL="455613" lvl="1" indent="-455613" defTabSz="269875">
+              <a:buNone/>
+            </a:pPr>
+            <a:r>
+              <a:rPr lang="de-DE" dirty="0"/>
+              <a:t>Noch eine Zeile Text.</a:t>
+            </a:r>
+          </a:p>
+          <a:p>
+            <a:pPr marL="455613" lvl="1" indent="-455613" defTabSz="269875">
+              <a:buNone/>
+            </a:pPr>
+            <a:r>
+              <a:rPr lang="de-DE" dirty="0"/>
+              <a:t>Noch eine Zeile Text.</a:t>
+            </a:r>
+          </a:p>
+          <a:p>
+            <a:pPr marL="455613" lvl="1" indent="-455613" defTabSz="269875">
+              <a:buNone/>
+            </a:pPr>
+            <a:r>
+              <a:rPr lang="de-DE" dirty="0"/>
+              <a:t>Noch eine Zeile Text.</a:t>
+            </a:r>
+          </a:p>
+          <a:p>
+            <a:pPr marL="455613" lvl="1" indent="-455613" defTabSz="269875">
+              <a:buNone/>
+            </a:pPr>
+            <a:r>
+              <a:rPr lang="de-DE" dirty="0"/>
+              <a:t>Noch eine Zeile Text. </a:t>
+            </a:r>
+          </a:p>
+          <a:p>
+            <a:pPr marL="455613" lvl="1" indent="-455613" defTabSz="269875">
+              <a:buNone/>
+            </a:pPr>
+            <a:r>
+              <a:rPr lang="de-DE" dirty="0"/>
+              <a:t>Die letzte Zeile Text.</a:t>
+            </a:r>
+          </a:p>
+        </p:txBody>
+      </p:sp>
       <p:sp>
         <p:nvSpPr>
           <p:cNvPr id="2" name="Fußzeilenplatzhalter 1"/>
@@ -12649,7 +13817,7 @@
     </p:spTree>
     <p:extLst>
       <p:ext uri="{BB962C8B-B14F-4D97-AF65-F5344CB8AC3E}">
-        <p14:creationId xmlns:p14="http://schemas.microsoft.com/office/powerpoint/2010/main" val="2652571053"/>
+        <p14:creationId xmlns:p14="http://schemas.microsoft.com/office/powerpoint/2010/main" val="208913358"/>
       </p:ext>
     </p:extLst>
   </p:cSld>
@@ -12678,12 +13846,12 @@
       </p:grpSpPr>
       <p:sp>
         <p:nvSpPr>
-          <p:cNvPr id="11" name="Fußzeilenplatzhalter 10"/>
-          <p:cNvSpPr>
-            <a:spLocks noGrp="1"/>
-          </p:cNvSpPr>
-          <p:nvPr>
-            <p:ph type="ftr" sz="quarter" idx="10"/>
+          <p:cNvPr id="6" name="Titel 5"/>
+          <p:cNvSpPr>
+            <a:spLocks noGrp="1"/>
+          </p:cNvSpPr>
+          <p:nvPr>
+            <p:ph type="title"/>
           </p:nvPr>
         </p:nvSpPr>
         <p:spPr/>
@@ -12692,6 +13860,129 @@
           <a:lstStyle/>
           <a:p>
             <a:r>
+              <a:rPr lang="de-DE" dirty="0"/>
+              <a:t>Beispiel für ´“Text ohne Sub ohne Bild“</a:t>
+            </a:r>
+          </a:p>
+        </p:txBody>
+      </p:sp>
+      <p:sp>
+        <p:nvSpPr>
+          <p:cNvPr id="7" name="Inhaltsplatzhalter 6"/>
+          <p:cNvSpPr>
+            <a:spLocks noGrp="1"/>
+          </p:cNvSpPr>
+          <p:nvPr>
+            <p:ph idx="12"/>
+          </p:nvPr>
+        </p:nvSpPr>
+        <p:spPr/>
+        <p:txBody>
+          <a:bodyPr/>
+          <a:lstStyle/>
+          <a:p>
+            <a:r>
+              <a:rPr lang="de-DE" dirty="0"/>
+              <a:t>Und ich bin dann der Text, der hier erscheinen kann. Ich laufe über die ganze Folie, und wie immer, wenn das der Fall ist, gibt es kein Bild. Wenn man ein Bild möchte, bitte das Layout „Text ohne Sub Bild“ nehmen.</a:t>
+            </a:r>
+          </a:p>
+        </p:txBody>
+      </p:sp>
+      <p:sp>
+        <p:nvSpPr>
+          <p:cNvPr id="5" name="Foliennummernplatzhalter 4"/>
+          <p:cNvSpPr>
+            <a:spLocks noGrp="1"/>
+          </p:cNvSpPr>
+          <p:nvPr>
+            <p:ph type="sldNum" sz="quarter" idx="4"/>
+          </p:nvPr>
+        </p:nvSpPr>
+        <p:spPr/>
+        <p:txBody>
+          <a:bodyPr/>
+          <a:lstStyle/>
+          <a:p>
+            <a:pPr marL="0" marR="0" lvl="0" indent="0" algn="ctr" defTabSz="914400" eaLnBrk="1" fontAlgn="auto" latinLnBrk="0" hangingPunct="1">
+              <a:lnSpc>
+                <a:spcPct val="100000"/>
+              </a:lnSpc>
+              <a:spcBef>
+                <a:spcPts val="0"/>
+              </a:spcBef>
+              <a:spcAft>
+                <a:spcPts val="0"/>
+              </a:spcAft>
+              <a:buClrTx/>
+              <a:buSzTx/>
+              <a:buFontTx/>
+              <a:buNone/>
+              <a:tabLst/>
+              <a:defRPr/>
+            </a:pPr>
+            <a:fld id="{6C6AE60A-B69C-4790-82F7-3882EDF23186}" type="slidenum">
+              <a:rPr kumimoji="0" lang="de-DE" sz="1000" b="0" i="0" u="none" strike="noStrike" kern="0" cap="none" spc="0" normalizeH="0" baseline="0" noProof="0" smtClean="0">
+                <a:ln>
+                  <a:noFill/>
+                </a:ln>
+                <a:solidFill>
+                  <a:srgbClr val="51A025"/>
+                </a:solidFill>
+                <a:effectLst/>
+                <a:uLnTx/>
+                <a:uFillTx/>
+                <a:latin typeface="Calibri"/>
+              </a:rPr>
+              <a:pPr marL="0" marR="0" lvl="0" indent="0" algn="ctr" defTabSz="914400" eaLnBrk="1" fontAlgn="auto" latinLnBrk="0" hangingPunct="1">
+                <a:lnSpc>
+                  <a:spcPct val="100000"/>
+                </a:lnSpc>
+                <a:spcBef>
+                  <a:spcPts val="0"/>
+                </a:spcBef>
+                <a:spcAft>
+                  <a:spcPts val="0"/>
+                </a:spcAft>
+                <a:buClrTx/>
+                <a:buSzTx/>
+                <a:buFontTx/>
+                <a:buNone/>
+                <a:tabLst/>
+                <a:defRPr/>
+              </a:pPr>
+              <a:t>9</a:t>
+            </a:fld>
+            <a:endParaRPr kumimoji="0" lang="de-DE" sz="1000" b="0" i="0" u="none" strike="noStrike" kern="0" cap="none" spc="0" normalizeH="0" baseline="0" noProof="0" dirty="0">
+              <a:ln>
+                <a:noFill/>
+              </a:ln>
+              <a:solidFill>
+                <a:srgbClr val="51A025"/>
+              </a:solidFill>
+              <a:effectLst/>
+              <a:uLnTx/>
+              <a:uFillTx/>
+              <a:latin typeface="Calibri"/>
+            </a:endParaRPr>
+          </a:p>
+        </p:txBody>
+      </p:sp>
+      <p:sp>
+        <p:nvSpPr>
+          <p:cNvPr id="2" name="Fußzeilenplatzhalter 1"/>
+          <p:cNvSpPr>
+            <a:spLocks noGrp="1"/>
+          </p:cNvSpPr>
+          <p:nvPr>
+            <p:ph type="ftr" sz="quarter" idx="10"/>
+          </p:nvPr>
+        </p:nvSpPr>
+        <p:spPr/>
+        <p:txBody>
+          <a:bodyPr/>
+          <a:lstStyle/>
+          <a:p>
+            <a:r>
               <a:rPr lang="en-US"/>
               <a:t>Experts in agile software engineering</a:t>
             </a:r>
@@ -12699,142 +13990,10 @@
           </a:p>
         </p:txBody>
       </p:sp>
-      <p:sp>
-        <p:nvSpPr>
-          <p:cNvPr id="2" name="Titel 1"/>
-          <p:cNvSpPr>
-            <a:spLocks noGrp="1"/>
-          </p:cNvSpPr>
-          <p:nvPr>
-            <p:ph type="title"/>
-          </p:nvPr>
-        </p:nvSpPr>
-        <p:spPr/>
-        <p:txBody>
-          <a:bodyPr/>
-          <a:lstStyle/>
-          <a:p>
-            <a:r>
-              <a:rPr lang="de-DE" dirty="0"/>
-              <a:t>Beispiel für „Text mit Sub Bild“</a:t>
-            </a:r>
-          </a:p>
-        </p:txBody>
-      </p:sp>
-      <p:sp>
-        <p:nvSpPr>
-          <p:cNvPr id="3" name="Inhaltsplatzhalter 2"/>
-          <p:cNvSpPr>
-            <a:spLocks noGrp="1"/>
-          </p:cNvSpPr>
-          <p:nvPr>
-            <p:ph idx="12"/>
-          </p:nvPr>
-        </p:nvSpPr>
-        <p:spPr/>
-        <p:txBody>
-          <a:bodyPr/>
-          <a:lstStyle/>
-          <a:p>
-            <a:r>
-              <a:rPr lang="de-DE" dirty="0"/>
-              <a:t>Hier steht wie immer Text</a:t>
-            </a:r>
-          </a:p>
-          <a:p>
-            <a:r>
-              <a:rPr lang="de-DE" dirty="0"/>
-              <a:t>Gerne auch mit Aufzählungen</a:t>
-            </a:r>
-          </a:p>
-        </p:txBody>
-      </p:sp>
-      <p:sp>
-        <p:nvSpPr>
-          <p:cNvPr id="4" name="Foliennummernplatzhalter 3"/>
-          <p:cNvSpPr>
-            <a:spLocks noGrp="1"/>
-          </p:cNvSpPr>
-          <p:nvPr>
-            <p:ph type="sldNum" sz="quarter" idx="4"/>
-          </p:nvPr>
-        </p:nvSpPr>
-        <p:spPr/>
-        <p:txBody>
-          <a:bodyPr/>
-          <a:lstStyle/>
-          <a:p>
-            <a:pPr lvl="0"/>
-            <a:fld id="{6C6AE60A-B69C-4790-82F7-3882EDF23186}" type="slidenum">
-              <a:rPr lang="de-DE" noProof="0" smtClean="0"/>
-              <a:pPr lvl="0"/>
-              <a:t>9</a:t>
-            </a:fld>
-            <a:endParaRPr lang="de-DE" noProof="0" dirty="0"/>
-          </a:p>
-        </p:txBody>
-      </p:sp>
-      <p:sp>
-        <p:nvSpPr>
-          <p:cNvPr id="5" name="Textplatzhalter 4"/>
-          <p:cNvSpPr>
-            <a:spLocks noGrp="1"/>
-          </p:cNvSpPr>
-          <p:nvPr>
-            <p:ph type="body" sz="quarter" idx="13"/>
-          </p:nvPr>
-        </p:nvSpPr>
-        <p:spPr/>
-        <p:txBody>
-          <a:bodyPr/>
-          <a:lstStyle/>
-          <a:p>
-            <a:r>
-              <a:rPr lang="de-DE" dirty="0"/>
-              <a:t>Hat im Gegensatz zu „Text ohne Sub Bild“ diesen </a:t>
-            </a:r>
-            <a:r>
-              <a:rPr lang="de-DE" dirty="0" err="1"/>
-              <a:t>Subtitel</a:t>
-            </a:r>
-            <a:endParaRPr lang="de-DE" dirty="0"/>
-          </a:p>
-        </p:txBody>
-      </p:sp>
-      <p:pic>
-        <p:nvPicPr>
-          <p:cNvPr id="6" name="Grafik 5"/>
-          <p:cNvPicPr>
-            <a:picLocks noChangeAspect="1"/>
-          </p:cNvPicPr>
-          <p:nvPr/>
-        </p:nvPicPr>
-        <p:blipFill>
-          <a:blip r:embed="rId2">
-            <a:extLst>
-              <a:ext uri="{28A0092B-C50C-407E-A947-70E740481C1C}">
-                <a14:useLocalDpi xmlns:a14="http://schemas.microsoft.com/office/drawing/2010/main" val="0"/>
-              </a:ext>
-            </a:extLst>
-          </a:blip>
-          <a:stretch>
-            <a:fillRect/>
-          </a:stretch>
-        </p:blipFill>
-        <p:spPr>
-          <a:xfrm>
-            <a:off x="6005911" y="1803400"/>
-            <a:ext cx="2799952" cy="2814460"/>
-          </a:xfrm>
-          <a:prstGeom prst="rect">
-            <a:avLst/>
-          </a:prstGeom>
-        </p:spPr>
-      </p:pic>
     </p:spTree>
     <p:extLst>
       <p:ext uri="{BB962C8B-B14F-4D97-AF65-F5344CB8AC3E}">
-        <p14:creationId xmlns:p14="http://schemas.microsoft.com/office/powerpoint/2010/main" val="2774254206"/>
+        <p14:creationId xmlns:p14="http://schemas.microsoft.com/office/powerpoint/2010/main" val="2652571053"/>
       </p:ext>
     </p:extLst>
   </p:cSld>
@@ -14065,21 +15224,21 @@
 </file>
 
 <file path=customXml/item1.xml><?xml version="1.0" encoding="utf-8"?>
+<?mso-contentType ?>
+<FormTemplates xmlns="http://schemas.microsoft.com/sharepoint/v3/contenttype/forms">
+  <Display>DocumentLibraryForm</Display>
+  <Edit>DocumentLibraryForm</Edit>
+  <New>DocumentLibraryForm</New>
+</FormTemplates>
+</file>
+
+<file path=customXml/item2.xml><?xml version="1.0" encoding="utf-8"?>
 <p:properties xmlns:p="http://schemas.microsoft.com/office/2006/metadata/properties" xmlns:xsi="http://www.w3.org/2001/XMLSchema-instance" xmlns:pc="http://schemas.microsoft.com/office/infopath/2007/PartnerControls">
   <documentManagement>
     <_Version xmlns="http://schemas.microsoft.com/sharepoint/v3/fields" xsi:nil="true"/>
     <_Status xmlns="http://schemas.microsoft.com/sharepoint/v3/fields">Not Started</_Status>
   </documentManagement>
 </p:properties>
-</file>
-
-<file path=customXml/item2.xml><?xml version="1.0" encoding="utf-8"?>
-<?mso-contentType ?>
-<FormTemplates xmlns="http://schemas.microsoft.com/sharepoint/v3/contenttype/forms">
-  <Display>DocumentLibraryForm</Display>
-  <Edit>DocumentLibraryForm</Edit>
-  <New>DocumentLibraryForm</New>
-</FormTemplates>
 </file>
 
 <file path=customXml/item3.xml><?xml version="1.0" encoding="utf-8"?>
@@ -14227,6 +15386,14 @@
 </file>
 
 <file path=customXml/itemProps1.xml><?xml version="1.0" encoding="utf-8"?>
+<ds:datastoreItem xmlns:ds="http://schemas.openxmlformats.org/officeDocument/2006/customXml" ds:itemID="{87D2A1B0-FF3E-4009-940D-AED0EB70AA20}">
+  <ds:schemaRefs>
+    <ds:schemaRef ds:uri="http://schemas.microsoft.com/sharepoint/v3/contenttype/forms"/>
+  </ds:schemaRefs>
+</ds:datastoreItem>
+</file>
+
+<file path=customXml/itemProps2.xml><?xml version="1.0" encoding="utf-8"?>
 <ds:datastoreItem xmlns:ds="http://schemas.openxmlformats.org/officeDocument/2006/customXml" ds:itemID="{7B6F2769-7194-4217-93D3-3AF3A4742282}">
   <ds:schemaRefs>
     <ds:schemaRef ds:uri="http://schemas.microsoft.com/office/infopath/2007/PartnerControls"/>
@@ -14238,14 +15405,6 @@
     <ds:schemaRef ds:uri="http://schemas.microsoft.com/sharepoint/v3/fields"/>
     <ds:schemaRef ds:uri="http://schemas.microsoft.com/office/2006/metadata/properties"/>
     <ds:schemaRef ds:uri="http://www.w3.org/XML/1998/namespace"/>
-  </ds:schemaRefs>
-</ds:datastoreItem>
-</file>
-
-<file path=customXml/itemProps2.xml><?xml version="1.0" encoding="utf-8"?>
-<ds:datastoreItem xmlns:ds="http://schemas.openxmlformats.org/officeDocument/2006/customXml" ds:itemID="{87D2A1B0-FF3E-4009-940D-AED0EB70AA20}">
-  <ds:schemaRefs>
-    <ds:schemaRef ds:uri="http://schemas.microsoft.com/sharepoint/v3/contenttype/forms"/>
   </ds:schemaRefs>
 </ds:datastoreItem>
 </file>

--- a/files/Folien.pptx
+++ b/files/Folien.pptx
@@ -128,6 +128,11 @@
       </a:defRPr>
     </a:lvl9pPr>
   </p:defaultTextStyle>
+  <p:extLst>
+    <p:ext uri="{EFAFB233-063F-42B5-8137-9DF3F51BA10A}">
+      <p15:sldGuideLst xmlns:p15="http://schemas.microsoft.com/office/powerpoint/2012/main"/>
+    </p:ext>
+  </p:extLst>
 </p:presentation>
 </file>
 
@@ -22137,7 +22142,7 @@
               </a:lnSpc>
             </a:pPr>
             <a:r>
-              <a:rPr lang="en-US" sz="2400" b="0" strike="noStrike" spc="-1">
+              <a:rPr lang="en-US" sz="2400" b="0" strike="noStrike" spc="-1" dirty="0">
                 <a:solidFill>
                   <a:srgbClr val="004C93"/>
                 </a:solidFill>
@@ -22148,9 +22153,79 @@
                 </a:uFill>
                 <a:latin typeface="Calibri"/>
               </a:rPr>
-              <a:t>Junit5 eine eigene Extension schreiben</a:t>
-            </a:r>
-            <a:endParaRPr lang="en-US" sz="1800" b="0" strike="noStrike" spc="-1">
+              <a:t>JUnit5 </a:t>
+            </a:r>
+            <a:r>
+              <a:rPr lang="en-US" sz="2400" b="0" strike="noStrike" spc="-1" dirty="0" err="1">
+                <a:solidFill>
+                  <a:srgbClr val="004C93"/>
+                </a:solidFill>
+                <a:uFill>
+                  <a:solidFill>
+                    <a:srgbClr val="FFFFFF"/>
+                  </a:solidFill>
+                </a:uFill>
+                <a:latin typeface="Calibri"/>
+              </a:rPr>
+              <a:t>eine</a:t>
+            </a:r>
+            <a:r>
+              <a:rPr lang="en-US" sz="2400" b="0" strike="noStrike" spc="-1" dirty="0">
+                <a:solidFill>
+                  <a:srgbClr val="004C93"/>
+                </a:solidFill>
+                <a:uFill>
+                  <a:solidFill>
+                    <a:srgbClr val="FFFFFF"/>
+                  </a:solidFill>
+                </a:uFill>
+                <a:latin typeface="Calibri"/>
+              </a:rPr>
+              <a:t> </a:t>
+            </a:r>
+            <a:r>
+              <a:rPr lang="en-US" sz="2400" b="0" strike="noStrike" spc="-1" dirty="0" err="1">
+                <a:solidFill>
+                  <a:srgbClr val="004C93"/>
+                </a:solidFill>
+                <a:uFill>
+                  <a:solidFill>
+                    <a:srgbClr val="FFFFFF"/>
+                  </a:solidFill>
+                </a:uFill>
+                <a:latin typeface="Calibri"/>
+              </a:rPr>
+              <a:t>eigene</a:t>
+            </a:r>
+            <a:r>
+              <a:rPr lang="en-US" sz="2400" b="0" strike="noStrike" spc="-1" dirty="0">
+                <a:solidFill>
+                  <a:srgbClr val="004C93"/>
+                </a:solidFill>
+                <a:uFill>
+                  <a:solidFill>
+                    <a:srgbClr val="FFFFFF"/>
+                  </a:solidFill>
+                </a:uFill>
+                <a:latin typeface="Calibri"/>
+              </a:rPr>
+              <a:t> Extension </a:t>
+            </a:r>
+            <a:r>
+              <a:rPr lang="en-US" sz="2400" b="0" strike="noStrike" spc="-1" dirty="0" err="1">
+                <a:solidFill>
+                  <a:srgbClr val="004C93"/>
+                </a:solidFill>
+                <a:uFill>
+                  <a:solidFill>
+                    <a:srgbClr val="FFFFFF"/>
+                  </a:solidFill>
+                </a:uFill>
+                <a:latin typeface="Calibri"/>
+              </a:rPr>
+              <a:t>schreiben</a:t>
+            </a:r>
+            <a:endParaRPr lang="en-US" sz="1800" b="0" strike="noStrike" spc="-1" dirty="0">
               <a:solidFill>
                 <a:srgbClr val="000000"/>
               </a:solidFill>
@@ -34021,7 +34096,7 @@
               </a:lnSpc>
             </a:pPr>
             <a:r>
-              <a:rPr lang="en-US" sz="2400" b="0" strike="noStrike" spc="-1">
+              <a:rPr lang="en-US" sz="2400" b="0" strike="noStrike" spc="-1" dirty="0">
                 <a:solidFill>
                   <a:srgbClr val="004C93"/>
                 </a:solidFill>
@@ -34032,9 +34107,9 @@
                 </a:uFill>
                 <a:latin typeface="Calibri"/>
               </a:rPr>
-              <a:t>Junit5 Extensions</a:t>
-            </a:r>
-            <a:endParaRPr lang="en-US" sz="1800" b="0" strike="noStrike" spc="-1">
+              <a:t>JUnit5 Extensions</a:t>
+            </a:r>
+            <a:endParaRPr lang="en-US" sz="1800" b="0" strike="noStrike" spc="-1" dirty="0">
               <a:solidFill>
                 <a:srgbClr val="000000"/>
               </a:solidFill>
@@ -34837,7 +34912,7 @@
                 </a:uFill>
                 <a:latin typeface="Calibri"/>
               </a:rPr>
-              <a:t> Junit4</a:t>
+              <a:t> JUnit4</a:t>
             </a:r>
             <a:endParaRPr lang="en-US" sz="1800" b="0" strike="noStrike" spc="-1" dirty="0">
               <a:solidFill>
@@ -37489,7 +37564,7 @@
               </a:lnSpc>
             </a:pPr>
             <a:r>
-              <a:rPr lang="en-US" sz="2400" b="0" strike="noStrike" spc="-1">
+              <a:rPr lang="en-US" sz="2400" b="0" strike="noStrike" spc="-1" dirty="0">
                 <a:solidFill>
                   <a:srgbClr val="004C93"/>
                 </a:solidFill>
@@ -37500,9 +37575,9 @@
                 </a:uFill>
                 <a:latin typeface="Calibri"/>
               </a:rPr>
-              <a:t>Junit5 Extension Interfaces</a:t>
-            </a:r>
-            <a:endParaRPr lang="en-US" sz="1800" b="0" strike="noStrike" spc="-1">
+              <a:t>JUnit5 Extension Interfaces</a:t>
+            </a:r>
+            <a:endParaRPr lang="en-US" sz="1800" b="0" strike="noStrike" spc="-1" dirty="0">
               <a:solidFill>
                 <a:srgbClr val="000000"/>
               </a:solidFill>

--- a/files/Folien.pptx
+++ b/files/Folien.pptx
@@ -27212,7 +27212,7 @@
               <a:t>MockitoExtension.class</a:t>
             </a:r>
             <a:r>
-              <a:rPr lang="en-US" sz="900" b="0" strike="noStrike" spc="-1" dirty="0">
+              <a:rPr lang="en-US" sz="900" b="0" strike="noStrike" spc="-1">
                 <a:solidFill>
                   <a:srgbClr val="292929"/>
                 </a:solidFill>
@@ -27244,6 +27244,21 @@
               </a:lnSpc>
             </a:pPr>
             <a:r>
+              <a:rPr lang="en-US" sz="900" b="0" strike="noStrike" spc="-1">
+                <a:solidFill>
+                  <a:srgbClr val="292929"/>
+                </a:solidFill>
+                <a:uFill>
+                  <a:solidFill>
+                    <a:srgbClr val="FFFFFF"/>
+                  </a:solidFill>
+                </a:uFill>
+                <a:latin typeface="Calibri"/>
+                <a:ea typeface="Segoe UI"/>
+              </a:rPr>
+              <a:t>public </a:t>
+            </a:r>
+            <a:r>
               <a:rPr lang="en-US" sz="900" b="0" strike="noStrike" spc="-1" dirty="0">
                 <a:solidFill>
                   <a:srgbClr val="292929"/>
@@ -27256,99 +27271,7 @@
                 <a:latin typeface="Calibri"/>
                 <a:ea typeface="Segoe UI"/>
               </a:rPr>
-              <a:t>@</a:t>
-            </a:r>
-            <a:r>
-              <a:rPr lang="en-US" sz="900" b="0" strike="noStrike" spc="-1" dirty="0" err="1">
-                <a:solidFill>
-                  <a:srgbClr val="292929"/>
-                </a:solidFill>
-                <a:uFill>
-                  <a:solidFill>
-                    <a:srgbClr val="FFFFFF"/>
-                  </a:solidFill>
-                </a:uFill>
-                <a:latin typeface="Calibri"/>
-                <a:ea typeface="Segoe UI"/>
-              </a:rPr>
-              <a:t>RunWith</a:t>
-            </a:r>
-            <a:r>
-              <a:rPr lang="en-US" sz="900" b="0" strike="noStrike" spc="-1" dirty="0">
-                <a:solidFill>
-                  <a:srgbClr val="292929"/>
-                </a:solidFill>
-                <a:uFill>
-                  <a:solidFill>
-                    <a:srgbClr val="FFFFFF"/>
-                  </a:solidFill>
-                </a:uFill>
-                <a:latin typeface="Calibri"/>
-                <a:ea typeface="Segoe UI"/>
-              </a:rPr>
-              <a:t>(</a:t>
-            </a:r>
-            <a:r>
-              <a:rPr lang="en-US" sz="900" b="0" strike="noStrike" spc="-1" dirty="0" err="1">
-                <a:solidFill>
-                  <a:srgbClr val="292929"/>
-                </a:solidFill>
-                <a:uFill>
-                  <a:solidFill>
-                    <a:srgbClr val="FFFFFF"/>
-                  </a:solidFill>
-                </a:uFill>
-                <a:latin typeface="Calibri"/>
-                <a:ea typeface="Segoe UI"/>
-              </a:rPr>
-              <a:t>JUnitPlatform.class</a:t>
-            </a:r>
-            <a:r>
-              <a:rPr lang="en-US" sz="900" b="0" strike="noStrike" spc="-1" dirty="0">
-                <a:solidFill>
-                  <a:srgbClr val="292929"/>
-                </a:solidFill>
-                <a:uFill>
-                  <a:solidFill>
-                    <a:srgbClr val="FFFFFF"/>
-                  </a:solidFill>
-                </a:uFill>
-                <a:latin typeface="Calibri"/>
-                <a:ea typeface="Segoe UI"/>
-              </a:rPr>
-              <a:t>)</a:t>
-            </a:r>
-            <a:endParaRPr lang="en-US" spc="-1" dirty="0">
-              <a:solidFill>
-                <a:srgbClr val="000000"/>
-              </a:solidFill>
-              <a:uFill>
-                <a:solidFill>
-                  <a:srgbClr val="FFFFFF"/>
-                </a:solidFill>
-              </a:uFill>
-            </a:endParaRPr>
-          </a:p>
-          <a:p>
-            <a:pPr>
-              <a:lnSpc>
-                <a:spcPct val="100000"/>
-              </a:lnSpc>
-            </a:pPr>
-            <a:r>
-              <a:rPr lang="en-US" sz="900" b="0" strike="noStrike" spc="-1" dirty="0">
-                <a:solidFill>
-                  <a:srgbClr val="292929"/>
-                </a:solidFill>
-                <a:uFill>
-                  <a:solidFill>
-                    <a:srgbClr val="FFFFFF"/>
-                  </a:solidFill>
-                </a:uFill>
-                <a:latin typeface="Calibri"/>
-                <a:ea typeface="Segoe UI"/>
-              </a:rPr>
-              <a:t>public class </a:t>
+              <a:t>class </a:t>
             </a:r>
             <a:r>
               <a:rPr lang="en-US" sz="900" b="0" strike="noStrike" spc="-1" dirty="0" err="1">

--- a/files/Folien.pptx
+++ b/files/Folien.pptx
@@ -33,13 +33,15 @@
     <p:sldId id="287" r:id="rId27"/>
     <p:sldId id="267" r:id="rId28"/>
     <p:sldId id="268" r:id="rId29"/>
-    <p:sldId id="262" r:id="rId30"/>
-    <p:sldId id="282" r:id="rId31"/>
-    <p:sldId id="283" r:id="rId32"/>
-    <p:sldId id="273" r:id="rId33"/>
-    <p:sldId id="258" r:id="rId34"/>
-    <p:sldId id="275" r:id="rId35"/>
-    <p:sldId id="271" r:id="rId36"/>
+    <p:sldId id="289" r:id="rId30"/>
+    <p:sldId id="290" r:id="rId31"/>
+    <p:sldId id="262" r:id="rId32"/>
+    <p:sldId id="282" r:id="rId33"/>
+    <p:sldId id="283" r:id="rId34"/>
+    <p:sldId id="273" r:id="rId35"/>
+    <p:sldId id="258" r:id="rId36"/>
+    <p:sldId id="275" r:id="rId37"/>
+    <p:sldId id="271" r:id="rId38"/>
   </p:sldIdLst>
   <p:sldSz cx="9144000" cy="5143500" type="screen16x9"/>
   <p:notesSz cx="7559675" cy="10691813"/>
@@ -33524,14 +33526,14 @@
       </p:grpSpPr>
       <p:sp>
         <p:nvSpPr>
-          <p:cNvPr id="690" name="CustomShape 3"/>
+          <p:cNvPr id="712" name="CustomShape 1"/>
           <p:cNvSpPr/>
           <p:nvPr/>
         </p:nvSpPr>
         <p:spPr>
           <a:xfrm>
-            <a:off x="457200" y="640080"/>
-            <a:ext cx="8207280" cy="783000"/>
+            <a:off x="1375200" y="248126"/>
+            <a:ext cx="2894760" cy="263520"/>
           </a:xfrm>
           <a:prstGeom prst="rect">
             <a:avLst/>
@@ -33563,7 +33565,75 @@
               </a:lnSpc>
             </a:pPr>
             <a:r>
-              <a:rPr lang="en-US" sz="2400" b="0" strike="noStrike" spc="-1">
+              <a:rPr lang="en-US" sz="1000" b="0" strike="noStrike" spc="-1">
+                <a:solidFill>
+                  <a:srgbClr val="BABABA"/>
+                </a:solidFill>
+                <a:uFill>
+                  <a:solidFill>
+                    <a:srgbClr val="FFFFFF"/>
+                  </a:solidFill>
+                </a:uFill>
+                <a:latin typeface="Calibri"/>
+              </a:rPr>
+              <a:t>Experts in agile software engineering</a:t>
+            </a:r>
+            <a:endParaRPr lang="en-US" sz="1800" b="0" strike="noStrike" spc="-1">
+              <a:solidFill>
+                <a:srgbClr val="000000"/>
+              </a:solidFill>
+              <a:uFill>
+                <a:solidFill>
+                  <a:srgbClr val="FFFFFF"/>
+                </a:solidFill>
+              </a:uFill>
+              <a:latin typeface="Arial"/>
+            </a:endParaRPr>
+          </a:p>
+        </p:txBody>
+      </p:sp>
+      <p:sp>
+        <p:nvSpPr>
+          <p:cNvPr id="713" name="CustomShape 2"/>
+          <p:cNvSpPr/>
+          <p:nvPr/>
+        </p:nvSpPr>
+        <p:spPr>
+          <a:xfrm>
+            <a:off x="457200" y="640080"/>
+            <a:ext cx="6666480" cy="783000"/>
+          </a:xfrm>
+          <a:prstGeom prst="rect">
+            <a:avLst/>
+          </a:prstGeom>
+          <a:noFill/>
+          <a:ln>
+            <a:noFill/>
+          </a:ln>
+        </p:spPr>
+        <p:style>
+          <a:lnRef idx="0">
+            <a:scrgbClr r="0" g="0" b="0"/>
+          </a:lnRef>
+          <a:fillRef idx="0">
+            <a:scrgbClr r="0" g="0" b="0"/>
+          </a:fillRef>
+          <a:effectRef idx="0">
+            <a:scrgbClr r="0" g="0" b="0"/>
+          </a:effectRef>
+          <a:fontRef idx="minor"/>
+        </p:style>
+        <p:txBody>
+          <a:bodyPr lIns="90000" tIns="45000" rIns="90000" bIns="45000" anchor="ctr"/>
+          <a:lstStyle/>
+          <a:p>
+            <a:pPr>
+              <a:lnSpc>
+                <a:spcPct val="100000"/>
+              </a:lnSpc>
+            </a:pPr>
+            <a:r>
+              <a:rPr lang="en-US" sz="2400" b="0" strike="noStrike" spc="-1" dirty="0" err="1">
                 <a:solidFill>
                   <a:srgbClr val="004C93"/>
                 </a:solidFill>
@@ -33574,9 +33644,23 @@
                 </a:uFill>
                 <a:latin typeface="Calibri"/>
               </a:rPr>
-              <a:t>Mocken ohne MockitoRunner </a:t>
-            </a:r>
-            <a:endParaRPr lang="en-US" sz="1800" b="0" strike="noStrike" spc="-1">
+              <a:t>TemporaryFolder</a:t>
+            </a:r>
+            <a:r>
+              <a:rPr lang="en-US" sz="2400" spc="-1" dirty="0" err="1">
+                <a:solidFill>
+                  <a:srgbClr val="004C93"/>
+                </a:solidFill>
+                <a:uFill>
+                  <a:solidFill>
+                    <a:srgbClr val="FFFFFF"/>
+                  </a:solidFill>
+                </a:uFill>
+                <a:latin typeface="Calibri"/>
+              </a:rPr>
+              <a:t>Test</a:t>
+            </a:r>
+            <a:endParaRPr lang="en-US" sz="1800" b="0" strike="noStrike" spc="-1" dirty="0">
               <a:solidFill>
                 <a:srgbClr val="000000"/>
               </a:solidFill>
@@ -33592,7 +33676,119 @@
       </p:sp>
       <p:sp>
         <p:nvSpPr>
-          <p:cNvPr id="691" name="CustomShape 4"/>
+          <p:cNvPr id="714" name="CustomShape 3"/>
+          <p:cNvSpPr/>
+          <p:nvPr/>
+        </p:nvSpPr>
+        <p:spPr>
+          <a:xfrm>
+            <a:off x="457200" y="1483200"/>
+            <a:ext cx="8084288" cy="2904502"/>
+          </a:xfrm>
+          <a:prstGeom prst="rect">
+            <a:avLst/>
+          </a:prstGeom>
+          <a:noFill/>
+          <a:ln>
+            <a:noFill/>
+          </a:ln>
+        </p:spPr>
+        <p:style>
+          <a:lnRef idx="0">
+            <a:scrgbClr r="0" g="0" b="0"/>
+          </a:lnRef>
+          <a:fillRef idx="0">
+            <a:scrgbClr r="0" g="0" b="0"/>
+          </a:fillRef>
+          <a:effectRef idx="0">
+            <a:scrgbClr r="0" g="0" b="0"/>
+          </a:effectRef>
+          <a:fontRef idx="minor"/>
+        </p:style>
+        <p:txBody>
+          <a:bodyPr lIns="90000" tIns="45000" rIns="90000" bIns="45000"/>
+          <a:lstStyle/>
+          <a:p>
+            <a:r>
+              <a:rPr lang="de-DE" dirty="0"/>
+              <a:t>Aufgabe:</a:t>
+            </a:r>
+          </a:p>
+          <a:p>
+            <a:r>
+              <a:rPr lang="de-DE" dirty="0"/>
+              <a:t>Ersetze die „</a:t>
+            </a:r>
+            <a:r>
+              <a:rPr lang="de-DE" dirty="0" err="1"/>
+              <a:t>TemporaryFolderRule</a:t>
+            </a:r>
+            <a:r>
+              <a:rPr lang="de-DE" dirty="0"/>
+              <a:t>“ durch eine eigene Extension, die die Interfaces </a:t>
+            </a:r>
+            <a:r>
+              <a:rPr lang="de-DE" dirty="0" err="1"/>
+              <a:t>ParameterResolver</a:t>
+            </a:r>
+            <a:r>
+              <a:rPr lang="de-DE" dirty="0"/>
+              <a:t> und </a:t>
+            </a:r>
+            <a:r>
+              <a:rPr lang="de-DE" dirty="0" err="1"/>
+              <a:t>AfterTestExecutionCallback</a:t>
+            </a:r>
+            <a:r>
+              <a:rPr lang="de-DE" dirty="0"/>
+              <a:t> implementiert. Der </a:t>
+            </a:r>
+            <a:r>
+              <a:rPr lang="de-DE" dirty="0" err="1"/>
+              <a:t>ParameterResolver</a:t>
+            </a:r>
+            <a:r>
+              <a:rPr lang="de-DE" dirty="0"/>
+              <a:t> soll dafür genutzt werden, um im Test eine File, bzw. eine Instanz der Klasse „</a:t>
+            </a:r>
+            <a:r>
+              <a:rPr lang="de-DE" dirty="0" err="1"/>
+              <a:t>TemporaryFolder</a:t>
+            </a:r>
+            <a:r>
+              <a:rPr lang="de-DE" dirty="0"/>
+              <a:t>“ (diese Klasse kannst du aus temporaryFolder.md unten herauskopieren) als Parameter übergeben zu können. Im „</a:t>
+            </a:r>
+            <a:r>
+              <a:rPr lang="de-DE" dirty="0" err="1"/>
+              <a:t>ExtensionContext.Store</a:t>
+            </a:r>
+            <a:r>
+              <a:rPr lang="de-DE" dirty="0"/>
+              <a:t>“ kann die Instanz vom Typ </a:t>
+            </a:r>
+            <a:r>
+              <a:rPr lang="de-DE" dirty="0" err="1"/>
+              <a:t>TemporaryFolder</a:t>
+            </a:r>
+            <a:r>
+              <a:rPr lang="de-DE" dirty="0"/>
+              <a:t> dann gesichert werden, um sie in der </a:t>
+            </a:r>
+            <a:r>
+              <a:rPr lang="de-DE" dirty="0" err="1"/>
+              <a:t>AfterTestExecutionCallback</a:t>
+            </a:r>
+            <a:r>
+              <a:rPr lang="de-DE" dirty="0"/>
+              <a:t> nach Ausführung des Tests löschen zu können.</a:t>
+            </a:r>
+          </a:p>
+        </p:txBody>
+      </p:sp>
+      <p:sp>
+        <p:nvSpPr>
+          <p:cNvPr id="715" name="CustomShape 4"/>
           <p:cNvSpPr/>
           <p:nvPr/>
         </p:nvSpPr>
@@ -33630,7 +33826,7 @@
                 <a:spcPct val="100000"/>
               </a:lnSpc>
             </a:pPr>
-            <a:fld id="{29B2A38E-FD1F-404A-B77F-FB5299B00347}" type="slidenum">
+            <a:fld id="{4506AA60-E833-4579-A43C-2BB7040D51FC}" type="slidenum">
               <a:rPr lang="en-US" sz="1000" b="0" strike="noStrike" spc="-1">
                 <a:solidFill>
                   <a:srgbClr val="51A025"/>
@@ -33660,14 +33856,14 @@
       </p:sp>
       <p:sp>
         <p:nvSpPr>
-          <p:cNvPr id="692" name="CustomShape 5"/>
+          <p:cNvPr id="716" name="CustomShape 5"/>
           <p:cNvSpPr/>
           <p:nvPr/>
         </p:nvSpPr>
         <p:spPr>
           <a:xfrm>
-            <a:off x="1375200" y="276480"/>
-            <a:ext cx="2894760" cy="263520"/>
+            <a:off x="8047440" y="640800"/>
+            <a:ext cx="751320" cy="373680"/>
           </a:xfrm>
           <a:prstGeom prst="rect">
             <a:avLst/>
@@ -33689,1988 +33885,13 @@
           </a:effectRef>
           <a:fontRef idx="minor"/>
         </p:style>
-        <p:txBody>
-          <a:bodyPr lIns="90000" tIns="45000" rIns="90000" bIns="45000" anchor="ctr"/>
-          <a:lstStyle/>
-          <a:p>
-            <a:pPr>
-              <a:lnSpc>
-                <a:spcPct val="100000"/>
-              </a:lnSpc>
-            </a:pPr>
-            <a:r>
-              <a:rPr lang="en-US" sz="1000" b="0" strike="noStrike" spc="-1">
-                <a:solidFill>
-                  <a:srgbClr val="BABABA"/>
-                </a:solidFill>
-                <a:uFill>
-                  <a:solidFill>
-                    <a:srgbClr val="FFFFFF"/>
-                  </a:solidFill>
-                </a:uFill>
-                <a:latin typeface="Calibri"/>
-              </a:rPr>
-              <a:t>Experts in agile software engineering</a:t>
-            </a:r>
-            <a:endParaRPr lang="en-US" sz="1800" b="0" strike="noStrike" spc="-1">
-              <a:solidFill>
-                <a:srgbClr val="000000"/>
-              </a:solidFill>
-              <a:uFill>
-                <a:solidFill>
-                  <a:srgbClr val="FFFFFF"/>
-                </a:solidFill>
-              </a:uFill>
-              <a:latin typeface="Arial"/>
-            </a:endParaRPr>
-          </a:p>
-        </p:txBody>
-      </p:sp>
-      <p:sp>
-        <p:nvSpPr>
-          <p:cNvPr id="693" name="CustomShape 6"/>
-          <p:cNvSpPr/>
-          <p:nvPr/>
-        </p:nvSpPr>
-        <p:spPr>
-          <a:xfrm>
-            <a:off x="457200" y="1250640"/>
-            <a:ext cx="3994920" cy="443880"/>
-          </a:xfrm>
-          <a:prstGeom prst="rect">
-            <a:avLst/>
-          </a:prstGeom>
-          <a:solidFill>
-            <a:srgbClr val="DFDEDE"/>
-          </a:solidFill>
-          <a:ln>
-            <a:noFill/>
-          </a:ln>
-        </p:spPr>
-        <p:style>
-          <a:lnRef idx="0">
-            <a:scrgbClr r="0" g="0" b="0"/>
-          </a:lnRef>
-          <a:fillRef idx="0">
-            <a:scrgbClr r="0" g="0" b="0"/>
-          </a:fillRef>
-          <a:effectRef idx="0">
-            <a:scrgbClr r="0" g="0" b="0"/>
-          </a:effectRef>
-          <a:fontRef idx="minor"/>
-        </p:style>
-        <p:txBody>
-          <a:bodyPr lIns="90000" tIns="45000" rIns="90000" bIns="45000" anchor="ctr"/>
-          <a:lstStyle/>
-          <a:p>
-            <a:pPr algn="ctr">
-              <a:lnSpc>
-                <a:spcPct val="100000"/>
-              </a:lnSpc>
-            </a:pPr>
-            <a:r>
-              <a:rPr lang="en-US" sz="1600" b="0" strike="noStrike" spc="-1">
-                <a:solidFill>
-                  <a:srgbClr val="292929"/>
-                </a:solidFill>
-                <a:uFill>
-                  <a:solidFill>
-                    <a:srgbClr val="FFFFFF"/>
-                  </a:solidFill>
-                </a:uFill>
-                <a:latin typeface="Calibri"/>
-              </a:rPr>
-              <a:t>Alt</a:t>
-            </a:r>
-            <a:endParaRPr lang="en-US" sz="1800" b="0" strike="noStrike" spc="-1">
-              <a:solidFill>
-                <a:srgbClr val="000000"/>
-              </a:solidFill>
-              <a:uFill>
-                <a:solidFill>
-                  <a:srgbClr val="FFFFFF"/>
-                </a:solidFill>
-              </a:uFill>
-              <a:latin typeface="Arial"/>
-            </a:endParaRPr>
-          </a:p>
-        </p:txBody>
-      </p:sp>
-      <p:sp>
-        <p:nvSpPr>
-          <p:cNvPr id="694" name="CustomShape 7"/>
-          <p:cNvSpPr/>
-          <p:nvPr/>
-        </p:nvSpPr>
-        <p:spPr>
-          <a:xfrm>
-            <a:off x="4669200" y="1252440"/>
-            <a:ext cx="3994920" cy="443880"/>
-          </a:xfrm>
-          <a:prstGeom prst="rect">
-            <a:avLst/>
-          </a:prstGeom>
-          <a:solidFill>
-            <a:srgbClr val="DFDEDE"/>
-          </a:solidFill>
-          <a:ln>
-            <a:noFill/>
-          </a:ln>
-        </p:spPr>
-        <p:style>
-          <a:lnRef idx="0">
-            <a:scrgbClr r="0" g="0" b="0"/>
-          </a:lnRef>
-          <a:fillRef idx="0">
-            <a:scrgbClr r="0" g="0" b="0"/>
-          </a:fillRef>
-          <a:effectRef idx="0">
-            <a:scrgbClr r="0" g="0" b="0"/>
-          </a:effectRef>
-          <a:fontRef idx="minor"/>
-        </p:style>
-        <p:txBody>
-          <a:bodyPr lIns="90000" tIns="45000" rIns="90000" bIns="45000" anchor="ctr"/>
-          <a:lstStyle/>
-          <a:p>
-            <a:pPr algn="ctr">
-              <a:lnSpc>
-                <a:spcPct val="100000"/>
-              </a:lnSpc>
-            </a:pPr>
-            <a:r>
-              <a:rPr lang="en-US" sz="1600" b="0" strike="noStrike" spc="-1">
-                <a:solidFill>
-                  <a:srgbClr val="292929"/>
-                </a:solidFill>
-                <a:uFill>
-                  <a:solidFill>
-                    <a:srgbClr val="FFFFFF"/>
-                  </a:solidFill>
-                </a:uFill>
-                <a:latin typeface="Calibri"/>
-              </a:rPr>
-              <a:t>Neu</a:t>
-            </a:r>
-            <a:endParaRPr lang="en-US" sz="1800" b="0" strike="noStrike" spc="-1">
-              <a:solidFill>
-                <a:srgbClr val="000000"/>
-              </a:solidFill>
-              <a:uFill>
-                <a:solidFill>
-                  <a:srgbClr val="FFFFFF"/>
-                </a:solidFill>
-              </a:uFill>
-              <a:latin typeface="Arial"/>
-            </a:endParaRPr>
-          </a:p>
-        </p:txBody>
-      </p:sp>
-      <p:sp>
-        <p:nvSpPr>
-          <p:cNvPr id="695" name="Line 8"/>
-          <p:cNvSpPr/>
-          <p:nvPr/>
-        </p:nvSpPr>
-        <p:spPr>
-          <a:xfrm>
-            <a:off x="4560840" y="1518480"/>
-            <a:ext cx="360" cy="3042000"/>
-          </a:xfrm>
-          <a:prstGeom prst="line">
-            <a:avLst/>
-          </a:prstGeom>
-          <a:ln w="25560">
-            <a:solidFill>
-              <a:srgbClr val="004C93"/>
-            </a:solidFill>
-            <a:round/>
-          </a:ln>
-        </p:spPr>
-        <p:style>
-          <a:lnRef idx="0">
-            <a:scrgbClr r="0" g="0" b="0"/>
-          </a:lnRef>
-          <a:fillRef idx="0">
-            <a:scrgbClr r="0" g="0" b="0"/>
-          </a:fillRef>
-          <a:effectRef idx="0">
-            <a:scrgbClr r="0" g="0" b="0"/>
-          </a:effectRef>
-          <a:fontRef idx="minor"/>
-        </p:style>
-      </p:sp>
-      <p:sp>
-        <p:nvSpPr>
-          <p:cNvPr id="10" name="Rechteck 9">
-            <a:extLst>
-              <a:ext uri="{FF2B5EF4-FFF2-40B4-BE49-F238E27FC236}">
-                <a16:creationId xmlns:a16="http://schemas.microsoft.com/office/drawing/2014/main" id="{4C8BCCB1-63D1-471D-ADB8-D83F45A91C8B}"/>
-              </a:ext>
-            </a:extLst>
-          </p:cNvPr>
-          <p:cNvSpPr/>
-          <p:nvPr/>
-        </p:nvSpPr>
-        <p:spPr>
-          <a:xfrm>
-            <a:off x="457200" y="2108393"/>
-            <a:ext cx="3961440" cy="2452087"/>
-          </a:xfrm>
-          <a:prstGeom prst="rect">
-            <a:avLst/>
-          </a:prstGeom>
-          <a:solidFill>
-            <a:schemeClr val="bg1"/>
-          </a:solidFill>
-          <a:ln>
-            <a:solidFill>
-              <a:schemeClr val="tx1"/>
-            </a:solidFill>
-          </a:ln>
-        </p:spPr>
-        <p:style>
-          <a:lnRef idx="2">
-            <a:schemeClr val="accent1">
-              <a:shade val="50000"/>
-            </a:schemeClr>
-          </a:lnRef>
-          <a:fillRef idx="1">
-            <a:schemeClr val="accent1"/>
-          </a:fillRef>
-          <a:effectRef idx="0">
-            <a:schemeClr val="accent1"/>
-          </a:effectRef>
-          <a:fontRef idx="minor">
-            <a:schemeClr val="lt1"/>
-          </a:fontRef>
-        </p:style>
-        <p:txBody>
-          <a:bodyPr rtlCol="0" anchor="ctr"/>
-          <a:lstStyle/>
-          <a:p>
-            <a:pPr>
-              <a:lnSpc>
-                <a:spcPct val="100000"/>
-              </a:lnSpc>
-            </a:pPr>
-            <a:r>
-              <a:rPr lang="en-US" sz="900" b="0" strike="noStrike" spc="-1" dirty="0">
-                <a:solidFill>
-                  <a:srgbClr val="292929"/>
-                </a:solidFill>
-                <a:uFill>
-                  <a:solidFill>
-                    <a:srgbClr val="FFFFFF"/>
-                  </a:solidFill>
-                </a:uFill>
-                <a:latin typeface="Calibri"/>
-                <a:ea typeface="Segoe UI"/>
-              </a:rPr>
-              <a:t>@</a:t>
-            </a:r>
-            <a:r>
-              <a:rPr lang="en-US" sz="900" b="0" strike="noStrike" spc="-1" dirty="0" err="1">
-                <a:solidFill>
-                  <a:srgbClr val="292929"/>
-                </a:solidFill>
-                <a:uFill>
-                  <a:solidFill>
-                    <a:srgbClr val="FFFFFF"/>
-                  </a:solidFill>
-                </a:uFill>
-                <a:latin typeface="Calibri"/>
-                <a:ea typeface="Segoe UI"/>
-              </a:rPr>
-              <a:t>RunWith</a:t>
-            </a:r>
-            <a:r>
-              <a:rPr lang="en-US" sz="900" b="0" strike="noStrike" spc="-1" dirty="0">
-                <a:solidFill>
-                  <a:srgbClr val="292929"/>
-                </a:solidFill>
-                <a:uFill>
-                  <a:solidFill>
-                    <a:srgbClr val="FFFFFF"/>
-                  </a:solidFill>
-                </a:uFill>
-                <a:latin typeface="Calibri"/>
-                <a:ea typeface="Segoe UI"/>
-              </a:rPr>
-              <a:t>(</a:t>
-            </a:r>
-            <a:r>
-              <a:rPr lang="en-US" sz="900" b="0" strike="noStrike" spc="-1" dirty="0" err="1">
-                <a:solidFill>
-                  <a:srgbClr val="292929"/>
-                </a:solidFill>
-                <a:uFill>
-                  <a:solidFill>
-                    <a:srgbClr val="FFFFFF"/>
-                  </a:solidFill>
-                </a:uFill>
-                <a:latin typeface="Calibri"/>
-                <a:ea typeface="Segoe UI"/>
-              </a:rPr>
-              <a:t>MockitoJUnitRunner.class</a:t>
-            </a:r>
-            <a:r>
-              <a:rPr lang="en-US" sz="900" b="0" strike="noStrike" spc="-1" dirty="0">
-                <a:solidFill>
-                  <a:srgbClr val="292929"/>
-                </a:solidFill>
-                <a:uFill>
-                  <a:solidFill>
-                    <a:srgbClr val="FFFFFF"/>
-                  </a:solidFill>
-                </a:uFill>
-                <a:latin typeface="Calibri"/>
-                <a:ea typeface="Segoe UI"/>
-              </a:rPr>
-              <a:t>)</a:t>
-            </a:r>
-            <a:endParaRPr lang="en-US" spc="-1" dirty="0">
-              <a:solidFill>
-                <a:srgbClr val="000000"/>
-              </a:solidFill>
-              <a:uFill>
-                <a:solidFill>
-                  <a:srgbClr val="FFFFFF"/>
-                </a:solidFill>
-              </a:uFill>
-            </a:endParaRPr>
-          </a:p>
-          <a:p>
-            <a:pPr>
-              <a:lnSpc>
-                <a:spcPct val="100000"/>
-              </a:lnSpc>
-            </a:pPr>
-            <a:r>
-              <a:rPr lang="en-US" sz="900" b="0" strike="noStrike" spc="-1" dirty="0">
-                <a:solidFill>
-                  <a:srgbClr val="292929"/>
-                </a:solidFill>
-                <a:uFill>
-                  <a:solidFill>
-                    <a:srgbClr val="FFFFFF"/>
-                  </a:solidFill>
-                </a:uFill>
-                <a:latin typeface="Calibri"/>
-                <a:ea typeface="Segoe UI"/>
-              </a:rPr>
-              <a:t>public class </a:t>
-            </a:r>
-            <a:r>
-              <a:rPr lang="en-US" sz="900" b="0" strike="noStrike" spc="-1" dirty="0" err="1">
-                <a:solidFill>
-                  <a:srgbClr val="292929"/>
-                </a:solidFill>
-                <a:uFill>
-                  <a:solidFill>
-                    <a:srgbClr val="FFFFFF"/>
-                  </a:solidFill>
-                </a:uFill>
-                <a:latin typeface="Calibri"/>
-                <a:ea typeface="Segoe UI"/>
-              </a:rPr>
-              <a:t>MockenTest</a:t>
-            </a:r>
-            <a:r>
-              <a:rPr lang="en-US" sz="900" b="0" strike="noStrike" spc="-1" dirty="0">
-                <a:solidFill>
-                  <a:srgbClr val="292929"/>
-                </a:solidFill>
-                <a:uFill>
-                  <a:solidFill>
-                    <a:srgbClr val="FFFFFF"/>
-                  </a:solidFill>
-                </a:uFill>
-                <a:latin typeface="Calibri"/>
-                <a:ea typeface="Segoe UI"/>
-              </a:rPr>
-              <a:t> {</a:t>
-            </a:r>
-            <a:endParaRPr lang="en-US" spc="-1" dirty="0">
-              <a:solidFill>
-                <a:srgbClr val="000000"/>
-              </a:solidFill>
-              <a:uFill>
-                <a:solidFill>
-                  <a:srgbClr val="FFFFFF"/>
-                </a:solidFill>
-              </a:uFill>
-            </a:endParaRPr>
-          </a:p>
-          <a:p>
-            <a:pPr>
-              <a:lnSpc>
-                <a:spcPct val="100000"/>
-              </a:lnSpc>
-            </a:pPr>
-            <a:r>
-              <a:rPr lang="en-US" sz="900" spc="-1" dirty="0">
-                <a:solidFill>
-                  <a:srgbClr val="292929"/>
-                </a:solidFill>
-                <a:uFill>
-                  <a:solidFill>
-                    <a:srgbClr val="FFFFFF"/>
-                  </a:solidFill>
-                </a:uFill>
-                <a:latin typeface="Calibri"/>
-                <a:ea typeface="Segoe UI"/>
-              </a:rPr>
-              <a:t>     </a:t>
-            </a:r>
-            <a:r>
-              <a:rPr lang="en-US" sz="900" b="0" strike="noStrike" spc="-1" dirty="0">
-                <a:solidFill>
-                  <a:srgbClr val="292929"/>
-                </a:solidFill>
-                <a:uFill>
-                  <a:solidFill>
-                    <a:srgbClr val="FFFFFF"/>
-                  </a:solidFill>
-                </a:uFill>
-                <a:latin typeface="Calibri"/>
-                <a:ea typeface="Segoe UI"/>
-              </a:rPr>
-              <a:t>@Mock</a:t>
-            </a:r>
-            <a:endParaRPr lang="en-US" spc="-1" dirty="0">
-              <a:solidFill>
-                <a:srgbClr val="000000"/>
-              </a:solidFill>
-              <a:uFill>
-                <a:solidFill>
-                  <a:srgbClr val="FFFFFF"/>
-                </a:solidFill>
-              </a:uFill>
-            </a:endParaRPr>
-          </a:p>
-          <a:p>
-            <a:pPr>
-              <a:lnSpc>
-                <a:spcPct val="100000"/>
-              </a:lnSpc>
-            </a:pPr>
-            <a:r>
-              <a:rPr lang="en-US" sz="900" b="0" strike="noStrike" spc="-1" dirty="0">
-                <a:solidFill>
-                  <a:srgbClr val="292929"/>
-                </a:solidFill>
-                <a:uFill>
-                  <a:solidFill>
-                    <a:srgbClr val="FFFFFF"/>
-                  </a:solidFill>
-                </a:uFill>
-                <a:latin typeface="Calibri"/>
-                <a:ea typeface="Segoe UI"/>
-              </a:rPr>
-              <a:t>      private </a:t>
-            </a:r>
-            <a:r>
-              <a:rPr lang="en-US" sz="900" b="0" strike="noStrike" spc="-1" dirty="0" err="1">
-                <a:solidFill>
-                  <a:srgbClr val="292929"/>
-                </a:solidFill>
-                <a:uFill>
-                  <a:solidFill>
-                    <a:srgbClr val="FFFFFF"/>
-                  </a:solidFill>
-                </a:uFill>
-                <a:latin typeface="Calibri"/>
-                <a:ea typeface="Segoe UI"/>
-              </a:rPr>
-              <a:t>MockKlasse</a:t>
-            </a:r>
-            <a:r>
-              <a:rPr lang="en-US" sz="900" b="0" strike="noStrike" spc="-1" dirty="0">
-                <a:solidFill>
-                  <a:srgbClr val="292929"/>
-                </a:solidFill>
-                <a:uFill>
-                  <a:solidFill>
-                    <a:srgbClr val="FFFFFF"/>
-                  </a:solidFill>
-                </a:uFill>
-                <a:latin typeface="Calibri"/>
-                <a:ea typeface="Segoe UI"/>
-              </a:rPr>
-              <a:t> mocked;</a:t>
-            </a:r>
-            <a:endParaRPr lang="en-US" spc="-1" dirty="0">
-              <a:solidFill>
-                <a:srgbClr val="000000"/>
-              </a:solidFill>
-              <a:uFill>
-                <a:solidFill>
-                  <a:srgbClr val="FFFFFF"/>
-                </a:solidFill>
-              </a:uFill>
-            </a:endParaRPr>
-          </a:p>
-          <a:p>
-            <a:pPr>
-              <a:lnSpc>
-                <a:spcPct val="100000"/>
-              </a:lnSpc>
-            </a:pPr>
-            <a:endParaRPr lang="en-US" sz="800" spc="-1" dirty="0">
-              <a:solidFill>
-                <a:srgbClr val="000000"/>
-              </a:solidFill>
-              <a:uFill>
-                <a:solidFill>
-                  <a:srgbClr val="FFFFFF"/>
-                </a:solidFill>
-              </a:uFill>
-            </a:endParaRPr>
-          </a:p>
-          <a:p>
-            <a:pPr>
-              <a:lnSpc>
-                <a:spcPct val="100000"/>
-              </a:lnSpc>
-            </a:pPr>
-            <a:r>
-              <a:rPr lang="en-US" sz="900" b="0" strike="noStrike" spc="-1" dirty="0">
-                <a:solidFill>
-                  <a:srgbClr val="292929"/>
-                </a:solidFill>
-                <a:uFill>
-                  <a:solidFill>
-                    <a:srgbClr val="FFFFFF"/>
-                  </a:solidFill>
-                </a:uFill>
-                <a:latin typeface="Calibri"/>
-                <a:ea typeface="Segoe UI"/>
-              </a:rPr>
-              <a:t>      private </a:t>
-            </a:r>
-            <a:r>
-              <a:rPr lang="en-US" sz="900" b="0" strike="noStrike" spc="-1" dirty="0" err="1">
-                <a:solidFill>
-                  <a:srgbClr val="292929"/>
-                </a:solidFill>
-                <a:uFill>
-                  <a:solidFill>
-                    <a:srgbClr val="FFFFFF"/>
-                  </a:solidFill>
-                </a:uFill>
-                <a:latin typeface="Calibri"/>
-                <a:ea typeface="Segoe UI"/>
-              </a:rPr>
-              <a:t>TestKlasse</a:t>
-            </a:r>
-            <a:r>
-              <a:rPr lang="en-US" sz="900" b="0" strike="noStrike" spc="-1" dirty="0">
-                <a:solidFill>
-                  <a:srgbClr val="292929"/>
-                </a:solidFill>
-                <a:uFill>
-                  <a:solidFill>
-                    <a:srgbClr val="FFFFFF"/>
-                  </a:solidFill>
-                </a:uFill>
-                <a:latin typeface="Calibri"/>
-                <a:ea typeface="Segoe UI"/>
-              </a:rPr>
-              <a:t> </a:t>
-            </a:r>
-            <a:r>
-              <a:rPr lang="en-US" sz="900" b="0" strike="noStrike" spc="-1" dirty="0" err="1">
-                <a:solidFill>
-                  <a:srgbClr val="292929"/>
-                </a:solidFill>
-                <a:uFill>
-                  <a:solidFill>
-                    <a:srgbClr val="FFFFFF"/>
-                  </a:solidFill>
-                </a:uFill>
-                <a:latin typeface="Calibri"/>
-                <a:ea typeface="Segoe UI"/>
-              </a:rPr>
-              <a:t>underTest</a:t>
-            </a:r>
-            <a:r>
-              <a:rPr lang="en-US" sz="900" b="0" strike="noStrike" spc="-1" dirty="0">
-                <a:solidFill>
-                  <a:srgbClr val="292929"/>
-                </a:solidFill>
-                <a:uFill>
-                  <a:solidFill>
-                    <a:srgbClr val="FFFFFF"/>
-                  </a:solidFill>
-                </a:uFill>
-                <a:latin typeface="Calibri"/>
-                <a:ea typeface="Segoe UI"/>
-              </a:rPr>
-              <a:t>;</a:t>
-            </a:r>
-            <a:endParaRPr lang="en-US" spc="-1" dirty="0">
-              <a:solidFill>
-                <a:srgbClr val="000000"/>
-              </a:solidFill>
-              <a:uFill>
-                <a:solidFill>
-                  <a:srgbClr val="FFFFFF"/>
-                </a:solidFill>
-              </a:uFill>
-            </a:endParaRPr>
-          </a:p>
-          <a:p>
-            <a:pPr>
-              <a:lnSpc>
-                <a:spcPct val="100000"/>
-              </a:lnSpc>
-            </a:pPr>
-            <a:endParaRPr lang="en-US" sz="800" spc="-1" dirty="0">
-              <a:solidFill>
-                <a:srgbClr val="000000"/>
-              </a:solidFill>
-              <a:uFill>
-                <a:solidFill>
-                  <a:srgbClr val="FFFFFF"/>
-                </a:solidFill>
-              </a:uFill>
-            </a:endParaRPr>
-          </a:p>
-          <a:p>
-            <a:pPr>
-              <a:lnSpc>
-                <a:spcPct val="100000"/>
-              </a:lnSpc>
-            </a:pPr>
-            <a:r>
-              <a:rPr lang="en-US" sz="900" b="0" strike="noStrike" spc="-1" dirty="0">
-                <a:solidFill>
-                  <a:srgbClr val="292929"/>
-                </a:solidFill>
-                <a:uFill>
-                  <a:solidFill>
-                    <a:srgbClr val="FFFFFF"/>
-                  </a:solidFill>
-                </a:uFill>
-                <a:latin typeface="Calibri"/>
-                <a:ea typeface="Segoe UI"/>
-              </a:rPr>
-              <a:t>     @Before</a:t>
-            </a:r>
-            <a:endParaRPr lang="en-US" spc="-1" dirty="0">
-              <a:solidFill>
-                <a:srgbClr val="000000"/>
-              </a:solidFill>
-              <a:uFill>
-                <a:solidFill>
-                  <a:srgbClr val="FFFFFF"/>
-                </a:solidFill>
-              </a:uFill>
-            </a:endParaRPr>
-          </a:p>
-          <a:p>
-            <a:pPr>
-              <a:lnSpc>
-                <a:spcPct val="100000"/>
-              </a:lnSpc>
-            </a:pPr>
-            <a:r>
-              <a:rPr lang="en-US" sz="900" b="0" strike="noStrike" spc="-1" dirty="0">
-                <a:solidFill>
-                  <a:srgbClr val="292929"/>
-                </a:solidFill>
-                <a:uFill>
-                  <a:solidFill>
-                    <a:srgbClr val="FFFFFF"/>
-                  </a:solidFill>
-                </a:uFill>
-                <a:latin typeface="Calibri"/>
-                <a:ea typeface="Segoe UI"/>
-              </a:rPr>
-              <a:t>      public void </a:t>
-            </a:r>
-            <a:r>
-              <a:rPr lang="en-US" sz="900" b="0" strike="noStrike" spc="-1" dirty="0" err="1">
-                <a:solidFill>
-                  <a:srgbClr val="292929"/>
-                </a:solidFill>
-                <a:uFill>
-                  <a:solidFill>
-                    <a:srgbClr val="FFFFFF"/>
-                  </a:solidFill>
-                </a:uFill>
-                <a:latin typeface="Calibri"/>
-                <a:ea typeface="Segoe UI"/>
-              </a:rPr>
-              <a:t>setUp</a:t>
-            </a:r>
-            <a:r>
-              <a:rPr lang="en-US" sz="900" b="0" strike="noStrike" spc="-1" dirty="0">
-                <a:solidFill>
-                  <a:srgbClr val="292929"/>
-                </a:solidFill>
-                <a:uFill>
-                  <a:solidFill>
-                    <a:srgbClr val="FFFFFF"/>
-                  </a:solidFill>
-                </a:uFill>
-                <a:latin typeface="Calibri"/>
-                <a:ea typeface="Segoe UI"/>
-              </a:rPr>
-              <a:t>(){</a:t>
-            </a:r>
-            <a:endParaRPr lang="en-US" spc="-1" dirty="0">
-              <a:solidFill>
-                <a:srgbClr val="000000"/>
-              </a:solidFill>
-              <a:uFill>
-                <a:solidFill>
-                  <a:srgbClr val="FFFFFF"/>
-                </a:solidFill>
-              </a:uFill>
-            </a:endParaRPr>
-          </a:p>
-          <a:p>
-            <a:pPr>
-              <a:lnSpc>
-                <a:spcPct val="100000"/>
-              </a:lnSpc>
-            </a:pPr>
-            <a:r>
-              <a:rPr lang="en-US" sz="900" b="0" strike="noStrike" spc="-1" dirty="0">
-                <a:solidFill>
-                  <a:srgbClr val="292929"/>
-                </a:solidFill>
-                <a:uFill>
-                  <a:solidFill>
-                    <a:srgbClr val="FFFFFF"/>
-                  </a:solidFill>
-                </a:uFill>
-                <a:latin typeface="Calibri"/>
-                <a:ea typeface="Segoe UI"/>
-              </a:rPr>
-              <a:t>             when(</a:t>
-            </a:r>
-            <a:r>
-              <a:rPr lang="en-US" sz="900" b="0" strike="noStrike" spc="-1" dirty="0" err="1">
-                <a:solidFill>
-                  <a:srgbClr val="292929"/>
-                </a:solidFill>
-                <a:uFill>
-                  <a:solidFill>
-                    <a:srgbClr val="FFFFFF"/>
-                  </a:solidFill>
-                </a:uFill>
-                <a:latin typeface="Calibri"/>
-                <a:ea typeface="Segoe UI"/>
-              </a:rPr>
-              <a:t>mocked.call</a:t>
-            </a:r>
-            <a:r>
-              <a:rPr lang="en-US" sz="900" b="0" strike="noStrike" spc="-1" dirty="0">
-                <a:solidFill>
-                  <a:srgbClr val="292929"/>
-                </a:solidFill>
-                <a:uFill>
-                  <a:solidFill>
-                    <a:srgbClr val="FFFFFF"/>
-                  </a:solidFill>
-                </a:uFill>
-                <a:latin typeface="Calibri"/>
-                <a:ea typeface="Segoe UI"/>
-              </a:rPr>
-              <a:t>()).</a:t>
-            </a:r>
-            <a:r>
-              <a:rPr lang="en-US" sz="900" b="0" strike="noStrike" spc="-1" dirty="0" err="1">
-                <a:solidFill>
-                  <a:srgbClr val="292929"/>
-                </a:solidFill>
-                <a:uFill>
-                  <a:solidFill>
-                    <a:srgbClr val="FFFFFF"/>
-                  </a:solidFill>
-                </a:uFill>
-                <a:latin typeface="Calibri"/>
-                <a:ea typeface="Segoe UI"/>
-              </a:rPr>
-              <a:t>thenReturn</a:t>
-            </a:r>
-            <a:r>
-              <a:rPr lang="en-US" sz="900" b="0" strike="noStrike" spc="-1" dirty="0">
-                <a:solidFill>
-                  <a:srgbClr val="292929"/>
-                </a:solidFill>
-                <a:uFill>
-                  <a:solidFill>
-                    <a:srgbClr val="FFFFFF"/>
-                  </a:solidFill>
-                </a:uFill>
-                <a:latin typeface="Calibri"/>
-                <a:ea typeface="Segoe UI"/>
-              </a:rPr>
-              <a:t>(true);</a:t>
-            </a:r>
-            <a:endParaRPr lang="en-US" spc="-1" dirty="0">
-              <a:solidFill>
-                <a:srgbClr val="000000"/>
-              </a:solidFill>
-              <a:uFill>
-                <a:solidFill>
-                  <a:srgbClr val="FFFFFF"/>
-                </a:solidFill>
-              </a:uFill>
-            </a:endParaRPr>
-          </a:p>
-          <a:p>
-            <a:pPr>
-              <a:lnSpc>
-                <a:spcPct val="100000"/>
-              </a:lnSpc>
-            </a:pPr>
-            <a:r>
-              <a:rPr lang="en-US" sz="900" b="0" strike="noStrike" spc="-1" dirty="0">
-                <a:solidFill>
-                  <a:srgbClr val="292929"/>
-                </a:solidFill>
-                <a:uFill>
-                  <a:solidFill>
-                    <a:srgbClr val="FFFFFF"/>
-                  </a:solidFill>
-                </a:uFill>
-                <a:latin typeface="Calibri"/>
-                <a:ea typeface="Segoe UI"/>
-              </a:rPr>
-              <a:t>      }</a:t>
-            </a:r>
-            <a:endParaRPr lang="en-US" spc="-1" dirty="0">
-              <a:solidFill>
-                <a:srgbClr val="000000"/>
-              </a:solidFill>
-              <a:uFill>
-                <a:solidFill>
-                  <a:srgbClr val="FFFFFF"/>
-                </a:solidFill>
-              </a:uFill>
-            </a:endParaRPr>
-          </a:p>
-          <a:p>
-            <a:pPr>
-              <a:lnSpc>
-                <a:spcPct val="100000"/>
-              </a:lnSpc>
-            </a:pPr>
-            <a:endParaRPr lang="en-US" sz="800" spc="-1" dirty="0">
-              <a:solidFill>
-                <a:srgbClr val="000000"/>
-              </a:solidFill>
-              <a:uFill>
-                <a:solidFill>
-                  <a:srgbClr val="FFFFFF"/>
-                </a:solidFill>
-              </a:uFill>
-            </a:endParaRPr>
-          </a:p>
-          <a:p>
-            <a:pPr>
-              <a:lnSpc>
-                <a:spcPct val="100000"/>
-              </a:lnSpc>
-            </a:pPr>
-            <a:r>
-              <a:rPr lang="en-US" sz="900" b="0" strike="noStrike" spc="-1" dirty="0">
-                <a:solidFill>
-                  <a:srgbClr val="292929"/>
-                </a:solidFill>
-                <a:uFill>
-                  <a:solidFill>
-                    <a:srgbClr val="FFFFFF"/>
-                  </a:solidFill>
-                </a:uFill>
-                <a:latin typeface="Calibri"/>
-                <a:ea typeface="Segoe UI"/>
-              </a:rPr>
-              <a:t>     @Test</a:t>
-            </a:r>
-            <a:endParaRPr lang="en-US" spc="-1" dirty="0">
-              <a:solidFill>
-                <a:srgbClr val="000000"/>
-              </a:solidFill>
-              <a:uFill>
-                <a:solidFill>
-                  <a:srgbClr val="FFFFFF"/>
-                </a:solidFill>
-              </a:uFill>
-            </a:endParaRPr>
-          </a:p>
-          <a:p>
-            <a:pPr>
-              <a:lnSpc>
-                <a:spcPct val="100000"/>
-              </a:lnSpc>
-            </a:pPr>
-            <a:r>
-              <a:rPr lang="en-US" sz="900" b="0" strike="noStrike" spc="-1" dirty="0">
-                <a:solidFill>
-                  <a:srgbClr val="292929"/>
-                </a:solidFill>
-                <a:uFill>
-                  <a:solidFill>
-                    <a:srgbClr val="FFFFFF"/>
-                  </a:solidFill>
-                </a:uFill>
-                <a:latin typeface="Calibri"/>
-                <a:ea typeface="Segoe UI"/>
-              </a:rPr>
-              <a:t>      public void test() {</a:t>
-            </a:r>
-            <a:endParaRPr lang="en-US" spc="-1" dirty="0">
-              <a:solidFill>
-                <a:srgbClr val="000000"/>
-              </a:solidFill>
-              <a:uFill>
-                <a:solidFill>
-                  <a:srgbClr val="FFFFFF"/>
-                </a:solidFill>
-              </a:uFill>
-            </a:endParaRPr>
-          </a:p>
-          <a:p>
-            <a:pPr>
-              <a:lnSpc>
-                <a:spcPct val="100000"/>
-              </a:lnSpc>
-            </a:pPr>
-            <a:r>
-              <a:rPr lang="en-US" sz="900" b="0" strike="noStrike" spc="-1" dirty="0">
-                <a:solidFill>
-                  <a:srgbClr val="292929"/>
-                </a:solidFill>
-                <a:uFill>
-                  <a:solidFill>
-                    <a:srgbClr val="FFFFFF"/>
-                  </a:solidFill>
-                </a:uFill>
-                <a:latin typeface="Calibri"/>
-                <a:ea typeface="Segoe UI"/>
-              </a:rPr>
-              <a:t>              </a:t>
-            </a:r>
-            <a:r>
-              <a:rPr lang="en-US" sz="900" b="0" strike="noStrike" spc="-1" dirty="0" err="1">
-                <a:solidFill>
-                  <a:srgbClr val="292929"/>
-                </a:solidFill>
-                <a:uFill>
-                  <a:solidFill>
-                    <a:srgbClr val="FFFFFF"/>
-                  </a:solidFill>
-                </a:uFill>
-                <a:latin typeface="Calibri"/>
-                <a:ea typeface="Segoe UI"/>
-              </a:rPr>
-              <a:t>undertest.machIrgendwas</a:t>
-            </a:r>
-            <a:r>
-              <a:rPr lang="en-US" sz="900" b="0" strike="noStrike" spc="-1" dirty="0">
-                <a:solidFill>
-                  <a:srgbClr val="292929"/>
-                </a:solidFill>
-                <a:uFill>
-                  <a:solidFill>
-                    <a:srgbClr val="FFFFFF"/>
-                  </a:solidFill>
-                </a:uFill>
-                <a:latin typeface="Calibri"/>
-                <a:ea typeface="Segoe UI"/>
-              </a:rPr>
-              <a:t>(mocked);</a:t>
-            </a:r>
-            <a:endParaRPr lang="en-US" spc="-1" dirty="0">
-              <a:solidFill>
-                <a:srgbClr val="000000"/>
-              </a:solidFill>
-              <a:uFill>
-                <a:solidFill>
-                  <a:srgbClr val="FFFFFF"/>
-                </a:solidFill>
-              </a:uFill>
-            </a:endParaRPr>
-          </a:p>
-          <a:p>
-            <a:pPr>
-              <a:lnSpc>
-                <a:spcPct val="100000"/>
-              </a:lnSpc>
-            </a:pPr>
-            <a:r>
-              <a:rPr lang="en-US" sz="900" spc="-1" dirty="0">
-                <a:solidFill>
-                  <a:srgbClr val="292929"/>
-                </a:solidFill>
-                <a:uFill>
-                  <a:solidFill>
-                    <a:srgbClr val="FFFFFF"/>
-                  </a:solidFill>
-                </a:uFill>
-                <a:latin typeface="Calibri"/>
-                <a:ea typeface="Segoe UI"/>
-              </a:rPr>
-              <a:t>      </a:t>
-            </a:r>
-            <a:r>
-              <a:rPr lang="en-US" sz="900" b="0" strike="noStrike" spc="-1" dirty="0">
-                <a:solidFill>
-                  <a:srgbClr val="292929"/>
-                </a:solidFill>
-                <a:uFill>
-                  <a:solidFill>
-                    <a:srgbClr val="FFFFFF"/>
-                  </a:solidFill>
-                </a:uFill>
-                <a:latin typeface="Calibri"/>
-                <a:ea typeface="Segoe UI"/>
-              </a:rPr>
-              <a:t>}</a:t>
-            </a:r>
-            <a:endParaRPr lang="en-US" spc="-1" dirty="0">
-              <a:solidFill>
-                <a:srgbClr val="000000"/>
-              </a:solidFill>
-              <a:uFill>
-                <a:solidFill>
-                  <a:srgbClr val="FFFFFF"/>
-                </a:solidFill>
-              </a:uFill>
-            </a:endParaRPr>
-          </a:p>
-          <a:p>
-            <a:pPr>
-              <a:lnSpc>
-                <a:spcPct val="100000"/>
-              </a:lnSpc>
-            </a:pPr>
-            <a:r>
-              <a:rPr lang="en-US" sz="900" b="0" strike="noStrike" spc="-1" dirty="0">
-                <a:solidFill>
-                  <a:srgbClr val="292929"/>
-                </a:solidFill>
-                <a:uFill>
-                  <a:solidFill>
-                    <a:srgbClr val="FFFFFF"/>
-                  </a:solidFill>
-                </a:uFill>
-                <a:latin typeface="Calibri"/>
-                <a:ea typeface="Segoe UI"/>
-              </a:rPr>
-              <a:t>}</a:t>
-            </a:r>
-            <a:endParaRPr lang="en-US" spc="-1" dirty="0">
-              <a:solidFill>
-                <a:srgbClr val="000000"/>
-              </a:solidFill>
-              <a:uFill>
-                <a:solidFill>
-                  <a:srgbClr val="FFFFFF"/>
-                </a:solidFill>
-              </a:uFill>
-            </a:endParaRPr>
-          </a:p>
-          <a:p>
-            <a:pPr>
-              <a:lnSpc>
-                <a:spcPct val="100000"/>
-              </a:lnSpc>
-            </a:pPr>
-            <a:endParaRPr lang="en-US" sz="900" spc="-1" dirty="0">
-              <a:solidFill>
-                <a:srgbClr val="000000"/>
-              </a:solidFill>
-              <a:uFill>
-                <a:solidFill>
-                  <a:srgbClr val="FFFFFF"/>
-                </a:solidFill>
-              </a:uFill>
-            </a:endParaRPr>
-          </a:p>
-        </p:txBody>
-      </p:sp>
-      <p:sp>
-        <p:nvSpPr>
-          <p:cNvPr id="11" name="Rechteck 10">
-            <a:extLst>
-              <a:ext uri="{FF2B5EF4-FFF2-40B4-BE49-F238E27FC236}">
-                <a16:creationId xmlns:a16="http://schemas.microsoft.com/office/drawing/2014/main" id="{4460BE3B-AD51-4220-9BD5-50A08CBDBAB3}"/>
-              </a:ext>
-            </a:extLst>
-          </p:cNvPr>
-          <p:cNvSpPr/>
-          <p:nvPr/>
-        </p:nvSpPr>
-        <p:spPr>
-          <a:xfrm>
-            <a:off x="4685940" y="2108393"/>
-            <a:ext cx="3961440" cy="2452087"/>
-          </a:xfrm>
-          <a:prstGeom prst="rect">
-            <a:avLst/>
-          </a:prstGeom>
-          <a:solidFill>
-            <a:schemeClr val="bg1"/>
-          </a:solidFill>
-          <a:ln>
-            <a:solidFill>
-              <a:schemeClr val="tx1"/>
-            </a:solidFill>
-          </a:ln>
-        </p:spPr>
-        <p:style>
-          <a:lnRef idx="2">
-            <a:schemeClr val="accent1">
-              <a:shade val="50000"/>
-            </a:schemeClr>
-          </a:lnRef>
-          <a:fillRef idx="1">
-            <a:schemeClr val="accent1"/>
-          </a:fillRef>
-          <a:effectRef idx="0">
-            <a:schemeClr val="accent1"/>
-          </a:effectRef>
-          <a:fontRef idx="minor">
-            <a:schemeClr val="lt1"/>
-          </a:fontRef>
-        </p:style>
-        <p:txBody>
-          <a:bodyPr rtlCol="0" anchor="ctr"/>
-          <a:lstStyle/>
-          <a:p>
-            <a:pPr>
-              <a:lnSpc>
-                <a:spcPct val="100000"/>
-              </a:lnSpc>
-            </a:pPr>
-            <a:r>
-              <a:rPr lang="en-US" sz="900" b="0" strike="noStrike" spc="-1" dirty="0">
-                <a:solidFill>
-                  <a:srgbClr val="292929"/>
-                </a:solidFill>
-                <a:uFill>
-                  <a:solidFill>
-                    <a:srgbClr val="FFFFFF"/>
-                  </a:solidFill>
-                </a:uFill>
-                <a:latin typeface="Calibri"/>
-                <a:ea typeface="Segoe UI"/>
-              </a:rPr>
-              <a:t>@</a:t>
-            </a:r>
-            <a:r>
-              <a:rPr lang="en-US" sz="900" b="0" strike="noStrike" spc="-1" dirty="0" err="1">
-                <a:solidFill>
-                  <a:srgbClr val="292929"/>
-                </a:solidFill>
-                <a:uFill>
-                  <a:solidFill>
-                    <a:srgbClr val="FFFFFF"/>
-                  </a:solidFill>
-                </a:uFill>
-                <a:latin typeface="Calibri"/>
-                <a:ea typeface="Segoe UI"/>
-              </a:rPr>
-              <a:t>ExtendWith</a:t>
-            </a:r>
-            <a:r>
-              <a:rPr lang="en-US" sz="900" b="0" strike="noStrike" spc="-1" dirty="0">
-                <a:solidFill>
-                  <a:srgbClr val="292929"/>
-                </a:solidFill>
-                <a:uFill>
-                  <a:solidFill>
-                    <a:srgbClr val="FFFFFF"/>
-                  </a:solidFill>
-                </a:uFill>
-                <a:latin typeface="Calibri"/>
-                <a:ea typeface="Segoe UI"/>
-              </a:rPr>
-              <a:t>(</a:t>
-            </a:r>
-            <a:r>
-              <a:rPr lang="en-US" sz="900" b="0" strike="noStrike" spc="-1" dirty="0" err="1">
-                <a:solidFill>
-                  <a:srgbClr val="292929"/>
-                </a:solidFill>
-                <a:uFill>
-                  <a:solidFill>
-                    <a:srgbClr val="FFFFFF"/>
-                  </a:solidFill>
-                </a:uFill>
-                <a:latin typeface="Calibri"/>
-                <a:ea typeface="Segoe UI"/>
-              </a:rPr>
-              <a:t>MockitoExtension.class</a:t>
-            </a:r>
-            <a:r>
-              <a:rPr lang="en-US" sz="900" b="0" strike="noStrike" spc="-1">
-                <a:solidFill>
-                  <a:srgbClr val="292929"/>
-                </a:solidFill>
-                <a:uFill>
-                  <a:solidFill>
-                    <a:srgbClr val="FFFFFF"/>
-                  </a:solidFill>
-                </a:uFill>
-                <a:latin typeface="Calibri"/>
-                <a:ea typeface="Segoe UI"/>
-              </a:rPr>
-              <a:t>)</a:t>
-            </a:r>
-            <a:endParaRPr lang="en-US" spc="-1" dirty="0">
-              <a:solidFill>
-                <a:srgbClr val="000000"/>
-              </a:solidFill>
-              <a:uFill>
-                <a:solidFill>
-                  <a:srgbClr val="FFFFFF"/>
-                </a:solidFill>
-              </a:uFill>
-            </a:endParaRPr>
-          </a:p>
-          <a:p>
-            <a:pPr>
-              <a:lnSpc>
-                <a:spcPct val="100000"/>
-              </a:lnSpc>
-            </a:pPr>
-            <a:r>
-              <a:rPr lang="en-US" sz="900" b="0" strike="noStrike" spc="-1">
-                <a:solidFill>
-                  <a:srgbClr val="292929"/>
-                </a:solidFill>
-                <a:uFill>
-                  <a:solidFill>
-                    <a:srgbClr val="FFFFFF"/>
-                  </a:solidFill>
-                </a:uFill>
-                <a:latin typeface="Calibri"/>
-                <a:ea typeface="Segoe UI"/>
-              </a:rPr>
-              <a:t>public </a:t>
-            </a:r>
-            <a:r>
-              <a:rPr lang="en-US" sz="900" b="0" strike="noStrike" spc="-1" dirty="0">
-                <a:solidFill>
-                  <a:srgbClr val="292929"/>
-                </a:solidFill>
-                <a:uFill>
-                  <a:solidFill>
-                    <a:srgbClr val="FFFFFF"/>
-                  </a:solidFill>
-                </a:uFill>
-                <a:latin typeface="Calibri"/>
-                <a:ea typeface="Segoe UI"/>
-              </a:rPr>
-              <a:t>class </a:t>
-            </a:r>
-            <a:r>
-              <a:rPr lang="en-US" sz="900" b="0" strike="noStrike" spc="-1" dirty="0" err="1">
-                <a:solidFill>
-                  <a:srgbClr val="292929"/>
-                </a:solidFill>
-                <a:uFill>
-                  <a:solidFill>
-                    <a:srgbClr val="FFFFFF"/>
-                  </a:solidFill>
-                </a:uFill>
-                <a:latin typeface="Calibri"/>
-                <a:ea typeface="Segoe UI"/>
-              </a:rPr>
-              <a:t>MockenTest</a:t>
-            </a:r>
-            <a:r>
-              <a:rPr lang="en-US" sz="900" b="0" strike="noStrike" spc="-1" dirty="0">
-                <a:solidFill>
-                  <a:srgbClr val="292929"/>
-                </a:solidFill>
-                <a:uFill>
-                  <a:solidFill>
-                    <a:srgbClr val="FFFFFF"/>
-                  </a:solidFill>
-                </a:uFill>
-                <a:latin typeface="Calibri"/>
-                <a:ea typeface="Segoe UI"/>
-              </a:rPr>
-              <a:t> {</a:t>
-            </a:r>
-            <a:endParaRPr lang="en-US" spc="-1" dirty="0">
-              <a:solidFill>
-                <a:srgbClr val="000000"/>
-              </a:solidFill>
-              <a:uFill>
-                <a:solidFill>
-                  <a:srgbClr val="FFFFFF"/>
-                </a:solidFill>
-              </a:uFill>
-            </a:endParaRPr>
-          </a:p>
-          <a:p>
-            <a:pPr>
-              <a:lnSpc>
-                <a:spcPct val="100000"/>
-              </a:lnSpc>
-            </a:pPr>
-            <a:r>
-              <a:rPr lang="en-US" sz="900" b="0" strike="noStrike" spc="-1" dirty="0">
-                <a:solidFill>
-                  <a:srgbClr val="292929"/>
-                </a:solidFill>
-                <a:uFill>
-                  <a:solidFill>
-                    <a:srgbClr val="FFFFFF"/>
-                  </a:solidFill>
-                </a:uFill>
-                <a:latin typeface="Calibri"/>
-                <a:ea typeface="Segoe UI"/>
-              </a:rPr>
-              <a:t>     @Mock</a:t>
-            </a:r>
-            <a:endParaRPr lang="en-US" spc="-1" dirty="0">
-              <a:solidFill>
-                <a:srgbClr val="000000"/>
-              </a:solidFill>
-              <a:uFill>
-                <a:solidFill>
-                  <a:srgbClr val="FFFFFF"/>
-                </a:solidFill>
-              </a:uFill>
-            </a:endParaRPr>
-          </a:p>
-          <a:p>
-            <a:pPr>
-              <a:lnSpc>
-                <a:spcPct val="100000"/>
-              </a:lnSpc>
-            </a:pPr>
-            <a:r>
-              <a:rPr lang="en-US" sz="900" b="0" strike="noStrike" spc="-1" dirty="0">
-                <a:solidFill>
-                  <a:srgbClr val="292929"/>
-                </a:solidFill>
-                <a:uFill>
-                  <a:solidFill>
-                    <a:srgbClr val="FFFFFF"/>
-                  </a:solidFill>
-                </a:uFill>
-                <a:latin typeface="Calibri"/>
-                <a:ea typeface="Segoe UI"/>
-              </a:rPr>
-              <a:t>      private MockKlasse1 mocked1;</a:t>
-            </a:r>
-            <a:endParaRPr lang="en-US" spc="-1" dirty="0">
-              <a:solidFill>
-                <a:srgbClr val="000000"/>
-              </a:solidFill>
-              <a:uFill>
-                <a:solidFill>
-                  <a:srgbClr val="FFFFFF"/>
-                </a:solidFill>
-              </a:uFill>
-            </a:endParaRPr>
-          </a:p>
-          <a:p>
-            <a:pPr>
-              <a:lnSpc>
-                <a:spcPct val="100000"/>
-              </a:lnSpc>
-            </a:pPr>
-            <a:r>
-              <a:rPr lang="en-US" sz="900" b="0" strike="noStrike" spc="-1" dirty="0">
-                <a:solidFill>
-                  <a:srgbClr val="292929"/>
-                </a:solidFill>
-                <a:uFill>
-                  <a:solidFill>
-                    <a:srgbClr val="FFFFFF"/>
-                  </a:solidFill>
-                </a:uFill>
-                <a:latin typeface="Calibri"/>
-                <a:ea typeface="Segoe UI"/>
-              </a:rPr>
-              <a:t>      private </a:t>
-            </a:r>
-            <a:r>
-              <a:rPr lang="en-US" sz="900" b="0" strike="noStrike" spc="-1" dirty="0" err="1">
-                <a:solidFill>
-                  <a:srgbClr val="292929"/>
-                </a:solidFill>
-                <a:uFill>
-                  <a:solidFill>
-                    <a:srgbClr val="FFFFFF"/>
-                  </a:solidFill>
-                </a:uFill>
-                <a:latin typeface="Calibri"/>
-                <a:ea typeface="Segoe UI"/>
-              </a:rPr>
-              <a:t>TestKlasse</a:t>
-            </a:r>
-            <a:r>
-              <a:rPr lang="en-US" sz="900" b="0" strike="noStrike" spc="-1" dirty="0">
-                <a:solidFill>
-                  <a:srgbClr val="292929"/>
-                </a:solidFill>
-                <a:uFill>
-                  <a:solidFill>
-                    <a:srgbClr val="FFFFFF"/>
-                  </a:solidFill>
-                </a:uFill>
-                <a:latin typeface="Calibri"/>
-                <a:ea typeface="Segoe UI"/>
-              </a:rPr>
-              <a:t> </a:t>
-            </a:r>
-            <a:r>
-              <a:rPr lang="en-US" sz="900" b="0" strike="noStrike" spc="-1" dirty="0" err="1">
-                <a:solidFill>
-                  <a:srgbClr val="292929"/>
-                </a:solidFill>
-                <a:uFill>
-                  <a:solidFill>
-                    <a:srgbClr val="FFFFFF"/>
-                  </a:solidFill>
-                </a:uFill>
-                <a:latin typeface="Calibri"/>
-                <a:ea typeface="Segoe UI"/>
-              </a:rPr>
-              <a:t>underTest</a:t>
-            </a:r>
-            <a:r>
-              <a:rPr lang="en-US" sz="900" b="0" strike="noStrike" spc="-1" dirty="0">
-                <a:solidFill>
-                  <a:srgbClr val="292929"/>
-                </a:solidFill>
-                <a:uFill>
-                  <a:solidFill>
-                    <a:srgbClr val="FFFFFF"/>
-                  </a:solidFill>
-                </a:uFill>
-                <a:latin typeface="Calibri"/>
-                <a:ea typeface="Segoe UI"/>
-              </a:rPr>
-              <a:t>;</a:t>
-            </a:r>
-          </a:p>
-          <a:p>
-            <a:pPr>
-              <a:lnSpc>
-                <a:spcPct val="100000"/>
-              </a:lnSpc>
-            </a:pPr>
-            <a:endParaRPr lang="en-US" sz="800" spc="-1" dirty="0">
-              <a:solidFill>
-                <a:srgbClr val="000000"/>
-              </a:solidFill>
-              <a:uFill>
-                <a:solidFill>
-                  <a:srgbClr val="FFFFFF"/>
-                </a:solidFill>
-              </a:uFill>
-            </a:endParaRPr>
-          </a:p>
-          <a:p>
-            <a:pPr>
-              <a:lnSpc>
-                <a:spcPct val="100000"/>
-              </a:lnSpc>
-            </a:pPr>
-            <a:r>
-              <a:rPr lang="en-US" sz="900" b="0" strike="noStrike" spc="-1" dirty="0">
-                <a:solidFill>
-                  <a:srgbClr val="292929"/>
-                </a:solidFill>
-                <a:uFill>
-                  <a:solidFill>
-                    <a:srgbClr val="FFFFFF"/>
-                  </a:solidFill>
-                </a:uFill>
-                <a:latin typeface="Calibri"/>
-                <a:ea typeface="Segoe UI"/>
-              </a:rPr>
-              <a:t>     @</a:t>
-            </a:r>
-            <a:r>
-              <a:rPr lang="en-US" sz="900" b="0" strike="noStrike" spc="-1" dirty="0" err="1">
-                <a:solidFill>
-                  <a:srgbClr val="292929"/>
-                </a:solidFill>
-                <a:uFill>
-                  <a:solidFill>
-                    <a:srgbClr val="FFFFFF"/>
-                  </a:solidFill>
-                </a:uFill>
-                <a:latin typeface="Calibri"/>
-                <a:ea typeface="Segoe UI"/>
-              </a:rPr>
-              <a:t>BeforeEach</a:t>
-            </a:r>
-            <a:endParaRPr lang="en-US" spc="-1" dirty="0">
-              <a:solidFill>
-                <a:srgbClr val="000000"/>
-              </a:solidFill>
-              <a:uFill>
-                <a:solidFill>
-                  <a:srgbClr val="FFFFFF"/>
-                </a:solidFill>
-              </a:uFill>
-            </a:endParaRPr>
-          </a:p>
-          <a:p>
-            <a:pPr>
-              <a:lnSpc>
-                <a:spcPct val="100000"/>
-              </a:lnSpc>
-            </a:pPr>
-            <a:r>
-              <a:rPr lang="en-US" sz="900" b="0" strike="noStrike" spc="-1" dirty="0">
-                <a:solidFill>
-                  <a:srgbClr val="292929"/>
-                </a:solidFill>
-                <a:uFill>
-                  <a:solidFill>
-                    <a:srgbClr val="FFFFFF"/>
-                  </a:solidFill>
-                </a:uFill>
-                <a:latin typeface="Calibri"/>
-                <a:ea typeface="Segoe UI"/>
-              </a:rPr>
-              <a:t>      void </a:t>
-            </a:r>
-            <a:r>
-              <a:rPr lang="en-US" sz="900" b="0" strike="noStrike" spc="-1" dirty="0" err="1">
-                <a:solidFill>
-                  <a:srgbClr val="292929"/>
-                </a:solidFill>
-                <a:uFill>
-                  <a:solidFill>
-                    <a:srgbClr val="FFFFFF"/>
-                  </a:solidFill>
-                </a:uFill>
-                <a:latin typeface="Calibri"/>
-                <a:ea typeface="Segoe UI"/>
-              </a:rPr>
-              <a:t>setUp</a:t>
-            </a:r>
-            <a:r>
-              <a:rPr lang="en-US" sz="900" b="0" strike="noStrike" spc="-1" dirty="0">
-                <a:solidFill>
-                  <a:srgbClr val="292929"/>
-                </a:solidFill>
-                <a:uFill>
-                  <a:solidFill>
-                    <a:srgbClr val="FFFFFF"/>
-                  </a:solidFill>
-                </a:uFill>
-                <a:latin typeface="Calibri"/>
-                <a:ea typeface="Segoe UI"/>
-              </a:rPr>
-              <a:t>(@Mock MockKlasse2 mocked2){</a:t>
-            </a:r>
-            <a:endParaRPr lang="en-US" spc="-1" dirty="0">
-              <a:solidFill>
-                <a:srgbClr val="000000"/>
-              </a:solidFill>
-              <a:uFill>
-                <a:solidFill>
-                  <a:srgbClr val="FFFFFF"/>
-                </a:solidFill>
-              </a:uFill>
-            </a:endParaRPr>
-          </a:p>
-          <a:p>
-            <a:pPr>
-              <a:lnSpc>
-                <a:spcPct val="100000"/>
-              </a:lnSpc>
-            </a:pPr>
-            <a:r>
-              <a:rPr lang="en-US" sz="900" b="0" strike="noStrike" spc="-1" dirty="0">
-                <a:solidFill>
-                  <a:srgbClr val="292929"/>
-                </a:solidFill>
-                <a:uFill>
-                  <a:solidFill>
-                    <a:srgbClr val="FFFFFF"/>
-                  </a:solidFill>
-                </a:uFill>
-                <a:latin typeface="Calibri"/>
-                <a:ea typeface="Segoe UI"/>
-              </a:rPr>
-              <a:t>             when(mocked1.call()).</a:t>
-            </a:r>
-            <a:r>
-              <a:rPr lang="en-US" sz="900" b="0" strike="noStrike" spc="-1" dirty="0" err="1">
-                <a:solidFill>
-                  <a:srgbClr val="292929"/>
-                </a:solidFill>
-                <a:uFill>
-                  <a:solidFill>
-                    <a:srgbClr val="FFFFFF"/>
-                  </a:solidFill>
-                </a:uFill>
-                <a:latin typeface="Calibri"/>
-                <a:ea typeface="Segoe UI"/>
-              </a:rPr>
-              <a:t>thenReturn</a:t>
-            </a:r>
-            <a:r>
-              <a:rPr lang="en-US" sz="900" b="0" strike="noStrike" spc="-1" dirty="0">
-                <a:solidFill>
-                  <a:srgbClr val="292929"/>
-                </a:solidFill>
-                <a:uFill>
-                  <a:solidFill>
-                    <a:srgbClr val="FFFFFF"/>
-                  </a:solidFill>
-                </a:uFill>
-                <a:latin typeface="Calibri"/>
-                <a:ea typeface="Segoe UI"/>
-              </a:rPr>
-              <a:t>(true);</a:t>
-            </a:r>
-            <a:endParaRPr lang="en-US" spc="-1" dirty="0">
-              <a:solidFill>
-                <a:srgbClr val="000000"/>
-              </a:solidFill>
-              <a:uFill>
-                <a:solidFill>
-                  <a:srgbClr val="FFFFFF"/>
-                </a:solidFill>
-              </a:uFill>
-            </a:endParaRPr>
-          </a:p>
-          <a:p>
-            <a:pPr>
-              <a:lnSpc>
-                <a:spcPct val="100000"/>
-              </a:lnSpc>
-            </a:pPr>
-            <a:r>
-              <a:rPr lang="en-US" sz="900" b="0" strike="noStrike" spc="-1" dirty="0">
-                <a:solidFill>
-                  <a:srgbClr val="292929"/>
-                </a:solidFill>
-                <a:uFill>
-                  <a:solidFill>
-                    <a:srgbClr val="FFFFFF"/>
-                  </a:solidFill>
-                </a:uFill>
-                <a:latin typeface="Calibri"/>
-                <a:ea typeface="Segoe UI"/>
-              </a:rPr>
-              <a:t>             when(mocked2.call()).</a:t>
-            </a:r>
-            <a:r>
-              <a:rPr lang="en-US" sz="900" b="0" strike="noStrike" spc="-1" dirty="0" err="1">
-                <a:solidFill>
-                  <a:srgbClr val="292929"/>
-                </a:solidFill>
-                <a:uFill>
-                  <a:solidFill>
-                    <a:srgbClr val="FFFFFF"/>
-                  </a:solidFill>
-                </a:uFill>
-                <a:latin typeface="Calibri"/>
-                <a:ea typeface="Segoe UI"/>
-              </a:rPr>
-              <a:t>thenReturn</a:t>
-            </a:r>
-            <a:r>
-              <a:rPr lang="en-US" sz="900" b="0" strike="noStrike" spc="-1" dirty="0">
-                <a:solidFill>
-                  <a:srgbClr val="292929"/>
-                </a:solidFill>
-                <a:uFill>
-                  <a:solidFill>
-                    <a:srgbClr val="FFFFFF"/>
-                  </a:solidFill>
-                </a:uFill>
-                <a:latin typeface="Calibri"/>
-                <a:ea typeface="Segoe UI"/>
-              </a:rPr>
-              <a:t>(false);</a:t>
-            </a:r>
-            <a:endParaRPr lang="en-US" spc="-1" dirty="0">
-              <a:solidFill>
-                <a:srgbClr val="000000"/>
-              </a:solidFill>
-              <a:uFill>
-                <a:solidFill>
-                  <a:srgbClr val="FFFFFF"/>
-                </a:solidFill>
-              </a:uFill>
-            </a:endParaRPr>
-          </a:p>
-          <a:p>
-            <a:pPr>
-              <a:lnSpc>
-                <a:spcPct val="100000"/>
-              </a:lnSpc>
-            </a:pPr>
-            <a:r>
-              <a:rPr lang="en-US" sz="900" b="0" strike="noStrike" spc="-1" dirty="0">
-                <a:solidFill>
-                  <a:srgbClr val="292929"/>
-                </a:solidFill>
-                <a:uFill>
-                  <a:solidFill>
-                    <a:srgbClr val="FFFFFF"/>
-                  </a:solidFill>
-                </a:uFill>
-                <a:latin typeface="Calibri"/>
-                <a:ea typeface="Segoe UI"/>
-              </a:rPr>
-              <a:t>      }</a:t>
-            </a:r>
-          </a:p>
-          <a:p>
-            <a:pPr>
-              <a:lnSpc>
-                <a:spcPct val="100000"/>
-              </a:lnSpc>
-            </a:pPr>
-            <a:endParaRPr lang="en-US" sz="800" spc="-1" dirty="0">
-              <a:solidFill>
-                <a:srgbClr val="000000"/>
-              </a:solidFill>
-              <a:uFill>
-                <a:solidFill>
-                  <a:srgbClr val="FFFFFF"/>
-                </a:solidFill>
-              </a:uFill>
-            </a:endParaRPr>
-          </a:p>
-          <a:p>
-            <a:pPr>
-              <a:lnSpc>
-                <a:spcPct val="100000"/>
-              </a:lnSpc>
-            </a:pPr>
-            <a:r>
-              <a:rPr lang="en-US" sz="900" b="0" strike="noStrike" spc="-1" dirty="0">
-                <a:solidFill>
-                  <a:srgbClr val="292929"/>
-                </a:solidFill>
-                <a:uFill>
-                  <a:solidFill>
-                    <a:srgbClr val="FFFFFF"/>
-                  </a:solidFill>
-                </a:uFill>
-                <a:latin typeface="Calibri"/>
-                <a:ea typeface="Segoe UI"/>
-              </a:rPr>
-              <a:t>     </a:t>
-            </a:r>
-            <a:r>
-              <a:rPr lang="en-US" sz="900" spc="-1" dirty="0">
-                <a:solidFill>
-                  <a:srgbClr val="292929"/>
-                </a:solidFill>
-                <a:uFill>
-                  <a:solidFill>
-                    <a:srgbClr val="FFFFFF"/>
-                  </a:solidFill>
-                </a:uFill>
-                <a:latin typeface="Calibri"/>
-                <a:ea typeface="Segoe UI"/>
-              </a:rPr>
-              <a:t>@</a:t>
-            </a:r>
-            <a:r>
-              <a:rPr lang="en-US" sz="900" b="0" strike="noStrike" spc="-1" dirty="0">
-                <a:solidFill>
-                  <a:srgbClr val="292929"/>
-                </a:solidFill>
-                <a:uFill>
-                  <a:solidFill>
-                    <a:srgbClr val="FFFFFF"/>
-                  </a:solidFill>
-                </a:uFill>
-                <a:latin typeface="Calibri"/>
-                <a:ea typeface="Segoe UI"/>
-              </a:rPr>
-              <a:t>Test</a:t>
-            </a:r>
-            <a:endParaRPr lang="en-US" spc="-1" dirty="0">
-              <a:solidFill>
-                <a:srgbClr val="000000"/>
-              </a:solidFill>
-              <a:uFill>
-                <a:solidFill>
-                  <a:srgbClr val="FFFFFF"/>
-                </a:solidFill>
-              </a:uFill>
-            </a:endParaRPr>
-          </a:p>
-          <a:p>
-            <a:pPr>
-              <a:lnSpc>
-                <a:spcPct val="100000"/>
-              </a:lnSpc>
-            </a:pPr>
-            <a:r>
-              <a:rPr lang="en-US" sz="900" b="0" strike="noStrike" spc="-1" dirty="0">
-                <a:solidFill>
-                  <a:srgbClr val="292929"/>
-                </a:solidFill>
-                <a:uFill>
-                  <a:solidFill>
-                    <a:srgbClr val="FFFFFF"/>
-                  </a:solidFill>
-                </a:uFill>
-                <a:latin typeface="Calibri"/>
-                <a:ea typeface="Segoe UI"/>
-              </a:rPr>
-              <a:t>      public void test() {</a:t>
-            </a:r>
-            <a:endParaRPr lang="en-US" spc="-1" dirty="0">
-              <a:solidFill>
-                <a:srgbClr val="000000"/>
-              </a:solidFill>
-              <a:uFill>
-                <a:solidFill>
-                  <a:srgbClr val="FFFFFF"/>
-                </a:solidFill>
-              </a:uFill>
-            </a:endParaRPr>
-          </a:p>
-          <a:p>
-            <a:pPr>
-              <a:lnSpc>
-                <a:spcPct val="100000"/>
-              </a:lnSpc>
-            </a:pPr>
-            <a:r>
-              <a:rPr lang="en-US" sz="900" b="0" strike="noStrike" spc="-1" dirty="0">
-                <a:solidFill>
-                  <a:srgbClr val="292929"/>
-                </a:solidFill>
-                <a:uFill>
-                  <a:solidFill>
-                    <a:srgbClr val="FFFFFF"/>
-                  </a:solidFill>
-                </a:uFill>
-                <a:latin typeface="Calibri"/>
-                <a:ea typeface="Segoe UI"/>
-              </a:rPr>
-              <a:t>            </a:t>
-            </a:r>
-            <a:r>
-              <a:rPr lang="en-US" sz="900" b="0" strike="noStrike" spc="-1" dirty="0" err="1">
-                <a:solidFill>
-                  <a:srgbClr val="292929"/>
-                </a:solidFill>
-                <a:uFill>
-                  <a:solidFill>
-                    <a:srgbClr val="FFFFFF"/>
-                  </a:solidFill>
-                </a:uFill>
-                <a:latin typeface="Calibri"/>
-                <a:ea typeface="Segoe UI"/>
-              </a:rPr>
-              <a:t>undertest.machIrgendwas</a:t>
-            </a:r>
-            <a:r>
-              <a:rPr lang="en-US" sz="900" b="0" strike="noStrike" spc="-1" dirty="0">
-                <a:solidFill>
-                  <a:srgbClr val="292929"/>
-                </a:solidFill>
-                <a:uFill>
-                  <a:solidFill>
-                    <a:srgbClr val="FFFFFF"/>
-                  </a:solidFill>
-                </a:uFill>
-                <a:latin typeface="Calibri"/>
-                <a:ea typeface="Segoe UI"/>
-              </a:rPr>
-              <a:t>(mocked);</a:t>
-            </a:r>
-            <a:endParaRPr lang="en-US" spc="-1" dirty="0">
-              <a:solidFill>
-                <a:srgbClr val="000000"/>
-              </a:solidFill>
-              <a:uFill>
-                <a:solidFill>
-                  <a:srgbClr val="FFFFFF"/>
-                </a:solidFill>
-              </a:uFill>
-            </a:endParaRPr>
-          </a:p>
-          <a:p>
-            <a:pPr>
-              <a:lnSpc>
-                <a:spcPct val="100000"/>
-              </a:lnSpc>
-            </a:pPr>
-            <a:r>
-              <a:rPr lang="en-US" sz="900" b="0" strike="noStrike" spc="-1" dirty="0">
-                <a:solidFill>
-                  <a:srgbClr val="292929"/>
-                </a:solidFill>
-                <a:uFill>
-                  <a:solidFill>
-                    <a:srgbClr val="FFFFFF"/>
-                  </a:solidFill>
-                </a:uFill>
-                <a:latin typeface="Calibri"/>
-                <a:ea typeface="Segoe UI"/>
-              </a:rPr>
-              <a:t>      }</a:t>
-            </a:r>
-            <a:endParaRPr lang="en-US" spc="-1" dirty="0">
-              <a:solidFill>
-                <a:srgbClr val="000000"/>
-              </a:solidFill>
-              <a:uFill>
-                <a:solidFill>
-                  <a:srgbClr val="FFFFFF"/>
-                </a:solidFill>
-              </a:uFill>
-            </a:endParaRPr>
-          </a:p>
-          <a:p>
-            <a:pPr>
-              <a:lnSpc>
-                <a:spcPct val="100000"/>
-              </a:lnSpc>
-            </a:pPr>
-            <a:r>
-              <a:rPr lang="en-US" sz="900" b="0" strike="noStrike" spc="-1" dirty="0">
-                <a:solidFill>
-                  <a:srgbClr val="292929"/>
-                </a:solidFill>
-                <a:uFill>
-                  <a:solidFill>
-                    <a:srgbClr val="FFFFFF"/>
-                  </a:solidFill>
-                </a:uFill>
-                <a:latin typeface="Calibri"/>
-                <a:ea typeface="Segoe UI"/>
-              </a:rPr>
-              <a:t>}</a:t>
-            </a:r>
-            <a:endParaRPr lang="en-US" spc="-1" dirty="0">
-              <a:solidFill>
-                <a:srgbClr val="000000"/>
-              </a:solidFill>
-              <a:uFill>
-                <a:solidFill>
-                  <a:srgbClr val="FFFFFF"/>
-                </a:solidFill>
-              </a:uFill>
-            </a:endParaRPr>
-          </a:p>
-        </p:txBody>
       </p:sp>
     </p:spTree>
+    <p:extLst>
+      <p:ext uri="{BB962C8B-B14F-4D97-AF65-F5344CB8AC3E}">
+        <p14:creationId xmlns:p14="http://schemas.microsoft.com/office/powerpoint/2010/main" val="1159417392"/>
+      </p:ext>
+    </p:extLst>
   </p:cSld>
   <p:clrMapOvr>
     <a:masterClrMapping/>
@@ -35724,13 +33945,13 @@
       </p:grpSpPr>
       <p:sp>
         <p:nvSpPr>
-          <p:cNvPr id="683" name="CustomShape 1"/>
+          <p:cNvPr id="712" name="CustomShape 1"/>
           <p:cNvSpPr/>
           <p:nvPr/>
         </p:nvSpPr>
         <p:spPr>
           <a:xfrm>
-            <a:off x="1375200" y="276480"/>
+            <a:off x="1375200" y="248126"/>
             <a:ext cx="2894760" cy="263520"/>
           </a:xfrm>
           <a:prstGeom prst="rect">
@@ -35792,7 +34013,7 @@
       </p:sp>
       <p:sp>
         <p:nvSpPr>
-          <p:cNvPr id="684" name="CustomShape 2"/>
+          <p:cNvPr id="713" name="CustomShape 2"/>
           <p:cNvSpPr/>
           <p:nvPr/>
         </p:nvSpPr>
@@ -35842,7 +34063,21 @@
                 </a:uFill>
                 <a:latin typeface="Calibri"/>
               </a:rPr>
-              <a:t>MockenTest</a:t>
+              <a:t>TemporaryFolder</a:t>
+            </a:r>
+            <a:r>
+              <a:rPr lang="en-US" sz="2400" spc="-1" dirty="0" err="1">
+                <a:solidFill>
+                  <a:srgbClr val="004C93"/>
+                </a:solidFill>
+                <a:uFill>
+                  <a:solidFill>
+                    <a:srgbClr val="FFFFFF"/>
+                  </a:solidFill>
+                </a:uFill>
+                <a:latin typeface="Calibri"/>
+              </a:rPr>
+              <a:t>Test</a:t>
             </a:r>
             <a:endParaRPr lang="en-US" sz="1800" b="0" strike="noStrike" spc="-1" dirty="0">
               <a:solidFill>
@@ -35860,120 +34095,14 @@
       </p:sp>
       <p:sp>
         <p:nvSpPr>
-          <p:cNvPr id="686" name="CustomShape 4"/>
+          <p:cNvPr id="714" name="CustomShape 3"/>
           <p:cNvSpPr/>
           <p:nvPr/>
         </p:nvSpPr>
         <p:spPr>
           <a:xfrm>
-            <a:off x="8626680" y="180360"/>
-            <a:ext cx="350280" cy="155160"/>
-          </a:xfrm>
-          <a:prstGeom prst="rect">
-            <a:avLst/>
-          </a:prstGeom>
-          <a:noFill/>
-          <a:ln w="9360">
-            <a:noFill/>
-          </a:ln>
-        </p:spPr>
-        <p:style>
-          <a:lnRef idx="0">
-            <a:scrgbClr r="0" g="0" b="0"/>
-          </a:lnRef>
-          <a:fillRef idx="0">
-            <a:scrgbClr r="0" g="0" b="0"/>
-          </a:fillRef>
-          <a:effectRef idx="0">
-            <a:scrgbClr r="0" g="0" b="0"/>
-          </a:effectRef>
-          <a:fontRef idx="minor"/>
-        </p:style>
-        <p:txBody>
-          <a:bodyPr lIns="0" tIns="0" rIns="0" bIns="0"/>
-          <a:lstStyle/>
-          <a:p>
-            <a:pPr algn="ctr">
-              <a:lnSpc>
-                <a:spcPct val="100000"/>
-              </a:lnSpc>
-            </a:pPr>
-            <a:fld id="{6F82BE0B-28F8-4E8B-89B8-EFA9010AFB71}" type="slidenum">
-              <a:rPr lang="en-US" sz="1000" b="0" strike="noStrike" spc="-1">
-                <a:solidFill>
-                  <a:srgbClr val="51A025"/>
-                </a:solidFill>
-                <a:uFill>
-                  <a:solidFill>
-                    <a:srgbClr val="FFFFFF"/>
-                  </a:solidFill>
-                </a:uFill>
-                <a:latin typeface="Calibri"/>
-              </a:rPr>
-              <a:t>22</a:t>
-            </a:fld>
-            <a:endParaRPr lang="en-US" sz="1800" b="0" strike="noStrike" spc="-1">
-              <a:solidFill>
-                <a:srgbClr val="000000"/>
-              </a:solidFill>
-              <a:uFill>
-                <a:solidFill>
-                  <a:srgbClr val="FFFFFF"/>
-                </a:solidFill>
-              </a:uFill>
-              <a:latin typeface="Arial"/>
-            </a:endParaRPr>
-          </a:p>
-        </p:txBody>
-      </p:sp>
-      <p:sp>
-        <p:nvSpPr>
-          <p:cNvPr id="687" name="CustomShape 5"/>
-          <p:cNvSpPr/>
-          <p:nvPr/>
-        </p:nvSpPr>
-        <p:spPr>
-          <a:xfrm>
-            <a:off x="8047440" y="640800"/>
-            <a:ext cx="751320" cy="373680"/>
-          </a:xfrm>
-          <a:prstGeom prst="rect">
-            <a:avLst/>
-          </a:prstGeom>
-          <a:noFill/>
-          <a:ln>
-            <a:noFill/>
-          </a:ln>
-        </p:spPr>
-        <p:style>
-          <a:lnRef idx="0">
-            <a:scrgbClr r="0" g="0" b="0"/>
-          </a:lnRef>
-          <a:fillRef idx="0">
-            <a:scrgbClr r="0" g="0" b="0"/>
-          </a:fillRef>
-          <a:effectRef idx="0">
-            <a:scrgbClr r="0" g="0" b="0"/>
-          </a:effectRef>
-          <a:fontRef idx="minor"/>
-        </p:style>
-      </p:sp>
-      <p:sp>
-        <p:nvSpPr>
-          <p:cNvPr id="13" name="CustomShape 3">
-            <a:extLst>
-              <a:ext uri="{FF2B5EF4-FFF2-40B4-BE49-F238E27FC236}">
-                <a16:creationId xmlns:a16="http://schemas.microsoft.com/office/drawing/2014/main" id="{B221EEF5-AAAD-4D59-B95D-ED1036C3C678}"/>
-              </a:ext>
-            </a:extLst>
-          </p:cNvPr>
-          <p:cNvSpPr/>
-          <p:nvPr/>
-        </p:nvSpPr>
-        <p:spPr>
-          <a:xfrm>
-            <a:off x="457200" y="1692000"/>
-            <a:ext cx="8207280" cy="3041280"/>
+            <a:off x="457200" y="1483200"/>
+            <a:ext cx="8084288" cy="1557712"/>
           </a:xfrm>
           <a:prstGeom prst="rect">
             <a:avLst/>
@@ -36008,233 +34137,149 @@
               </a:buClr>
             </a:pPr>
             <a:r>
-              <a:rPr lang="en-US" b="0" strike="noStrike" spc="-1" dirty="0">
-                <a:solidFill>
-                  <a:srgbClr val="292929"/>
-                </a:solidFill>
-                <a:uFill>
-                  <a:solidFill>
-                    <a:srgbClr val="FFFFFF"/>
-                  </a:solidFill>
-                </a:uFill>
-                <a:latin typeface="+mj-lt"/>
-              </a:rPr>
-              <a:t>Aufgabe:</a:t>
-            </a:r>
-          </a:p>
-          <a:p>
-            <a:pPr marL="720">
+              <a:rPr lang="en-US" spc="-1" dirty="0" err="1">
+                <a:solidFill>
+                  <a:srgbClr val="292929"/>
+                </a:solidFill>
+                <a:uFill>
+                  <a:solidFill>
+                    <a:srgbClr val="FFFFFF"/>
+                  </a:solidFill>
+                </a:uFill>
+              </a:rPr>
+              <a:t>Lösung</a:t>
+            </a:r>
+            <a:r>
+              <a:rPr lang="en-US" spc="-1" dirty="0">
+                <a:solidFill>
+                  <a:srgbClr val="292929"/>
+                </a:solidFill>
+                <a:uFill>
+                  <a:solidFill>
+                    <a:srgbClr val="FFFFFF"/>
+                  </a:solidFill>
+                </a:uFill>
+              </a:rPr>
+              <a:t>:</a:t>
+            </a:r>
+            <a:endParaRPr lang="en-US" sz="1800" b="0" strike="noStrike" spc="-1" dirty="0">
+              <a:solidFill>
+                <a:srgbClr val="292929"/>
+              </a:solidFill>
+              <a:uFill>
+                <a:solidFill>
+                  <a:srgbClr val="FFFFFF"/>
+                </a:solidFill>
+              </a:uFill>
+              <a:latin typeface="+mj-lt"/>
+            </a:endParaRPr>
+          </a:p>
+        </p:txBody>
+      </p:sp>
+      <p:sp>
+        <p:nvSpPr>
+          <p:cNvPr id="715" name="CustomShape 4"/>
+          <p:cNvSpPr/>
+          <p:nvPr/>
+        </p:nvSpPr>
+        <p:spPr>
+          <a:xfrm>
+            <a:off x="8626680" y="180360"/>
+            <a:ext cx="350280" cy="155160"/>
+          </a:xfrm>
+          <a:prstGeom prst="rect">
+            <a:avLst/>
+          </a:prstGeom>
+          <a:noFill/>
+          <a:ln w="9360">
+            <a:noFill/>
+          </a:ln>
+        </p:spPr>
+        <p:style>
+          <a:lnRef idx="0">
+            <a:scrgbClr r="0" g="0" b="0"/>
+          </a:lnRef>
+          <a:fillRef idx="0">
+            <a:scrgbClr r="0" g="0" b="0"/>
+          </a:fillRef>
+          <a:effectRef idx="0">
+            <a:scrgbClr r="0" g="0" b="0"/>
+          </a:effectRef>
+          <a:fontRef idx="minor"/>
+        </p:style>
+        <p:txBody>
+          <a:bodyPr lIns="0" tIns="0" rIns="0" bIns="0"/>
+          <a:lstStyle/>
+          <a:p>
+            <a:pPr algn="ctr">
               <a:lnSpc>
                 <a:spcPct val="100000"/>
               </a:lnSpc>
-              <a:buClr>
-                <a:srgbClr val="51A025"/>
-              </a:buClr>
             </a:pPr>
-            <a:endParaRPr lang="en-US" b="0" strike="noStrike" spc="-1" dirty="0">
-              <a:solidFill>
-                <a:srgbClr val="000000"/>
-              </a:solidFill>
-              <a:uFill>
-                <a:solidFill>
-                  <a:srgbClr val="FFFFFF"/>
-                </a:solidFill>
-              </a:uFill>
-              <a:latin typeface="+mj-lt"/>
-            </a:endParaRPr>
-          </a:p>
-          <a:p>
-            <a:pPr marL="285840" indent="-285120">
-              <a:lnSpc>
-                <a:spcPct val="100000"/>
-              </a:lnSpc>
-              <a:buClr>
-                <a:srgbClr val="51A025"/>
-              </a:buClr>
-              <a:buFont typeface="Arial"/>
-              <a:buChar char="•"/>
-            </a:pPr>
-            <a:r>
-              <a:rPr lang="en-US" spc="-1" dirty="0" err="1">
-                <a:solidFill>
-                  <a:srgbClr val="292929"/>
-                </a:solidFill>
-                <a:uFill>
-                  <a:solidFill>
-                    <a:srgbClr val="FFFFFF"/>
-                  </a:solidFill>
-                </a:uFill>
-                <a:latin typeface="+mj-lt"/>
-              </a:rPr>
-              <a:t>MockitoExtension</a:t>
-            </a:r>
-            <a:r>
-              <a:rPr lang="en-US" spc="-1" dirty="0">
-                <a:solidFill>
-                  <a:srgbClr val="292929"/>
-                </a:solidFill>
-                <a:uFill>
-                  <a:solidFill>
-                    <a:srgbClr val="FFFFFF"/>
-                  </a:solidFill>
-                </a:uFill>
-                <a:latin typeface="+mj-lt"/>
-              </a:rPr>
-              <a:t> </a:t>
-            </a:r>
-            <a:r>
-              <a:rPr lang="en-US" spc="-1" dirty="0" err="1">
-                <a:solidFill>
-                  <a:srgbClr val="292929"/>
-                </a:solidFill>
-                <a:uFill>
-                  <a:solidFill>
-                    <a:srgbClr val="FFFFFF"/>
-                  </a:solidFill>
-                </a:uFill>
-                <a:latin typeface="+mj-lt"/>
-              </a:rPr>
-              <a:t>schreiben</a:t>
-            </a:r>
-            <a:r>
-              <a:rPr lang="en-US" spc="-1" dirty="0">
-                <a:solidFill>
-                  <a:srgbClr val="292929"/>
-                </a:solidFill>
-                <a:uFill>
-                  <a:solidFill>
-                    <a:srgbClr val="FFFFFF"/>
-                  </a:solidFill>
-                </a:uFill>
-                <a:latin typeface="+mj-lt"/>
-              </a:rPr>
-              <a:t> (</a:t>
-            </a:r>
-            <a:r>
-              <a:rPr lang="en-US" spc="-1" dirty="0" err="1">
-                <a:solidFill>
-                  <a:srgbClr val="292929"/>
-                </a:solidFill>
-                <a:uFill>
-                  <a:solidFill>
-                    <a:srgbClr val="FFFFFF"/>
-                  </a:solidFill>
-                </a:uFill>
-                <a:latin typeface="+mj-lt"/>
-              </a:rPr>
-              <a:t>oder</a:t>
-            </a:r>
-            <a:r>
-              <a:rPr lang="en-US" spc="-1" dirty="0">
-                <a:solidFill>
-                  <a:srgbClr val="292929"/>
-                </a:solidFill>
-                <a:uFill>
-                  <a:solidFill>
-                    <a:srgbClr val="FFFFFF"/>
-                  </a:solidFill>
-                </a:uFill>
-                <a:latin typeface="+mj-lt"/>
-              </a:rPr>
-              <a:t> </a:t>
-            </a:r>
-            <a:r>
-              <a:rPr lang="en-US" spc="-1" dirty="0" err="1">
-                <a:solidFill>
-                  <a:srgbClr val="292929"/>
-                </a:solidFill>
-                <a:uFill>
-                  <a:solidFill>
-                    <a:srgbClr val="FFFFFF"/>
-                  </a:solidFill>
-                </a:uFill>
-                <a:latin typeface="+mj-lt"/>
-              </a:rPr>
-              <a:t>Beispiel</a:t>
-            </a:r>
-            <a:r>
-              <a:rPr lang="en-US" spc="-1" dirty="0">
-                <a:solidFill>
-                  <a:srgbClr val="292929"/>
-                </a:solidFill>
-                <a:uFill>
-                  <a:solidFill>
-                    <a:srgbClr val="FFFFFF"/>
-                  </a:solidFill>
-                </a:uFill>
-                <a:latin typeface="+mj-lt"/>
-              </a:rPr>
-              <a:t>-Extension von JUnit)</a:t>
-            </a:r>
-            <a:endParaRPr lang="en-US" b="0" strike="noStrike" spc="-1" dirty="0">
-              <a:solidFill>
-                <a:srgbClr val="292929"/>
-              </a:solidFill>
-              <a:uFill>
-                <a:solidFill>
-                  <a:srgbClr val="FFFFFF"/>
-                </a:solidFill>
-              </a:uFill>
-              <a:latin typeface="+mj-lt"/>
-            </a:endParaRPr>
-          </a:p>
-          <a:p>
-            <a:pPr marL="285840" indent="-285120">
-              <a:lnSpc>
-                <a:spcPct val="100000"/>
-              </a:lnSpc>
-              <a:buClr>
-                <a:srgbClr val="51A025"/>
-              </a:buClr>
-              <a:buFont typeface="Arial"/>
-              <a:buChar char="•"/>
-            </a:pPr>
-            <a:r>
-              <a:rPr lang="en-US" spc="-1" dirty="0">
-                <a:solidFill>
-                  <a:srgbClr val="292929"/>
-                </a:solidFill>
-                <a:uFill>
-                  <a:solidFill>
-                    <a:srgbClr val="FFFFFF"/>
-                  </a:solidFill>
-                </a:uFill>
-                <a:latin typeface="+mj-lt"/>
-              </a:rPr>
-              <a:t>Extension </a:t>
-            </a:r>
-            <a:r>
-              <a:rPr lang="en-US" spc="-1" dirty="0" err="1">
-                <a:solidFill>
-                  <a:srgbClr val="292929"/>
-                </a:solidFill>
-                <a:uFill>
-                  <a:solidFill>
-                    <a:srgbClr val="FFFFFF"/>
-                  </a:solidFill>
-                </a:uFill>
-                <a:latin typeface="+mj-lt"/>
-              </a:rPr>
-              <a:t>verwenden</a:t>
-            </a:r>
-            <a:endParaRPr lang="en-US" spc="-1" dirty="0">
-              <a:solidFill>
-                <a:srgbClr val="292929"/>
-              </a:solidFill>
-              <a:uFill>
-                <a:solidFill>
-                  <a:srgbClr val="FFFFFF"/>
-                </a:solidFill>
-              </a:uFill>
-              <a:latin typeface="+mj-lt"/>
+            <a:fld id="{4506AA60-E833-4579-A43C-2BB7040D51FC}" type="slidenum">
+              <a:rPr lang="en-US" sz="1000" b="0" strike="noStrike" spc="-1">
+                <a:solidFill>
+                  <a:srgbClr val="51A025"/>
+                </a:solidFill>
+                <a:uFill>
+                  <a:solidFill>
+                    <a:srgbClr val="FFFFFF"/>
+                  </a:solidFill>
+                </a:uFill>
+                <a:latin typeface="Calibri"/>
+              </a:rPr>
+              <a:t>22</a:t>
+            </a:fld>
+            <a:endParaRPr lang="en-US" sz="1800" b="0" strike="noStrike" spc="-1">
+              <a:solidFill>
+                <a:srgbClr val="000000"/>
+              </a:solidFill>
+              <a:uFill>
+                <a:solidFill>
+                  <a:srgbClr val="FFFFFF"/>
+                </a:solidFill>
+              </a:uFill>
+              <a:latin typeface="Arial"/>
             </a:endParaRPr>
           </a:p>
         </p:txBody>
+      </p:sp>
+      <p:sp>
+        <p:nvSpPr>
+          <p:cNvPr id="716" name="CustomShape 5"/>
+          <p:cNvSpPr/>
+          <p:nvPr/>
+        </p:nvSpPr>
+        <p:spPr>
+          <a:xfrm>
+            <a:off x="8047440" y="640800"/>
+            <a:ext cx="751320" cy="373680"/>
+          </a:xfrm>
+          <a:prstGeom prst="rect">
+            <a:avLst/>
+          </a:prstGeom>
+          <a:noFill/>
+          <a:ln>
+            <a:noFill/>
+          </a:ln>
+        </p:spPr>
+        <p:style>
+          <a:lnRef idx="0">
+            <a:scrgbClr r="0" g="0" b="0"/>
+          </a:lnRef>
+          <a:fillRef idx="0">
+            <a:scrgbClr r="0" g="0" b="0"/>
+          </a:fillRef>
+          <a:effectRef idx="0">
+            <a:scrgbClr r="0" g="0" b="0"/>
+          </a:effectRef>
+          <a:fontRef idx="minor"/>
+        </p:style>
       </p:sp>
     </p:spTree>
     <p:extLst>
       <p:ext uri="{BB962C8B-B14F-4D97-AF65-F5344CB8AC3E}">
-        <p14:creationId xmlns:p14="http://schemas.microsoft.com/office/powerpoint/2010/main" val="3990155"/>
+        <p14:creationId xmlns:p14="http://schemas.microsoft.com/office/powerpoint/2010/main" val="2701561706"/>
       </p:ext>
     </p:extLst>
   </p:cSld>
@@ -36290,14 +34335,14 @@
       </p:grpSpPr>
       <p:sp>
         <p:nvSpPr>
-          <p:cNvPr id="683" name="CustomShape 1"/>
+          <p:cNvPr id="690" name="CustomShape 3"/>
           <p:cNvSpPr/>
           <p:nvPr/>
         </p:nvSpPr>
         <p:spPr>
           <a:xfrm>
-            <a:off x="1375200" y="276480"/>
-            <a:ext cx="2894760" cy="263520"/>
+            <a:off x="457200" y="640080"/>
+            <a:ext cx="8207280" cy="783000"/>
           </a:xfrm>
           <a:prstGeom prst="rect">
             <a:avLst/>
@@ -36329,18 +34374,18 @@
               </a:lnSpc>
             </a:pPr>
             <a:r>
-              <a:rPr lang="en-US" sz="1000" b="0" strike="noStrike" spc="-1">
-                <a:solidFill>
-                  <a:srgbClr val="BABABA"/>
-                </a:solidFill>
-                <a:uFill>
-                  <a:solidFill>
-                    <a:srgbClr val="FFFFFF"/>
-                  </a:solidFill>
-                </a:uFill>
-                <a:latin typeface="Calibri"/>
-              </a:rPr>
-              <a:t>Experts in agile software engineering</a:t>
+              <a:rPr lang="en-US" sz="2400" b="0" strike="noStrike" spc="-1">
+                <a:solidFill>
+                  <a:srgbClr val="004C93"/>
+                </a:solidFill>
+                <a:uFill>
+                  <a:solidFill>
+                    <a:srgbClr val="FFFFFF"/>
+                  </a:solidFill>
+                </a:uFill>
+                <a:latin typeface="Calibri"/>
+              </a:rPr>
+              <a:t>Mocken ohne MockitoRunner </a:t>
             </a:r>
             <a:endParaRPr lang="en-US" sz="1800" b="0" strike="noStrike" spc="-1">
               <a:solidFill>
@@ -36358,14 +34403,82 @@
       </p:sp>
       <p:sp>
         <p:nvSpPr>
-          <p:cNvPr id="684" name="CustomShape 2"/>
+          <p:cNvPr id="691" name="CustomShape 4"/>
           <p:cNvSpPr/>
           <p:nvPr/>
         </p:nvSpPr>
         <p:spPr>
           <a:xfrm>
-            <a:off x="457200" y="640080"/>
-            <a:ext cx="6666480" cy="783000"/>
+            <a:off x="8626680" y="180360"/>
+            <a:ext cx="350280" cy="155160"/>
+          </a:xfrm>
+          <a:prstGeom prst="rect">
+            <a:avLst/>
+          </a:prstGeom>
+          <a:noFill/>
+          <a:ln w="9360">
+            <a:noFill/>
+          </a:ln>
+        </p:spPr>
+        <p:style>
+          <a:lnRef idx="0">
+            <a:scrgbClr r="0" g="0" b="0"/>
+          </a:lnRef>
+          <a:fillRef idx="0">
+            <a:scrgbClr r="0" g="0" b="0"/>
+          </a:fillRef>
+          <a:effectRef idx="0">
+            <a:scrgbClr r="0" g="0" b="0"/>
+          </a:effectRef>
+          <a:fontRef idx="minor"/>
+        </p:style>
+        <p:txBody>
+          <a:bodyPr lIns="0" tIns="0" rIns="0" bIns="0"/>
+          <a:lstStyle/>
+          <a:p>
+            <a:pPr algn="ctr">
+              <a:lnSpc>
+                <a:spcPct val="100000"/>
+              </a:lnSpc>
+            </a:pPr>
+            <a:fld id="{29B2A38E-FD1F-404A-B77F-FB5299B00347}" type="slidenum">
+              <a:rPr lang="en-US" sz="1000" b="0" strike="noStrike" spc="-1">
+                <a:solidFill>
+                  <a:srgbClr val="51A025"/>
+                </a:solidFill>
+                <a:uFill>
+                  <a:solidFill>
+                    <a:srgbClr val="FFFFFF"/>
+                  </a:solidFill>
+                </a:uFill>
+                <a:latin typeface="Calibri"/>
+              </a:rPr>
+              <a:t>23</a:t>
+            </a:fld>
+            <a:endParaRPr lang="en-US" sz="1800" b="0" strike="noStrike" spc="-1">
+              <a:solidFill>
+                <a:srgbClr val="000000"/>
+              </a:solidFill>
+              <a:uFill>
+                <a:solidFill>
+                  <a:srgbClr val="FFFFFF"/>
+                </a:solidFill>
+              </a:uFill>
+              <a:latin typeface="Arial"/>
+            </a:endParaRPr>
+          </a:p>
+        </p:txBody>
+      </p:sp>
+      <p:sp>
+        <p:nvSpPr>
+          <p:cNvPr id="692" name="CustomShape 5"/>
+          <p:cNvSpPr/>
+          <p:nvPr/>
+        </p:nvSpPr>
+        <p:spPr>
+          <a:xfrm>
+            <a:off x="1375200" y="276480"/>
+            <a:ext cx="2894760" cy="263520"/>
           </a:xfrm>
           <a:prstGeom prst="rect">
             <a:avLst/>
@@ -36397,20 +34510,20 @@
               </a:lnSpc>
             </a:pPr>
             <a:r>
-              <a:rPr lang="en-US" sz="2400" b="0" strike="noStrike" spc="-1" dirty="0" err="1">
-                <a:solidFill>
-                  <a:srgbClr val="004C93"/>
-                </a:solidFill>
-                <a:uFill>
-                  <a:solidFill>
-                    <a:srgbClr val="FFFFFF"/>
-                  </a:solidFill>
-                </a:uFill>
-                <a:latin typeface="Calibri"/>
-              </a:rPr>
-              <a:t>MockenTest</a:t>
-            </a:r>
-            <a:endParaRPr lang="en-US" sz="1800" b="0" strike="noStrike" spc="-1" dirty="0">
+              <a:rPr lang="en-US" sz="1000" b="0" strike="noStrike" spc="-1">
+                <a:solidFill>
+                  <a:srgbClr val="BABABA"/>
+                </a:solidFill>
+                <a:uFill>
+                  <a:solidFill>
+                    <a:srgbClr val="FFFFFF"/>
+                  </a:solidFill>
+                </a:uFill>
+                <a:latin typeface="Calibri"/>
+              </a:rPr>
+              <a:t>Experts in agile software engineering</a:t>
+            </a:r>
+            <a:endParaRPr lang="en-US" sz="1800" b="0" strike="noStrike" spc="-1">
               <a:solidFill>
                 <a:srgbClr val="000000"/>
               </a:solidFill>
@@ -36426,20 +34539,22 @@
       </p:sp>
       <p:sp>
         <p:nvSpPr>
-          <p:cNvPr id="686" name="CustomShape 4"/>
+          <p:cNvPr id="693" name="CustomShape 6"/>
           <p:cNvSpPr/>
           <p:nvPr/>
         </p:nvSpPr>
         <p:spPr>
           <a:xfrm>
-            <a:off x="8626680" y="180360"/>
-            <a:ext cx="350280" cy="155160"/>
-          </a:xfrm>
-          <a:prstGeom prst="rect">
-            <a:avLst/>
-          </a:prstGeom>
-          <a:noFill/>
-          <a:ln w="9360">
+            <a:off x="457200" y="1250640"/>
+            <a:ext cx="3994920" cy="443880"/>
+          </a:xfrm>
+          <a:prstGeom prst="rect">
+            <a:avLst/>
+          </a:prstGeom>
+          <a:solidFill>
+            <a:srgbClr val="DFDEDE"/>
+          </a:solidFill>
+          <a:ln>
             <a:noFill/>
           </a:ln>
         </p:spPr>
@@ -36456,7 +34571,7 @@
           <a:fontRef idx="minor"/>
         </p:style>
         <p:txBody>
-          <a:bodyPr lIns="0" tIns="0" rIns="0" bIns="0"/>
+          <a:bodyPr lIns="90000" tIns="45000" rIns="90000" bIns="45000" anchor="ctr"/>
           <a:lstStyle/>
           <a:p>
             <a:pPr algn="ctr">
@@ -36464,20 +34579,20 @@
                 <a:spcPct val="100000"/>
               </a:lnSpc>
             </a:pPr>
-            <a:fld id="{6F82BE0B-28F8-4E8B-89B8-EFA9010AFB71}" type="slidenum">
-              <a:rPr lang="en-US" sz="1000" b="0" strike="noStrike" spc="-1">
-                <a:solidFill>
-                  <a:srgbClr val="51A025"/>
-                </a:solidFill>
-                <a:uFill>
-                  <a:solidFill>
-                    <a:srgbClr val="FFFFFF"/>
-                  </a:solidFill>
-                </a:uFill>
-                <a:latin typeface="Calibri"/>
-              </a:rPr>
-              <a:t>23</a:t>
-            </a:fld>
+            <a:r>
+              <a:rPr lang="en-US" sz="1600" b="0" strike="noStrike" spc="-1">
+                <a:solidFill>
+                  <a:srgbClr val="292929"/>
+                </a:solidFill>
+                <a:uFill>
+                  <a:solidFill>
+                    <a:srgbClr val="FFFFFF"/>
+                  </a:solidFill>
+                </a:uFill>
+                <a:latin typeface="Calibri"/>
+              </a:rPr>
+              <a:t>Alt</a:t>
+            </a:r>
             <a:endParaRPr lang="en-US" sz="1800" b="0" strike="noStrike" spc="-1">
               <a:solidFill>
                 <a:srgbClr val="000000"/>
@@ -36494,19 +34609,21 @@
       </p:sp>
       <p:sp>
         <p:nvSpPr>
-          <p:cNvPr id="687" name="CustomShape 5"/>
+          <p:cNvPr id="694" name="CustomShape 7"/>
           <p:cNvSpPr/>
           <p:nvPr/>
         </p:nvSpPr>
         <p:spPr>
           <a:xfrm>
-            <a:off x="8047440" y="640800"/>
-            <a:ext cx="751320" cy="373680"/>
-          </a:xfrm>
-          <a:prstGeom prst="rect">
-            <a:avLst/>
-          </a:prstGeom>
-          <a:noFill/>
+            <a:off x="4669200" y="1252440"/>
+            <a:ext cx="3994920" cy="443880"/>
+          </a:xfrm>
+          <a:prstGeom prst="rect">
+            <a:avLst/>
+          </a:prstGeom>
+          <a:solidFill>
+            <a:srgbClr val="DFDEDE"/>
+          </a:solidFill>
           <a:ln>
             <a:noFill/>
           </a:ln>
@@ -36523,13 +34640,83 @@
           </a:effectRef>
           <a:fontRef idx="minor"/>
         </p:style>
-      </p:sp>
-      <p:sp>
-        <p:nvSpPr>
-          <p:cNvPr id="9" name="CustomShape 3">
+        <p:txBody>
+          <a:bodyPr lIns="90000" tIns="45000" rIns="90000" bIns="45000" anchor="ctr"/>
+          <a:lstStyle/>
+          <a:p>
+            <a:pPr algn="ctr">
+              <a:lnSpc>
+                <a:spcPct val="100000"/>
+              </a:lnSpc>
+            </a:pPr>
+            <a:r>
+              <a:rPr lang="en-US" sz="1600" b="0" strike="noStrike" spc="-1">
+                <a:solidFill>
+                  <a:srgbClr val="292929"/>
+                </a:solidFill>
+                <a:uFill>
+                  <a:solidFill>
+                    <a:srgbClr val="FFFFFF"/>
+                  </a:solidFill>
+                </a:uFill>
+                <a:latin typeface="Calibri"/>
+              </a:rPr>
+              <a:t>Neu</a:t>
+            </a:r>
+            <a:endParaRPr lang="en-US" sz="1800" b="0" strike="noStrike" spc="-1">
+              <a:solidFill>
+                <a:srgbClr val="000000"/>
+              </a:solidFill>
+              <a:uFill>
+                <a:solidFill>
+                  <a:srgbClr val="FFFFFF"/>
+                </a:solidFill>
+              </a:uFill>
+              <a:latin typeface="Arial"/>
+            </a:endParaRPr>
+          </a:p>
+        </p:txBody>
+      </p:sp>
+      <p:sp>
+        <p:nvSpPr>
+          <p:cNvPr id="695" name="Line 8"/>
+          <p:cNvSpPr/>
+          <p:nvPr/>
+        </p:nvSpPr>
+        <p:spPr>
+          <a:xfrm>
+            <a:off x="4560840" y="1518480"/>
+            <a:ext cx="360" cy="3042000"/>
+          </a:xfrm>
+          <a:prstGeom prst="line">
+            <a:avLst/>
+          </a:prstGeom>
+          <a:ln w="25560">
+            <a:solidFill>
+              <a:srgbClr val="004C93"/>
+            </a:solidFill>
+            <a:round/>
+          </a:ln>
+        </p:spPr>
+        <p:style>
+          <a:lnRef idx="0">
+            <a:scrgbClr r="0" g="0" b="0"/>
+          </a:lnRef>
+          <a:fillRef idx="0">
+            <a:scrgbClr r="0" g="0" b="0"/>
+          </a:fillRef>
+          <a:effectRef idx="0">
+            <a:scrgbClr r="0" g="0" b="0"/>
+          </a:effectRef>
+          <a:fontRef idx="minor"/>
+        </p:style>
+      </p:sp>
+      <p:sp>
+        <p:nvSpPr>
+          <p:cNvPr id="10" name="Rechteck 9">
             <a:extLst>
               <a:ext uri="{FF2B5EF4-FFF2-40B4-BE49-F238E27FC236}">
-                <a16:creationId xmlns:a16="http://schemas.microsoft.com/office/drawing/2014/main" id="{EA55C943-3A99-420F-AFAC-38FDA97383E7}"/>
+                <a16:creationId xmlns:a16="http://schemas.microsoft.com/office/drawing/2014/main" id="{4C8BCCB1-63D1-471D-ADB8-D83F45A91C8B}"/>
               </a:ext>
             </a:extLst>
           </p:cNvPr>
@@ -36538,78 +34725,1763 @@
         </p:nvSpPr>
         <p:spPr>
           <a:xfrm>
-            <a:off x="457200" y="1692000"/>
-            <a:ext cx="8207280" cy="3041280"/>
-          </a:xfrm>
-          <a:prstGeom prst="rect">
-            <a:avLst/>
-          </a:prstGeom>
-          <a:noFill/>
+            <a:off x="457200" y="2108393"/>
+            <a:ext cx="3961440" cy="2452087"/>
+          </a:xfrm>
+          <a:prstGeom prst="rect">
+            <a:avLst/>
+          </a:prstGeom>
+          <a:solidFill>
+            <a:schemeClr val="bg1"/>
+          </a:solidFill>
           <a:ln>
-            <a:noFill/>
+            <a:solidFill>
+              <a:schemeClr val="tx1"/>
+            </a:solidFill>
           </a:ln>
         </p:spPr>
         <p:style>
-          <a:lnRef idx="0">
-            <a:scrgbClr r="0" g="0" b="0"/>
+          <a:lnRef idx="2">
+            <a:schemeClr val="accent1">
+              <a:shade val="50000"/>
+            </a:schemeClr>
           </a:lnRef>
-          <a:fillRef idx="0">
-            <a:scrgbClr r="0" g="0" b="0"/>
+          <a:fillRef idx="1">
+            <a:schemeClr val="accent1"/>
           </a:fillRef>
           <a:effectRef idx="0">
-            <a:scrgbClr r="0" g="0" b="0"/>
+            <a:schemeClr val="accent1"/>
           </a:effectRef>
-          <a:fontRef idx="minor"/>
+          <a:fontRef idx="minor">
+            <a:schemeClr val="lt1"/>
+          </a:fontRef>
         </p:style>
         <p:txBody>
-          <a:bodyPr lIns="90000" tIns="45000" rIns="90000" bIns="45000"/>
+          <a:bodyPr rtlCol="0" anchor="ctr"/>
           <a:lstStyle/>
           <a:p>
-            <a:pPr marL="720">
+            <a:pPr>
               <a:lnSpc>
                 <a:spcPct val="100000"/>
               </a:lnSpc>
-              <a:buClr>
-                <a:srgbClr val="51A025"/>
-              </a:buClr>
             </a:pPr>
             <a:r>
-              <a:rPr lang="en-US" b="0" strike="noStrike" spc="-1" dirty="0" err="1">
-                <a:solidFill>
-                  <a:srgbClr val="292929"/>
-                </a:solidFill>
-                <a:uFill>
-                  <a:solidFill>
-                    <a:srgbClr val="FFFFFF"/>
-                  </a:solidFill>
-                </a:uFill>
-                <a:latin typeface="+mj-lt"/>
-              </a:rPr>
-              <a:t>Lösung</a:t>
-            </a:r>
-            <a:r>
-              <a:rPr lang="en-US" b="0" strike="noStrike" spc="-1" dirty="0">
-                <a:solidFill>
-                  <a:srgbClr val="292929"/>
-                </a:solidFill>
-                <a:uFill>
-                  <a:solidFill>
-                    <a:srgbClr val="FFFFFF"/>
-                  </a:solidFill>
-                </a:uFill>
-                <a:latin typeface="+mj-lt"/>
-              </a:rPr>
-              <a:t>:</a:t>
-            </a:r>
+              <a:rPr lang="en-US" sz="900" b="0" strike="noStrike" spc="-1" dirty="0">
+                <a:solidFill>
+                  <a:srgbClr val="292929"/>
+                </a:solidFill>
+                <a:uFill>
+                  <a:solidFill>
+                    <a:srgbClr val="FFFFFF"/>
+                  </a:solidFill>
+                </a:uFill>
+                <a:latin typeface="Calibri"/>
+                <a:ea typeface="Segoe UI"/>
+              </a:rPr>
+              <a:t>@</a:t>
+            </a:r>
+            <a:r>
+              <a:rPr lang="en-US" sz="900" b="0" strike="noStrike" spc="-1" dirty="0" err="1">
+                <a:solidFill>
+                  <a:srgbClr val="292929"/>
+                </a:solidFill>
+                <a:uFill>
+                  <a:solidFill>
+                    <a:srgbClr val="FFFFFF"/>
+                  </a:solidFill>
+                </a:uFill>
+                <a:latin typeface="Calibri"/>
+                <a:ea typeface="Segoe UI"/>
+              </a:rPr>
+              <a:t>RunWith</a:t>
+            </a:r>
+            <a:r>
+              <a:rPr lang="en-US" sz="900" b="0" strike="noStrike" spc="-1" dirty="0">
+                <a:solidFill>
+                  <a:srgbClr val="292929"/>
+                </a:solidFill>
+                <a:uFill>
+                  <a:solidFill>
+                    <a:srgbClr val="FFFFFF"/>
+                  </a:solidFill>
+                </a:uFill>
+                <a:latin typeface="Calibri"/>
+                <a:ea typeface="Segoe UI"/>
+              </a:rPr>
+              <a:t>(</a:t>
+            </a:r>
+            <a:r>
+              <a:rPr lang="en-US" sz="900" b="0" strike="noStrike" spc="-1" dirty="0" err="1">
+                <a:solidFill>
+                  <a:srgbClr val="292929"/>
+                </a:solidFill>
+                <a:uFill>
+                  <a:solidFill>
+                    <a:srgbClr val="FFFFFF"/>
+                  </a:solidFill>
+                </a:uFill>
+                <a:latin typeface="Calibri"/>
+                <a:ea typeface="Segoe UI"/>
+              </a:rPr>
+              <a:t>MockitoJUnitRunner.class</a:t>
+            </a:r>
+            <a:r>
+              <a:rPr lang="en-US" sz="900" b="0" strike="noStrike" spc="-1" dirty="0">
+                <a:solidFill>
+                  <a:srgbClr val="292929"/>
+                </a:solidFill>
+                <a:uFill>
+                  <a:solidFill>
+                    <a:srgbClr val="FFFFFF"/>
+                  </a:solidFill>
+                </a:uFill>
+                <a:latin typeface="Calibri"/>
+                <a:ea typeface="Segoe UI"/>
+              </a:rPr>
+              <a:t>)</a:t>
+            </a:r>
+            <a:endParaRPr lang="en-US" spc="-1" dirty="0">
+              <a:solidFill>
+                <a:srgbClr val="000000"/>
+              </a:solidFill>
+              <a:uFill>
+                <a:solidFill>
+                  <a:srgbClr val="FFFFFF"/>
+                </a:solidFill>
+              </a:uFill>
+            </a:endParaRPr>
+          </a:p>
+          <a:p>
+            <a:pPr>
+              <a:lnSpc>
+                <a:spcPct val="100000"/>
+              </a:lnSpc>
+            </a:pPr>
+            <a:r>
+              <a:rPr lang="en-US" sz="900" b="0" strike="noStrike" spc="-1" dirty="0">
+                <a:solidFill>
+                  <a:srgbClr val="292929"/>
+                </a:solidFill>
+                <a:uFill>
+                  <a:solidFill>
+                    <a:srgbClr val="FFFFFF"/>
+                  </a:solidFill>
+                </a:uFill>
+                <a:latin typeface="Calibri"/>
+                <a:ea typeface="Segoe UI"/>
+              </a:rPr>
+              <a:t>public class </a:t>
+            </a:r>
+            <a:r>
+              <a:rPr lang="en-US" sz="900" b="0" strike="noStrike" spc="-1" dirty="0" err="1">
+                <a:solidFill>
+                  <a:srgbClr val="292929"/>
+                </a:solidFill>
+                <a:uFill>
+                  <a:solidFill>
+                    <a:srgbClr val="FFFFFF"/>
+                  </a:solidFill>
+                </a:uFill>
+                <a:latin typeface="Calibri"/>
+                <a:ea typeface="Segoe UI"/>
+              </a:rPr>
+              <a:t>MockenTest</a:t>
+            </a:r>
+            <a:r>
+              <a:rPr lang="en-US" sz="900" b="0" strike="noStrike" spc="-1" dirty="0">
+                <a:solidFill>
+                  <a:srgbClr val="292929"/>
+                </a:solidFill>
+                <a:uFill>
+                  <a:solidFill>
+                    <a:srgbClr val="FFFFFF"/>
+                  </a:solidFill>
+                </a:uFill>
+                <a:latin typeface="Calibri"/>
+                <a:ea typeface="Segoe UI"/>
+              </a:rPr>
+              <a:t> {</a:t>
+            </a:r>
+            <a:endParaRPr lang="en-US" spc="-1" dirty="0">
+              <a:solidFill>
+                <a:srgbClr val="000000"/>
+              </a:solidFill>
+              <a:uFill>
+                <a:solidFill>
+                  <a:srgbClr val="FFFFFF"/>
+                </a:solidFill>
+              </a:uFill>
+            </a:endParaRPr>
+          </a:p>
+          <a:p>
+            <a:pPr>
+              <a:lnSpc>
+                <a:spcPct val="100000"/>
+              </a:lnSpc>
+            </a:pPr>
+            <a:r>
+              <a:rPr lang="en-US" sz="900" spc="-1" dirty="0">
+                <a:solidFill>
+                  <a:srgbClr val="292929"/>
+                </a:solidFill>
+                <a:uFill>
+                  <a:solidFill>
+                    <a:srgbClr val="FFFFFF"/>
+                  </a:solidFill>
+                </a:uFill>
+                <a:latin typeface="Calibri"/>
+                <a:ea typeface="Segoe UI"/>
+              </a:rPr>
+              <a:t>     </a:t>
+            </a:r>
+            <a:r>
+              <a:rPr lang="en-US" sz="900" b="0" strike="noStrike" spc="-1" dirty="0">
+                <a:solidFill>
+                  <a:srgbClr val="292929"/>
+                </a:solidFill>
+                <a:uFill>
+                  <a:solidFill>
+                    <a:srgbClr val="FFFFFF"/>
+                  </a:solidFill>
+                </a:uFill>
+                <a:latin typeface="Calibri"/>
+                <a:ea typeface="Segoe UI"/>
+              </a:rPr>
+              <a:t>@Mock</a:t>
+            </a:r>
+            <a:endParaRPr lang="en-US" spc="-1" dirty="0">
+              <a:solidFill>
+                <a:srgbClr val="000000"/>
+              </a:solidFill>
+              <a:uFill>
+                <a:solidFill>
+                  <a:srgbClr val="FFFFFF"/>
+                </a:solidFill>
+              </a:uFill>
+            </a:endParaRPr>
+          </a:p>
+          <a:p>
+            <a:pPr>
+              <a:lnSpc>
+                <a:spcPct val="100000"/>
+              </a:lnSpc>
+            </a:pPr>
+            <a:r>
+              <a:rPr lang="en-US" sz="900" b="0" strike="noStrike" spc="-1" dirty="0">
+                <a:solidFill>
+                  <a:srgbClr val="292929"/>
+                </a:solidFill>
+                <a:uFill>
+                  <a:solidFill>
+                    <a:srgbClr val="FFFFFF"/>
+                  </a:solidFill>
+                </a:uFill>
+                <a:latin typeface="Calibri"/>
+                <a:ea typeface="Segoe UI"/>
+              </a:rPr>
+              <a:t>      private </a:t>
+            </a:r>
+            <a:r>
+              <a:rPr lang="en-US" sz="900" b="0" strike="noStrike" spc="-1" dirty="0" err="1">
+                <a:solidFill>
+                  <a:srgbClr val="292929"/>
+                </a:solidFill>
+                <a:uFill>
+                  <a:solidFill>
+                    <a:srgbClr val="FFFFFF"/>
+                  </a:solidFill>
+                </a:uFill>
+                <a:latin typeface="Calibri"/>
+                <a:ea typeface="Segoe UI"/>
+              </a:rPr>
+              <a:t>MockKlasse</a:t>
+            </a:r>
+            <a:r>
+              <a:rPr lang="en-US" sz="900" b="0" strike="noStrike" spc="-1" dirty="0">
+                <a:solidFill>
+                  <a:srgbClr val="292929"/>
+                </a:solidFill>
+                <a:uFill>
+                  <a:solidFill>
+                    <a:srgbClr val="FFFFFF"/>
+                  </a:solidFill>
+                </a:uFill>
+                <a:latin typeface="Calibri"/>
+                <a:ea typeface="Segoe UI"/>
+              </a:rPr>
+              <a:t> mocked;</a:t>
+            </a:r>
+            <a:endParaRPr lang="en-US" spc="-1" dirty="0">
+              <a:solidFill>
+                <a:srgbClr val="000000"/>
+              </a:solidFill>
+              <a:uFill>
+                <a:solidFill>
+                  <a:srgbClr val="FFFFFF"/>
+                </a:solidFill>
+              </a:uFill>
+            </a:endParaRPr>
+          </a:p>
+          <a:p>
+            <a:pPr>
+              <a:lnSpc>
+                <a:spcPct val="100000"/>
+              </a:lnSpc>
+            </a:pPr>
+            <a:endParaRPr lang="en-US" sz="800" spc="-1" dirty="0">
+              <a:solidFill>
+                <a:srgbClr val="000000"/>
+              </a:solidFill>
+              <a:uFill>
+                <a:solidFill>
+                  <a:srgbClr val="FFFFFF"/>
+                </a:solidFill>
+              </a:uFill>
+            </a:endParaRPr>
+          </a:p>
+          <a:p>
+            <a:pPr>
+              <a:lnSpc>
+                <a:spcPct val="100000"/>
+              </a:lnSpc>
+            </a:pPr>
+            <a:r>
+              <a:rPr lang="en-US" sz="900" b="0" strike="noStrike" spc="-1" dirty="0">
+                <a:solidFill>
+                  <a:srgbClr val="292929"/>
+                </a:solidFill>
+                <a:uFill>
+                  <a:solidFill>
+                    <a:srgbClr val="FFFFFF"/>
+                  </a:solidFill>
+                </a:uFill>
+                <a:latin typeface="Calibri"/>
+                <a:ea typeface="Segoe UI"/>
+              </a:rPr>
+              <a:t>      private </a:t>
+            </a:r>
+            <a:r>
+              <a:rPr lang="en-US" sz="900" b="0" strike="noStrike" spc="-1" dirty="0" err="1">
+                <a:solidFill>
+                  <a:srgbClr val="292929"/>
+                </a:solidFill>
+                <a:uFill>
+                  <a:solidFill>
+                    <a:srgbClr val="FFFFFF"/>
+                  </a:solidFill>
+                </a:uFill>
+                <a:latin typeface="Calibri"/>
+                <a:ea typeface="Segoe UI"/>
+              </a:rPr>
+              <a:t>TestKlasse</a:t>
+            </a:r>
+            <a:r>
+              <a:rPr lang="en-US" sz="900" b="0" strike="noStrike" spc="-1" dirty="0">
+                <a:solidFill>
+                  <a:srgbClr val="292929"/>
+                </a:solidFill>
+                <a:uFill>
+                  <a:solidFill>
+                    <a:srgbClr val="FFFFFF"/>
+                  </a:solidFill>
+                </a:uFill>
+                <a:latin typeface="Calibri"/>
+                <a:ea typeface="Segoe UI"/>
+              </a:rPr>
+              <a:t> </a:t>
+            </a:r>
+            <a:r>
+              <a:rPr lang="en-US" sz="900" b="0" strike="noStrike" spc="-1" dirty="0" err="1">
+                <a:solidFill>
+                  <a:srgbClr val="292929"/>
+                </a:solidFill>
+                <a:uFill>
+                  <a:solidFill>
+                    <a:srgbClr val="FFFFFF"/>
+                  </a:solidFill>
+                </a:uFill>
+                <a:latin typeface="Calibri"/>
+                <a:ea typeface="Segoe UI"/>
+              </a:rPr>
+              <a:t>underTest</a:t>
+            </a:r>
+            <a:r>
+              <a:rPr lang="en-US" sz="900" b="0" strike="noStrike" spc="-1" dirty="0">
+                <a:solidFill>
+                  <a:srgbClr val="292929"/>
+                </a:solidFill>
+                <a:uFill>
+                  <a:solidFill>
+                    <a:srgbClr val="FFFFFF"/>
+                  </a:solidFill>
+                </a:uFill>
+                <a:latin typeface="Calibri"/>
+                <a:ea typeface="Segoe UI"/>
+              </a:rPr>
+              <a:t>;</a:t>
+            </a:r>
+            <a:endParaRPr lang="en-US" spc="-1" dirty="0">
+              <a:solidFill>
+                <a:srgbClr val="000000"/>
+              </a:solidFill>
+              <a:uFill>
+                <a:solidFill>
+                  <a:srgbClr val="FFFFFF"/>
+                </a:solidFill>
+              </a:uFill>
+            </a:endParaRPr>
+          </a:p>
+          <a:p>
+            <a:pPr>
+              <a:lnSpc>
+                <a:spcPct val="100000"/>
+              </a:lnSpc>
+            </a:pPr>
+            <a:endParaRPr lang="en-US" sz="800" spc="-1" dirty="0">
+              <a:solidFill>
+                <a:srgbClr val="000000"/>
+              </a:solidFill>
+              <a:uFill>
+                <a:solidFill>
+                  <a:srgbClr val="FFFFFF"/>
+                </a:solidFill>
+              </a:uFill>
+            </a:endParaRPr>
+          </a:p>
+          <a:p>
+            <a:pPr>
+              <a:lnSpc>
+                <a:spcPct val="100000"/>
+              </a:lnSpc>
+            </a:pPr>
+            <a:r>
+              <a:rPr lang="en-US" sz="900" b="0" strike="noStrike" spc="-1" dirty="0">
+                <a:solidFill>
+                  <a:srgbClr val="292929"/>
+                </a:solidFill>
+                <a:uFill>
+                  <a:solidFill>
+                    <a:srgbClr val="FFFFFF"/>
+                  </a:solidFill>
+                </a:uFill>
+                <a:latin typeface="Calibri"/>
+                <a:ea typeface="Segoe UI"/>
+              </a:rPr>
+              <a:t>     @Before</a:t>
+            </a:r>
+            <a:endParaRPr lang="en-US" spc="-1" dirty="0">
+              <a:solidFill>
+                <a:srgbClr val="000000"/>
+              </a:solidFill>
+              <a:uFill>
+                <a:solidFill>
+                  <a:srgbClr val="FFFFFF"/>
+                </a:solidFill>
+              </a:uFill>
+            </a:endParaRPr>
+          </a:p>
+          <a:p>
+            <a:pPr>
+              <a:lnSpc>
+                <a:spcPct val="100000"/>
+              </a:lnSpc>
+            </a:pPr>
+            <a:r>
+              <a:rPr lang="en-US" sz="900" b="0" strike="noStrike" spc="-1" dirty="0">
+                <a:solidFill>
+                  <a:srgbClr val="292929"/>
+                </a:solidFill>
+                <a:uFill>
+                  <a:solidFill>
+                    <a:srgbClr val="FFFFFF"/>
+                  </a:solidFill>
+                </a:uFill>
+                <a:latin typeface="Calibri"/>
+                <a:ea typeface="Segoe UI"/>
+              </a:rPr>
+              <a:t>      public void </a:t>
+            </a:r>
+            <a:r>
+              <a:rPr lang="en-US" sz="900" b="0" strike="noStrike" spc="-1" dirty="0" err="1">
+                <a:solidFill>
+                  <a:srgbClr val="292929"/>
+                </a:solidFill>
+                <a:uFill>
+                  <a:solidFill>
+                    <a:srgbClr val="FFFFFF"/>
+                  </a:solidFill>
+                </a:uFill>
+                <a:latin typeface="Calibri"/>
+                <a:ea typeface="Segoe UI"/>
+              </a:rPr>
+              <a:t>setUp</a:t>
+            </a:r>
+            <a:r>
+              <a:rPr lang="en-US" sz="900" b="0" strike="noStrike" spc="-1" dirty="0">
+                <a:solidFill>
+                  <a:srgbClr val="292929"/>
+                </a:solidFill>
+                <a:uFill>
+                  <a:solidFill>
+                    <a:srgbClr val="FFFFFF"/>
+                  </a:solidFill>
+                </a:uFill>
+                <a:latin typeface="Calibri"/>
+                <a:ea typeface="Segoe UI"/>
+              </a:rPr>
+              <a:t>(){</a:t>
+            </a:r>
+            <a:endParaRPr lang="en-US" spc="-1" dirty="0">
+              <a:solidFill>
+                <a:srgbClr val="000000"/>
+              </a:solidFill>
+              <a:uFill>
+                <a:solidFill>
+                  <a:srgbClr val="FFFFFF"/>
+                </a:solidFill>
+              </a:uFill>
+            </a:endParaRPr>
+          </a:p>
+          <a:p>
+            <a:pPr>
+              <a:lnSpc>
+                <a:spcPct val="100000"/>
+              </a:lnSpc>
+            </a:pPr>
+            <a:r>
+              <a:rPr lang="en-US" sz="900" b="0" strike="noStrike" spc="-1" dirty="0">
+                <a:solidFill>
+                  <a:srgbClr val="292929"/>
+                </a:solidFill>
+                <a:uFill>
+                  <a:solidFill>
+                    <a:srgbClr val="FFFFFF"/>
+                  </a:solidFill>
+                </a:uFill>
+                <a:latin typeface="Calibri"/>
+                <a:ea typeface="Segoe UI"/>
+              </a:rPr>
+              <a:t>             when(</a:t>
+            </a:r>
+            <a:r>
+              <a:rPr lang="en-US" sz="900" b="0" strike="noStrike" spc="-1" dirty="0" err="1">
+                <a:solidFill>
+                  <a:srgbClr val="292929"/>
+                </a:solidFill>
+                <a:uFill>
+                  <a:solidFill>
+                    <a:srgbClr val="FFFFFF"/>
+                  </a:solidFill>
+                </a:uFill>
+                <a:latin typeface="Calibri"/>
+                <a:ea typeface="Segoe UI"/>
+              </a:rPr>
+              <a:t>mocked.call</a:t>
+            </a:r>
+            <a:r>
+              <a:rPr lang="en-US" sz="900" b="0" strike="noStrike" spc="-1" dirty="0">
+                <a:solidFill>
+                  <a:srgbClr val="292929"/>
+                </a:solidFill>
+                <a:uFill>
+                  <a:solidFill>
+                    <a:srgbClr val="FFFFFF"/>
+                  </a:solidFill>
+                </a:uFill>
+                <a:latin typeface="Calibri"/>
+                <a:ea typeface="Segoe UI"/>
+              </a:rPr>
+              <a:t>()).</a:t>
+            </a:r>
+            <a:r>
+              <a:rPr lang="en-US" sz="900" b="0" strike="noStrike" spc="-1" dirty="0" err="1">
+                <a:solidFill>
+                  <a:srgbClr val="292929"/>
+                </a:solidFill>
+                <a:uFill>
+                  <a:solidFill>
+                    <a:srgbClr val="FFFFFF"/>
+                  </a:solidFill>
+                </a:uFill>
+                <a:latin typeface="Calibri"/>
+                <a:ea typeface="Segoe UI"/>
+              </a:rPr>
+              <a:t>thenReturn</a:t>
+            </a:r>
+            <a:r>
+              <a:rPr lang="en-US" sz="900" b="0" strike="noStrike" spc="-1" dirty="0">
+                <a:solidFill>
+                  <a:srgbClr val="292929"/>
+                </a:solidFill>
+                <a:uFill>
+                  <a:solidFill>
+                    <a:srgbClr val="FFFFFF"/>
+                  </a:solidFill>
+                </a:uFill>
+                <a:latin typeface="Calibri"/>
+                <a:ea typeface="Segoe UI"/>
+              </a:rPr>
+              <a:t>(true);</a:t>
+            </a:r>
+            <a:endParaRPr lang="en-US" spc="-1" dirty="0">
+              <a:solidFill>
+                <a:srgbClr val="000000"/>
+              </a:solidFill>
+              <a:uFill>
+                <a:solidFill>
+                  <a:srgbClr val="FFFFFF"/>
+                </a:solidFill>
+              </a:uFill>
+            </a:endParaRPr>
+          </a:p>
+          <a:p>
+            <a:pPr>
+              <a:lnSpc>
+                <a:spcPct val="100000"/>
+              </a:lnSpc>
+            </a:pPr>
+            <a:r>
+              <a:rPr lang="en-US" sz="900" b="0" strike="noStrike" spc="-1" dirty="0">
+                <a:solidFill>
+                  <a:srgbClr val="292929"/>
+                </a:solidFill>
+                <a:uFill>
+                  <a:solidFill>
+                    <a:srgbClr val="FFFFFF"/>
+                  </a:solidFill>
+                </a:uFill>
+                <a:latin typeface="Calibri"/>
+                <a:ea typeface="Segoe UI"/>
+              </a:rPr>
+              <a:t>      }</a:t>
+            </a:r>
+            <a:endParaRPr lang="en-US" spc="-1" dirty="0">
+              <a:solidFill>
+                <a:srgbClr val="000000"/>
+              </a:solidFill>
+              <a:uFill>
+                <a:solidFill>
+                  <a:srgbClr val="FFFFFF"/>
+                </a:solidFill>
+              </a:uFill>
+            </a:endParaRPr>
+          </a:p>
+          <a:p>
+            <a:pPr>
+              <a:lnSpc>
+                <a:spcPct val="100000"/>
+              </a:lnSpc>
+            </a:pPr>
+            <a:endParaRPr lang="en-US" sz="800" spc="-1" dirty="0">
+              <a:solidFill>
+                <a:srgbClr val="000000"/>
+              </a:solidFill>
+              <a:uFill>
+                <a:solidFill>
+                  <a:srgbClr val="FFFFFF"/>
+                </a:solidFill>
+              </a:uFill>
+            </a:endParaRPr>
+          </a:p>
+          <a:p>
+            <a:pPr>
+              <a:lnSpc>
+                <a:spcPct val="100000"/>
+              </a:lnSpc>
+            </a:pPr>
+            <a:r>
+              <a:rPr lang="en-US" sz="900" b="0" strike="noStrike" spc="-1" dirty="0">
+                <a:solidFill>
+                  <a:srgbClr val="292929"/>
+                </a:solidFill>
+                <a:uFill>
+                  <a:solidFill>
+                    <a:srgbClr val="FFFFFF"/>
+                  </a:solidFill>
+                </a:uFill>
+                <a:latin typeface="Calibri"/>
+                <a:ea typeface="Segoe UI"/>
+              </a:rPr>
+              <a:t>     @Test</a:t>
+            </a:r>
+            <a:endParaRPr lang="en-US" spc="-1" dirty="0">
+              <a:solidFill>
+                <a:srgbClr val="000000"/>
+              </a:solidFill>
+              <a:uFill>
+                <a:solidFill>
+                  <a:srgbClr val="FFFFFF"/>
+                </a:solidFill>
+              </a:uFill>
+            </a:endParaRPr>
+          </a:p>
+          <a:p>
+            <a:pPr>
+              <a:lnSpc>
+                <a:spcPct val="100000"/>
+              </a:lnSpc>
+            </a:pPr>
+            <a:r>
+              <a:rPr lang="en-US" sz="900" b="0" strike="noStrike" spc="-1" dirty="0">
+                <a:solidFill>
+                  <a:srgbClr val="292929"/>
+                </a:solidFill>
+                <a:uFill>
+                  <a:solidFill>
+                    <a:srgbClr val="FFFFFF"/>
+                  </a:solidFill>
+                </a:uFill>
+                <a:latin typeface="Calibri"/>
+                <a:ea typeface="Segoe UI"/>
+              </a:rPr>
+              <a:t>      public void test() {</a:t>
+            </a:r>
+            <a:endParaRPr lang="en-US" spc="-1" dirty="0">
+              <a:solidFill>
+                <a:srgbClr val="000000"/>
+              </a:solidFill>
+              <a:uFill>
+                <a:solidFill>
+                  <a:srgbClr val="FFFFFF"/>
+                </a:solidFill>
+              </a:uFill>
+            </a:endParaRPr>
+          </a:p>
+          <a:p>
+            <a:pPr>
+              <a:lnSpc>
+                <a:spcPct val="100000"/>
+              </a:lnSpc>
+            </a:pPr>
+            <a:r>
+              <a:rPr lang="en-US" sz="900" b="0" strike="noStrike" spc="-1" dirty="0">
+                <a:solidFill>
+                  <a:srgbClr val="292929"/>
+                </a:solidFill>
+                <a:uFill>
+                  <a:solidFill>
+                    <a:srgbClr val="FFFFFF"/>
+                  </a:solidFill>
+                </a:uFill>
+                <a:latin typeface="Calibri"/>
+                <a:ea typeface="Segoe UI"/>
+              </a:rPr>
+              <a:t>              </a:t>
+            </a:r>
+            <a:r>
+              <a:rPr lang="en-US" sz="900" b="0" strike="noStrike" spc="-1" dirty="0" err="1">
+                <a:solidFill>
+                  <a:srgbClr val="292929"/>
+                </a:solidFill>
+                <a:uFill>
+                  <a:solidFill>
+                    <a:srgbClr val="FFFFFF"/>
+                  </a:solidFill>
+                </a:uFill>
+                <a:latin typeface="Calibri"/>
+                <a:ea typeface="Segoe UI"/>
+              </a:rPr>
+              <a:t>undertest.machIrgendwas</a:t>
+            </a:r>
+            <a:r>
+              <a:rPr lang="en-US" sz="900" b="0" strike="noStrike" spc="-1" dirty="0">
+                <a:solidFill>
+                  <a:srgbClr val="292929"/>
+                </a:solidFill>
+                <a:uFill>
+                  <a:solidFill>
+                    <a:srgbClr val="FFFFFF"/>
+                  </a:solidFill>
+                </a:uFill>
+                <a:latin typeface="Calibri"/>
+                <a:ea typeface="Segoe UI"/>
+              </a:rPr>
+              <a:t>(mocked);</a:t>
+            </a:r>
+            <a:endParaRPr lang="en-US" spc="-1" dirty="0">
+              <a:solidFill>
+                <a:srgbClr val="000000"/>
+              </a:solidFill>
+              <a:uFill>
+                <a:solidFill>
+                  <a:srgbClr val="FFFFFF"/>
+                </a:solidFill>
+              </a:uFill>
+            </a:endParaRPr>
+          </a:p>
+          <a:p>
+            <a:pPr>
+              <a:lnSpc>
+                <a:spcPct val="100000"/>
+              </a:lnSpc>
+            </a:pPr>
+            <a:r>
+              <a:rPr lang="en-US" sz="900" spc="-1" dirty="0">
+                <a:solidFill>
+                  <a:srgbClr val="292929"/>
+                </a:solidFill>
+                <a:uFill>
+                  <a:solidFill>
+                    <a:srgbClr val="FFFFFF"/>
+                  </a:solidFill>
+                </a:uFill>
+                <a:latin typeface="Calibri"/>
+                <a:ea typeface="Segoe UI"/>
+              </a:rPr>
+              <a:t>      </a:t>
+            </a:r>
+            <a:r>
+              <a:rPr lang="en-US" sz="900" b="0" strike="noStrike" spc="-1" dirty="0">
+                <a:solidFill>
+                  <a:srgbClr val="292929"/>
+                </a:solidFill>
+                <a:uFill>
+                  <a:solidFill>
+                    <a:srgbClr val="FFFFFF"/>
+                  </a:solidFill>
+                </a:uFill>
+                <a:latin typeface="Calibri"/>
+                <a:ea typeface="Segoe UI"/>
+              </a:rPr>
+              <a:t>}</a:t>
+            </a:r>
+            <a:endParaRPr lang="en-US" spc="-1" dirty="0">
+              <a:solidFill>
+                <a:srgbClr val="000000"/>
+              </a:solidFill>
+              <a:uFill>
+                <a:solidFill>
+                  <a:srgbClr val="FFFFFF"/>
+                </a:solidFill>
+              </a:uFill>
+            </a:endParaRPr>
+          </a:p>
+          <a:p>
+            <a:pPr>
+              <a:lnSpc>
+                <a:spcPct val="100000"/>
+              </a:lnSpc>
+            </a:pPr>
+            <a:r>
+              <a:rPr lang="en-US" sz="900" b="0" strike="noStrike" spc="-1" dirty="0">
+                <a:solidFill>
+                  <a:srgbClr val="292929"/>
+                </a:solidFill>
+                <a:uFill>
+                  <a:solidFill>
+                    <a:srgbClr val="FFFFFF"/>
+                  </a:solidFill>
+                </a:uFill>
+                <a:latin typeface="Calibri"/>
+                <a:ea typeface="Segoe UI"/>
+              </a:rPr>
+              <a:t>}</a:t>
+            </a:r>
+            <a:endParaRPr lang="en-US" spc="-1" dirty="0">
+              <a:solidFill>
+                <a:srgbClr val="000000"/>
+              </a:solidFill>
+              <a:uFill>
+                <a:solidFill>
+                  <a:srgbClr val="FFFFFF"/>
+                </a:solidFill>
+              </a:uFill>
+            </a:endParaRPr>
+          </a:p>
+          <a:p>
+            <a:pPr>
+              <a:lnSpc>
+                <a:spcPct val="100000"/>
+              </a:lnSpc>
+            </a:pPr>
+            <a:endParaRPr lang="en-US" sz="900" spc="-1" dirty="0">
+              <a:solidFill>
+                <a:srgbClr val="000000"/>
+              </a:solidFill>
+              <a:uFill>
+                <a:solidFill>
+                  <a:srgbClr val="FFFFFF"/>
+                </a:solidFill>
+              </a:uFill>
+            </a:endParaRPr>
           </a:p>
         </p:txBody>
       </p:sp>
+      <p:sp>
+        <p:nvSpPr>
+          <p:cNvPr id="11" name="Rechteck 10">
+            <a:extLst>
+              <a:ext uri="{FF2B5EF4-FFF2-40B4-BE49-F238E27FC236}">
+                <a16:creationId xmlns:a16="http://schemas.microsoft.com/office/drawing/2014/main" id="{4460BE3B-AD51-4220-9BD5-50A08CBDBAB3}"/>
+              </a:ext>
+            </a:extLst>
+          </p:cNvPr>
+          <p:cNvSpPr/>
+          <p:nvPr/>
+        </p:nvSpPr>
+        <p:spPr>
+          <a:xfrm>
+            <a:off x="4685940" y="2108393"/>
+            <a:ext cx="3961440" cy="2452087"/>
+          </a:xfrm>
+          <a:prstGeom prst="rect">
+            <a:avLst/>
+          </a:prstGeom>
+          <a:solidFill>
+            <a:schemeClr val="bg1"/>
+          </a:solidFill>
+          <a:ln>
+            <a:solidFill>
+              <a:schemeClr val="tx1"/>
+            </a:solidFill>
+          </a:ln>
+        </p:spPr>
+        <p:style>
+          <a:lnRef idx="2">
+            <a:schemeClr val="accent1">
+              <a:shade val="50000"/>
+            </a:schemeClr>
+          </a:lnRef>
+          <a:fillRef idx="1">
+            <a:schemeClr val="accent1"/>
+          </a:fillRef>
+          <a:effectRef idx="0">
+            <a:schemeClr val="accent1"/>
+          </a:effectRef>
+          <a:fontRef idx="minor">
+            <a:schemeClr val="lt1"/>
+          </a:fontRef>
+        </p:style>
+        <p:txBody>
+          <a:bodyPr rtlCol="0" anchor="ctr"/>
+          <a:lstStyle/>
+          <a:p>
+            <a:pPr>
+              <a:lnSpc>
+                <a:spcPct val="100000"/>
+              </a:lnSpc>
+            </a:pPr>
+            <a:r>
+              <a:rPr lang="en-US" sz="900" b="0" strike="noStrike" spc="-1" dirty="0">
+                <a:solidFill>
+                  <a:srgbClr val="292929"/>
+                </a:solidFill>
+                <a:uFill>
+                  <a:solidFill>
+                    <a:srgbClr val="FFFFFF"/>
+                  </a:solidFill>
+                </a:uFill>
+                <a:latin typeface="Calibri"/>
+                <a:ea typeface="Segoe UI"/>
+              </a:rPr>
+              <a:t>@</a:t>
+            </a:r>
+            <a:r>
+              <a:rPr lang="en-US" sz="900" b="0" strike="noStrike" spc="-1" dirty="0" err="1">
+                <a:solidFill>
+                  <a:srgbClr val="292929"/>
+                </a:solidFill>
+                <a:uFill>
+                  <a:solidFill>
+                    <a:srgbClr val="FFFFFF"/>
+                  </a:solidFill>
+                </a:uFill>
+                <a:latin typeface="Calibri"/>
+                <a:ea typeface="Segoe UI"/>
+              </a:rPr>
+              <a:t>ExtendWith</a:t>
+            </a:r>
+            <a:r>
+              <a:rPr lang="en-US" sz="900" b="0" strike="noStrike" spc="-1" dirty="0">
+                <a:solidFill>
+                  <a:srgbClr val="292929"/>
+                </a:solidFill>
+                <a:uFill>
+                  <a:solidFill>
+                    <a:srgbClr val="FFFFFF"/>
+                  </a:solidFill>
+                </a:uFill>
+                <a:latin typeface="Calibri"/>
+                <a:ea typeface="Segoe UI"/>
+              </a:rPr>
+              <a:t>(</a:t>
+            </a:r>
+            <a:r>
+              <a:rPr lang="en-US" sz="900" b="0" strike="noStrike" spc="-1" dirty="0" err="1">
+                <a:solidFill>
+                  <a:srgbClr val="292929"/>
+                </a:solidFill>
+                <a:uFill>
+                  <a:solidFill>
+                    <a:srgbClr val="FFFFFF"/>
+                  </a:solidFill>
+                </a:uFill>
+                <a:latin typeface="Calibri"/>
+                <a:ea typeface="Segoe UI"/>
+              </a:rPr>
+              <a:t>MockitoExtension.class</a:t>
+            </a:r>
+            <a:r>
+              <a:rPr lang="en-US" sz="900" b="0" strike="noStrike" spc="-1">
+                <a:solidFill>
+                  <a:srgbClr val="292929"/>
+                </a:solidFill>
+                <a:uFill>
+                  <a:solidFill>
+                    <a:srgbClr val="FFFFFF"/>
+                  </a:solidFill>
+                </a:uFill>
+                <a:latin typeface="Calibri"/>
+                <a:ea typeface="Segoe UI"/>
+              </a:rPr>
+              <a:t>)</a:t>
+            </a:r>
+            <a:endParaRPr lang="en-US" spc="-1" dirty="0">
+              <a:solidFill>
+                <a:srgbClr val="000000"/>
+              </a:solidFill>
+              <a:uFill>
+                <a:solidFill>
+                  <a:srgbClr val="FFFFFF"/>
+                </a:solidFill>
+              </a:uFill>
+            </a:endParaRPr>
+          </a:p>
+          <a:p>
+            <a:pPr>
+              <a:lnSpc>
+                <a:spcPct val="100000"/>
+              </a:lnSpc>
+            </a:pPr>
+            <a:r>
+              <a:rPr lang="en-US" sz="900" b="0" strike="noStrike" spc="-1">
+                <a:solidFill>
+                  <a:srgbClr val="292929"/>
+                </a:solidFill>
+                <a:uFill>
+                  <a:solidFill>
+                    <a:srgbClr val="FFFFFF"/>
+                  </a:solidFill>
+                </a:uFill>
+                <a:latin typeface="Calibri"/>
+                <a:ea typeface="Segoe UI"/>
+              </a:rPr>
+              <a:t>public </a:t>
+            </a:r>
+            <a:r>
+              <a:rPr lang="en-US" sz="900" b="0" strike="noStrike" spc="-1" dirty="0">
+                <a:solidFill>
+                  <a:srgbClr val="292929"/>
+                </a:solidFill>
+                <a:uFill>
+                  <a:solidFill>
+                    <a:srgbClr val="FFFFFF"/>
+                  </a:solidFill>
+                </a:uFill>
+                <a:latin typeface="Calibri"/>
+                <a:ea typeface="Segoe UI"/>
+              </a:rPr>
+              <a:t>class </a:t>
+            </a:r>
+            <a:r>
+              <a:rPr lang="en-US" sz="900" b="0" strike="noStrike" spc="-1" dirty="0" err="1">
+                <a:solidFill>
+                  <a:srgbClr val="292929"/>
+                </a:solidFill>
+                <a:uFill>
+                  <a:solidFill>
+                    <a:srgbClr val="FFFFFF"/>
+                  </a:solidFill>
+                </a:uFill>
+                <a:latin typeface="Calibri"/>
+                <a:ea typeface="Segoe UI"/>
+              </a:rPr>
+              <a:t>MockenTest</a:t>
+            </a:r>
+            <a:r>
+              <a:rPr lang="en-US" sz="900" b="0" strike="noStrike" spc="-1" dirty="0">
+                <a:solidFill>
+                  <a:srgbClr val="292929"/>
+                </a:solidFill>
+                <a:uFill>
+                  <a:solidFill>
+                    <a:srgbClr val="FFFFFF"/>
+                  </a:solidFill>
+                </a:uFill>
+                <a:latin typeface="Calibri"/>
+                <a:ea typeface="Segoe UI"/>
+              </a:rPr>
+              <a:t> {</a:t>
+            </a:r>
+            <a:endParaRPr lang="en-US" spc="-1" dirty="0">
+              <a:solidFill>
+                <a:srgbClr val="000000"/>
+              </a:solidFill>
+              <a:uFill>
+                <a:solidFill>
+                  <a:srgbClr val="FFFFFF"/>
+                </a:solidFill>
+              </a:uFill>
+            </a:endParaRPr>
+          </a:p>
+          <a:p>
+            <a:pPr>
+              <a:lnSpc>
+                <a:spcPct val="100000"/>
+              </a:lnSpc>
+            </a:pPr>
+            <a:r>
+              <a:rPr lang="en-US" sz="900" b="0" strike="noStrike" spc="-1" dirty="0">
+                <a:solidFill>
+                  <a:srgbClr val="292929"/>
+                </a:solidFill>
+                <a:uFill>
+                  <a:solidFill>
+                    <a:srgbClr val="FFFFFF"/>
+                  </a:solidFill>
+                </a:uFill>
+                <a:latin typeface="Calibri"/>
+                <a:ea typeface="Segoe UI"/>
+              </a:rPr>
+              <a:t>     @Mock</a:t>
+            </a:r>
+            <a:endParaRPr lang="en-US" spc="-1" dirty="0">
+              <a:solidFill>
+                <a:srgbClr val="000000"/>
+              </a:solidFill>
+              <a:uFill>
+                <a:solidFill>
+                  <a:srgbClr val="FFFFFF"/>
+                </a:solidFill>
+              </a:uFill>
+            </a:endParaRPr>
+          </a:p>
+          <a:p>
+            <a:pPr>
+              <a:lnSpc>
+                <a:spcPct val="100000"/>
+              </a:lnSpc>
+            </a:pPr>
+            <a:r>
+              <a:rPr lang="en-US" sz="900" b="0" strike="noStrike" spc="-1" dirty="0">
+                <a:solidFill>
+                  <a:srgbClr val="292929"/>
+                </a:solidFill>
+                <a:uFill>
+                  <a:solidFill>
+                    <a:srgbClr val="FFFFFF"/>
+                  </a:solidFill>
+                </a:uFill>
+                <a:latin typeface="Calibri"/>
+                <a:ea typeface="Segoe UI"/>
+              </a:rPr>
+              <a:t>      private MockKlasse1 mocked1;</a:t>
+            </a:r>
+            <a:endParaRPr lang="en-US" spc="-1" dirty="0">
+              <a:solidFill>
+                <a:srgbClr val="000000"/>
+              </a:solidFill>
+              <a:uFill>
+                <a:solidFill>
+                  <a:srgbClr val="FFFFFF"/>
+                </a:solidFill>
+              </a:uFill>
+            </a:endParaRPr>
+          </a:p>
+          <a:p>
+            <a:pPr>
+              <a:lnSpc>
+                <a:spcPct val="100000"/>
+              </a:lnSpc>
+            </a:pPr>
+            <a:r>
+              <a:rPr lang="en-US" sz="900" b="0" strike="noStrike" spc="-1" dirty="0">
+                <a:solidFill>
+                  <a:srgbClr val="292929"/>
+                </a:solidFill>
+                <a:uFill>
+                  <a:solidFill>
+                    <a:srgbClr val="FFFFFF"/>
+                  </a:solidFill>
+                </a:uFill>
+                <a:latin typeface="Calibri"/>
+                <a:ea typeface="Segoe UI"/>
+              </a:rPr>
+              <a:t>      private </a:t>
+            </a:r>
+            <a:r>
+              <a:rPr lang="en-US" sz="900" b="0" strike="noStrike" spc="-1" dirty="0" err="1">
+                <a:solidFill>
+                  <a:srgbClr val="292929"/>
+                </a:solidFill>
+                <a:uFill>
+                  <a:solidFill>
+                    <a:srgbClr val="FFFFFF"/>
+                  </a:solidFill>
+                </a:uFill>
+                <a:latin typeface="Calibri"/>
+                <a:ea typeface="Segoe UI"/>
+              </a:rPr>
+              <a:t>TestKlasse</a:t>
+            </a:r>
+            <a:r>
+              <a:rPr lang="en-US" sz="900" b="0" strike="noStrike" spc="-1" dirty="0">
+                <a:solidFill>
+                  <a:srgbClr val="292929"/>
+                </a:solidFill>
+                <a:uFill>
+                  <a:solidFill>
+                    <a:srgbClr val="FFFFFF"/>
+                  </a:solidFill>
+                </a:uFill>
+                <a:latin typeface="Calibri"/>
+                <a:ea typeface="Segoe UI"/>
+              </a:rPr>
+              <a:t> </a:t>
+            </a:r>
+            <a:r>
+              <a:rPr lang="en-US" sz="900" b="0" strike="noStrike" spc="-1" dirty="0" err="1">
+                <a:solidFill>
+                  <a:srgbClr val="292929"/>
+                </a:solidFill>
+                <a:uFill>
+                  <a:solidFill>
+                    <a:srgbClr val="FFFFFF"/>
+                  </a:solidFill>
+                </a:uFill>
+                <a:latin typeface="Calibri"/>
+                <a:ea typeface="Segoe UI"/>
+              </a:rPr>
+              <a:t>underTest</a:t>
+            </a:r>
+            <a:r>
+              <a:rPr lang="en-US" sz="900" b="0" strike="noStrike" spc="-1" dirty="0">
+                <a:solidFill>
+                  <a:srgbClr val="292929"/>
+                </a:solidFill>
+                <a:uFill>
+                  <a:solidFill>
+                    <a:srgbClr val="FFFFFF"/>
+                  </a:solidFill>
+                </a:uFill>
+                <a:latin typeface="Calibri"/>
+                <a:ea typeface="Segoe UI"/>
+              </a:rPr>
+              <a:t>;</a:t>
+            </a:r>
+          </a:p>
+          <a:p>
+            <a:pPr>
+              <a:lnSpc>
+                <a:spcPct val="100000"/>
+              </a:lnSpc>
+            </a:pPr>
+            <a:endParaRPr lang="en-US" sz="800" spc="-1" dirty="0">
+              <a:solidFill>
+                <a:srgbClr val="000000"/>
+              </a:solidFill>
+              <a:uFill>
+                <a:solidFill>
+                  <a:srgbClr val="FFFFFF"/>
+                </a:solidFill>
+              </a:uFill>
+            </a:endParaRPr>
+          </a:p>
+          <a:p>
+            <a:pPr>
+              <a:lnSpc>
+                <a:spcPct val="100000"/>
+              </a:lnSpc>
+            </a:pPr>
+            <a:r>
+              <a:rPr lang="en-US" sz="900" b="0" strike="noStrike" spc="-1" dirty="0">
+                <a:solidFill>
+                  <a:srgbClr val="292929"/>
+                </a:solidFill>
+                <a:uFill>
+                  <a:solidFill>
+                    <a:srgbClr val="FFFFFF"/>
+                  </a:solidFill>
+                </a:uFill>
+                <a:latin typeface="Calibri"/>
+                <a:ea typeface="Segoe UI"/>
+              </a:rPr>
+              <a:t>     @</a:t>
+            </a:r>
+            <a:r>
+              <a:rPr lang="en-US" sz="900" b="0" strike="noStrike" spc="-1" dirty="0" err="1">
+                <a:solidFill>
+                  <a:srgbClr val="292929"/>
+                </a:solidFill>
+                <a:uFill>
+                  <a:solidFill>
+                    <a:srgbClr val="FFFFFF"/>
+                  </a:solidFill>
+                </a:uFill>
+                <a:latin typeface="Calibri"/>
+                <a:ea typeface="Segoe UI"/>
+              </a:rPr>
+              <a:t>BeforeEach</a:t>
+            </a:r>
+            <a:endParaRPr lang="en-US" spc="-1" dirty="0">
+              <a:solidFill>
+                <a:srgbClr val="000000"/>
+              </a:solidFill>
+              <a:uFill>
+                <a:solidFill>
+                  <a:srgbClr val="FFFFFF"/>
+                </a:solidFill>
+              </a:uFill>
+            </a:endParaRPr>
+          </a:p>
+          <a:p>
+            <a:pPr>
+              <a:lnSpc>
+                <a:spcPct val="100000"/>
+              </a:lnSpc>
+            </a:pPr>
+            <a:r>
+              <a:rPr lang="en-US" sz="900" b="0" strike="noStrike" spc="-1" dirty="0">
+                <a:solidFill>
+                  <a:srgbClr val="292929"/>
+                </a:solidFill>
+                <a:uFill>
+                  <a:solidFill>
+                    <a:srgbClr val="FFFFFF"/>
+                  </a:solidFill>
+                </a:uFill>
+                <a:latin typeface="Calibri"/>
+                <a:ea typeface="Segoe UI"/>
+              </a:rPr>
+              <a:t>      void </a:t>
+            </a:r>
+            <a:r>
+              <a:rPr lang="en-US" sz="900" b="0" strike="noStrike" spc="-1" dirty="0" err="1">
+                <a:solidFill>
+                  <a:srgbClr val="292929"/>
+                </a:solidFill>
+                <a:uFill>
+                  <a:solidFill>
+                    <a:srgbClr val="FFFFFF"/>
+                  </a:solidFill>
+                </a:uFill>
+                <a:latin typeface="Calibri"/>
+                <a:ea typeface="Segoe UI"/>
+              </a:rPr>
+              <a:t>setUp</a:t>
+            </a:r>
+            <a:r>
+              <a:rPr lang="en-US" sz="900" b="0" strike="noStrike" spc="-1" dirty="0">
+                <a:solidFill>
+                  <a:srgbClr val="292929"/>
+                </a:solidFill>
+                <a:uFill>
+                  <a:solidFill>
+                    <a:srgbClr val="FFFFFF"/>
+                  </a:solidFill>
+                </a:uFill>
+                <a:latin typeface="Calibri"/>
+                <a:ea typeface="Segoe UI"/>
+              </a:rPr>
+              <a:t>(@Mock MockKlasse2 mocked2){</a:t>
+            </a:r>
+            <a:endParaRPr lang="en-US" spc="-1" dirty="0">
+              <a:solidFill>
+                <a:srgbClr val="000000"/>
+              </a:solidFill>
+              <a:uFill>
+                <a:solidFill>
+                  <a:srgbClr val="FFFFFF"/>
+                </a:solidFill>
+              </a:uFill>
+            </a:endParaRPr>
+          </a:p>
+          <a:p>
+            <a:pPr>
+              <a:lnSpc>
+                <a:spcPct val="100000"/>
+              </a:lnSpc>
+            </a:pPr>
+            <a:r>
+              <a:rPr lang="en-US" sz="900" b="0" strike="noStrike" spc="-1" dirty="0">
+                <a:solidFill>
+                  <a:srgbClr val="292929"/>
+                </a:solidFill>
+                <a:uFill>
+                  <a:solidFill>
+                    <a:srgbClr val="FFFFFF"/>
+                  </a:solidFill>
+                </a:uFill>
+                <a:latin typeface="Calibri"/>
+                <a:ea typeface="Segoe UI"/>
+              </a:rPr>
+              <a:t>             when(mocked1.call()).</a:t>
+            </a:r>
+            <a:r>
+              <a:rPr lang="en-US" sz="900" b="0" strike="noStrike" spc="-1" dirty="0" err="1">
+                <a:solidFill>
+                  <a:srgbClr val="292929"/>
+                </a:solidFill>
+                <a:uFill>
+                  <a:solidFill>
+                    <a:srgbClr val="FFFFFF"/>
+                  </a:solidFill>
+                </a:uFill>
+                <a:latin typeface="Calibri"/>
+                <a:ea typeface="Segoe UI"/>
+              </a:rPr>
+              <a:t>thenReturn</a:t>
+            </a:r>
+            <a:r>
+              <a:rPr lang="en-US" sz="900" b="0" strike="noStrike" spc="-1" dirty="0">
+                <a:solidFill>
+                  <a:srgbClr val="292929"/>
+                </a:solidFill>
+                <a:uFill>
+                  <a:solidFill>
+                    <a:srgbClr val="FFFFFF"/>
+                  </a:solidFill>
+                </a:uFill>
+                <a:latin typeface="Calibri"/>
+                <a:ea typeface="Segoe UI"/>
+              </a:rPr>
+              <a:t>(true);</a:t>
+            </a:r>
+            <a:endParaRPr lang="en-US" spc="-1" dirty="0">
+              <a:solidFill>
+                <a:srgbClr val="000000"/>
+              </a:solidFill>
+              <a:uFill>
+                <a:solidFill>
+                  <a:srgbClr val="FFFFFF"/>
+                </a:solidFill>
+              </a:uFill>
+            </a:endParaRPr>
+          </a:p>
+          <a:p>
+            <a:pPr>
+              <a:lnSpc>
+                <a:spcPct val="100000"/>
+              </a:lnSpc>
+            </a:pPr>
+            <a:r>
+              <a:rPr lang="en-US" sz="900" b="0" strike="noStrike" spc="-1" dirty="0">
+                <a:solidFill>
+                  <a:srgbClr val="292929"/>
+                </a:solidFill>
+                <a:uFill>
+                  <a:solidFill>
+                    <a:srgbClr val="FFFFFF"/>
+                  </a:solidFill>
+                </a:uFill>
+                <a:latin typeface="Calibri"/>
+                <a:ea typeface="Segoe UI"/>
+              </a:rPr>
+              <a:t>             when(mocked2.call()).</a:t>
+            </a:r>
+            <a:r>
+              <a:rPr lang="en-US" sz="900" b="0" strike="noStrike" spc="-1" dirty="0" err="1">
+                <a:solidFill>
+                  <a:srgbClr val="292929"/>
+                </a:solidFill>
+                <a:uFill>
+                  <a:solidFill>
+                    <a:srgbClr val="FFFFFF"/>
+                  </a:solidFill>
+                </a:uFill>
+                <a:latin typeface="Calibri"/>
+                <a:ea typeface="Segoe UI"/>
+              </a:rPr>
+              <a:t>thenReturn</a:t>
+            </a:r>
+            <a:r>
+              <a:rPr lang="en-US" sz="900" b="0" strike="noStrike" spc="-1" dirty="0">
+                <a:solidFill>
+                  <a:srgbClr val="292929"/>
+                </a:solidFill>
+                <a:uFill>
+                  <a:solidFill>
+                    <a:srgbClr val="FFFFFF"/>
+                  </a:solidFill>
+                </a:uFill>
+                <a:latin typeface="Calibri"/>
+                <a:ea typeface="Segoe UI"/>
+              </a:rPr>
+              <a:t>(false);</a:t>
+            </a:r>
+            <a:endParaRPr lang="en-US" spc="-1" dirty="0">
+              <a:solidFill>
+                <a:srgbClr val="000000"/>
+              </a:solidFill>
+              <a:uFill>
+                <a:solidFill>
+                  <a:srgbClr val="FFFFFF"/>
+                </a:solidFill>
+              </a:uFill>
+            </a:endParaRPr>
+          </a:p>
+          <a:p>
+            <a:pPr>
+              <a:lnSpc>
+                <a:spcPct val="100000"/>
+              </a:lnSpc>
+            </a:pPr>
+            <a:r>
+              <a:rPr lang="en-US" sz="900" b="0" strike="noStrike" spc="-1" dirty="0">
+                <a:solidFill>
+                  <a:srgbClr val="292929"/>
+                </a:solidFill>
+                <a:uFill>
+                  <a:solidFill>
+                    <a:srgbClr val="FFFFFF"/>
+                  </a:solidFill>
+                </a:uFill>
+                <a:latin typeface="Calibri"/>
+                <a:ea typeface="Segoe UI"/>
+              </a:rPr>
+              <a:t>      }</a:t>
+            </a:r>
+          </a:p>
+          <a:p>
+            <a:pPr>
+              <a:lnSpc>
+                <a:spcPct val="100000"/>
+              </a:lnSpc>
+            </a:pPr>
+            <a:endParaRPr lang="en-US" sz="800" spc="-1" dirty="0">
+              <a:solidFill>
+                <a:srgbClr val="000000"/>
+              </a:solidFill>
+              <a:uFill>
+                <a:solidFill>
+                  <a:srgbClr val="FFFFFF"/>
+                </a:solidFill>
+              </a:uFill>
+            </a:endParaRPr>
+          </a:p>
+          <a:p>
+            <a:pPr>
+              <a:lnSpc>
+                <a:spcPct val="100000"/>
+              </a:lnSpc>
+            </a:pPr>
+            <a:r>
+              <a:rPr lang="en-US" sz="900" b="0" strike="noStrike" spc="-1" dirty="0">
+                <a:solidFill>
+                  <a:srgbClr val="292929"/>
+                </a:solidFill>
+                <a:uFill>
+                  <a:solidFill>
+                    <a:srgbClr val="FFFFFF"/>
+                  </a:solidFill>
+                </a:uFill>
+                <a:latin typeface="Calibri"/>
+                <a:ea typeface="Segoe UI"/>
+              </a:rPr>
+              <a:t>     </a:t>
+            </a:r>
+            <a:r>
+              <a:rPr lang="en-US" sz="900" spc="-1" dirty="0">
+                <a:solidFill>
+                  <a:srgbClr val="292929"/>
+                </a:solidFill>
+                <a:uFill>
+                  <a:solidFill>
+                    <a:srgbClr val="FFFFFF"/>
+                  </a:solidFill>
+                </a:uFill>
+                <a:latin typeface="Calibri"/>
+                <a:ea typeface="Segoe UI"/>
+              </a:rPr>
+              <a:t>@</a:t>
+            </a:r>
+            <a:r>
+              <a:rPr lang="en-US" sz="900" b="0" strike="noStrike" spc="-1" dirty="0">
+                <a:solidFill>
+                  <a:srgbClr val="292929"/>
+                </a:solidFill>
+                <a:uFill>
+                  <a:solidFill>
+                    <a:srgbClr val="FFFFFF"/>
+                  </a:solidFill>
+                </a:uFill>
+                <a:latin typeface="Calibri"/>
+                <a:ea typeface="Segoe UI"/>
+              </a:rPr>
+              <a:t>Test</a:t>
+            </a:r>
+            <a:endParaRPr lang="en-US" spc="-1" dirty="0">
+              <a:solidFill>
+                <a:srgbClr val="000000"/>
+              </a:solidFill>
+              <a:uFill>
+                <a:solidFill>
+                  <a:srgbClr val="FFFFFF"/>
+                </a:solidFill>
+              </a:uFill>
+            </a:endParaRPr>
+          </a:p>
+          <a:p>
+            <a:pPr>
+              <a:lnSpc>
+                <a:spcPct val="100000"/>
+              </a:lnSpc>
+            </a:pPr>
+            <a:r>
+              <a:rPr lang="en-US" sz="900" b="0" strike="noStrike" spc="-1" dirty="0">
+                <a:solidFill>
+                  <a:srgbClr val="292929"/>
+                </a:solidFill>
+                <a:uFill>
+                  <a:solidFill>
+                    <a:srgbClr val="FFFFFF"/>
+                  </a:solidFill>
+                </a:uFill>
+                <a:latin typeface="Calibri"/>
+                <a:ea typeface="Segoe UI"/>
+              </a:rPr>
+              <a:t>      public void test() {</a:t>
+            </a:r>
+            <a:endParaRPr lang="en-US" spc="-1" dirty="0">
+              <a:solidFill>
+                <a:srgbClr val="000000"/>
+              </a:solidFill>
+              <a:uFill>
+                <a:solidFill>
+                  <a:srgbClr val="FFFFFF"/>
+                </a:solidFill>
+              </a:uFill>
+            </a:endParaRPr>
+          </a:p>
+          <a:p>
+            <a:pPr>
+              <a:lnSpc>
+                <a:spcPct val="100000"/>
+              </a:lnSpc>
+            </a:pPr>
+            <a:r>
+              <a:rPr lang="en-US" sz="900" b="0" strike="noStrike" spc="-1" dirty="0">
+                <a:solidFill>
+                  <a:srgbClr val="292929"/>
+                </a:solidFill>
+                <a:uFill>
+                  <a:solidFill>
+                    <a:srgbClr val="FFFFFF"/>
+                  </a:solidFill>
+                </a:uFill>
+                <a:latin typeface="Calibri"/>
+                <a:ea typeface="Segoe UI"/>
+              </a:rPr>
+              <a:t>            </a:t>
+            </a:r>
+            <a:r>
+              <a:rPr lang="en-US" sz="900" b="0" strike="noStrike" spc="-1" dirty="0" err="1">
+                <a:solidFill>
+                  <a:srgbClr val="292929"/>
+                </a:solidFill>
+                <a:uFill>
+                  <a:solidFill>
+                    <a:srgbClr val="FFFFFF"/>
+                  </a:solidFill>
+                </a:uFill>
+                <a:latin typeface="Calibri"/>
+                <a:ea typeface="Segoe UI"/>
+              </a:rPr>
+              <a:t>undertest.machIrgendwas</a:t>
+            </a:r>
+            <a:r>
+              <a:rPr lang="en-US" sz="900" b="0" strike="noStrike" spc="-1" dirty="0">
+                <a:solidFill>
+                  <a:srgbClr val="292929"/>
+                </a:solidFill>
+                <a:uFill>
+                  <a:solidFill>
+                    <a:srgbClr val="FFFFFF"/>
+                  </a:solidFill>
+                </a:uFill>
+                <a:latin typeface="Calibri"/>
+                <a:ea typeface="Segoe UI"/>
+              </a:rPr>
+              <a:t>(mocked);</a:t>
+            </a:r>
+            <a:endParaRPr lang="en-US" spc="-1" dirty="0">
+              <a:solidFill>
+                <a:srgbClr val="000000"/>
+              </a:solidFill>
+              <a:uFill>
+                <a:solidFill>
+                  <a:srgbClr val="FFFFFF"/>
+                </a:solidFill>
+              </a:uFill>
+            </a:endParaRPr>
+          </a:p>
+          <a:p>
+            <a:pPr>
+              <a:lnSpc>
+                <a:spcPct val="100000"/>
+              </a:lnSpc>
+            </a:pPr>
+            <a:r>
+              <a:rPr lang="en-US" sz="900" b="0" strike="noStrike" spc="-1" dirty="0">
+                <a:solidFill>
+                  <a:srgbClr val="292929"/>
+                </a:solidFill>
+                <a:uFill>
+                  <a:solidFill>
+                    <a:srgbClr val="FFFFFF"/>
+                  </a:solidFill>
+                </a:uFill>
+                <a:latin typeface="Calibri"/>
+                <a:ea typeface="Segoe UI"/>
+              </a:rPr>
+              <a:t>      }</a:t>
+            </a:r>
+            <a:endParaRPr lang="en-US" spc="-1" dirty="0">
+              <a:solidFill>
+                <a:srgbClr val="000000"/>
+              </a:solidFill>
+              <a:uFill>
+                <a:solidFill>
+                  <a:srgbClr val="FFFFFF"/>
+                </a:solidFill>
+              </a:uFill>
+            </a:endParaRPr>
+          </a:p>
+          <a:p>
+            <a:pPr>
+              <a:lnSpc>
+                <a:spcPct val="100000"/>
+              </a:lnSpc>
+            </a:pPr>
+            <a:r>
+              <a:rPr lang="en-US" sz="900" b="0" strike="noStrike" spc="-1" dirty="0">
+                <a:solidFill>
+                  <a:srgbClr val="292929"/>
+                </a:solidFill>
+                <a:uFill>
+                  <a:solidFill>
+                    <a:srgbClr val="FFFFFF"/>
+                  </a:solidFill>
+                </a:uFill>
+                <a:latin typeface="Calibri"/>
+                <a:ea typeface="Segoe UI"/>
+              </a:rPr>
+              <a:t>}</a:t>
+            </a:r>
+            <a:endParaRPr lang="en-US" spc="-1" dirty="0">
+              <a:solidFill>
+                <a:srgbClr val="000000"/>
+              </a:solidFill>
+              <a:uFill>
+                <a:solidFill>
+                  <a:srgbClr val="FFFFFF"/>
+                </a:solidFill>
+              </a:uFill>
+            </a:endParaRPr>
+          </a:p>
+        </p:txBody>
+      </p:sp>
     </p:spTree>
-    <p:extLst>
-      <p:ext uri="{BB962C8B-B14F-4D97-AF65-F5344CB8AC3E}">
-        <p14:creationId xmlns:p14="http://schemas.microsoft.com/office/powerpoint/2010/main" val="3993945758"/>
-      </p:ext>
-    </p:extLst>
   </p:cSld>
   <p:clrMapOvr>
     <a:masterClrMapping/>
@@ -36663,7 +36535,7 @@
       </p:grpSpPr>
       <p:sp>
         <p:nvSpPr>
-          <p:cNvPr id="667" name="CustomShape 1"/>
+          <p:cNvPr id="683" name="CustomShape 1"/>
           <p:cNvSpPr/>
           <p:nvPr/>
         </p:nvSpPr>
@@ -36731,7 +36603,7 @@
       </p:sp>
       <p:sp>
         <p:nvSpPr>
-          <p:cNvPr id="668" name="CustomShape 2"/>
+          <p:cNvPr id="684" name="CustomShape 2"/>
           <p:cNvSpPr/>
           <p:nvPr/>
         </p:nvSpPr>
@@ -36770,7 +36642,7 @@
               </a:lnSpc>
             </a:pPr>
             <a:r>
-              <a:rPr lang="en-US" sz="2400" b="0" strike="noStrike" spc="-1" dirty="0">
+              <a:rPr lang="en-US" sz="2400" b="0" strike="noStrike" spc="-1" dirty="0" err="1">
                 <a:solidFill>
                   <a:srgbClr val="004C93"/>
                 </a:solidFill>
@@ -36781,7 +36653,7 @@
                 </a:uFill>
                 <a:latin typeface="Calibri"/>
               </a:rPr>
-              <a:t>Test Suites</a:t>
+              <a:t>MockenTest</a:t>
             </a:r>
             <a:endParaRPr lang="en-US" sz="1800" b="0" strike="noStrike" spc="-1" dirty="0">
               <a:solidFill>
@@ -36799,7 +36671,7 @@
       </p:sp>
       <p:sp>
         <p:nvSpPr>
-          <p:cNvPr id="670" name="CustomShape 4"/>
+          <p:cNvPr id="686" name="CustomShape 4"/>
           <p:cNvSpPr/>
           <p:nvPr/>
         </p:nvSpPr>
@@ -36837,7 +36709,7 @@
                 <a:spcPct val="100000"/>
               </a:lnSpc>
             </a:pPr>
-            <a:fld id="{F44BF771-09CA-44DA-BA0C-EC56BE8EFD37}" type="slidenum">
+            <a:fld id="{6F82BE0B-28F8-4E8B-89B8-EFA9010AFB71}" type="slidenum">
               <a:rPr lang="en-US" sz="1000" b="0" strike="noStrike" spc="-1">
                 <a:solidFill>
                   <a:srgbClr val="51A025"/>
@@ -36867,7 +36739,7 @@
       </p:sp>
       <p:sp>
         <p:nvSpPr>
-          <p:cNvPr id="671" name="CustomShape 5"/>
+          <p:cNvPr id="687" name="CustomShape 5"/>
           <p:cNvSpPr/>
           <p:nvPr/>
         </p:nvSpPr>
@@ -36899,10 +36771,10 @@
       </p:sp>
       <p:sp>
         <p:nvSpPr>
-          <p:cNvPr id="8" name="CustomShape 3">
+          <p:cNvPr id="13" name="CustomShape 3">
             <a:extLst>
               <a:ext uri="{FF2B5EF4-FFF2-40B4-BE49-F238E27FC236}">
-                <a16:creationId xmlns:a16="http://schemas.microsoft.com/office/drawing/2014/main" id="{4FF9EFF3-9CA1-4F4B-A867-631F30B5AD0B}"/>
+                <a16:creationId xmlns:a16="http://schemas.microsoft.com/office/drawing/2014/main" id="{B221EEF5-AAAD-4D59-B95D-ED1036C3C678}"/>
               </a:ext>
             </a:extLst>
           </p:cNvPr>
@@ -36911,8 +36783,8 @@
         </p:nvSpPr>
         <p:spPr>
           <a:xfrm>
-            <a:off x="457199" y="1483200"/>
-            <a:ext cx="8112797" cy="3239280"/>
+            <a:off x="457200" y="1692000"/>
+            <a:ext cx="8207280" cy="3041280"/>
           </a:xfrm>
           <a:prstGeom prst="rect">
             <a:avLst/>
@@ -36938,398 +36810,174 @@
           <a:bodyPr lIns="90000" tIns="45000" rIns="90000" bIns="45000"/>
           <a:lstStyle/>
           <a:p>
-            <a:pPr>
+            <a:pPr marL="720">
               <a:lnSpc>
                 <a:spcPct val="100000"/>
               </a:lnSpc>
+              <a:buClr>
+                <a:srgbClr val="51A025"/>
+              </a:buClr>
             </a:pPr>
             <a:r>
-              <a:rPr lang="en-US" sz="1800" b="0" strike="noStrike" spc="-1" dirty="0">
-                <a:solidFill>
-                  <a:srgbClr val="292929"/>
-                </a:solidFill>
-                <a:uFill>
-                  <a:solidFill>
-                    <a:srgbClr val="FFFFFF"/>
-                  </a:solidFill>
-                </a:uFill>
-                <a:latin typeface="Calibri"/>
-              </a:rPr>
-              <a:t>JUnit </a:t>
-            </a:r>
-            <a:r>
-              <a:rPr lang="en-US" spc="-1" dirty="0">
-                <a:solidFill>
-                  <a:srgbClr val="292929"/>
-                </a:solidFill>
-                <a:uFill>
-                  <a:solidFill>
-                    <a:srgbClr val="FFFFFF"/>
-                  </a:solidFill>
-                </a:uFill>
-                <a:latin typeface="Calibri"/>
-              </a:rPr>
-              <a:t>4: Klassen </a:t>
-            </a:r>
-            <a:r>
-              <a:rPr lang="en-US" spc="-1" dirty="0" err="1">
-                <a:solidFill>
-                  <a:srgbClr val="292929"/>
-                </a:solidFill>
-                <a:uFill>
-                  <a:solidFill>
-                    <a:srgbClr val="FFFFFF"/>
-                  </a:solidFill>
-                </a:uFill>
-                <a:latin typeface="Calibri"/>
-              </a:rPr>
-              <a:t>können</a:t>
-            </a:r>
-            <a:r>
-              <a:rPr lang="en-US" spc="-1" dirty="0">
-                <a:solidFill>
-                  <a:srgbClr val="292929"/>
-                </a:solidFill>
-                <a:uFill>
-                  <a:solidFill>
-                    <a:srgbClr val="FFFFFF"/>
-                  </a:solidFill>
-                </a:uFill>
-                <a:latin typeface="Calibri"/>
-              </a:rPr>
-              <a:t> in Test Suites </a:t>
-            </a:r>
-            <a:r>
-              <a:rPr lang="en-US" spc="-1" dirty="0" err="1">
-                <a:solidFill>
-                  <a:srgbClr val="292929"/>
-                </a:solidFill>
-                <a:uFill>
-                  <a:solidFill>
-                    <a:srgbClr val="FFFFFF"/>
-                  </a:solidFill>
-                </a:uFill>
-                <a:latin typeface="Calibri"/>
-              </a:rPr>
-              <a:t>aufgelistet</a:t>
-            </a:r>
-            <a:r>
-              <a:rPr lang="en-US" spc="-1" dirty="0">
-                <a:solidFill>
-                  <a:srgbClr val="292929"/>
-                </a:solidFill>
-                <a:uFill>
-                  <a:solidFill>
-                    <a:srgbClr val="FFFFFF"/>
-                  </a:solidFill>
-                </a:uFill>
-                <a:latin typeface="Calibri"/>
-              </a:rPr>
-              <a:t> </a:t>
-            </a:r>
-            <a:r>
-              <a:rPr lang="en-US" spc="-1" dirty="0" err="1">
-                <a:solidFill>
-                  <a:srgbClr val="292929"/>
-                </a:solidFill>
-                <a:uFill>
-                  <a:solidFill>
-                    <a:srgbClr val="FFFFFF"/>
-                  </a:solidFill>
-                </a:uFill>
-                <a:latin typeface="Calibri"/>
-              </a:rPr>
-              <a:t>werden</a:t>
-            </a:r>
-            <a:r>
-              <a:rPr lang="en-US" spc="-1" dirty="0">
-                <a:solidFill>
-                  <a:srgbClr val="292929"/>
-                </a:solidFill>
-                <a:uFill>
-                  <a:solidFill>
-                    <a:srgbClr val="FFFFFF"/>
-                  </a:solidFill>
-                </a:uFill>
-                <a:latin typeface="Calibri"/>
-              </a:rPr>
-              <a:t>, um </a:t>
-            </a:r>
-            <a:r>
-              <a:rPr lang="en-US" spc="-1" dirty="0" err="1">
-                <a:solidFill>
-                  <a:srgbClr val="292929"/>
-                </a:solidFill>
-                <a:uFill>
-                  <a:solidFill>
-                    <a:srgbClr val="FFFFFF"/>
-                  </a:solidFill>
-                </a:uFill>
-                <a:latin typeface="Calibri"/>
-              </a:rPr>
-              <a:t>gemeinsam</a:t>
-            </a:r>
-            <a:r>
-              <a:rPr lang="en-US" spc="-1" dirty="0">
-                <a:solidFill>
-                  <a:srgbClr val="292929"/>
-                </a:solidFill>
-                <a:uFill>
-                  <a:solidFill>
-                    <a:srgbClr val="FFFFFF"/>
-                  </a:solidFill>
-                </a:uFill>
-                <a:latin typeface="Calibri"/>
-              </a:rPr>
-              <a:t> </a:t>
-            </a:r>
-            <a:r>
-              <a:rPr lang="en-US" spc="-1" dirty="0" err="1">
-                <a:solidFill>
-                  <a:srgbClr val="292929"/>
-                </a:solidFill>
-                <a:uFill>
-                  <a:solidFill>
-                    <a:srgbClr val="FFFFFF"/>
-                  </a:solidFill>
-                </a:uFill>
-                <a:latin typeface="Calibri"/>
-              </a:rPr>
-              <a:t>ausgeführt</a:t>
-            </a:r>
-            <a:r>
-              <a:rPr lang="en-US" spc="-1" dirty="0">
-                <a:solidFill>
-                  <a:srgbClr val="292929"/>
-                </a:solidFill>
-                <a:uFill>
-                  <a:solidFill>
-                    <a:srgbClr val="FFFFFF"/>
-                  </a:solidFill>
-                </a:uFill>
-                <a:latin typeface="Calibri"/>
-              </a:rPr>
-              <a:t> </a:t>
-            </a:r>
-            <a:r>
-              <a:rPr lang="en-US" spc="-1" dirty="0" err="1">
-                <a:solidFill>
-                  <a:srgbClr val="292929"/>
-                </a:solidFill>
-                <a:uFill>
-                  <a:solidFill>
-                    <a:srgbClr val="FFFFFF"/>
-                  </a:solidFill>
-                </a:uFill>
-                <a:latin typeface="Calibri"/>
-              </a:rPr>
-              <a:t>zu</a:t>
-            </a:r>
-            <a:r>
-              <a:rPr lang="en-US" spc="-1" dirty="0">
-                <a:solidFill>
-                  <a:srgbClr val="292929"/>
-                </a:solidFill>
-                <a:uFill>
-                  <a:solidFill>
-                    <a:srgbClr val="FFFFFF"/>
-                  </a:solidFill>
-                </a:uFill>
-                <a:latin typeface="Calibri"/>
-              </a:rPr>
-              <a:t> </a:t>
-            </a:r>
-            <a:r>
-              <a:rPr lang="en-US" spc="-1" dirty="0" err="1">
-                <a:solidFill>
-                  <a:srgbClr val="292929"/>
-                </a:solidFill>
-                <a:uFill>
-                  <a:solidFill>
-                    <a:srgbClr val="FFFFFF"/>
-                  </a:solidFill>
-                </a:uFill>
-                <a:latin typeface="Calibri"/>
-              </a:rPr>
-              <a:t>werden</a:t>
-            </a:r>
-            <a:endParaRPr lang="en-US" sz="1800" b="0" strike="noStrike" spc="-1" dirty="0">
-              <a:solidFill>
-                <a:srgbClr val="000000"/>
-              </a:solidFill>
-              <a:uFill>
-                <a:solidFill>
-                  <a:srgbClr val="FFFFFF"/>
-                </a:solidFill>
-              </a:uFill>
-              <a:latin typeface="Arial"/>
-            </a:endParaRPr>
-          </a:p>
-          <a:p>
-            <a:pPr>
+              <a:rPr lang="en-US" b="0" strike="noStrike" spc="-1" dirty="0">
+                <a:solidFill>
+                  <a:srgbClr val="292929"/>
+                </a:solidFill>
+                <a:uFill>
+                  <a:solidFill>
+                    <a:srgbClr val="FFFFFF"/>
+                  </a:solidFill>
+                </a:uFill>
+                <a:latin typeface="+mj-lt"/>
+              </a:rPr>
+              <a:t>Aufgabe:</a:t>
+            </a:r>
+          </a:p>
+          <a:p>
+            <a:pPr marL="720">
               <a:lnSpc>
                 <a:spcPct val="100000"/>
               </a:lnSpc>
+              <a:buClr>
+                <a:srgbClr val="51A025"/>
+              </a:buClr>
             </a:pPr>
-            <a:endParaRPr lang="en-US" sz="1800" b="0" strike="noStrike" spc="-1" dirty="0">
-              <a:solidFill>
-                <a:srgbClr val="000000"/>
-              </a:solidFill>
-              <a:uFill>
-                <a:solidFill>
-                  <a:srgbClr val="FFFFFF"/>
-                </a:solidFill>
-              </a:uFill>
-              <a:latin typeface="Arial"/>
-            </a:endParaRPr>
-          </a:p>
-          <a:p>
-            <a:pPr>
+            <a:endParaRPr lang="en-US" b="0" strike="noStrike" spc="-1" dirty="0">
+              <a:solidFill>
+                <a:srgbClr val="000000"/>
+              </a:solidFill>
+              <a:uFill>
+                <a:solidFill>
+                  <a:srgbClr val="FFFFFF"/>
+                </a:solidFill>
+              </a:uFill>
+              <a:latin typeface="+mj-lt"/>
+            </a:endParaRPr>
+          </a:p>
+          <a:p>
+            <a:pPr marL="285840" indent="-285120">
               <a:lnSpc>
                 <a:spcPct val="100000"/>
               </a:lnSpc>
+              <a:buClr>
+                <a:srgbClr val="51A025"/>
+              </a:buClr>
+              <a:buFont typeface="Arial"/>
+              <a:buChar char="•"/>
             </a:pPr>
             <a:r>
-              <a:rPr lang="en-US" sz="1800" b="0" strike="noStrike" spc="-1" dirty="0">
-                <a:solidFill>
-                  <a:srgbClr val="292929"/>
-                </a:solidFill>
-                <a:uFill>
-                  <a:solidFill>
-                    <a:srgbClr val="FFFFFF"/>
-                  </a:solidFill>
-                </a:uFill>
-                <a:latin typeface="Calibri"/>
-              </a:rPr>
-              <a:t>JUnit 5: </a:t>
-            </a:r>
-            <a:r>
-              <a:rPr lang="en-US" sz="1800" b="0" strike="noStrike" spc="-1" dirty="0" err="1">
-                <a:solidFill>
-                  <a:srgbClr val="292929"/>
-                </a:solidFill>
-                <a:uFill>
-                  <a:solidFill>
-                    <a:srgbClr val="FFFFFF"/>
-                  </a:solidFill>
-                </a:uFill>
-                <a:latin typeface="Calibri"/>
-              </a:rPr>
-              <a:t>Ermöglicht</a:t>
-            </a:r>
-            <a:r>
-              <a:rPr lang="en-US" sz="1800" b="0" strike="noStrike" spc="-1" dirty="0">
-                <a:solidFill>
-                  <a:srgbClr val="292929"/>
-                </a:solidFill>
-                <a:uFill>
-                  <a:solidFill>
-                    <a:srgbClr val="FFFFFF"/>
-                  </a:solidFill>
-                </a:uFill>
-                <a:latin typeface="Calibri"/>
+              <a:rPr lang="en-US" spc="-1" dirty="0" err="1">
+                <a:solidFill>
+                  <a:srgbClr val="292929"/>
+                </a:solidFill>
+                <a:uFill>
+                  <a:solidFill>
+                    <a:srgbClr val="FFFFFF"/>
+                  </a:solidFill>
+                </a:uFill>
+                <a:latin typeface="+mj-lt"/>
+              </a:rPr>
+              <a:t>MockitoExtension</a:t>
+            </a:r>
+            <a:r>
+              <a:rPr lang="en-US" spc="-1" dirty="0">
+                <a:solidFill>
+                  <a:srgbClr val="292929"/>
+                </a:solidFill>
+                <a:uFill>
+                  <a:solidFill>
+                    <a:srgbClr val="FFFFFF"/>
+                  </a:solidFill>
+                </a:uFill>
+                <a:latin typeface="+mj-lt"/>
               </a:rPr>
               <a:t> </a:t>
             </a:r>
             <a:r>
-              <a:rPr lang="en-US" sz="1800" b="0" strike="noStrike" spc="-1" dirty="0" err="1">
-                <a:solidFill>
-                  <a:srgbClr val="292929"/>
-                </a:solidFill>
-                <a:uFill>
-                  <a:solidFill>
-                    <a:srgbClr val="FFFFFF"/>
-                  </a:solidFill>
-                </a:uFill>
-                <a:latin typeface="Calibri"/>
-              </a:rPr>
-              <a:t>dazu</a:t>
-            </a:r>
-            <a:r>
-              <a:rPr lang="en-US" sz="1800" b="0" strike="noStrike" spc="-1" dirty="0">
-                <a:solidFill>
-                  <a:srgbClr val="292929"/>
-                </a:solidFill>
-                <a:uFill>
-                  <a:solidFill>
-                    <a:srgbClr val="FFFFFF"/>
-                  </a:solidFill>
-                </a:uFill>
-                <a:latin typeface="Calibri"/>
+              <a:rPr lang="en-US" spc="-1" dirty="0" err="1">
+                <a:solidFill>
+                  <a:srgbClr val="292929"/>
+                </a:solidFill>
+                <a:uFill>
+                  <a:solidFill>
+                    <a:srgbClr val="FFFFFF"/>
+                  </a:solidFill>
+                </a:uFill>
+                <a:latin typeface="+mj-lt"/>
+              </a:rPr>
+              <a:t>schreiben</a:t>
+            </a:r>
+            <a:r>
+              <a:rPr lang="en-US" spc="-1" dirty="0">
+                <a:solidFill>
+                  <a:srgbClr val="292929"/>
+                </a:solidFill>
+                <a:uFill>
+                  <a:solidFill>
+                    <a:srgbClr val="FFFFFF"/>
+                  </a:solidFill>
+                </a:uFill>
+                <a:latin typeface="+mj-lt"/>
+              </a:rPr>
+              <a:t> (</a:t>
+            </a:r>
+            <a:r>
+              <a:rPr lang="en-US" spc="-1" dirty="0" err="1">
+                <a:solidFill>
+                  <a:srgbClr val="292929"/>
+                </a:solidFill>
+                <a:uFill>
+                  <a:solidFill>
+                    <a:srgbClr val="FFFFFF"/>
+                  </a:solidFill>
+                </a:uFill>
+                <a:latin typeface="+mj-lt"/>
+              </a:rPr>
+              <a:t>oder</a:t>
+            </a:r>
+            <a:r>
+              <a:rPr lang="en-US" spc="-1" dirty="0">
+                <a:solidFill>
+                  <a:srgbClr val="292929"/>
+                </a:solidFill>
+                <a:uFill>
+                  <a:solidFill>
+                    <a:srgbClr val="FFFFFF"/>
+                  </a:solidFill>
+                </a:uFill>
+                <a:latin typeface="+mj-lt"/>
               </a:rPr>
               <a:t> </a:t>
             </a:r>
             <a:r>
-              <a:rPr lang="en-US" sz="1800" b="0" strike="noStrike" spc="-1" dirty="0" err="1">
-                <a:solidFill>
-                  <a:srgbClr val="292929"/>
-                </a:solidFill>
-                <a:uFill>
-                  <a:solidFill>
-                    <a:srgbClr val="FFFFFF"/>
-                  </a:solidFill>
-                </a:uFill>
-                <a:latin typeface="Calibri"/>
-              </a:rPr>
-              <a:t>noch</a:t>
-            </a:r>
-            <a:r>
-              <a:rPr lang="en-US" sz="1800" b="0" strike="noStrike" spc="-1" dirty="0">
-                <a:solidFill>
-                  <a:srgbClr val="292929"/>
-                </a:solidFill>
-                <a:uFill>
-                  <a:solidFill>
-                    <a:srgbClr val="FFFFFF"/>
-                  </a:solidFill>
-                </a:uFill>
-                <a:latin typeface="Calibri"/>
-              </a:rPr>
-              <a:t> das </a:t>
-            </a:r>
-            <a:r>
-              <a:rPr lang="en-US" sz="1800" b="0" strike="noStrike" spc="-1" dirty="0" err="1">
-                <a:solidFill>
-                  <a:srgbClr val="292929"/>
-                </a:solidFill>
-                <a:uFill>
-                  <a:solidFill>
-                    <a:srgbClr val="FFFFFF"/>
-                  </a:solidFill>
-                </a:uFill>
-                <a:latin typeface="Calibri"/>
-              </a:rPr>
-              <a:t>Definieren</a:t>
-            </a:r>
-            <a:r>
-              <a:rPr lang="en-US" sz="1800" b="0" strike="noStrike" spc="-1" dirty="0">
-                <a:solidFill>
-                  <a:srgbClr val="292929"/>
-                </a:solidFill>
-                <a:uFill>
-                  <a:solidFill>
-                    <a:srgbClr val="FFFFFF"/>
-                  </a:solidFill>
-                </a:uFill>
-                <a:latin typeface="Calibri"/>
-              </a:rPr>
-              <a:t> auf Package </a:t>
-            </a:r>
-            <a:r>
-              <a:rPr lang="en-US" sz="1800" b="0" strike="noStrike" spc="-1" dirty="0" err="1">
-                <a:solidFill>
-                  <a:srgbClr val="292929"/>
-                </a:solidFill>
-                <a:uFill>
-                  <a:solidFill>
-                    <a:srgbClr val="FFFFFF"/>
-                  </a:solidFill>
-                </a:uFill>
-                <a:latin typeface="Calibri"/>
-              </a:rPr>
-              <a:t>Ebene</a:t>
-            </a:r>
-            <a:endParaRPr lang="en-US" sz="1800" b="0" strike="noStrike" spc="-1" dirty="0">
+              <a:rPr lang="en-US" spc="-1" dirty="0" err="1">
+                <a:solidFill>
+                  <a:srgbClr val="292929"/>
+                </a:solidFill>
+                <a:uFill>
+                  <a:solidFill>
+                    <a:srgbClr val="FFFFFF"/>
+                  </a:solidFill>
+                </a:uFill>
+                <a:latin typeface="+mj-lt"/>
+              </a:rPr>
+              <a:t>Beispiel</a:t>
+            </a:r>
+            <a:r>
+              <a:rPr lang="en-US" spc="-1" dirty="0">
+                <a:solidFill>
+                  <a:srgbClr val="292929"/>
+                </a:solidFill>
+                <a:uFill>
+                  <a:solidFill>
+                    <a:srgbClr val="FFFFFF"/>
+                  </a:solidFill>
+                </a:uFill>
+                <a:latin typeface="+mj-lt"/>
+              </a:rPr>
+              <a:t>-Extension von JUnit)</a:t>
+            </a:r>
+            <a:endParaRPr lang="en-US" b="0" strike="noStrike" spc="-1" dirty="0">
               <a:solidFill>
                 <a:srgbClr val="292929"/>
               </a:solidFill>
@@ -37338,286 +36986,66 @@
                   <a:srgbClr val="FFFFFF"/>
                 </a:solidFill>
               </a:uFill>
-              <a:latin typeface="Calibri"/>
-            </a:endParaRPr>
-          </a:p>
-          <a:p>
-            <a:pPr>
+              <a:latin typeface="+mj-lt"/>
+            </a:endParaRPr>
+          </a:p>
+          <a:p>
+            <a:pPr marL="285840" indent="-285120">
               <a:lnSpc>
                 <a:spcPct val="100000"/>
               </a:lnSpc>
+              <a:buClr>
+                <a:srgbClr val="51A025"/>
+              </a:buClr>
+              <a:buFont typeface="Arial"/>
+              <a:buChar char="•"/>
             </a:pPr>
-            <a:endParaRPr lang="en-US" sz="1800" b="0" strike="noStrike" spc="-1" dirty="0">
-              <a:solidFill>
-                <a:srgbClr val="000000"/>
-              </a:solidFill>
-              <a:uFill>
-                <a:solidFill>
-                  <a:srgbClr val="FFFFFF"/>
-                </a:solidFill>
-              </a:uFill>
-              <a:latin typeface="Arial"/>
-            </a:endParaRPr>
-          </a:p>
-        </p:txBody>
-      </p:sp>
-      <p:sp>
-        <p:nvSpPr>
-          <p:cNvPr id="2" name="Rechteck 1">
-            <a:extLst>
-              <a:ext uri="{FF2B5EF4-FFF2-40B4-BE49-F238E27FC236}">
-                <a16:creationId xmlns:a16="http://schemas.microsoft.com/office/drawing/2014/main" id="{4C25BD1B-E012-44E0-8188-5E85E2008844}"/>
-              </a:ext>
-            </a:extLst>
-          </p:cNvPr>
-          <p:cNvSpPr/>
-          <p:nvPr/>
-        </p:nvSpPr>
-        <p:spPr>
-          <a:xfrm>
-            <a:off x="1308452" y="2902193"/>
-            <a:ext cx="4064741" cy="1456225"/>
-          </a:xfrm>
-          <a:prstGeom prst="rect">
-            <a:avLst/>
-          </a:prstGeom>
-          <a:solidFill>
-            <a:schemeClr val="bg1"/>
-          </a:solidFill>
-          <a:ln>
-            <a:solidFill>
-              <a:schemeClr val="tx1"/>
-            </a:solidFill>
-          </a:ln>
-        </p:spPr>
-        <p:style>
-          <a:lnRef idx="2">
-            <a:schemeClr val="accent1">
-              <a:shade val="50000"/>
-            </a:schemeClr>
-          </a:lnRef>
-          <a:fillRef idx="1">
-            <a:schemeClr val="accent1"/>
-          </a:fillRef>
-          <a:effectRef idx="0">
-            <a:schemeClr val="accent1"/>
-          </a:effectRef>
-          <a:fontRef idx="minor">
-            <a:schemeClr val="lt1"/>
-          </a:fontRef>
-        </p:style>
-        <p:txBody>
-          <a:bodyPr rtlCol="0" anchor="ctr"/>
-          <a:lstStyle/>
-          <a:p>
-            <a:r>
-              <a:rPr lang="de-DE" sz="900" dirty="0">
-                <a:solidFill>
-                  <a:schemeClr val="tx1"/>
-                </a:solidFill>
-              </a:rPr>
-              <a:t>@</a:t>
-            </a:r>
-            <a:r>
-              <a:rPr lang="de-DE" sz="900" dirty="0" err="1">
-                <a:solidFill>
-                  <a:schemeClr val="tx1"/>
-                </a:solidFill>
-              </a:rPr>
-              <a:t>SelectClasses</a:t>
-            </a:r>
-            <a:r>
-              <a:rPr lang="de-DE" sz="900" dirty="0">
-                <a:solidFill>
-                  <a:schemeClr val="tx1"/>
-                </a:solidFill>
-              </a:rPr>
-              <a:t>({RentCalculatorJunit4Test.class})</a:t>
-            </a:r>
-          </a:p>
-          <a:p>
-            <a:r>
-              <a:rPr lang="de-DE" sz="900" dirty="0">
-                <a:solidFill>
-                  <a:schemeClr val="tx1"/>
-                </a:solidFill>
-              </a:rPr>
-              <a:t>@</a:t>
-            </a:r>
-            <a:r>
-              <a:rPr lang="de-DE" sz="900" dirty="0" err="1">
-                <a:solidFill>
-                  <a:schemeClr val="tx1"/>
-                </a:solidFill>
-              </a:rPr>
-              <a:t>SelectPackages</a:t>
-            </a:r>
-            <a:r>
-              <a:rPr lang="de-DE" sz="900" dirty="0">
-                <a:solidFill>
-                  <a:schemeClr val="tx1"/>
-                </a:solidFill>
-              </a:rPr>
-              <a:t>({"</a:t>
-            </a:r>
-            <a:r>
-              <a:rPr lang="de-DE" sz="900" dirty="0" err="1">
-                <a:solidFill>
-                  <a:schemeClr val="tx1"/>
-                </a:solidFill>
-              </a:rPr>
-              <a:t>expectedException</a:t>
-            </a:r>
-            <a:r>
-              <a:rPr lang="de-DE" sz="900" dirty="0">
-                <a:solidFill>
-                  <a:schemeClr val="tx1"/>
-                </a:solidFill>
-              </a:rPr>
-              <a:t>"})</a:t>
-            </a:r>
-          </a:p>
-          <a:p>
-            <a:r>
-              <a:rPr lang="de-DE" sz="900" dirty="0">
-                <a:solidFill>
-                  <a:schemeClr val="tx1"/>
-                </a:solidFill>
-              </a:rPr>
-              <a:t>@</a:t>
-            </a:r>
-            <a:r>
-              <a:rPr lang="de-DE" sz="900" dirty="0" err="1">
-                <a:solidFill>
-                  <a:schemeClr val="tx1"/>
-                </a:solidFill>
-              </a:rPr>
-              <a:t>IncludeTags</a:t>
-            </a:r>
-            <a:r>
-              <a:rPr lang="de-DE" sz="900" dirty="0">
-                <a:solidFill>
-                  <a:schemeClr val="tx1"/>
-                </a:solidFill>
-              </a:rPr>
-              <a:t>({"</a:t>
-            </a:r>
-            <a:r>
-              <a:rPr lang="de-DE" sz="900" dirty="0" err="1">
-                <a:solidFill>
-                  <a:schemeClr val="tx1"/>
-                </a:solidFill>
-              </a:rPr>
-              <a:t>short</a:t>
-            </a:r>
-            <a:r>
-              <a:rPr lang="de-DE" sz="900" dirty="0">
-                <a:solidFill>
-                  <a:schemeClr val="tx1"/>
-                </a:solidFill>
-              </a:rPr>
-              <a:t>","</a:t>
-            </a:r>
-            <a:r>
-              <a:rPr lang="de-DE" sz="900" dirty="0" err="1">
-                <a:solidFill>
-                  <a:schemeClr val="tx1"/>
-                </a:solidFill>
-              </a:rPr>
-              <a:t>long</a:t>
-            </a:r>
-            <a:r>
-              <a:rPr lang="de-DE" sz="900" dirty="0">
-                <a:solidFill>
-                  <a:schemeClr val="tx1"/>
-                </a:solidFill>
-              </a:rPr>
-              <a:t>"})</a:t>
-            </a:r>
-          </a:p>
-          <a:p>
-            <a:r>
-              <a:rPr lang="de-DE" sz="900" dirty="0" err="1">
-                <a:solidFill>
-                  <a:schemeClr val="tx1"/>
-                </a:solidFill>
-              </a:rPr>
-              <a:t>public</a:t>
-            </a:r>
-            <a:r>
-              <a:rPr lang="de-DE" sz="900" dirty="0">
-                <a:solidFill>
-                  <a:schemeClr val="tx1"/>
-                </a:solidFill>
-              </a:rPr>
-              <a:t> </a:t>
-            </a:r>
-            <a:r>
-              <a:rPr lang="de-DE" sz="900" dirty="0" err="1">
-                <a:solidFill>
-                  <a:schemeClr val="tx1"/>
-                </a:solidFill>
-              </a:rPr>
-              <a:t>class</a:t>
-            </a:r>
-            <a:r>
-              <a:rPr lang="de-DE" sz="900" dirty="0">
-                <a:solidFill>
-                  <a:schemeClr val="tx1"/>
-                </a:solidFill>
-              </a:rPr>
-              <a:t> </a:t>
-            </a:r>
-            <a:r>
-              <a:rPr lang="de-DE" sz="900" dirty="0" err="1">
-                <a:solidFill>
-                  <a:schemeClr val="tx1"/>
-                </a:solidFill>
-              </a:rPr>
-              <a:t>TestSuite</a:t>
-            </a:r>
-            <a:r>
-              <a:rPr lang="de-DE" sz="900" dirty="0">
-                <a:solidFill>
-                  <a:schemeClr val="tx1"/>
-                </a:solidFill>
-              </a:rPr>
-              <a:t>{</a:t>
-            </a:r>
-          </a:p>
-          <a:p>
-            <a:r>
-              <a:rPr lang="de-DE" sz="900" dirty="0">
-                <a:solidFill>
-                  <a:schemeClr val="tx1"/>
-                </a:solidFill>
-              </a:rPr>
-              <a:t>    </a:t>
-            </a:r>
-          </a:p>
-          <a:p>
-            <a:endParaRPr lang="de-DE" sz="900" dirty="0">
-              <a:solidFill>
-                <a:schemeClr val="tx1"/>
-              </a:solidFill>
-            </a:endParaRPr>
-          </a:p>
-          <a:p>
-            <a:r>
-              <a:rPr lang="de-DE" sz="900" dirty="0">
-                <a:solidFill>
-                  <a:schemeClr val="tx1"/>
-                </a:solidFill>
-              </a:rPr>
-              <a:t>}</a:t>
-            </a:r>
+            <a:r>
+              <a:rPr lang="en-US" spc="-1" dirty="0">
+                <a:solidFill>
+                  <a:srgbClr val="292929"/>
+                </a:solidFill>
+                <a:uFill>
+                  <a:solidFill>
+                    <a:srgbClr val="FFFFFF"/>
+                  </a:solidFill>
+                </a:uFill>
+                <a:latin typeface="+mj-lt"/>
+              </a:rPr>
+              <a:t>Extension </a:t>
+            </a:r>
+            <a:r>
+              <a:rPr lang="en-US" spc="-1" dirty="0" err="1">
+                <a:solidFill>
+                  <a:srgbClr val="292929"/>
+                </a:solidFill>
+                <a:uFill>
+                  <a:solidFill>
+                    <a:srgbClr val="FFFFFF"/>
+                  </a:solidFill>
+                </a:uFill>
+                <a:latin typeface="+mj-lt"/>
+              </a:rPr>
+              <a:t>verwenden</a:t>
+            </a:r>
+            <a:endParaRPr lang="en-US" spc="-1" dirty="0">
+              <a:solidFill>
+                <a:srgbClr val="292929"/>
+              </a:solidFill>
+              <a:uFill>
+                <a:solidFill>
+                  <a:srgbClr val="FFFFFF"/>
+                </a:solidFill>
+              </a:uFill>
+              <a:latin typeface="+mj-lt"/>
+            </a:endParaRPr>
           </a:p>
         </p:txBody>
       </p:sp>
     </p:spTree>
     <p:extLst>
       <p:ext uri="{BB962C8B-B14F-4D97-AF65-F5344CB8AC3E}">
-        <p14:creationId xmlns:p14="http://schemas.microsoft.com/office/powerpoint/2010/main" val="1755471618"/>
+        <p14:creationId xmlns:p14="http://schemas.microsoft.com/office/powerpoint/2010/main" val="3990155"/>
       </p:ext>
     </p:extLst>
   </p:cSld>
@@ -37673,7 +37101,7 @@
       </p:grpSpPr>
       <p:sp>
         <p:nvSpPr>
-          <p:cNvPr id="667" name="CustomShape 1"/>
+          <p:cNvPr id="683" name="CustomShape 1"/>
           <p:cNvSpPr/>
           <p:nvPr/>
         </p:nvSpPr>
@@ -37741,7 +37169,7 @@
       </p:sp>
       <p:sp>
         <p:nvSpPr>
-          <p:cNvPr id="668" name="CustomShape 2"/>
+          <p:cNvPr id="684" name="CustomShape 2"/>
           <p:cNvSpPr/>
           <p:nvPr/>
         </p:nvSpPr>
@@ -37780,7 +37208,7 @@
               </a:lnSpc>
             </a:pPr>
             <a:r>
-              <a:rPr lang="en-US" sz="2400" b="0" strike="noStrike" spc="-1">
+              <a:rPr lang="en-US" sz="2400" b="0" strike="noStrike" spc="-1" dirty="0" err="1">
                 <a:solidFill>
                   <a:srgbClr val="004C93"/>
                 </a:solidFill>
@@ -37791,9 +37219,9 @@
                 </a:uFill>
                 <a:latin typeface="Calibri"/>
               </a:rPr>
-              <a:t>Abstract Tests nach Contracts</a:t>
-            </a:r>
-            <a:endParaRPr lang="en-US" sz="1800" b="0" strike="noStrike" spc="-1">
+              <a:t>MockenTest</a:t>
+            </a:r>
+            <a:endParaRPr lang="en-US" sz="1800" b="0" strike="noStrike" spc="-1" dirty="0">
               <a:solidFill>
                 <a:srgbClr val="000000"/>
               </a:solidFill>
@@ -37809,14 +37237,120 @@
       </p:sp>
       <p:sp>
         <p:nvSpPr>
-          <p:cNvPr id="669" name="CustomShape 3"/>
+          <p:cNvPr id="686" name="CustomShape 4"/>
           <p:cNvSpPr/>
           <p:nvPr/>
         </p:nvSpPr>
         <p:spPr>
           <a:xfrm>
-            <a:off x="457200" y="1483200"/>
-            <a:ext cx="4823280" cy="3239280"/>
+            <a:off x="8626680" y="180360"/>
+            <a:ext cx="350280" cy="155160"/>
+          </a:xfrm>
+          <a:prstGeom prst="rect">
+            <a:avLst/>
+          </a:prstGeom>
+          <a:noFill/>
+          <a:ln w="9360">
+            <a:noFill/>
+          </a:ln>
+        </p:spPr>
+        <p:style>
+          <a:lnRef idx="0">
+            <a:scrgbClr r="0" g="0" b="0"/>
+          </a:lnRef>
+          <a:fillRef idx="0">
+            <a:scrgbClr r="0" g="0" b="0"/>
+          </a:fillRef>
+          <a:effectRef idx="0">
+            <a:scrgbClr r="0" g="0" b="0"/>
+          </a:effectRef>
+          <a:fontRef idx="minor"/>
+        </p:style>
+        <p:txBody>
+          <a:bodyPr lIns="0" tIns="0" rIns="0" bIns="0"/>
+          <a:lstStyle/>
+          <a:p>
+            <a:pPr algn="ctr">
+              <a:lnSpc>
+                <a:spcPct val="100000"/>
+              </a:lnSpc>
+            </a:pPr>
+            <a:fld id="{6F82BE0B-28F8-4E8B-89B8-EFA9010AFB71}" type="slidenum">
+              <a:rPr lang="en-US" sz="1000" b="0" strike="noStrike" spc="-1">
+                <a:solidFill>
+                  <a:srgbClr val="51A025"/>
+                </a:solidFill>
+                <a:uFill>
+                  <a:solidFill>
+                    <a:srgbClr val="FFFFFF"/>
+                  </a:solidFill>
+                </a:uFill>
+                <a:latin typeface="Calibri"/>
+              </a:rPr>
+              <a:t>25</a:t>
+            </a:fld>
+            <a:endParaRPr lang="en-US" sz="1800" b="0" strike="noStrike" spc="-1">
+              <a:solidFill>
+                <a:srgbClr val="000000"/>
+              </a:solidFill>
+              <a:uFill>
+                <a:solidFill>
+                  <a:srgbClr val="FFFFFF"/>
+                </a:solidFill>
+              </a:uFill>
+              <a:latin typeface="Arial"/>
+            </a:endParaRPr>
+          </a:p>
+        </p:txBody>
+      </p:sp>
+      <p:sp>
+        <p:nvSpPr>
+          <p:cNvPr id="687" name="CustomShape 5"/>
+          <p:cNvSpPr/>
+          <p:nvPr/>
+        </p:nvSpPr>
+        <p:spPr>
+          <a:xfrm>
+            <a:off x="8047440" y="640800"/>
+            <a:ext cx="751320" cy="373680"/>
+          </a:xfrm>
+          <a:prstGeom prst="rect">
+            <a:avLst/>
+          </a:prstGeom>
+          <a:noFill/>
+          <a:ln>
+            <a:noFill/>
+          </a:ln>
+        </p:spPr>
+        <p:style>
+          <a:lnRef idx="0">
+            <a:scrgbClr r="0" g="0" b="0"/>
+          </a:lnRef>
+          <a:fillRef idx="0">
+            <a:scrgbClr r="0" g="0" b="0"/>
+          </a:fillRef>
+          <a:effectRef idx="0">
+            <a:scrgbClr r="0" g="0" b="0"/>
+          </a:effectRef>
+          <a:fontRef idx="minor"/>
+        </p:style>
+      </p:sp>
+      <p:sp>
+        <p:nvSpPr>
+          <p:cNvPr id="9" name="CustomShape 3">
+            <a:extLst>
+              <a:ext uri="{FF2B5EF4-FFF2-40B4-BE49-F238E27FC236}">
+                <a16:creationId xmlns:a16="http://schemas.microsoft.com/office/drawing/2014/main" id="{EA55C943-3A99-420F-AFAC-38FDA97383E7}"/>
+              </a:ext>
+            </a:extLst>
+          </p:cNvPr>
+          <p:cNvSpPr/>
+          <p:nvPr/>
+        </p:nvSpPr>
+        <p:spPr>
+          <a:xfrm>
+            <a:off x="457200" y="1692000"/>
+            <a:ext cx="8207280" cy="3041280"/>
           </a:xfrm>
           <a:prstGeom prst="rect">
             <a:avLst/>
@@ -37842,636 +37376,51 @@
           <a:bodyPr lIns="90000" tIns="45000" rIns="90000" bIns="45000"/>
           <a:lstStyle/>
           <a:p>
-            <a:pPr>
+            <a:pPr marL="720">
               <a:lnSpc>
                 <a:spcPct val="100000"/>
               </a:lnSpc>
+              <a:buClr>
+                <a:srgbClr val="51A025"/>
+              </a:buClr>
             </a:pPr>
             <a:r>
-              <a:rPr lang="en-US" sz="1800" b="0" strike="noStrike" spc="-1" dirty="0">
-                <a:solidFill>
-                  <a:srgbClr val="292929"/>
-                </a:solidFill>
-                <a:uFill>
-                  <a:solidFill>
-                    <a:srgbClr val="FFFFFF"/>
-                  </a:solidFill>
-                </a:uFill>
-                <a:latin typeface="Calibri"/>
-              </a:rPr>
-              <a:t>JUnit 4 </a:t>
-            </a:r>
-            <a:r>
-              <a:rPr lang="en-US" sz="1800" b="0" strike="noStrike" spc="-1" dirty="0" err="1">
-                <a:solidFill>
-                  <a:srgbClr val="292929"/>
-                </a:solidFill>
-                <a:uFill>
-                  <a:solidFill>
-                    <a:srgbClr val="FFFFFF"/>
-                  </a:solidFill>
-                </a:uFill>
-                <a:latin typeface="Calibri"/>
-              </a:rPr>
-              <a:t>verwendet</a:t>
-            </a:r>
-            <a:r>
-              <a:rPr lang="en-US" sz="1800" b="0" strike="noStrike" spc="-1" dirty="0">
-                <a:solidFill>
-                  <a:srgbClr val="292929"/>
-                </a:solidFill>
-                <a:uFill>
-                  <a:solidFill>
-                    <a:srgbClr val="FFFFFF"/>
-                  </a:solidFill>
-                </a:uFill>
-                <a:latin typeface="Calibri"/>
-              </a:rPr>
-              <a:t> Abstract Tests </a:t>
-            </a:r>
-            <a:endParaRPr lang="en-US" sz="1800" b="0" strike="noStrike" spc="-1" dirty="0">
-              <a:solidFill>
-                <a:srgbClr val="000000"/>
-              </a:solidFill>
-              <a:uFill>
-                <a:solidFill>
-                  <a:srgbClr val="FFFFFF"/>
-                </a:solidFill>
-              </a:uFill>
-              <a:latin typeface="Arial"/>
-            </a:endParaRPr>
-          </a:p>
-          <a:p>
-            <a:pPr>
-              <a:lnSpc>
-                <a:spcPct val="100000"/>
-              </a:lnSpc>
-            </a:pPr>
-            <a:endParaRPr lang="en-US" sz="1800" b="0" strike="noStrike" spc="-1" dirty="0">
-              <a:solidFill>
-                <a:srgbClr val="000000"/>
-              </a:solidFill>
-              <a:uFill>
-                <a:solidFill>
-                  <a:srgbClr val="FFFFFF"/>
-                </a:solidFill>
-              </a:uFill>
-              <a:latin typeface="Arial"/>
-            </a:endParaRPr>
-          </a:p>
-          <a:p>
-            <a:pPr>
-              <a:lnSpc>
-                <a:spcPct val="100000"/>
-              </a:lnSpc>
-            </a:pPr>
-            <a:r>
-              <a:rPr lang="en-US" sz="1800" b="0" strike="noStrike" spc="-1" dirty="0" err="1">
-                <a:solidFill>
-                  <a:srgbClr val="292929"/>
-                </a:solidFill>
-                <a:uFill>
-                  <a:solidFill>
-                    <a:srgbClr val="FFFFFF"/>
-                  </a:solidFill>
-                </a:uFill>
-                <a:latin typeface="Calibri"/>
-              </a:rPr>
-              <a:t>Mit</a:t>
-            </a:r>
-            <a:r>
-              <a:rPr lang="en-US" sz="1800" b="0" strike="noStrike" spc="-1" dirty="0">
-                <a:solidFill>
-                  <a:srgbClr val="292929"/>
-                </a:solidFill>
-                <a:uFill>
-                  <a:solidFill>
-                    <a:srgbClr val="FFFFFF"/>
-                  </a:solidFill>
-                </a:uFill>
-                <a:latin typeface="Calibri"/>
-              </a:rPr>
-              <a:t> JUnit 5 und Java 8 </a:t>
-            </a:r>
-            <a:r>
-              <a:rPr lang="en-US" sz="1800" b="0" strike="noStrike" spc="-1" dirty="0" err="1">
-                <a:solidFill>
-                  <a:srgbClr val="292929"/>
-                </a:solidFill>
-                <a:uFill>
-                  <a:solidFill>
-                    <a:srgbClr val="FFFFFF"/>
-                  </a:solidFill>
-                </a:uFill>
-                <a:latin typeface="Calibri"/>
-              </a:rPr>
-              <a:t>steht</a:t>
-            </a:r>
-            <a:r>
-              <a:rPr lang="en-US" sz="1800" b="0" strike="noStrike" spc="-1" dirty="0">
-                <a:solidFill>
-                  <a:srgbClr val="292929"/>
-                </a:solidFill>
-                <a:uFill>
-                  <a:solidFill>
-                    <a:srgbClr val="FFFFFF"/>
-                  </a:solidFill>
-                </a:uFill>
-                <a:latin typeface="Calibri"/>
-              </a:rPr>
-              <a:t> </a:t>
-            </a:r>
-            <a:r>
-              <a:rPr lang="en-US" sz="1800" b="0" strike="noStrike" spc="-1" dirty="0" err="1">
-                <a:solidFill>
-                  <a:srgbClr val="292929"/>
-                </a:solidFill>
-                <a:uFill>
-                  <a:solidFill>
-                    <a:srgbClr val="FFFFFF"/>
-                  </a:solidFill>
-                </a:uFill>
-                <a:latin typeface="Calibri"/>
-              </a:rPr>
-              <a:t>eine</a:t>
-            </a:r>
-            <a:r>
-              <a:rPr lang="en-US" sz="1800" b="0" strike="noStrike" spc="-1" dirty="0">
-                <a:solidFill>
-                  <a:srgbClr val="292929"/>
-                </a:solidFill>
-                <a:uFill>
-                  <a:solidFill>
-                    <a:srgbClr val="FFFFFF"/>
-                  </a:solidFill>
-                </a:uFill>
-                <a:latin typeface="Calibri"/>
-              </a:rPr>
-              <a:t> </a:t>
-            </a:r>
-            <a:r>
-              <a:rPr lang="en-US" sz="1800" b="0" strike="noStrike" spc="-1" dirty="0" err="1">
-                <a:solidFill>
-                  <a:srgbClr val="292929"/>
-                </a:solidFill>
-                <a:uFill>
-                  <a:solidFill>
-                    <a:srgbClr val="FFFFFF"/>
-                  </a:solidFill>
-                </a:uFill>
-                <a:latin typeface="Calibri"/>
-              </a:rPr>
-              <a:t>neue</a:t>
-            </a:r>
-            <a:r>
-              <a:rPr lang="en-US" sz="1800" b="0" strike="noStrike" spc="-1" dirty="0">
-                <a:solidFill>
-                  <a:srgbClr val="292929"/>
-                </a:solidFill>
-                <a:uFill>
-                  <a:solidFill>
-                    <a:srgbClr val="FFFFFF"/>
-                  </a:solidFill>
-                </a:uFill>
-                <a:latin typeface="Calibri"/>
-              </a:rPr>
-              <a:t> </a:t>
-            </a:r>
-            <a:r>
-              <a:rPr lang="en-US" sz="1800" b="0" strike="noStrike" spc="-1" dirty="0" err="1">
-                <a:solidFill>
-                  <a:srgbClr val="292929"/>
-                </a:solidFill>
-                <a:uFill>
-                  <a:solidFill>
-                    <a:srgbClr val="FFFFFF"/>
-                  </a:solidFill>
-                </a:uFill>
-                <a:latin typeface="Calibri"/>
-              </a:rPr>
-              <a:t>Schreibweise</a:t>
-            </a:r>
-            <a:r>
-              <a:rPr lang="en-US" sz="1800" b="0" strike="noStrike" spc="-1" dirty="0">
-                <a:solidFill>
-                  <a:srgbClr val="292929"/>
-                </a:solidFill>
-                <a:uFill>
-                  <a:solidFill>
-                    <a:srgbClr val="FFFFFF"/>
-                  </a:solidFill>
-                </a:uFill>
-                <a:latin typeface="Calibri"/>
-              </a:rPr>
-              <a:t> </a:t>
-            </a:r>
-            <a:r>
-              <a:rPr lang="en-US" sz="1800" b="0" strike="noStrike" spc="-1" dirty="0" err="1">
-                <a:solidFill>
-                  <a:srgbClr val="292929"/>
-                </a:solidFill>
-                <a:uFill>
-                  <a:solidFill>
-                    <a:srgbClr val="FFFFFF"/>
-                  </a:solidFill>
-                </a:uFill>
-                <a:latin typeface="Calibri"/>
-              </a:rPr>
-              <a:t>zur</a:t>
-            </a:r>
-            <a:r>
-              <a:rPr lang="en-US" sz="1800" b="0" strike="noStrike" spc="-1" dirty="0">
-                <a:solidFill>
-                  <a:srgbClr val="292929"/>
-                </a:solidFill>
-                <a:uFill>
-                  <a:solidFill>
-                    <a:srgbClr val="FFFFFF"/>
-                  </a:solidFill>
-                </a:uFill>
-                <a:latin typeface="Calibri"/>
-              </a:rPr>
-              <a:t> </a:t>
-            </a:r>
-            <a:r>
-              <a:rPr lang="en-US" sz="1800" b="0" strike="noStrike" spc="-1" dirty="0" err="1">
-                <a:solidFill>
-                  <a:srgbClr val="292929"/>
-                </a:solidFill>
-                <a:uFill>
-                  <a:solidFill>
-                    <a:srgbClr val="FFFFFF"/>
-                  </a:solidFill>
-                </a:uFill>
-                <a:latin typeface="Calibri"/>
-              </a:rPr>
-              <a:t>Verfügung</a:t>
-            </a:r>
-            <a:r>
-              <a:rPr lang="en-US" sz="1800" b="0" strike="noStrike" spc="-1" dirty="0">
-                <a:solidFill>
-                  <a:srgbClr val="292929"/>
-                </a:solidFill>
-                <a:uFill>
-                  <a:solidFill>
-                    <a:srgbClr val="FFFFFF"/>
-                  </a:solidFill>
-                </a:uFill>
-                <a:latin typeface="Calibri"/>
-              </a:rPr>
-              <a:t>.</a:t>
-            </a:r>
-            <a:endParaRPr lang="en-US" sz="1800" b="0" strike="noStrike" spc="-1" dirty="0">
-              <a:solidFill>
-                <a:srgbClr val="000000"/>
-              </a:solidFill>
-              <a:uFill>
-                <a:solidFill>
-                  <a:srgbClr val="FFFFFF"/>
-                </a:solidFill>
-              </a:uFill>
-              <a:latin typeface="Arial"/>
-            </a:endParaRPr>
-          </a:p>
-          <a:p>
-            <a:pPr>
-              <a:lnSpc>
-                <a:spcPct val="100000"/>
-              </a:lnSpc>
-            </a:pPr>
-            <a:r>
-              <a:rPr lang="en-US" sz="1800" b="0" strike="noStrike" spc="-1" dirty="0" err="1">
-                <a:solidFill>
-                  <a:srgbClr val="292929"/>
-                </a:solidFill>
-                <a:uFill>
-                  <a:solidFill>
-                    <a:srgbClr val="FFFFFF"/>
-                  </a:solidFill>
-                </a:uFill>
-                <a:latin typeface="Calibri"/>
-              </a:rPr>
-              <a:t>Hier</a:t>
-            </a:r>
-            <a:r>
-              <a:rPr lang="en-US" sz="1800" b="0" strike="noStrike" spc="-1" dirty="0">
-                <a:solidFill>
-                  <a:srgbClr val="292929"/>
-                </a:solidFill>
-                <a:uFill>
-                  <a:solidFill>
-                    <a:srgbClr val="FFFFFF"/>
-                  </a:solidFill>
-                </a:uFill>
-                <a:latin typeface="Calibri"/>
-              </a:rPr>
-              <a:t> </a:t>
-            </a:r>
-            <a:r>
-              <a:rPr lang="en-US" sz="1800" b="0" strike="noStrike" spc="-1" dirty="0" err="1">
-                <a:solidFill>
-                  <a:srgbClr val="292929"/>
-                </a:solidFill>
-                <a:uFill>
-                  <a:solidFill>
-                    <a:srgbClr val="FFFFFF"/>
-                  </a:solidFill>
-                </a:uFill>
-                <a:latin typeface="Calibri"/>
-              </a:rPr>
-              <a:t>werden</a:t>
-            </a:r>
-            <a:r>
-              <a:rPr lang="en-US" sz="1800" b="0" strike="noStrike" spc="-1" dirty="0">
-                <a:solidFill>
-                  <a:srgbClr val="292929"/>
-                </a:solidFill>
-                <a:uFill>
-                  <a:solidFill>
-                    <a:srgbClr val="FFFFFF"/>
-                  </a:solidFill>
-                </a:uFill>
-                <a:latin typeface="Calibri"/>
-              </a:rPr>
-              <a:t> </a:t>
-            </a:r>
-            <a:r>
-              <a:rPr lang="en-US" sz="1800" b="0" strike="noStrike" spc="-1" dirty="0" err="1">
-                <a:solidFill>
-                  <a:srgbClr val="292929"/>
-                </a:solidFill>
-                <a:uFill>
-                  <a:solidFill>
-                    <a:srgbClr val="FFFFFF"/>
-                  </a:solidFill>
-                </a:uFill>
-                <a:latin typeface="Calibri"/>
-              </a:rPr>
-              <a:t>solche</a:t>
-            </a:r>
-            <a:r>
-              <a:rPr lang="en-US" sz="1800" b="0" strike="noStrike" spc="-1" dirty="0">
-                <a:solidFill>
-                  <a:srgbClr val="292929"/>
-                </a:solidFill>
-                <a:uFill>
-                  <a:solidFill>
-                    <a:srgbClr val="FFFFFF"/>
-                  </a:solidFill>
-                </a:uFill>
-                <a:latin typeface="Calibri"/>
-              </a:rPr>
-              <a:t> Test </a:t>
-            </a:r>
-            <a:r>
-              <a:rPr lang="en-US" sz="1800" b="0" strike="noStrike" spc="-1" dirty="0" err="1">
-                <a:solidFill>
-                  <a:srgbClr val="292929"/>
-                </a:solidFill>
-                <a:uFill>
-                  <a:solidFill>
-                    <a:srgbClr val="FFFFFF"/>
-                  </a:solidFill>
-                </a:uFill>
-                <a:latin typeface="Calibri"/>
-              </a:rPr>
-              <a:t>als</a:t>
-            </a:r>
-            <a:r>
-              <a:rPr lang="en-US" sz="1800" b="0" strike="noStrike" spc="-1" dirty="0">
-                <a:solidFill>
-                  <a:srgbClr val="292929"/>
-                </a:solidFill>
-                <a:uFill>
-                  <a:solidFill>
-                    <a:srgbClr val="FFFFFF"/>
-                  </a:solidFill>
-                </a:uFill>
-                <a:latin typeface="Calibri"/>
-              </a:rPr>
-              <a:t> Contracts </a:t>
-            </a:r>
-            <a:r>
-              <a:rPr lang="en-US" sz="1800" b="0" strike="noStrike" spc="-1" dirty="0" err="1">
-                <a:solidFill>
-                  <a:srgbClr val="292929"/>
-                </a:solidFill>
-                <a:uFill>
-                  <a:solidFill>
-                    <a:srgbClr val="FFFFFF"/>
-                  </a:solidFill>
-                </a:uFill>
-                <a:latin typeface="Calibri"/>
-              </a:rPr>
-              <a:t>bezeichnet</a:t>
-            </a:r>
-            <a:r>
-              <a:rPr lang="en-US" sz="1800" b="0" strike="noStrike" spc="-1" dirty="0">
-                <a:solidFill>
-                  <a:srgbClr val="292929"/>
-                </a:solidFill>
-                <a:uFill>
-                  <a:solidFill>
-                    <a:srgbClr val="FFFFFF"/>
-                  </a:solidFill>
-                </a:uFill>
-                <a:latin typeface="Calibri"/>
-              </a:rPr>
-              <a:t>.</a:t>
-            </a:r>
-            <a:endParaRPr lang="en-US" sz="1800" b="0" strike="noStrike" spc="-1" dirty="0">
-              <a:solidFill>
-                <a:srgbClr val="000000"/>
-              </a:solidFill>
-              <a:uFill>
-                <a:solidFill>
-                  <a:srgbClr val="FFFFFF"/>
-                </a:solidFill>
-              </a:uFill>
-              <a:latin typeface="Arial"/>
-            </a:endParaRPr>
-          </a:p>
-          <a:p>
-            <a:pPr>
-              <a:lnSpc>
-                <a:spcPct val="100000"/>
-              </a:lnSpc>
-            </a:pPr>
-            <a:endParaRPr lang="en-US" sz="1800" b="0" strike="noStrike" spc="-1" dirty="0">
-              <a:solidFill>
-                <a:srgbClr val="000000"/>
-              </a:solidFill>
-              <a:uFill>
-                <a:solidFill>
-                  <a:srgbClr val="FFFFFF"/>
-                </a:solidFill>
-              </a:uFill>
-              <a:latin typeface="Arial"/>
-            </a:endParaRPr>
-          </a:p>
-          <a:p>
-            <a:pPr>
-              <a:lnSpc>
-                <a:spcPct val="100000"/>
-              </a:lnSpc>
-            </a:pPr>
-            <a:r>
-              <a:rPr lang="en-US" sz="1800" b="0" strike="noStrike" spc="-1" dirty="0">
-                <a:solidFill>
-                  <a:srgbClr val="292929"/>
-                </a:solidFill>
-                <a:uFill>
-                  <a:solidFill>
-                    <a:srgbClr val="FFFFFF"/>
-                  </a:solidFill>
-                </a:uFill>
-                <a:latin typeface="Calibri"/>
-              </a:rPr>
-              <a:t>Sie </a:t>
-            </a:r>
-            <a:r>
-              <a:rPr lang="en-US" sz="1800" b="0" strike="noStrike" spc="-1" dirty="0" err="1">
-                <a:solidFill>
-                  <a:srgbClr val="292929"/>
-                </a:solidFill>
-                <a:uFill>
-                  <a:solidFill>
-                    <a:srgbClr val="FFFFFF"/>
-                  </a:solidFill>
-                </a:uFill>
-                <a:latin typeface="Calibri"/>
-              </a:rPr>
-              <a:t>nutzten</a:t>
-            </a:r>
-            <a:r>
-              <a:rPr lang="en-US" sz="1800" b="0" strike="noStrike" spc="-1" dirty="0">
-                <a:solidFill>
-                  <a:srgbClr val="292929"/>
-                </a:solidFill>
-                <a:uFill>
-                  <a:solidFill>
-                    <a:srgbClr val="FFFFFF"/>
-                  </a:solidFill>
-                </a:uFill>
-                <a:latin typeface="Calibri"/>
-              </a:rPr>
-              <a:t> Java 8 Interfaces.</a:t>
-            </a:r>
-            <a:endParaRPr lang="en-US" sz="1800" b="0" strike="noStrike" spc="-1" dirty="0">
-              <a:solidFill>
-                <a:srgbClr val="000000"/>
-              </a:solidFill>
-              <a:uFill>
-                <a:solidFill>
-                  <a:srgbClr val="FFFFFF"/>
-                </a:solidFill>
-              </a:uFill>
-              <a:latin typeface="Arial"/>
-            </a:endParaRPr>
+              <a:rPr lang="en-US" b="0" strike="noStrike" spc="-1" dirty="0" err="1">
+                <a:solidFill>
+                  <a:srgbClr val="292929"/>
+                </a:solidFill>
+                <a:uFill>
+                  <a:solidFill>
+                    <a:srgbClr val="FFFFFF"/>
+                  </a:solidFill>
+                </a:uFill>
+                <a:latin typeface="+mj-lt"/>
+              </a:rPr>
+              <a:t>Lösung</a:t>
+            </a:r>
+            <a:r>
+              <a:rPr lang="en-US" b="0" strike="noStrike" spc="-1" dirty="0">
+                <a:solidFill>
+                  <a:srgbClr val="292929"/>
+                </a:solidFill>
+                <a:uFill>
+                  <a:solidFill>
+                    <a:srgbClr val="FFFFFF"/>
+                  </a:solidFill>
+                </a:uFill>
+                <a:latin typeface="+mj-lt"/>
+              </a:rPr>
+              <a:t>:</a:t>
+            </a:r>
           </a:p>
         </p:txBody>
       </p:sp>
-      <p:sp>
-        <p:nvSpPr>
-          <p:cNvPr id="670" name="CustomShape 4"/>
-          <p:cNvSpPr/>
-          <p:nvPr/>
-        </p:nvSpPr>
-        <p:spPr>
-          <a:xfrm>
-            <a:off x="8626680" y="180360"/>
-            <a:ext cx="350280" cy="155160"/>
-          </a:xfrm>
-          <a:prstGeom prst="rect">
-            <a:avLst/>
-          </a:prstGeom>
-          <a:noFill/>
-          <a:ln w="9360">
-            <a:noFill/>
-          </a:ln>
-        </p:spPr>
-        <p:style>
-          <a:lnRef idx="0">
-            <a:scrgbClr r="0" g="0" b="0"/>
-          </a:lnRef>
-          <a:fillRef idx="0">
-            <a:scrgbClr r="0" g="0" b="0"/>
-          </a:fillRef>
-          <a:effectRef idx="0">
-            <a:scrgbClr r="0" g="0" b="0"/>
-          </a:effectRef>
-          <a:fontRef idx="minor"/>
-        </p:style>
-        <p:txBody>
-          <a:bodyPr lIns="0" tIns="0" rIns="0" bIns="0"/>
-          <a:lstStyle/>
-          <a:p>
-            <a:pPr algn="ctr">
-              <a:lnSpc>
-                <a:spcPct val="100000"/>
-              </a:lnSpc>
-            </a:pPr>
-            <a:fld id="{F44BF771-09CA-44DA-BA0C-EC56BE8EFD37}" type="slidenum">
-              <a:rPr lang="en-US" sz="1000" b="0" strike="noStrike" spc="-1">
-                <a:solidFill>
-                  <a:srgbClr val="51A025"/>
-                </a:solidFill>
-                <a:uFill>
-                  <a:solidFill>
-                    <a:srgbClr val="FFFFFF"/>
-                  </a:solidFill>
-                </a:uFill>
-                <a:latin typeface="Calibri"/>
-              </a:rPr>
-              <a:t>25</a:t>
-            </a:fld>
-            <a:endParaRPr lang="en-US" sz="1800" b="0" strike="noStrike" spc="-1">
-              <a:solidFill>
-                <a:srgbClr val="000000"/>
-              </a:solidFill>
-              <a:uFill>
-                <a:solidFill>
-                  <a:srgbClr val="FFFFFF"/>
-                </a:solidFill>
-              </a:uFill>
-              <a:latin typeface="Arial"/>
-            </a:endParaRPr>
-          </a:p>
-        </p:txBody>
-      </p:sp>
-      <p:sp>
-        <p:nvSpPr>
-          <p:cNvPr id="671" name="CustomShape 5"/>
-          <p:cNvSpPr/>
-          <p:nvPr/>
-        </p:nvSpPr>
-        <p:spPr>
-          <a:xfrm>
-            <a:off x="8047440" y="640800"/>
-            <a:ext cx="751320" cy="373680"/>
-          </a:xfrm>
-          <a:prstGeom prst="rect">
-            <a:avLst/>
-          </a:prstGeom>
-          <a:noFill/>
-          <a:ln>
-            <a:noFill/>
-          </a:ln>
-        </p:spPr>
-        <p:style>
-          <a:lnRef idx="0">
-            <a:scrgbClr r="0" g="0" b="0"/>
-          </a:lnRef>
-          <a:fillRef idx="0">
-            <a:scrgbClr r="0" g="0" b="0"/>
-          </a:fillRef>
-          <a:effectRef idx="0">
-            <a:scrgbClr r="0" g="0" b="0"/>
-          </a:effectRef>
-          <a:fontRef idx="minor"/>
-        </p:style>
-      </p:sp>
     </p:spTree>
+    <p:extLst>
+      <p:ext uri="{BB962C8B-B14F-4D97-AF65-F5344CB8AC3E}">
+        <p14:creationId xmlns:p14="http://schemas.microsoft.com/office/powerpoint/2010/main" val="3993945758"/>
+      </p:ext>
+    </p:extLst>
   </p:cSld>
   <p:clrMapOvr>
     <a:masterClrMapping/>
@@ -38643,7 +37592,7 @@
                 </a:uFill>
                 <a:latin typeface="Calibri"/>
               </a:rPr>
-              <a:t>Feedback</a:t>
+              <a:t>Test Suites</a:t>
             </a:r>
             <a:endParaRPr lang="en-US" sz="1800" b="0" strike="noStrike" spc="-1" dirty="0">
               <a:solidFill>
@@ -38759,10 +37708,727 @@
           <a:fontRef idx="minor"/>
         </p:style>
       </p:sp>
+      <p:sp>
+        <p:nvSpPr>
+          <p:cNvPr id="8" name="CustomShape 3">
+            <a:extLst>
+              <a:ext uri="{FF2B5EF4-FFF2-40B4-BE49-F238E27FC236}">
+                <a16:creationId xmlns:a16="http://schemas.microsoft.com/office/drawing/2014/main" id="{4FF9EFF3-9CA1-4F4B-A867-631F30B5AD0B}"/>
+              </a:ext>
+            </a:extLst>
+          </p:cNvPr>
+          <p:cNvSpPr/>
+          <p:nvPr/>
+        </p:nvSpPr>
+        <p:spPr>
+          <a:xfrm>
+            <a:off x="457199" y="1483200"/>
+            <a:ext cx="8112797" cy="3239280"/>
+          </a:xfrm>
+          <a:prstGeom prst="rect">
+            <a:avLst/>
+          </a:prstGeom>
+          <a:noFill/>
+          <a:ln>
+            <a:noFill/>
+          </a:ln>
+        </p:spPr>
+        <p:style>
+          <a:lnRef idx="0">
+            <a:scrgbClr r="0" g="0" b="0"/>
+          </a:lnRef>
+          <a:fillRef idx="0">
+            <a:scrgbClr r="0" g="0" b="0"/>
+          </a:fillRef>
+          <a:effectRef idx="0">
+            <a:scrgbClr r="0" g="0" b="0"/>
+          </a:effectRef>
+          <a:fontRef idx="minor"/>
+        </p:style>
+        <p:txBody>
+          <a:bodyPr lIns="90000" tIns="45000" rIns="90000" bIns="45000"/>
+          <a:lstStyle/>
+          <a:p>
+            <a:pPr>
+              <a:lnSpc>
+                <a:spcPct val="100000"/>
+              </a:lnSpc>
+            </a:pPr>
+            <a:r>
+              <a:rPr lang="en-US" sz="1800" b="0" strike="noStrike" spc="-1" dirty="0">
+                <a:solidFill>
+                  <a:srgbClr val="292929"/>
+                </a:solidFill>
+                <a:uFill>
+                  <a:solidFill>
+                    <a:srgbClr val="FFFFFF"/>
+                  </a:solidFill>
+                </a:uFill>
+                <a:latin typeface="Calibri"/>
+              </a:rPr>
+              <a:t>JUnit </a:t>
+            </a:r>
+            <a:r>
+              <a:rPr lang="en-US" spc="-1" dirty="0">
+                <a:solidFill>
+                  <a:srgbClr val="292929"/>
+                </a:solidFill>
+                <a:uFill>
+                  <a:solidFill>
+                    <a:srgbClr val="FFFFFF"/>
+                  </a:solidFill>
+                </a:uFill>
+                <a:latin typeface="Calibri"/>
+              </a:rPr>
+              <a:t>4: Klassen </a:t>
+            </a:r>
+            <a:r>
+              <a:rPr lang="en-US" spc="-1" dirty="0" err="1">
+                <a:solidFill>
+                  <a:srgbClr val="292929"/>
+                </a:solidFill>
+                <a:uFill>
+                  <a:solidFill>
+                    <a:srgbClr val="FFFFFF"/>
+                  </a:solidFill>
+                </a:uFill>
+                <a:latin typeface="Calibri"/>
+              </a:rPr>
+              <a:t>können</a:t>
+            </a:r>
+            <a:r>
+              <a:rPr lang="en-US" spc="-1" dirty="0">
+                <a:solidFill>
+                  <a:srgbClr val="292929"/>
+                </a:solidFill>
+                <a:uFill>
+                  <a:solidFill>
+                    <a:srgbClr val="FFFFFF"/>
+                  </a:solidFill>
+                </a:uFill>
+                <a:latin typeface="Calibri"/>
+              </a:rPr>
+              <a:t> in Test Suites </a:t>
+            </a:r>
+            <a:r>
+              <a:rPr lang="en-US" spc="-1" dirty="0" err="1">
+                <a:solidFill>
+                  <a:srgbClr val="292929"/>
+                </a:solidFill>
+                <a:uFill>
+                  <a:solidFill>
+                    <a:srgbClr val="FFFFFF"/>
+                  </a:solidFill>
+                </a:uFill>
+                <a:latin typeface="Calibri"/>
+              </a:rPr>
+              <a:t>aufgelistet</a:t>
+            </a:r>
+            <a:r>
+              <a:rPr lang="en-US" spc="-1" dirty="0">
+                <a:solidFill>
+                  <a:srgbClr val="292929"/>
+                </a:solidFill>
+                <a:uFill>
+                  <a:solidFill>
+                    <a:srgbClr val="FFFFFF"/>
+                  </a:solidFill>
+                </a:uFill>
+                <a:latin typeface="Calibri"/>
+              </a:rPr>
+              <a:t> </a:t>
+            </a:r>
+            <a:r>
+              <a:rPr lang="en-US" spc="-1" dirty="0" err="1">
+                <a:solidFill>
+                  <a:srgbClr val="292929"/>
+                </a:solidFill>
+                <a:uFill>
+                  <a:solidFill>
+                    <a:srgbClr val="FFFFFF"/>
+                  </a:solidFill>
+                </a:uFill>
+                <a:latin typeface="Calibri"/>
+              </a:rPr>
+              <a:t>werden</a:t>
+            </a:r>
+            <a:r>
+              <a:rPr lang="en-US" spc="-1" dirty="0">
+                <a:solidFill>
+                  <a:srgbClr val="292929"/>
+                </a:solidFill>
+                <a:uFill>
+                  <a:solidFill>
+                    <a:srgbClr val="FFFFFF"/>
+                  </a:solidFill>
+                </a:uFill>
+                <a:latin typeface="Calibri"/>
+              </a:rPr>
+              <a:t>, um </a:t>
+            </a:r>
+            <a:r>
+              <a:rPr lang="en-US" spc="-1" dirty="0" err="1">
+                <a:solidFill>
+                  <a:srgbClr val="292929"/>
+                </a:solidFill>
+                <a:uFill>
+                  <a:solidFill>
+                    <a:srgbClr val="FFFFFF"/>
+                  </a:solidFill>
+                </a:uFill>
+                <a:latin typeface="Calibri"/>
+              </a:rPr>
+              <a:t>gemeinsam</a:t>
+            </a:r>
+            <a:r>
+              <a:rPr lang="en-US" spc="-1" dirty="0">
+                <a:solidFill>
+                  <a:srgbClr val="292929"/>
+                </a:solidFill>
+                <a:uFill>
+                  <a:solidFill>
+                    <a:srgbClr val="FFFFFF"/>
+                  </a:solidFill>
+                </a:uFill>
+                <a:latin typeface="Calibri"/>
+              </a:rPr>
+              <a:t> </a:t>
+            </a:r>
+            <a:r>
+              <a:rPr lang="en-US" spc="-1" dirty="0" err="1">
+                <a:solidFill>
+                  <a:srgbClr val="292929"/>
+                </a:solidFill>
+                <a:uFill>
+                  <a:solidFill>
+                    <a:srgbClr val="FFFFFF"/>
+                  </a:solidFill>
+                </a:uFill>
+                <a:latin typeface="Calibri"/>
+              </a:rPr>
+              <a:t>ausgeführt</a:t>
+            </a:r>
+            <a:r>
+              <a:rPr lang="en-US" spc="-1" dirty="0">
+                <a:solidFill>
+                  <a:srgbClr val="292929"/>
+                </a:solidFill>
+                <a:uFill>
+                  <a:solidFill>
+                    <a:srgbClr val="FFFFFF"/>
+                  </a:solidFill>
+                </a:uFill>
+                <a:latin typeface="Calibri"/>
+              </a:rPr>
+              <a:t> </a:t>
+            </a:r>
+            <a:r>
+              <a:rPr lang="en-US" spc="-1" dirty="0" err="1">
+                <a:solidFill>
+                  <a:srgbClr val="292929"/>
+                </a:solidFill>
+                <a:uFill>
+                  <a:solidFill>
+                    <a:srgbClr val="FFFFFF"/>
+                  </a:solidFill>
+                </a:uFill>
+                <a:latin typeface="Calibri"/>
+              </a:rPr>
+              <a:t>zu</a:t>
+            </a:r>
+            <a:r>
+              <a:rPr lang="en-US" spc="-1" dirty="0">
+                <a:solidFill>
+                  <a:srgbClr val="292929"/>
+                </a:solidFill>
+                <a:uFill>
+                  <a:solidFill>
+                    <a:srgbClr val="FFFFFF"/>
+                  </a:solidFill>
+                </a:uFill>
+                <a:latin typeface="Calibri"/>
+              </a:rPr>
+              <a:t> </a:t>
+            </a:r>
+            <a:r>
+              <a:rPr lang="en-US" spc="-1" dirty="0" err="1">
+                <a:solidFill>
+                  <a:srgbClr val="292929"/>
+                </a:solidFill>
+                <a:uFill>
+                  <a:solidFill>
+                    <a:srgbClr val="FFFFFF"/>
+                  </a:solidFill>
+                </a:uFill>
+                <a:latin typeface="Calibri"/>
+              </a:rPr>
+              <a:t>werden</a:t>
+            </a:r>
+            <a:endParaRPr lang="en-US" sz="1800" b="0" strike="noStrike" spc="-1" dirty="0">
+              <a:solidFill>
+                <a:srgbClr val="000000"/>
+              </a:solidFill>
+              <a:uFill>
+                <a:solidFill>
+                  <a:srgbClr val="FFFFFF"/>
+                </a:solidFill>
+              </a:uFill>
+              <a:latin typeface="Arial"/>
+            </a:endParaRPr>
+          </a:p>
+          <a:p>
+            <a:pPr>
+              <a:lnSpc>
+                <a:spcPct val="100000"/>
+              </a:lnSpc>
+            </a:pPr>
+            <a:endParaRPr lang="en-US" sz="1800" b="0" strike="noStrike" spc="-1" dirty="0">
+              <a:solidFill>
+                <a:srgbClr val="000000"/>
+              </a:solidFill>
+              <a:uFill>
+                <a:solidFill>
+                  <a:srgbClr val="FFFFFF"/>
+                </a:solidFill>
+              </a:uFill>
+              <a:latin typeface="Arial"/>
+            </a:endParaRPr>
+          </a:p>
+          <a:p>
+            <a:pPr>
+              <a:lnSpc>
+                <a:spcPct val="100000"/>
+              </a:lnSpc>
+            </a:pPr>
+            <a:r>
+              <a:rPr lang="en-US" sz="1800" b="0" strike="noStrike" spc="-1" dirty="0">
+                <a:solidFill>
+                  <a:srgbClr val="292929"/>
+                </a:solidFill>
+                <a:uFill>
+                  <a:solidFill>
+                    <a:srgbClr val="FFFFFF"/>
+                  </a:solidFill>
+                </a:uFill>
+                <a:latin typeface="Calibri"/>
+              </a:rPr>
+              <a:t>JUnit 5: </a:t>
+            </a:r>
+            <a:r>
+              <a:rPr lang="en-US" sz="1800" b="0" strike="noStrike" spc="-1" dirty="0" err="1">
+                <a:solidFill>
+                  <a:srgbClr val="292929"/>
+                </a:solidFill>
+                <a:uFill>
+                  <a:solidFill>
+                    <a:srgbClr val="FFFFFF"/>
+                  </a:solidFill>
+                </a:uFill>
+                <a:latin typeface="Calibri"/>
+              </a:rPr>
+              <a:t>Ermöglicht</a:t>
+            </a:r>
+            <a:r>
+              <a:rPr lang="en-US" sz="1800" b="0" strike="noStrike" spc="-1" dirty="0">
+                <a:solidFill>
+                  <a:srgbClr val="292929"/>
+                </a:solidFill>
+                <a:uFill>
+                  <a:solidFill>
+                    <a:srgbClr val="FFFFFF"/>
+                  </a:solidFill>
+                </a:uFill>
+                <a:latin typeface="Calibri"/>
+              </a:rPr>
+              <a:t> </a:t>
+            </a:r>
+            <a:r>
+              <a:rPr lang="en-US" sz="1800" b="0" strike="noStrike" spc="-1" dirty="0" err="1">
+                <a:solidFill>
+                  <a:srgbClr val="292929"/>
+                </a:solidFill>
+                <a:uFill>
+                  <a:solidFill>
+                    <a:srgbClr val="FFFFFF"/>
+                  </a:solidFill>
+                </a:uFill>
+                <a:latin typeface="Calibri"/>
+              </a:rPr>
+              <a:t>dazu</a:t>
+            </a:r>
+            <a:r>
+              <a:rPr lang="en-US" sz="1800" b="0" strike="noStrike" spc="-1" dirty="0">
+                <a:solidFill>
+                  <a:srgbClr val="292929"/>
+                </a:solidFill>
+                <a:uFill>
+                  <a:solidFill>
+                    <a:srgbClr val="FFFFFF"/>
+                  </a:solidFill>
+                </a:uFill>
+                <a:latin typeface="Calibri"/>
+              </a:rPr>
+              <a:t> </a:t>
+            </a:r>
+            <a:r>
+              <a:rPr lang="en-US" sz="1800" b="0" strike="noStrike" spc="-1" dirty="0" err="1">
+                <a:solidFill>
+                  <a:srgbClr val="292929"/>
+                </a:solidFill>
+                <a:uFill>
+                  <a:solidFill>
+                    <a:srgbClr val="FFFFFF"/>
+                  </a:solidFill>
+                </a:uFill>
+                <a:latin typeface="Calibri"/>
+              </a:rPr>
+              <a:t>noch</a:t>
+            </a:r>
+            <a:r>
+              <a:rPr lang="en-US" sz="1800" b="0" strike="noStrike" spc="-1" dirty="0">
+                <a:solidFill>
+                  <a:srgbClr val="292929"/>
+                </a:solidFill>
+                <a:uFill>
+                  <a:solidFill>
+                    <a:srgbClr val="FFFFFF"/>
+                  </a:solidFill>
+                </a:uFill>
+                <a:latin typeface="Calibri"/>
+              </a:rPr>
+              <a:t> das </a:t>
+            </a:r>
+            <a:r>
+              <a:rPr lang="en-US" sz="1800" b="0" strike="noStrike" spc="-1" dirty="0" err="1">
+                <a:solidFill>
+                  <a:srgbClr val="292929"/>
+                </a:solidFill>
+                <a:uFill>
+                  <a:solidFill>
+                    <a:srgbClr val="FFFFFF"/>
+                  </a:solidFill>
+                </a:uFill>
+                <a:latin typeface="Calibri"/>
+              </a:rPr>
+              <a:t>Definieren</a:t>
+            </a:r>
+            <a:r>
+              <a:rPr lang="en-US" sz="1800" b="0" strike="noStrike" spc="-1" dirty="0">
+                <a:solidFill>
+                  <a:srgbClr val="292929"/>
+                </a:solidFill>
+                <a:uFill>
+                  <a:solidFill>
+                    <a:srgbClr val="FFFFFF"/>
+                  </a:solidFill>
+                </a:uFill>
+                <a:latin typeface="Calibri"/>
+              </a:rPr>
+              <a:t> auf Package </a:t>
+            </a:r>
+            <a:r>
+              <a:rPr lang="en-US" sz="1800" b="0" strike="noStrike" spc="-1" dirty="0" err="1">
+                <a:solidFill>
+                  <a:srgbClr val="292929"/>
+                </a:solidFill>
+                <a:uFill>
+                  <a:solidFill>
+                    <a:srgbClr val="FFFFFF"/>
+                  </a:solidFill>
+                </a:uFill>
+                <a:latin typeface="Calibri"/>
+              </a:rPr>
+              <a:t>Ebene</a:t>
+            </a:r>
+            <a:endParaRPr lang="en-US" sz="1800" b="0" strike="noStrike" spc="-1" dirty="0">
+              <a:solidFill>
+                <a:srgbClr val="292929"/>
+              </a:solidFill>
+              <a:uFill>
+                <a:solidFill>
+                  <a:srgbClr val="FFFFFF"/>
+                </a:solidFill>
+              </a:uFill>
+              <a:latin typeface="Calibri"/>
+            </a:endParaRPr>
+          </a:p>
+          <a:p>
+            <a:pPr>
+              <a:lnSpc>
+                <a:spcPct val="100000"/>
+              </a:lnSpc>
+            </a:pPr>
+            <a:endParaRPr lang="en-US" sz="1800" b="0" strike="noStrike" spc="-1" dirty="0">
+              <a:solidFill>
+                <a:srgbClr val="000000"/>
+              </a:solidFill>
+              <a:uFill>
+                <a:solidFill>
+                  <a:srgbClr val="FFFFFF"/>
+                </a:solidFill>
+              </a:uFill>
+              <a:latin typeface="Arial"/>
+            </a:endParaRPr>
+          </a:p>
+        </p:txBody>
+      </p:sp>
+      <p:sp>
+        <p:nvSpPr>
+          <p:cNvPr id="2" name="Rechteck 1">
+            <a:extLst>
+              <a:ext uri="{FF2B5EF4-FFF2-40B4-BE49-F238E27FC236}">
+                <a16:creationId xmlns:a16="http://schemas.microsoft.com/office/drawing/2014/main" id="{4C25BD1B-E012-44E0-8188-5E85E2008844}"/>
+              </a:ext>
+            </a:extLst>
+          </p:cNvPr>
+          <p:cNvSpPr/>
+          <p:nvPr/>
+        </p:nvSpPr>
+        <p:spPr>
+          <a:xfrm>
+            <a:off x="1308452" y="2902193"/>
+            <a:ext cx="4064741" cy="1456225"/>
+          </a:xfrm>
+          <a:prstGeom prst="rect">
+            <a:avLst/>
+          </a:prstGeom>
+          <a:solidFill>
+            <a:schemeClr val="bg1"/>
+          </a:solidFill>
+          <a:ln>
+            <a:solidFill>
+              <a:schemeClr val="tx1"/>
+            </a:solidFill>
+          </a:ln>
+        </p:spPr>
+        <p:style>
+          <a:lnRef idx="2">
+            <a:schemeClr val="accent1">
+              <a:shade val="50000"/>
+            </a:schemeClr>
+          </a:lnRef>
+          <a:fillRef idx="1">
+            <a:schemeClr val="accent1"/>
+          </a:fillRef>
+          <a:effectRef idx="0">
+            <a:schemeClr val="accent1"/>
+          </a:effectRef>
+          <a:fontRef idx="minor">
+            <a:schemeClr val="lt1"/>
+          </a:fontRef>
+        </p:style>
+        <p:txBody>
+          <a:bodyPr rtlCol="0" anchor="ctr"/>
+          <a:lstStyle/>
+          <a:p>
+            <a:r>
+              <a:rPr lang="de-DE" sz="900" dirty="0">
+                <a:solidFill>
+                  <a:schemeClr val="tx1"/>
+                </a:solidFill>
+              </a:rPr>
+              <a:t>@</a:t>
+            </a:r>
+            <a:r>
+              <a:rPr lang="de-DE" sz="900" dirty="0" err="1">
+                <a:solidFill>
+                  <a:schemeClr val="tx1"/>
+                </a:solidFill>
+              </a:rPr>
+              <a:t>SelectClasses</a:t>
+            </a:r>
+            <a:r>
+              <a:rPr lang="de-DE" sz="900" dirty="0">
+                <a:solidFill>
+                  <a:schemeClr val="tx1"/>
+                </a:solidFill>
+              </a:rPr>
+              <a:t>({RentCalculatorJunit4Test.class})</a:t>
+            </a:r>
+          </a:p>
+          <a:p>
+            <a:r>
+              <a:rPr lang="de-DE" sz="900" dirty="0">
+                <a:solidFill>
+                  <a:schemeClr val="tx1"/>
+                </a:solidFill>
+              </a:rPr>
+              <a:t>@</a:t>
+            </a:r>
+            <a:r>
+              <a:rPr lang="de-DE" sz="900" dirty="0" err="1">
+                <a:solidFill>
+                  <a:schemeClr val="tx1"/>
+                </a:solidFill>
+              </a:rPr>
+              <a:t>SelectPackages</a:t>
+            </a:r>
+            <a:r>
+              <a:rPr lang="de-DE" sz="900" dirty="0">
+                <a:solidFill>
+                  <a:schemeClr val="tx1"/>
+                </a:solidFill>
+              </a:rPr>
+              <a:t>({"</a:t>
+            </a:r>
+            <a:r>
+              <a:rPr lang="de-DE" sz="900" dirty="0" err="1">
+                <a:solidFill>
+                  <a:schemeClr val="tx1"/>
+                </a:solidFill>
+              </a:rPr>
+              <a:t>expectedException</a:t>
+            </a:r>
+            <a:r>
+              <a:rPr lang="de-DE" sz="900" dirty="0">
+                <a:solidFill>
+                  <a:schemeClr val="tx1"/>
+                </a:solidFill>
+              </a:rPr>
+              <a:t>"})</a:t>
+            </a:r>
+          </a:p>
+          <a:p>
+            <a:r>
+              <a:rPr lang="de-DE" sz="900" dirty="0">
+                <a:solidFill>
+                  <a:schemeClr val="tx1"/>
+                </a:solidFill>
+              </a:rPr>
+              <a:t>@</a:t>
+            </a:r>
+            <a:r>
+              <a:rPr lang="de-DE" sz="900" dirty="0" err="1">
+                <a:solidFill>
+                  <a:schemeClr val="tx1"/>
+                </a:solidFill>
+              </a:rPr>
+              <a:t>IncludeTags</a:t>
+            </a:r>
+            <a:r>
+              <a:rPr lang="de-DE" sz="900" dirty="0">
+                <a:solidFill>
+                  <a:schemeClr val="tx1"/>
+                </a:solidFill>
+              </a:rPr>
+              <a:t>({"</a:t>
+            </a:r>
+            <a:r>
+              <a:rPr lang="de-DE" sz="900" dirty="0" err="1">
+                <a:solidFill>
+                  <a:schemeClr val="tx1"/>
+                </a:solidFill>
+              </a:rPr>
+              <a:t>short</a:t>
+            </a:r>
+            <a:r>
+              <a:rPr lang="de-DE" sz="900" dirty="0">
+                <a:solidFill>
+                  <a:schemeClr val="tx1"/>
+                </a:solidFill>
+              </a:rPr>
+              <a:t>","</a:t>
+            </a:r>
+            <a:r>
+              <a:rPr lang="de-DE" sz="900" dirty="0" err="1">
+                <a:solidFill>
+                  <a:schemeClr val="tx1"/>
+                </a:solidFill>
+              </a:rPr>
+              <a:t>long</a:t>
+            </a:r>
+            <a:r>
+              <a:rPr lang="de-DE" sz="900" dirty="0">
+                <a:solidFill>
+                  <a:schemeClr val="tx1"/>
+                </a:solidFill>
+              </a:rPr>
+              <a:t>"})</a:t>
+            </a:r>
+          </a:p>
+          <a:p>
+            <a:r>
+              <a:rPr lang="de-DE" sz="900" dirty="0" err="1">
+                <a:solidFill>
+                  <a:schemeClr val="tx1"/>
+                </a:solidFill>
+              </a:rPr>
+              <a:t>public</a:t>
+            </a:r>
+            <a:r>
+              <a:rPr lang="de-DE" sz="900" dirty="0">
+                <a:solidFill>
+                  <a:schemeClr val="tx1"/>
+                </a:solidFill>
+              </a:rPr>
+              <a:t> </a:t>
+            </a:r>
+            <a:r>
+              <a:rPr lang="de-DE" sz="900" dirty="0" err="1">
+                <a:solidFill>
+                  <a:schemeClr val="tx1"/>
+                </a:solidFill>
+              </a:rPr>
+              <a:t>class</a:t>
+            </a:r>
+            <a:r>
+              <a:rPr lang="de-DE" sz="900" dirty="0">
+                <a:solidFill>
+                  <a:schemeClr val="tx1"/>
+                </a:solidFill>
+              </a:rPr>
+              <a:t> </a:t>
+            </a:r>
+            <a:r>
+              <a:rPr lang="de-DE" sz="900" dirty="0" err="1">
+                <a:solidFill>
+                  <a:schemeClr val="tx1"/>
+                </a:solidFill>
+              </a:rPr>
+              <a:t>TestSuite</a:t>
+            </a:r>
+            <a:r>
+              <a:rPr lang="de-DE" sz="900" dirty="0">
+                <a:solidFill>
+                  <a:schemeClr val="tx1"/>
+                </a:solidFill>
+              </a:rPr>
+              <a:t>{</a:t>
+            </a:r>
+          </a:p>
+          <a:p>
+            <a:r>
+              <a:rPr lang="de-DE" sz="900" dirty="0">
+                <a:solidFill>
+                  <a:schemeClr val="tx1"/>
+                </a:solidFill>
+              </a:rPr>
+              <a:t>    </a:t>
+            </a:r>
+          </a:p>
+          <a:p>
+            <a:endParaRPr lang="de-DE" sz="900" dirty="0">
+              <a:solidFill>
+                <a:schemeClr val="tx1"/>
+              </a:solidFill>
+            </a:endParaRPr>
+          </a:p>
+          <a:p>
+            <a:r>
+              <a:rPr lang="de-DE" sz="900" dirty="0">
+                <a:solidFill>
+                  <a:schemeClr val="tx1"/>
+                </a:solidFill>
+              </a:rPr>
+              <a:t>}</a:t>
+            </a:r>
+          </a:p>
+        </p:txBody>
+      </p:sp>
     </p:spTree>
     <p:extLst>
       <p:ext uri="{BB962C8B-B14F-4D97-AF65-F5344CB8AC3E}">
-        <p14:creationId xmlns:p14="http://schemas.microsoft.com/office/powerpoint/2010/main" val="2899308806"/>
+        <p14:creationId xmlns:p14="http://schemas.microsoft.com/office/powerpoint/2010/main" val="1755471618"/>
       </p:ext>
     </p:extLst>
   </p:cSld>
@@ -38818,6 +38484,1151 @@
       </p:grpSpPr>
       <p:sp>
         <p:nvSpPr>
+          <p:cNvPr id="667" name="CustomShape 1"/>
+          <p:cNvSpPr/>
+          <p:nvPr/>
+        </p:nvSpPr>
+        <p:spPr>
+          <a:xfrm>
+            <a:off x="1375200" y="276480"/>
+            <a:ext cx="2894760" cy="263520"/>
+          </a:xfrm>
+          <a:prstGeom prst="rect">
+            <a:avLst/>
+          </a:prstGeom>
+          <a:noFill/>
+          <a:ln>
+            <a:noFill/>
+          </a:ln>
+        </p:spPr>
+        <p:style>
+          <a:lnRef idx="0">
+            <a:scrgbClr r="0" g="0" b="0"/>
+          </a:lnRef>
+          <a:fillRef idx="0">
+            <a:scrgbClr r="0" g="0" b="0"/>
+          </a:fillRef>
+          <a:effectRef idx="0">
+            <a:scrgbClr r="0" g="0" b="0"/>
+          </a:effectRef>
+          <a:fontRef idx="minor"/>
+        </p:style>
+        <p:txBody>
+          <a:bodyPr lIns="90000" tIns="45000" rIns="90000" bIns="45000" anchor="ctr"/>
+          <a:lstStyle/>
+          <a:p>
+            <a:pPr>
+              <a:lnSpc>
+                <a:spcPct val="100000"/>
+              </a:lnSpc>
+            </a:pPr>
+            <a:r>
+              <a:rPr lang="en-US" sz="1000" b="0" strike="noStrike" spc="-1">
+                <a:solidFill>
+                  <a:srgbClr val="BABABA"/>
+                </a:solidFill>
+                <a:uFill>
+                  <a:solidFill>
+                    <a:srgbClr val="FFFFFF"/>
+                  </a:solidFill>
+                </a:uFill>
+                <a:latin typeface="Calibri"/>
+              </a:rPr>
+              <a:t>Experts in agile software engineering</a:t>
+            </a:r>
+            <a:endParaRPr lang="en-US" sz="1800" b="0" strike="noStrike" spc="-1">
+              <a:solidFill>
+                <a:srgbClr val="000000"/>
+              </a:solidFill>
+              <a:uFill>
+                <a:solidFill>
+                  <a:srgbClr val="FFFFFF"/>
+                </a:solidFill>
+              </a:uFill>
+              <a:latin typeface="Arial"/>
+            </a:endParaRPr>
+          </a:p>
+        </p:txBody>
+      </p:sp>
+      <p:sp>
+        <p:nvSpPr>
+          <p:cNvPr id="668" name="CustomShape 2"/>
+          <p:cNvSpPr/>
+          <p:nvPr/>
+        </p:nvSpPr>
+        <p:spPr>
+          <a:xfrm>
+            <a:off x="457200" y="640080"/>
+            <a:ext cx="6666480" cy="783000"/>
+          </a:xfrm>
+          <a:prstGeom prst="rect">
+            <a:avLst/>
+          </a:prstGeom>
+          <a:noFill/>
+          <a:ln>
+            <a:noFill/>
+          </a:ln>
+        </p:spPr>
+        <p:style>
+          <a:lnRef idx="0">
+            <a:scrgbClr r="0" g="0" b="0"/>
+          </a:lnRef>
+          <a:fillRef idx="0">
+            <a:scrgbClr r="0" g="0" b="0"/>
+          </a:fillRef>
+          <a:effectRef idx="0">
+            <a:scrgbClr r="0" g="0" b="0"/>
+          </a:effectRef>
+          <a:fontRef idx="minor"/>
+        </p:style>
+        <p:txBody>
+          <a:bodyPr lIns="90000" tIns="45000" rIns="90000" bIns="45000" anchor="ctr"/>
+          <a:lstStyle/>
+          <a:p>
+            <a:pPr>
+              <a:lnSpc>
+                <a:spcPct val="100000"/>
+              </a:lnSpc>
+            </a:pPr>
+            <a:r>
+              <a:rPr lang="en-US" sz="2400" b="0" strike="noStrike" spc="-1">
+                <a:solidFill>
+                  <a:srgbClr val="004C93"/>
+                </a:solidFill>
+                <a:uFill>
+                  <a:solidFill>
+                    <a:srgbClr val="FFFFFF"/>
+                  </a:solidFill>
+                </a:uFill>
+                <a:latin typeface="Calibri"/>
+              </a:rPr>
+              <a:t>Abstract Tests nach Contracts</a:t>
+            </a:r>
+            <a:endParaRPr lang="en-US" sz="1800" b="0" strike="noStrike" spc="-1">
+              <a:solidFill>
+                <a:srgbClr val="000000"/>
+              </a:solidFill>
+              <a:uFill>
+                <a:solidFill>
+                  <a:srgbClr val="FFFFFF"/>
+                </a:solidFill>
+              </a:uFill>
+              <a:latin typeface="Arial"/>
+            </a:endParaRPr>
+          </a:p>
+        </p:txBody>
+      </p:sp>
+      <p:sp>
+        <p:nvSpPr>
+          <p:cNvPr id="669" name="CustomShape 3"/>
+          <p:cNvSpPr/>
+          <p:nvPr/>
+        </p:nvSpPr>
+        <p:spPr>
+          <a:xfrm>
+            <a:off x="457200" y="1483200"/>
+            <a:ext cx="4823280" cy="3239280"/>
+          </a:xfrm>
+          <a:prstGeom prst="rect">
+            <a:avLst/>
+          </a:prstGeom>
+          <a:noFill/>
+          <a:ln>
+            <a:noFill/>
+          </a:ln>
+        </p:spPr>
+        <p:style>
+          <a:lnRef idx="0">
+            <a:scrgbClr r="0" g="0" b="0"/>
+          </a:lnRef>
+          <a:fillRef idx="0">
+            <a:scrgbClr r="0" g="0" b="0"/>
+          </a:fillRef>
+          <a:effectRef idx="0">
+            <a:scrgbClr r="0" g="0" b="0"/>
+          </a:effectRef>
+          <a:fontRef idx="minor"/>
+        </p:style>
+        <p:txBody>
+          <a:bodyPr lIns="90000" tIns="45000" rIns="90000" bIns="45000"/>
+          <a:lstStyle/>
+          <a:p>
+            <a:pPr>
+              <a:lnSpc>
+                <a:spcPct val="100000"/>
+              </a:lnSpc>
+            </a:pPr>
+            <a:r>
+              <a:rPr lang="en-US" sz="1800" b="0" strike="noStrike" spc="-1" dirty="0">
+                <a:solidFill>
+                  <a:srgbClr val="292929"/>
+                </a:solidFill>
+                <a:uFill>
+                  <a:solidFill>
+                    <a:srgbClr val="FFFFFF"/>
+                  </a:solidFill>
+                </a:uFill>
+                <a:latin typeface="Calibri"/>
+              </a:rPr>
+              <a:t>JUnit 4 </a:t>
+            </a:r>
+            <a:r>
+              <a:rPr lang="en-US" sz="1800" b="0" strike="noStrike" spc="-1" dirty="0" err="1">
+                <a:solidFill>
+                  <a:srgbClr val="292929"/>
+                </a:solidFill>
+                <a:uFill>
+                  <a:solidFill>
+                    <a:srgbClr val="FFFFFF"/>
+                  </a:solidFill>
+                </a:uFill>
+                <a:latin typeface="Calibri"/>
+              </a:rPr>
+              <a:t>verwendet</a:t>
+            </a:r>
+            <a:r>
+              <a:rPr lang="en-US" sz="1800" b="0" strike="noStrike" spc="-1" dirty="0">
+                <a:solidFill>
+                  <a:srgbClr val="292929"/>
+                </a:solidFill>
+                <a:uFill>
+                  <a:solidFill>
+                    <a:srgbClr val="FFFFFF"/>
+                  </a:solidFill>
+                </a:uFill>
+                <a:latin typeface="Calibri"/>
+              </a:rPr>
+              <a:t> Abstract Tests </a:t>
+            </a:r>
+            <a:endParaRPr lang="en-US" sz="1800" b="0" strike="noStrike" spc="-1" dirty="0">
+              <a:solidFill>
+                <a:srgbClr val="000000"/>
+              </a:solidFill>
+              <a:uFill>
+                <a:solidFill>
+                  <a:srgbClr val="FFFFFF"/>
+                </a:solidFill>
+              </a:uFill>
+              <a:latin typeface="Arial"/>
+            </a:endParaRPr>
+          </a:p>
+          <a:p>
+            <a:pPr>
+              <a:lnSpc>
+                <a:spcPct val="100000"/>
+              </a:lnSpc>
+            </a:pPr>
+            <a:endParaRPr lang="en-US" sz="1800" b="0" strike="noStrike" spc="-1" dirty="0">
+              <a:solidFill>
+                <a:srgbClr val="000000"/>
+              </a:solidFill>
+              <a:uFill>
+                <a:solidFill>
+                  <a:srgbClr val="FFFFFF"/>
+                </a:solidFill>
+              </a:uFill>
+              <a:latin typeface="Arial"/>
+            </a:endParaRPr>
+          </a:p>
+          <a:p>
+            <a:pPr>
+              <a:lnSpc>
+                <a:spcPct val="100000"/>
+              </a:lnSpc>
+            </a:pPr>
+            <a:r>
+              <a:rPr lang="en-US" sz="1800" b="0" strike="noStrike" spc="-1" dirty="0" err="1">
+                <a:solidFill>
+                  <a:srgbClr val="292929"/>
+                </a:solidFill>
+                <a:uFill>
+                  <a:solidFill>
+                    <a:srgbClr val="FFFFFF"/>
+                  </a:solidFill>
+                </a:uFill>
+                <a:latin typeface="Calibri"/>
+              </a:rPr>
+              <a:t>Mit</a:t>
+            </a:r>
+            <a:r>
+              <a:rPr lang="en-US" sz="1800" b="0" strike="noStrike" spc="-1" dirty="0">
+                <a:solidFill>
+                  <a:srgbClr val="292929"/>
+                </a:solidFill>
+                <a:uFill>
+                  <a:solidFill>
+                    <a:srgbClr val="FFFFFF"/>
+                  </a:solidFill>
+                </a:uFill>
+                <a:latin typeface="Calibri"/>
+              </a:rPr>
+              <a:t> JUnit 5 und Java 8 </a:t>
+            </a:r>
+            <a:r>
+              <a:rPr lang="en-US" sz="1800" b="0" strike="noStrike" spc="-1" dirty="0" err="1">
+                <a:solidFill>
+                  <a:srgbClr val="292929"/>
+                </a:solidFill>
+                <a:uFill>
+                  <a:solidFill>
+                    <a:srgbClr val="FFFFFF"/>
+                  </a:solidFill>
+                </a:uFill>
+                <a:latin typeface="Calibri"/>
+              </a:rPr>
+              <a:t>steht</a:t>
+            </a:r>
+            <a:r>
+              <a:rPr lang="en-US" sz="1800" b="0" strike="noStrike" spc="-1" dirty="0">
+                <a:solidFill>
+                  <a:srgbClr val="292929"/>
+                </a:solidFill>
+                <a:uFill>
+                  <a:solidFill>
+                    <a:srgbClr val="FFFFFF"/>
+                  </a:solidFill>
+                </a:uFill>
+                <a:latin typeface="Calibri"/>
+              </a:rPr>
+              <a:t> </a:t>
+            </a:r>
+            <a:r>
+              <a:rPr lang="en-US" sz="1800" b="0" strike="noStrike" spc="-1" dirty="0" err="1">
+                <a:solidFill>
+                  <a:srgbClr val="292929"/>
+                </a:solidFill>
+                <a:uFill>
+                  <a:solidFill>
+                    <a:srgbClr val="FFFFFF"/>
+                  </a:solidFill>
+                </a:uFill>
+                <a:latin typeface="Calibri"/>
+              </a:rPr>
+              <a:t>eine</a:t>
+            </a:r>
+            <a:r>
+              <a:rPr lang="en-US" sz="1800" b="0" strike="noStrike" spc="-1" dirty="0">
+                <a:solidFill>
+                  <a:srgbClr val="292929"/>
+                </a:solidFill>
+                <a:uFill>
+                  <a:solidFill>
+                    <a:srgbClr val="FFFFFF"/>
+                  </a:solidFill>
+                </a:uFill>
+                <a:latin typeface="Calibri"/>
+              </a:rPr>
+              <a:t> </a:t>
+            </a:r>
+            <a:r>
+              <a:rPr lang="en-US" sz="1800" b="0" strike="noStrike" spc="-1" dirty="0" err="1">
+                <a:solidFill>
+                  <a:srgbClr val="292929"/>
+                </a:solidFill>
+                <a:uFill>
+                  <a:solidFill>
+                    <a:srgbClr val="FFFFFF"/>
+                  </a:solidFill>
+                </a:uFill>
+                <a:latin typeface="Calibri"/>
+              </a:rPr>
+              <a:t>neue</a:t>
+            </a:r>
+            <a:r>
+              <a:rPr lang="en-US" sz="1800" b="0" strike="noStrike" spc="-1" dirty="0">
+                <a:solidFill>
+                  <a:srgbClr val="292929"/>
+                </a:solidFill>
+                <a:uFill>
+                  <a:solidFill>
+                    <a:srgbClr val="FFFFFF"/>
+                  </a:solidFill>
+                </a:uFill>
+                <a:latin typeface="Calibri"/>
+              </a:rPr>
+              <a:t> </a:t>
+            </a:r>
+            <a:r>
+              <a:rPr lang="en-US" sz="1800" b="0" strike="noStrike" spc="-1" dirty="0" err="1">
+                <a:solidFill>
+                  <a:srgbClr val="292929"/>
+                </a:solidFill>
+                <a:uFill>
+                  <a:solidFill>
+                    <a:srgbClr val="FFFFFF"/>
+                  </a:solidFill>
+                </a:uFill>
+                <a:latin typeface="Calibri"/>
+              </a:rPr>
+              <a:t>Schreibweise</a:t>
+            </a:r>
+            <a:r>
+              <a:rPr lang="en-US" sz="1800" b="0" strike="noStrike" spc="-1" dirty="0">
+                <a:solidFill>
+                  <a:srgbClr val="292929"/>
+                </a:solidFill>
+                <a:uFill>
+                  <a:solidFill>
+                    <a:srgbClr val="FFFFFF"/>
+                  </a:solidFill>
+                </a:uFill>
+                <a:latin typeface="Calibri"/>
+              </a:rPr>
+              <a:t> </a:t>
+            </a:r>
+            <a:r>
+              <a:rPr lang="en-US" sz="1800" b="0" strike="noStrike" spc="-1" dirty="0" err="1">
+                <a:solidFill>
+                  <a:srgbClr val="292929"/>
+                </a:solidFill>
+                <a:uFill>
+                  <a:solidFill>
+                    <a:srgbClr val="FFFFFF"/>
+                  </a:solidFill>
+                </a:uFill>
+                <a:latin typeface="Calibri"/>
+              </a:rPr>
+              <a:t>zur</a:t>
+            </a:r>
+            <a:r>
+              <a:rPr lang="en-US" sz="1800" b="0" strike="noStrike" spc="-1" dirty="0">
+                <a:solidFill>
+                  <a:srgbClr val="292929"/>
+                </a:solidFill>
+                <a:uFill>
+                  <a:solidFill>
+                    <a:srgbClr val="FFFFFF"/>
+                  </a:solidFill>
+                </a:uFill>
+                <a:latin typeface="Calibri"/>
+              </a:rPr>
+              <a:t> </a:t>
+            </a:r>
+            <a:r>
+              <a:rPr lang="en-US" sz="1800" b="0" strike="noStrike" spc="-1" dirty="0" err="1">
+                <a:solidFill>
+                  <a:srgbClr val="292929"/>
+                </a:solidFill>
+                <a:uFill>
+                  <a:solidFill>
+                    <a:srgbClr val="FFFFFF"/>
+                  </a:solidFill>
+                </a:uFill>
+                <a:latin typeface="Calibri"/>
+              </a:rPr>
+              <a:t>Verfügung</a:t>
+            </a:r>
+            <a:r>
+              <a:rPr lang="en-US" sz="1800" b="0" strike="noStrike" spc="-1" dirty="0">
+                <a:solidFill>
+                  <a:srgbClr val="292929"/>
+                </a:solidFill>
+                <a:uFill>
+                  <a:solidFill>
+                    <a:srgbClr val="FFFFFF"/>
+                  </a:solidFill>
+                </a:uFill>
+                <a:latin typeface="Calibri"/>
+              </a:rPr>
+              <a:t>.</a:t>
+            </a:r>
+            <a:endParaRPr lang="en-US" sz="1800" b="0" strike="noStrike" spc="-1" dirty="0">
+              <a:solidFill>
+                <a:srgbClr val="000000"/>
+              </a:solidFill>
+              <a:uFill>
+                <a:solidFill>
+                  <a:srgbClr val="FFFFFF"/>
+                </a:solidFill>
+              </a:uFill>
+              <a:latin typeface="Arial"/>
+            </a:endParaRPr>
+          </a:p>
+          <a:p>
+            <a:pPr>
+              <a:lnSpc>
+                <a:spcPct val="100000"/>
+              </a:lnSpc>
+            </a:pPr>
+            <a:r>
+              <a:rPr lang="en-US" sz="1800" b="0" strike="noStrike" spc="-1" dirty="0" err="1">
+                <a:solidFill>
+                  <a:srgbClr val="292929"/>
+                </a:solidFill>
+                <a:uFill>
+                  <a:solidFill>
+                    <a:srgbClr val="FFFFFF"/>
+                  </a:solidFill>
+                </a:uFill>
+                <a:latin typeface="Calibri"/>
+              </a:rPr>
+              <a:t>Hier</a:t>
+            </a:r>
+            <a:r>
+              <a:rPr lang="en-US" sz="1800" b="0" strike="noStrike" spc="-1" dirty="0">
+                <a:solidFill>
+                  <a:srgbClr val="292929"/>
+                </a:solidFill>
+                <a:uFill>
+                  <a:solidFill>
+                    <a:srgbClr val="FFFFFF"/>
+                  </a:solidFill>
+                </a:uFill>
+                <a:latin typeface="Calibri"/>
+              </a:rPr>
+              <a:t> </a:t>
+            </a:r>
+            <a:r>
+              <a:rPr lang="en-US" sz="1800" b="0" strike="noStrike" spc="-1" dirty="0" err="1">
+                <a:solidFill>
+                  <a:srgbClr val="292929"/>
+                </a:solidFill>
+                <a:uFill>
+                  <a:solidFill>
+                    <a:srgbClr val="FFFFFF"/>
+                  </a:solidFill>
+                </a:uFill>
+                <a:latin typeface="Calibri"/>
+              </a:rPr>
+              <a:t>werden</a:t>
+            </a:r>
+            <a:r>
+              <a:rPr lang="en-US" sz="1800" b="0" strike="noStrike" spc="-1" dirty="0">
+                <a:solidFill>
+                  <a:srgbClr val="292929"/>
+                </a:solidFill>
+                <a:uFill>
+                  <a:solidFill>
+                    <a:srgbClr val="FFFFFF"/>
+                  </a:solidFill>
+                </a:uFill>
+                <a:latin typeface="Calibri"/>
+              </a:rPr>
+              <a:t> </a:t>
+            </a:r>
+            <a:r>
+              <a:rPr lang="en-US" sz="1800" b="0" strike="noStrike" spc="-1" dirty="0" err="1">
+                <a:solidFill>
+                  <a:srgbClr val="292929"/>
+                </a:solidFill>
+                <a:uFill>
+                  <a:solidFill>
+                    <a:srgbClr val="FFFFFF"/>
+                  </a:solidFill>
+                </a:uFill>
+                <a:latin typeface="Calibri"/>
+              </a:rPr>
+              <a:t>solche</a:t>
+            </a:r>
+            <a:r>
+              <a:rPr lang="en-US" sz="1800" b="0" strike="noStrike" spc="-1" dirty="0">
+                <a:solidFill>
+                  <a:srgbClr val="292929"/>
+                </a:solidFill>
+                <a:uFill>
+                  <a:solidFill>
+                    <a:srgbClr val="FFFFFF"/>
+                  </a:solidFill>
+                </a:uFill>
+                <a:latin typeface="Calibri"/>
+              </a:rPr>
+              <a:t> Test </a:t>
+            </a:r>
+            <a:r>
+              <a:rPr lang="en-US" sz="1800" b="0" strike="noStrike" spc="-1" dirty="0" err="1">
+                <a:solidFill>
+                  <a:srgbClr val="292929"/>
+                </a:solidFill>
+                <a:uFill>
+                  <a:solidFill>
+                    <a:srgbClr val="FFFFFF"/>
+                  </a:solidFill>
+                </a:uFill>
+                <a:latin typeface="Calibri"/>
+              </a:rPr>
+              <a:t>als</a:t>
+            </a:r>
+            <a:r>
+              <a:rPr lang="en-US" sz="1800" b="0" strike="noStrike" spc="-1" dirty="0">
+                <a:solidFill>
+                  <a:srgbClr val="292929"/>
+                </a:solidFill>
+                <a:uFill>
+                  <a:solidFill>
+                    <a:srgbClr val="FFFFFF"/>
+                  </a:solidFill>
+                </a:uFill>
+                <a:latin typeface="Calibri"/>
+              </a:rPr>
+              <a:t> Contracts </a:t>
+            </a:r>
+            <a:r>
+              <a:rPr lang="en-US" sz="1800" b="0" strike="noStrike" spc="-1" dirty="0" err="1">
+                <a:solidFill>
+                  <a:srgbClr val="292929"/>
+                </a:solidFill>
+                <a:uFill>
+                  <a:solidFill>
+                    <a:srgbClr val="FFFFFF"/>
+                  </a:solidFill>
+                </a:uFill>
+                <a:latin typeface="Calibri"/>
+              </a:rPr>
+              <a:t>bezeichnet</a:t>
+            </a:r>
+            <a:r>
+              <a:rPr lang="en-US" sz="1800" b="0" strike="noStrike" spc="-1" dirty="0">
+                <a:solidFill>
+                  <a:srgbClr val="292929"/>
+                </a:solidFill>
+                <a:uFill>
+                  <a:solidFill>
+                    <a:srgbClr val="FFFFFF"/>
+                  </a:solidFill>
+                </a:uFill>
+                <a:latin typeface="Calibri"/>
+              </a:rPr>
+              <a:t>.</a:t>
+            </a:r>
+            <a:endParaRPr lang="en-US" sz="1800" b="0" strike="noStrike" spc="-1" dirty="0">
+              <a:solidFill>
+                <a:srgbClr val="000000"/>
+              </a:solidFill>
+              <a:uFill>
+                <a:solidFill>
+                  <a:srgbClr val="FFFFFF"/>
+                </a:solidFill>
+              </a:uFill>
+              <a:latin typeface="Arial"/>
+            </a:endParaRPr>
+          </a:p>
+          <a:p>
+            <a:pPr>
+              <a:lnSpc>
+                <a:spcPct val="100000"/>
+              </a:lnSpc>
+            </a:pPr>
+            <a:endParaRPr lang="en-US" sz="1800" b="0" strike="noStrike" spc="-1" dirty="0">
+              <a:solidFill>
+                <a:srgbClr val="000000"/>
+              </a:solidFill>
+              <a:uFill>
+                <a:solidFill>
+                  <a:srgbClr val="FFFFFF"/>
+                </a:solidFill>
+              </a:uFill>
+              <a:latin typeface="Arial"/>
+            </a:endParaRPr>
+          </a:p>
+          <a:p>
+            <a:pPr>
+              <a:lnSpc>
+                <a:spcPct val="100000"/>
+              </a:lnSpc>
+            </a:pPr>
+            <a:r>
+              <a:rPr lang="en-US" sz="1800" b="0" strike="noStrike" spc="-1" dirty="0">
+                <a:solidFill>
+                  <a:srgbClr val="292929"/>
+                </a:solidFill>
+                <a:uFill>
+                  <a:solidFill>
+                    <a:srgbClr val="FFFFFF"/>
+                  </a:solidFill>
+                </a:uFill>
+                <a:latin typeface="Calibri"/>
+              </a:rPr>
+              <a:t>Sie </a:t>
+            </a:r>
+            <a:r>
+              <a:rPr lang="en-US" sz="1800" b="0" strike="noStrike" spc="-1" dirty="0" err="1">
+                <a:solidFill>
+                  <a:srgbClr val="292929"/>
+                </a:solidFill>
+                <a:uFill>
+                  <a:solidFill>
+                    <a:srgbClr val="FFFFFF"/>
+                  </a:solidFill>
+                </a:uFill>
+                <a:latin typeface="Calibri"/>
+              </a:rPr>
+              <a:t>nutzten</a:t>
+            </a:r>
+            <a:r>
+              <a:rPr lang="en-US" sz="1800" b="0" strike="noStrike" spc="-1" dirty="0">
+                <a:solidFill>
+                  <a:srgbClr val="292929"/>
+                </a:solidFill>
+                <a:uFill>
+                  <a:solidFill>
+                    <a:srgbClr val="FFFFFF"/>
+                  </a:solidFill>
+                </a:uFill>
+                <a:latin typeface="Calibri"/>
+              </a:rPr>
+              <a:t> Java 8 Interfaces.</a:t>
+            </a:r>
+            <a:endParaRPr lang="en-US" sz="1800" b="0" strike="noStrike" spc="-1" dirty="0">
+              <a:solidFill>
+                <a:srgbClr val="000000"/>
+              </a:solidFill>
+              <a:uFill>
+                <a:solidFill>
+                  <a:srgbClr val="FFFFFF"/>
+                </a:solidFill>
+              </a:uFill>
+              <a:latin typeface="Arial"/>
+            </a:endParaRPr>
+          </a:p>
+        </p:txBody>
+      </p:sp>
+      <p:sp>
+        <p:nvSpPr>
+          <p:cNvPr id="670" name="CustomShape 4"/>
+          <p:cNvSpPr/>
+          <p:nvPr/>
+        </p:nvSpPr>
+        <p:spPr>
+          <a:xfrm>
+            <a:off x="8626680" y="180360"/>
+            <a:ext cx="350280" cy="155160"/>
+          </a:xfrm>
+          <a:prstGeom prst="rect">
+            <a:avLst/>
+          </a:prstGeom>
+          <a:noFill/>
+          <a:ln w="9360">
+            <a:noFill/>
+          </a:ln>
+        </p:spPr>
+        <p:style>
+          <a:lnRef idx="0">
+            <a:scrgbClr r="0" g="0" b="0"/>
+          </a:lnRef>
+          <a:fillRef idx="0">
+            <a:scrgbClr r="0" g="0" b="0"/>
+          </a:fillRef>
+          <a:effectRef idx="0">
+            <a:scrgbClr r="0" g="0" b="0"/>
+          </a:effectRef>
+          <a:fontRef idx="minor"/>
+        </p:style>
+        <p:txBody>
+          <a:bodyPr lIns="0" tIns="0" rIns="0" bIns="0"/>
+          <a:lstStyle/>
+          <a:p>
+            <a:pPr algn="ctr">
+              <a:lnSpc>
+                <a:spcPct val="100000"/>
+              </a:lnSpc>
+            </a:pPr>
+            <a:fld id="{F44BF771-09CA-44DA-BA0C-EC56BE8EFD37}" type="slidenum">
+              <a:rPr lang="en-US" sz="1000" b="0" strike="noStrike" spc="-1">
+                <a:solidFill>
+                  <a:srgbClr val="51A025"/>
+                </a:solidFill>
+                <a:uFill>
+                  <a:solidFill>
+                    <a:srgbClr val="FFFFFF"/>
+                  </a:solidFill>
+                </a:uFill>
+                <a:latin typeface="Calibri"/>
+              </a:rPr>
+              <a:t>27</a:t>
+            </a:fld>
+            <a:endParaRPr lang="en-US" sz="1800" b="0" strike="noStrike" spc="-1">
+              <a:solidFill>
+                <a:srgbClr val="000000"/>
+              </a:solidFill>
+              <a:uFill>
+                <a:solidFill>
+                  <a:srgbClr val="FFFFFF"/>
+                </a:solidFill>
+              </a:uFill>
+              <a:latin typeface="Arial"/>
+            </a:endParaRPr>
+          </a:p>
+        </p:txBody>
+      </p:sp>
+      <p:sp>
+        <p:nvSpPr>
+          <p:cNvPr id="671" name="CustomShape 5"/>
+          <p:cNvSpPr/>
+          <p:nvPr/>
+        </p:nvSpPr>
+        <p:spPr>
+          <a:xfrm>
+            <a:off x="8047440" y="640800"/>
+            <a:ext cx="751320" cy="373680"/>
+          </a:xfrm>
+          <a:prstGeom prst="rect">
+            <a:avLst/>
+          </a:prstGeom>
+          <a:noFill/>
+          <a:ln>
+            <a:noFill/>
+          </a:ln>
+        </p:spPr>
+        <p:style>
+          <a:lnRef idx="0">
+            <a:scrgbClr r="0" g="0" b="0"/>
+          </a:lnRef>
+          <a:fillRef idx="0">
+            <a:scrgbClr r="0" g="0" b="0"/>
+          </a:fillRef>
+          <a:effectRef idx="0">
+            <a:scrgbClr r="0" g="0" b="0"/>
+          </a:effectRef>
+          <a:fontRef idx="minor"/>
+        </p:style>
+      </p:sp>
+    </p:spTree>
+  </p:cSld>
+  <p:clrMapOvr>
+    <a:masterClrMapping/>
+  </p:clrMapOvr>
+  <p:timing>
+    <p:tnLst>
+      <p:par>
+        <p:cTn id="1" dur="indefinite" restart="never" nodeType="tmRoot">
+          <p:childTnLst>
+            <p:seq>
+              <p:cTn id="2" nodeType="mainSeq"/>
+              <p:prevCondLst>
+                <p:cond evt="onPrev" delay="0">
+                  <p:tgtEl>
+                    <p:sldTgt/>
+                  </p:tgtEl>
+                </p:cond>
+              </p:prevCondLst>
+              <p:nextCondLst>
+                <p:cond evt="onNext" delay="0">
+                  <p:tgtEl>
+                    <p:sldTgt/>
+                  </p:tgtEl>
+                </p:cond>
+              </p:nextCondLst>
+            </p:seq>
+          </p:childTnLst>
+        </p:cTn>
+      </p:par>
+    </p:tnLst>
+  </p:timing>
+</p:sld>
+</file>
+
+<file path=ppt/slides/slide28.xml><?xml version="1.0" encoding="utf-8"?>
+<p:sld xmlns:a="http://schemas.openxmlformats.org/drawingml/2006/main" xmlns:r="http://schemas.openxmlformats.org/officeDocument/2006/relationships" xmlns:p="http://schemas.openxmlformats.org/presentationml/2006/main">
+  <p:cSld>
+    <p:spTree>
+      <p:nvGrpSpPr>
+        <p:cNvPr id="1" name=""/>
+        <p:cNvGrpSpPr/>
+        <p:nvPr/>
+      </p:nvGrpSpPr>
+      <p:grpSpPr>
+        <a:xfrm>
+          <a:off x="0" y="0"/>
+          <a:ext cx="0" cy="0"/>
+          <a:chOff x="0" y="0"/>
+          <a:chExt cx="0" cy="0"/>
+        </a:xfrm>
+      </p:grpSpPr>
+      <p:sp>
+        <p:nvSpPr>
+          <p:cNvPr id="667" name="CustomShape 1"/>
+          <p:cNvSpPr/>
+          <p:nvPr/>
+        </p:nvSpPr>
+        <p:spPr>
+          <a:xfrm>
+            <a:off x="1375200" y="276480"/>
+            <a:ext cx="2894760" cy="263520"/>
+          </a:xfrm>
+          <a:prstGeom prst="rect">
+            <a:avLst/>
+          </a:prstGeom>
+          <a:noFill/>
+          <a:ln>
+            <a:noFill/>
+          </a:ln>
+        </p:spPr>
+        <p:style>
+          <a:lnRef idx="0">
+            <a:scrgbClr r="0" g="0" b="0"/>
+          </a:lnRef>
+          <a:fillRef idx="0">
+            <a:scrgbClr r="0" g="0" b="0"/>
+          </a:fillRef>
+          <a:effectRef idx="0">
+            <a:scrgbClr r="0" g="0" b="0"/>
+          </a:effectRef>
+          <a:fontRef idx="minor"/>
+        </p:style>
+        <p:txBody>
+          <a:bodyPr lIns="90000" tIns="45000" rIns="90000" bIns="45000" anchor="ctr"/>
+          <a:lstStyle/>
+          <a:p>
+            <a:pPr>
+              <a:lnSpc>
+                <a:spcPct val="100000"/>
+              </a:lnSpc>
+            </a:pPr>
+            <a:r>
+              <a:rPr lang="en-US" sz="1000" b="0" strike="noStrike" spc="-1">
+                <a:solidFill>
+                  <a:srgbClr val="BABABA"/>
+                </a:solidFill>
+                <a:uFill>
+                  <a:solidFill>
+                    <a:srgbClr val="FFFFFF"/>
+                  </a:solidFill>
+                </a:uFill>
+                <a:latin typeface="Calibri"/>
+              </a:rPr>
+              <a:t>Experts in agile software engineering</a:t>
+            </a:r>
+            <a:endParaRPr lang="en-US" sz="1800" b="0" strike="noStrike" spc="-1">
+              <a:solidFill>
+                <a:srgbClr val="000000"/>
+              </a:solidFill>
+              <a:uFill>
+                <a:solidFill>
+                  <a:srgbClr val="FFFFFF"/>
+                </a:solidFill>
+              </a:uFill>
+              <a:latin typeface="Arial"/>
+            </a:endParaRPr>
+          </a:p>
+        </p:txBody>
+      </p:sp>
+      <p:sp>
+        <p:nvSpPr>
+          <p:cNvPr id="668" name="CustomShape 2"/>
+          <p:cNvSpPr/>
+          <p:nvPr/>
+        </p:nvSpPr>
+        <p:spPr>
+          <a:xfrm>
+            <a:off x="457200" y="640080"/>
+            <a:ext cx="6666480" cy="783000"/>
+          </a:xfrm>
+          <a:prstGeom prst="rect">
+            <a:avLst/>
+          </a:prstGeom>
+          <a:noFill/>
+          <a:ln>
+            <a:noFill/>
+          </a:ln>
+        </p:spPr>
+        <p:style>
+          <a:lnRef idx="0">
+            <a:scrgbClr r="0" g="0" b="0"/>
+          </a:lnRef>
+          <a:fillRef idx="0">
+            <a:scrgbClr r="0" g="0" b="0"/>
+          </a:fillRef>
+          <a:effectRef idx="0">
+            <a:scrgbClr r="0" g="0" b="0"/>
+          </a:effectRef>
+          <a:fontRef idx="minor"/>
+        </p:style>
+        <p:txBody>
+          <a:bodyPr lIns="90000" tIns="45000" rIns="90000" bIns="45000" anchor="ctr"/>
+          <a:lstStyle/>
+          <a:p>
+            <a:pPr>
+              <a:lnSpc>
+                <a:spcPct val="100000"/>
+              </a:lnSpc>
+            </a:pPr>
+            <a:r>
+              <a:rPr lang="en-US" sz="2400" b="0" strike="noStrike" spc="-1" dirty="0">
+                <a:solidFill>
+                  <a:srgbClr val="004C93"/>
+                </a:solidFill>
+                <a:uFill>
+                  <a:solidFill>
+                    <a:srgbClr val="FFFFFF"/>
+                  </a:solidFill>
+                </a:uFill>
+                <a:latin typeface="Calibri"/>
+              </a:rPr>
+              <a:t>Feedback</a:t>
+            </a:r>
+            <a:endParaRPr lang="en-US" sz="1800" b="0" strike="noStrike" spc="-1" dirty="0">
+              <a:solidFill>
+                <a:srgbClr val="000000"/>
+              </a:solidFill>
+              <a:uFill>
+                <a:solidFill>
+                  <a:srgbClr val="FFFFFF"/>
+                </a:solidFill>
+              </a:uFill>
+              <a:latin typeface="Arial"/>
+            </a:endParaRPr>
+          </a:p>
+        </p:txBody>
+      </p:sp>
+      <p:sp>
+        <p:nvSpPr>
+          <p:cNvPr id="670" name="CustomShape 4"/>
+          <p:cNvSpPr/>
+          <p:nvPr/>
+        </p:nvSpPr>
+        <p:spPr>
+          <a:xfrm>
+            <a:off x="8626680" y="180360"/>
+            <a:ext cx="350280" cy="155160"/>
+          </a:xfrm>
+          <a:prstGeom prst="rect">
+            <a:avLst/>
+          </a:prstGeom>
+          <a:noFill/>
+          <a:ln w="9360">
+            <a:noFill/>
+          </a:ln>
+        </p:spPr>
+        <p:style>
+          <a:lnRef idx="0">
+            <a:scrgbClr r="0" g="0" b="0"/>
+          </a:lnRef>
+          <a:fillRef idx="0">
+            <a:scrgbClr r="0" g="0" b="0"/>
+          </a:fillRef>
+          <a:effectRef idx="0">
+            <a:scrgbClr r="0" g="0" b="0"/>
+          </a:effectRef>
+          <a:fontRef idx="minor"/>
+        </p:style>
+        <p:txBody>
+          <a:bodyPr lIns="0" tIns="0" rIns="0" bIns="0"/>
+          <a:lstStyle/>
+          <a:p>
+            <a:pPr algn="ctr">
+              <a:lnSpc>
+                <a:spcPct val="100000"/>
+              </a:lnSpc>
+            </a:pPr>
+            <a:fld id="{F44BF771-09CA-44DA-BA0C-EC56BE8EFD37}" type="slidenum">
+              <a:rPr lang="en-US" sz="1000" b="0" strike="noStrike" spc="-1">
+                <a:solidFill>
+                  <a:srgbClr val="51A025"/>
+                </a:solidFill>
+                <a:uFill>
+                  <a:solidFill>
+                    <a:srgbClr val="FFFFFF"/>
+                  </a:solidFill>
+                </a:uFill>
+                <a:latin typeface="Calibri"/>
+              </a:rPr>
+              <a:t>28</a:t>
+            </a:fld>
+            <a:endParaRPr lang="en-US" sz="1800" b="0" strike="noStrike" spc="-1">
+              <a:solidFill>
+                <a:srgbClr val="000000"/>
+              </a:solidFill>
+              <a:uFill>
+                <a:solidFill>
+                  <a:srgbClr val="FFFFFF"/>
+                </a:solidFill>
+              </a:uFill>
+              <a:latin typeface="Arial"/>
+            </a:endParaRPr>
+          </a:p>
+        </p:txBody>
+      </p:sp>
+      <p:sp>
+        <p:nvSpPr>
+          <p:cNvPr id="671" name="CustomShape 5"/>
+          <p:cNvSpPr/>
+          <p:nvPr/>
+        </p:nvSpPr>
+        <p:spPr>
+          <a:xfrm>
+            <a:off x="8047440" y="640800"/>
+            <a:ext cx="751320" cy="373680"/>
+          </a:xfrm>
+          <a:prstGeom prst="rect">
+            <a:avLst/>
+          </a:prstGeom>
+          <a:noFill/>
+          <a:ln>
+            <a:noFill/>
+          </a:ln>
+        </p:spPr>
+        <p:style>
+          <a:lnRef idx="0">
+            <a:scrgbClr r="0" g="0" b="0"/>
+          </a:lnRef>
+          <a:fillRef idx="0">
+            <a:scrgbClr r="0" g="0" b="0"/>
+          </a:fillRef>
+          <a:effectRef idx="0">
+            <a:scrgbClr r="0" g="0" b="0"/>
+          </a:effectRef>
+          <a:fontRef idx="minor"/>
+        </p:style>
+      </p:sp>
+    </p:spTree>
+    <p:extLst>
+      <p:ext uri="{BB962C8B-B14F-4D97-AF65-F5344CB8AC3E}">
+        <p14:creationId xmlns:p14="http://schemas.microsoft.com/office/powerpoint/2010/main" val="2899308806"/>
+      </p:ext>
+    </p:extLst>
+  </p:cSld>
+  <p:clrMapOvr>
+    <a:masterClrMapping/>
+  </p:clrMapOvr>
+  <p:timing>
+    <p:tnLst>
+      <p:par>
+        <p:cTn id="1" dur="indefinite" restart="never" nodeType="tmRoot">
+          <p:childTnLst>
+            <p:seq>
+              <p:cTn id="2" nodeType="mainSeq"/>
+              <p:prevCondLst>
+                <p:cond evt="onPrev" delay="0">
+                  <p:tgtEl>
+                    <p:sldTgt/>
+                  </p:tgtEl>
+                </p:cond>
+              </p:prevCondLst>
+              <p:nextCondLst>
+                <p:cond evt="onNext" delay="0">
+                  <p:tgtEl>
+                    <p:sldTgt/>
+                  </p:tgtEl>
+                </p:cond>
+              </p:nextCondLst>
+            </p:seq>
+          </p:childTnLst>
+        </p:cTn>
+      </p:par>
+    </p:tnLst>
+  </p:timing>
+</p:sld>
+</file>
+
+<file path=ppt/slides/slide29.xml><?xml version="1.0" encoding="utf-8"?>
+<p:sld xmlns:a="http://schemas.openxmlformats.org/drawingml/2006/main" xmlns:r="http://schemas.openxmlformats.org/officeDocument/2006/relationships" xmlns:p="http://schemas.openxmlformats.org/presentationml/2006/main">
+  <p:cSld>
+    <p:spTree>
+      <p:nvGrpSpPr>
+        <p:cNvPr id="1" name=""/>
+        <p:cNvGrpSpPr/>
+        <p:nvPr/>
+      </p:nvGrpSpPr>
+      <p:grpSpPr>
+        <a:xfrm>
+          <a:off x="0" y="0"/>
+          <a:ext cx="0" cy="0"/>
+          <a:chOff x="0" y="0"/>
+          <a:chExt cx="0" cy="0"/>
+        </a:xfrm>
+      </p:grpSpPr>
+      <p:sp>
+        <p:nvSpPr>
           <p:cNvPr id="742" name="CustomShape 1"/>
           <p:cNvSpPr/>
           <p:nvPr/>
@@ -39186,7 +39997,7 @@
                 </a:uFill>
                 <a:latin typeface="Calibri"/>
               </a:rPr>
-              <a:t>27</a:t>
+              <a:t>29</a:t>
             </a:fld>
             <a:endParaRPr lang="en-US" sz="1800" b="0" strike="noStrike" spc="-1">
               <a:solidFill>

--- a/files/Folien.pptx
+++ b/files/Folien.pptx
@@ -38,13 +38,15 @@
     <p:sldId id="262" r:id="rId32"/>
     <p:sldId id="282" r:id="rId33"/>
     <p:sldId id="283" r:id="rId34"/>
-    <p:sldId id="273" r:id="rId35"/>
-    <p:sldId id="295" r:id="rId36"/>
-    <p:sldId id="296" r:id="rId37"/>
-    <p:sldId id="299" r:id="rId38"/>
-    <p:sldId id="297" r:id="rId39"/>
-    <p:sldId id="298" r:id="rId40"/>
-    <p:sldId id="275" r:id="rId41"/>
+    <p:sldId id="302" r:id="rId35"/>
+    <p:sldId id="273" r:id="rId36"/>
+    <p:sldId id="303" r:id="rId37"/>
+    <p:sldId id="295" r:id="rId38"/>
+    <p:sldId id="296" r:id="rId39"/>
+    <p:sldId id="299" r:id="rId40"/>
+    <p:sldId id="297" r:id="rId41"/>
+    <p:sldId id="298" r:id="rId42"/>
+    <p:sldId id="275" r:id="rId43"/>
   </p:sldIdLst>
   <p:sldSz cx="9144000" cy="5143500" type="screen16x9"/>
   <p:notesSz cx="7559675" cy="10691813"/>
@@ -34755,1036 +34757,552 @@
       </p:grpSpPr>
       <p:sp>
         <p:nvSpPr>
-          <p:cNvPr id="667" name="CustomShape 1"/>
-          <p:cNvSpPr/>
-          <p:nvPr/>
+          <p:cNvPr id="2" name="Titel 1">
+            <a:extLst>
+              <a:ext uri="{FF2B5EF4-FFF2-40B4-BE49-F238E27FC236}">
+                <a16:creationId xmlns:a16="http://schemas.microsoft.com/office/drawing/2014/main" id="{D32F0D6D-C809-44A1-8CF6-CD0B75F4D683}"/>
+              </a:ext>
+            </a:extLst>
+          </p:cNvPr>
+          <p:cNvSpPr>
+            <a:spLocks noGrp="1"/>
+          </p:cNvSpPr>
+          <p:nvPr>
+            <p:ph type="title"/>
+          </p:nvPr>
         </p:nvSpPr>
-        <p:spPr>
-          <a:xfrm>
-            <a:off x="1375200" y="276480"/>
-            <a:ext cx="2894760" cy="263520"/>
-          </a:xfrm>
-          <a:prstGeom prst="rect">
-            <a:avLst/>
-          </a:prstGeom>
-          <a:noFill/>
-          <a:ln>
-            <a:noFill/>
-          </a:ln>
-        </p:spPr>
-        <p:style>
-          <a:lnRef idx="0">
-            <a:scrgbClr r="0" g="0" b="0"/>
-          </a:lnRef>
-          <a:fillRef idx="0">
-            <a:scrgbClr r="0" g="0" b="0"/>
-          </a:fillRef>
-          <a:effectRef idx="0">
-            <a:scrgbClr r="0" g="0" b="0"/>
-          </a:effectRef>
-          <a:fontRef idx="minor"/>
-        </p:style>
+        <p:spPr/>
         <p:txBody>
-          <a:bodyPr lIns="90000" tIns="45000" rIns="90000" bIns="45000" anchor="ctr"/>
+          <a:bodyPr/>
           <a:lstStyle/>
           <a:p>
-            <a:pPr>
-              <a:lnSpc>
-                <a:spcPct val="100000"/>
-              </a:lnSpc>
-            </a:pPr>
-            <a:r>
-              <a:rPr lang="en-US" sz="1000" b="0" strike="noStrike" spc="-1">
-                <a:solidFill>
-                  <a:srgbClr val="BABABA"/>
-                </a:solidFill>
-                <a:uFill>
-                  <a:solidFill>
-                    <a:srgbClr val="FFFFFF"/>
-                  </a:solidFill>
-                </a:uFill>
-                <a:latin typeface="Calibri"/>
-              </a:rPr>
-              <a:t>Experts in agile software engineering</a:t>
-            </a:r>
-            <a:endParaRPr lang="en-US" sz="1800" b="0" strike="noStrike" spc="-1">
-              <a:solidFill>
-                <a:srgbClr val="000000"/>
-              </a:solidFill>
-              <a:uFill>
-                <a:solidFill>
-                  <a:srgbClr val="FFFFFF"/>
-                </a:solidFill>
-              </a:uFill>
-              <a:latin typeface="Arial"/>
-            </a:endParaRPr>
+            <a:endParaRPr lang="de-DE" dirty="0"/>
           </a:p>
         </p:txBody>
       </p:sp>
       <p:sp>
         <p:nvSpPr>
-          <p:cNvPr id="668" name="CustomShape 2"/>
-          <p:cNvSpPr/>
-          <p:nvPr/>
-        </p:nvSpPr>
-        <p:spPr>
-          <a:xfrm>
-            <a:off x="457200" y="640080"/>
-            <a:ext cx="6666480" cy="783000"/>
-          </a:xfrm>
-          <a:prstGeom prst="rect">
-            <a:avLst/>
-          </a:prstGeom>
-          <a:noFill/>
-          <a:ln>
-            <a:noFill/>
-          </a:ln>
-        </p:spPr>
-        <p:style>
-          <a:lnRef idx="0">
-            <a:scrgbClr r="0" g="0" b="0"/>
-          </a:lnRef>
-          <a:fillRef idx="0">
-            <a:scrgbClr r="0" g="0" b="0"/>
-          </a:fillRef>
-          <a:effectRef idx="0">
-            <a:scrgbClr r="0" g="0" b="0"/>
-          </a:effectRef>
-          <a:fontRef idx="minor"/>
-        </p:style>
-        <p:txBody>
-          <a:bodyPr lIns="90000" tIns="45000" rIns="90000" bIns="45000" anchor="ctr"/>
-          <a:lstStyle/>
-          <a:p>
-            <a:pPr>
-              <a:lnSpc>
-                <a:spcPct val="100000"/>
-              </a:lnSpc>
-            </a:pPr>
-            <a:r>
-              <a:rPr lang="en-US" sz="2400" b="0" strike="noStrike" spc="-1" dirty="0">
-                <a:solidFill>
-                  <a:srgbClr val="004C93"/>
-                </a:solidFill>
-                <a:uFill>
-                  <a:solidFill>
-                    <a:srgbClr val="FFFFFF"/>
-                  </a:solidFill>
-                </a:uFill>
-                <a:latin typeface="Calibri"/>
-              </a:rPr>
-              <a:t>Test Suites</a:t>
-            </a:r>
-            <a:endParaRPr lang="en-US" sz="1800" b="0" strike="noStrike" spc="-1" dirty="0">
-              <a:solidFill>
-                <a:srgbClr val="000000"/>
-              </a:solidFill>
-              <a:uFill>
-                <a:solidFill>
-                  <a:srgbClr val="FFFFFF"/>
-                </a:solidFill>
-              </a:uFill>
-              <a:latin typeface="Arial"/>
-            </a:endParaRPr>
-          </a:p>
-        </p:txBody>
-      </p:sp>
-      <p:sp>
-        <p:nvSpPr>
-          <p:cNvPr id="670" name="CustomShape 4"/>
-          <p:cNvSpPr/>
-          <p:nvPr/>
-        </p:nvSpPr>
-        <p:spPr>
-          <a:xfrm>
-            <a:off x="8626680" y="180360"/>
-            <a:ext cx="350280" cy="155160"/>
-          </a:xfrm>
-          <a:prstGeom prst="rect">
-            <a:avLst/>
-          </a:prstGeom>
-          <a:noFill/>
-          <a:ln w="9360">
-            <a:noFill/>
-          </a:ln>
-        </p:spPr>
-        <p:style>
-          <a:lnRef idx="0">
-            <a:scrgbClr r="0" g="0" b="0"/>
-          </a:lnRef>
-          <a:fillRef idx="0">
-            <a:scrgbClr r="0" g="0" b="0"/>
-          </a:fillRef>
-          <a:effectRef idx="0">
-            <a:scrgbClr r="0" g="0" b="0"/>
-          </a:effectRef>
-          <a:fontRef idx="minor"/>
-        </p:style>
-        <p:txBody>
-          <a:bodyPr lIns="0" tIns="0" rIns="0" bIns="0"/>
-          <a:lstStyle/>
-          <a:p>
-            <a:pPr algn="ctr">
-              <a:lnSpc>
-                <a:spcPct val="100000"/>
-              </a:lnSpc>
-            </a:pPr>
-            <a:fld id="{F44BF771-09CA-44DA-BA0C-EC56BE8EFD37}" type="slidenum">
-              <a:rPr lang="en-US" sz="1000" b="0" strike="noStrike" spc="-1">
-                <a:solidFill>
-                  <a:srgbClr val="51A025"/>
-                </a:solidFill>
-                <a:uFill>
-                  <a:solidFill>
-                    <a:srgbClr val="FFFFFF"/>
-                  </a:solidFill>
-                </a:uFill>
-                <a:latin typeface="Calibri"/>
-              </a:rPr>
-              <a:t>28</a:t>
-            </a:fld>
-            <a:endParaRPr lang="en-US" sz="1800" b="0" strike="noStrike" spc="-1">
-              <a:solidFill>
-                <a:srgbClr val="000000"/>
-              </a:solidFill>
-              <a:uFill>
-                <a:solidFill>
-                  <a:srgbClr val="FFFFFF"/>
-                </a:solidFill>
-              </a:uFill>
-              <a:latin typeface="Arial"/>
-            </a:endParaRPr>
-          </a:p>
-        </p:txBody>
-      </p:sp>
-      <p:sp>
-        <p:nvSpPr>
-          <p:cNvPr id="671" name="CustomShape 5"/>
-          <p:cNvSpPr/>
-          <p:nvPr/>
-        </p:nvSpPr>
-        <p:spPr>
-          <a:xfrm>
-            <a:off x="8047440" y="640800"/>
-            <a:ext cx="751320" cy="373680"/>
-          </a:xfrm>
-          <a:prstGeom prst="rect">
-            <a:avLst/>
-          </a:prstGeom>
-          <a:noFill/>
-          <a:ln>
-            <a:noFill/>
-          </a:ln>
-        </p:spPr>
-        <p:style>
-          <a:lnRef idx="0">
-            <a:scrgbClr r="0" g="0" b="0"/>
-          </a:lnRef>
-          <a:fillRef idx="0">
-            <a:scrgbClr r="0" g="0" b="0"/>
-          </a:fillRef>
-          <a:effectRef idx="0">
-            <a:scrgbClr r="0" g="0" b="0"/>
-          </a:effectRef>
-          <a:fontRef idx="minor"/>
-        </p:style>
-      </p:sp>
-      <p:sp>
-        <p:nvSpPr>
-          <p:cNvPr id="8" name="CustomShape 3">
+          <p:cNvPr id="3" name="Textplatzhalter 2">
             <a:extLst>
               <a:ext uri="{FF2B5EF4-FFF2-40B4-BE49-F238E27FC236}">
-                <a16:creationId xmlns:a16="http://schemas.microsoft.com/office/drawing/2014/main" id="{4FF9EFF3-9CA1-4F4B-A867-631F30B5AD0B}"/>
+                <a16:creationId xmlns:a16="http://schemas.microsoft.com/office/drawing/2014/main" id="{3260CCF7-8744-4DD4-A874-BCB0A11C6EE8}"/>
               </a:ext>
             </a:extLst>
           </p:cNvPr>
-          <p:cNvSpPr/>
-          <p:nvPr/>
+          <p:cNvSpPr>
+            <a:spLocks noGrp="1"/>
+          </p:cNvSpPr>
+          <p:nvPr>
+            <p:ph type="body"/>
+          </p:nvPr>
         </p:nvSpPr>
-        <p:spPr>
-          <a:xfrm>
-            <a:off x="457199" y="1483200"/>
-            <a:ext cx="8112797" cy="3239280"/>
-          </a:xfrm>
-          <a:prstGeom prst="rect">
-            <a:avLst/>
-          </a:prstGeom>
-          <a:noFill/>
-          <a:ln>
-            <a:noFill/>
-          </a:ln>
-        </p:spPr>
-        <p:style>
-          <a:lnRef idx="0">
-            <a:scrgbClr r="0" g="0" b="0"/>
-          </a:lnRef>
-          <a:fillRef idx="0">
-            <a:scrgbClr r="0" g="0" b="0"/>
-          </a:fillRef>
-          <a:effectRef idx="0">
-            <a:scrgbClr r="0" g="0" b="0"/>
-          </a:effectRef>
-          <a:fontRef idx="minor"/>
-        </p:style>
+        <p:spPr/>
         <p:txBody>
-          <a:bodyPr lIns="90000" tIns="45000" rIns="90000" bIns="45000"/>
+          <a:bodyPr/>
           <a:lstStyle/>
           <a:p>
-            <a:pPr>
-              <a:lnSpc>
-                <a:spcPct val="100000"/>
-              </a:lnSpc>
-            </a:pPr>
-            <a:r>
-              <a:rPr lang="en-US" sz="1800" b="0" strike="noStrike" spc="-1" dirty="0">
-                <a:solidFill>
-                  <a:srgbClr val="292929"/>
-                </a:solidFill>
-                <a:uFill>
-                  <a:solidFill>
-                    <a:srgbClr val="FFFFFF"/>
-                  </a:solidFill>
-                </a:uFill>
-                <a:latin typeface="Calibri"/>
-              </a:rPr>
-              <a:t>JUnit </a:t>
-            </a:r>
-            <a:r>
-              <a:rPr lang="en-US" spc="-1" dirty="0">
-                <a:solidFill>
-                  <a:srgbClr val="292929"/>
-                </a:solidFill>
-                <a:uFill>
-                  <a:solidFill>
-                    <a:srgbClr val="FFFFFF"/>
-                  </a:solidFill>
-                </a:uFill>
-                <a:latin typeface="Calibri"/>
-              </a:rPr>
-              <a:t>4: Klassen </a:t>
-            </a:r>
-            <a:r>
-              <a:rPr lang="en-US" spc="-1" dirty="0" err="1">
-                <a:solidFill>
-                  <a:srgbClr val="292929"/>
-                </a:solidFill>
-                <a:uFill>
-                  <a:solidFill>
-                    <a:srgbClr val="FFFFFF"/>
-                  </a:solidFill>
-                </a:uFill>
-                <a:latin typeface="Calibri"/>
-              </a:rPr>
-              <a:t>können</a:t>
-            </a:r>
-            <a:r>
-              <a:rPr lang="en-US" spc="-1" dirty="0">
-                <a:solidFill>
-                  <a:srgbClr val="292929"/>
-                </a:solidFill>
-                <a:uFill>
-                  <a:solidFill>
-                    <a:srgbClr val="FFFFFF"/>
-                  </a:solidFill>
-                </a:uFill>
-                <a:latin typeface="Calibri"/>
-              </a:rPr>
-              <a:t> in Test Suites </a:t>
-            </a:r>
-            <a:r>
-              <a:rPr lang="en-US" spc="-1" dirty="0" err="1">
-                <a:solidFill>
-                  <a:srgbClr val="292929"/>
-                </a:solidFill>
-                <a:uFill>
-                  <a:solidFill>
-                    <a:srgbClr val="FFFFFF"/>
-                  </a:solidFill>
-                </a:uFill>
-                <a:latin typeface="Calibri"/>
-              </a:rPr>
-              <a:t>aufgelistet</a:t>
-            </a:r>
-            <a:r>
-              <a:rPr lang="en-US" spc="-1" dirty="0">
-                <a:solidFill>
-                  <a:srgbClr val="292929"/>
-                </a:solidFill>
-                <a:uFill>
-                  <a:solidFill>
-                    <a:srgbClr val="FFFFFF"/>
-                  </a:solidFill>
-                </a:uFill>
-                <a:latin typeface="Calibri"/>
-              </a:rPr>
+            <a:endParaRPr lang="de-DE" sz="900" dirty="0"/>
+          </a:p>
+          <a:p>
+            <a:endParaRPr lang="de-DE" sz="900" dirty="0"/>
+          </a:p>
+          <a:p>
+            <a:r>
+              <a:rPr lang="de-DE" sz="900" u="sng" dirty="0"/>
+              <a:t>Dann </a:t>
+            </a:r>
+            <a:r>
+              <a:rPr lang="de-DE" sz="900" u="sng" dirty="0" err="1"/>
+              <a:t>k�nnen</a:t>
+            </a:r>
+            <a:r>
+              <a:rPr lang="de-DE" sz="900" u="sng" dirty="0"/>
+              <a:t> die </a:t>
+            </a:r>
+            <a:r>
+              <a:rPr lang="de-DE" sz="900" u="sng" dirty="0" err="1"/>
+              <a:t>Suites</a:t>
+            </a:r>
+            <a:r>
+              <a:rPr lang="de-DE" sz="900" u="sng" dirty="0"/>
+              <a:t> wie folgt aussehen.</a:t>
+            </a:r>
+          </a:p>
+          <a:p>
+            <a:endParaRPr lang="de-DE" sz="900" dirty="0"/>
+          </a:p>
+          <a:p>
+            <a:r>
+              <a:rPr lang="de-DE" sz="900" dirty="0"/>
+              <a:t>```</a:t>
+            </a:r>
+            <a:r>
+              <a:rPr lang="de-DE" sz="900" dirty="0" err="1"/>
+              <a:t>java</a:t>
+            </a:r>
+            <a:endParaRPr lang="de-DE" sz="900" dirty="0"/>
+          </a:p>
+          <a:p>
+            <a:r>
+              <a:rPr lang="de-DE" sz="900" dirty="0"/>
+              <a:t>@</a:t>
+            </a:r>
+            <a:r>
+              <a:rPr lang="de-DE" sz="900" dirty="0" err="1"/>
+              <a:t>RunWith</a:t>
+            </a:r>
+            <a:r>
+              <a:rPr lang="de-DE" sz="900" dirty="0"/>
+              <a:t>(</a:t>
+            </a:r>
+            <a:r>
+              <a:rPr lang="de-DE" sz="900" dirty="0" err="1"/>
+              <a:t>JUnitPlatform.class</a:t>
+            </a:r>
+            <a:r>
+              <a:rPr lang="de-DE" sz="900" dirty="0"/>
+              <a:t>)</a:t>
+            </a:r>
+          </a:p>
+          <a:p>
+            <a:r>
+              <a:rPr lang="de-DE" sz="900" dirty="0"/>
+              <a:t>@</a:t>
+            </a:r>
+            <a:r>
+              <a:rPr lang="de-DE" sz="900" dirty="0" err="1"/>
+              <a:t>SelectClasses</a:t>
+            </a:r>
+            <a:r>
+              <a:rPr lang="de-DE" sz="900" dirty="0"/>
+              <a:t>({RentCalculatorJunit4Test.class})</a:t>
+            </a:r>
+          </a:p>
+          <a:p>
+            <a:r>
+              <a:rPr lang="de-DE" sz="900" dirty="0"/>
+              <a:t>@</a:t>
+            </a:r>
+            <a:r>
+              <a:rPr lang="de-DE" sz="900" dirty="0" err="1"/>
+              <a:t>SelectPackages</a:t>
+            </a:r>
+            <a:r>
+              <a:rPr lang="de-DE" sz="900" dirty="0"/>
+              <a:t>({"</a:t>
+            </a:r>
+            <a:r>
+              <a:rPr lang="de-DE" sz="900" dirty="0" err="1"/>
+              <a:t>expectedException</a:t>
+            </a:r>
+            <a:r>
+              <a:rPr lang="de-DE" sz="900" dirty="0"/>
+              <a:t>"})</a:t>
+            </a:r>
+          </a:p>
+          <a:p>
+            <a:r>
+              <a:rPr lang="de-DE" sz="900" dirty="0"/>
+              <a:t>@</a:t>
+            </a:r>
+            <a:r>
+              <a:rPr lang="de-DE" sz="900" dirty="0" err="1"/>
+              <a:t>IncludeTags</a:t>
+            </a:r>
+            <a:r>
+              <a:rPr lang="de-DE" sz="900" dirty="0"/>
+              <a:t>({"</a:t>
+            </a:r>
+            <a:r>
+              <a:rPr lang="de-DE" sz="900" dirty="0" err="1"/>
+              <a:t>short</a:t>
+            </a:r>
+            <a:r>
+              <a:rPr lang="de-DE" sz="900" dirty="0"/>
+              <a:t>","</a:t>
+            </a:r>
+            <a:r>
+              <a:rPr lang="de-DE" sz="900" dirty="0" err="1"/>
+              <a:t>long</a:t>
+            </a:r>
+            <a:r>
+              <a:rPr lang="de-DE" sz="900" dirty="0"/>
+              <a:t>"})</a:t>
+            </a:r>
+          </a:p>
+          <a:p>
+            <a:r>
+              <a:rPr lang="de-DE" sz="900" dirty="0" err="1"/>
+              <a:t>public</a:t>
+            </a:r>
+            <a:r>
+              <a:rPr lang="de-DE" sz="900" dirty="0"/>
               <a:t> </a:t>
             </a:r>
             <a:r>
-              <a:rPr lang="en-US" spc="-1" dirty="0" err="1">
-                <a:solidFill>
-                  <a:srgbClr val="292929"/>
-                </a:solidFill>
-                <a:uFill>
-                  <a:solidFill>
-                    <a:srgbClr val="FFFFFF"/>
-                  </a:solidFill>
-                </a:uFill>
-                <a:latin typeface="Calibri"/>
-              </a:rPr>
-              <a:t>werden</a:t>
-            </a:r>
-            <a:r>
-              <a:rPr lang="en-US" spc="-1" dirty="0">
-                <a:solidFill>
-                  <a:srgbClr val="292929"/>
-                </a:solidFill>
-                <a:uFill>
-                  <a:solidFill>
-                    <a:srgbClr val="FFFFFF"/>
-                  </a:solidFill>
-                </a:uFill>
-                <a:latin typeface="Calibri"/>
-              </a:rPr>
-              <a:t>, um </a:t>
-            </a:r>
-            <a:r>
-              <a:rPr lang="en-US" spc="-1" dirty="0" err="1">
-                <a:solidFill>
-                  <a:srgbClr val="292929"/>
-                </a:solidFill>
-                <a:uFill>
-                  <a:solidFill>
-                    <a:srgbClr val="FFFFFF"/>
-                  </a:solidFill>
-                </a:uFill>
-                <a:latin typeface="Calibri"/>
-              </a:rPr>
-              <a:t>gemeinsam</a:t>
-            </a:r>
-            <a:r>
-              <a:rPr lang="en-US" spc="-1" dirty="0">
-                <a:solidFill>
-                  <a:srgbClr val="292929"/>
-                </a:solidFill>
-                <a:uFill>
-                  <a:solidFill>
-                    <a:srgbClr val="FFFFFF"/>
-                  </a:solidFill>
-                </a:uFill>
-                <a:latin typeface="Calibri"/>
-              </a:rPr>
+              <a:rPr lang="de-DE" sz="900" dirty="0" err="1"/>
+              <a:t>class</a:t>
+            </a:r>
+            <a:r>
+              <a:rPr lang="de-DE" sz="900" dirty="0"/>
               <a:t> </a:t>
             </a:r>
             <a:r>
-              <a:rPr lang="en-US" spc="-1" dirty="0" err="1">
-                <a:solidFill>
-                  <a:srgbClr val="292929"/>
-                </a:solidFill>
-                <a:uFill>
-                  <a:solidFill>
-                    <a:srgbClr val="FFFFFF"/>
-                  </a:solidFill>
-                </a:uFill>
-                <a:latin typeface="Calibri"/>
-              </a:rPr>
-              <a:t>ausgeführt</a:t>
-            </a:r>
-            <a:r>
-              <a:rPr lang="en-US" spc="-1" dirty="0">
-                <a:solidFill>
-                  <a:srgbClr val="292929"/>
-                </a:solidFill>
-                <a:uFill>
-                  <a:solidFill>
-                    <a:srgbClr val="FFFFFF"/>
-                  </a:solidFill>
-                </a:uFill>
-                <a:latin typeface="Calibri"/>
-              </a:rPr>
-              <a:t>    </a:t>
-            </a:r>
-          </a:p>
-          <a:p>
-            <a:pPr>
-              <a:lnSpc>
-                <a:spcPct val="100000"/>
-              </a:lnSpc>
-            </a:pPr>
-            <a:r>
-              <a:rPr lang="en-US" spc="-1" dirty="0">
-                <a:solidFill>
-                  <a:srgbClr val="292929"/>
-                </a:solidFill>
-                <a:uFill>
-                  <a:solidFill>
-                    <a:srgbClr val="FFFFFF"/>
-                  </a:solidFill>
-                </a:uFill>
-                <a:latin typeface="Calibri"/>
-              </a:rPr>
-              <a:t>              </a:t>
-            </a:r>
-            <a:r>
-              <a:rPr lang="en-US" sz="500" spc="-1" dirty="0">
-                <a:solidFill>
-                  <a:srgbClr val="292929"/>
-                </a:solidFill>
-                <a:uFill>
-                  <a:solidFill>
-                    <a:srgbClr val="FFFFFF"/>
-                  </a:solidFill>
-                </a:uFill>
-                <a:latin typeface="Calibri"/>
-              </a:rPr>
-              <a:t>  </a:t>
-            </a:r>
-            <a:r>
-              <a:rPr lang="en-US" spc="-1" dirty="0" err="1">
-                <a:solidFill>
-                  <a:srgbClr val="292929"/>
-                </a:solidFill>
-                <a:uFill>
-                  <a:solidFill>
-                    <a:srgbClr val="FFFFFF"/>
-                  </a:solidFill>
-                </a:uFill>
-                <a:latin typeface="Calibri"/>
-              </a:rPr>
-              <a:t>zu</a:t>
-            </a:r>
-            <a:r>
-              <a:rPr lang="en-US" spc="-1" dirty="0">
-                <a:solidFill>
-                  <a:srgbClr val="292929"/>
-                </a:solidFill>
-                <a:uFill>
-                  <a:solidFill>
-                    <a:srgbClr val="FFFFFF"/>
-                  </a:solidFill>
-                </a:uFill>
-                <a:latin typeface="Calibri"/>
-              </a:rPr>
+              <a:rPr lang="de-DE" sz="900" dirty="0" err="1"/>
+              <a:t>TestSuite</a:t>
+            </a:r>
+            <a:r>
+              <a:rPr lang="de-DE" sz="900" dirty="0"/>
+              <a:t>{</a:t>
+            </a:r>
+          </a:p>
+          <a:p>
+            <a:r>
+              <a:rPr lang="de-DE" sz="900" dirty="0"/>
+              <a:t>}</a:t>
+            </a:r>
+          </a:p>
+          <a:p>
+            <a:r>
+              <a:rPr lang="de-DE" sz="900" dirty="0"/>
+              <a:t>Die </a:t>
+            </a:r>
+            <a:r>
+              <a:rPr lang="de-DE" sz="900" dirty="0" err="1"/>
+              <a:t>Suites</a:t>
+            </a:r>
+            <a:r>
+              <a:rPr lang="de-DE" sz="900" dirty="0"/>
               <a:t> </a:t>
             </a:r>
             <a:r>
-              <a:rPr lang="en-US" spc="-1" dirty="0" err="1">
-                <a:solidFill>
-                  <a:srgbClr val="292929"/>
-                </a:solidFill>
-                <a:uFill>
-                  <a:solidFill>
-                    <a:srgbClr val="FFFFFF"/>
-                  </a:solidFill>
-                </a:uFill>
-                <a:latin typeface="Calibri"/>
-              </a:rPr>
-              <a:t>werden</a:t>
-            </a:r>
-            <a:endParaRPr lang="en-US" sz="1800" b="0" strike="noStrike" spc="-1" dirty="0">
-              <a:solidFill>
-                <a:srgbClr val="000000"/>
-              </a:solidFill>
-              <a:uFill>
-                <a:solidFill>
-                  <a:srgbClr val="FFFFFF"/>
-                </a:solidFill>
-              </a:uFill>
-              <a:latin typeface="Arial"/>
-            </a:endParaRPr>
-          </a:p>
-          <a:p>
-            <a:pPr>
-              <a:lnSpc>
-                <a:spcPct val="100000"/>
-              </a:lnSpc>
-            </a:pPr>
-            <a:endParaRPr lang="en-US" sz="1800" b="0" strike="noStrike" spc="-1" dirty="0">
-              <a:solidFill>
-                <a:srgbClr val="000000"/>
-              </a:solidFill>
-              <a:uFill>
-                <a:solidFill>
-                  <a:srgbClr val="FFFFFF"/>
-                </a:solidFill>
-              </a:uFill>
-              <a:latin typeface="Arial"/>
-            </a:endParaRPr>
-          </a:p>
-          <a:p>
-            <a:pPr>
-              <a:lnSpc>
-                <a:spcPct val="100000"/>
-              </a:lnSpc>
-            </a:pPr>
-            <a:r>
-              <a:rPr lang="en-US" sz="1800" b="0" strike="noStrike" spc="-1" dirty="0">
-                <a:solidFill>
-                  <a:srgbClr val="292929"/>
-                </a:solidFill>
-                <a:uFill>
-                  <a:solidFill>
-                    <a:srgbClr val="FFFFFF"/>
-                  </a:solidFill>
-                </a:uFill>
-                <a:latin typeface="Calibri"/>
-              </a:rPr>
-              <a:t>JUnit 5: </a:t>
-            </a:r>
-            <a:r>
-              <a:rPr lang="en-US" sz="1800" b="0" strike="noStrike" spc="-1" dirty="0" err="1">
-                <a:solidFill>
-                  <a:srgbClr val="292929"/>
-                </a:solidFill>
-                <a:uFill>
-                  <a:solidFill>
-                    <a:srgbClr val="FFFFFF"/>
-                  </a:solidFill>
-                </a:uFill>
-                <a:latin typeface="Calibri"/>
-              </a:rPr>
-              <a:t>Ermöglicht</a:t>
-            </a:r>
-            <a:r>
-              <a:rPr lang="en-US" sz="1800" b="0" strike="noStrike" spc="-1" dirty="0">
-                <a:solidFill>
-                  <a:srgbClr val="292929"/>
-                </a:solidFill>
-                <a:uFill>
-                  <a:solidFill>
-                    <a:srgbClr val="FFFFFF"/>
-                  </a:solidFill>
-                </a:uFill>
-                <a:latin typeface="Calibri"/>
-              </a:rPr>
+              <a:rPr lang="de-DE" sz="900" u="sng" dirty="0"/>
+              <a:t>Umsetzung von </a:t>
+            </a:r>
+            <a:r>
+              <a:rPr lang="de-DE" sz="900" u="sng" dirty="0" err="1"/>
+              <a:t>JUnit</a:t>
+            </a:r>
+            <a:r>
+              <a:rPr lang="de-DE" sz="900" u="sng" dirty="0"/>
+              <a:t> 5 ist derzeit noch nicht </a:t>
+            </a:r>
+            <a:r>
+              <a:rPr lang="de-DE" sz="900" u="sng" dirty="0" err="1"/>
+              <a:t>vollst�ndig</a:t>
+            </a:r>
+            <a:r>
+              <a:rPr lang="de-DE" sz="900" u="sng" dirty="0"/>
+              <a:t>.</a:t>
+            </a:r>
+          </a:p>
+          <a:p>
+            <a:r>
+              <a:rPr lang="de-DE" sz="900" u="sng" dirty="0"/>
+              <a:t>Der Fortschritt kann unter [</a:t>
+            </a:r>
+            <a:r>
+              <a:rPr lang="de-DE" sz="900" u="sng" dirty="0" err="1"/>
+              <a:t>JUnit</a:t>
+            </a:r>
+            <a:r>
+              <a:rPr lang="de-DE" sz="900" u="sng" dirty="0"/>
+              <a:t> 5 Repository: </a:t>
+            </a:r>
+            <a:r>
+              <a:rPr lang="de-DE" sz="900" u="sng" dirty="0" err="1"/>
+              <a:t>Issues</a:t>
+            </a:r>
+            <a:r>
+              <a:rPr lang="de-DE" sz="900" u="sng" dirty="0"/>
+              <a:t> - </a:t>
+            </a:r>
+            <a:r>
+              <a:rPr lang="de-DE" sz="900" u="sng" dirty="0" err="1"/>
+              <a:t>Suites</a:t>
+            </a:r>
+            <a:r>
+              <a:rPr lang="de-DE" sz="900" u="sng" dirty="0"/>
+              <a:t>](https://github.com/junit-team/junit5/labels/theme%3A%20suites) betrachtet werden.</a:t>
+            </a:r>
+          </a:p>
+          <a:p>
+            <a:endParaRPr lang="de-DE" sz="900" dirty="0"/>
+          </a:p>
+          <a:p>
+            <a:r>
+              <a:rPr lang="de-DE" sz="900" b="1" dirty="0"/>
+              <a:t># </a:t>
+            </a:r>
+            <a:r>
+              <a:rPr lang="de-DE" sz="900" b="1" u="sng" dirty="0"/>
+              <a:t>Aufgabe</a:t>
+            </a:r>
+          </a:p>
+          <a:p>
+            <a:r>
+              <a:rPr lang="de-DE" sz="900" u="sng" dirty="0"/>
+              <a:t>Das Packet </a:t>
+            </a:r>
+            <a:r>
+              <a:rPr lang="de-DE" sz="900" u="sng" dirty="0" err="1"/>
+              <a:t>Testsuites</a:t>
+            </a:r>
+            <a:r>
+              <a:rPr lang="de-DE" sz="900" u="sng" dirty="0"/>
               <a:t> </a:t>
             </a:r>
             <a:r>
-              <a:rPr lang="en-US" sz="1800" b="0" strike="noStrike" spc="-1" dirty="0" err="1">
-                <a:solidFill>
-                  <a:srgbClr val="292929"/>
-                </a:solidFill>
-                <a:uFill>
-                  <a:solidFill>
-                    <a:srgbClr val="FFFFFF"/>
-                  </a:solidFill>
-                </a:uFill>
-                <a:latin typeface="Calibri"/>
-              </a:rPr>
-              <a:t>dazu</a:t>
-            </a:r>
-            <a:r>
-              <a:rPr lang="en-US" sz="1800" b="0" strike="noStrike" spc="-1" dirty="0">
-                <a:solidFill>
-                  <a:srgbClr val="292929"/>
-                </a:solidFill>
-                <a:uFill>
-                  <a:solidFill>
-                    <a:srgbClr val="FFFFFF"/>
-                  </a:solidFill>
-                </a:uFill>
-                <a:latin typeface="Calibri"/>
-              </a:rPr>
+              <a:rPr lang="de-DE" sz="900" u="sng" dirty="0" err="1"/>
+              <a:t>enth�lt</a:t>
+            </a:r>
+            <a:r>
+              <a:rPr lang="de-DE" sz="900" u="sng" dirty="0"/>
+              <a:t> zwei </a:t>
+            </a:r>
+            <a:r>
+              <a:rPr lang="de-DE" sz="900" u="sng" dirty="0" err="1"/>
+              <a:t>Testsuites</a:t>
+            </a:r>
+            <a:r>
+              <a:rPr lang="de-DE" sz="900" u="sng" dirty="0"/>
+              <a:t> einmal </a:t>
+            </a:r>
+            <a:r>
+              <a:rPr lang="de-DE" sz="900" u="sng" dirty="0" err="1"/>
+              <a:t>BasicTestSuite</a:t>
+            </a:r>
+            <a:r>
+              <a:rPr lang="de-DE" sz="900" u="sng" dirty="0"/>
+              <a:t> und </a:t>
+            </a:r>
+            <a:r>
+              <a:rPr lang="de-DE" sz="900" u="sng" dirty="0" err="1"/>
+              <a:t>LongRunningTests</a:t>
+            </a:r>
+            <a:r>
+              <a:rPr lang="de-DE" sz="900" u="sng" dirty="0"/>
+              <a:t>.</a:t>
+            </a:r>
+            <a:endParaRPr lang="de-DE" sz="900" dirty="0"/>
+          </a:p>
+          <a:p>
+            <a:r>
+              <a:rPr lang="de-DE" sz="900" dirty="0"/>
+              <a:t> * </a:t>
+            </a:r>
+            <a:r>
+              <a:rPr lang="de-DE" sz="900" u="sng" dirty="0"/>
+              <a:t>Stelle </a:t>
+            </a:r>
+            <a:r>
+              <a:rPr lang="de-DE" sz="900" u="sng" dirty="0" err="1"/>
+              <a:t>BasicTestSuite</a:t>
+            </a:r>
+            <a:r>
+              <a:rPr lang="de-DE" sz="900" u="sng" dirty="0"/>
+              <a:t> auf </a:t>
+            </a:r>
+            <a:r>
+              <a:rPr lang="de-DE" sz="900" u="sng" dirty="0" err="1"/>
+              <a:t>JUnit</a:t>
+            </a:r>
+            <a:r>
+              <a:rPr lang="de-DE" sz="900" u="sng" dirty="0"/>
+              <a:t> 5 um und verwende `@</a:t>
+            </a:r>
+            <a:r>
+              <a:rPr lang="de-DE" sz="900" u="sng" dirty="0" err="1"/>
+              <a:t>SelectPackages</a:t>
+            </a:r>
+            <a:r>
+              <a:rPr lang="de-DE" sz="900" u="sng" dirty="0"/>
+              <a:t>`</a:t>
+            </a:r>
+          </a:p>
+          <a:p>
+            <a:r>
+              <a:rPr lang="de-DE" sz="900" dirty="0"/>
+              <a:t> * </a:t>
+            </a:r>
+            <a:r>
+              <a:rPr lang="de-DE" sz="900" u="sng" dirty="0"/>
+              <a:t>Stelle </a:t>
+            </a:r>
+            <a:r>
+              <a:rPr lang="de-DE" sz="900" u="sng" dirty="0" err="1"/>
+              <a:t>LongRunningTests</a:t>
+            </a:r>
+            <a:r>
+              <a:rPr lang="de-DE" sz="900" u="sng" dirty="0"/>
+              <a:t> auf </a:t>
+            </a:r>
+            <a:r>
+              <a:rPr lang="de-DE" sz="900" u="sng" dirty="0" err="1"/>
+              <a:t>JUnit</a:t>
+            </a:r>
+            <a:r>
+              <a:rPr lang="de-DE" sz="900" u="sng" dirty="0"/>
+              <a:t> 5 um und verwende `@</a:t>
+            </a:r>
+            <a:r>
+              <a:rPr lang="de-DE" sz="900" u="sng" dirty="0" err="1"/>
+              <a:t>IncludeTags</a:t>
+            </a:r>
+            <a:r>
+              <a:rPr lang="de-DE" sz="900" u="sng" dirty="0"/>
+              <a:t>`</a:t>
+            </a:r>
+          </a:p>
+          <a:p>
+            <a:endParaRPr lang="de-DE" sz="900" dirty="0"/>
+          </a:p>
+          <a:p>
+            <a:r>
+              <a:rPr lang="de-DE" sz="900" b="1" dirty="0"/>
+              <a:t># </a:t>
+            </a:r>
+            <a:r>
+              <a:rPr lang="de-DE" sz="900" b="1" dirty="0" err="1"/>
+              <a:t>L�sung</a:t>
+            </a:r>
+            <a:endParaRPr lang="de-DE" sz="900" dirty="0"/>
+          </a:p>
+          <a:p>
+            <a:r>
+              <a:rPr lang="de-DE" sz="900" dirty="0"/>
+              <a:t>```</a:t>
+            </a:r>
+            <a:r>
+              <a:rPr lang="de-DE" sz="900" dirty="0" err="1"/>
+              <a:t>java</a:t>
+            </a:r>
+            <a:endParaRPr lang="de-DE" sz="900" dirty="0"/>
+          </a:p>
+          <a:p>
+            <a:r>
+              <a:rPr lang="de-DE" sz="900" dirty="0"/>
+              <a:t>@</a:t>
+            </a:r>
+            <a:r>
+              <a:rPr lang="de-DE" sz="900" dirty="0" err="1"/>
+              <a:t>RunWith</a:t>
+            </a:r>
+            <a:r>
+              <a:rPr lang="de-DE" sz="900" dirty="0"/>
+              <a:t>(</a:t>
+            </a:r>
+            <a:r>
+              <a:rPr lang="de-DE" sz="900" dirty="0" err="1"/>
+              <a:t>JUnitPlatform.class</a:t>
+            </a:r>
+            <a:r>
+              <a:rPr lang="de-DE" sz="900" dirty="0"/>
+              <a:t>)</a:t>
+            </a:r>
+          </a:p>
+          <a:p>
+            <a:r>
+              <a:rPr lang="de-DE" sz="900" dirty="0"/>
+              <a:t>@</a:t>
+            </a:r>
+            <a:r>
+              <a:rPr lang="de-DE" sz="900" dirty="0" err="1"/>
+              <a:t>SelectClasses</a:t>
+            </a:r>
+            <a:r>
+              <a:rPr lang="de-DE" sz="900" dirty="0"/>
+              <a:t>({RentCalculatorJunit4Test.class})</a:t>
+            </a:r>
+          </a:p>
+          <a:p>
+            <a:r>
+              <a:rPr lang="de-DE" sz="900" dirty="0"/>
+              <a:t>@</a:t>
+            </a:r>
+            <a:r>
+              <a:rPr lang="de-DE" sz="900" dirty="0" err="1"/>
+              <a:t>SelectPackages</a:t>
+            </a:r>
+            <a:r>
+              <a:rPr lang="de-DE" sz="900" dirty="0"/>
+              <a:t>({"</a:t>
+            </a:r>
+            <a:r>
+              <a:rPr lang="de-DE" sz="900" dirty="0" err="1"/>
+              <a:t>expectedException</a:t>
+            </a:r>
+            <a:r>
+              <a:rPr lang="de-DE" sz="900" dirty="0"/>
+              <a:t>"})</a:t>
+            </a:r>
+          </a:p>
+          <a:p>
+            <a:r>
+              <a:rPr lang="de-DE" sz="900" dirty="0"/>
+              <a:t>@</a:t>
+            </a:r>
+            <a:r>
+              <a:rPr lang="de-DE" sz="900" dirty="0" err="1"/>
+              <a:t>IncludeTags</a:t>
+            </a:r>
+            <a:r>
+              <a:rPr lang="de-DE" sz="900" dirty="0"/>
+              <a:t>({"</a:t>
+            </a:r>
+            <a:r>
+              <a:rPr lang="de-DE" sz="900" dirty="0" err="1"/>
+              <a:t>short</a:t>
+            </a:r>
+            <a:r>
+              <a:rPr lang="de-DE" sz="900" dirty="0"/>
+              <a:t>","</a:t>
+            </a:r>
+            <a:r>
+              <a:rPr lang="de-DE" sz="900" dirty="0" err="1"/>
+              <a:t>long</a:t>
+            </a:r>
+            <a:r>
+              <a:rPr lang="de-DE" sz="900" dirty="0"/>
+              <a:t>"})</a:t>
+            </a:r>
+          </a:p>
+          <a:p>
+            <a:r>
+              <a:rPr lang="de-DE" sz="900" dirty="0" err="1"/>
+              <a:t>public</a:t>
+            </a:r>
+            <a:r>
+              <a:rPr lang="de-DE" sz="900" dirty="0"/>
               <a:t> </a:t>
             </a:r>
             <a:r>
-              <a:rPr lang="en-US" sz="1800" b="0" strike="noStrike" spc="-1" dirty="0" err="1">
-                <a:solidFill>
-                  <a:srgbClr val="292929"/>
-                </a:solidFill>
-                <a:uFill>
-                  <a:solidFill>
-                    <a:srgbClr val="FFFFFF"/>
-                  </a:solidFill>
-                </a:uFill>
-                <a:latin typeface="Calibri"/>
-              </a:rPr>
-              <a:t>noch</a:t>
-            </a:r>
-            <a:r>
-              <a:rPr lang="en-US" sz="1800" b="0" strike="noStrike" spc="-1" dirty="0">
-                <a:solidFill>
-                  <a:srgbClr val="292929"/>
-                </a:solidFill>
-                <a:uFill>
-                  <a:solidFill>
-                    <a:srgbClr val="FFFFFF"/>
-                  </a:solidFill>
-                </a:uFill>
-                <a:latin typeface="Calibri"/>
-              </a:rPr>
-              <a:t> das </a:t>
-            </a:r>
-            <a:r>
-              <a:rPr lang="en-US" sz="1800" b="0" strike="noStrike" spc="-1" dirty="0" err="1">
-                <a:solidFill>
-                  <a:srgbClr val="292929"/>
-                </a:solidFill>
-                <a:uFill>
-                  <a:solidFill>
-                    <a:srgbClr val="FFFFFF"/>
-                  </a:solidFill>
-                </a:uFill>
-                <a:latin typeface="Calibri"/>
-              </a:rPr>
-              <a:t>Definieren</a:t>
-            </a:r>
-            <a:r>
-              <a:rPr lang="en-US" sz="1800" b="0" strike="noStrike" spc="-1" dirty="0">
-                <a:solidFill>
-                  <a:srgbClr val="292929"/>
-                </a:solidFill>
-                <a:uFill>
-                  <a:solidFill>
-                    <a:srgbClr val="FFFFFF"/>
-                  </a:solidFill>
-                </a:uFill>
-                <a:latin typeface="Calibri"/>
-              </a:rPr>
-              <a:t> auf Package </a:t>
-            </a:r>
-            <a:r>
-              <a:rPr lang="en-US" sz="1800" b="0" strike="noStrike" spc="-1" dirty="0" err="1">
-                <a:solidFill>
-                  <a:srgbClr val="292929"/>
-                </a:solidFill>
-                <a:uFill>
-                  <a:solidFill>
-                    <a:srgbClr val="FFFFFF"/>
-                  </a:solidFill>
-                </a:uFill>
-                <a:latin typeface="Calibri"/>
-              </a:rPr>
-              <a:t>Ebene</a:t>
-            </a:r>
-            <a:endParaRPr lang="en-US" sz="1800" b="0" strike="noStrike" spc="-1" dirty="0">
-              <a:solidFill>
-                <a:srgbClr val="292929"/>
-              </a:solidFill>
-              <a:uFill>
-                <a:solidFill>
-                  <a:srgbClr val="FFFFFF"/>
-                </a:solidFill>
-              </a:uFill>
-              <a:latin typeface="Calibri"/>
-            </a:endParaRPr>
-          </a:p>
-          <a:p>
-            <a:pPr>
-              <a:lnSpc>
-                <a:spcPct val="100000"/>
-              </a:lnSpc>
-            </a:pPr>
-            <a:endParaRPr lang="en-US" sz="1800" b="0" strike="noStrike" spc="-1" dirty="0">
-              <a:solidFill>
-                <a:srgbClr val="000000"/>
-              </a:solidFill>
-              <a:uFill>
-                <a:solidFill>
-                  <a:srgbClr val="FFFFFF"/>
-                </a:solidFill>
-              </a:uFill>
-              <a:latin typeface="Arial"/>
-            </a:endParaRPr>
-          </a:p>
-        </p:txBody>
-      </p:sp>
-      <p:sp>
-        <p:nvSpPr>
-          <p:cNvPr id="2" name="Rechteck 1">
-            <a:extLst>
-              <a:ext uri="{FF2B5EF4-FFF2-40B4-BE49-F238E27FC236}">
-                <a16:creationId xmlns:a16="http://schemas.microsoft.com/office/drawing/2014/main" id="{4C25BD1B-E012-44E0-8188-5E85E2008844}"/>
-              </a:ext>
-            </a:extLst>
-          </p:cNvPr>
-          <p:cNvSpPr/>
-          <p:nvPr/>
-        </p:nvSpPr>
-        <p:spPr>
-          <a:xfrm>
-            <a:off x="1308453" y="2902193"/>
-            <a:ext cx="3263548" cy="1456225"/>
-          </a:xfrm>
-          <a:prstGeom prst="rect">
-            <a:avLst/>
-          </a:prstGeom>
-          <a:solidFill>
-            <a:schemeClr val="bg1"/>
-          </a:solidFill>
-          <a:ln>
-            <a:solidFill>
-              <a:schemeClr val="tx1"/>
-            </a:solidFill>
-          </a:ln>
-        </p:spPr>
-        <p:style>
-          <a:lnRef idx="2">
-            <a:schemeClr val="accent1">
-              <a:shade val="50000"/>
-            </a:schemeClr>
-          </a:lnRef>
-          <a:fillRef idx="1">
-            <a:schemeClr val="accent1"/>
-          </a:fillRef>
-          <a:effectRef idx="0">
-            <a:schemeClr val="accent1"/>
-          </a:effectRef>
-          <a:fontRef idx="minor">
-            <a:schemeClr val="lt1"/>
-          </a:fontRef>
-        </p:style>
-        <p:txBody>
-          <a:bodyPr rtlCol="0" anchor="ctr"/>
-          <a:lstStyle/>
-          <a:p>
-            <a:r>
-              <a:rPr lang="de-DE" sz="1200" dirty="0">
-                <a:solidFill>
-                  <a:schemeClr val="tx1"/>
-                </a:solidFill>
-                <a:latin typeface="Calibri" panose="020F0502020204030204" pitchFamily="34" charset="0"/>
-                <a:cs typeface="Calibri" panose="020F0502020204030204" pitchFamily="34" charset="0"/>
-              </a:rPr>
-              <a:t>@</a:t>
-            </a:r>
-            <a:r>
-              <a:rPr lang="de-DE" sz="1200" dirty="0" err="1">
-                <a:solidFill>
-                  <a:schemeClr val="tx1"/>
-                </a:solidFill>
-                <a:latin typeface="Calibri" panose="020F0502020204030204" pitchFamily="34" charset="0"/>
-                <a:cs typeface="Calibri" panose="020F0502020204030204" pitchFamily="34" charset="0"/>
-              </a:rPr>
-              <a:t>SelectClasses</a:t>
-            </a:r>
-            <a:r>
-              <a:rPr lang="de-DE" sz="1200" dirty="0">
-                <a:solidFill>
-                  <a:schemeClr val="tx1"/>
-                </a:solidFill>
-                <a:latin typeface="Calibri" panose="020F0502020204030204" pitchFamily="34" charset="0"/>
-                <a:cs typeface="Calibri" panose="020F0502020204030204" pitchFamily="34" charset="0"/>
-              </a:rPr>
-              <a:t>({RentCalculatorJunit4Test.class})</a:t>
-            </a:r>
-          </a:p>
-          <a:p>
-            <a:r>
-              <a:rPr lang="de-DE" sz="1200" dirty="0">
-                <a:solidFill>
-                  <a:schemeClr val="tx1"/>
-                </a:solidFill>
-                <a:latin typeface="Calibri" panose="020F0502020204030204" pitchFamily="34" charset="0"/>
-                <a:cs typeface="Calibri" panose="020F0502020204030204" pitchFamily="34" charset="0"/>
-              </a:rPr>
-              <a:t>@</a:t>
-            </a:r>
-            <a:r>
-              <a:rPr lang="de-DE" sz="1200" dirty="0" err="1">
-                <a:solidFill>
-                  <a:schemeClr val="tx1"/>
-                </a:solidFill>
-                <a:latin typeface="Calibri" panose="020F0502020204030204" pitchFamily="34" charset="0"/>
-                <a:cs typeface="Calibri" panose="020F0502020204030204" pitchFamily="34" charset="0"/>
-              </a:rPr>
-              <a:t>SelectPackages</a:t>
-            </a:r>
-            <a:r>
-              <a:rPr lang="de-DE" sz="1200" dirty="0">
-                <a:solidFill>
-                  <a:schemeClr val="tx1"/>
-                </a:solidFill>
-                <a:latin typeface="Calibri" panose="020F0502020204030204" pitchFamily="34" charset="0"/>
-                <a:cs typeface="Calibri" panose="020F0502020204030204" pitchFamily="34" charset="0"/>
-              </a:rPr>
-              <a:t>({"</a:t>
-            </a:r>
-            <a:r>
-              <a:rPr lang="de-DE" sz="1200" dirty="0" err="1">
-                <a:solidFill>
-                  <a:schemeClr val="tx1"/>
-                </a:solidFill>
-                <a:latin typeface="Calibri" panose="020F0502020204030204" pitchFamily="34" charset="0"/>
-                <a:cs typeface="Calibri" panose="020F0502020204030204" pitchFamily="34" charset="0"/>
-              </a:rPr>
-              <a:t>expectedException</a:t>
-            </a:r>
-            <a:r>
-              <a:rPr lang="de-DE" sz="1200" dirty="0">
-                <a:solidFill>
-                  <a:schemeClr val="tx1"/>
-                </a:solidFill>
-                <a:latin typeface="Calibri" panose="020F0502020204030204" pitchFamily="34" charset="0"/>
-                <a:cs typeface="Calibri" panose="020F0502020204030204" pitchFamily="34" charset="0"/>
-              </a:rPr>
-              <a:t>"})</a:t>
-            </a:r>
-          </a:p>
-          <a:p>
-            <a:r>
-              <a:rPr lang="de-DE" sz="1200" dirty="0">
-                <a:solidFill>
-                  <a:schemeClr val="tx1"/>
-                </a:solidFill>
-                <a:latin typeface="Calibri" panose="020F0502020204030204" pitchFamily="34" charset="0"/>
-                <a:cs typeface="Calibri" panose="020F0502020204030204" pitchFamily="34" charset="0"/>
-              </a:rPr>
-              <a:t>@</a:t>
-            </a:r>
-            <a:r>
-              <a:rPr lang="de-DE" sz="1200" dirty="0" err="1">
-                <a:solidFill>
-                  <a:schemeClr val="tx1"/>
-                </a:solidFill>
-                <a:latin typeface="Calibri" panose="020F0502020204030204" pitchFamily="34" charset="0"/>
-                <a:cs typeface="Calibri" panose="020F0502020204030204" pitchFamily="34" charset="0"/>
-              </a:rPr>
-              <a:t>IncludeTags</a:t>
-            </a:r>
-            <a:r>
-              <a:rPr lang="de-DE" sz="1200" dirty="0">
-                <a:solidFill>
-                  <a:schemeClr val="tx1"/>
-                </a:solidFill>
-                <a:latin typeface="Calibri" panose="020F0502020204030204" pitchFamily="34" charset="0"/>
-                <a:cs typeface="Calibri" panose="020F0502020204030204" pitchFamily="34" charset="0"/>
-              </a:rPr>
-              <a:t>({"</a:t>
-            </a:r>
-            <a:r>
-              <a:rPr lang="de-DE" sz="1200" dirty="0" err="1">
-                <a:solidFill>
-                  <a:schemeClr val="tx1"/>
-                </a:solidFill>
-                <a:latin typeface="Calibri" panose="020F0502020204030204" pitchFamily="34" charset="0"/>
-                <a:cs typeface="Calibri" panose="020F0502020204030204" pitchFamily="34" charset="0"/>
-              </a:rPr>
-              <a:t>short</a:t>
-            </a:r>
-            <a:r>
-              <a:rPr lang="de-DE" sz="1200" dirty="0">
-                <a:solidFill>
-                  <a:schemeClr val="tx1"/>
-                </a:solidFill>
-                <a:latin typeface="Calibri" panose="020F0502020204030204" pitchFamily="34" charset="0"/>
-                <a:cs typeface="Calibri" panose="020F0502020204030204" pitchFamily="34" charset="0"/>
-              </a:rPr>
-              <a:t>","</a:t>
-            </a:r>
-            <a:r>
-              <a:rPr lang="de-DE" sz="1200" dirty="0" err="1">
-                <a:solidFill>
-                  <a:schemeClr val="tx1"/>
-                </a:solidFill>
-                <a:latin typeface="Calibri" panose="020F0502020204030204" pitchFamily="34" charset="0"/>
-                <a:cs typeface="Calibri" panose="020F0502020204030204" pitchFamily="34" charset="0"/>
-              </a:rPr>
-              <a:t>long</a:t>
-            </a:r>
-            <a:r>
-              <a:rPr lang="de-DE" sz="1200" dirty="0">
-                <a:solidFill>
-                  <a:schemeClr val="tx1"/>
-                </a:solidFill>
-                <a:latin typeface="Calibri" panose="020F0502020204030204" pitchFamily="34" charset="0"/>
-                <a:cs typeface="Calibri" panose="020F0502020204030204" pitchFamily="34" charset="0"/>
-              </a:rPr>
-              <a:t>"})</a:t>
-            </a:r>
-          </a:p>
-          <a:p>
-            <a:r>
-              <a:rPr lang="de-DE" sz="1200" dirty="0" err="1">
-                <a:solidFill>
-                  <a:schemeClr val="tx1"/>
-                </a:solidFill>
-                <a:latin typeface="Calibri" panose="020F0502020204030204" pitchFamily="34" charset="0"/>
-                <a:cs typeface="Calibri" panose="020F0502020204030204" pitchFamily="34" charset="0"/>
-              </a:rPr>
-              <a:t>public</a:t>
-            </a:r>
-            <a:r>
-              <a:rPr lang="de-DE" sz="1200" dirty="0">
-                <a:solidFill>
-                  <a:schemeClr val="tx1"/>
-                </a:solidFill>
-                <a:latin typeface="Calibri" panose="020F0502020204030204" pitchFamily="34" charset="0"/>
-                <a:cs typeface="Calibri" panose="020F0502020204030204" pitchFamily="34" charset="0"/>
-              </a:rPr>
+              <a:rPr lang="de-DE" sz="900" dirty="0" err="1"/>
+              <a:t>class</a:t>
+            </a:r>
+            <a:r>
+              <a:rPr lang="de-DE" sz="900" dirty="0"/>
               <a:t> </a:t>
             </a:r>
             <a:r>
-              <a:rPr lang="de-DE" sz="1200" dirty="0" err="1">
-                <a:solidFill>
-                  <a:schemeClr val="tx1"/>
-                </a:solidFill>
-                <a:latin typeface="Calibri" panose="020F0502020204030204" pitchFamily="34" charset="0"/>
-                <a:cs typeface="Calibri" panose="020F0502020204030204" pitchFamily="34" charset="0"/>
-              </a:rPr>
-              <a:t>class</a:t>
-            </a:r>
-            <a:r>
-              <a:rPr lang="de-DE" sz="1200" dirty="0">
-                <a:solidFill>
-                  <a:schemeClr val="tx1"/>
-                </a:solidFill>
-                <a:latin typeface="Calibri" panose="020F0502020204030204" pitchFamily="34" charset="0"/>
-                <a:cs typeface="Calibri" panose="020F0502020204030204" pitchFamily="34" charset="0"/>
-              </a:rPr>
-              <a:t> </a:t>
-            </a:r>
-            <a:r>
-              <a:rPr lang="de-DE" sz="1200" dirty="0" err="1">
-                <a:solidFill>
-                  <a:schemeClr val="tx1"/>
-                </a:solidFill>
-                <a:latin typeface="Calibri" panose="020F0502020204030204" pitchFamily="34" charset="0"/>
-                <a:cs typeface="Calibri" panose="020F0502020204030204" pitchFamily="34" charset="0"/>
-              </a:rPr>
-              <a:t>TestSuite</a:t>
-            </a:r>
-            <a:r>
-              <a:rPr lang="de-DE" sz="1200" dirty="0">
-                <a:solidFill>
-                  <a:schemeClr val="tx1"/>
-                </a:solidFill>
-                <a:latin typeface="Calibri" panose="020F0502020204030204" pitchFamily="34" charset="0"/>
-                <a:cs typeface="Calibri" panose="020F0502020204030204" pitchFamily="34" charset="0"/>
-              </a:rPr>
-              <a:t>{</a:t>
-            </a:r>
-          </a:p>
-          <a:p>
-            <a:r>
-              <a:rPr lang="de-DE" sz="1200" dirty="0">
-                <a:solidFill>
-                  <a:schemeClr val="tx1"/>
-                </a:solidFill>
-                <a:latin typeface="Calibri" panose="020F0502020204030204" pitchFamily="34" charset="0"/>
-                <a:cs typeface="Calibri" panose="020F0502020204030204" pitchFamily="34" charset="0"/>
-              </a:rPr>
-              <a:t>    </a:t>
-            </a:r>
-          </a:p>
-          <a:p>
-            <a:endParaRPr lang="de-DE" sz="1200" dirty="0">
-              <a:solidFill>
-                <a:schemeClr val="tx1"/>
-              </a:solidFill>
-              <a:latin typeface="Calibri" panose="020F0502020204030204" pitchFamily="34" charset="0"/>
-              <a:cs typeface="Calibri" panose="020F0502020204030204" pitchFamily="34" charset="0"/>
-            </a:endParaRPr>
-          </a:p>
-          <a:p>
-            <a:r>
-              <a:rPr lang="de-DE" sz="1200" dirty="0">
-                <a:solidFill>
-                  <a:schemeClr val="tx1"/>
-                </a:solidFill>
-                <a:latin typeface="Calibri" panose="020F0502020204030204" pitchFamily="34" charset="0"/>
-                <a:cs typeface="Calibri" panose="020F0502020204030204" pitchFamily="34" charset="0"/>
-              </a:rPr>
+              <a:rPr lang="de-DE" sz="900" dirty="0" err="1"/>
+              <a:t>RequiresJmqSuite</a:t>
+            </a:r>
+            <a:r>
+              <a:rPr lang="de-DE" sz="900" dirty="0"/>
+              <a:t> {</a:t>
+            </a:r>
+          </a:p>
+          <a:p>
+            <a:r>
+              <a:rPr lang="de-DE" sz="900" dirty="0"/>
               <a:t>}</a:t>
+            </a:r>
+          </a:p>
+          <a:p>
+            <a:r>
+              <a:rPr lang="de-DE" sz="900" dirty="0"/>
+              <a:t>```</a:t>
             </a:r>
           </a:p>
         </p:txBody>
@@ -35792,40 +35310,13 @@
     </p:spTree>
     <p:extLst>
       <p:ext uri="{BB962C8B-B14F-4D97-AF65-F5344CB8AC3E}">
-        <p14:creationId xmlns:p14="http://schemas.microsoft.com/office/powerpoint/2010/main" val="1755471618"/>
+        <p14:creationId xmlns:p14="http://schemas.microsoft.com/office/powerpoint/2010/main" val="2229568317"/>
       </p:ext>
     </p:extLst>
   </p:cSld>
   <p:clrMapOvr>
     <a:masterClrMapping/>
   </p:clrMapOvr>
-  <p:timing>
-    <p:tnLst>
-      <p:par>
-        <p:cTn id="1" dur="indefinite" restart="never" nodeType="tmRoot">
-          <p:childTnLst>
-            <p:seq>
-              <p:cTn id="2" nodeType="mainSeq"/>
-              <p:prevCondLst>
-                <p:cond evt="onPrev" delay="0">
-                  <p:tgtEl>
-                    <p:sldTgt/>
-                  </p:tgtEl>
-                </p:cond>
-              </p:prevCondLst>
-              <p:nextCondLst>
-                <p:cond evt="onNext" delay="0">
-                  <p:tgtEl>
-                    <p:sldTgt/>
-                  </p:tgtEl>
-                </p:cond>
-              </p:nextCondLst>
-            </p:seq>
-          </p:childTnLst>
-        </p:cTn>
-      </p:par>
-    </p:tnLst>
-  </p:timing>
 </p:sld>
 </file>
 
@@ -35848,7 +35339,7 @@
       </p:grpSpPr>
       <p:sp>
         <p:nvSpPr>
-          <p:cNvPr id="683" name="CustomShape 1"/>
+          <p:cNvPr id="667" name="CustomShape 1"/>
           <p:cNvSpPr/>
           <p:nvPr/>
         </p:nvSpPr>
@@ -35916,7 +35407,7 @@
       </p:sp>
       <p:sp>
         <p:nvSpPr>
-          <p:cNvPr id="684" name="CustomShape 2"/>
+          <p:cNvPr id="668" name="CustomShape 2"/>
           <p:cNvSpPr/>
           <p:nvPr/>
         </p:nvSpPr>
@@ -35955,7 +35446,7 @@
               </a:lnSpc>
             </a:pPr>
             <a:r>
-              <a:rPr lang="en-US" sz="2400" spc="-1" dirty="0">
+              <a:rPr lang="en-US" sz="2400" b="0" strike="noStrike" spc="-1" dirty="0">
                 <a:solidFill>
                   <a:srgbClr val="004C93"/>
                 </a:solidFill>
@@ -35968,22 +35459,23 @@
               </a:rPr>
               <a:t>Test Suites</a:t>
             </a:r>
-            <a:endParaRPr lang="en-US" spc="-1" dirty="0">
-              <a:solidFill>
-                <a:srgbClr val="000000"/>
-              </a:solidFill>
-              <a:uFill>
-                <a:solidFill>
-                  <a:srgbClr val="FFFFFF"/>
-                </a:solidFill>
-              </a:uFill>
+            <a:endParaRPr lang="en-US" sz="1800" b="0" strike="noStrike" spc="-1" dirty="0">
+              <a:solidFill>
+                <a:srgbClr val="000000"/>
+              </a:solidFill>
+              <a:uFill>
+                <a:solidFill>
+                  <a:srgbClr val="FFFFFF"/>
+                </a:solidFill>
+              </a:uFill>
+              <a:latin typeface="Arial"/>
             </a:endParaRPr>
           </a:p>
         </p:txBody>
       </p:sp>
       <p:sp>
         <p:nvSpPr>
-          <p:cNvPr id="686" name="CustomShape 4"/>
+          <p:cNvPr id="670" name="CustomShape 4"/>
           <p:cNvSpPr/>
           <p:nvPr/>
         </p:nvSpPr>
@@ -36021,7 +35513,7 @@
                 <a:spcPct val="100000"/>
               </a:lnSpc>
             </a:pPr>
-            <a:fld id="{6F82BE0B-28F8-4E8B-89B8-EFA9010AFB71}" type="slidenum">
+            <a:fld id="{F44BF771-09CA-44DA-BA0C-EC56BE8EFD37}" type="slidenum">
               <a:rPr lang="en-US" sz="1000" b="0" strike="noStrike" spc="-1">
                 <a:solidFill>
                   <a:srgbClr val="51A025"/>
@@ -36051,7 +35543,7 @@
       </p:sp>
       <p:sp>
         <p:nvSpPr>
-          <p:cNvPr id="687" name="CustomShape 5"/>
+          <p:cNvPr id="671" name="CustomShape 5"/>
           <p:cNvSpPr/>
           <p:nvPr/>
         </p:nvSpPr>
@@ -36083,10 +35575,10 @@
       </p:sp>
       <p:sp>
         <p:nvSpPr>
-          <p:cNvPr id="13" name="CustomShape 3">
+          <p:cNvPr id="8" name="CustomShape 3">
             <a:extLst>
               <a:ext uri="{FF2B5EF4-FFF2-40B4-BE49-F238E27FC236}">
-                <a16:creationId xmlns:a16="http://schemas.microsoft.com/office/drawing/2014/main" id="{B221EEF5-AAAD-4D59-B95D-ED1036C3C678}"/>
+                <a16:creationId xmlns:a16="http://schemas.microsoft.com/office/drawing/2014/main" id="{4FF9EFF3-9CA1-4F4B-A867-631F30B5AD0B}"/>
               </a:ext>
             </a:extLst>
           </p:cNvPr>
@@ -36095,8 +35587,8 @@
         </p:nvSpPr>
         <p:spPr>
           <a:xfrm>
-            <a:off x="457200" y="1692000"/>
-            <a:ext cx="8207280" cy="3041280"/>
+            <a:off x="457199" y="1483200"/>
+            <a:ext cx="8112797" cy="3239280"/>
           </a:xfrm>
           <a:prstGeom prst="rect">
             <a:avLst/>
@@ -36122,16 +35614,13 @@
           <a:bodyPr lIns="90000" tIns="45000" rIns="90000" bIns="45000"/>
           <a:lstStyle/>
           <a:p>
-            <a:pPr marL="720">
+            <a:pPr>
               <a:lnSpc>
                 <a:spcPct val="100000"/>
               </a:lnSpc>
-              <a:buClr>
-                <a:srgbClr val="51A025"/>
-              </a:buClr>
             </a:pPr>
             <a:r>
-              <a:rPr lang="en-US" b="0" strike="noStrike" spc="-1" dirty="0">
+              <a:rPr lang="en-US" sz="1800" b="0" strike="noStrike" spc="-1" dirty="0">
                 <a:solidFill>
                   <a:srgbClr val="292929"/>
                 </a:solidFill>
@@ -36140,46 +35629,243 @@
                     <a:srgbClr val="FFFFFF"/>
                   </a:solidFill>
                 </a:uFill>
-                <a:latin typeface="Calibri" panose="020F0502020204030204" pitchFamily="34" charset="0"/>
-                <a:cs typeface="Calibri" panose="020F0502020204030204" pitchFamily="34" charset="0"/>
-              </a:rPr>
-              <a:t>Aufgabe:</a:t>
-            </a:r>
-          </a:p>
-          <a:p>
-            <a:pPr marL="720">
+                <a:latin typeface="Calibri"/>
+              </a:rPr>
+              <a:t>JUnit </a:t>
+            </a:r>
+            <a:r>
+              <a:rPr lang="en-US" spc="-1" dirty="0">
+                <a:solidFill>
+                  <a:srgbClr val="292929"/>
+                </a:solidFill>
+                <a:uFill>
+                  <a:solidFill>
+                    <a:srgbClr val="FFFFFF"/>
+                  </a:solidFill>
+                </a:uFill>
+                <a:latin typeface="Calibri"/>
+              </a:rPr>
+              <a:t>4: Klassen </a:t>
+            </a:r>
+            <a:r>
+              <a:rPr lang="en-US" spc="-1" dirty="0" err="1">
+                <a:solidFill>
+                  <a:srgbClr val="292929"/>
+                </a:solidFill>
+                <a:uFill>
+                  <a:solidFill>
+                    <a:srgbClr val="FFFFFF"/>
+                  </a:solidFill>
+                </a:uFill>
+                <a:latin typeface="Calibri"/>
+              </a:rPr>
+              <a:t>können</a:t>
+            </a:r>
+            <a:r>
+              <a:rPr lang="en-US" spc="-1" dirty="0">
+                <a:solidFill>
+                  <a:srgbClr val="292929"/>
+                </a:solidFill>
+                <a:uFill>
+                  <a:solidFill>
+                    <a:srgbClr val="FFFFFF"/>
+                  </a:solidFill>
+                </a:uFill>
+                <a:latin typeface="Calibri"/>
+              </a:rPr>
+              <a:t> in Test Suites </a:t>
+            </a:r>
+            <a:r>
+              <a:rPr lang="en-US" spc="-1" dirty="0" err="1">
+                <a:solidFill>
+                  <a:srgbClr val="292929"/>
+                </a:solidFill>
+                <a:uFill>
+                  <a:solidFill>
+                    <a:srgbClr val="FFFFFF"/>
+                  </a:solidFill>
+                </a:uFill>
+                <a:latin typeface="Calibri"/>
+              </a:rPr>
+              <a:t>zur</a:t>
+            </a:r>
+            <a:r>
+              <a:rPr lang="en-US" spc="-1" dirty="0">
+                <a:solidFill>
+                  <a:srgbClr val="292929"/>
+                </a:solidFill>
+                <a:uFill>
+                  <a:solidFill>
+                    <a:srgbClr val="FFFFFF"/>
+                  </a:solidFill>
+                </a:uFill>
+                <a:latin typeface="Calibri"/>
+              </a:rPr>
+              <a:t> </a:t>
+            </a:r>
+            <a:r>
+              <a:rPr lang="en-US" spc="-1" dirty="0" err="1">
+                <a:solidFill>
+                  <a:srgbClr val="292929"/>
+                </a:solidFill>
+                <a:uFill>
+                  <a:solidFill>
+                    <a:srgbClr val="FFFFFF"/>
+                  </a:solidFill>
+                </a:uFill>
+                <a:latin typeface="Calibri"/>
+              </a:rPr>
+              <a:t>gemeinsamen</a:t>
+            </a:r>
+            <a:r>
+              <a:rPr lang="en-US" spc="-1" dirty="0">
+                <a:solidFill>
+                  <a:srgbClr val="292929"/>
+                </a:solidFill>
+                <a:uFill>
+                  <a:solidFill>
+                    <a:srgbClr val="FFFFFF"/>
+                  </a:solidFill>
+                </a:uFill>
+                <a:latin typeface="Calibri"/>
+              </a:rPr>
+              <a:t> </a:t>
+            </a:r>
+            <a:r>
+              <a:rPr lang="en-US" spc="-1" dirty="0" err="1">
+                <a:solidFill>
+                  <a:srgbClr val="292929"/>
+                </a:solidFill>
+                <a:uFill>
+                  <a:solidFill>
+                    <a:srgbClr val="FFFFFF"/>
+                  </a:solidFill>
+                </a:uFill>
+                <a:latin typeface="Calibri"/>
+              </a:rPr>
+              <a:t>Ausführung</a:t>
+            </a:r>
+            <a:r>
+              <a:rPr lang="en-US" spc="-1" dirty="0">
+                <a:solidFill>
+                  <a:srgbClr val="292929"/>
+                </a:solidFill>
+                <a:uFill>
+                  <a:solidFill>
+                    <a:srgbClr val="FFFFFF"/>
+                  </a:solidFill>
+                </a:uFill>
+                <a:latin typeface="Calibri"/>
+              </a:rPr>
+              <a:t> </a:t>
+            </a:r>
+            <a:r>
+              <a:rPr lang="en-US" spc="-1" dirty="0" err="1">
+                <a:solidFill>
+                  <a:srgbClr val="292929"/>
+                </a:solidFill>
+                <a:uFill>
+                  <a:solidFill>
+                    <a:srgbClr val="FFFFFF"/>
+                  </a:solidFill>
+                </a:uFill>
+                <a:latin typeface="Calibri"/>
+              </a:rPr>
+              <a:t>gebündelt</a:t>
+            </a:r>
+            <a:r>
+              <a:rPr lang="en-US" spc="-1" dirty="0">
+                <a:solidFill>
+                  <a:srgbClr val="292929"/>
+                </a:solidFill>
+                <a:uFill>
+                  <a:solidFill>
+                    <a:srgbClr val="FFFFFF"/>
+                  </a:solidFill>
+                </a:uFill>
+                <a:latin typeface="Calibri"/>
+              </a:rPr>
+              <a:t> </a:t>
+            </a:r>
+            <a:r>
+              <a:rPr lang="en-US" spc="-1" dirty="0" err="1">
+                <a:solidFill>
+                  <a:srgbClr val="292929"/>
+                </a:solidFill>
+                <a:uFill>
+                  <a:solidFill>
+                    <a:srgbClr val="FFFFFF"/>
+                  </a:solidFill>
+                </a:uFill>
+                <a:latin typeface="Calibri"/>
+              </a:rPr>
+              <a:t>werden</a:t>
+            </a:r>
+            <a:endParaRPr lang="en-US" sz="1800" b="0" strike="noStrike" spc="-1" dirty="0">
+              <a:solidFill>
+                <a:srgbClr val="292929"/>
+              </a:solidFill>
+              <a:uFill>
+                <a:solidFill>
+                  <a:srgbClr val="FFFFFF"/>
+                </a:solidFill>
+              </a:uFill>
+              <a:latin typeface="Calibri"/>
+            </a:endParaRPr>
+          </a:p>
+          <a:p>
+            <a:pPr>
               <a:lnSpc>
                 <a:spcPct val="100000"/>
               </a:lnSpc>
-              <a:buClr>
-                <a:srgbClr val="51A025"/>
-              </a:buClr>
             </a:pPr>
-            <a:endParaRPr lang="en-US" b="0" strike="noStrike" spc="-1" dirty="0">
-              <a:solidFill>
-                <a:srgbClr val="000000"/>
-              </a:solidFill>
-              <a:uFill>
-                <a:solidFill>
-                  <a:srgbClr val="FFFFFF"/>
-                </a:solidFill>
-              </a:uFill>
-              <a:latin typeface="Calibri" panose="020F0502020204030204" pitchFamily="34" charset="0"/>
-              <a:cs typeface="Calibri" panose="020F0502020204030204" pitchFamily="34" charset="0"/>
-            </a:endParaRPr>
-          </a:p>
-          <a:p>
-            <a:pPr marL="285840" indent="-285120">
+            <a:endParaRPr lang="en-US" sz="1800" b="0" strike="noStrike" spc="-1" dirty="0">
+              <a:solidFill>
+                <a:srgbClr val="292929"/>
+              </a:solidFill>
+              <a:uFill>
+                <a:solidFill>
+                  <a:srgbClr val="FFFFFF"/>
+                </a:solidFill>
+              </a:uFill>
+              <a:latin typeface="Calibri"/>
+            </a:endParaRPr>
+          </a:p>
+          <a:p>
+            <a:pPr>
               <a:lnSpc>
                 <a:spcPct val="100000"/>
               </a:lnSpc>
-              <a:buClr>
-                <a:srgbClr val="51A025"/>
-              </a:buClr>
-              <a:buFont typeface="Arial"/>
-              <a:buChar char="•"/>
             </a:pPr>
             <a:r>
+              <a:rPr lang="en-US" sz="1800" b="0" strike="noStrike" spc="-1" dirty="0">
+                <a:solidFill>
+                  <a:srgbClr val="292929"/>
+                </a:solidFill>
+                <a:uFill>
+                  <a:solidFill>
+                    <a:srgbClr val="FFFFFF"/>
+                  </a:solidFill>
+                </a:uFill>
+                <a:latin typeface="Calibri"/>
+              </a:rPr>
+              <a:t>JUnit 5: </a:t>
+            </a:r>
+            <a:r>
+              <a:rPr lang="en-US" spc="-1" dirty="0">
+                <a:solidFill>
+                  <a:srgbClr val="292929"/>
+                </a:solidFill>
+                <a:uFill>
+                  <a:solidFill>
+                    <a:srgbClr val="FFFFFF"/>
+                  </a:solidFill>
+                </a:uFill>
+                <a:latin typeface="Calibri"/>
+              </a:rPr>
+              <a:t>@</a:t>
+            </a:r>
+            <a:r>
               <a:rPr lang="en-US" spc="-1" dirty="0" err="1">
                 <a:solidFill>
                   <a:srgbClr val="292929"/>
@@ -36189,10 +35875,9 @@
                     <a:srgbClr val="FFFFFF"/>
                   </a:solidFill>
                 </a:uFill>
-                <a:latin typeface="Calibri" panose="020F0502020204030204" pitchFamily="34" charset="0"/>
-                <a:cs typeface="Calibri" panose="020F0502020204030204" pitchFamily="34" charset="0"/>
-              </a:rPr>
-              <a:t>Definiere</a:t>
+                <a:latin typeface="Calibri"/>
+              </a:rPr>
+              <a:t>Suites.SuiteClases</a:t>
             </a:r>
             <a:r>
               <a:rPr lang="en-US" spc="-1" dirty="0">
@@ -36204,8 +35889,7 @@
                     <a:srgbClr val="FFFFFF"/>
                   </a:solidFill>
                 </a:uFill>
-                <a:latin typeface="Calibri" panose="020F0502020204030204" pitchFamily="34" charset="0"/>
-                <a:cs typeface="Calibri" panose="020F0502020204030204" pitchFamily="34" charset="0"/>
+                <a:latin typeface="Calibri"/>
               </a:rPr>
               <a:t> </a:t>
             </a:r>
@@ -36219,10 +35903,9 @@
                     <a:srgbClr val="FFFFFF"/>
                   </a:solidFill>
                 </a:uFill>
-                <a:latin typeface="Calibri" panose="020F0502020204030204" pitchFamily="34" charset="0"/>
-                <a:cs typeface="Calibri" panose="020F0502020204030204" pitchFamily="34" charset="0"/>
-              </a:rPr>
-              <a:t>eine</a:t>
+                <a:latin typeface="Calibri"/>
+              </a:rPr>
+              <a:t>wird</a:t>
             </a:r>
             <a:r>
               <a:rPr lang="en-US" spc="-1" dirty="0">
@@ -36234,8 +35917,7 @@
                     <a:srgbClr val="FFFFFF"/>
                   </a:solidFill>
                 </a:uFill>
-                <a:latin typeface="Calibri" panose="020F0502020204030204" pitchFamily="34" charset="0"/>
-                <a:cs typeface="Calibri" panose="020F0502020204030204" pitchFamily="34" charset="0"/>
+                <a:latin typeface="Calibri"/>
               </a:rPr>
               <a:t> </a:t>
             </a:r>
@@ -36249,10 +35931,9 @@
                     <a:srgbClr val="FFFFFF"/>
                   </a:solidFill>
                 </a:uFill>
-                <a:latin typeface="Calibri" panose="020F0502020204030204" pitchFamily="34" charset="0"/>
-                <a:cs typeface="Calibri" panose="020F0502020204030204" pitchFamily="34" charset="0"/>
-              </a:rPr>
-              <a:t>TestSuite</a:t>
+                <a:latin typeface="Calibri"/>
+              </a:rPr>
+              <a:t>durch</a:t>
             </a:r>
             <a:r>
               <a:rPr lang="en-US" spc="-1" dirty="0">
@@ -36264,10 +35945,9 @@
                     <a:srgbClr val="FFFFFF"/>
                   </a:solidFill>
                 </a:uFill>
-                <a:latin typeface="Calibri" panose="020F0502020204030204" pitchFamily="34" charset="0"/>
-                <a:cs typeface="Calibri" panose="020F0502020204030204" pitchFamily="34" charset="0"/>
-              </a:rPr>
-              <a:t> auf Package-</a:t>
+                <a:latin typeface="Calibri"/>
+              </a:rPr>
+              <a:t> @</a:t>
             </a:r>
             <a:r>
               <a:rPr lang="en-US" spc="-1" dirty="0" err="1">
@@ -36279,10 +35959,9 @@
                     <a:srgbClr val="FFFFFF"/>
                   </a:solidFill>
                 </a:uFill>
-                <a:latin typeface="Calibri" panose="020F0502020204030204" pitchFamily="34" charset="0"/>
-                <a:cs typeface="Calibri" panose="020F0502020204030204" pitchFamily="34" charset="0"/>
-              </a:rPr>
-              <a:t>Ebene</a:t>
+                <a:latin typeface="Calibri"/>
+              </a:rPr>
+              <a:t>SelectClasses</a:t>
             </a:r>
             <a:r>
               <a:rPr lang="en-US" spc="-1" dirty="0">
@@ -36294,10 +35973,9 @@
                     <a:srgbClr val="FFFFFF"/>
                   </a:solidFill>
                 </a:uFill>
-                <a:latin typeface="Calibri" panose="020F0502020204030204" pitchFamily="34" charset="0"/>
-                <a:cs typeface="Calibri" panose="020F0502020204030204" pitchFamily="34" charset="0"/>
-              </a:rPr>
-              <a:t> (</a:t>
+                <a:latin typeface="Calibri"/>
+              </a:rPr>
+              <a:t> </a:t>
             </a:r>
             <a:r>
               <a:rPr lang="en-US" spc="-1" dirty="0" err="1">
@@ -36309,69 +35987,29 @@
                     <a:srgbClr val="FFFFFF"/>
                   </a:solidFill>
                 </a:uFill>
-                <a:latin typeface="Calibri" panose="020F0502020204030204" pitchFamily="34" charset="0"/>
-                <a:cs typeface="Calibri" panose="020F0502020204030204" pitchFamily="34" charset="0"/>
-              </a:rPr>
-              <a:t>AllTests</a:t>
-            </a:r>
-            <a:r>
-              <a:rPr lang="en-US" spc="-1" dirty="0">
-                <a:solidFill>
-                  <a:srgbClr val="292929"/>
-                </a:solidFill>
-                <a:uFill>
-                  <a:solidFill>
-                    <a:srgbClr val="FFFFFF"/>
-                  </a:solidFill>
-                </a:uFill>
-                <a:latin typeface="Calibri" panose="020F0502020204030204" pitchFamily="34" charset="0"/>
-                <a:cs typeface="Calibri" panose="020F0502020204030204" pitchFamily="34" charset="0"/>
-              </a:rPr>
-              <a:t>, </a:t>
-            </a:r>
-            <a:r>
-              <a:rPr lang="en-US" spc="-1" dirty="0" err="1">
-                <a:solidFill>
-                  <a:srgbClr val="292929"/>
-                </a:solidFill>
-                <a:uFill>
-                  <a:solidFill>
-                    <a:srgbClr val="FFFFFF"/>
-                  </a:solidFill>
-                </a:uFill>
-                <a:latin typeface="Calibri" panose="020F0502020204030204" pitchFamily="34" charset="0"/>
-                <a:cs typeface="Calibri" panose="020F0502020204030204" pitchFamily="34" charset="0"/>
-              </a:rPr>
-              <a:t>LongRunningTests</a:t>
-            </a:r>
-            <a:r>
-              <a:rPr lang="en-US" spc="-1" dirty="0">
-                <a:solidFill>
-                  <a:srgbClr val="292929"/>
-                </a:solidFill>
-                <a:uFill>
-                  <a:solidFill>
-                    <a:srgbClr val="FFFFFF"/>
-                  </a:solidFill>
-                </a:uFill>
-                <a:latin typeface="Calibri" panose="020F0502020204030204" pitchFamily="34" charset="0"/>
-                <a:cs typeface="Calibri" panose="020F0502020204030204" pitchFamily="34" charset="0"/>
-              </a:rPr>
-              <a:t>).</a:t>
-            </a:r>
-          </a:p>
-          <a:p>
-            <a:pPr marL="285840" indent="-285120">
+                <a:latin typeface="Calibri"/>
+              </a:rPr>
+              <a:t>ersetzt</a:t>
+            </a:r>
+            <a:endParaRPr lang="en-US" spc="-1" dirty="0">
+              <a:solidFill>
+                <a:srgbClr val="292929"/>
+              </a:solidFill>
+              <a:uFill>
+                <a:solidFill>
+                  <a:srgbClr val="FFFFFF"/>
+                </a:solidFill>
+              </a:uFill>
+              <a:latin typeface="Calibri"/>
+            </a:endParaRPr>
+          </a:p>
+          <a:p>
+            <a:pPr>
               <a:lnSpc>
                 <a:spcPct val="100000"/>
               </a:lnSpc>
-              <a:buClr>
-                <a:srgbClr val="51A025"/>
-              </a:buClr>
-              <a:buFont typeface="Arial"/>
-              <a:buChar char="•"/>
             </a:pPr>
-            <a:endParaRPr lang="en-US" b="0" strike="noStrike" spc="-1" dirty="0">
+            <a:endParaRPr lang="en-US" spc="-1" dirty="0">
               <a:solidFill>
                 <a:srgbClr val="292929"/>
               </a:solidFill>
@@ -36380,17 +36018,224 @@
                   <a:srgbClr val="FFFFFF"/>
                 </a:solidFill>
               </a:uFill>
-              <a:latin typeface="+mj-lt"/>
+              <a:latin typeface="Calibri"/>
+            </a:endParaRPr>
+          </a:p>
+          <a:p>
+            <a:pPr>
+              <a:lnSpc>
+                <a:spcPct val="100000"/>
+              </a:lnSpc>
+            </a:pPr>
+            <a:r>
+              <a:rPr lang="en-US" spc="-1" dirty="0">
+                <a:solidFill>
+                  <a:srgbClr val="292929"/>
+                </a:solidFill>
+                <a:uFill>
+                  <a:solidFill>
+                    <a:srgbClr val="FFFFFF"/>
+                  </a:solidFill>
+                </a:uFill>
+                <a:latin typeface="Calibri"/>
+              </a:rPr>
+              <a:t>Um JUnit 5 Suites in JUnit 4 </a:t>
+            </a:r>
+            <a:r>
+              <a:rPr lang="en-US" spc="-1" dirty="0" err="1">
+                <a:solidFill>
+                  <a:srgbClr val="292929"/>
+                </a:solidFill>
+                <a:uFill>
+                  <a:solidFill>
+                    <a:srgbClr val="FFFFFF"/>
+                  </a:solidFill>
+                </a:uFill>
+                <a:latin typeface="Calibri"/>
+              </a:rPr>
+              <a:t>zu</a:t>
+            </a:r>
+            <a:r>
+              <a:rPr lang="en-US" spc="-1" dirty="0">
+                <a:solidFill>
+                  <a:srgbClr val="292929"/>
+                </a:solidFill>
+                <a:uFill>
+                  <a:solidFill>
+                    <a:srgbClr val="FFFFFF"/>
+                  </a:solidFill>
+                </a:uFill>
+                <a:latin typeface="Calibri"/>
+              </a:rPr>
+              <a:t> </a:t>
+            </a:r>
+            <a:r>
+              <a:rPr lang="en-US" spc="-1" dirty="0" err="1">
+                <a:solidFill>
+                  <a:srgbClr val="292929"/>
+                </a:solidFill>
+                <a:uFill>
+                  <a:solidFill>
+                    <a:srgbClr val="FFFFFF"/>
+                  </a:solidFill>
+                </a:uFill>
+                <a:latin typeface="Calibri"/>
+              </a:rPr>
+              <a:t>nutzen</a:t>
+            </a:r>
+            <a:r>
+              <a:rPr lang="en-US" spc="-1" dirty="0">
+                <a:solidFill>
+                  <a:srgbClr val="292929"/>
+                </a:solidFill>
+                <a:uFill>
+                  <a:solidFill>
+                    <a:srgbClr val="FFFFFF"/>
+                  </a:solidFill>
+                </a:uFill>
+                <a:latin typeface="Calibri"/>
+              </a:rPr>
+              <a:t>, </a:t>
+            </a:r>
+            <a:r>
+              <a:rPr lang="de-DE" spc="-1" dirty="0">
+                <a:solidFill>
+                  <a:srgbClr val="292929"/>
+                </a:solidFill>
+                <a:uFill>
+                  <a:solidFill>
+                    <a:srgbClr val="FFFFFF"/>
+                  </a:solidFill>
+                </a:uFill>
+                <a:latin typeface="Calibri"/>
+              </a:rPr>
+              <a:t>werden</a:t>
+            </a:r>
+            <a:r>
+              <a:rPr lang="en-US" spc="-1" dirty="0">
+                <a:solidFill>
+                  <a:srgbClr val="292929"/>
+                </a:solidFill>
+                <a:uFill>
+                  <a:solidFill>
+                    <a:srgbClr val="FFFFFF"/>
+                  </a:solidFill>
+                </a:uFill>
+                <a:latin typeface="Calibri"/>
+              </a:rPr>
+              <a:t> </a:t>
+            </a:r>
+            <a:r>
+              <a:rPr lang="en-US" spc="-1" dirty="0" err="1">
+                <a:solidFill>
+                  <a:srgbClr val="292929"/>
+                </a:solidFill>
+                <a:uFill>
+                  <a:solidFill>
+                    <a:srgbClr val="FFFFFF"/>
+                  </a:solidFill>
+                </a:uFill>
+                <a:latin typeface="Calibri"/>
+              </a:rPr>
+              <a:t>folgende</a:t>
+            </a:r>
+            <a:r>
+              <a:rPr lang="en-US" spc="-1" dirty="0">
+                <a:solidFill>
+                  <a:srgbClr val="292929"/>
+                </a:solidFill>
+                <a:uFill>
+                  <a:solidFill>
+                    <a:srgbClr val="FFFFFF"/>
+                  </a:solidFill>
+                </a:uFill>
+                <a:latin typeface="Calibri"/>
+              </a:rPr>
+              <a:t> </a:t>
+            </a:r>
+            <a:r>
+              <a:rPr lang="en-US" spc="-1" dirty="0" err="1">
+                <a:solidFill>
+                  <a:srgbClr val="292929"/>
+                </a:solidFill>
+                <a:uFill>
+                  <a:solidFill>
+                    <a:srgbClr val="FFFFFF"/>
+                  </a:solidFill>
+                </a:uFill>
+                <a:latin typeface="Calibri"/>
+              </a:rPr>
+              <a:t>Abhängigkeiten</a:t>
+            </a:r>
+            <a:r>
+              <a:rPr lang="en-US" spc="-1" dirty="0">
+                <a:solidFill>
+                  <a:srgbClr val="292929"/>
+                </a:solidFill>
+                <a:uFill>
+                  <a:solidFill>
+                    <a:srgbClr val="FFFFFF"/>
+                  </a:solidFill>
+                </a:uFill>
+                <a:latin typeface="Calibri"/>
+              </a:rPr>
+              <a:t> </a:t>
+            </a:r>
+            <a:r>
+              <a:rPr lang="en-US" spc="-1" dirty="0" err="1">
+                <a:solidFill>
+                  <a:srgbClr val="292929"/>
+                </a:solidFill>
+                <a:uFill>
+                  <a:solidFill>
+                    <a:srgbClr val="FFFFFF"/>
+                  </a:solidFill>
+                </a:uFill>
+                <a:latin typeface="Calibri"/>
+              </a:rPr>
+              <a:t>benötigt</a:t>
+            </a:r>
+            <a:r>
+              <a:rPr lang="en-US" spc="-1" dirty="0">
+                <a:solidFill>
+                  <a:srgbClr val="292929"/>
+                </a:solidFill>
+                <a:uFill>
+                  <a:solidFill>
+                    <a:srgbClr val="FFFFFF"/>
+                  </a:solidFill>
+                </a:uFill>
+                <a:latin typeface="Calibri"/>
+              </a:rPr>
+              <a:t>:</a:t>
+            </a:r>
+          </a:p>
+          <a:p>
+            <a:pPr>
+              <a:lnSpc>
+                <a:spcPct val="100000"/>
+              </a:lnSpc>
+            </a:pPr>
+            <a:endParaRPr lang="en-US" sz="1800" b="0" strike="noStrike" spc="-1" dirty="0">
+              <a:solidFill>
+                <a:srgbClr val="000000"/>
+              </a:solidFill>
+              <a:uFill>
+                <a:solidFill>
+                  <a:srgbClr val="FFFFFF"/>
+                </a:solidFill>
+              </a:uFill>
+              <a:latin typeface="Arial"/>
             </a:endParaRPr>
           </a:p>
         </p:txBody>
       </p:sp>
       <p:sp>
         <p:nvSpPr>
-          <p:cNvPr id="7" name="Rechteck 6">
+          <p:cNvPr id="2" name="Rechteck 1">
             <a:extLst>
               <a:ext uri="{FF2B5EF4-FFF2-40B4-BE49-F238E27FC236}">
-                <a16:creationId xmlns:a16="http://schemas.microsoft.com/office/drawing/2014/main" id="{9ABA87CE-82D6-4D64-8E5B-33F0E0DAFE29}"/>
+                <a16:creationId xmlns:a16="http://schemas.microsoft.com/office/drawing/2014/main" id="{4C25BD1B-E012-44E0-8188-5E85E2008844}"/>
               </a:ext>
             </a:extLst>
           </p:cNvPr>
@@ -36399,18 +36244,18 @@
         </p:nvSpPr>
         <p:spPr>
           <a:xfrm>
-            <a:off x="8047440" y="676691"/>
-            <a:ext cx="929520" cy="494060"/>
-          </a:xfrm>
-          <a:prstGeom prst="rect">
-            <a:avLst/>
-          </a:prstGeom>
-          <a:noFill/>
-          <a:ln w="15875">
+            <a:off x="574004" y="3326376"/>
+            <a:ext cx="5700900" cy="1040216"/>
+          </a:xfrm>
+          <a:prstGeom prst="rect">
+            <a:avLst/>
+          </a:prstGeom>
+          <a:solidFill>
+            <a:schemeClr val="bg1"/>
+          </a:solidFill>
+          <a:ln>
             <a:solidFill>
-              <a:schemeClr val="bg1">
-                <a:lumMod val="85000"/>
-              </a:schemeClr>
+              <a:schemeClr val="tx1"/>
             </a:solidFill>
           </a:ln>
         </p:spPr>
@@ -36434,26 +36279,388 @@
           <a:bodyPr rtlCol="0" anchor="ctr"/>
           <a:lstStyle/>
           <a:p>
-            <a:pPr algn="ctr"/>
-            <a:r>
-              <a:rPr lang="de-DE" dirty="0">
-                <a:solidFill>
-                  <a:schemeClr val="bg1">
-                    <a:lumMod val="75000"/>
-                  </a:schemeClr>
-                </a:solidFill>
+            <a:pPr>
+              <a:lnSpc>
+                <a:spcPct val="100000"/>
+              </a:lnSpc>
+            </a:pPr>
+            <a:r>
+              <a:rPr lang="en-US" sz="1200" spc="-1" dirty="0">
+                <a:solidFill>
+                  <a:srgbClr val="292929"/>
+                </a:solidFill>
+                <a:uFill>
+                  <a:solidFill>
+                    <a:srgbClr val="FFFFFF"/>
+                  </a:solidFill>
+                </a:uFill>
                 <a:latin typeface="Calibri" panose="020F0502020204030204" pitchFamily="34" charset="0"/>
                 <a:cs typeface="Calibri" panose="020F0502020204030204" pitchFamily="34" charset="0"/>
               </a:rPr>
-              <a:t>20 Min</a:t>
-            </a:r>
+              <a:t>dependencies {</a:t>
+            </a:r>
+            <a:endParaRPr lang="en-US" sz="1200" spc="-1" dirty="0">
+              <a:solidFill>
+                <a:srgbClr val="000000"/>
+              </a:solidFill>
+              <a:uFill>
+                <a:solidFill>
+                  <a:srgbClr val="FFFFFF"/>
+                </a:solidFill>
+              </a:uFill>
+              <a:latin typeface="Calibri" panose="020F0502020204030204" pitchFamily="34" charset="0"/>
+              <a:cs typeface="Calibri" panose="020F0502020204030204" pitchFamily="34" charset="0"/>
+            </a:endParaRPr>
+          </a:p>
+          <a:p>
+            <a:r>
+              <a:rPr lang="en-US" sz="1200" spc="-1" dirty="0">
+                <a:solidFill>
+                  <a:srgbClr val="292929"/>
+                </a:solidFill>
+                <a:uFill>
+                  <a:solidFill>
+                    <a:srgbClr val="FFFFFF"/>
+                  </a:solidFill>
+                </a:uFill>
+                <a:latin typeface="Calibri" panose="020F0502020204030204" pitchFamily="34" charset="0"/>
+                <a:cs typeface="Calibri" panose="020F0502020204030204" pitchFamily="34" charset="0"/>
+              </a:rPr>
+              <a:t>    </a:t>
+            </a:r>
+            <a:r>
+              <a:rPr lang="de-DE" sz="1200" dirty="0" err="1">
+                <a:solidFill>
+                  <a:schemeClr val="tx1"/>
+                </a:solidFill>
+                <a:latin typeface="Calibri" panose="020F0502020204030204" pitchFamily="34" charset="0"/>
+                <a:cs typeface="Calibri" panose="020F0502020204030204" pitchFamily="34" charset="0"/>
+              </a:rPr>
+              <a:t>compile</a:t>
+            </a:r>
+            <a:r>
+              <a:rPr lang="de-DE" sz="1200" dirty="0">
+                <a:solidFill>
+                  <a:schemeClr val="tx1"/>
+                </a:solidFill>
+                <a:latin typeface="Calibri" panose="020F0502020204030204" pitchFamily="34" charset="0"/>
+                <a:cs typeface="Calibri" panose="020F0502020204030204" pitchFamily="34" charset="0"/>
+              </a:rPr>
+              <a:t> </a:t>
+            </a:r>
+            <a:r>
+              <a:rPr lang="de-DE" sz="1200" dirty="0" err="1">
+                <a:solidFill>
+                  <a:schemeClr val="tx1"/>
+                </a:solidFill>
+                <a:latin typeface="Calibri" panose="020F0502020204030204" pitchFamily="34" charset="0"/>
+                <a:cs typeface="Calibri" panose="020F0502020204030204" pitchFamily="34" charset="0"/>
+              </a:rPr>
+              <a:t>group</a:t>
+            </a:r>
+            <a:r>
+              <a:rPr lang="de-DE" sz="1200" dirty="0">
+                <a:solidFill>
+                  <a:schemeClr val="tx1"/>
+                </a:solidFill>
+                <a:latin typeface="Calibri" panose="020F0502020204030204" pitchFamily="34" charset="0"/>
+                <a:cs typeface="Calibri" panose="020F0502020204030204" pitchFamily="34" charset="0"/>
+              </a:rPr>
+              <a:t>: '</a:t>
+            </a:r>
+            <a:r>
+              <a:rPr lang="de-DE" sz="1200" dirty="0" err="1">
+                <a:solidFill>
+                  <a:schemeClr val="tx1"/>
+                </a:solidFill>
+                <a:latin typeface="Calibri" panose="020F0502020204030204" pitchFamily="34" charset="0"/>
+                <a:cs typeface="Calibri" panose="020F0502020204030204" pitchFamily="34" charset="0"/>
+              </a:rPr>
+              <a:t>org.junit.platform</a:t>
+            </a:r>
+            <a:r>
+              <a:rPr lang="de-DE" sz="1200" dirty="0">
+                <a:solidFill>
+                  <a:schemeClr val="tx1"/>
+                </a:solidFill>
+                <a:latin typeface="Calibri" panose="020F0502020204030204" pitchFamily="34" charset="0"/>
+                <a:cs typeface="Calibri" panose="020F0502020204030204" pitchFamily="34" charset="0"/>
+              </a:rPr>
+              <a:t>', </a:t>
+            </a:r>
+            <a:r>
+              <a:rPr lang="de-DE" sz="1200" dirty="0" err="1">
+                <a:solidFill>
+                  <a:schemeClr val="tx1"/>
+                </a:solidFill>
+                <a:latin typeface="Calibri" panose="020F0502020204030204" pitchFamily="34" charset="0"/>
+                <a:cs typeface="Calibri" panose="020F0502020204030204" pitchFamily="34" charset="0"/>
+              </a:rPr>
+              <a:t>name</a:t>
+            </a:r>
+            <a:r>
+              <a:rPr lang="de-DE" sz="1200" dirty="0">
+                <a:solidFill>
+                  <a:schemeClr val="tx1"/>
+                </a:solidFill>
+                <a:latin typeface="Calibri" panose="020F0502020204030204" pitchFamily="34" charset="0"/>
+                <a:cs typeface="Calibri" panose="020F0502020204030204" pitchFamily="34" charset="0"/>
+              </a:rPr>
+              <a:t>: '</a:t>
+            </a:r>
+            <a:r>
+              <a:rPr lang="de-DE" sz="1200" dirty="0" err="1">
+                <a:solidFill>
+                  <a:schemeClr val="tx1"/>
+                </a:solidFill>
+                <a:latin typeface="Calibri" panose="020F0502020204030204" pitchFamily="34" charset="0"/>
+                <a:cs typeface="Calibri" panose="020F0502020204030204" pitchFamily="34" charset="0"/>
+              </a:rPr>
+              <a:t>junit</a:t>
+            </a:r>
+            <a:r>
+              <a:rPr lang="de-DE" sz="1200" dirty="0">
+                <a:solidFill>
+                  <a:schemeClr val="tx1"/>
+                </a:solidFill>
+                <a:latin typeface="Calibri" panose="020F0502020204030204" pitchFamily="34" charset="0"/>
+                <a:cs typeface="Calibri" panose="020F0502020204030204" pitchFamily="34" charset="0"/>
+              </a:rPr>
+              <a:t>-</a:t>
+            </a:r>
+            <a:r>
+              <a:rPr lang="de-DE" sz="1200" dirty="0" err="1">
+                <a:solidFill>
+                  <a:schemeClr val="tx1"/>
+                </a:solidFill>
+                <a:latin typeface="Calibri" panose="020F0502020204030204" pitchFamily="34" charset="0"/>
+                <a:cs typeface="Calibri" panose="020F0502020204030204" pitchFamily="34" charset="0"/>
+              </a:rPr>
+              <a:t>platform</a:t>
+            </a:r>
+            <a:r>
+              <a:rPr lang="de-DE" sz="1200" dirty="0">
+                <a:solidFill>
+                  <a:schemeClr val="tx1"/>
+                </a:solidFill>
+                <a:latin typeface="Calibri" panose="020F0502020204030204" pitchFamily="34" charset="0"/>
+                <a:cs typeface="Calibri" panose="020F0502020204030204" pitchFamily="34" charset="0"/>
+              </a:rPr>
+              <a:t>-suite-</a:t>
+            </a:r>
+            <a:r>
+              <a:rPr lang="de-DE" sz="1200" dirty="0" err="1">
+                <a:solidFill>
+                  <a:schemeClr val="tx1"/>
+                </a:solidFill>
+                <a:latin typeface="Calibri" panose="020F0502020204030204" pitchFamily="34" charset="0"/>
+                <a:cs typeface="Calibri" panose="020F0502020204030204" pitchFamily="34" charset="0"/>
+              </a:rPr>
+              <a:t>api</a:t>
+            </a:r>
+            <a:r>
+              <a:rPr lang="de-DE" sz="1200" dirty="0">
+                <a:solidFill>
+                  <a:schemeClr val="tx1"/>
+                </a:solidFill>
+                <a:latin typeface="Calibri" panose="020F0502020204030204" pitchFamily="34" charset="0"/>
+                <a:cs typeface="Calibri" panose="020F0502020204030204" pitchFamily="34" charset="0"/>
+              </a:rPr>
+              <a:t>', </a:t>
+            </a:r>
+            <a:r>
+              <a:rPr lang="de-DE" sz="1200" dirty="0" err="1">
+                <a:solidFill>
+                  <a:schemeClr val="tx1"/>
+                </a:solidFill>
+                <a:latin typeface="Calibri" panose="020F0502020204030204" pitchFamily="34" charset="0"/>
+                <a:cs typeface="Calibri" panose="020F0502020204030204" pitchFamily="34" charset="0"/>
+              </a:rPr>
+              <a:t>version</a:t>
+            </a:r>
+            <a:r>
+              <a:rPr lang="de-DE" sz="1200" dirty="0">
+                <a:solidFill>
+                  <a:schemeClr val="tx1"/>
+                </a:solidFill>
+                <a:latin typeface="Calibri" panose="020F0502020204030204" pitchFamily="34" charset="0"/>
+                <a:cs typeface="Calibri" panose="020F0502020204030204" pitchFamily="34" charset="0"/>
+              </a:rPr>
+              <a:t>: '1.2.0'</a:t>
+            </a:r>
+          </a:p>
+          <a:p>
+            <a:r>
+              <a:rPr lang="de-DE" sz="1200" dirty="0">
+                <a:solidFill>
+                  <a:schemeClr val="tx1"/>
+                </a:solidFill>
+                <a:latin typeface="Calibri" panose="020F0502020204030204" pitchFamily="34" charset="0"/>
+                <a:cs typeface="Calibri" panose="020F0502020204030204" pitchFamily="34" charset="0"/>
+              </a:rPr>
+              <a:t>    </a:t>
+            </a:r>
+            <a:r>
+              <a:rPr lang="de-DE" sz="1200" dirty="0" err="1">
+                <a:solidFill>
+                  <a:schemeClr val="tx1"/>
+                </a:solidFill>
+                <a:latin typeface="Calibri" panose="020F0502020204030204" pitchFamily="34" charset="0"/>
+                <a:cs typeface="Calibri" panose="020F0502020204030204" pitchFamily="34" charset="0"/>
+              </a:rPr>
+              <a:t>testCompile</a:t>
+            </a:r>
+            <a:r>
+              <a:rPr lang="de-DE" sz="1200" dirty="0">
+                <a:solidFill>
+                  <a:schemeClr val="tx1"/>
+                </a:solidFill>
+                <a:latin typeface="Calibri" panose="020F0502020204030204" pitchFamily="34" charset="0"/>
+                <a:cs typeface="Calibri" panose="020F0502020204030204" pitchFamily="34" charset="0"/>
+              </a:rPr>
+              <a:t> </a:t>
+            </a:r>
+            <a:r>
+              <a:rPr lang="de-DE" sz="1200" dirty="0" err="1">
+                <a:solidFill>
+                  <a:schemeClr val="tx1"/>
+                </a:solidFill>
+                <a:latin typeface="Calibri" panose="020F0502020204030204" pitchFamily="34" charset="0"/>
+                <a:cs typeface="Calibri" panose="020F0502020204030204" pitchFamily="34" charset="0"/>
+              </a:rPr>
+              <a:t>group</a:t>
+            </a:r>
+            <a:r>
+              <a:rPr lang="de-DE" sz="1200" dirty="0">
+                <a:solidFill>
+                  <a:schemeClr val="tx1"/>
+                </a:solidFill>
+                <a:latin typeface="Calibri" panose="020F0502020204030204" pitchFamily="34" charset="0"/>
+                <a:cs typeface="Calibri" panose="020F0502020204030204" pitchFamily="34" charset="0"/>
+              </a:rPr>
+              <a:t>: '</a:t>
+            </a:r>
+            <a:r>
+              <a:rPr lang="de-DE" sz="1200" dirty="0" err="1">
+                <a:solidFill>
+                  <a:schemeClr val="tx1"/>
+                </a:solidFill>
+                <a:latin typeface="Calibri" panose="020F0502020204030204" pitchFamily="34" charset="0"/>
+                <a:cs typeface="Calibri" panose="020F0502020204030204" pitchFamily="34" charset="0"/>
+              </a:rPr>
+              <a:t>org.junit.platform</a:t>
+            </a:r>
+            <a:r>
+              <a:rPr lang="de-DE" sz="1200" dirty="0">
+                <a:solidFill>
+                  <a:schemeClr val="tx1"/>
+                </a:solidFill>
+                <a:latin typeface="Calibri" panose="020F0502020204030204" pitchFamily="34" charset="0"/>
+                <a:cs typeface="Calibri" panose="020F0502020204030204" pitchFamily="34" charset="0"/>
+              </a:rPr>
+              <a:t>', </a:t>
+            </a:r>
+            <a:r>
+              <a:rPr lang="de-DE" sz="1200" dirty="0" err="1">
+                <a:solidFill>
+                  <a:schemeClr val="tx1"/>
+                </a:solidFill>
+                <a:latin typeface="Calibri" panose="020F0502020204030204" pitchFamily="34" charset="0"/>
+                <a:cs typeface="Calibri" panose="020F0502020204030204" pitchFamily="34" charset="0"/>
+              </a:rPr>
+              <a:t>name</a:t>
+            </a:r>
+            <a:r>
+              <a:rPr lang="de-DE" sz="1200" dirty="0">
+                <a:solidFill>
+                  <a:schemeClr val="tx1"/>
+                </a:solidFill>
+                <a:latin typeface="Calibri" panose="020F0502020204030204" pitchFamily="34" charset="0"/>
+                <a:cs typeface="Calibri" panose="020F0502020204030204" pitchFamily="34" charset="0"/>
+              </a:rPr>
+              <a:t>: '</a:t>
+            </a:r>
+            <a:r>
+              <a:rPr lang="de-DE" sz="1200" dirty="0" err="1">
+                <a:solidFill>
+                  <a:schemeClr val="tx1"/>
+                </a:solidFill>
+                <a:latin typeface="Calibri" panose="020F0502020204030204" pitchFamily="34" charset="0"/>
+                <a:cs typeface="Calibri" panose="020F0502020204030204" pitchFamily="34" charset="0"/>
+              </a:rPr>
+              <a:t>junit-platform-runner</a:t>
+            </a:r>
+            <a:r>
+              <a:rPr lang="de-DE" sz="1200" dirty="0">
+                <a:solidFill>
+                  <a:schemeClr val="tx1"/>
+                </a:solidFill>
+                <a:latin typeface="Calibri" panose="020F0502020204030204" pitchFamily="34" charset="0"/>
+                <a:cs typeface="Calibri" panose="020F0502020204030204" pitchFamily="34" charset="0"/>
+              </a:rPr>
+              <a:t>', </a:t>
+            </a:r>
+            <a:r>
+              <a:rPr lang="de-DE" sz="1200" dirty="0" err="1">
+                <a:solidFill>
+                  <a:schemeClr val="tx1"/>
+                </a:solidFill>
+                <a:latin typeface="Calibri" panose="020F0502020204030204" pitchFamily="34" charset="0"/>
+                <a:cs typeface="Calibri" panose="020F0502020204030204" pitchFamily="34" charset="0"/>
+              </a:rPr>
+              <a:t>version</a:t>
+            </a:r>
+            <a:r>
+              <a:rPr lang="de-DE" sz="1200" dirty="0">
+                <a:solidFill>
+                  <a:schemeClr val="tx1"/>
+                </a:solidFill>
+                <a:latin typeface="Calibri" panose="020F0502020204030204" pitchFamily="34" charset="0"/>
+                <a:cs typeface="Calibri" panose="020F0502020204030204" pitchFamily="34" charset="0"/>
+              </a:rPr>
+              <a:t>: '1.2.0'</a:t>
+            </a:r>
+          </a:p>
+          <a:p>
+            <a:pPr>
+              <a:lnSpc>
+                <a:spcPct val="100000"/>
+              </a:lnSpc>
+            </a:pPr>
+            <a:r>
+              <a:rPr lang="en-US" sz="1200" spc="-1" dirty="0">
+                <a:solidFill>
+                  <a:srgbClr val="292929"/>
+                </a:solidFill>
+                <a:uFill>
+                  <a:solidFill>
+                    <a:srgbClr val="FFFFFF"/>
+                  </a:solidFill>
+                </a:uFill>
+                <a:latin typeface="Calibri" panose="020F0502020204030204" pitchFamily="34" charset="0"/>
+                <a:cs typeface="Calibri" panose="020F0502020204030204" pitchFamily="34" charset="0"/>
+              </a:rPr>
+              <a:t>}</a:t>
+            </a:r>
+            <a:endParaRPr lang="en-US" sz="1200" spc="-1" dirty="0">
+              <a:solidFill>
+                <a:srgbClr val="000000"/>
+              </a:solidFill>
+              <a:uFill>
+                <a:solidFill>
+                  <a:srgbClr val="FFFFFF"/>
+                </a:solidFill>
+              </a:uFill>
+              <a:latin typeface="Calibri" panose="020F0502020204030204" pitchFamily="34" charset="0"/>
+              <a:cs typeface="Calibri" panose="020F0502020204030204" pitchFamily="34" charset="0"/>
+            </a:endParaRPr>
           </a:p>
         </p:txBody>
       </p:sp>
     </p:spTree>
     <p:extLst>
       <p:ext uri="{BB962C8B-B14F-4D97-AF65-F5344CB8AC3E}">
-        <p14:creationId xmlns:p14="http://schemas.microsoft.com/office/powerpoint/2010/main" val="2959705780"/>
+        <p14:creationId xmlns:p14="http://schemas.microsoft.com/office/powerpoint/2010/main" val="1755471618"/>
       </p:ext>
     </p:extLst>
   </p:cSld>
@@ -36922,7 +37129,7 @@
       </p:grpSpPr>
       <p:sp>
         <p:nvSpPr>
-          <p:cNvPr id="683" name="CustomShape 1"/>
+          <p:cNvPr id="667" name="CustomShape 1"/>
           <p:cNvSpPr/>
           <p:nvPr/>
         </p:nvSpPr>
@@ -36990,7 +37197,7 @@
       </p:sp>
       <p:sp>
         <p:nvSpPr>
-          <p:cNvPr id="684" name="CustomShape 2"/>
+          <p:cNvPr id="668" name="CustomShape 2"/>
           <p:cNvSpPr/>
           <p:nvPr/>
         </p:nvSpPr>
@@ -37023,8 +37230,13 @@
           <a:bodyPr lIns="90000" tIns="45000" rIns="90000" bIns="45000" anchor="ctr"/>
           <a:lstStyle/>
           <a:p>
-            <a:r>
-              <a:rPr lang="en-US" sz="2400" spc="-1" dirty="0">
+            <a:pPr>
+              <a:lnSpc>
+                <a:spcPct val="100000"/>
+              </a:lnSpc>
+            </a:pPr>
+            <a:r>
+              <a:rPr lang="en-US" sz="2400" b="0" strike="noStrike" spc="-1" dirty="0">
                 <a:solidFill>
                   <a:srgbClr val="004C93"/>
                 </a:solidFill>
@@ -37037,22 +37249,23 @@
               </a:rPr>
               <a:t>Test Suites</a:t>
             </a:r>
-            <a:endParaRPr lang="en-US" sz="2400" spc="-1" dirty="0">
-              <a:solidFill>
-                <a:srgbClr val="000000"/>
-              </a:solidFill>
-              <a:uFill>
-                <a:solidFill>
-                  <a:srgbClr val="FFFFFF"/>
-                </a:solidFill>
-              </a:uFill>
+            <a:endParaRPr lang="en-US" sz="1800" b="0" strike="noStrike" spc="-1" dirty="0">
+              <a:solidFill>
+                <a:srgbClr val="000000"/>
+              </a:solidFill>
+              <a:uFill>
+                <a:solidFill>
+                  <a:srgbClr val="FFFFFF"/>
+                </a:solidFill>
+              </a:uFill>
+              <a:latin typeface="Arial"/>
             </a:endParaRPr>
           </a:p>
         </p:txBody>
       </p:sp>
       <p:sp>
         <p:nvSpPr>
-          <p:cNvPr id="686" name="CustomShape 4"/>
+          <p:cNvPr id="670" name="CustomShape 4"/>
           <p:cNvSpPr/>
           <p:nvPr/>
         </p:nvSpPr>
@@ -37090,7 +37303,7 @@
                 <a:spcPct val="100000"/>
               </a:lnSpc>
             </a:pPr>
-            <a:fld id="{6F82BE0B-28F8-4E8B-89B8-EFA9010AFB71}" type="slidenum">
+            <a:fld id="{F44BF771-09CA-44DA-BA0C-EC56BE8EFD37}" type="slidenum">
               <a:rPr lang="en-US" sz="1000" b="0" strike="noStrike" spc="-1">
                 <a:solidFill>
                   <a:srgbClr val="51A025"/>
@@ -37120,7 +37333,7 @@
       </p:sp>
       <p:sp>
         <p:nvSpPr>
-          <p:cNvPr id="687" name="CustomShape 5"/>
+          <p:cNvPr id="671" name="CustomShape 5"/>
           <p:cNvSpPr/>
           <p:nvPr/>
         </p:nvSpPr>
@@ -37152,10 +37365,10 @@
       </p:sp>
       <p:sp>
         <p:nvSpPr>
-          <p:cNvPr id="9" name="CustomShape 3">
+          <p:cNvPr id="8" name="CustomShape 3">
             <a:extLst>
               <a:ext uri="{FF2B5EF4-FFF2-40B4-BE49-F238E27FC236}">
-                <a16:creationId xmlns:a16="http://schemas.microsoft.com/office/drawing/2014/main" id="{EA55C943-3A99-420F-AFAC-38FDA97383E7}"/>
+                <a16:creationId xmlns:a16="http://schemas.microsoft.com/office/drawing/2014/main" id="{4FF9EFF3-9CA1-4F4B-A867-631F30B5AD0B}"/>
               </a:ext>
             </a:extLst>
           </p:cNvPr>
@@ -37164,8 +37377,8 @@
         </p:nvSpPr>
         <p:spPr>
           <a:xfrm>
-            <a:off x="457200" y="1692000"/>
-            <a:ext cx="8207280" cy="3041280"/>
+            <a:off x="457199" y="1483200"/>
+            <a:ext cx="8112797" cy="3239280"/>
           </a:xfrm>
           <a:prstGeom prst="rect">
             <a:avLst/>
@@ -37191,16 +37404,92 @@
           <a:bodyPr lIns="90000" tIns="45000" rIns="90000" bIns="45000"/>
           <a:lstStyle/>
           <a:p>
-            <a:pPr marL="720">
+            <a:r>
+              <a:rPr lang="de-DE" dirty="0">
+                <a:latin typeface="Calibri" panose="020F0502020204030204" pitchFamily="34" charset="0"/>
+                <a:cs typeface="Calibri" panose="020F0502020204030204" pitchFamily="34" charset="0"/>
+              </a:rPr>
+              <a:t>Test </a:t>
+            </a:r>
+            <a:r>
+              <a:rPr lang="de-DE" dirty="0" err="1">
+                <a:latin typeface="Calibri" panose="020F0502020204030204" pitchFamily="34" charset="0"/>
+                <a:cs typeface="Calibri" panose="020F0502020204030204" pitchFamily="34" charset="0"/>
+              </a:rPr>
+              <a:t>Suites</a:t>
+            </a:r>
+            <a:r>
+              <a:rPr lang="de-DE" dirty="0">
+                <a:latin typeface="Calibri" panose="020F0502020204030204" pitchFamily="34" charset="0"/>
+                <a:cs typeface="Calibri" panose="020F0502020204030204" pitchFamily="34" charset="0"/>
+              </a:rPr>
+              <a:t> können dann, wie folgt aussehen:</a:t>
+            </a:r>
+          </a:p>
+          <a:p>
+            <a:endParaRPr lang="de-DE" dirty="0">
+              <a:latin typeface="Calibri" panose="020F0502020204030204" pitchFamily="34" charset="0"/>
+              <a:cs typeface="Calibri" panose="020F0502020204030204" pitchFamily="34" charset="0"/>
+            </a:endParaRPr>
+          </a:p>
+          <a:p>
+            <a:endParaRPr lang="de-DE" dirty="0">
+              <a:latin typeface="Calibri" panose="020F0502020204030204" pitchFamily="34" charset="0"/>
+              <a:cs typeface="Calibri" panose="020F0502020204030204" pitchFamily="34" charset="0"/>
+            </a:endParaRPr>
+          </a:p>
+          <a:p>
+            <a:endParaRPr lang="de-DE" dirty="0">
+              <a:latin typeface="Calibri" panose="020F0502020204030204" pitchFamily="34" charset="0"/>
+              <a:cs typeface="Calibri" panose="020F0502020204030204" pitchFamily="34" charset="0"/>
+            </a:endParaRPr>
+          </a:p>
+          <a:p>
+            <a:endParaRPr lang="de-DE" dirty="0">
+              <a:latin typeface="Calibri" panose="020F0502020204030204" pitchFamily="34" charset="0"/>
+              <a:cs typeface="Calibri" panose="020F0502020204030204" pitchFamily="34" charset="0"/>
+            </a:endParaRPr>
+          </a:p>
+          <a:p>
+            <a:endParaRPr lang="de-DE" dirty="0">
+              <a:latin typeface="Calibri" panose="020F0502020204030204" pitchFamily="34" charset="0"/>
+              <a:cs typeface="Calibri" panose="020F0502020204030204" pitchFamily="34" charset="0"/>
+            </a:endParaRPr>
+          </a:p>
+          <a:p>
+            <a:endParaRPr lang="de-DE" dirty="0">
+              <a:latin typeface="Calibri" panose="020F0502020204030204" pitchFamily="34" charset="0"/>
+              <a:cs typeface="Calibri" panose="020F0502020204030204" pitchFamily="34" charset="0"/>
+            </a:endParaRPr>
+          </a:p>
+          <a:p>
+            <a:endParaRPr lang="de-DE" dirty="0">
+              <a:latin typeface="Calibri" panose="020F0502020204030204" pitchFamily="34" charset="0"/>
+              <a:cs typeface="Calibri" panose="020F0502020204030204" pitchFamily="34" charset="0"/>
+            </a:endParaRPr>
+          </a:p>
+          <a:p>
+            <a:r>
+              <a:rPr lang="de-DE" dirty="0">
+                <a:latin typeface="Calibri" panose="020F0502020204030204" pitchFamily="34" charset="0"/>
+                <a:cs typeface="Calibri" panose="020F0502020204030204" pitchFamily="34" charset="0"/>
+              </a:rPr>
+              <a:t>Hinweis:</a:t>
+            </a:r>
+          </a:p>
+          <a:p>
+            <a:pPr marL="285840" indent="-285120">
               <a:lnSpc>
                 <a:spcPct val="100000"/>
               </a:lnSpc>
               <a:buClr>
                 <a:srgbClr val="51A025"/>
               </a:buClr>
+              <a:buFont typeface="Arial"/>
+              <a:buChar char="•"/>
             </a:pPr>
             <a:r>
-              <a:rPr lang="en-US" b="0" strike="noStrike" spc="-1" dirty="0" err="1">
+              <a:rPr lang="en-US" spc="-1" dirty="0" err="1">
                 <a:solidFill>
                   <a:srgbClr val="292929"/>
                 </a:solidFill>
@@ -37212,10 +37501,10 @@
                 <a:latin typeface="Calibri" panose="020F0502020204030204" pitchFamily="34" charset="0"/>
                 <a:cs typeface="Calibri" panose="020F0502020204030204" pitchFamily="34" charset="0"/>
               </a:rPr>
-              <a:t>Lösung</a:t>
-            </a:r>
-            <a:r>
-              <a:rPr lang="en-US" b="0" strike="noStrike" spc="-1" dirty="0">
+              <a:t>Umsetzung</a:t>
+            </a:r>
+            <a:r>
+              <a:rPr lang="en-US" spc="-1" dirty="0">
                 <a:solidFill>
                   <a:srgbClr val="292929"/>
                 </a:solidFill>
@@ -37227,7 +37516,589 @@
                 <a:latin typeface="Calibri" panose="020F0502020204030204" pitchFamily="34" charset="0"/>
                 <a:cs typeface="Calibri" panose="020F0502020204030204" pitchFamily="34" charset="0"/>
               </a:rPr>
+              <a:t> </a:t>
+            </a:r>
+            <a:r>
+              <a:rPr lang="en-US" spc="-1" dirty="0" err="1">
+                <a:solidFill>
+                  <a:srgbClr val="292929"/>
+                </a:solidFill>
+                <a:uFill>
+                  <a:solidFill>
+                    <a:srgbClr val="FFFFFF"/>
+                  </a:solidFill>
+                </a:uFill>
+                <a:latin typeface="Calibri" panose="020F0502020204030204" pitchFamily="34" charset="0"/>
+                <a:cs typeface="Calibri" panose="020F0502020204030204" pitchFamily="34" charset="0"/>
+              </a:rPr>
+              <a:t>derzeit</a:t>
+            </a:r>
+            <a:r>
+              <a:rPr lang="en-US" spc="-1" dirty="0">
+                <a:solidFill>
+                  <a:srgbClr val="292929"/>
+                </a:solidFill>
+                <a:uFill>
+                  <a:solidFill>
+                    <a:srgbClr val="FFFFFF"/>
+                  </a:solidFill>
+                </a:uFill>
+                <a:latin typeface="Calibri" panose="020F0502020204030204" pitchFamily="34" charset="0"/>
+                <a:cs typeface="Calibri" panose="020F0502020204030204" pitchFamily="34" charset="0"/>
+              </a:rPr>
+              <a:t> </a:t>
+            </a:r>
+            <a:r>
+              <a:rPr lang="en-US" spc="-1" dirty="0" err="1">
+                <a:solidFill>
+                  <a:srgbClr val="292929"/>
+                </a:solidFill>
+                <a:uFill>
+                  <a:solidFill>
+                    <a:srgbClr val="FFFFFF"/>
+                  </a:solidFill>
+                </a:uFill>
+                <a:latin typeface="Calibri" panose="020F0502020204030204" pitchFamily="34" charset="0"/>
+                <a:cs typeface="Calibri" panose="020F0502020204030204" pitchFamily="34" charset="0"/>
+              </a:rPr>
+              <a:t>noch</a:t>
+            </a:r>
+            <a:r>
+              <a:rPr lang="en-US" spc="-1" dirty="0">
+                <a:solidFill>
+                  <a:srgbClr val="292929"/>
+                </a:solidFill>
+                <a:uFill>
+                  <a:solidFill>
+                    <a:srgbClr val="FFFFFF"/>
+                  </a:solidFill>
+                </a:uFill>
+                <a:latin typeface="Calibri" panose="020F0502020204030204" pitchFamily="34" charset="0"/>
+                <a:cs typeface="Calibri" panose="020F0502020204030204" pitchFamily="34" charset="0"/>
+              </a:rPr>
+              <a:t> </a:t>
+            </a:r>
+            <a:r>
+              <a:rPr lang="en-US" spc="-1" dirty="0" err="1">
+                <a:solidFill>
+                  <a:srgbClr val="292929"/>
+                </a:solidFill>
+                <a:uFill>
+                  <a:solidFill>
+                    <a:srgbClr val="FFFFFF"/>
+                  </a:solidFill>
+                </a:uFill>
+                <a:latin typeface="Calibri" panose="020F0502020204030204" pitchFamily="34" charset="0"/>
+                <a:cs typeface="Calibri" panose="020F0502020204030204" pitchFamily="34" charset="0"/>
+              </a:rPr>
+              <a:t>nicht</a:t>
+            </a:r>
+            <a:r>
+              <a:rPr lang="en-US" spc="-1" dirty="0">
+                <a:solidFill>
+                  <a:srgbClr val="292929"/>
+                </a:solidFill>
+                <a:uFill>
+                  <a:solidFill>
+                    <a:srgbClr val="FFFFFF"/>
+                  </a:solidFill>
+                </a:uFill>
+                <a:latin typeface="Calibri" panose="020F0502020204030204" pitchFamily="34" charset="0"/>
+                <a:cs typeface="Calibri" panose="020F0502020204030204" pitchFamily="34" charset="0"/>
+              </a:rPr>
+              <a:t> </a:t>
+            </a:r>
+            <a:r>
+              <a:rPr lang="en-US" spc="-1" dirty="0" err="1">
+                <a:solidFill>
+                  <a:srgbClr val="292929"/>
+                </a:solidFill>
+                <a:uFill>
+                  <a:solidFill>
+                    <a:srgbClr val="FFFFFF"/>
+                  </a:solidFill>
+                </a:uFill>
+                <a:latin typeface="Calibri" panose="020F0502020204030204" pitchFamily="34" charset="0"/>
+                <a:cs typeface="Calibri" panose="020F0502020204030204" pitchFamily="34" charset="0"/>
+              </a:rPr>
+              <a:t>vollständig</a:t>
+            </a:r>
+            <a:endParaRPr lang="en-US" spc="-1" dirty="0">
+              <a:solidFill>
+                <a:srgbClr val="292929"/>
+              </a:solidFill>
+              <a:uFill>
+                <a:solidFill>
+                  <a:srgbClr val="FFFFFF"/>
+                </a:solidFill>
+              </a:uFill>
+              <a:latin typeface="Calibri" panose="020F0502020204030204" pitchFamily="34" charset="0"/>
+              <a:cs typeface="Calibri" panose="020F0502020204030204" pitchFamily="34" charset="0"/>
+            </a:endParaRPr>
+          </a:p>
+          <a:p>
+            <a:pPr marL="285840" indent="-285120">
+              <a:lnSpc>
+                <a:spcPct val="100000"/>
+              </a:lnSpc>
+              <a:buClr>
+                <a:srgbClr val="51A025"/>
+              </a:buClr>
+              <a:buFont typeface="Arial"/>
+              <a:buChar char="•"/>
+            </a:pPr>
+            <a:r>
+              <a:rPr lang="en-US" spc="-1" dirty="0" err="1">
+                <a:solidFill>
+                  <a:srgbClr val="292929"/>
+                </a:solidFill>
+                <a:uFill>
+                  <a:solidFill>
+                    <a:srgbClr val="FFFFFF"/>
+                  </a:solidFill>
+                </a:uFill>
+                <a:latin typeface="Calibri" panose="020F0502020204030204" pitchFamily="34" charset="0"/>
+                <a:cs typeface="Calibri" panose="020F0502020204030204" pitchFamily="34" charset="0"/>
+              </a:rPr>
+              <a:t>Fortschritt</a:t>
+            </a:r>
+            <a:r>
+              <a:rPr lang="en-US" spc="-1" dirty="0">
+                <a:solidFill>
+                  <a:srgbClr val="292929"/>
+                </a:solidFill>
+                <a:uFill>
+                  <a:solidFill>
+                    <a:srgbClr val="FFFFFF"/>
+                  </a:solidFill>
+                </a:uFill>
+                <a:latin typeface="Calibri" panose="020F0502020204030204" pitchFamily="34" charset="0"/>
+                <a:cs typeface="Calibri" panose="020F0502020204030204" pitchFamily="34" charset="0"/>
+              </a:rPr>
               <a:t>:</a:t>
+            </a:r>
+            <a:r>
+              <a:rPr lang="de-DE" dirty="0">
+                <a:latin typeface="Calibri" panose="020F0502020204030204" pitchFamily="34" charset="0"/>
+                <a:cs typeface="Calibri" panose="020F0502020204030204" pitchFamily="34" charset="0"/>
+              </a:rPr>
+              <a:t> https://github.com/junit-team/junit5/labels/theme%3A%20suites</a:t>
+            </a:r>
+            <a:endParaRPr lang="en-US" spc="-1" dirty="0">
+              <a:solidFill>
+                <a:srgbClr val="292929"/>
+              </a:solidFill>
+              <a:uFill>
+                <a:solidFill>
+                  <a:srgbClr val="FFFFFF"/>
+                </a:solidFill>
+              </a:uFill>
+              <a:latin typeface="Calibri" panose="020F0502020204030204" pitchFamily="34" charset="0"/>
+              <a:cs typeface="Calibri" panose="020F0502020204030204" pitchFamily="34" charset="0"/>
+            </a:endParaRPr>
+          </a:p>
+          <a:p>
+            <a:pPr marL="285840" indent="-285120">
+              <a:lnSpc>
+                <a:spcPct val="100000"/>
+              </a:lnSpc>
+              <a:buClr>
+                <a:srgbClr val="51A025"/>
+              </a:buClr>
+              <a:buFont typeface="Arial"/>
+              <a:buChar char="•"/>
+            </a:pPr>
+            <a:endParaRPr lang="de-DE" dirty="0">
+              <a:latin typeface="Calibri" panose="020F0502020204030204" pitchFamily="34" charset="0"/>
+              <a:cs typeface="Calibri" panose="020F0502020204030204" pitchFamily="34" charset="0"/>
+            </a:endParaRPr>
+          </a:p>
+          <a:p>
+            <a:pPr>
+              <a:lnSpc>
+                <a:spcPct val="100000"/>
+              </a:lnSpc>
+            </a:pPr>
+            <a:endParaRPr lang="en-US" sz="1800" b="0" strike="noStrike" spc="-1" dirty="0">
+              <a:solidFill>
+                <a:srgbClr val="292929"/>
+              </a:solidFill>
+              <a:uFill>
+                <a:solidFill>
+                  <a:srgbClr val="FFFFFF"/>
+                </a:solidFill>
+              </a:uFill>
+              <a:latin typeface="Calibri" panose="020F0502020204030204" pitchFamily="34" charset="0"/>
+              <a:cs typeface="Calibri" panose="020F0502020204030204" pitchFamily="34" charset="0"/>
+            </a:endParaRPr>
+          </a:p>
+          <a:p>
+            <a:pPr>
+              <a:lnSpc>
+                <a:spcPct val="100000"/>
+              </a:lnSpc>
+            </a:pPr>
+            <a:endParaRPr lang="en-US" sz="1800" b="0" strike="noStrike" spc="-1" dirty="0">
+              <a:solidFill>
+                <a:srgbClr val="000000"/>
+              </a:solidFill>
+              <a:uFill>
+                <a:solidFill>
+                  <a:srgbClr val="FFFFFF"/>
+                </a:solidFill>
+              </a:uFill>
+              <a:latin typeface="Calibri" panose="020F0502020204030204" pitchFamily="34" charset="0"/>
+              <a:cs typeface="Calibri" panose="020F0502020204030204" pitchFamily="34" charset="0"/>
+            </a:endParaRPr>
+          </a:p>
+        </p:txBody>
+      </p:sp>
+      <p:sp>
+        <p:nvSpPr>
+          <p:cNvPr id="2" name="Rechteck 1">
+            <a:extLst>
+              <a:ext uri="{FF2B5EF4-FFF2-40B4-BE49-F238E27FC236}">
+                <a16:creationId xmlns:a16="http://schemas.microsoft.com/office/drawing/2014/main" id="{4C25BD1B-E012-44E0-8188-5E85E2008844}"/>
+              </a:ext>
+            </a:extLst>
+          </p:cNvPr>
+          <p:cNvSpPr/>
+          <p:nvPr/>
+        </p:nvSpPr>
+        <p:spPr>
+          <a:xfrm>
+            <a:off x="574004" y="1928296"/>
+            <a:ext cx="3263548" cy="1663043"/>
+          </a:xfrm>
+          <a:prstGeom prst="rect">
+            <a:avLst/>
+          </a:prstGeom>
+          <a:solidFill>
+            <a:schemeClr val="bg1"/>
+          </a:solidFill>
+          <a:ln>
+            <a:solidFill>
+              <a:schemeClr val="tx1"/>
+            </a:solidFill>
+          </a:ln>
+        </p:spPr>
+        <p:style>
+          <a:lnRef idx="2">
+            <a:schemeClr val="accent1">
+              <a:shade val="50000"/>
+            </a:schemeClr>
+          </a:lnRef>
+          <a:fillRef idx="1">
+            <a:schemeClr val="accent1"/>
+          </a:fillRef>
+          <a:effectRef idx="0">
+            <a:schemeClr val="accent1"/>
+          </a:effectRef>
+          <a:fontRef idx="minor">
+            <a:schemeClr val="lt1"/>
+          </a:fontRef>
+        </p:style>
+        <p:txBody>
+          <a:bodyPr rtlCol="0" anchor="ctr"/>
+          <a:lstStyle/>
+          <a:p>
+            <a:r>
+              <a:rPr lang="de-DE" sz="1200" dirty="0">
+                <a:solidFill>
+                  <a:schemeClr val="tx1"/>
+                </a:solidFill>
+                <a:latin typeface="Calibri" panose="020F0502020204030204" pitchFamily="34" charset="0"/>
+                <a:cs typeface="Calibri" panose="020F0502020204030204" pitchFamily="34" charset="0"/>
+              </a:rPr>
+              <a:t>@</a:t>
+            </a:r>
+            <a:r>
+              <a:rPr lang="de-DE" sz="1200" dirty="0" err="1">
+                <a:solidFill>
+                  <a:schemeClr val="tx1"/>
+                </a:solidFill>
+                <a:latin typeface="Calibri" panose="020F0502020204030204" pitchFamily="34" charset="0"/>
+                <a:cs typeface="Calibri" panose="020F0502020204030204" pitchFamily="34" charset="0"/>
+              </a:rPr>
+              <a:t>RunWith</a:t>
+            </a:r>
+            <a:r>
+              <a:rPr lang="de-DE" sz="1200" dirty="0">
+                <a:solidFill>
+                  <a:schemeClr val="tx1"/>
+                </a:solidFill>
+                <a:latin typeface="Calibri" panose="020F0502020204030204" pitchFamily="34" charset="0"/>
+                <a:cs typeface="Calibri" panose="020F0502020204030204" pitchFamily="34" charset="0"/>
+              </a:rPr>
+              <a:t>(</a:t>
+            </a:r>
+            <a:r>
+              <a:rPr lang="de-DE" sz="1200" dirty="0" err="1">
+                <a:solidFill>
+                  <a:schemeClr val="tx1"/>
+                </a:solidFill>
+                <a:latin typeface="Calibri" panose="020F0502020204030204" pitchFamily="34" charset="0"/>
+                <a:cs typeface="Calibri" panose="020F0502020204030204" pitchFamily="34" charset="0"/>
+              </a:rPr>
+              <a:t>JUnitPlatform.class</a:t>
+            </a:r>
+            <a:r>
+              <a:rPr lang="de-DE" sz="1200" dirty="0">
+                <a:solidFill>
+                  <a:schemeClr val="tx1"/>
+                </a:solidFill>
+                <a:latin typeface="Calibri" panose="020F0502020204030204" pitchFamily="34" charset="0"/>
+                <a:cs typeface="Calibri" panose="020F0502020204030204" pitchFamily="34" charset="0"/>
+              </a:rPr>
+              <a:t>)</a:t>
+            </a:r>
+          </a:p>
+          <a:p>
+            <a:r>
+              <a:rPr lang="de-DE" sz="1200" dirty="0">
+                <a:solidFill>
+                  <a:schemeClr val="tx1"/>
+                </a:solidFill>
+                <a:latin typeface="Calibri" panose="020F0502020204030204" pitchFamily="34" charset="0"/>
+                <a:cs typeface="Calibri" panose="020F0502020204030204" pitchFamily="34" charset="0"/>
+              </a:rPr>
+              <a:t>@</a:t>
+            </a:r>
+            <a:r>
+              <a:rPr lang="de-DE" sz="1200" dirty="0" err="1">
+                <a:solidFill>
+                  <a:schemeClr val="tx1"/>
+                </a:solidFill>
+                <a:latin typeface="Calibri" panose="020F0502020204030204" pitchFamily="34" charset="0"/>
+                <a:cs typeface="Calibri" panose="020F0502020204030204" pitchFamily="34" charset="0"/>
+              </a:rPr>
+              <a:t>SelectClasses</a:t>
+            </a:r>
+            <a:r>
+              <a:rPr lang="de-DE" sz="1200" dirty="0">
+                <a:solidFill>
+                  <a:schemeClr val="tx1"/>
+                </a:solidFill>
+                <a:latin typeface="Calibri" panose="020F0502020204030204" pitchFamily="34" charset="0"/>
+                <a:cs typeface="Calibri" panose="020F0502020204030204" pitchFamily="34" charset="0"/>
+              </a:rPr>
+              <a:t>({RentCalculatorJunit4Test.class})</a:t>
+            </a:r>
+          </a:p>
+          <a:p>
+            <a:r>
+              <a:rPr lang="de-DE" sz="1200" dirty="0">
+                <a:solidFill>
+                  <a:schemeClr val="tx1"/>
+                </a:solidFill>
+                <a:latin typeface="Calibri" panose="020F0502020204030204" pitchFamily="34" charset="0"/>
+                <a:cs typeface="Calibri" panose="020F0502020204030204" pitchFamily="34" charset="0"/>
+              </a:rPr>
+              <a:t>@</a:t>
+            </a:r>
+            <a:r>
+              <a:rPr lang="de-DE" sz="1200" dirty="0" err="1">
+                <a:solidFill>
+                  <a:schemeClr val="tx1"/>
+                </a:solidFill>
+                <a:latin typeface="Calibri" panose="020F0502020204030204" pitchFamily="34" charset="0"/>
+                <a:cs typeface="Calibri" panose="020F0502020204030204" pitchFamily="34" charset="0"/>
+              </a:rPr>
+              <a:t>SelectPackages</a:t>
+            </a:r>
+            <a:r>
+              <a:rPr lang="de-DE" sz="1200" dirty="0">
+                <a:solidFill>
+                  <a:schemeClr val="tx1"/>
+                </a:solidFill>
+                <a:latin typeface="Calibri" panose="020F0502020204030204" pitchFamily="34" charset="0"/>
+                <a:cs typeface="Calibri" panose="020F0502020204030204" pitchFamily="34" charset="0"/>
+              </a:rPr>
+              <a:t>({"</a:t>
+            </a:r>
+            <a:r>
+              <a:rPr lang="de-DE" sz="1200" dirty="0" err="1">
+                <a:solidFill>
+                  <a:schemeClr val="tx1"/>
+                </a:solidFill>
+                <a:latin typeface="Calibri" panose="020F0502020204030204" pitchFamily="34" charset="0"/>
+                <a:cs typeface="Calibri" panose="020F0502020204030204" pitchFamily="34" charset="0"/>
+              </a:rPr>
+              <a:t>expectedException</a:t>
+            </a:r>
+            <a:r>
+              <a:rPr lang="de-DE" sz="1200" dirty="0">
+                <a:solidFill>
+                  <a:schemeClr val="tx1"/>
+                </a:solidFill>
+                <a:latin typeface="Calibri" panose="020F0502020204030204" pitchFamily="34" charset="0"/>
+                <a:cs typeface="Calibri" panose="020F0502020204030204" pitchFamily="34" charset="0"/>
+              </a:rPr>
+              <a:t>"})</a:t>
+            </a:r>
+          </a:p>
+          <a:p>
+            <a:r>
+              <a:rPr lang="de-DE" sz="1200" dirty="0">
+                <a:solidFill>
+                  <a:schemeClr val="tx1"/>
+                </a:solidFill>
+                <a:latin typeface="Calibri" panose="020F0502020204030204" pitchFamily="34" charset="0"/>
+                <a:cs typeface="Calibri" panose="020F0502020204030204" pitchFamily="34" charset="0"/>
+              </a:rPr>
+              <a:t>@</a:t>
+            </a:r>
+            <a:r>
+              <a:rPr lang="de-DE" sz="1200" dirty="0" err="1">
+                <a:solidFill>
+                  <a:schemeClr val="tx1"/>
+                </a:solidFill>
+                <a:latin typeface="Calibri" panose="020F0502020204030204" pitchFamily="34" charset="0"/>
+                <a:cs typeface="Calibri" panose="020F0502020204030204" pitchFamily="34" charset="0"/>
+              </a:rPr>
+              <a:t>IncludeTags</a:t>
+            </a:r>
+            <a:r>
+              <a:rPr lang="de-DE" sz="1200" dirty="0">
+                <a:solidFill>
+                  <a:schemeClr val="tx1"/>
+                </a:solidFill>
+                <a:latin typeface="Calibri" panose="020F0502020204030204" pitchFamily="34" charset="0"/>
+                <a:cs typeface="Calibri" panose="020F0502020204030204" pitchFamily="34" charset="0"/>
+              </a:rPr>
+              <a:t>({"</a:t>
+            </a:r>
+            <a:r>
+              <a:rPr lang="de-DE" sz="1200" dirty="0" err="1">
+                <a:solidFill>
+                  <a:schemeClr val="tx1"/>
+                </a:solidFill>
+                <a:latin typeface="Calibri" panose="020F0502020204030204" pitchFamily="34" charset="0"/>
+                <a:cs typeface="Calibri" panose="020F0502020204030204" pitchFamily="34" charset="0"/>
+              </a:rPr>
+              <a:t>short</a:t>
+            </a:r>
+            <a:r>
+              <a:rPr lang="de-DE" sz="1200" dirty="0">
+                <a:solidFill>
+                  <a:schemeClr val="tx1"/>
+                </a:solidFill>
+                <a:latin typeface="Calibri" panose="020F0502020204030204" pitchFamily="34" charset="0"/>
+                <a:cs typeface="Calibri" panose="020F0502020204030204" pitchFamily="34" charset="0"/>
+              </a:rPr>
+              <a:t>","</a:t>
+            </a:r>
+            <a:r>
+              <a:rPr lang="de-DE" sz="1200" dirty="0" err="1">
+                <a:solidFill>
+                  <a:schemeClr val="tx1"/>
+                </a:solidFill>
+                <a:latin typeface="Calibri" panose="020F0502020204030204" pitchFamily="34" charset="0"/>
+                <a:cs typeface="Calibri" panose="020F0502020204030204" pitchFamily="34" charset="0"/>
+              </a:rPr>
+              <a:t>long</a:t>
+            </a:r>
+            <a:r>
+              <a:rPr lang="de-DE" sz="1200" dirty="0">
+                <a:solidFill>
+                  <a:schemeClr val="tx1"/>
+                </a:solidFill>
+                <a:latin typeface="Calibri" panose="020F0502020204030204" pitchFamily="34" charset="0"/>
+                <a:cs typeface="Calibri" panose="020F0502020204030204" pitchFamily="34" charset="0"/>
+              </a:rPr>
+              <a:t>"})</a:t>
+            </a:r>
+          </a:p>
+          <a:p>
+            <a:r>
+              <a:rPr lang="de-DE" sz="1200" dirty="0" err="1">
+                <a:solidFill>
+                  <a:schemeClr val="tx1"/>
+                </a:solidFill>
+                <a:latin typeface="Calibri" panose="020F0502020204030204" pitchFamily="34" charset="0"/>
+                <a:cs typeface="Calibri" panose="020F0502020204030204" pitchFamily="34" charset="0"/>
+              </a:rPr>
+              <a:t>public</a:t>
+            </a:r>
+            <a:r>
+              <a:rPr lang="de-DE" sz="1200" dirty="0">
+                <a:solidFill>
+                  <a:schemeClr val="tx1"/>
+                </a:solidFill>
+                <a:latin typeface="Calibri" panose="020F0502020204030204" pitchFamily="34" charset="0"/>
+                <a:cs typeface="Calibri" panose="020F0502020204030204" pitchFamily="34" charset="0"/>
+              </a:rPr>
+              <a:t> </a:t>
+            </a:r>
+            <a:r>
+              <a:rPr lang="de-DE" sz="1200" dirty="0" err="1">
+                <a:solidFill>
+                  <a:schemeClr val="tx1"/>
+                </a:solidFill>
+                <a:latin typeface="Calibri" panose="020F0502020204030204" pitchFamily="34" charset="0"/>
+                <a:cs typeface="Calibri" panose="020F0502020204030204" pitchFamily="34" charset="0"/>
+              </a:rPr>
+              <a:t>class</a:t>
+            </a:r>
+            <a:r>
+              <a:rPr lang="de-DE" sz="1200" dirty="0">
+                <a:solidFill>
+                  <a:schemeClr val="tx1"/>
+                </a:solidFill>
+                <a:latin typeface="Calibri" panose="020F0502020204030204" pitchFamily="34" charset="0"/>
+                <a:cs typeface="Calibri" panose="020F0502020204030204" pitchFamily="34" charset="0"/>
+              </a:rPr>
+              <a:t> </a:t>
+            </a:r>
+            <a:r>
+              <a:rPr lang="de-DE" sz="1200" dirty="0" err="1">
+                <a:solidFill>
+                  <a:schemeClr val="tx1"/>
+                </a:solidFill>
+                <a:latin typeface="Calibri" panose="020F0502020204030204" pitchFamily="34" charset="0"/>
+                <a:cs typeface="Calibri" panose="020F0502020204030204" pitchFamily="34" charset="0"/>
+              </a:rPr>
+              <a:t>TestSuite</a:t>
+            </a:r>
+            <a:r>
+              <a:rPr lang="de-DE" sz="1200" dirty="0">
+                <a:solidFill>
+                  <a:schemeClr val="tx1"/>
+                </a:solidFill>
+                <a:latin typeface="Calibri" panose="020F0502020204030204" pitchFamily="34" charset="0"/>
+                <a:cs typeface="Calibri" panose="020F0502020204030204" pitchFamily="34" charset="0"/>
+              </a:rPr>
+              <a:t>{</a:t>
+            </a:r>
+          </a:p>
+          <a:p>
+            <a:endParaRPr lang="de-DE" sz="1200" dirty="0">
+              <a:solidFill>
+                <a:schemeClr val="tx1"/>
+              </a:solidFill>
+              <a:latin typeface="Calibri" panose="020F0502020204030204" pitchFamily="34" charset="0"/>
+              <a:cs typeface="Calibri" panose="020F0502020204030204" pitchFamily="34" charset="0"/>
+            </a:endParaRPr>
+          </a:p>
+          <a:p>
+            <a:endParaRPr lang="de-DE" sz="1200" dirty="0">
+              <a:solidFill>
+                <a:schemeClr val="tx1"/>
+              </a:solidFill>
+              <a:latin typeface="Calibri" panose="020F0502020204030204" pitchFamily="34" charset="0"/>
+              <a:cs typeface="Calibri" panose="020F0502020204030204" pitchFamily="34" charset="0"/>
+            </a:endParaRPr>
+          </a:p>
+          <a:p>
+            <a:r>
+              <a:rPr lang="de-DE" sz="1200" dirty="0">
+                <a:solidFill>
+                  <a:schemeClr val="tx1"/>
+                </a:solidFill>
+                <a:latin typeface="Calibri" panose="020F0502020204030204" pitchFamily="34" charset="0"/>
+                <a:cs typeface="Calibri" panose="020F0502020204030204" pitchFamily="34" charset="0"/>
+              </a:rPr>
+              <a:t>}</a:t>
             </a:r>
           </a:p>
         </p:txBody>
@@ -37235,7 +38106,7 @@
     </p:spTree>
     <p:extLst>
       <p:ext uri="{BB962C8B-B14F-4D97-AF65-F5344CB8AC3E}">
-        <p14:creationId xmlns:p14="http://schemas.microsoft.com/office/powerpoint/2010/main" val="3183201034"/>
+        <p14:creationId xmlns:p14="http://schemas.microsoft.com/office/powerpoint/2010/main" val="3170270323"/>
       </p:ext>
     </p:extLst>
   </p:cSld>
@@ -37291,14 +38162,14 @@
       </p:grpSpPr>
       <p:sp>
         <p:nvSpPr>
-          <p:cNvPr id="690" name="CustomShape 3"/>
+          <p:cNvPr id="683" name="CustomShape 1"/>
           <p:cNvSpPr/>
           <p:nvPr/>
         </p:nvSpPr>
         <p:spPr>
           <a:xfrm>
-            <a:off x="457200" y="640080"/>
-            <a:ext cx="8207280" cy="783000"/>
+            <a:off x="1375200" y="276480"/>
+            <a:ext cx="2894760" cy="263520"/>
           </a:xfrm>
           <a:prstGeom prst="rect">
             <a:avLst/>
@@ -37330,63 +38201,103 @@
               </a:lnSpc>
             </a:pPr>
             <a:r>
-              <a:rPr lang="en-US" sz="2400" spc="-1" dirty="0">
-                <a:solidFill>
-                  <a:srgbClr val="004C93"/>
-                </a:solidFill>
-                <a:uFill>
-                  <a:solidFill>
-                    <a:srgbClr val="FFFFFF"/>
-                  </a:solidFill>
-                </a:uFill>
-                <a:latin typeface="Calibri"/>
-              </a:rPr>
-              <a:t>Abstract Tests </a:t>
-            </a:r>
-            <a:r>
-              <a:rPr lang="en-US" sz="2400" spc="-1" dirty="0" err="1">
-                <a:solidFill>
-                  <a:srgbClr val="004C93"/>
-                </a:solidFill>
-                <a:uFill>
-                  <a:solidFill>
-                    <a:srgbClr val="FFFFFF"/>
-                  </a:solidFill>
-                </a:uFill>
-                <a:latin typeface="Calibri"/>
-              </a:rPr>
-              <a:t>nach</a:t>
-            </a:r>
-            <a:r>
-              <a:rPr lang="en-US" sz="2400" spc="-1" dirty="0">
-                <a:solidFill>
-                  <a:srgbClr val="004C93"/>
-                </a:solidFill>
-                <a:uFill>
-                  <a:solidFill>
-                    <a:srgbClr val="FFFFFF"/>
-                  </a:solidFill>
-                </a:uFill>
-                <a:latin typeface="Calibri"/>
-              </a:rPr>
-              <a:t> Contracts</a:t>
-            </a:r>
-            <a:endParaRPr lang="en-US" spc="-1" dirty="0">
-              <a:solidFill>
-                <a:srgbClr val="000000"/>
-              </a:solidFill>
-              <a:uFill>
-                <a:solidFill>
-                  <a:srgbClr val="FFFFFF"/>
-                </a:solidFill>
-              </a:uFill>
+              <a:rPr lang="en-US" sz="1000" b="0" strike="noStrike" spc="-1">
+                <a:solidFill>
+                  <a:srgbClr val="BABABA"/>
+                </a:solidFill>
+                <a:uFill>
+                  <a:solidFill>
+                    <a:srgbClr val="FFFFFF"/>
+                  </a:solidFill>
+                </a:uFill>
+                <a:latin typeface="Calibri"/>
+              </a:rPr>
+              <a:t>Experts in agile software engineering</a:t>
+            </a:r>
+            <a:endParaRPr lang="en-US" sz="1800" b="0" strike="noStrike" spc="-1">
+              <a:solidFill>
+                <a:srgbClr val="000000"/>
+              </a:solidFill>
+              <a:uFill>
+                <a:solidFill>
+                  <a:srgbClr val="FFFFFF"/>
+                </a:solidFill>
+              </a:uFill>
+              <a:latin typeface="Arial"/>
             </a:endParaRPr>
           </a:p>
         </p:txBody>
       </p:sp>
       <p:sp>
         <p:nvSpPr>
-          <p:cNvPr id="691" name="CustomShape 4"/>
+          <p:cNvPr id="684" name="CustomShape 2"/>
+          <p:cNvSpPr/>
+          <p:nvPr/>
+        </p:nvSpPr>
+        <p:spPr>
+          <a:xfrm>
+            <a:off x="457200" y="640080"/>
+            <a:ext cx="6666480" cy="783000"/>
+          </a:xfrm>
+          <a:prstGeom prst="rect">
+            <a:avLst/>
+          </a:prstGeom>
+          <a:noFill/>
+          <a:ln>
+            <a:noFill/>
+          </a:ln>
+        </p:spPr>
+        <p:style>
+          <a:lnRef idx="0">
+            <a:scrgbClr r="0" g="0" b="0"/>
+          </a:lnRef>
+          <a:fillRef idx="0">
+            <a:scrgbClr r="0" g="0" b="0"/>
+          </a:fillRef>
+          <a:effectRef idx="0">
+            <a:scrgbClr r="0" g="0" b="0"/>
+          </a:effectRef>
+          <a:fontRef idx="minor"/>
+        </p:style>
+        <p:txBody>
+          <a:bodyPr lIns="90000" tIns="45000" rIns="90000" bIns="45000" anchor="ctr"/>
+          <a:lstStyle/>
+          <a:p>
+            <a:pPr>
+              <a:lnSpc>
+                <a:spcPct val="100000"/>
+              </a:lnSpc>
+            </a:pPr>
+            <a:r>
+              <a:rPr lang="en-US" sz="2400" spc="-1" dirty="0">
+                <a:solidFill>
+                  <a:srgbClr val="004C93"/>
+                </a:solidFill>
+                <a:uFill>
+                  <a:solidFill>
+                    <a:srgbClr val="FFFFFF"/>
+                  </a:solidFill>
+                </a:uFill>
+                <a:latin typeface="Calibri"/>
+              </a:rPr>
+              <a:t>Test Suites</a:t>
+            </a:r>
+            <a:endParaRPr lang="en-US" spc="-1" dirty="0">
+              <a:solidFill>
+                <a:srgbClr val="000000"/>
+              </a:solidFill>
+              <a:uFill>
+                <a:solidFill>
+                  <a:srgbClr val="FFFFFF"/>
+                </a:solidFill>
+              </a:uFill>
+            </a:endParaRPr>
+          </a:p>
+        </p:txBody>
+      </p:sp>
+      <p:sp>
+        <p:nvSpPr>
+          <p:cNvPr id="686" name="CustomShape 4"/>
           <p:cNvSpPr/>
           <p:nvPr/>
         </p:nvSpPr>
@@ -37424,7 +38335,7 @@
                 <a:spcPct val="100000"/>
               </a:lnSpc>
             </a:pPr>
-            <a:fld id="{29B2A38E-FD1F-404A-B77F-FB5299B00347}" type="slidenum">
+            <a:fld id="{6F82BE0B-28F8-4E8B-89B8-EFA9010AFB71}" type="slidenum">
               <a:rPr lang="en-US" sz="1000" b="0" strike="noStrike" spc="-1">
                 <a:solidFill>
                   <a:srgbClr val="51A025"/>
@@ -37454,14 +38365,14 @@
       </p:sp>
       <p:sp>
         <p:nvSpPr>
-          <p:cNvPr id="692" name="CustomShape 5"/>
+          <p:cNvPr id="687" name="CustomShape 5"/>
           <p:cNvSpPr/>
           <p:nvPr/>
         </p:nvSpPr>
         <p:spPr>
           <a:xfrm>
-            <a:off x="1375200" y="276480"/>
-            <a:ext cx="2894760" cy="263520"/>
+            <a:off x="8047440" y="640800"/>
+            <a:ext cx="751320" cy="373680"/>
           </a:xfrm>
           <a:prstGeom prst="rect">
             <a:avLst/>
@@ -37483,49 +38394,13 @@
           </a:effectRef>
           <a:fontRef idx="minor"/>
         </p:style>
-        <p:txBody>
-          <a:bodyPr lIns="90000" tIns="45000" rIns="90000" bIns="45000" anchor="ctr"/>
-          <a:lstStyle/>
-          <a:p>
-            <a:pPr>
-              <a:lnSpc>
-                <a:spcPct val="100000"/>
-              </a:lnSpc>
-            </a:pPr>
-            <a:r>
-              <a:rPr lang="en-US" sz="1000" b="0" strike="noStrike" spc="-1">
-                <a:solidFill>
-                  <a:srgbClr val="BABABA"/>
-                </a:solidFill>
-                <a:uFill>
-                  <a:solidFill>
-                    <a:srgbClr val="FFFFFF"/>
-                  </a:solidFill>
-                </a:uFill>
-                <a:latin typeface="Calibri"/>
-              </a:rPr>
-              <a:t>Experts in agile software engineering</a:t>
-            </a:r>
-            <a:endParaRPr lang="en-US" sz="1800" b="0" strike="noStrike" spc="-1">
-              <a:solidFill>
-                <a:srgbClr val="000000"/>
-              </a:solidFill>
-              <a:uFill>
-                <a:solidFill>
-                  <a:srgbClr val="FFFFFF"/>
-                </a:solidFill>
-              </a:uFill>
-              <a:latin typeface="Arial"/>
-            </a:endParaRPr>
-          </a:p>
-        </p:txBody>
       </p:sp>
       <p:sp>
         <p:nvSpPr>
-          <p:cNvPr id="11" name="Rechteck 10">
+          <p:cNvPr id="13" name="CustomShape 3">
             <a:extLst>
               <a:ext uri="{FF2B5EF4-FFF2-40B4-BE49-F238E27FC236}">
-                <a16:creationId xmlns:a16="http://schemas.microsoft.com/office/drawing/2014/main" id="{4460BE3B-AD51-4220-9BD5-50A08CBDBAB3}"/>
+                <a16:creationId xmlns:a16="http://schemas.microsoft.com/office/drawing/2014/main" id="{B221EEF5-AAAD-4D59-B95D-ED1036C3C678}"/>
               </a:ext>
             </a:extLst>
           </p:cNvPr>
@@ -37534,18 +38409,304 @@
         </p:nvSpPr>
         <p:spPr>
           <a:xfrm>
-            <a:off x="4917948" y="1618994"/>
-            <a:ext cx="3746532" cy="3042000"/>
-          </a:xfrm>
-          <a:prstGeom prst="rect">
-            <a:avLst/>
-          </a:prstGeom>
-          <a:solidFill>
-            <a:schemeClr val="bg1"/>
-          </a:solidFill>
+            <a:off x="457200" y="1692000"/>
+            <a:ext cx="8207280" cy="3041280"/>
+          </a:xfrm>
+          <a:prstGeom prst="rect">
+            <a:avLst/>
+          </a:prstGeom>
+          <a:noFill/>
           <a:ln>
+            <a:noFill/>
+          </a:ln>
+        </p:spPr>
+        <p:style>
+          <a:lnRef idx="0">
+            <a:scrgbClr r="0" g="0" b="0"/>
+          </a:lnRef>
+          <a:fillRef idx="0">
+            <a:scrgbClr r="0" g="0" b="0"/>
+          </a:fillRef>
+          <a:effectRef idx="0">
+            <a:scrgbClr r="0" g="0" b="0"/>
+          </a:effectRef>
+          <a:fontRef idx="minor"/>
+        </p:style>
+        <p:txBody>
+          <a:bodyPr lIns="90000" tIns="45000" rIns="90000" bIns="45000"/>
+          <a:lstStyle/>
+          <a:p>
+            <a:pPr marL="720">
+              <a:lnSpc>
+                <a:spcPct val="100000"/>
+              </a:lnSpc>
+              <a:buClr>
+                <a:srgbClr val="51A025"/>
+              </a:buClr>
+            </a:pPr>
+            <a:r>
+              <a:rPr lang="en-US" b="0" strike="noStrike" spc="-1" dirty="0">
+                <a:solidFill>
+                  <a:srgbClr val="292929"/>
+                </a:solidFill>
+                <a:uFill>
+                  <a:solidFill>
+                    <a:srgbClr val="FFFFFF"/>
+                  </a:solidFill>
+                </a:uFill>
+                <a:latin typeface="Calibri" panose="020F0502020204030204" pitchFamily="34" charset="0"/>
+                <a:cs typeface="Calibri" panose="020F0502020204030204" pitchFamily="34" charset="0"/>
+              </a:rPr>
+              <a:t>Aufgabe:</a:t>
+            </a:r>
+          </a:p>
+          <a:p>
+            <a:pPr marL="720">
+              <a:lnSpc>
+                <a:spcPct val="100000"/>
+              </a:lnSpc>
+              <a:buClr>
+                <a:srgbClr val="51A025"/>
+              </a:buClr>
+            </a:pPr>
+            <a:endParaRPr lang="en-US" b="0" strike="noStrike" spc="-1" dirty="0">
+              <a:solidFill>
+                <a:srgbClr val="000000"/>
+              </a:solidFill>
+              <a:uFill>
+                <a:solidFill>
+                  <a:srgbClr val="FFFFFF"/>
+                </a:solidFill>
+              </a:uFill>
+              <a:latin typeface="Calibri" panose="020F0502020204030204" pitchFamily="34" charset="0"/>
+              <a:cs typeface="Calibri" panose="020F0502020204030204" pitchFamily="34" charset="0"/>
+            </a:endParaRPr>
+          </a:p>
+          <a:p>
+            <a:pPr marL="285840" indent="-285120">
+              <a:lnSpc>
+                <a:spcPct val="100000"/>
+              </a:lnSpc>
+              <a:buClr>
+                <a:srgbClr val="51A025"/>
+              </a:buClr>
+              <a:buFont typeface="Arial"/>
+              <a:buChar char="•"/>
+            </a:pPr>
+            <a:r>
+              <a:rPr lang="en-US" spc="-1" dirty="0" err="1">
+                <a:solidFill>
+                  <a:srgbClr val="292929"/>
+                </a:solidFill>
+                <a:uFill>
+                  <a:solidFill>
+                    <a:srgbClr val="FFFFFF"/>
+                  </a:solidFill>
+                </a:uFill>
+                <a:latin typeface="Calibri" panose="020F0502020204030204" pitchFamily="34" charset="0"/>
+                <a:cs typeface="Calibri" panose="020F0502020204030204" pitchFamily="34" charset="0"/>
+              </a:rPr>
+              <a:t>BasicTestSuite</a:t>
+            </a:r>
+            <a:r>
+              <a:rPr lang="en-US" spc="-1" dirty="0">
+                <a:solidFill>
+                  <a:srgbClr val="292929"/>
+                </a:solidFill>
+                <a:uFill>
+                  <a:solidFill>
+                    <a:srgbClr val="FFFFFF"/>
+                  </a:solidFill>
+                </a:uFill>
+                <a:latin typeface="Calibri" panose="020F0502020204030204" pitchFamily="34" charset="0"/>
+                <a:cs typeface="Calibri" panose="020F0502020204030204" pitchFamily="34" charset="0"/>
+              </a:rPr>
+              <a:t>: </a:t>
+            </a:r>
+            <a:r>
+              <a:rPr lang="en-US" spc="-1" dirty="0" err="1">
+                <a:solidFill>
+                  <a:srgbClr val="292929"/>
+                </a:solidFill>
+                <a:uFill>
+                  <a:solidFill>
+                    <a:srgbClr val="FFFFFF"/>
+                  </a:solidFill>
+                </a:uFill>
+                <a:latin typeface="Calibri" panose="020F0502020204030204" pitchFamily="34" charset="0"/>
+                <a:cs typeface="Calibri" panose="020F0502020204030204" pitchFamily="34" charset="0"/>
+              </a:rPr>
+              <a:t>verwende</a:t>
+            </a:r>
+            <a:r>
+              <a:rPr lang="en-US" spc="-1" dirty="0">
+                <a:solidFill>
+                  <a:srgbClr val="292929"/>
+                </a:solidFill>
+                <a:uFill>
+                  <a:solidFill>
+                    <a:srgbClr val="FFFFFF"/>
+                  </a:solidFill>
+                </a:uFill>
+                <a:latin typeface="Calibri" panose="020F0502020204030204" pitchFamily="34" charset="0"/>
+                <a:cs typeface="Calibri" panose="020F0502020204030204" pitchFamily="34" charset="0"/>
+              </a:rPr>
+              <a:t> @</a:t>
+            </a:r>
+            <a:r>
+              <a:rPr lang="en-US" spc="-1" dirty="0" err="1">
+                <a:solidFill>
+                  <a:srgbClr val="292929"/>
+                </a:solidFill>
+                <a:uFill>
+                  <a:solidFill>
+                    <a:srgbClr val="FFFFFF"/>
+                  </a:solidFill>
+                </a:uFill>
+                <a:latin typeface="Calibri" panose="020F0502020204030204" pitchFamily="34" charset="0"/>
+                <a:cs typeface="Calibri" panose="020F0502020204030204" pitchFamily="34" charset="0"/>
+              </a:rPr>
+              <a:t>SelectPackages</a:t>
+            </a:r>
+            <a:endParaRPr lang="en-US" spc="-1" dirty="0">
+              <a:solidFill>
+                <a:srgbClr val="292929"/>
+              </a:solidFill>
+              <a:uFill>
+                <a:solidFill>
+                  <a:srgbClr val="FFFFFF"/>
+                </a:solidFill>
+              </a:uFill>
+              <a:latin typeface="Calibri" panose="020F0502020204030204" pitchFamily="34" charset="0"/>
+              <a:cs typeface="Calibri" panose="020F0502020204030204" pitchFamily="34" charset="0"/>
+            </a:endParaRPr>
+          </a:p>
+          <a:p>
+            <a:pPr marL="285840" indent="-285120">
+              <a:lnSpc>
+                <a:spcPct val="100000"/>
+              </a:lnSpc>
+              <a:buClr>
+                <a:srgbClr val="51A025"/>
+              </a:buClr>
+              <a:buFont typeface="Arial"/>
+              <a:buChar char="•"/>
+            </a:pPr>
+            <a:r>
+              <a:rPr lang="en-US" spc="-1" dirty="0" err="1">
+                <a:solidFill>
+                  <a:srgbClr val="292929"/>
+                </a:solidFill>
+                <a:uFill>
+                  <a:solidFill>
+                    <a:srgbClr val="FFFFFF"/>
+                  </a:solidFill>
+                </a:uFill>
+                <a:latin typeface="Calibri" panose="020F0502020204030204" pitchFamily="34" charset="0"/>
+                <a:cs typeface="Calibri" panose="020F0502020204030204" pitchFamily="34" charset="0"/>
+              </a:rPr>
+              <a:t>LongRunningTest</a:t>
+            </a:r>
+            <a:r>
+              <a:rPr lang="en-US" spc="-1" dirty="0">
+                <a:solidFill>
+                  <a:srgbClr val="292929"/>
+                </a:solidFill>
+                <a:uFill>
+                  <a:solidFill>
+                    <a:srgbClr val="FFFFFF"/>
+                  </a:solidFill>
+                </a:uFill>
+                <a:latin typeface="Calibri" panose="020F0502020204030204" pitchFamily="34" charset="0"/>
+                <a:cs typeface="Calibri" panose="020F0502020204030204" pitchFamily="34" charset="0"/>
+              </a:rPr>
+              <a:t>: </a:t>
+            </a:r>
+            <a:r>
+              <a:rPr lang="en-US" spc="-1" dirty="0" err="1">
+                <a:solidFill>
+                  <a:srgbClr val="292929"/>
+                </a:solidFill>
+                <a:uFill>
+                  <a:solidFill>
+                    <a:srgbClr val="FFFFFF"/>
+                  </a:solidFill>
+                </a:uFill>
+                <a:latin typeface="Calibri" panose="020F0502020204030204" pitchFamily="34" charset="0"/>
+                <a:cs typeface="Calibri" panose="020F0502020204030204" pitchFamily="34" charset="0"/>
+              </a:rPr>
+              <a:t>verwende</a:t>
+            </a:r>
+            <a:r>
+              <a:rPr lang="en-US" spc="-1" dirty="0">
+                <a:solidFill>
+                  <a:srgbClr val="292929"/>
+                </a:solidFill>
+                <a:uFill>
+                  <a:solidFill>
+                    <a:srgbClr val="FFFFFF"/>
+                  </a:solidFill>
+                </a:uFill>
+                <a:latin typeface="Calibri" panose="020F0502020204030204" pitchFamily="34" charset="0"/>
+                <a:cs typeface="Calibri" panose="020F0502020204030204" pitchFamily="34" charset="0"/>
+              </a:rPr>
+              <a:t> @</a:t>
+            </a:r>
+            <a:r>
+              <a:rPr lang="en-US" spc="-1" dirty="0" err="1">
+                <a:solidFill>
+                  <a:srgbClr val="292929"/>
+                </a:solidFill>
+                <a:uFill>
+                  <a:solidFill>
+                    <a:srgbClr val="FFFFFF"/>
+                  </a:solidFill>
+                </a:uFill>
+                <a:latin typeface="Calibri" panose="020F0502020204030204" pitchFamily="34" charset="0"/>
+                <a:cs typeface="Calibri" panose="020F0502020204030204" pitchFamily="34" charset="0"/>
+              </a:rPr>
+              <a:t>IncludeTags</a:t>
+            </a:r>
+            <a:endParaRPr lang="en-US" b="0" strike="noStrike" spc="-1" dirty="0">
+              <a:solidFill>
+                <a:srgbClr val="292929"/>
+              </a:solidFill>
+              <a:uFill>
+                <a:solidFill>
+                  <a:srgbClr val="FFFFFF"/>
+                </a:solidFill>
+              </a:uFill>
+              <a:latin typeface="+mj-lt"/>
+            </a:endParaRPr>
+          </a:p>
+        </p:txBody>
+      </p:sp>
+      <p:sp>
+        <p:nvSpPr>
+          <p:cNvPr id="7" name="Rechteck 6">
+            <a:extLst>
+              <a:ext uri="{FF2B5EF4-FFF2-40B4-BE49-F238E27FC236}">
+                <a16:creationId xmlns:a16="http://schemas.microsoft.com/office/drawing/2014/main" id="{9ABA87CE-82D6-4D64-8E5B-33F0E0DAFE29}"/>
+              </a:ext>
+            </a:extLst>
+          </p:cNvPr>
+          <p:cNvSpPr/>
+          <p:nvPr/>
+        </p:nvSpPr>
+        <p:spPr>
+          <a:xfrm>
+            <a:off x="8047440" y="676691"/>
+            <a:ext cx="929520" cy="494060"/>
+          </a:xfrm>
+          <a:prstGeom prst="rect">
+            <a:avLst/>
+          </a:prstGeom>
+          <a:noFill/>
+          <a:ln w="15875">
             <a:solidFill>
-              <a:schemeClr val="tx1"/>
+              <a:schemeClr val="bg1">
+                <a:lumMod val="85000"/>
+              </a:schemeClr>
             </a:solidFill>
           </a:ln>
         </p:spPr>
@@ -37569,1298 +38730,26 @@
           <a:bodyPr rtlCol="0" anchor="ctr"/>
           <a:lstStyle/>
           <a:p>
-            <a:r>
-              <a:rPr lang="fr-FR" sz="1200" dirty="0">
-                <a:solidFill>
-                  <a:schemeClr val="tx1"/>
+            <a:pPr algn="ctr"/>
+            <a:r>
+              <a:rPr lang="de-DE" dirty="0">
+                <a:solidFill>
+                  <a:schemeClr val="bg1">
+                    <a:lumMod val="75000"/>
+                  </a:schemeClr>
                 </a:solidFill>
                 <a:latin typeface="Calibri" panose="020F0502020204030204" pitchFamily="34" charset="0"/>
                 <a:cs typeface="Calibri" panose="020F0502020204030204" pitchFamily="34" charset="0"/>
               </a:rPr>
-              <a:t>public interface </a:t>
-            </a:r>
-            <a:r>
-              <a:rPr lang="fr-FR" sz="1200" dirty="0" err="1">
-                <a:solidFill>
-                  <a:schemeClr val="tx1"/>
-                </a:solidFill>
-                <a:latin typeface="Calibri" panose="020F0502020204030204" pitchFamily="34" charset="0"/>
-                <a:cs typeface="Calibri" panose="020F0502020204030204" pitchFamily="34" charset="0"/>
-              </a:rPr>
-              <a:t>ValidatorContract</a:t>
-            </a:r>
-            <a:r>
-              <a:rPr lang="fr-FR" sz="1200" dirty="0">
-                <a:solidFill>
-                  <a:schemeClr val="tx1"/>
-                </a:solidFill>
-                <a:latin typeface="Calibri" panose="020F0502020204030204" pitchFamily="34" charset="0"/>
-                <a:cs typeface="Calibri" panose="020F0502020204030204" pitchFamily="34" charset="0"/>
-              </a:rPr>
-              <a:t>&lt;T, V&gt; {</a:t>
-            </a:r>
-          </a:p>
-          <a:p>
-            <a:r>
-              <a:rPr lang="de-DE" sz="500" dirty="0">
-                <a:solidFill>
-                  <a:schemeClr val="tx1"/>
-                </a:solidFill>
-                <a:latin typeface="Calibri" panose="020F0502020204030204" pitchFamily="34" charset="0"/>
-                <a:cs typeface="Calibri" panose="020F0502020204030204" pitchFamily="34" charset="0"/>
-              </a:rPr>
-              <a:t>    </a:t>
-            </a:r>
-          </a:p>
-          <a:p>
-            <a:r>
-              <a:rPr lang="de-DE" sz="1200" dirty="0">
-                <a:solidFill>
-                  <a:schemeClr val="tx1"/>
-                </a:solidFill>
-                <a:latin typeface="Calibri" panose="020F0502020204030204" pitchFamily="34" charset="0"/>
-                <a:cs typeface="Calibri" panose="020F0502020204030204" pitchFamily="34" charset="0"/>
-              </a:rPr>
-              <a:t>  T </a:t>
-            </a:r>
-            <a:r>
-              <a:rPr lang="de-DE" sz="1200" dirty="0" err="1">
-                <a:solidFill>
-                  <a:schemeClr val="tx1"/>
-                </a:solidFill>
-                <a:latin typeface="Calibri" panose="020F0502020204030204" pitchFamily="34" charset="0"/>
-                <a:cs typeface="Calibri" panose="020F0502020204030204" pitchFamily="34" charset="0"/>
-              </a:rPr>
-              <a:t>createValidator</a:t>
-            </a:r>
-            <a:r>
-              <a:rPr lang="de-DE" sz="1200" dirty="0">
-                <a:solidFill>
-                  <a:schemeClr val="tx1"/>
-                </a:solidFill>
-                <a:latin typeface="Calibri" panose="020F0502020204030204" pitchFamily="34" charset="0"/>
-                <a:cs typeface="Calibri" panose="020F0502020204030204" pitchFamily="34" charset="0"/>
-              </a:rPr>
-              <a:t>();</a:t>
-            </a:r>
-          </a:p>
-          <a:p>
-            <a:r>
-              <a:rPr lang="de-DE" sz="1200" dirty="0">
-                <a:solidFill>
-                  <a:schemeClr val="tx1"/>
-                </a:solidFill>
-                <a:latin typeface="Calibri" panose="020F0502020204030204" pitchFamily="34" charset="0"/>
-                <a:cs typeface="Calibri" panose="020F0502020204030204" pitchFamily="34" charset="0"/>
-              </a:rPr>
-              <a:t>  V </a:t>
-            </a:r>
-            <a:r>
-              <a:rPr lang="de-DE" sz="1200" dirty="0" err="1">
-                <a:solidFill>
-                  <a:schemeClr val="tx1"/>
-                </a:solidFill>
-                <a:latin typeface="Calibri" panose="020F0502020204030204" pitchFamily="34" charset="0"/>
-                <a:cs typeface="Calibri" panose="020F0502020204030204" pitchFamily="34" charset="0"/>
-              </a:rPr>
-              <a:t>getValidValue</a:t>
-            </a:r>
-            <a:r>
-              <a:rPr lang="de-DE" sz="1200" dirty="0">
-                <a:solidFill>
-                  <a:schemeClr val="tx1"/>
-                </a:solidFill>
-                <a:latin typeface="Calibri" panose="020F0502020204030204" pitchFamily="34" charset="0"/>
-                <a:cs typeface="Calibri" panose="020F0502020204030204" pitchFamily="34" charset="0"/>
-              </a:rPr>
-              <a:t>();</a:t>
-            </a:r>
-          </a:p>
-          <a:p>
-            <a:r>
-              <a:rPr lang="de-DE" sz="500" dirty="0">
-                <a:solidFill>
-                  <a:schemeClr val="tx1"/>
-                </a:solidFill>
-                <a:latin typeface="Calibri" panose="020F0502020204030204" pitchFamily="34" charset="0"/>
-                <a:cs typeface="Calibri" panose="020F0502020204030204" pitchFamily="34" charset="0"/>
-              </a:rPr>
-              <a:t>        </a:t>
-            </a:r>
-          </a:p>
-          <a:p>
-            <a:r>
-              <a:rPr lang="de-DE" sz="1200" dirty="0">
-                <a:solidFill>
-                  <a:schemeClr val="tx1"/>
-                </a:solidFill>
-                <a:latin typeface="Calibri" panose="020F0502020204030204" pitchFamily="34" charset="0"/>
-                <a:cs typeface="Calibri" panose="020F0502020204030204" pitchFamily="34" charset="0"/>
-              </a:rPr>
-              <a:t>  @Test</a:t>
-            </a:r>
-          </a:p>
-          <a:p>
-            <a:r>
-              <a:rPr lang="de-DE" sz="1200" dirty="0">
-                <a:solidFill>
-                  <a:schemeClr val="tx1"/>
-                </a:solidFill>
-                <a:latin typeface="Calibri" panose="020F0502020204030204" pitchFamily="34" charset="0"/>
-                <a:cs typeface="Calibri" panose="020F0502020204030204" pitchFamily="34" charset="0"/>
-              </a:rPr>
-              <a:t>  </a:t>
-            </a:r>
-            <a:r>
-              <a:rPr lang="de-DE" sz="1200" dirty="0" err="1">
-                <a:solidFill>
-                  <a:schemeClr val="tx1"/>
-                </a:solidFill>
-                <a:latin typeface="Calibri" panose="020F0502020204030204" pitchFamily="34" charset="0"/>
-                <a:cs typeface="Calibri" panose="020F0502020204030204" pitchFamily="34" charset="0"/>
-              </a:rPr>
-              <a:t>default</a:t>
-            </a:r>
-            <a:r>
-              <a:rPr lang="de-DE" sz="1200" dirty="0">
-                <a:solidFill>
-                  <a:schemeClr val="tx1"/>
-                </a:solidFill>
-                <a:latin typeface="Calibri" panose="020F0502020204030204" pitchFamily="34" charset="0"/>
-                <a:cs typeface="Calibri" panose="020F0502020204030204" pitchFamily="34" charset="0"/>
-              </a:rPr>
-              <a:t> </a:t>
-            </a:r>
-            <a:r>
-              <a:rPr lang="de-DE" sz="1200" dirty="0" err="1">
-                <a:solidFill>
-                  <a:schemeClr val="tx1"/>
-                </a:solidFill>
-                <a:latin typeface="Calibri" panose="020F0502020204030204" pitchFamily="34" charset="0"/>
-                <a:cs typeface="Calibri" panose="020F0502020204030204" pitchFamily="34" charset="0"/>
-              </a:rPr>
-              <a:t>void</a:t>
-            </a:r>
-            <a:r>
-              <a:rPr lang="de-DE" sz="1200" dirty="0">
-                <a:solidFill>
-                  <a:schemeClr val="tx1"/>
-                </a:solidFill>
-                <a:latin typeface="Calibri" panose="020F0502020204030204" pitchFamily="34" charset="0"/>
-                <a:cs typeface="Calibri" panose="020F0502020204030204" pitchFamily="34" charset="0"/>
-              </a:rPr>
-              <a:t> </a:t>
-            </a:r>
-            <a:r>
-              <a:rPr lang="de-DE" sz="1200" dirty="0" err="1">
-                <a:solidFill>
-                  <a:schemeClr val="tx1"/>
-                </a:solidFill>
-                <a:latin typeface="Calibri" panose="020F0502020204030204" pitchFamily="34" charset="0"/>
-                <a:cs typeface="Calibri" panose="020F0502020204030204" pitchFamily="34" charset="0"/>
-              </a:rPr>
-              <a:t>testValidation</a:t>
-            </a:r>
-            <a:r>
-              <a:rPr lang="de-DE" sz="1200" dirty="0">
-                <a:solidFill>
-                  <a:schemeClr val="tx1"/>
-                </a:solidFill>
-                <a:latin typeface="Calibri" panose="020F0502020204030204" pitchFamily="34" charset="0"/>
-                <a:cs typeface="Calibri" panose="020F0502020204030204" pitchFamily="34" charset="0"/>
-              </a:rPr>
-              <a:t>(){</a:t>
-            </a:r>
-          </a:p>
-          <a:p>
-            <a:r>
-              <a:rPr lang="de-DE" sz="1200" dirty="0">
-                <a:solidFill>
-                  <a:schemeClr val="tx1"/>
-                </a:solidFill>
-                <a:latin typeface="Calibri" panose="020F0502020204030204" pitchFamily="34" charset="0"/>
-                <a:cs typeface="Calibri" panose="020F0502020204030204" pitchFamily="34" charset="0"/>
-              </a:rPr>
-              <a:t>     T </a:t>
-            </a:r>
-            <a:r>
-              <a:rPr lang="de-DE" sz="1200" dirty="0" err="1">
-                <a:solidFill>
-                  <a:schemeClr val="tx1"/>
-                </a:solidFill>
-                <a:latin typeface="Calibri" panose="020F0502020204030204" pitchFamily="34" charset="0"/>
-                <a:cs typeface="Calibri" panose="020F0502020204030204" pitchFamily="34" charset="0"/>
-              </a:rPr>
-              <a:t>validator</a:t>
-            </a:r>
-            <a:r>
-              <a:rPr lang="de-DE" sz="1200" dirty="0">
-                <a:solidFill>
-                  <a:schemeClr val="tx1"/>
-                </a:solidFill>
-                <a:latin typeface="Calibri" panose="020F0502020204030204" pitchFamily="34" charset="0"/>
-                <a:cs typeface="Calibri" panose="020F0502020204030204" pitchFamily="34" charset="0"/>
-              </a:rPr>
-              <a:t> = </a:t>
-            </a:r>
-            <a:r>
-              <a:rPr lang="de-DE" sz="1200" dirty="0" err="1">
-                <a:solidFill>
-                  <a:schemeClr val="tx1"/>
-                </a:solidFill>
-                <a:latin typeface="Calibri" panose="020F0502020204030204" pitchFamily="34" charset="0"/>
-                <a:cs typeface="Calibri" panose="020F0502020204030204" pitchFamily="34" charset="0"/>
-              </a:rPr>
-              <a:t>createValidator</a:t>
-            </a:r>
-            <a:r>
-              <a:rPr lang="de-DE" sz="1200" dirty="0">
-                <a:solidFill>
-                  <a:schemeClr val="tx1"/>
-                </a:solidFill>
-                <a:latin typeface="Calibri" panose="020F0502020204030204" pitchFamily="34" charset="0"/>
-                <a:cs typeface="Calibri" panose="020F0502020204030204" pitchFamily="34" charset="0"/>
-              </a:rPr>
-              <a:t>();</a:t>
-            </a:r>
-          </a:p>
-          <a:p>
-            <a:endParaRPr lang="de-DE" sz="500" dirty="0">
-              <a:solidFill>
-                <a:schemeClr val="tx1"/>
-              </a:solidFill>
-              <a:latin typeface="Calibri" panose="020F0502020204030204" pitchFamily="34" charset="0"/>
-              <a:cs typeface="Calibri" panose="020F0502020204030204" pitchFamily="34" charset="0"/>
-            </a:endParaRPr>
-          </a:p>
-          <a:p>
-            <a:r>
-              <a:rPr lang="de-DE" sz="500" dirty="0">
-                <a:solidFill>
-                  <a:schemeClr val="tx1"/>
-                </a:solidFill>
-                <a:latin typeface="Calibri" panose="020F0502020204030204" pitchFamily="34" charset="0"/>
-                <a:cs typeface="Calibri" panose="020F0502020204030204" pitchFamily="34" charset="0"/>
-              </a:rPr>
-              <a:t>           </a:t>
-            </a:r>
-            <a:r>
-              <a:rPr lang="de-DE" sz="1200" dirty="0">
-                <a:solidFill>
-                  <a:schemeClr val="tx1"/>
-                </a:solidFill>
-                <a:latin typeface="Calibri" panose="020F0502020204030204" pitchFamily="34" charset="0"/>
-                <a:cs typeface="Calibri" panose="020F0502020204030204" pitchFamily="34" charset="0"/>
-              </a:rPr>
-              <a:t> </a:t>
-            </a:r>
-            <a:r>
-              <a:rPr lang="de-DE" sz="1200" dirty="0" err="1">
-                <a:solidFill>
-                  <a:schemeClr val="tx1"/>
-                </a:solidFill>
-                <a:latin typeface="Calibri" panose="020F0502020204030204" pitchFamily="34" charset="0"/>
-                <a:cs typeface="Calibri" panose="020F0502020204030204" pitchFamily="34" charset="0"/>
-              </a:rPr>
-              <a:t>assertThat</a:t>
-            </a:r>
-            <a:r>
-              <a:rPr lang="de-DE" sz="1200" dirty="0">
-                <a:solidFill>
-                  <a:schemeClr val="tx1"/>
-                </a:solidFill>
-                <a:latin typeface="Calibri" panose="020F0502020204030204" pitchFamily="34" charset="0"/>
-                <a:cs typeface="Calibri" panose="020F0502020204030204" pitchFamily="34" charset="0"/>
-              </a:rPr>
-              <a:t>(</a:t>
-            </a:r>
-            <a:r>
-              <a:rPr lang="de-DE" sz="1200" dirty="0" err="1">
-                <a:solidFill>
-                  <a:schemeClr val="tx1"/>
-                </a:solidFill>
-                <a:latin typeface="Calibri" panose="020F0502020204030204" pitchFamily="34" charset="0"/>
-                <a:cs typeface="Calibri" panose="020F0502020204030204" pitchFamily="34" charset="0"/>
-              </a:rPr>
-              <a:t>validator.validate</a:t>
-            </a:r>
-            <a:r>
-              <a:rPr lang="de-DE" sz="1200" dirty="0">
-                <a:solidFill>
-                  <a:schemeClr val="tx1"/>
-                </a:solidFill>
-                <a:latin typeface="Calibri" panose="020F0502020204030204" pitchFamily="34" charset="0"/>
-                <a:cs typeface="Calibri" panose="020F0502020204030204" pitchFamily="34" charset="0"/>
-              </a:rPr>
-              <a:t>(</a:t>
-            </a:r>
-            <a:r>
-              <a:rPr lang="de-DE" sz="1200" dirty="0" err="1">
-                <a:solidFill>
-                  <a:schemeClr val="tx1"/>
-                </a:solidFill>
-                <a:latin typeface="Calibri" panose="020F0502020204030204" pitchFamily="34" charset="0"/>
-                <a:cs typeface="Calibri" panose="020F0502020204030204" pitchFamily="34" charset="0"/>
-              </a:rPr>
-              <a:t>getValidValue</a:t>
-            </a:r>
-            <a:r>
-              <a:rPr lang="de-DE" sz="1200" dirty="0">
-                <a:solidFill>
-                  <a:schemeClr val="tx1"/>
-                </a:solidFill>
-                <a:latin typeface="Calibri" panose="020F0502020204030204" pitchFamily="34" charset="0"/>
-                <a:cs typeface="Calibri" panose="020F0502020204030204" pitchFamily="34" charset="0"/>
-              </a:rPr>
-              <a:t>())).</a:t>
-            </a:r>
-            <a:r>
-              <a:rPr lang="de-DE" sz="1200" dirty="0" err="1">
-                <a:solidFill>
-                  <a:schemeClr val="tx1"/>
-                </a:solidFill>
-                <a:latin typeface="Calibri" panose="020F0502020204030204" pitchFamily="34" charset="0"/>
-                <a:cs typeface="Calibri" panose="020F0502020204030204" pitchFamily="34" charset="0"/>
-              </a:rPr>
-              <a:t>isTrue</a:t>
-            </a:r>
-            <a:r>
-              <a:rPr lang="de-DE" sz="1200" dirty="0">
-                <a:solidFill>
-                  <a:schemeClr val="tx1"/>
-                </a:solidFill>
-                <a:latin typeface="Calibri" panose="020F0502020204030204" pitchFamily="34" charset="0"/>
-                <a:cs typeface="Calibri" panose="020F0502020204030204" pitchFamily="34" charset="0"/>
-              </a:rPr>
-              <a:t>();</a:t>
-            </a:r>
-          </a:p>
-          <a:p>
-            <a:r>
-              <a:rPr lang="de-DE" sz="1200" dirty="0">
-                <a:solidFill>
-                  <a:schemeClr val="tx1"/>
-                </a:solidFill>
-                <a:latin typeface="Calibri" panose="020F0502020204030204" pitchFamily="34" charset="0"/>
-                <a:cs typeface="Calibri" panose="020F0502020204030204" pitchFamily="34" charset="0"/>
-              </a:rPr>
-              <a:t>  }</a:t>
-            </a:r>
-          </a:p>
-          <a:p>
-            <a:r>
-              <a:rPr lang="de-DE" sz="500" dirty="0">
-                <a:solidFill>
-                  <a:schemeClr val="tx1"/>
-                </a:solidFill>
-                <a:latin typeface="Calibri" panose="020F0502020204030204" pitchFamily="34" charset="0"/>
-                <a:cs typeface="Calibri" panose="020F0502020204030204" pitchFamily="34" charset="0"/>
-              </a:rPr>
-              <a:t>        </a:t>
-            </a:r>
-          </a:p>
-          <a:p>
-            <a:r>
-              <a:rPr lang="de-DE" sz="1200" dirty="0">
-                <a:solidFill>
-                  <a:schemeClr val="tx1"/>
-                </a:solidFill>
-                <a:latin typeface="Calibri" panose="020F0502020204030204" pitchFamily="34" charset="0"/>
-                <a:cs typeface="Calibri" panose="020F0502020204030204" pitchFamily="34" charset="0"/>
-              </a:rPr>
-              <a:t>}</a:t>
-            </a:r>
-          </a:p>
-        </p:txBody>
-      </p:sp>
-      <p:sp>
-        <p:nvSpPr>
-          <p:cNvPr id="2" name="Rechteck 1">
-            <a:extLst>
-              <a:ext uri="{FF2B5EF4-FFF2-40B4-BE49-F238E27FC236}">
-                <a16:creationId xmlns:a16="http://schemas.microsoft.com/office/drawing/2014/main" id="{67BD4B7C-543B-4668-A4AD-654AC6569D1E}"/>
-              </a:ext>
-            </a:extLst>
-          </p:cNvPr>
-          <p:cNvSpPr/>
-          <p:nvPr/>
-        </p:nvSpPr>
-        <p:spPr>
-          <a:xfrm>
-            <a:off x="457200" y="1523160"/>
-            <a:ext cx="4207162" cy="3416320"/>
-          </a:xfrm>
-          <a:prstGeom prst="rect">
-            <a:avLst/>
-          </a:prstGeom>
-        </p:spPr>
-        <p:txBody>
-          <a:bodyPr wrap="square">
-            <a:spAutoFit/>
-          </a:bodyPr>
-          <a:lstStyle/>
-          <a:p>
-            <a:pPr marL="720">
-              <a:lnSpc>
-                <a:spcPct val="100000"/>
-              </a:lnSpc>
-              <a:buClr>
-                <a:srgbClr val="51A025"/>
-              </a:buClr>
-            </a:pPr>
-            <a:r>
-              <a:rPr lang="en-US" spc="-1" dirty="0" err="1">
-                <a:solidFill>
-                  <a:srgbClr val="000000"/>
-                </a:solidFill>
-                <a:uFill>
-                  <a:solidFill>
-                    <a:srgbClr val="FFFFFF"/>
-                  </a:solidFill>
-                </a:uFill>
-                <a:latin typeface="Calibri" panose="020F0502020204030204" pitchFamily="34" charset="0"/>
-                <a:cs typeface="Calibri" panose="020F0502020204030204" pitchFamily="34" charset="0"/>
-              </a:rPr>
-              <a:t>Nutzen</a:t>
-            </a:r>
-            <a:r>
-              <a:rPr lang="en-US" spc="-1" dirty="0">
-                <a:solidFill>
-                  <a:srgbClr val="000000"/>
-                </a:solidFill>
-                <a:uFill>
-                  <a:solidFill>
-                    <a:srgbClr val="FFFFFF"/>
-                  </a:solidFill>
-                </a:uFill>
-                <a:latin typeface="Calibri" panose="020F0502020204030204" pitchFamily="34" charset="0"/>
-                <a:cs typeface="Calibri" panose="020F0502020204030204" pitchFamily="34" charset="0"/>
-              </a:rPr>
-              <a:t>: </a:t>
-            </a:r>
-          </a:p>
-          <a:p>
-            <a:pPr marL="286470" indent="-285750">
-              <a:lnSpc>
-                <a:spcPct val="100000"/>
-              </a:lnSpc>
-              <a:buClr>
-                <a:srgbClr val="51A025"/>
-              </a:buClr>
-              <a:buFont typeface="Arial" panose="020B0604020202020204" pitchFamily="34" charset="0"/>
-              <a:buChar char="•"/>
-            </a:pPr>
-            <a:r>
-              <a:rPr lang="en-US" spc="-1" dirty="0" err="1">
-                <a:solidFill>
-                  <a:srgbClr val="000000"/>
-                </a:solidFill>
-                <a:uFill>
-                  <a:solidFill>
-                    <a:srgbClr val="FFFFFF"/>
-                  </a:solidFill>
-                </a:uFill>
-                <a:latin typeface="Calibri" panose="020F0502020204030204" pitchFamily="34" charset="0"/>
-                <a:cs typeface="Calibri" panose="020F0502020204030204" pitchFamily="34" charset="0"/>
-              </a:rPr>
-              <a:t>Testen</a:t>
-            </a:r>
-            <a:r>
-              <a:rPr lang="en-US" spc="-1" dirty="0">
-                <a:solidFill>
-                  <a:srgbClr val="000000"/>
-                </a:solidFill>
-                <a:uFill>
-                  <a:solidFill>
-                    <a:srgbClr val="FFFFFF"/>
-                  </a:solidFill>
-                </a:uFill>
-                <a:latin typeface="Calibri" panose="020F0502020204030204" pitchFamily="34" charset="0"/>
-                <a:cs typeface="Calibri" panose="020F0502020204030204" pitchFamily="34" charset="0"/>
-              </a:rPr>
-              <a:t> von </a:t>
-            </a:r>
-            <a:r>
-              <a:rPr lang="en-US" spc="-1" dirty="0" err="1">
-                <a:solidFill>
-                  <a:srgbClr val="000000"/>
-                </a:solidFill>
-                <a:uFill>
-                  <a:solidFill>
-                    <a:srgbClr val="FFFFFF"/>
-                  </a:solidFill>
-                </a:uFill>
-                <a:latin typeface="Calibri" panose="020F0502020204030204" pitchFamily="34" charset="0"/>
-                <a:cs typeface="Calibri" panose="020F0502020204030204" pitchFamily="34" charset="0"/>
-              </a:rPr>
-              <a:t>mehrerer</a:t>
-            </a:r>
-            <a:r>
-              <a:rPr lang="en-US" spc="-1" dirty="0">
-                <a:solidFill>
-                  <a:srgbClr val="000000"/>
-                </a:solidFill>
-                <a:uFill>
-                  <a:solidFill>
-                    <a:srgbClr val="FFFFFF"/>
-                  </a:solidFill>
-                </a:uFill>
-                <a:latin typeface="Calibri" panose="020F0502020204030204" pitchFamily="34" charset="0"/>
-                <a:cs typeface="Calibri" panose="020F0502020204030204" pitchFamily="34" charset="0"/>
-              </a:rPr>
-              <a:t> Klassen </a:t>
-            </a:r>
-            <a:r>
-              <a:rPr lang="en-US" spc="-1" dirty="0" err="1">
-                <a:solidFill>
-                  <a:srgbClr val="000000"/>
-                </a:solidFill>
-                <a:uFill>
-                  <a:solidFill>
-                    <a:srgbClr val="FFFFFF"/>
-                  </a:solidFill>
-                </a:uFill>
-                <a:latin typeface="Calibri" panose="020F0502020204030204" pitchFamily="34" charset="0"/>
-                <a:cs typeface="Calibri" panose="020F0502020204030204" pitchFamily="34" charset="0"/>
-              </a:rPr>
-              <a:t>mit</a:t>
-            </a:r>
-            <a:r>
-              <a:rPr lang="en-US" spc="-1" dirty="0">
-                <a:solidFill>
-                  <a:srgbClr val="000000"/>
-                </a:solidFill>
-                <a:uFill>
-                  <a:solidFill>
-                    <a:srgbClr val="FFFFFF"/>
-                  </a:solidFill>
-                </a:uFill>
-                <a:latin typeface="Calibri" panose="020F0502020204030204" pitchFamily="34" charset="0"/>
-                <a:cs typeface="Calibri" panose="020F0502020204030204" pitchFamily="34" charset="0"/>
-              </a:rPr>
-              <a:t> </a:t>
-            </a:r>
-            <a:r>
-              <a:rPr lang="en-US" spc="-1" dirty="0" err="1">
-                <a:solidFill>
-                  <a:srgbClr val="000000"/>
-                </a:solidFill>
-                <a:uFill>
-                  <a:solidFill>
-                    <a:srgbClr val="FFFFFF"/>
-                  </a:solidFill>
-                </a:uFill>
-                <a:latin typeface="Calibri" panose="020F0502020204030204" pitchFamily="34" charset="0"/>
-                <a:cs typeface="Calibri" panose="020F0502020204030204" pitchFamily="34" charset="0"/>
-              </a:rPr>
-              <a:t>gleichbleibenden</a:t>
-            </a:r>
-            <a:r>
-              <a:rPr lang="en-US" spc="-1" dirty="0">
-                <a:solidFill>
-                  <a:srgbClr val="000000"/>
-                </a:solidFill>
-                <a:uFill>
-                  <a:solidFill>
-                    <a:srgbClr val="FFFFFF"/>
-                  </a:solidFill>
-                </a:uFill>
-                <a:latin typeface="Calibri" panose="020F0502020204030204" pitchFamily="34" charset="0"/>
-                <a:cs typeface="Calibri" panose="020F0502020204030204" pitchFamily="34" charset="0"/>
-              </a:rPr>
-              <a:t> </a:t>
-            </a:r>
-            <a:r>
-              <a:rPr lang="en-US" spc="-1" dirty="0" err="1">
-                <a:solidFill>
-                  <a:srgbClr val="000000"/>
-                </a:solidFill>
-                <a:uFill>
-                  <a:solidFill>
-                    <a:srgbClr val="FFFFFF"/>
-                  </a:solidFill>
-                </a:uFill>
-                <a:latin typeface="Calibri" panose="020F0502020204030204" pitchFamily="34" charset="0"/>
-                <a:cs typeface="Calibri" panose="020F0502020204030204" pitchFamily="34" charset="0"/>
-              </a:rPr>
-              <a:t>Eigenschaften</a:t>
-            </a:r>
-            <a:endParaRPr lang="en-US" spc="-1" dirty="0">
-              <a:solidFill>
-                <a:srgbClr val="000000"/>
-              </a:solidFill>
-              <a:uFill>
-                <a:solidFill>
-                  <a:srgbClr val="FFFFFF"/>
-                </a:solidFill>
-              </a:uFill>
-              <a:latin typeface="Calibri" panose="020F0502020204030204" pitchFamily="34" charset="0"/>
-              <a:cs typeface="Calibri" panose="020F0502020204030204" pitchFamily="34" charset="0"/>
-            </a:endParaRPr>
-          </a:p>
-          <a:p>
-            <a:pPr marL="720">
-              <a:lnSpc>
-                <a:spcPct val="100000"/>
-              </a:lnSpc>
-              <a:buClr>
-                <a:srgbClr val="51A025"/>
-              </a:buClr>
-            </a:pPr>
-            <a:r>
-              <a:rPr lang="en-US" spc="-1" dirty="0" err="1">
-                <a:solidFill>
-                  <a:srgbClr val="000000"/>
-                </a:solidFill>
-                <a:uFill>
-                  <a:solidFill>
-                    <a:srgbClr val="FFFFFF"/>
-                  </a:solidFill>
-                </a:uFill>
-                <a:latin typeface="Calibri" panose="020F0502020204030204" pitchFamily="34" charset="0"/>
-                <a:cs typeface="Calibri" panose="020F0502020204030204" pitchFamily="34" charset="0"/>
-              </a:rPr>
-              <a:t>Beispiel</a:t>
-            </a:r>
-            <a:r>
-              <a:rPr lang="en-US" spc="-1" dirty="0">
-                <a:solidFill>
-                  <a:srgbClr val="000000"/>
-                </a:solidFill>
-                <a:uFill>
-                  <a:solidFill>
-                    <a:srgbClr val="FFFFFF"/>
-                  </a:solidFill>
-                </a:uFill>
-                <a:latin typeface="Calibri" panose="020F0502020204030204" pitchFamily="34" charset="0"/>
-                <a:cs typeface="Calibri" panose="020F0502020204030204" pitchFamily="34" charset="0"/>
-              </a:rPr>
-              <a:t>: </a:t>
-            </a:r>
-          </a:p>
-          <a:p>
-            <a:pPr marL="286470" indent="-285750">
-              <a:lnSpc>
-                <a:spcPct val="100000"/>
-              </a:lnSpc>
-              <a:buClr>
-                <a:srgbClr val="51A025"/>
-              </a:buClr>
-              <a:buFont typeface="Arial" panose="020B0604020202020204" pitchFamily="34" charset="0"/>
-              <a:buChar char="•"/>
-            </a:pPr>
-            <a:r>
-              <a:rPr lang="en-US" spc="-1" dirty="0" err="1">
-                <a:solidFill>
-                  <a:srgbClr val="000000"/>
-                </a:solidFill>
-                <a:uFill>
-                  <a:solidFill>
-                    <a:srgbClr val="FFFFFF"/>
-                  </a:solidFill>
-                </a:uFill>
-                <a:latin typeface="Calibri" panose="020F0502020204030204" pitchFamily="34" charset="0"/>
-                <a:cs typeface="Calibri" panose="020F0502020204030204" pitchFamily="34" charset="0"/>
-              </a:rPr>
-              <a:t>Validatoren</a:t>
-            </a:r>
-            <a:r>
-              <a:rPr lang="en-US" spc="-1" dirty="0">
-                <a:solidFill>
-                  <a:srgbClr val="000000"/>
-                </a:solidFill>
-                <a:uFill>
-                  <a:solidFill>
-                    <a:srgbClr val="FFFFFF"/>
-                  </a:solidFill>
-                </a:uFill>
-                <a:latin typeface="Calibri" panose="020F0502020204030204" pitchFamily="34" charset="0"/>
-                <a:cs typeface="Calibri" panose="020F0502020204030204" pitchFamily="34" charset="0"/>
-              </a:rPr>
-              <a:t>, </a:t>
-            </a:r>
-            <a:r>
-              <a:rPr lang="en-US" spc="-1" dirty="0" err="1">
-                <a:solidFill>
-                  <a:srgbClr val="000000"/>
-                </a:solidFill>
-                <a:uFill>
-                  <a:solidFill>
-                    <a:srgbClr val="FFFFFF"/>
-                  </a:solidFill>
-                </a:uFill>
-                <a:latin typeface="Calibri" panose="020F0502020204030204" pitchFamily="34" charset="0"/>
-                <a:cs typeface="Calibri" panose="020F0502020204030204" pitchFamily="34" charset="0"/>
-              </a:rPr>
-              <a:t>egal</a:t>
-            </a:r>
-            <a:r>
-              <a:rPr lang="en-US" spc="-1" dirty="0">
-                <a:solidFill>
-                  <a:srgbClr val="000000"/>
-                </a:solidFill>
-                <a:uFill>
-                  <a:solidFill>
-                    <a:srgbClr val="FFFFFF"/>
-                  </a:solidFill>
-                </a:uFill>
-                <a:latin typeface="Calibri" panose="020F0502020204030204" pitchFamily="34" charset="0"/>
-                <a:cs typeface="Calibri" panose="020F0502020204030204" pitchFamily="34" charset="0"/>
-              </a:rPr>
-              <a:t> </a:t>
-            </a:r>
-            <a:r>
-              <a:rPr lang="en-US" spc="-1" dirty="0" err="1">
-                <a:solidFill>
-                  <a:srgbClr val="000000"/>
-                </a:solidFill>
-                <a:uFill>
-                  <a:solidFill>
-                    <a:srgbClr val="FFFFFF"/>
-                  </a:solidFill>
-                </a:uFill>
-                <a:latin typeface="Calibri" panose="020F0502020204030204" pitchFamily="34" charset="0"/>
-                <a:cs typeface="Calibri" panose="020F0502020204030204" pitchFamily="34" charset="0"/>
-              </a:rPr>
-              <a:t>welcher</a:t>
-            </a:r>
-            <a:r>
-              <a:rPr lang="en-US" spc="-1" dirty="0">
-                <a:solidFill>
-                  <a:srgbClr val="000000"/>
-                </a:solidFill>
-                <a:uFill>
-                  <a:solidFill>
-                    <a:srgbClr val="FFFFFF"/>
-                  </a:solidFill>
-                </a:uFill>
-                <a:latin typeface="Calibri" panose="020F0502020204030204" pitchFamily="34" charset="0"/>
-                <a:cs typeface="Calibri" panose="020F0502020204030204" pitchFamily="34" charset="0"/>
-              </a:rPr>
-              <a:t> </a:t>
-            </a:r>
-            <a:r>
-              <a:rPr lang="en-US" spc="-1" dirty="0" err="1">
-                <a:solidFill>
-                  <a:srgbClr val="000000"/>
-                </a:solidFill>
-                <a:uFill>
-                  <a:solidFill>
-                    <a:srgbClr val="FFFFFF"/>
-                  </a:solidFill>
-                </a:uFill>
-                <a:latin typeface="Calibri" panose="020F0502020204030204" pitchFamily="34" charset="0"/>
-                <a:cs typeface="Calibri" panose="020F0502020204030204" pitchFamily="34" charset="0"/>
-              </a:rPr>
-              <a:t>angesprochen</a:t>
-            </a:r>
-            <a:r>
-              <a:rPr lang="en-US" spc="-1" dirty="0">
-                <a:solidFill>
-                  <a:srgbClr val="000000"/>
-                </a:solidFill>
-                <a:uFill>
-                  <a:solidFill>
-                    <a:srgbClr val="FFFFFF"/>
-                  </a:solidFill>
-                </a:uFill>
-                <a:latin typeface="Calibri" panose="020F0502020204030204" pitchFamily="34" charset="0"/>
-                <a:cs typeface="Calibri" panose="020F0502020204030204" pitchFamily="34" charset="0"/>
-              </a:rPr>
-              <a:t> </a:t>
-            </a:r>
-            <a:r>
-              <a:rPr lang="en-US" spc="-1" dirty="0" err="1">
-                <a:solidFill>
-                  <a:srgbClr val="000000"/>
-                </a:solidFill>
-                <a:uFill>
-                  <a:solidFill>
-                    <a:srgbClr val="FFFFFF"/>
-                  </a:solidFill>
-                </a:uFill>
-                <a:latin typeface="Calibri" panose="020F0502020204030204" pitchFamily="34" charset="0"/>
-                <a:cs typeface="Calibri" panose="020F0502020204030204" pitchFamily="34" charset="0"/>
-              </a:rPr>
-              <a:t>wird</a:t>
-            </a:r>
-            <a:r>
-              <a:rPr lang="en-US" spc="-1" dirty="0">
-                <a:solidFill>
-                  <a:srgbClr val="000000"/>
-                </a:solidFill>
-                <a:uFill>
-                  <a:solidFill>
-                    <a:srgbClr val="FFFFFF"/>
-                  </a:solidFill>
-                </a:uFill>
-                <a:latin typeface="Calibri" panose="020F0502020204030204" pitchFamily="34" charset="0"/>
-                <a:cs typeface="Calibri" panose="020F0502020204030204" pitchFamily="34" charset="0"/>
-              </a:rPr>
-              <a:t>, sein </a:t>
-            </a:r>
-            <a:r>
-              <a:rPr lang="en-US" spc="-1" dirty="0" err="1">
-                <a:solidFill>
-                  <a:srgbClr val="000000"/>
-                </a:solidFill>
-                <a:uFill>
-                  <a:solidFill>
-                    <a:srgbClr val="FFFFFF"/>
-                  </a:solidFill>
-                </a:uFill>
-                <a:latin typeface="Calibri" panose="020F0502020204030204" pitchFamily="34" charset="0"/>
-                <a:cs typeface="Calibri" panose="020F0502020204030204" pitchFamily="34" charset="0"/>
-              </a:rPr>
-              <a:t>Verhalten</a:t>
-            </a:r>
-            <a:r>
-              <a:rPr lang="en-US" spc="-1" dirty="0">
-                <a:solidFill>
-                  <a:srgbClr val="000000"/>
-                </a:solidFill>
-                <a:uFill>
-                  <a:solidFill>
-                    <a:srgbClr val="FFFFFF"/>
-                  </a:solidFill>
-                </a:uFill>
-                <a:latin typeface="Calibri" panose="020F0502020204030204" pitchFamily="34" charset="0"/>
-                <a:cs typeface="Calibri" panose="020F0502020204030204" pitchFamily="34" charset="0"/>
-              </a:rPr>
-              <a:t> </a:t>
-            </a:r>
-            <a:r>
-              <a:rPr lang="en-US" spc="-1" dirty="0" err="1">
-                <a:solidFill>
-                  <a:srgbClr val="000000"/>
-                </a:solidFill>
-                <a:uFill>
-                  <a:solidFill>
-                    <a:srgbClr val="FFFFFF"/>
-                  </a:solidFill>
-                </a:uFill>
-                <a:latin typeface="Calibri" panose="020F0502020204030204" pitchFamily="34" charset="0"/>
-                <a:cs typeface="Calibri" panose="020F0502020204030204" pitchFamily="34" charset="0"/>
-              </a:rPr>
-              <a:t>sollte</a:t>
-            </a:r>
-            <a:r>
-              <a:rPr lang="en-US" spc="-1" dirty="0">
-                <a:solidFill>
-                  <a:srgbClr val="000000"/>
-                </a:solidFill>
-                <a:uFill>
-                  <a:solidFill>
-                    <a:srgbClr val="FFFFFF"/>
-                  </a:solidFill>
-                </a:uFill>
-                <a:latin typeface="Calibri" panose="020F0502020204030204" pitchFamily="34" charset="0"/>
-                <a:cs typeface="Calibri" panose="020F0502020204030204" pitchFamily="34" charset="0"/>
-              </a:rPr>
-              <a:t> </a:t>
-            </a:r>
-            <a:r>
-              <a:rPr lang="en-US" spc="-1" dirty="0" err="1">
-                <a:solidFill>
-                  <a:srgbClr val="000000"/>
-                </a:solidFill>
-                <a:uFill>
-                  <a:solidFill>
-                    <a:srgbClr val="FFFFFF"/>
-                  </a:solidFill>
-                </a:uFill>
-                <a:latin typeface="Calibri" panose="020F0502020204030204" pitchFamily="34" charset="0"/>
-                <a:cs typeface="Calibri" panose="020F0502020204030204" pitchFamily="34" charset="0"/>
-              </a:rPr>
-              <a:t>nach</a:t>
-            </a:r>
-            <a:r>
-              <a:rPr lang="en-US" spc="-1" dirty="0">
-                <a:solidFill>
-                  <a:srgbClr val="000000"/>
-                </a:solidFill>
-                <a:uFill>
-                  <a:solidFill>
-                    <a:srgbClr val="FFFFFF"/>
-                  </a:solidFill>
-                </a:uFill>
-                <a:latin typeface="Calibri" panose="020F0502020204030204" pitchFamily="34" charset="0"/>
-                <a:cs typeface="Calibri" panose="020F0502020204030204" pitchFamily="34" charset="0"/>
-              </a:rPr>
-              <a:t> </a:t>
-            </a:r>
-            <a:r>
-              <a:rPr lang="en-US" spc="-1" dirty="0" err="1">
-                <a:solidFill>
-                  <a:srgbClr val="000000"/>
-                </a:solidFill>
-                <a:uFill>
-                  <a:solidFill>
-                    <a:srgbClr val="FFFFFF"/>
-                  </a:solidFill>
-                </a:uFill>
-                <a:latin typeface="Calibri" panose="020F0502020204030204" pitchFamily="34" charset="0"/>
-                <a:cs typeface="Calibri" panose="020F0502020204030204" pitchFamily="34" charset="0"/>
-              </a:rPr>
-              <a:t>außen</a:t>
-            </a:r>
-            <a:r>
-              <a:rPr lang="en-US" spc="-1" dirty="0">
-                <a:solidFill>
-                  <a:srgbClr val="000000"/>
-                </a:solidFill>
-                <a:uFill>
-                  <a:solidFill>
-                    <a:srgbClr val="FFFFFF"/>
-                  </a:solidFill>
-                </a:uFill>
-                <a:latin typeface="Calibri" panose="020F0502020204030204" pitchFamily="34" charset="0"/>
-                <a:cs typeface="Calibri" panose="020F0502020204030204" pitchFamily="34" charset="0"/>
-              </a:rPr>
-              <a:t> </a:t>
-            </a:r>
-            <a:r>
-              <a:rPr lang="en-US" spc="-1" dirty="0" err="1">
-                <a:solidFill>
-                  <a:srgbClr val="000000"/>
-                </a:solidFill>
-                <a:uFill>
-                  <a:solidFill>
-                    <a:srgbClr val="FFFFFF"/>
-                  </a:solidFill>
-                </a:uFill>
-                <a:latin typeface="Calibri" panose="020F0502020204030204" pitchFamily="34" charset="0"/>
-                <a:cs typeface="Calibri" panose="020F0502020204030204" pitchFamily="34" charset="0"/>
-              </a:rPr>
-              <a:t>gleich</a:t>
-            </a:r>
-            <a:r>
-              <a:rPr lang="en-US" spc="-1" dirty="0">
-                <a:solidFill>
-                  <a:srgbClr val="000000"/>
-                </a:solidFill>
-                <a:uFill>
-                  <a:solidFill>
-                    <a:srgbClr val="FFFFFF"/>
-                  </a:solidFill>
-                </a:uFill>
-                <a:latin typeface="Calibri" panose="020F0502020204030204" pitchFamily="34" charset="0"/>
-                <a:cs typeface="Calibri" panose="020F0502020204030204" pitchFamily="34" charset="0"/>
-              </a:rPr>
-              <a:t> </a:t>
-            </a:r>
-            <a:r>
-              <a:rPr lang="en-US" spc="-1" dirty="0" err="1">
-                <a:solidFill>
-                  <a:srgbClr val="000000"/>
-                </a:solidFill>
-                <a:uFill>
-                  <a:solidFill>
-                    <a:srgbClr val="FFFFFF"/>
-                  </a:solidFill>
-                </a:uFill>
-                <a:latin typeface="Calibri" panose="020F0502020204030204" pitchFamily="34" charset="0"/>
-                <a:cs typeface="Calibri" panose="020F0502020204030204" pitchFamily="34" charset="0"/>
-              </a:rPr>
-              <a:t>bleiben</a:t>
-            </a:r>
-            <a:endParaRPr lang="en-US" spc="-1" dirty="0">
-              <a:solidFill>
-                <a:srgbClr val="000000"/>
-              </a:solidFill>
-              <a:uFill>
-                <a:solidFill>
-                  <a:srgbClr val="FFFFFF"/>
-                </a:solidFill>
-              </a:uFill>
-              <a:latin typeface="Calibri" panose="020F0502020204030204" pitchFamily="34" charset="0"/>
-              <a:cs typeface="Calibri" panose="020F0502020204030204" pitchFamily="34" charset="0"/>
-            </a:endParaRPr>
-          </a:p>
-          <a:p>
-            <a:pPr marL="720">
-              <a:lnSpc>
-                <a:spcPct val="100000"/>
-              </a:lnSpc>
-              <a:buClr>
-                <a:srgbClr val="51A025"/>
-              </a:buClr>
-            </a:pPr>
-            <a:r>
-              <a:rPr lang="en-US" spc="-1" dirty="0">
-                <a:solidFill>
-                  <a:srgbClr val="000000"/>
-                </a:solidFill>
-                <a:uFill>
-                  <a:solidFill>
-                    <a:srgbClr val="FFFFFF"/>
-                  </a:solidFill>
-                </a:uFill>
-                <a:latin typeface="Calibri" panose="020F0502020204030204" pitchFamily="34" charset="0"/>
-                <a:cs typeface="Calibri" panose="020F0502020204030204" pitchFamily="34" charset="0"/>
-              </a:rPr>
-              <a:t>JUnit 5: </a:t>
-            </a:r>
-          </a:p>
-          <a:p>
-            <a:pPr marL="286470" indent="-285750">
-              <a:lnSpc>
-                <a:spcPct val="100000"/>
-              </a:lnSpc>
-              <a:buClr>
-                <a:srgbClr val="51A025"/>
-              </a:buClr>
-              <a:buFont typeface="Arial" panose="020B0604020202020204" pitchFamily="34" charset="0"/>
-              <a:buChar char="•"/>
-            </a:pPr>
-            <a:r>
-              <a:rPr lang="en-US" spc="-1" dirty="0">
-                <a:solidFill>
-                  <a:srgbClr val="000000"/>
-                </a:solidFill>
-                <a:uFill>
-                  <a:solidFill>
-                    <a:srgbClr val="FFFFFF"/>
-                  </a:solidFill>
-                </a:uFill>
-                <a:latin typeface="Calibri" panose="020F0502020204030204" pitchFamily="34" charset="0"/>
-                <a:cs typeface="Calibri" panose="020F0502020204030204" pitchFamily="34" charset="0"/>
-              </a:rPr>
-              <a:t>Contracts </a:t>
-            </a:r>
-            <a:r>
-              <a:rPr lang="en-US" spc="-1" dirty="0" err="1">
-                <a:solidFill>
-                  <a:srgbClr val="000000"/>
-                </a:solidFill>
-                <a:uFill>
-                  <a:solidFill>
-                    <a:srgbClr val="FFFFFF"/>
-                  </a:solidFill>
-                </a:uFill>
-                <a:latin typeface="Calibri" panose="020F0502020204030204" pitchFamily="34" charset="0"/>
-                <a:cs typeface="Calibri" panose="020F0502020204030204" pitchFamily="34" charset="0"/>
-              </a:rPr>
-              <a:t>bieten</a:t>
-            </a:r>
-            <a:r>
-              <a:rPr lang="en-US" spc="-1" dirty="0">
-                <a:solidFill>
-                  <a:srgbClr val="000000"/>
-                </a:solidFill>
-                <a:uFill>
-                  <a:solidFill>
-                    <a:srgbClr val="FFFFFF"/>
-                  </a:solidFill>
-                </a:uFill>
-                <a:latin typeface="Calibri" panose="020F0502020204030204" pitchFamily="34" charset="0"/>
-                <a:cs typeface="Calibri" panose="020F0502020204030204" pitchFamily="34" charset="0"/>
-              </a:rPr>
-              <a:t> die </a:t>
-            </a:r>
-            <a:r>
-              <a:rPr lang="en-US" spc="-1" dirty="0" err="1">
-                <a:solidFill>
-                  <a:srgbClr val="000000"/>
-                </a:solidFill>
-                <a:uFill>
-                  <a:solidFill>
-                    <a:srgbClr val="FFFFFF"/>
-                  </a:solidFill>
-                </a:uFill>
-                <a:latin typeface="Calibri" panose="020F0502020204030204" pitchFamily="34" charset="0"/>
-                <a:cs typeface="Calibri" panose="020F0502020204030204" pitchFamily="34" charset="0"/>
-              </a:rPr>
-              <a:t>gleiche</a:t>
-            </a:r>
-            <a:r>
-              <a:rPr lang="en-US" spc="-1" dirty="0">
-                <a:solidFill>
-                  <a:srgbClr val="000000"/>
-                </a:solidFill>
-                <a:uFill>
-                  <a:solidFill>
-                    <a:srgbClr val="FFFFFF"/>
-                  </a:solidFill>
-                </a:uFill>
-                <a:latin typeface="Calibri" panose="020F0502020204030204" pitchFamily="34" charset="0"/>
-                <a:cs typeface="Calibri" panose="020F0502020204030204" pitchFamily="34" charset="0"/>
-              </a:rPr>
-              <a:t> </a:t>
-            </a:r>
-            <a:r>
-              <a:rPr lang="en-US" spc="-1" dirty="0" err="1">
-                <a:solidFill>
-                  <a:srgbClr val="000000"/>
-                </a:solidFill>
-                <a:uFill>
-                  <a:solidFill>
-                    <a:srgbClr val="FFFFFF"/>
-                  </a:solidFill>
-                </a:uFill>
-                <a:latin typeface="Calibri" panose="020F0502020204030204" pitchFamily="34" charset="0"/>
-                <a:cs typeface="Calibri" panose="020F0502020204030204" pitchFamily="34" charset="0"/>
-              </a:rPr>
-              <a:t>Funktion</a:t>
-            </a:r>
-            <a:r>
-              <a:rPr lang="en-US" spc="-1" dirty="0">
-                <a:solidFill>
-                  <a:srgbClr val="000000"/>
-                </a:solidFill>
-                <a:uFill>
-                  <a:solidFill>
-                    <a:srgbClr val="FFFFFF"/>
-                  </a:solidFill>
-                </a:uFill>
-                <a:latin typeface="Calibri" panose="020F0502020204030204" pitchFamily="34" charset="0"/>
-                <a:cs typeface="Calibri" panose="020F0502020204030204" pitchFamily="34" charset="0"/>
-              </a:rPr>
-              <a:t> </a:t>
-            </a:r>
-            <a:r>
-              <a:rPr lang="en-US" spc="-1" dirty="0" err="1">
-                <a:solidFill>
-                  <a:srgbClr val="000000"/>
-                </a:solidFill>
-                <a:uFill>
-                  <a:solidFill>
-                    <a:srgbClr val="FFFFFF"/>
-                  </a:solidFill>
-                </a:uFill>
-                <a:latin typeface="Calibri" panose="020F0502020204030204" pitchFamily="34" charset="0"/>
-                <a:cs typeface="Calibri" panose="020F0502020204030204" pitchFamily="34" charset="0"/>
-              </a:rPr>
-              <a:t>wie</a:t>
-            </a:r>
-            <a:r>
-              <a:rPr lang="en-US" spc="-1" dirty="0">
-                <a:solidFill>
-                  <a:srgbClr val="000000"/>
-                </a:solidFill>
-                <a:uFill>
-                  <a:solidFill>
-                    <a:srgbClr val="FFFFFF"/>
-                  </a:solidFill>
-                </a:uFill>
-                <a:latin typeface="Calibri" panose="020F0502020204030204" pitchFamily="34" charset="0"/>
-                <a:cs typeface="Calibri" panose="020F0502020204030204" pitchFamily="34" charset="0"/>
-              </a:rPr>
-              <a:t> Abstract Tests, </a:t>
-            </a:r>
-            <a:r>
-              <a:rPr lang="en-US" spc="-1" dirty="0" err="1">
-                <a:solidFill>
-                  <a:srgbClr val="000000"/>
-                </a:solidFill>
-                <a:uFill>
-                  <a:solidFill>
-                    <a:srgbClr val="FFFFFF"/>
-                  </a:solidFill>
-                </a:uFill>
-                <a:latin typeface="Calibri" panose="020F0502020204030204" pitchFamily="34" charset="0"/>
-                <a:cs typeface="Calibri" panose="020F0502020204030204" pitchFamily="34" charset="0"/>
-              </a:rPr>
-              <a:t>nutzen</a:t>
-            </a:r>
-            <a:r>
-              <a:rPr lang="en-US" spc="-1" dirty="0">
-                <a:solidFill>
-                  <a:srgbClr val="000000"/>
-                </a:solidFill>
-                <a:uFill>
-                  <a:solidFill>
-                    <a:srgbClr val="FFFFFF"/>
-                  </a:solidFill>
-                </a:uFill>
-                <a:latin typeface="Calibri" panose="020F0502020204030204" pitchFamily="34" charset="0"/>
-                <a:cs typeface="Calibri" panose="020F0502020204030204" pitchFamily="34" charset="0"/>
-              </a:rPr>
-              <a:t> </a:t>
-            </a:r>
-            <a:r>
-              <a:rPr lang="en-US" spc="-1" dirty="0" err="1">
-                <a:solidFill>
-                  <a:srgbClr val="000000"/>
-                </a:solidFill>
-                <a:uFill>
-                  <a:solidFill>
-                    <a:srgbClr val="FFFFFF"/>
-                  </a:solidFill>
-                </a:uFill>
-                <a:latin typeface="Calibri" panose="020F0502020204030204" pitchFamily="34" charset="0"/>
-                <a:cs typeface="Calibri" panose="020F0502020204030204" pitchFamily="34" charset="0"/>
-              </a:rPr>
-              <a:t>jedoch</a:t>
-            </a:r>
-            <a:r>
-              <a:rPr lang="en-US" spc="-1" dirty="0">
-                <a:solidFill>
-                  <a:srgbClr val="000000"/>
-                </a:solidFill>
-                <a:uFill>
-                  <a:solidFill>
-                    <a:srgbClr val="FFFFFF"/>
-                  </a:solidFill>
-                </a:uFill>
-                <a:latin typeface="Calibri" panose="020F0502020204030204" pitchFamily="34" charset="0"/>
-                <a:cs typeface="Calibri" panose="020F0502020204030204" pitchFamily="34" charset="0"/>
-              </a:rPr>
-              <a:t> die Java 8 default Interface </a:t>
-            </a:r>
-            <a:r>
-              <a:rPr lang="en-US" spc="-1" dirty="0" err="1">
-                <a:solidFill>
-                  <a:srgbClr val="000000"/>
-                </a:solidFill>
-                <a:uFill>
-                  <a:solidFill>
-                    <a:srgbClr val="FFFFFF"/>
-                  </a:solidFill>
-                </a:uFill>
-                <a:latin typeface="Calibri" panose="020F0502020204030204" pitchFamily="34" charset="0"/>
-                <a:cs typeface="Calibri" panose="020F0502020204030204" pitchFamily="34" charset="0"/>
-              </a:rPr>
-              <a:t>Methoden</a:t>
-            </a:r>
-            <a:endParaRPr lang="en-US" spc="-1" dirty="0">
-              <a:solidFill>
-                <a:srgbClr val="000000"/>
-              </a:solidFill>
-              <a:uFill>
-                <a:solidFill>
-                  <a:srgbClr val="FFFFFF"/>
-                </a:solidFill>
-              </a:uFill>
-              <a:latin typeface="Calibri" panose="020F0502020204030204" pitchFamily="34" charset="0"/>
-              <a:cs typeface="Calibri" panose="020F0502020204030204" pitchFamily="34" charset="0"/>
-            </a:endParaRPr>
-          </a:p>
-          <a:p>
-            <a:pPr marL="457920" lvl="1">
-              <a:buClr>
-                <a:srgbClr val="51A025"/>
-              </a:buClr>
-            </a:pPr>
-            <a:endParaRPr lang="en-US" spc="-1" dirty="0">
-              <a:solidFill>
-                <a:srgbClr val="000000"/>
-              </a:solidFill>
-              <a:uFill>
-                <a:solidFill>
-                  <a:srgbClr val="FFFFFF"/>
-                </a:solidFill>
-              </a:uFill>
-              <a:latin typeface="Calibri" panose="020F0502020204030204" pitchFamily="34" charset="0"/>
-              <a:cs typeface="Calibri" panose="020F0502020204030204" pitchFamily="34" charset="0"/>
-            </a:endParaRPr>
+              <a:t>20 Min</a:t>
+            </a:r>
           </a:p>
         </p:txBody>
       </p:sp>
     </p:spTree>
     <p:extLst>
       <p:ext uri="{BB962C8B-B14F-4D97-AF65-F5344CB8AC3E}">
-        <p14:creationId xmlns:p14="http://schemas.microsoft.com/office/powerpoint/2010/main" val="666134250"/>
+        <p14:creationId xmlns:p14="http://schemas.microsoft.com/office/powerpoint/2010/main" val="2959705780"/>
       </p:ext>
     </p:extLst>
   </p:cSld>
@@ -38916,7 +38805,7 @@
       </p:grpSpPr>
       <p:sp>
         <p:nvSpPr>
-          <p:cNvPr id="667" name="CustomShape 1"/>
+          <p:cNvPr id="683" name="CustomShape 1"/>
           <p:cNvSpPr/>
           <p:nvPr/>
         </p:nvSpPr>
@@ -38984,7 +38873,7 @@
       </p:sp>
       <p:sp>
         <p:nvSpPr>
-          <p:cNvPr id="668" name="CustomShape 2"/>
+          <p:cNvPr id="684" name="CustomShape 2"/>
           <p:cNvSpPr/>
           <p:nvPr/>
         </p:nvSpPr>
@@ -39018,7 +38907,7 @@
           <a:lstStyle/>
           <a:p>
             <a:r>
-              <a:rPr lang="en-US" sz="2400" spc="-1" dirty="0" err="1">
+              <a:rPr lang="en-US" sz="2400" spc="-1" dirty="0">
                 <a:solidFill>
                   <a:srgbClr val="004C93"/>
                 </a:solidFill>
@@ -39029,7 +38918,7 @@
                 </a:uFill>
                 <a:latin typeface="Calibri"/>
               </a:rPr>
-              <a:t>AbstractTests</a:t>
+              <a:t>Test Suites</a:t>
             </a:r>
             <a:endParaRPr lang="en-US" sz="2400" spc="-1" dirty="0">
               <a:solidFill>
@@ -39046,61 +38935,7 @@
       </p:sp>
       <p:sp>
         <p:nvSpPr>
-          <p:cNvPr id="669" name="CustomShape 3"/>
-          <p:cNvSpPr/>
-          <p:nvPr/>
-        </p:nvSpPr>
-        <p:spPr>
-          <a:xfrm>
-            <a:off x="457199" y="1483200"/>
-            <a:ext cx="7638911" cy="3239280"/>
-          </a:xfrm>
-          <a:prstGeom prst="rect">
-            <a:avLst/>
-          </a:prstGeom>
-          <a:noFill/>
-          <a:ln>
-            <a:noFill/>
-          </a:ln>
-        </p:spPr>
-        <p:style>
-          <a:lnRef idx="0">
-            <a:scrgbClr r="0" g="0" b="0"/>
-          </a:lnRef>
-          <a:fillRef idx="0">
-            <a:scrgbClr r="0" g="0" b="0"/>
-          </a:fillRef>
-          <a:effectRef idx="0">
-            <a:scrgbClr r="0" g="0" b="0"/>
-          </a:effectRef>
-          <a:fontRef idx="minor"/>
-        </p:style>
-        <p:txBody>
-          <a:bodyPr lIns="90000" tIns="45000" rIns="90000" bIns="45000"/>
-          <a:lstStyle/>
-          <a:p>
-            <a:pPr>
-              <a:lnSpc>
-                <a:spcPct val="100000"/>
-              </a:lnSpc>
-            </a:pPr>
-            <a:endParaRPr lang="en-US" sz="1800" b="0" strike="noStrike" spc="-1" dirty="0">
-              <a:solidFill>
-                <a:srgbClr val="000000"/>
-              </a:solidFill>
-              <a:uFill>
-                <a:solidFill>
-                  <a:srgbClr val="FFFFFF"/>
-                </a:solidFill>
-              </a:uFill>
-              <a:latin typeface="Arial"/>
-            </a:endParaRPr>
-          </a:p>
-        </p:txBody>
-      </p:sp>
-      <p:sp>
-        <p:nvSpPr>
-          <p:cNvPr id="670" name="CustomShape 4"/>
+          <p:cNvPr id="686" name="CustomShape 4"/>
           <p:cNvSpPr/>
           <p:nvPr/>
         </p:nvSpPr>
@@ -39138,7 +38973,7 @@
                 <a:spcPct val="100000"/>
               </a:lnSpc>
             </a:pPr>
-            <a:fld id="{F44BF771-09CA-44DA-BA0C-EC56BE8EFD37}" type="slidenum">
+            <a:fld id="{6F82BE0B-28F8-4E8B-89B8-EFA9010AFB71}" type="slidenum">
               <a:rPr lang="en-US" sz="1000" b="0" strike="noStrike" spc="-1">
                 <a:solidFill>
                   <a:srgbClr val="51A025"/>
@@ -39168,7 +39003,7 @@
       </p:sp>
       <p:sp>
         <p:nvSpPr>
-          <p:cNvPr id="671" name="CustomShape 5"/>
+          <p:cNvPr id="687" name="CustomShape 5"/>
           <p:cNvSpPr/>
           <p:nvPr/>
         </p:nvSpPr>
@@ -39200,10 +39035,10 @@
       </p:sp>
       <p:sp>
         <p:nvSpPr>
-          <p:cNvPr id="2" name="Rechteck 1">
+          <p:cNvPr id="9" name="CustomShape 3">
             <a:extLst>
               <a:ext uri="{FF2B5EF4-FFF2-40B4-BE49-F238E27FC236}">
-                <a16:creationId xmlns:a16="http://schemas.microsoft.com/office/drawing/2014/main" id="{46F25DC6-6491-4BCB-B638-95E908975B1D}"/>
+                <a16:creationId xmlns:a16="http://schemas.microsoft.com/office/drawing/2014/main" id="{EA55C943-3A99-420F-AFAC-38FDA97383E7}"/>
               </a:ext>
             </a:extLst>
           </p:cNvPr>
@@ -39212,17 +39047,31 @@
         </p:nvSpPr>
         <p:spPr>
           <a:xfrm>
-            <a:off x="457198" y="1523160"/>
-            <a:ext cx="7638911" cy="1200329"/>
-          </a:xfrm>
-          <a:prstGeom prst="rect">
-            <a:avLst/>
-          </a:prstGeom>
-        </p:spPr>
+            <a:off x="457200" y="1692000"/>
+            <a:ext cx="8207280" cy="3041280"/>
+          </a:xfrm>
+          <a:prstGeom prst="rect">
+            <a:avLst/>
+          </a:prstGeom>
+          <a:noFill/>
+          <a:ln>
+            <a:noFill/>
+          </a:ln>
+        </p:spPr>
+        <p:style>
+          <a:lnRef idx="0">
+            <a:scrgbClr r="0" g="0" b="0"/>
+          </a:lnRef>
+          <a:fillRef idx="0">
+            <a:scrgbClr r="0" g="0" b="0"/>
+          </a:fillRef>
+          <a:effectRef idx="0">
+            <a:scrgbClr r="0" g="0" b="0"/>
+          </a:effectRef>
+          <a:fontRef idx="minor"/>
+        </p:style>
         <p:txBody>
-          <a:bodyPr wrap="square">
-            <a:spAutoFit/>
-          </a:bodyPr>
+          <a:bodyPr lIns="90000" tIns="45000" rIns="90000" bIns="45000"/>
           <a:lstStyle/>
           <a:p>
             <a:pPr marL="720">
@@ -39234,7 +39083,7 @@
               </a:buClr>
             </a:pPr>
             <a:r>
-              <a:rPr lang="en-US" spc="-1" dirty="0">
+              <a:rPr lang="en-US" b="0" strike="noStrike" spc="-1" dirty="0" err="1">
                 <a:solidFill>
                   <a:srgbClr val="292929"/>
                 </a:solidFill>
@@ -39246,46 +39095,12 @@
                 <a:latin typeface="Calibri" panose="020F0502020204030204" pitchFamily="34" charset="0"/>
                 <a:cs typeface="Calibri" panose="020F0502020204030204" pitchFamily="34" charset="0"/>
               </a:rPr>
-              <a:t>Aufgabe:</a:t>
-            </a:r>
-          </a:p>
-          <a:p>
-            <a:pPr marL="720">
-              <a:lnSpc>
-                <a:spcPct val="100000"/>
-              </a:lnSpc>
-              <a:buClr>
-                <a:srgbClr val="51A025"/>
-              </a:buClr>
-            </a:pPr>
-            <a:endParaRPr lang="en-US" spc="-1" dirty="0">
-              <a:solidFill>
-                <a:srgbClr val="000000"/>
-              </a:solidFill>
-              <a:uFill>
-                <a:solidFill>
-                  <a:srgbClr val="FFFFFF"/>
-                </a:solidFill>
-              </a:uFill>
-              <a:latin typeface="Calibri" panose="020F0502020204030204" pitchFamily="34" charset="0"/>
-              <a:cs typeface="Calibri" panose="020F0502020204030204" pitchFamily="34" charset="0"/>
-            </a:endParaRPr>
-          </a:p>
-          <a:p>
-            <a:pPr marL="286470" indent="-285750">
-              <a:lnSpc>
-                <a:spcPct val="100000"/>
-              </a:lnSpc>
-              <a:buClr>
-                <a:srgbClr val="51A025"/>
-              </a:buClr>
-              <a:buFont typeface="Arial" panose="020B0604020202020204" pitchFamily="34" charset="0"/>
-              <a:buChar char="•"/>
-            </a:pPr>
-            <a:r>
-              <a:rPr lang="en-US" spc="-1" dirty="0">
-                <a:solidFill>
-                  <a:srgbClr val="000000"/>
+              <a:t>Lösung</a:t>
+            </a:r>
+            <a:r>
+              <a:rPr lang="en-US" b="0" strike="noStrike" spc="-1" dirty="0">
+                <a:solidFill>
+                  <a:srgbClr val="292929"/>
                 </a:solidFill>
                 <a:uFill>
                   <a:solidFill>
@@ -39295,282 +39110,7 @@
                 <a:latin typeface="Calibri" panose="020F0502020204030204" pitchFamily="34" charset="0"/>
                 <a:cs typeface="Calibri" panose="020F0502020204030204" pitchFamily="34" charset="0"/>
               </a:rPr>
-              <a:t>Die </a:t>
-            </a:r>
-            <a:r>
-              <a:rPr lang="en-US" spc="-1" dirty="0" err="1">
-                <a:solidFill>
-                  <a:srgbClr val="000000"/>
-                </a:solidFill>
-                <a:uFill>
-                  <a:solidFill>
-                    <a:srgbClr val="FFFFFF"/>
-                  </a:solidFill>
-                </a:uFill>
-                <a:latin typeface="Calibri" panose="020F0502020204030204" pitchFamily="34" charset="0"/>
-                <a:cs typeface="Calibri" panose="020F0502020204030204" pitchFamily="34" charset="0"/>
-              </a:rPr>
-              <a:t>beiden</a:t>
-            </a:r>
-            <a:r>
-              <a:rPr lang="en-US" spc="-1" dirty="0">
-                <a:solidFill>
-                  <a:srgbClr val="000000"/>
-                </a:solidFill>
-                <a:uFill>
-                  <a:solidFill>
-                    <a:srgbClr val="FFFFFF"/>
-                  </a:solidFill>
-                </a:uFill>
-                <a:latin typeface="Calibri" panose="020F0502020204030204" pitchFamily="34" charset="0"/>
-                <a:cs typeface="Calibri" panose="020F0502020204030204" pitchFamily="34" charset="0"/>
-              </a:rPr>
-              <a:t> Test </a:t>
-            </a:r>
-            <a:r>
-              <a:rPr lang="en-US" spc="-1" dirty="0" err="1">
-                <a:solidFill>
-                  <a:srgbClr val="000000"/>
-                </a:solidFill>
-                <a:uFill>
-                  <a:solidFill>
-                    <a:srgbClr val="FFFFFF"/>
-                  </a:solidFill>
-                </a:uFill>
-                <a:latin typeface="Calibri" panose="020F0502020204030204" pitchFamily="34" charset="0"/>
-                <a:cs typeface="Calibri" panose="020F0502020204030204" pitchFamily="34" charset="0"/>
-              </a:rPr>
-              <a:t>ReadingMethodTest</a:t>
-            </a:r>
-            <a:r>
-              <a:rPr lang="en-US" spc="-1" dirty="0">
-                <a:solidFill>
-                  <a:srgbClr val="000000"/>
-                </a:solidFill>
-                <a:uFill>
-                  <a:solidFill>
-                    <a:srgbClr val="FFFFFF"/>
-                  </a:solidFill>
-                </a:uFill>
-                <a:latin typeface="Calibri" panose="020F0502020204030204" pitchFamily="34" charset="0"/>
-                <a:cs typeface="Calibri" panose="020F0502020204030204" pitchFamily="34" charset="0"/>
-              </a:rPr>
-              <a:t> und </a:t>
-            </a:r>
-            <a:r>
-              <a:rPr lang="en-US" spc="-1" dirty="0" err="1">
-                <a:solidFill>
-                  <a:srgbClr val="000000"/>
-                </a:solidFill>
-                <a:uFill>
-                  <a:solidFill>
-                    <a:srgbClr val="FFFFFF"/>
-                  </a:solidFill>
-                </a:uFill>
-                <a:latin typeface="Calibri" panose="020F0502020204030204" pitchFamily="34" charset="0"/>
-                <a:cs typeface="Calibri" panose="020F0502020204030204" pitchFamily="34" charset="0"/>
-              </a:rPr>
-              <a:t>BookingPropertiesTest</a:t>
-            </a:r>
-            <a:r>
-              <a:rPr lang="en-US" spc="-1" dirty="0">
-                <a:solidFill>
-                  <a:srgbClr val="000000"/>
-                </a:solidFill>
-                <a:uFill>
-                  <a:solidFill>
-                    <a:srgbClr val="FFFFFF"/>
-                  </a:solidFill>
-                </a:uFill>
-                <a:latin typeface="Calibri" panose="020F0502020204030204" pitchFamily="34" charset="0"/>
-                <a:cs typeface="Calibri" panose="020F0502020204030204" pitchFamily="34" charset="0"/>
-              </a:rPr>
-              <a:t> </a:t>
-            </a:r>
-            <a:r>
-              <a:rPr lang="en-US" spc="-1" dirty="0" err="1">
-                <a:solidFill>
-                  <a:srgbClr val="000000"/>
-                </a:solidFill>
-                <a:uFill>
-                  <a:solidFill>
-                    <a:srgbClr val="FFFFFF"/>
-                  </a:solidFill>
-                </a:uFill>
-                <a:latin typeface="Calibri" panose="020F0502020204030204" pitchFamily="34" charset="0"/>
-                <a:cs typeface="Calibri" panose="020F0502020204030204" pitchFamily="34" charset="0"/>
-              </a:rPr>
-              <a:t>sind</a:t>
-            </a:r>
-            <a:r>
-              <a:rPr lang="en-US" spc="-1" dirty="0">
-                <a:solidFill>
-                  <a:srgbClr val="000000"/>
-                </a:solidFill>
-                <a:uFill>
-                  <a:solidFill>
-                    <a:srgbClr val="FFFFFF"/>
-                  </a:solidFill>
-                </a:uFill>
-                <a:latin typeface="Calibri" panose="020F0502020204030204" pitchFamily="34" charset="0"/>
-                <a:cs typeface="Calibri" panose="020F0502020204030204" pitchFamily="34" charset="0"/>
-              </a:rPr>
-              <a:t> JUnit 4 </a:t>
-            </a:r>
-            <a:r>
-              <a:rPr lang="en-US" spc="-1" dirty="0" err="1">
-                <a:solidFill>
-                  <a:srgbClr val="000000"/>
-                </a:solidFill>
-                <a:uFill>
-                  <a:solidFill>
-                    <a:srgbClr val="FFFFFF"/>
-                  </a:solidFill>
-                </a:uFill>
-                <a:latin typeface="Calibri" panose="020F0502020204030204" pitchFamily="34" charset="0"/>
-                <a:cs typeface="Calibri" panose="020F0502020204030204" pitchFamily="34" charset="0"/>
-              </a:rPr>
-              <a:t>AbstractTests</a:t>
-            </a:r>
-            <a:r>
-              <a:rPr lang="en-US" spc="-1" dirty="0">
-                <a:solidFill>
-                  <a:srgbClr val="000000"/>
-                </a:solidFill>
-                <a:uFill>
-                  <a:solidFill>
-                    <a:srgbClr val="FFFFFF"/>
-                  </a:solidFill>
-                </a:uFill>
-                <a:latin typeface="Calibri" panose="020F0502020204030204" pitchFamily="34" charset="0"/>
-                <a:cs typeface="Calibri" panose="020F0502020204030204" pitchFamily="34" charset="0"/>
-              </a:rPr>
-              <a:t>. </a:t>
-            </a:r>
-            <a:r>
-              <a:rPr lang="en-US" spc="-1" dirty="0" err="1">
-                <a:solidFill>
-                  <a:srgbClr val="000000"/>
-                </a:solidFill>
-                <a:uFill>
-                  <a:solidFill>
-                    <a:srgbClr val="FFFFFF"/>
-                  </a:solidFill>
-                </a:uFill>
-                <a:latin typeface="Calibri" panose="020F0502020204030204" pitchFamily="34" charset="0"/>
-                <a:cs typeface="Calibri" panose="020F0502020204030204" pitchFamily="34" charset="0"/>
-              </a:rPr>
-              <a:t>Baue</a:t>
-            </a:r>
-            <a:r>
-              <a:rPr lang="en-US" spc="-1" dirty="0">
-                <a:solidFill>
-                  <a:srgbClr val="000000"/>
-                </a:solidFill>
-                <a:uFill>
-                  <a:solidFill>
-                    <a:srgbClr val="FFFFFF"/>
-                  </a:solidFill>
-                </a:uFill>
-                <a:latin typeface="Calibri" panose="020F0502020204030204" pitchFamily="34" charset="0"/>
-                <a:cs typeface="Calibri" panose="020F0502020204030204" pitchFamily="34" charset="0"/>
-              </a:rPr>
-              <a:t> </a:t>
-            </a:r>
-            <a:r>
-              <a:rPr lang="en-US" spc="-1" dirty="0" err="1">
-                <a:solidFill>
-                  <a:srgbClr val="000000"/>
-                </a:solidFill>
-                <a:uFill>
-                  <a:solidFill>
-                    <a:srgbClr val="FFFFFF"/>
-                  </a:solidFill>
-                </a:uFill>
-                <a:latin typeface="Calibri" panose="020F0502020204030204" pitchFamily="34" charset="0"/>
-                <a:cs typeface="Calibri" panose="020F0502020204030204" pitchFamily="34" charset="0"/>
-              </a:rPr>
-              <a:t>diese</a:t>
-            </a:r>
-            <a:r>
-              <a:rPr lang="en-US" spc="-1" dirty="0">
-                <a:solidFill>
-                  <a:srgbClr val="000000"/>
-                </a:solidFill>
-                <a:uFill>
-                  <a:solidFill>
-                    <a:srgbClr val="FFFFFF"/>
-                  </a:solidFill>
-                </a:uFill>
-                <a:latin typeface="Calibri" panose="020F0502020204030204" pitchFamily="34" charset="0"/>
-                <a:cs typeface="Calibri" panose="020F0502020204030204" pitchFamily="34" charset="0"/>
-              </a:rPr>
-              <a:t> in JUnit 5 Test Interfaces um</a:t>
-            </a:r>
-          </a:p>
-        </p:txBody>
-      </p:sp>
-      <p:sp>
-        <p:nvSpPr>
-          <p:cNvPr id="8" name="Rechteck 7">
-            <a:extLst>
-              <a:ext uri="{FF2B5EF4-FFF2-40B4-BE49-F238E27FC236}">
-                <a16:creationId xmlns:a16="http://schemas.microsoft.com/office/drawing/2014/main" id="{C8208138-60A1-4203-A686-3417219AF647}"/>
-              </a:ext>
-            </a:extLst>
-          </p:cNvPr>
-          <p:cNvSpPr/>
-          <p:nvPr/>
-        </p:nvSpPr>
-        <p:spPr>
-          <a:xfrm>
-            <a:off x="8047440" y="676691"/>
-            <a:ext cx="929520" cy="494060"/>
-          </a:xfrm>
-          <a:prstGeom prst="rect">
-            <a:avLst/>
-          </a:prstGeom>
-          <a:noFill/>
-          <a:ln w="15875">
-            <a:solidFill>
-              <a:schemeClr val="bg1">
-                <a:lumMod val="85000"/>
-              </a:schemeClr>
-            </a:solidFill>
-          </a:ln>
-        </p:spPr>
-        <p:style>
-          <a:lnRef idx="2">
-            <a:schemeClr val="accent1">
-              <a:shade val="50000"/>
-            </a:schemeClr>
-          </a:lnRef>
-          <a:fillRef idx="1">
-            <a:schemeClr val="accent1"/>
-          </a:fillRef>
-          <a:effectRef idx="0">
-            <a:schemeClr val="accent1"/>
-          </a:effectRef>
-          <a:fontRef idx="minor">
-            <a:schemeClr val="lt1"/>
-          </a:fontRef>
-        </p:style>
-        <p:txBody>
-          <a:bodyPr rtlCol="0" anchor="ctr"/>
-          <a:lstStyle/>
-          <a:p>
-            <a:pPr algn="ctr"/>
-            <a:r>
-              <a:rPr lang="de-DE" dirty="0">
-                <a:solidFill>
-                  <a:schemeClr val="bg1">
-                    <a:lumMod val="75000"/>
-                  </a:schemeClr>
-                </a:solidFill>
-                <a:latin typeface="Calibri" panose="020F0502020204030204" pitchFamily="34" charset="0"/>
-                <a:cs typeface="Calibri" panose="020F0502020204030204" pitchFamily="34" charset="0"/>
-              </a:rPr>
-              <a:t>10 Min</a:t>
+              <a:t>:</a:t>
             </a:r>
           </a:p>
         </p:txBody>
@@ -39578,7 +39118,7 @@
     </p:spTree>
     <p:extLst>
       <p:ext uri="{BB962C8B-B14F-4D97-AF65-F5344CB8AC3E}">
-        <p14:creationId xmlns:p14="http://schemas.microsoft.com/office/powerpoint/2010/main" val="1275146043"/>
+        <p14:creationId xmlns:p14="http://schemas.microsoft.com/office/powerpoint/2010/main" val="3183201034"/>
       </p:ext>
     </p:extLst>
   </p:cSld>
@@ -39634,14 +39174,14 @@
       </p:grpSpPr>
       <p:sp>
         <p:nvSpPr>
-          <p:cNvPr id="683" name="CustomShape 1"/>
+          <p:cNvPr id="690" name="CustomShape 3"/>
           <p:cNvSpPr/>
           <p:nvPr/>
         </p:nvSpPr>
         <p:spPr>
           <a:xfrm>
-            <a:off x="1375200" y="276480"/>
-            <a:ext cx="2894760" cy="263520"/>
+            <a:off x="457200" y="640080"/>
+            <a:ext cx="8207280" cy="783000"/>
           </a:xfrm>
           <a:prstGeom prst="rect">
             <a:avLst/>
@@ -39673,43 +39213,138 @@
               </a:lnSpc>
             </a:pPr>
             <a:r>
-              <a:rPr lang="en-US" sz="1000" b="0" strike="noStrike" spc="-1">
-                <a:solidFill>
-                  <a:srgbClr val="BABABA"/>
-                </a:solidFill>
-                <a:uFill>
-                  <a:solidFill>
-                    <a:srgbClr val="FFFFFF"/>
-                  </a:solidFill>
-                </a:uFill>
-                <a:latin typeface="Calibri"/>
-              </a:rPr>
-              <a:t>Experts in agile software engineering</a:t>
-            </a:r>
-            <a:endParaRPr lang="en-US" sz="1800" b="0" strike="noStrike" spc="-1">
-              <a:solidFill>
-                <a:srgbClr val="000000"/>
-              </a:solidFill>
-              <a:uFill>
-                <a:solidFill>
-                  <a:srgbClr val="FFFFFF"/>
-                </a:solidFill>
-              </a:uFill>
-              <a:latin typeface="Arial"/>
+              <a:rPr lang="en-US" sz="2400" spc="-1" dirty="0">
+                <a:solidFill>
+                  <a:srgbClr val="004C93"/>
+                </a:solidFill>
+                <a:uFill>
+                  <a:solidFill>
+                    <a:srgbClr val="FFFFFF"/>
+                  </a:solidFill>
+                </a:uFill>
+                <a:latin typeface="Calibri"/>
+              </a:rPr>
+              <a:t>Abstract Tests </a:t>
+            </a:r>
+            <a:r>
+              <a:rPr lang="en-US" sz="2400" spc="-1" dirty="0" err="1">
+                <a:solidFill>
+                  <a:srgbClr val="004C93"/>
+                </a:solidFill>
+                <a:uFill>
+                  <a:solidFill>
+                    <a:srgbClr val="FFFFFF"/>
+                  </a:solidFill>
+                </a:uFill>
+                <a:latin typeface="Calibri"/>
+              </a:rPr>
+              <a:t>nach</a:t>
+            </a:r>
+            <a:r>
+              <a:rPr lang="en-US" sz="2400" spc="-1" dirty="0">
+                <a:solidFill>
+                  <a:srgbClr val="004C93"/>
+                </a:solidFill>
+                <a:uFill>
+                  <a:solidFill>
+                    <a:srgbClr val="FFFFFF"/>
+                  </a:solidFill>
+                </a:uFill>
+                <a:latin typeface="Calibri"/>
+              </a:rPr>
+              <a:t> Contracts</a:t>
+            </a:r>
+            <a:endParaRPr lang="en-US" spc="-1" dirty="0">
+              <a:solidFill>
+                <a:srgbClr val="000000"/>
+              </a:solidFill>
+              <a:uFill>
+                <a:solidFill>
+                  <a:srgbClr val="FFFFFF"/>
+                </a:solidFill>
+              </a:uFill>
             </a:endParaRPr>
           </a:p>
         </p:txBody>
       </p:sp>
       <p:sp>
         <p:nvSpPr>
-          <p:cNvPr id="684" name="CustomShape 2"/>
+          <p:cNvPr id="691" name="CustomShape 4"/>
           <p:cNvSpPr/>
           <p:nvPr/>
         </p:nvSpPr>
         <p:spPr>
           <a:xfrm>
-            <a:off x="457200" y="640080"/>
-            <a:ext cx="6666480" cy="783000"/>
+            <a:off x="8626680" y="180360"/>
+            <a:ext cx="350280" cy="155160"/>
+          </a:xfrm>
+          <a:prstGeom prst="rect">
+            <a:avLst/>
+          </a:prstGeom>
+          <a:noFill/>
+          <a:ln w="9360">
+            <a:noFill/>
+          </a:ln>
+        </p:spPr>
+        <p:style>
+          <a:lnRef idx="0">
+            <a:scrgbClr r="0" g="0" b="0"/>
+          </a:lnRef>
+          <a:fillRef idx="0">
+            <a:scrgbClr r="0" g="0" b="0"/>
+          </a:fillRef>
+          <a:effectRef idx="0">
+            <a:scrgbClr r="0" g="0" b="0"/>
+          </a:effectRef>
+          <a:fontRef idx="minor"/>
+        </p:style>
+        <p:txBody>
+          <a:bodyPr lIns="0" tIns="0" rIns="0" bIns="0"/>
+          <a:lstStyle/>
+          <a:p>
+            <a:pPr algn="ctr">
+              <a:lnSpc>
+                <a:spcPct val="100000"/>
+              </a:lnSpc>
+            </a:pPr>
+            <a:fld id="{29B2A38E-FD1F-404A-B77F-FB5299B00347}" type="slidenum">
+              <a:rPr lang="en-US" sz="1000" b="0" strike="noStrike" spc="-1">
+                <a:solidFill>
+                  <a:srgbClr val="51A025"/>
+                </a:solidFill>
+                <a:uFill>
+                  <a:solidFill>
+                    <a:srgbClr val="FFFFFF"/>
+                  </a:solidFill>
+                </a:uFill>
+                <a:latin typeface="Calibri"/>
+              </a:rPr>
+              <a:t>33</a:t>
+            </a:fld>
+            <a:endParaRPr lang="en-US" sz="1800" b="0" strike="noStrike" spc="-1">
+              <a:solidFill>
+                <a:srgbClr val="000000"/>
+              </a:solidFill>
+              <a:uFill>
+                <a:solidFill>
+                  <a:srgbClr val="FFFFFF"/>
+                </a:solidFill>
+              </a:uFill>
+              <a:latin typeface="Arial"/>
+            </a:endParaRPr>
+          </a:p>
+        </p:txBody>
+      </p:sp>
+      <p:sp>
+        <p:nvSpPr>
+          <p:cNvPr id="692" name="CustomShape 5"/>
+          <p:cNvSpPr/>
+          <p:nvPr/>
+        </p:nvSpPr>
+        <p:spPr>
+          <a:xfrm>
+            <a:off x="1375200" y="276480"/>
+            <a:ext cx="2894760" cy="263520"/>
           </a:xfrm>
           <a:prstGeom prst="rect">
             <a:avLst/>
@@ -39735,139 +39370,45 @@
           <a:bodyPr lIns="90000" tIns="45000" rIns="90000" bIns="45000" anchor="ctr"/>
           <a:lstStyle/>
           <a:p>
-            <a:r>
-              <a:rPr lang="en-US" sz="2400" spc="-1" dirty="0" err="1">
-                <a:solidFill>
-                  <a:srgbClr val="004C93"/>
-                </a:solidFill>
-                <a:uFill>
-                  <a:solidFill>
-                    <a:srgbClr val="FFFFFF"/>
-                  </a:solidFill>
-                </a:uFill>
-                <a:latin typeface="Calibri"/>
-              </a:rPr>
-              <a:t>AbstractTests</a:t>
-            </a:r>
-            <a:endParaRPr lang="en-US" sz="2400" spc="-1" dirty="0">
-              <a:solidFill>
-                <a:srgbClr val="000000"/>
-              </a:solidFill>
-              <a:uFill>
-                <a:solidFill>
-                  <a:srgbClr val="FFFFFF"/>
-                </a:solidFill>
-              </a:uFill>
+            <a:pPr>
+              <a:lnSpc>
+                <a:spcPct val="100000"/>
+              </a:lnSpc>
+            </a:pPr>
+            <a:r>
+              <a:rPr lang="en-US" sz="1000" b="0" strike="noStrike" spc="-1">
+                <a:solidFill>
+                  <a:srgbClr val="BABABA"/>
+                </a:solidFill>
+                <a:uFill>
+                  <a:solidFill>
+                    <a:srgbClr val="FFFFFF"/>
+                  </a:solidFill>
+                </a:uFill>
+                <a:latin typeface="Calibri"/>
+              </a:rPr>
+              <a:t>Experts in agile software engineering</a:t>
+            </a:r>
+            <a:endParaRPr lang="en-US" sz="1800" b="0" strike="noStrike" spc="-1">
+              <a:solidFill>
+                <a:srgbClr val="000000"/>
+              </a:solidFill>
+              <a:uFill>
+                <a:solidFill>
+                  <a:srgbClr val="FFFFFF"/>
+                </a:solidFill>
+              </a:uFill>
+              <a:latin typeface="Arial"/>
             </a:endParaRPr>
           </a:p>
         </p:txBody>
       </p:sp>
       <p:sp>
         <p:nvSpPr>
-          <p:cNvPr id="686" name="CustomShape 4"/>
-          <p:cNvSpPr/>
-          <p:nvPr/>
-        </p:nvSpPr>
-        <p:spPr>
-          <a:xfrm>
-            <a:off x="8626680" y="180360"/>
-            <a:ext cx="350280" cy="155160"/>
-          </a:xfrm>
-          <a:prstGeom prst="rect">
-            <a:avLst/>
-          </a:prstGeom>
-          <a:noFill/>
-          <a:ln w="9360">
-            <a:noFill/>
-          </a:ln>
-        </p:spPr>
-        <p:style>
-          <a:lnRef idx="0">
-            <a:scrgbClr r="0" g="0" b="0"/>
-          </a:lnRef>
-          <a:fillRef idx="0">
-            <a:scrgbClr r="0" g="0" b="0"/>
-          </a:fillRef>
-          <a:effectRef idx="0">
-            <a:scrgbClr r="0" g="0" b="0"/>
-          </a:effectRef>
-          <a:fontRef idx="minor"/>
-        </p:style>
-        <p:txBody>
-          <a:bodyPr lIns="0" tIns="0" rIns="0" bIns="0"/>
-          <a:lstStyle/>
-          <a:p>
-            <a:pPr algn="ctr">
-              <a:lnSpc>
-                <a:spcPct val="100000"/>
-              </a:lnSpc>
-            </a:pPr>
-            <a:fld id="{6F82BE0B-28F8-4E8B-89B8-EFA9010AFB71}" type="slidenum">
-              <a:rPr lang="en-US" sz="1000" b="0" strike="noStrike" spc="-1">
-                <a:solidFill>
-                  <a:srgbClr val="51A025"/>
-                </a:solidFill>
-                <a:uFill>
-                  <a:solidFill>
-                    <a:srgbClr val="FFFFFF"/>
-                  </a:solidFill>
-                </a:uFill>
-                <a:latin typeface="Calibri"/>
-              </a:rPr>
-              <a:t>33</a:t>
-            </a:fld>
-            <a:endParaRPr lang="en-US" sz="1800" b="0" strike="noStrike" spc="-1">
-              <a:solidFill>
-                <a:srgbClr val="000000"/>
-              </a:solidFill>
-              <a:uFill>
-                <a:solidFill>
-                  <a:srgbClr val="FFFFFF"/>
-                </a:solidFill>
-              </a:uFill>
-              <a:latin typeface="Arial"/>
-            </a:endParaRPr>
-          </a:p>
-        </p:txBody>
-      </p:sp>
-      <p:sp>
-        <p:nvSpPr>
-          <p:cNvPr id="687" name="CustomShape 5"/>
-          <p:cNvSpPr/>
-          <p:nvPr/>
-        </p:nvSpPr>
-        <p:spPr>
-          <a:xfrm>
-            <a:off x="8047440" y="640800"/>
-            <a:ext cx="751320" cy="373680"/>
-          </a:xfrm>
-          <a:prstGeom prst="rect">
-            <a:avLst/>
-          </a:prstGeom>
-          <a:noFill/>
-          <a:ln>
-            <a:noFill/>
-          </a:ln>
-        </p:spPr>
-        <p:style>
-          <a:lnRef idx="0">
-            <a:scrgbClr r="0" g="0" b="0"/>
-          </a:lnRef>
-          <a:fillRef idx="0">
-            <a:scrgbClr r="0" g="0" b="0"/>
-          </a:fillRef>
-          <a:effectRef idx="0">
-            <a:scrgbClr r="0" g="0" b="0"/>
-          </a:effectRef>
-          <a:fontRef idx="minor"/>
-        </p:style>
-      </p:sp>
-      <p:sp>
-        <p:nvSpPr>
-          <p:cNvPr id="9" name="CustomShape 3">
+          <p:cNvPr id="11" name="Rechteck 10">
             <a:extLst>
               <a:ext uri="{FF2B5EF4-FFF2-40B4-BE49-F238E27FC236}">
-                <a16:creationId xmlns:a16="http://schemas.microsoft.com/office/drawing/2014/main" id="{EA55C943-3A99-420F-AFAC-38FDA97383E7}"/>
+                <a16:creationId xmlns:a16="http://schemas.microsoft.com/office/drawing/2014/main" id="{4460BE3B-AD51-4220-9BD5-50A08CBDBAB3}"/>
               </a:ext>
             </a:extLst>
           </p:cNvPr>
@@ -39876,31 +39417,429 @@
         </p:nvSpPr>
         <p:spPr>
           <a:xfrm>
-            <a:off x="457200" y="1523160"/>
-            <a:ext cx="8207280" cy="3210120"/>
-          </a:xfrm>
-          <a:prstGeom prst="rect">
-            <a:avLst/>
-          </a:prstGeom>
-          <a:noFill/>
+            <a:off x="4904696" y="1954699"/>
+            <a:ext cx="3746532" cy="1987823"/>
+          </a:xfrm>
+          <a:prstGeom prst="rect">
+            <a:avLst/>
+          </a:prstGeom>
+          <a:solidFill>
+            <a:schemeClr val="bg1"/>
+          </a:solidFill>
           <a:ln>
-            <a:noFill/>
+            <a:solidFill>
+              <a:schemeClr val="tx1"/>
+            </a:solidFill>
           </a:ln>
         </p:spPr>
         <p:style>
-          <a:lnRef idx="0">
-            <a:scrgbClr r="0" g="0" b="0"/>
+          <a:lnRef idx="2">
+            <a:schemeClr val="accent1">
+              <a:shade val="50000"/>
+            </a:schemeClr>
           </a:lnRef>
-          <a:fillRef idx="0">
-            <a:scrgbClr r="0" g="0" b="0"/>
+          <a:fillRef idx="1">
+            <a:schemeClr val="accent1"/>
           </a:fillRef>
           <a:effectRef idx="0">
-            <a:scrgbClr r="0" g="0" b="0"/>
+            <a:schemeClr val="accent1"/>
           </a:effectRef>
-          <a:fontRef idx="minor"/>
+          <a:fontRef idx="minor">
+            <a:schemeClr val="lt1"/>
+          </a:fontRef>
         </p:style>
         <p:txBody>
-          <a:bodyPr lIns="90000" tIns="45000" rIns="90000" bIns="45000"/>
+          <a:bodyPr rtlCol="0" anchor="ctr"/>
+          <a:lstStyle/>
+          <a:p>
+            <a:r>
+              <a:rPr lang="de-DE" sz="1200" dirty="0" err="1">
+                <a:solidFill>
+                  <a:schemeClr val="tx1"/>
+                </a:solidFill>
+                <a:latin typeface="Calibri" panose="020F0502020204030204" pitchFamily="34" charset="0"/>
+                <a:cs typeface="Calibri" panose="020F0502020204030204" pitchFamily="34" charset="0"/>
+              </a:rPr>
+              <a:t>public</a:t>
+            </a:r>
+            <a:r>
+              <a:rPr lang="de-DE" sz="1200" dirty="0">
+                <a:solidFill>
+                  <a:schemeClr val="tx1"/>
+                </a:solidFill>
+                <a:latin typeface="Calibri" panose="020F0502020204030204" pitchFamily="34" charset="0"/>
+                <a:cs typeface="Calibri" panose="020F0502020204030204" pitchFamily="34" charset="0"/>
+              </a:rPr>
+              <a:t> interface </a:t>
+            </a:r>
+            <a:r>
+              <a:rPr lang="de-DE" sz="1200" dirty="0" err="1">
+                <a:solidFill>
+                  <a:schemeClr val="tx1"/>
+                </a:solidFill>
+                <a:latin typeface="Calibri" panose="020F0502020204030204" pitchFamily="34" charset="0"/>
+                <a:cs typeface="Calibri" panose="020F0502020204030204" pitchFamily="34" charset="0"/>
+              </a:rPr>
+              <a:t>Contract</a:t>
+            </a:r>
+            <a:r>
+              <a:rPr lang="de-DE" sz="1200" dirty="0">
+                <a:solidFill>
+                  <a:schemeClr val="tx1"/>
+                </a:solidFill>
+                <a:latin typeface="Calibri" panose="020F0502020204030204" pitchFamily="34" charset="0"/>
+                <a:cs typeface="Calibri" panose="020F0502020204030204" pitchFamily="34" charset="0"/>
+              </a:rPr>
+              <a:t>&lt;T&gt; {</a:t>
+            </a:r>
+          </a:p>
+          <a:p>
+            <a:r>
+              <a:rPr lang="de-DE" sz="500" dirty="0">
+                <a:solidFill>
+                  <a:schemeClr val="tx1"/>
+                </a:solidFill>
+                <a:latin typeface="Calibri" panose="020F0502020204030204" pitchFamily="34" charset="0"/>
+                <a:cs typeface="Calibri" panose="020F0502020204030204" pitchFamily="34" charset="0"/>
+              </a:rPr>
+              <a:t>    </a:t>
+            </a:r>
+          </a:p>
+          <a:p>
+            <a:r>
+              <a:rPr lang="de-DE" sz="1200" dirty="0">
+                <a:solidFill>
+                  <a:schemeClr val="tx1"/>
+                </a:solidFill>
+                <a:latin typeface="Calibri" panose="020F0502020204030204" pitchFamily="34" charset="0"/>
+                <a:cs typeface="Calibri" panose="020F0502020204030204" pitchFamily="34" charset="0"/>
+              </a:rPr>
+              <a:t>        T </a:t>
+            </a:r>
+            <a:r>
+              <a:rPr lang="de-DE" sz="1200" dirty="0" err="1">
+                <a:solidFill>
+                  <a:schemeClr val="tx1"/>
+                </a:solidFill>
+                <a:latin typeface="Calibri" panose="020F0502020204030204" pitchFamily="34" charset="0"/>
+                <a:cs typeface="Calibri" panose="020F0502020204030204" pitchFamily="34" charset="0"/>
+              </a:rPr>
+              <a:t>createValue</a:t>
+            </a:r>
+            <a:r>
+              <a:rPr lang="de-DE" sz="1200" dirty="0">
+                <a:solidFill>
+                  <a:schemeClr val="tx1"/>
+                </a:solidFill>
+                <a:latin typeface="Calibri" panose="020F0502020204030204" pitchFamily="34" charset="0"/>
+                <a:cs typeface="Calibri" panose="020F0502020204030204" pitchFamily="34" charset="0"/>
+              </a:rPr>
+              <a:t>();</a:t>
+            </a:r>
+          </a:p>
+          <a:p>
+            <a:r>
+              <a:rPr lang="de-DE" sz="500" dirty="0">
+                <a:solidFill>
+                  <a:schemeClr val="tx1"/>
+                </a:solidFill>
+                <a:latin typeface="Calibri" panose="020F0502020204030204" pitchFamily="34" charset="0"/>
+                <a:cs typeface="Calibri" panose="020F0502020204030204" pitchFamily="34" charset="0"/>
+              </a:rPr>
+              <a:t>        </a:t>
+            </a:r>
+          </a:p>
+          <a:p>
+            <a:r>
+              <a:rPr lang="de-DE" sz="1200" dirty="0">
+                <a:solidFill>
+                  <a:schemeClr val="tx1"/>
+                </a:solidFill>
+                <a:latin typeface="Calibri" panose="020F0502020204030204" pitchFamily="34" charset="0"/>
+                <a:cs typeface="Calibri" panose="020F0502020204030204" pitchFamily="34" charset="0"/>
+              </a:rPr>
+              <a:t>        @Test</a:t>
+            </a:r>
+          </a:p>
+          <a:p>
+            <a:r>
+              <a:rPr lang="de-DE" sz="1200" dirty="0">
+                <a:solidFill>
+                  <a:schemeClr val="tx1"/>
+                </a:solidFill>
+                <a:latin typeface="Calibri" panose="020F0502020204030204" pitchFamily="34" charset="0"/>
+                <a:cs typeface="Calibri" panose="020F0502020204030204" pitchFamily="34" charset="0"/>
+              </a:rPr>
+              <a:t>        </a:t>
+            </a:r>
+            <a:r>
+              <a:rPr lang="de-DE" sz="1200" dirty="0" err="1">
+                <a:solidFill>
+                  <a:schemeClr val="tx1"/>
+                </a:solidFill>
+                <a:latin typeface="Calibri" panose="020F0502020204030204" pitchFamily="34" charset="0"/>
+                <a:cs typeface="Calibri" panose="020F0502020204030204" pitchFamily="34" charset="0"/>
+              </a:rPr>
+              <a:t>default</a:t>
+            </a:r>
+            <a:r>
+              <a:rPr lang="de-DE" sz="1200" dirty="0">
+                <a:solidFill>
+                  <a:schemeClr val="tx1"/>
+                </a:solidFill>
+                <a:latin typeface="Calibri" panose="020F0502020204030204" pitchFamily="34" charset="0"/>
+                <a:cs typeface="Calibri" panose="020F0502020204030204" pitchFamily="34" charset="0"/>
+              </a:rPr>
+              <a:t> </a:t>
+            </a:r>
+            <a:r>
+              <a:rPr lang="de-DE" sz="1200" dirty="0" err="1">
+                <a:solidFill>
+                  <a:schemeClr val="tx1"/>
+                </a:solidFill>
+                <a:latin typeface="Calibri" panose="020F0502020204030204" pitchFamily="34" charset="0"/>
+                <a:cs typeface="Calibri" panose="020F0502020204030204" pitchFamily="34" charset="0"/>
+              </a:rPr>
+              <a:t>void</a:t>
+            </a:r>
+            <a:r>
+              <a:rPr lang="de-DE" sz="1200" dirty="0">
+                <a:solidFill>
+                  <a:schemeClr val="tx1"/>
+                </a:solidFill>
+                <a:latin typeface="Calibri" panose="020F0502020204030204" pitchFamily="34" charset="0"/>
+                <a:cs typeface="Calibri" panose="020F0502020204030204" pitchFamily="34" charset="0"/>
+              </a:rPr>
+              <a:t> </a:t>
+            </a:r>
+            <a:r>
+              <a:rPr lang="de-DE" sz="1200" dirty="0" err="1">
+                <a:solidFill>
+                  <a:schemeClr val="tx1"/>
+                </a:solidFill>
+                <a:latin typeface="Calibri" panose="020F0502020204030204" pitchFamily="34" charset="0"/>
+                <a:cs typeface="Calibri" panose="020F0502020204030204" pitchFamily="34" charset="0"/>
+              </a:rPr>
+              <a:t>testValue</a:t>
+            </a:r>
+            <a:r>
+              <a:rPr lang="de-DE" sz="1200" dirty="0">
+                <a:solidFill>
+                  <a:schemeClr val="tx1"/>
+                </a:solidFill>
+                <a:latin typeface="Calibri" panose="020F0502020204030204" pitchFamily="34" charset="0"/>
+                <a:cs typeface="Calibri" panose="020F0502020204030204" pitchFamily="34" charset="0"/>
+              </a:rPr>
+              <a:t>(){</a:t>
+            </a:r>
+          </a:p>
+          <a:p>
+            <a:r>
+              <a:rPr lang="de-DE" sz="1200" dirty="0">
+                <a:solidFill>
+                  <a:schemeClr val="tx1"/>
+                </a:solidFill>
+                <a:latin typeface="Calibri" panose="020F0502020204030204" pitchFamily="34" charset="0"/>
+                <a:cs typeface="Calibri" panose="020F0502020204030204" pitchFamily="34" charset="0"/>
+              </a:rPr>
+              <a:t>            T </a:t>
+            </a:r>
+            <a:r>
+              <a:rPr lang="de-DE" sz="1200" dirty="0" err="1">
+                <a:solidFill>
+                  <a:schemeClr val="tx1"/>
+                </a:solidFill>
+                <a:latin typeface="Calibri" panose="020F0502020204030204" pitchFamily="34" charset="0"/>
+                <a:cs typeface="Calibri" panose="020F0502020204030204" pitchFamily="34" charset="0"/>
+              </a:rPr>
+              <a:t>value</a:t>
+            </a:r>
+            <a:r>
+              <a:rPr lang="de-DE" sz="1200" dirty="0">
+                <a:solidFill>
+                  <a:schemeClr val="tx1"/>
+                </a:solidFill>
+                <a:latin typeface="Calibri" panose="020F0502020204030204" pitchFamily="34" charset="0"/>
+                <a:cs typeface="Calibri" panose="020F0502020204030204" pitchFamily="34" charset="0"/>
+              </a:rPr>
+              <a:t> = </a:t>
+            </a:r>
+            <a:r>
+              <a:rPr lang="de-DE" sz="1200" dirty="0" err="1">
+                <a:solidFill>
+                  <a:schemeClr val="tx1"/>
+                </a:solidFill>
+                <a:latin typeface="Calibri" panose="020F0502020204030204" pitchFamily="34" charset="0"/>
+                <a:cs typeface="Calibri" panose="020F0502020204030204" pitchFamily="34" charset="0"/>
+              </a:rPr>
+              <a:t>createValue</a:t>
+            </a:r>
+            <a:r>
+              <a:rPr lang="de-DE" sz="1200" dirty="0">
+                <a:solidFill>
+                  <a:schemeClr val="tx1"/>
+                </a:solidFill>
+                <a:latin typeface="Calibri" panose="020F0502020204030204" pitchFamily="34" charset="0"/>
+                <a:cs typeface="Calibri" panose="020F0502020204030204" pitchFamily="34" charset="0"/>
+              </a:rPr>
+              <a:t>();</a:t>
+            </a:r>
+          </a:p>
+          <a:p>
+            <a:r>
+              <a:rPr lang="de-DE" sz="1200" dirty="0">
+                <a:solidFill>
+                  <a:schemeClr val="tx1"/>
+                </a:solidFill>
+                <a:latin typeface="Calibri" panose="020F0502020204030204" pitchFamily="34" charset="0"/>
+                <a:cs typeface="Calibri" panose="020F0502020204030204" pitchFamily="34" charset="0"/>
+              </a:rPr>
+              <a:t>            </a:t>
+            </a:r>
+            <a:r>
+              <a:rPr lang="de-DE" sz="1200" dirty="0" err="1">
+                <a:solidFill>
+                  <a:schemeClr val="tx1"/>
+                </a:solidFill>
+                <a:latin typeface="Calibri" panose="020F0502020204030204" pitchFamily="34" charset="0"/>
+                <a:cs typeface="Calibri" panose="020F0502020204030204" pitchFamily="34" charset="0"/>
+              </a:rPr>
+              <a:t>assertThat</a:t>
+            </a:r>
+            <a:r>
+              <a:rPr lang="de-DE" sz="1200" dirty="0">
+                <a:solidFill>
+                  <a:schemeClr val="tx1"/>
+                </a:solidFill>
+                <a:latin typeface="Calibri" panose="020F0502020204030204" pitchFamily="34" charset="0"/>
+                <a:cs typeface="Calibri" panose="020F0502020204030204" pitchFamily="34" charset="0"/>
+              </a:rPr>
+              <a:t>(</a:t>
+            </a:r>
+            <a:r>
+              <a:rPr lang="de-DE" sz="1200" dirty="0" err="1">
+                <a:solidFill>
+                  <a:schemeClr val="tx1"/>
+                </a:solidFill>
+                <a:latin typeface="Calibri" panose="020F0502020204030204" pitchFamily="34" charset="0"/>
+                <a:cs typeface="Calibri" panose="020F0502020204030204" pitchFamily="34" charset="0"/>
+              </a:rPr>
+              <a:t>value</a:t>
+            </a:r>
+            <a:r>
+              <a:rPr lang="de-DE" sz="1200" dirty="0">
+                <a:solidFill>
+                  <a:schemeClr val="tx1"/>
+                </a:solidFill>
+                <a:latin typeface="Calibri" panose="020F0502020204030204" pitchFamily="34" charset="0"/>
+                <a:cs typeface="Calibri" panose="020F0502020204030204" pitchFamily="34" charset="0"/>
+              </a:rPr>
+              <a:t>).</a:t>
+            </a:r>
+            <a:r>
+              <a:rPr lang="de-DE" sz="1200" dirty="0" err="1">
+                <a:solidFill>
+                  <a:schemeClr val="tx1"/>
+                </a:solidFill>
+                <a:latin typeface="Calibri" panose="020F0502020204030204" pitchFamily="34" charset="0"/>
+                <a:cs typeface="Calibri" panose="020F0502020204030204" pitchFamily="34" charset="0"/>
+              </a:rPr>
+              <a:t>isEqualTo</a:t>
+            </a:r>
+            <a:r>
+              <a:rPr lang="de-DE" sz="1200" dirty="0">
+                <a:solidFill>
+                  <a:schemeClr val="tx1"/>
+                </a:solidFill>
+                <a:latin typeface="Calibri" panose="020F0502020204030204" pitchFamily="34" charset="0"/>
+                <a:cs typeface="Calibri" panose="020F0502020204030204" pitchFamily="34" charset="0"/>
+              </a:rPr>
+              <a:t>(</a:t>
+            </a:r>
+            <a:r>
+              <a:rPr lang="de-DE" sz="1200" dirty="0" err="1">
+                <a:solidFill>
+                  <a:schemeClr val="tx1"/>
+                </a:solidFill>
+                <a:latin typeface="Calibri" panose="020F0502020204030204" pitchFamily="34" charset="0"/>
+                <a:cs typeface="Calibri" panose="020F0502020204030204" pitchFamily="34" charset="0"/>
+              </a:rPr>
+              <a:t>expectedValue</a:t>
+            </a:r>
+            <a:r>
+              <a:rPr lang="de-DE" sz="1200" dirty="0">
+                <a:solidFill>
+                  <a:schemeClr val="tx1"/>
+                </a:solidFill>
+                <a:latin typeface="Calibri" panose="020F0502020204030204" pitchFamily="34" charset="0"/>
+                <a:cs typeface="Calibri" panose="020F0502020204030204" pitchFamily="34" charset="0"/>
+              </a:rPr>
+              <a:t>);</a:t>
+            </a:r>
+          </a:p>
+          <a:p>
+            <a:r>
+              <a:rPr lang="de-DE" sz="1200" dirty="0">
+                <a:solidFill>
+                  <a:schemeClr val="tx1"/>
+                </a:solidFill>
+                <a:latin typeface="Calibri" panose="020F0502020204030204" pitchFamily="34" charset="0"/>
+                <a:cs typeface="Calibri" panose="020F0502020204030204" pitchFamily="34" charset="0"/>
+              </a:rPr>
+              <a:t>        }</a:t>
+            </a:r>
+          </a:p>
+          <a:p>
+            <a:r>
+              <a:rPr lang="de-DE" sz="500" dirty="0">
+                <a:solidFill>
+                  <a:schemeClr val="tx1"/>
+                </a:solidFill>
+                <a:latin typeface="Calibri" panose="020F0502020204030204" pitchFamily="34" charset="0"/>
+                <a:cs typeface="Calibri" panose="020F0502020204030204" pitchFamily="34" charset="0"/>
+              </a:rPr>
+              <a:t>        </a:t>
+            </a:r>
+          </a:p>
+          <a:p>
+            <a:r>
+              <a:rPr lang="de-DE" sz="1200" dirty="0">
+                <a:solidFill>
+                  <a:schemeClr val="tx1"/>
+                </a:solidFill>
+                <a:latin typeface="Calibri" panose="020F0502020204030204" pitchFamily="34" charset="0"/>
+                <a:cs typeface="Calibri" panose="020F0502020204030204" pitchFamily="34" charset="0"/>
+              </a:rPr>
+              <a:t>}</a:t>
+            </a:r>
+          </a:p>
+        </p:txBody>
+      </p:sp>
+      <p:sp>
+        <p:nvSpPr>
+          <p:cNvPr id="2" name="Rechteck 1">
+            <a:extLst>
+              <a:ext uri="{FF2B5EF4-FFF2-40B4-BE49-F238E27FC236}">
+                <a16:creationId xmlns:a16="http://schemas.microsoft.com/office/drawing/2014/main" id="{67BD4B7C-543B-4668-A4AD-654AC6569D1E}"/>
+              </a:ext>
+            </a:extLst>
+          </p:cNvPr>
+          <p:cNvSpPr/>
+          <p:nvPr/>
+        </p:nvSpPr>
+        <p:spPr>
+          <a:xfrm>
+            <a:off x="457200" y="1523160"/>
+            <a:ext cx="4207162" cy="3416320"/>
+          </a:xfrm>
+          <a:prstGeom prst="rect">
+            <a:avLst/>
+          </a:prstGeom>
+        </p:spPr>
+        <p:txBody>
+          <a:bodyPr wrap="square">
+            <a:spAutoFit/>
+          </a:bodyPr>
           <a:lstStyle/>
           <a:p>
             <a:pPr marL="720">
@@ -39912,9 +39851,9 @@
               </a:buClr>
             </a:pPr>
             <a:r>
-              <a:rPr lang="en-US" b="0" strike="noStrike" spc="-1" dirty="0" err="1">
-                <a:solidFill>
-                  <a:srgbClr val="292929"/>
+              <a:rPr lang="en-US" spc="-1" dirty="0" err="1">
+                <a:solidFill>
+                  <a:srgbClr val="000000"/>
                 </a:solidFill>
                 <a:uFill>
                   <a:solidFill>
@@ -39924,12 +39863,12 @@
                 <a:latin typeface="Calibri" panose="020F0502020204030204" pitchFamily="34" charset="0"/>
                 <a:cs typeface="Calibri" panose="020F0502020204030204" pitchFamily="34" charset="0"/>
               </a:rPr>
-              <a:t>Lösung</a:t>
-            </a:r>
-            <a:r>
-              <a:rPr lang="en-US" b="0" strike="noStrike" spc="-1" dirty="0">
-                <a:solidFill>
-                  <a:srgbClr val="292929"/>
+              <a:t>Nutzen</a:t>
+            </a:r>
+            <a:r>
+              <a:rPr lang="en-US" spc="-1" dirty="0">
+                <a:solidFill>
+                  <a:srgbClr val="000000"/>
                 </a:solidFill>
                 <a:uFill>
                   <a:solidFill>
@@ -39939,8 +39878,167 @@
                 <a:latin typeface="Calibri" panose="020F0502020204030204" pitchFamily="34" charset="0"/>
                 <a:cs typeface="Calibri" panose="020F0502020204030204" pitchFamily="34" charset="0"/>
               </a:rPr>
-              <a:t>:</a:t>
-            </a:r>
+              <a:t>: </a:t>
+            </a:r>
+          </a:p>
+          <a:p>
+            <a:pPr marL="286470" indent="-285750">
+              <a:lnSpc>
+                <a:spcPct val="100000"/>
+              </a:lnSpc>
+              <a:buClr>
+                <a:srgbClr val="51A025"/>
+              </a:buClr>
+              <a:buFont typeface="Arial" panose="020B0604020202020204" pitchFamily="34" charset="0"/>
+              <a:buChar char="•"/>
+            </a:pPr>
+            <a:r>
+              <a:rPr lang="en-US" spc="-1" dirty="0" err="1">
+                <a:solidFill>
+                  <a:srgbClr val="000000"/>
+                </a:solidFill>
+                <a:uFill>
+                  <a:solidFill>
+                    <a:srgbClr val="FFFFFF"/>
+                  </a:solidFill>
+                </a:uFill>
+                <a:latin typeface="Calibri" panose="020F0502020204030204" pitchFamily="34" charset="0"/>
+                <a:cs typeface="Calibri" panose="020F0502020204030204" pitchFamily="34" charset="0"/>
+              </a:rPr>
+              <a:t>Testen</a:t>
+            </a:r>
+            <a:r>
+              <a:rPr lang="en-US" spc="-1" dirty="0">
+                <a:solidFill>
+                  <a:srgbClr val="000000"/>
+                </a:solidFill>
+                <a:uFill>
+                  <a:solidFill>
+                    <a:srgbClr val="FFFFFF"/>
+                  </a:solidFill>
+                </a:uFill>
+                <a:latin typeface="Calibri" panose="020F0502020204030204" pitchFamily="34" charset="0"/>
+                <a:cs typeface="Calibri" panose="020F0502020204030204" pitchFamily="34" charset="0"/>
+              </a:rPr>
+              <a:t> von </a:t>
+            </a:r>
+            <a:r>
+              <a:rPr lang="en-US" spc="-1" dirty="0" err="1">
+                <a:solidFill>
+                  <a:srgbClr val="000000"/>
+                </a:solidFill>
+                <a:uFill>
+                  <a:solidFill>
+                    <a:srgbClr val="FFFFFF"/>
+                  </a:solidFill>
+                </a:uFill>
+                <a:latin typeface="Calibri" panose="020F0502020204030204" pitchFamily="34" charset="0"/>
+                <a:cs typeface="Calibri" panose="020F0502020204030204" pitchFamily="34" charset="0"/>
+              </a:rPr>
+              <a:t>mehrerer</a:t>
+            </a:r>
+            <a:r>
+              <a:rPr lang="en-US" spc="-1" dirty="0">
+                <a:solidFill>
+                  <a:srgbClr val="000000"/>
+                </a:solidFill>
+                <a:uFill>
+                  <a:solidFill>
+                    <a:srgbClr val="FFFFFF"/>
+                  </a:solidFill>
+                </a:uFill>
+                <a:latin typeface="Calibri" panose="020F0502020204030204" pitchFamily="34" charset="0"/>
+                <a:cs typeface="Calibri" panose="020F0502020204030204" pitchFamily="34" charset="0"/>
+              </a:rPr>
+              <a:t> Klassen </a:t>
+            </a:r>
+            <a:r>
+              <a:rPr lang="en-US" spc="-1" dirty="0" err="1">
+                <a:solidFill>
+                  <a:srgbClr val="000000"/>
+                </a:solidFill>
+                <a:uFill>
+                  <a:solidFill>
+                    <a:srgbClr val="FFFFFF"/>
+                  </a:solidFill>
+                </a:uFill>
+                <a:latin typeface="Calibri" panose="020F0502020204030204" pitchFamily="34" charset="0"/>
+                <a:cs typeface="Calibri" panose="020F0502020204030204" pitchFamily="34" charset="0"/>
+              </a:rPr>
+              <a:t>mit</a:t>
+            </a:r>
+            <a:r>
+              <a:rPr lang="en-US" spc="-1" dirty="0">
+                <a:solidFill>
+                  <a:srgbClr val="000000"/>
+                </a:solidFill>
+                <a:uFill>
+                  <a:solidFill>
+                    <a:srgbClr val="FFFFFF"/>
+                  </a:solidFill>
+                </a:uFill>
+                <a:latin typeface="Calibri" panose="020F0502020204030204" pitchFamily="34" charset="0"/>
+                <a:cs typeface="Calibri" panose="020F0502020204030204" pitchFamily="34" charset="0"/>
+              </a:rPr>
+              <a:t> </a:t>
+            </a:r>
+            <a:r>
+              <a:rPr lang="en-US" spc="-1" dirty="0" err="1">
+                <a:solidFill>
+                  <a:srgbClr val="000000"/>
+                </a:solidFill>
+                <a:uFill>
+                  <a:solidFill>
+                    <a:srgbClr val="FFFFFF"/>
+                  </a:solidFill>
+                </a:uFill>
+                <a:latin typeface="Calibri" panose="020F0502020204030204" pitchFamily="34" charset="0"/>
+                <a:cs typeface="Calibri" panose="020F0502020204030204" pitchFamily="34" charset="0"/>
+              </a:rPr>
+              <a:t>gleichbleibenden</a:t>
+            </a:r>
+            <a:r>
+              <a:rPr lang="en-US" spc="-1" dirty="0">
+                <a:solidFill>
+                  <a:srgbClr val="000000"/>
+                </a:solidFill>
+                <a:uFill>
+                  <a:solidFill>
+                    <a:srgbClr val="FFFFFF"/>
+                  </a:solidFill>
+                </a:uFill>
+                <a:latin typeface="Calibri" panose="020F0502020204030204" pitchFamily="34" charset="0"/>
+                <a:cs typeface="Calibri" panose="020F0502020204030204" pitchFamily="34" charset="0"/>
+              </a:rPr>
+              <a:t> </a:t>
+            </a:r>
+            <a:r>
+              <a:rPr lang="en-US" spc="-1" dirty="0" err="1">
+                <a:solidFill>
+                  <a:srgbClr val="000000"/>
+                </a:solidFill>
+                <a:uFill>
+                  <a:solidFill>
+                    <a:srgbClr val="FFFFFF"/>
+                  </a:solidFill>
+                </a:uFill>
+                <a:latin typeface="Calibri" panose="020F0502020204030204" pitchFamily="34" charset="0"/>
+                <a:cs typeface="Calibri" panose="020F0502020204030204" pitchFamily="34" charset="0"/>
+              </a:rPr>
+              <a:t>Eigenschaften</a:t>
+            </a:r>
+            <a:endParaRPr lang="en-US" spc="-1" dirty="0">
+              <a:solidFill>
+                <a:srgbClr val="000000"/>
+              </a:solidFill>
+              <a:uFill>
+                <a:solidFill>
+                  <a:srgbClr val="FFFFFF"/>
+                </a:solidFill>
+              </a:uFill>
+              <a:latin typeface="Calibri" panose="020F0502020204030204" pitchFamily="34" charset="0"/>
+              <a:cs typeface="Calibri" panose="020F0502020204030204" pitchFamily="34" charset="0"/>
+            </a:endParaRPr>
           </a:p>
           <a:p>
             <a:pPr marL="720">
@@ -39951,16 +40049,652 @@
                 <a:srgbClr val="51A025"/>
               </a:buClr>
             </a:pPr>
-            <a:endParaRPr lang="en-US" b="0" strike="noStrike" spc="-1" dirty="0">
-              <a:solidFill>
-                <a:srgbClr val="292929"/>
-              </a:solidFill>
-              <a:uFill>
-                <a:solidFill>
-                  <a:srgbClr val="FFFFFF"/>
-                </a:solidFill>
-              </a:uFill>
-              <a:latin typeface="+mj-lt"/>
+            <a:r>
+              <a:rPr lang="en-US" spc="-1" dirty="0" err="1">
+                <a:solidFill>
+                  <a:srgbClr val="000000"/>
+                </a:solidFill>
+                <a:uFill>
+                  <a:solidFill>
+                    <a:srgbClr val="FFFFFF"/>
+                  </a:solidFill>
+                </a:uFill>
+                <a:latin typeface="Calibri" panose="020F0502020204030204" pitchFamily="34" charset="0"/>
+                <a:cs typeface="Calibri" panose="020F0502020204030204" pitchFamily="34" charset="0"/>
+              </a:rPr>
+              <a:t>Beispiel</a:t>
+            </a:r>
+            <a:r>
+              <a:rPr lang="en-US" spc="-1" dirty="0">
+                <a:solidFill>
+                  <a:srgbClr val="000000"/>
+                </a:solidFill>
+                <a:uFill>
+                  <a:solidFill>
+                    <a:srgbClr val="FFFFFF"/>
+                  </a:solidFill>
+                </a:uFill>
+                <a:latin typeface="Calibri" panose="020F0502020204030204" pitchFamily="34" charset="0"/>
+                <a:cs typeface="Calibri" panose="020F0502020204030204" pitchFamily="34" charset="0"/>
+              </a:rPr>
+              <a:t>: </a:t>
+            </a:r>
+          </a:p>
+          <a:p>
+            <a:pPr marL="286470" indent="-285750">
+              <a:lnSpc>
+                <a:spcPct val="100000"/>
+              </a:lnSpc>
+              <a:buClr>
+                <a:srgbClr val="51A025"/>
+              </a:buClr>
+              <a:buFont typeface="Arial" panose="020B0604020202020204" pitchFamily="34" charset="0"/>
+              <a:buChar char="•"/>
+            </a:pPr>
+            <a:r>
+              <a:rPr lang="en-US" spc="-1" dirty="0" err="1">
+                <a:solidFill>
+                  <a:srgbClr val="000000"/>
+                </a:solidFill>
+                <a:uFill>
+                  <a:solidFill>
+                    <a:srgbClr val="FFFFFF"/>
+                  </a:solidFill>
+                </a:uFill>
+                <a:latin typeface="Calibri" panose="020F0502020204030204" pitchFamily="34" charset="0"/>
+                <a:cs typeface="Calibri" panose="020F0502020204030204" pitchFamily="34" charset="0"/>
+              </a:rPr>
+              <a:t>Validatoren</a:t>
+            </a:r>
+            <a:r>
+              <a:rPr lang="en-US" spc="-1" dirty="0">
+                <a:solidFill>
+                  <a:srgbClr val="000000"/>
+                </a:solidFill>
+                <a:uFill>
+                  <a:solidFill>
+                    <a:srgbClr val="FFFFFF"/>
+                  </a:solidFill>
+                </a:uFill>
+                <a:latin typeface="Calibri" panose="020F0502020204030204" pitchFamily="34" charset="0"/>
+                <a:cs typeface="Calibri" panose="020F0502020204030204" pitchFamily="34" charset="0"/>
+              </a:rPr>
+              <a:t>, </a:t>
+            </a:r>
+            <a:r>
+              <a:rPr lang="en-US" spc="-1" dirty="0" err="1">
+                <a:solidFill>
+                  <a:srgbClr val="000000"/>
+                </a:solidFill>
+                <a:uFill>
+                  <a:solidFill>
+                    <a:srgbClr val="FFFFFF"/>
+                  </a:solidFill>
+                </a:uFill>
+                <a:latin typeface="Calibri" panose="020F0502020204030204" pitchFamily="34" charset="0"/>
+                <a:cs typeface="Calibri" panose="020F0502020204030204" pitchFamily="34" charset="0"/>
+              </a:rPr>
+              <a:t>egal</a:t>
+            </a:r>
+            <a:r>
+              <a:rPr lang="en-US" spc="-1" dirty="0">
+                <a:solidFill>
+                  <a:srgbClr val="000000"/>
+                </a:solidFill>
+                <a:uFill>
+                  <a:solidFill>
+                    <a:srgbClr val="FFFFFF"/>
+                  </a:solidFill>
+                </a:uFill>
+                <a:latin typeface="Calibri" panose="020F0502020204030204" pitchFamily="34" charset="0"/>
+                <a:cs typeface="Calibri" panose="020F0502020204030204" pitchFamily="34" charset="0"/>
+              </a:rPr>
+              <a:t> </a:t>
+            </a:r>
+            <a:r>
+              <a:rPr lang="en-US" spc="-1" dirty="0" err="1">
+                <a:solidFill>
+                  <a:srgbClr val="000000"/>
+                </a:solidFill>
+                <a:uFill>
+                  <a:solidFill>
+                    <a:srgbClr val="FFFFFF"/>
+                  </a:solidFill>
+                </a:uFill>
+                <a:latin typeface="Calibri" panose="020F0502020204030204" pitchFamily="34" charset="0"/>
+                <a:cs typeface="Calibri" panose="020F0502020204030204" pitchFamily="34" charset="0"/>
+              </a:rPr>
+              <a:t>welcher</a:t>
+            </a:r>
+            <a:r>
+              <a:rPr lang="en-US" spc="-1" dirty="0">
+                <a:solidFill>
+                  <a:srgbClr val="000000"/>
+                </a:solidFill>
+                <a:uFill>
+                  <a:solidFill>
+                    <a:srgbClr val="FFFFFF"/>
+                  </a:solidFill>
+                </a:uFill>
+                <a:latin typeface="Calibri" panose="020F0502020204030204" pitchFamily="34" charset="0"/>
+                <a:cs typeface="Calibri" panose="020F0502020204030204" pitchFamily="34" charset="0"/>
+              </a:rPr>
+              <a:t> </a:t>
+            </a:r>
+            <a:r>
+              <a:rPr lang="en-US" spc="-1" dirty="0" err="1">
+                <a:solidFill>
+                  <a:srgbClr val="000000"/>
+                </a:solidFill>
+                <a:uFill>
+                  <a:solidFill>
+                    <a:srgbClr val="FFFFFF"/>
+                  </a:solidFill>
+                </a:uFill>
+                <a:latin typeface="Calibri" panose="020F0502020204030204" pitchFamily="34" charset="0"/>
+                <a:cs typeface="Calibri" panose="020F0502020204030204" pitchFamily="34" charset="0"/>
+              </a:rPr>
+              <a:t>angesprochen</a:t>
+            </a:r>
+            <a:r>
+              <a:rPr lang="en-US" spc="-1" dirty="0">
+                <a:solidFill>
+                  <a:srgbClr val="000000"/>
+                </a:solidFill>
+                <a:uFill>
+                  <a:solidFill>
+                    <a:srgbClr val="FFFFFF"/>
+                  </a:solidFill>
+                </a:uFill>
+                <a:latin typeface="Calibri" panose="020F0502020204030204" pitchFamily="34" charset="0"/>
+                <a:cs typeface="Calibri" panose="020F0502020204030204" pitchFamily="34" charset="0"/>
+              </a:rPr>
+              <a:t> </a:t>
+            </a:r>
+            <a:r>
+              <a:rPr lang="en-US" spc="-1" dirty="0" err="1">
+                <a:solidFill>
+                  <a:srgbClr val="000000"/>
+                </a:solidFill>
+                <a:uFill>
+                  <a:solidFill>
+                    <a:srgbClr val="FFFFFF"/>
+                  </a:solidFill>
+                </a:uFill>
+                <a:latin typeface="Calibri" panose="020F0502020204030204" pitchFamily="34" charset="0"/>
+                <a:cs typeface="Calibri" panose="020F0502020204030204" pitchFamily="34" charset="0"/>
+              </a:rPr>
+              <a:t>wird</a:t>
+            </a:r>
+            <a:r>
+              <a:rPr lang="en-US" spc="-1" dirty="0">
+                <a:solidFill>
+                  <a:srgbClr val="000000"/>
+                </a:solidFill>
+                <a:uFill>
+                  <a:solidFill>
+                    <a:srgbClr val="FFFFFF"/>
+                  </a:solidFill>
+                </a:uFill>
+                <a:latin typeface="Calibri" panose="020F0502020204030204" pitchFamily="34" charset="0"/>
+                <a:cs typeface="Calibri" panose="020F0502020204030204" pitchFamily="34" charset="0"/>
+              </a:rPr>
+              <a:t>, sein </a:t>
+            </a:r>
+            <a:r>
+              <a:rPr lang="en-US" spc="-1" dirty="0" err="1">
+                <a:solidFill>
+                  <a:srgbClr val="000000"/>
+                </a:solidFill>
+                <a:uFill>
+                  <a:solidFill>
+                    <a:srgbClr val="FFFFFF"/>
+                  </a:solidFill>
+                </a:uFill>
+                <a:latin typeface="Calibri" panose="020F0502020204030204" pitchFamily="34" charset="0"/>
+                <a:cs typeface="Calibri" panose="020F0502020204030204" pitchFamily="34" charset="0"/>
+              </a:rPr>
+              <a:t>Verhalten</a:t>
+            </a:r>
+            <a:r>
+              <a:rPr lang="en-US" spc="-1" dirty="0">
+                <a:solidFill>
+                  <a:srgbClr val="000000"/>
+                </a:solidFill>
+                <a:uFill>
+                  <a:solidFill>
+                    <a:srgbClr val="FFFFFF"/>
+                  </a:solidFill>
+                </a:uFill>
+                <a:latin typeface="Calibri" panose="020F0502020204030204" pitchFamily="34" charset="0"/>
+                <a:cs typeface="Calibri" panose="020F0502020204030204" pitchFamily="34" charset="0"/>
+              </a:rPr>
+              <a:t> </a:t>
+            </a:r>
+            <a:r>
+              <a:rPr lang="en-US" spc="-1" dirty="0" err="1">
+                <a:solidFill>
+                  <a:srgbClr val="000000"/>
+                </a:solidFill>
+                <a:uFill>
+                  <a:solidFill>
+                    <a:srgbClr val="FFFFFF"/>
+                  </a:solidFill>
+                </a:uFill>
+                <a:latin typeface="Calibri" panose="020F0502020204030204" pitchFamily="34" charset="0"/>
+                <a:cs typeface="Calibri" panose="020F0502020204030204" pitchFamily="34" charset="0"/>
+              </a:rPr>
+              <a:t>sollte</a:t>
+            </a:r>
+            <a:r>
+              <a:rPr lang="en-US" spc="-1" dirty="0">
+                <a:solidFill>
+                  <a:srgbClr val="000000"/>
+                </a:solidFill>
+                <a:uFill>
+                  <a:solidFill>
+                    <a:srgbClr val="FFFFFF"/>
+                  </a:solidFill>
+                </a:uFill>
+                <a:latin typeface="Calibri" panose="020F0502020204030204" pitchFamily="34" charset="0"/>
+                <a:cs typeface="Calibri" panose="020F0502020204030204" pitchFamily="34" charset="0"/>
+              </a:rPr>
+              <a:t> </a:t>
+            </a:r>
+            <a:r>
+              <a:rPr lang="en-US" spc="-1" dirty="0" err="1">
+                <a:solidFill>
+                  <a:srgbClr val="000000"/>
+                </a:solidFill>
+                <a:uFill>
+                  <a:solidFill>
+                    <a:srgbClr val="FFFFFF"/>
+                  </a:solidFill>
+                </a:uFill>
+                <a:latin typeface="Calibri" panose="020F0502020204030204" pitchFamily="34" charset="0"/>
+                <a:cs typeface="Calibri" panose="020F0502020204030204" pitchFamily="34" charset="0"/>
+              </a:rPr>
+              <a:t>nach</a:t>
+            </a:r>
+            <a:r>
+              <a:rPr lang="en-US" spc="-1" dirty="0">
+                <a:solidFill>
+                  <a:srgbClr val="000000"/>
+                </a:solidFill>
+                <a:uFill>
+                  <a:solidFill>
+                    <a:srgbClr val="FFFFFF"/>
+                  </a:solidFill>
+                </a:uFill>
+                <a:latin typeface="Calibri" panose="020F0502020204030204" pitchFamily="34" charset="0"/>
+                <a:cs typeface="Calibri" panose="020F0502020204030204" pitchFamily="34" charset="0"/>
+              </a:rPr>
+              <a:t> </a:t>
+            </a:r>
+            <a:r>
+              <a:rPr lang="en-US" spc="-1" dirty="0" err="1">
+                <a:solidFill>
+                  <a:srgbClr val="000000"/>
+                </a:solidFill>
+                <a:uFill>
+                  <a:solidFill>
+                    <a:srgbClr val="FFFFFF"/>
+                  </a:solidFill>
+                </a:uFill>
+                <a:latin typeface="Calibri" panose="020F0502020204030204" pitchFamily="34" charset="0"/>
+                <a:cs typeface="Calibri" panose="020F0502020204030204" pitchFamily="34" charset="0"/>
+              </a:rPr>
+              <a:t>außen</a:t>
+            </a:r>
+            <a:r>
+              <a:rPr lang="en-US" spc="-1" dirty="0">
+                <a:solidFill>
+                  <a:srgbClr val="000000"/>
+                </a:solidFill>
+                <a:uFill>
+                  <a:solidFill>
+                    <a:srgbClr val="FFFFFF"/>
+                  </a:solidFill>
+                </a:uFill>
+                <a:latin typeface="Calibri" panose="020F0502020204030204" pitchFamily="34" charset="0"/>
+                <a:cs typeface="Calibri" panose="020F0502020204030204" pitchFamily="34" charset="0"/>
+              </a:rPr>
+              <a:t> </a:t>
+            </a:r>
+            <a:r>
+              <a:rPr lang="en-US" spc="-1" dirty="0" err="1">
+                <a:solidFill>
+                  <a:srgbClr val="000000"/>
+                </a:solidFill>
+                <a:uFill>
+                  <a:solidFill>
+                    <a:srgbClr val="FFFFFF"/>
+                  </a:solidFill>
+                </a:uFill>
+                <a:latin typeface="Calibri" panose="020F0502020204030204" pitchFamily="34" charset="0"/>
+                <a:cs typeface="Calibri" panose="020F0502020204030204" pitchFamily="34" charset="0"/>
+              </a:rPr>
+              <a:t>gleich</a:t>
+            </a:r>
+            <a:r>
+              <a:rPr lang="en-US" spc="-1" dirty="0">
+                <a:solidFill>
+                  <a:srgbClr val="000000"/>
+                </a:solidFill>
+                <a:uFill>
+                  <a:solidFill>
+                    <a:srgbClr val="FFFFFF"/>
+                  </a:solidFill>
+                </a:uFill>
+                <a:latin typeface="Calibri" panose="020F0502020204030204" pitchFamily="34" charset="0"/>
+                <a:cs typeface="Calibri" panose="020F0502020204030204" pitchFamily="34" charset="0"/>
+              </a:rPr>
+              <a:t> </a:t>
+            </a:r>
+            <a:r>
+              <a:rPr lang="en-US" spc="-1" dirty="0" err="1">
+                <a:solidFill>
+                  <a:srgbClr val="000000"/>
+                </a:solidFill>
+                <a:uFill>
+                  <a:solidFill>
+                    <a:srgbClr val="FFFFFF"/>
+                  </a:solidFill>
+                </a:uFill>
+                <a:latin typeface="Calibri" panose="020F0502020204030204" pitchFamily="34" charset="0"/>
+                <a:cs typeface="Calibri" panose="020F0502020204030204" pitchFamily="34" charset="0"/>
+              </a:rPr>
+              <a:t>bleiben</a:t>
+            </a:r>
+            <a:endParaRPr lang="en-US" spc="-1" dirty="0">
+              <a:solidFill>
+                <a:srgbClr val="000000"/>
+              </a:solidFill>
+              <a:uFill>
+                <a:solidFill>
+                  <a:srgbClr val="FFFFFF"/>
+                </a:solidFill>
+              </a:uFill>
+              <a:latin typeface="Calibri" panose="020F0502020204030204" pitchFamily="34" charset="0"/>
+              <a:cs typeface="Calibri" panose="020F0502020204030204" pitchFamily="34" charset="0"/>
+            </a:endParaRPr>
+          </a:p>
+          <a:p>
+            <a:pPr marL="720">
+              <a:lnSpc>
+                <a:spcPct val="100000"/>
+              </a:lnSpc>
+              <a:buClr>
+                <a:srgbClr val="51A025"/>
+              </a:buClr>
+            </a:pPr>
+            <a:r>
+              <a:rPr lang="en-US" spc="-1" dirty="0">
+                <a:solidFill>
+                  <a:srgbClr val="000000"/>
+                </a:solidFill>
+                <a:uFill>
+                  <a:solidFill>
+                    <a:srgbClr val="FFFFFF"/>
+                  </a:solidFill>
+                </a:uFill>
+                <a:latin typeface="Calibri" panose="020F0502020204030204" pitchFamily="34" charset="0"/>
+                <a:cs typeface="Calibri" panose="020F0502020204030204" pitchFamily="34" charset="0"/>
+              </a:rPr>
+              <a:t>JUnit 5: </a:t>
+            </a:r>
+          </a:p>
+          <a:p>
+            <a:pPr marL="286470" indent="-285750">
+              <a:lnSpc>
+                <a:spcPct val="100000"/>
+              </a:lnSpc>
+              <a:buClr>
+                <a:srgbClr val="51A025"/>
+              </a:buClr>
+              <a:buFont typeface="Arial" panose="020B0604020202020204" pitchFamily="34" charset="0"/>
+              <a:buChar char="•"/>
+            </a:pPr>
+            <a:r>
+              <a:rPr lang="en-US" spc="-1" dirty="0">
+                <a:solidFill>
+                  <a:srgbClr val="000000"/>
+                </a:solidFill>
+                <a:uFill>
+                  <a:solidFill>
+                    <a:srgbClr val="FFFFFF"/>
+                  </a:solidFill>
+                </a:uFill>
+                <a:latin typeface="Calibri" panose="020F0502020204030204" pitchFamily="34" charset="0"/>
+                <a:cs typeface="Calibri" panose="020F0502020204030204" pitchFamily="34" charset="0"/>
+              </a:rPr>
+              <a:t>Contracts </a:t>
+            </a:r>
+            <a:r>
+              <a:rPr lang="en-US" spc="-1" dirty="0" err="1">
+                <a:solidFill>
+                  <a:srgbClr val="000000"/>
+                </a:solidFill>
+                <a:uFill>
+                  <a:solidFill>
+                    <a:srgbClr val="FFFFFF"/>
+                  </a:solidFill>
+                </a:uFill>
+                <a:latin typeface="Calibri" panose="020F0502020204030204" pitchFamily="34" charset="0"/>
+                <a:cs typeface="Calibri" panose="020F0502020204030204" pitchFamily="34" charset="0"/>
+              </a:rPr>
+              <a:t>bieten</a:t>
+            </a:r>
+            <a:r>
+              <a:rPr lang="en-US" spc="-1" dirty="0">
+                <a:solidFill>
+                  <a:srgbClr val="000000"/>
+                </a:solidFill>
+                <a:uFill>
+                  <a:solidFill>
+                    <a:srgbClr val="FFFFFF"/>
+                  </a:solidFill>
+                </a:uFill>
+                <a:latin typeface="Calibri" panose="020F0502020204030204" pitchFamily="34" charset="0"/>
+                <a:cs typeface="Calibri" panose="020F0502020204030204" pitchFamily="34" charset="0"/>
+              </a:rPr>
+              <a:t> die </a:t>
+            </a:r>
+            <a:r>
+              <a:rPr lang="en-US" spc="-1" dirty="0" err="1">
+                <a:solidFill>
+                  <a:srgbClr val="000000"/>
+                </a:solidFill>
+                <a:uFill>
+                  <a:solidFill>
+                    <a:srgbClr val="FFFFFF"/>
+                  </a:solidFill>
+                </a:uFill>
+                <a:latin typeface="Calibri" panose="020F0502020204030204" pitchFamily="34" charset="0"/>
+                <a:cs typeface="Calibri" panose="020F0502020204030204" pitchFamily="34" charset="0"/>
+              </a:rPr>
+              <a:t>gleiche</a:t>
+            </a:r>
+            <a:r>
+              <a:rPr lang="en-US" spc="-1" dirty="0">
+                <a:solidFill>
+                  <a:srgbClr val="000000"/>
+                </a:solidFill>
+                <a:uFill>
+                  <a:solidFill>
+                    <a:srgbClr val="FFFFFF"/>
+                  </a:solidFill>
+                </a:uFill>
+                <a:latin typeface="Calibri" panose="020F0502020204030204" pitchFamily="34" charset="0"/>
+                <a:cs typeface="Calibri" panose="020F0502020204030204" pitchFamily="34" charset="0"/>
+              </a:rPr>
+              <a:t> </a:t>
+            </a:r>
+            <a:r>
+              <a:rPr lang="en-US" spc="-1" dirty="0" err="1">
+                <a:solidFill>
+                  <a:srgbClr val="000000"/>
+                </a:solidFill>
+                <a:uFill>
+                  <a:solidFill>
+                    <a:srgbClr val="FFFFFF"/>
+                  </a:solidFill>
+                </a:uFill>
+                <a:latin typeface="Calibri" panose="020F0502020204030204" pitchFamily="34" charset="0"/>
+                <a:cs typeface="Calibri" panose="020F0502020204030204" pitchFamily="34" charset="0"/>
+              </a:rPr>
+              <a:t>Funktion</a:t>
+            </a:r>
+            <a:r>
+              <a:rPr lang="en-US" spc="-1" dirty="0">
+                <a:solidFill>
+                  <a:srgbClr val="000000"/>
+                </a:solidFill>
+                <a:uFill>
+                  <a:solidFill>
+                    <a:srgbClr val="FFFFFF"/>
+                  </a:solidFill>
+                </a:uFill>
+                <a:latin typeface="Calibri" panose="020F0502020204030204" pitchFamily="34" charset="0"/>
+                <a:cs typeface="Calibri" panose="020F0502020204030204" pitchFamily="34" charset="0"/>
+              </a:rPr>
+              <a:t> </a:t>
+            </a:r>
+            <a:r>
+              <a:rPr lang="en-US" spc="-1" dirty="0" err="1">
+                <a:solidFill>
+                  <a:srgbClr val="000000"/>
+                </a:solidFill>
+                <a:uFill>
+                  <a:solidFill>
+                    <a:srgbClr val="FFFFFF"/>
+                  </a:solidFill>
+                </a:uFill>
+                <a:latin typeface="Calibri" panose="020F0502020204030204" pitchFamily="34" charset="0"/>
+                <a:cs typeface="Calibri" panose="020F0502020204030204" pitchFamily="34" charset="0"/>
+              </a:rPr>
+              <a:t>wie</a:t>
+            </a:r>
+            <a:r>
+              <a:rPr lang="en-US" spc="-1" dirty="0">
+                <a:solidFill>
+                  <a:srgbClr val="000000"/>
+                </a:solidFill>
+                <a:uFill>
+                  <a:solidFill>
+                    <a:srgbClr val="FFFFFF"/>
+                  </a:solidFill>
+                </a:uFill>
+                <a:latin typeface="Calibri" panose="020F0502020204030204" pitchFamily="34" charset="0"/>
+                <a:cs typeface="Calibri" panose="020F0502020204030204" pitchFamily="34" charset="0"/>
+              </a:rPr>
+              <a:t> Abstract Tests, </a:t>
+            </a:r>
+            <a:r>
+              <a:rPr lang="en-US" spc="-1" dirty="0" err="1">
+                <a:solidFill>
+                  <a:srgbClr val="000000"/>
+                </a:solidFill>
+                <a:uFill>
+                  <a:solidFill>
+                    <a:srgbClr val="FFFFFF"/>
+                  </a:solidFill>
+                </a:uFill>
+                <a:latin typeface="Calibri" panose="020F0502020204030204" pitchFamily="34" charset="0"/>
+                <a:cs typeface="Calibri" panose="020F0502020204030204" pitchFamily="34" charset="0"/>
+              </a:rPr>
+              <a:t>nutzen</a:t>
+            </a:r>
+            <a:r>
+              <a:rPr lang="en-US" spc="-1" dirty="0">
+                <a:solidFill>
+                  <a:srgbClr val="000000"/>
+                </a:solidFill>
+                <a:uFill>
+                  <a:solidFill>
+                    <a:srgbClr val="FFFFFF"/>
+                  </a:solidFill>
+                </a:uFill>
+                <a:latin typeface="Calibri" panose="020F0502020204030204" pitchFamily="34" charset="0"/>
+                <a:cs typeface="Calibri" panose="020F0502020204030204" pitchFamily="34" charset="0"/>
+              </a:rPr>
+              <a:t> </a:t>
+            </a:r>
+            <a:r>
+              <a:rPr lang="en-US" spc="-1" dirty="0" err="1">
+                <a:solidFill>
+                  <a:srgbClr val="000000"/>
+                </a:solidFill>
+                <a:uFill>
+                  <a:solidFill>
+                    <a:srgbClr val="FFFFFF"/>
+                  </a:solidFill>
+                </a:uFill>
+                <a:latin typeface="Calibri" panose="020F0502020204030204" pitchFamily="34" charset="0"/>
+                <a:cs typeface="Calibri" panose="020F0502020204030204" pitchFamily="34" charset="0"/>
+              </a:rPr>
+              <a:t>jedoch</a:t>
+            </a:r>
+            <a:r>
+              <a:rPr lang="en-US" spc="-1" dirty="0">
+                <a:solidFill>
+                  <a:srgbClr val="000000"/>
+                </a:solidFill>
+                <a:uFill>
+                  <a:solidFill>
+                    <a:srgbClr val="FFFFFF"/>
+                  </a:solidFill>
+                </a:uFill>
+                <a:latin typeface="Calibri" panose="020F0502020204030204" pitchFamily="34" charset="0"/>
+                <a:cs typeface="Calibri" panose="020F0502020204030204" pitchFamily="34" charset="0"/>
+              </a:rPr>
+              <a:t> die Java 8 default Interface </a:t>
+            </a:r>
+            <a:r>
+              <a:rPr lang="en-US" spc="-1" dirty="0" err="1">
+                <a:solidFill>
+                  <a:srgbClr val="000000"/>
+                </a:solidFill>
+                <a:uFill>
+                  <a:solidFill>
+                    <a:srgbClr val="FFFFFF"/>
+                  </a:solidFill>
+                </a:uFill>
+                <a:latin typeface="Calibri" panose="020F0502020204030204" pitchFamily="34" charset="0"/>
+                <a:cs typeface="Calibri" panose="020F0502020204030204" pitchFamily="34" charset="0"/>
+              </a:rPr>
+              <a:t>Methoden</a:t>
+            </a:r>
+            <a:endParaRPr lang="en-US" spc="-1" dirty="0">
+              <a:solidFill>
+                <a:srgbClr val="000000"/>
+              </a:solidFill>
+              <a:uFill>
+                <a:solidFill>
+                  <a:srgbClr val="FFFFFF"/>
+                </a:solidFill>
+              </a:uFill>
+              <a:latin typeface="Calibri" panose="020F0502020204030204" pitchFamily="34" charset="0"/>
+              <a:cs typeface="Calibri" panose="020F0502020204030204" pitchFamily="34" charset="0"/>
+            </a:endParaRPr>
+          </a:p>
+          <a:p>
+            <a:pPr marL="457920" lvl="1">
+              <a:buClr>
+                <a:srgbClr val="51A025"/>
+              </a:buClr>
+            </a:pPr>
+            <a:endParaRPr lang="en-US" spc="-1" dirty="0">
+              <a:solidFill>
+                <a:srgbClr val="000000"/>
+              </a:solidFill>
+              <a:uFill>
+                <a:solidFill>
+                  <a:srgbClr val="FFFFFF"/>
+                </a:solidFill>
+              </a:uFill>
+              <a:latin typeface="Calibri" panose="020F0502020204030204" pitchFamily="34" charset="0"/>
+              <a:cs typeface="Calibri" panose="020F0502020204030204" pitchFamily="34" charset="0"/>
             </a:endParaRPr>
           </a:p>
         </p:txBody>
@@ -39968,7 +40702,7 @@
     </p:spTree>
     <p:extLst>
       <p:ext uri="{BB962C8B-B14F-4D97-AF65-F5344CB8AC3E}">
-        <p14:creationId xmlns:p14="http://schemas.microsoft.com/office/powerpoint/2010/main" val="2320777524"/>
+        <p14:creationId xmlns:p14="http://schemas.microsoft.com/office/powerpoint/2010/main" val="666134250"/>
       </p:ext>
     </p:extLst>
   </p:cSld>
@@ -40098,7 +40832,7 @@
         </p:nvSpPr>
         <p:spPr>
           <a:xfrm>
-            <a:off x="1004505" y="2180250"/>
+            <a:off x="457200" y="640080"/>
             <a:ext cx="6666480" cy="783000"/>
           </a:xfrm>
           <a:prstGeom prst="rect">
@@ -40125,109 +40859,73 @@
           <a:bodyPr lIns="90000" tIns="45000" rIns="90000" bIns="45000" anchor="ctr"/>
           <a:lstStyle/>
           <a:p>
+            <a:r>
+              <a:rPr lang="en-US" sz="2400" spc="-1" dirty="0" err="1">
+                <a:solidFill>
+                  <a:srgbClr val="004C93"/>
+                </a:solidFill>
+                <a:uFill>
+                  <a:solidFill>
+                    <a:srgbClr val="FFFFFF"/>
+                  </a:solidFill>
+                </a:uFill>
+                <a:latin typeface="Calibri"/>
+              </a:rPr>
+              <a:t>AbstractTests</a:t>
+            </a:r>
+            <a:endParaRPr lang="en-US" sz="2400" spc="-1" dirty="0">
+              <a:solidFill>
+                <a:srgbClr val="000000"/>
+              </a:solidFill>
+              <a:uFill>
+                <a:solidFill>
+                  <a:srgbClr val="FFFFFF"/>
+                </a:solidFill>
+              </a:uFill>
+            </a:endParaRPr>
+          </a:p>
+        </p:txBody>
+      </p:sp>
+      <p:sp>
+        <p:nvSpPr>
+          <p:cNvPr id="669" name="CustomShape 3"/>
+          <p:cNvSpPr/>
+          <p:nvPr/>
+        </p:nvSpPr>
+        <p:spPr>
+          <a:xfrm>
+            <a:off x="457199" y="1483200"/>
+            <a:ext cx="7638911" cy="3239280"/>
+          </a:xfrm>
+          <a:prstGeom prst="rect">
+            <a:avLst/>
+          </a:prstGeom>
+          <a:noFill/>
+          <a:ln>
+            <a:noFill/>
+          </a:ln>
+        </p:spPr>
+        <p:style>
+          <a:lnRef idx="0">
+            <a:scrgbClr r="0" g="0" b="0"/>
+          </a:lnRef>
+          <a:fillRef idx="0">
+            <a:scrgbClr r="0" g="0" b="0"/>
+          </a:fillRef>
+          <a:effectRef idx="0">
+            <a:scrgbClr r="0" g="0" b="0"/>
+          </a:effectRef>
+          <a:fontRef idx="minor"/>
+        </p:style>
+        <p:txBody>
+          <a:bodyPr lIns="90000" tIns="45000" rIns="90000" bIns="45000"/>
+          <a:lstStyle/>
+          <a:p>
             <a:pPr>
               <a:lnSpc>
                 <a:spcPct val="100000"/>
               </a:lnSpc>
             </a:pPr>
-            <a:r>
-              <a:rPr lang="en-US" sz="2400" b="0" strike="noStrike" spc="-1" dirty="0" err="1">
-                <a:solidFill>
-                  <a:srgbClr val="004C93"/>
-                </a:solidFill>
-                <a:uFill>
-                  <a:solidFill>
-                    <a:srgbClr val="FFFFFF"/>
-                  </a:solidFill>
-                </a:uFill>
-                <a:latin typeface="Calibri"/>
-              </a:rPr>
-              <a:t>Viele</a:t>
-            </a:r>
-            <a:r>
-              <a:rPr lang="en-US" sz="2400" spc="-1" dirty="0" err="1">
-                <a:solidFill>
-                  <a:srgbClr val="004C93"/>
-                </a:solidFill>
-                <a:uFill>
-                  <a:solidFill>
-                    <a:srgbClr val="FFFFFF"/>
-                  </a:solidFill>
-                </a:uFill>
-                <a:latin typeface="Calibri"/>
-              </a:rPr>
-              <a:t>n</a:t>
-            </a:r>
-            <a:r>
-              <a:rPr lang="en-US" sz="2400" spc="-1" dirty="0">
-                <a:solidFill>
-                  <a:srgbClr val="004C93"/>
-                </a:solidFill>
-                <a:uFill>
-                  <a:solidFill>
-                    <a:srgbClr val="FFFFFF"/>
-                  </a:solidFill>
-                </a:uFill>
-                <a:latin typeface="Calibri"/>
-              </a:rPr>
-              <a:t> Dank </a:t>
-            </a:r>
-            <a:r>
-              <a:rPr lang="en-US" sz="2400" spc="-1" dirty="0" err="1">
-                <a:solidFill>
-                  <a:srgbClr val="004C93"/>
-                </a:solidFill>
-                <a:uFill>
-                  <a:solidFill>
-                    <a:srgbClr val="FFFFFF"/>
-                  </a:solidFill>
-                </a:uFill>
-                <a:latin typeface="Calibri"/>
-              </a:rPr>
-              <a:t>für</a:t>
-            </a:r>
-            <a:r>
-              <a:rPr lang="en-US" sz="2400" spc="-1" dirty="0">
-                <a:solidFill>
-                  <a:srgbClr val="004C93"/>
-                </a:solidFill>
-                <a:uFill>
-                  <a:solidFill>
-                    <a:srgbClr val="FFFFFF"/>
-                  </a:solidFill>
-                </a:uFill>
-                <a:latin typeface="Calibri"/>
-              </a:rPr>
-              <a:t> </a:t>
-            </a:r>
-            <a:r>
-              <a:rPr lang="en-US" sz="2400" spc="-1" dirty="0" err="1">
-                <a:solidFill>
-                  <a:srgbClr val="004C93"/>
-                </a:solidFill>
-                <a:uFill>
-                  <a:solidFill>
-                    <a:srgbClr val="FFFFFF"/>
-                  </a:solidFill>
-                </a:uFill>
-                <a:latin typeface="Calibri"/>
-              </a:rPr>
-              <a:t>Alles</a:t>
-            </a:r>
-            <a:r>
-              <a:rPr lang="en-US" sz="2400" spc="-1" dirty="0">
-                <a:solidFill>
-                  <a:srgbClr val="004C93"/>
-                </a:solidFill>
-                <a:uFill>
-                  <a:solidFill>
-                    <a:srgbClr val="FFFFFF"/>
-                  </a:solidFill>
-                </a:uFill>
-                <a:latin typeface="Calibri"/>
-              </a:rPr>
-              <a:t>!</a:t>
-            </a:r>
             <a:endParaRPr lang="en-US" sz="1800" b="0" strike="noStrike" spc="-1" dirty="0">
               <a:solidFill>
                 <a:srgbClr val="000000"/>
@@ -40295,6 +40993,1051 @@
                 <a:latin typeface="Calibri"/>
               </a:rPr>
               <a:t>34</a:t>
+            </a:fld>
+            <a:endParaRPr lang="en-US" sz="1800" b="0" strike="noStrike" spc="-1">
+              <a:solidFill>
+                <a:srgbClr val="000000"/>
+              </a:solidFill>
+              <a:uFill>
+                <a:solidFill>
+                  <a:srgbClr val="FFFFFF"/>
+                </a:solidFill>
+              </a:uFill>
+              <a:latin typeface="Arial"/>
+            </a:endParaRPr>
+          </a:p>
+        </p:txBody>
+      </p:sp>
+      <p:sp>
+        <p:nvSpPr>
+          <p:cNvPr id="671" name="CustomShape 5"/>
+          <p:cNvSpPr/>
+          <p:nvPr/>
+        </p:nvSpPr>
+        <p:spPr>
+          <a:xfrm>
+            <a:off x="8047440" y="640800"/>
+            <a:ext cx="751320" cy="373680"/>
+          </a:xfrm>
+          <a:prstGeom prst="rect">
+            <a:avLst/>
+          </a:prstGeom>
+          <a:noFill/>
+          <a:ln>
+            <a:noFill/>
+          </a:ln>
+        </p:spPr>
+        <p:style>
+          <a:lnRef idx="0">
+            <a:scrgbClr r="0" g="0" b="0"/>
+          </a:lnRef>
+          <a:fillRef idx="0">
+            <a:scrgbClr r="0" g="0" b="0"/>
+          </a:fillRef>
+          <a:effectRef idx="0">
+            <a:scrgbClr r="0" g="0" b="0"/>
+          </a:effectRef>
+          <a:fontRef idx="minor"/>
+        </p:style>
+      </p:sp>
+      <p:sp>
+        <p:nvSpPr>
+          <p:cNvPr id="2" name="Rechteck 1">
+            <a:extLst>
+              <a:ext uri="{FF2B5EF4-FFF2-40B4-BE49-F238E27FC236}">
+                <a16:creationId xmlns:a16="http://schemas.microsoft.com/office/drawing/2014/main" id="{46F25DC6-6491-4BCB-B638-95E908975B1D}"/>
+              </a:ext>
+            </a:extLst>
+          </p:cNvPr>
+          <p:cNvSpPr/>
+          <p:nvPr/>
+        </p:nvSpPr>
+        <p:spPr>
+          <a:xfrm>
+            <a:off x="457198" y="1523160"/>
+            <a:ext cx="7638911" cy="1200329"/>
+          </a:xfrm>
+          <a:prstGeom prst="rect">
+            <a:avLst/>
+          </a:prstGeom>
+        </p:spPr>
+        <p:txBody>
+          <a:bodyPr wrap="square">
+            <a:spAutoFit/>
+          </a:bodyPr>
+          <a:lstStyle/>
+          <a:p>
+            <a:pPr marL="720">
+              <a:lnSpc>
+                <a:spcPct val="100000"/>
+              </a:lnSpc>
+              <a:buClr>
+                <a:srgbClr val="51A025"/>
+              </a:buClr>
+            </a:pPr>
+            <a:r>
+              <a:rPr lang="en-US" spc="-1" dirty="0">
+                <a:solidFill>
+                  <a:srgbClr val="292929"/>
+                </a:solidFill>
+                <a:uFill>
+                  <a:solidFill>
+                    <a:srgbClr val="FFFFFF"/>
+                  </a:solidFill>
+                </a:uFill>
+                <a:latin typeface="Calibri" panose="020F0502020204030204" pitchFamily="34" charset="0"/>
+                <a:cs typeface="Calibri" panose="020F0502020204030204" pitchFamily="34" charset="0"/>
+              </a:rPr>
+              <a:t>Aufgabe:</a:t>
+            </a:r>
+          </a:p>
+          <a:p>
+            <a:pPr marL="720">
+              <a:lnSpc>
+                <a:spcPct val="100000"/>
+              </a:lnSpc>
+              <a:buClr>
+                <a:srgbClr val="51A025"/>
+              </a:buClr>
+            </a:pPr>
+            <a:endParaRPr lang="en-US" spc="-1" dirty="0">
+              <a:solidFill>
+                <a:srgbClr val="000000"/>
+              </a:solidFill>
+              <a:uFill>
+                <a:solidFill>
+                  <a:srgbClr val="FFFFFF"/>
+                </a:solidFill>
+              </a:uFill>
+              <a:latin typeface="Calibri" panose="020F0502020204030204" pitchFamily="34" charset="0"/>
+              <a:cs typeface="Calibri" panose="020F0502020204030204" pitchFamily="34" charset="0"/>
+            </a:endParaRPr>
+          </a:p>
+          <a:p>
+            <a:pPr marL="286470" indent="-285750">
+              <a:lnSpc>
+                <a:spcPct val="100000"/>
+              </a:lnSpc>
+              <a:buClr>
+                <a:srgbClr val="51A025"/>
+              </a:buClr>
+              <a:buFont typeface="Arial" panose="020B0604020202020204" pitchFamily="34" charset="0"/>
+              <a:buChar char="•"/>
+            </a:pPr>
+            <a:r>
+              <a:rPr lang="en-US" spc="-1" dirty="0" err="1">
+                <a:solidFill>
+                  <a:srgbClr val="000000"/>
+                </a:solidFill>
+                <a:uFill>
+                  <a:solidFill>
+                    <a:srgbClr val="FFFFFF"/>
+                  </a:solidFill>
+                </a:uFill>
+                <a:latin typeface="Calibri" panose="020F0502020204030204" pitchFamily="34" charset="0"/>
+                <a:cs typeface="Calibri" panose="020F0502020204030204" pitchFamily="34" charset="0"/>
+              </a:rPr>
+              <a:t>ReadingMethodTest</a:t>
+            </a:r>
+            <a:r>
+              <a:rPr lang="en-US" spc="-1" dirty="0">
+                <a:solidFill>
+                  <a:srgbClr val="000000"/>
+                </a:solidFill>
+                <a:uFill>
+                  <a:solidFill>
+                    <a:srgbClr val="FFFFFF"/>
+                  </a:solidFill>
+                </a:uFill>
+                <a:latin typeface="Calibri" panose="020F0502020204030204" pitchFamily="34" charset="0"/>
+                <a:cs typeface="Calibri" panose="020F0502020204030204" pitchFamily="34" charset="0"/>
+              </a:rPr>
+              <a:t>: in Test Interface </a:t>
+            </a:r>
+            <a:r>
+              <a:rPr lang="en-US" spc="-1" dirty="0" err="1">
+                <a:solidFill>
+                  <a:srgbClr val="000000"/>
+                </a:solidFill>
+                <a:uFill>
+                  <a:solidFill>
+                    <a:srgbClr val="FFFFFF"/>
+                  </a:solidFill>
+                </a:uFill>
+                <a:latin typeface="Calibri" panose="020F0502020204030204" pitchFamily="34" charset="0"/>
+                <a:cs typeface="Calibri" panose="020F0502020204030204" pitchFamily="34" charset="0"/>
+              </a:rPr>
+              <a:t>umwandeln</a:t>
+            </a:r>
+            <a:endParaRPr lang="en-US" spc="-1" dirty="0">
+              <a:solidFill>
+                <a:srgbClr val="000000"/>
+              </a:solidFill>
+              <a:uFill>
+                <a:solidFill>
+                  <a:srgbClr val="FFFFFF"/>
+                </a:solidFill>
+              </a:uFill>
+              <a:latin typeface="Calibri" panose="020F0502020204030204" pitchFamily="34" charset="0"/>
+              <a:cs typeface="Calibri" panose="020F0502020204030204" pitchFamily="34" charset="0"/>
+            </a:endParaRPr>
+          </a:p>
+          <a:p>
+            <a:pPr marL="286470" indent="-285750">
+              <a:lnSpc>
+                <a:spcPct val="100000"/>
+              </a:lnSpc>
+              <a:buClr>
+                <a:srgbClr val="51A025"/>
+              </a:buClr>
+              <a:buFont typeface="Arial" panose="020B0604020202020204" pitchFamily="34" charset="0"/>
+              <a:buChar char="•"/>
+            </a:pPr>
+            <a:r>
+              <a:rPr lang="en-US" spc="-1" dirty="0" err="1">
+                <a:solidFill>
+                  <a:srgbClr val="000000"/>
+                </a:solidFill>
+                <a:uFill>
+                  <a:solidFill>
+                    <a:srgbClr val="FFFFFF"/>
+                  </a:solidFill>
+                </a:uFill>
+                <a:latin typeface="Calibri" panose="020F0502020204030204" pitchFamily="34" charset="0"/>
+                <a:cs typeface="Calibri" panose="020F0502020204030204" pitchFamily="34" charset="0"/>
+              </a:rPr>
+              <a:t>BookingPropertiesTest</a:t>
+            </a:r>
+            <a:r>
+              <a:rPr lang="en-US" spc="-1" dirty="0">
+                <a:solidFill>
+                  <a:srgbClr val="000000"/>
+                </a:solidFill>
+                <a:uFill>
+                  <a:solidFill>
+                    <a:srgbClr val="FFFFFF"/>
+                  </a:solidFill>
+                </a:uFill>
+                <a:latin typeface="Calibri" panose="020F0502020204030204" pitchFamily="34" charset="0"/>
+                <a:cs typeface="Calibri" panose="020F0502020204030204" pitchFamily="34" charset="0"/>
+              </a:rPr>
+              <a:t>: in Test Interface </a:t>
+            </a:r>
+            <a:r>
+              <a:rPr lang="en-US" spc="-1" dirty="0" err="1">
+                <a:solidFill>
+                  <a:srgbClr val="000000"/>
+                </a:solidFill>
+                <a:uFill>
+                  <a:solidFill>
+                    <a:srgbClr val="FFFFFF"/>
+                  </a:solidFill>
+                </a:uFill>
+                <a:latin typeface="Calibri" panose="020F0502020204030204" pitchFamily="34" charset="0"/>
+                <a:cs typeface="Calibri" panose="020F0502020204030204" pitchFamily="34" charset="0"/>
+              </a:rPr>
+              <a:t>umwandeln</a:t>
+            </a:r>
+            <a:endParaRPr lang="en-US" spc="-1" dirty="0">
+              <a:solidFill>
+                <a:srgbClr val="000000"/>
+              </a:solidFill>
+              <a:uFill>
+                <a:solidFill>
+                  <a:srgbClr val="FFFFFF"/>
+                </a:solidFill>
+              </a:uFill>
+              <a:latin typeface="Calibri" panose="020F0502020204030204" pitchFamily="34" charset="0"/>
+              <a:cs typeface="Calibri" panose="020F0502020204030204" pitchFamily="34" charset="0"/>
+            </a:endParaRPr>
+          </a:p>
+        </p:txBody>
+      </p:sp>
+      <p:sp>
+        <p:nvSpPr>
+          <p:cNvPr id="8" name="Rechteck 7">
+            <a:extLst>
+              <a:ext uri="{FF2B5EF4-FFF2-40B4-BE49-F238E27FC236}">
+                <a16:creationId xmlns:a16="http://schemas.microsoft.com/office/drawing/2014/main" id="{C8208138-60A1-4203-A686-3417219AF647}"/>
+              </a:ext>
+            </a:extLst>
+          </p:cNvPr>
+          <p:cNvSpPr/>
+          <p:nvPr/>
+        </p:nvSpPr>
+        <p:spPr>
+          <a:xfrm>
+            <a:off x="8047440" y="676691"/>
+            <a:ext cx="929520" cy="494060"/>
+          </a:xfrm>
+          <a:prstGeom prst="rect">
+            <a:avLst/>
+          </a:prstGeom>
+          <a:noFill/>
+          <a:ln w="15875">
+            <a:solidFill>
+              <a:schemeClr val="bg1">
+                <a:lumMod val="85000"/>
+              </a:schemeClr>
+            </a:solidFill>
+          </a:ln>
+        </p:spPr>
+        <p:style>
+          <a:lnRef idx="2">
+            <a:schemeClr val="accent1">
+              <a:shade val="50000"/>
+            </a:schemeClr>
+          </a:lnRef>
+          <a:fillRef idx="1">
+            <a:schemeClr val="accent1"/>
+          </a:fillRef>
+          <a:effectRef idx="0">
+            <a:schemeClr val="accent1"/>
+          </a:effectRef>
+          <a:fontRef idx="minor">
+            <a:schemeClr val="lt1"/>
+          </a:fontRef>
+        </p:style>
+        <p:txBody>
+          <a:bodyPr rtlCol="0" anchor="ctr"/>
+          <a:lstStyle/>
+          <a:p>
+            <a:pPr algn="ctr"/>
+            <a:r>
+              <a:rPr lang="de-DE" dirty="0">
+                <a:solidFill>
+                  <a:schemeClr val="bg1">
+                    <a:lumMod val="75000"/>
+                  </a:schemeClr>
+                </a:solidFill>
+                <a:latin typeface="Calibri" panose="020F0502020204030204" pitchFamily="34" charset="0"/>
+                <a:cs typeface="Calibri" panose="020F0502020204030204" pitchFamily="34" charset="0"/>
+              </a:rPr>
+              <a:t>10 Min</a:t>
+            </a:r>
+          </a:p>
+        </p:txBody>
+      </p:sp>
+    </p:spTree>
+    <p:extLst>
+      <p:ext uri="{BB962C8B-B14F-4D97-AF65-F5344CB8AC3E}">
+        <p14:creationId xmlns:p14="http://schemas.microsoft.com/office/powerpoint/2010/main" val="1275146043"/>
+      </p:ext>
+    </p:extLst>
+  </p:cSld>
+  <p:clrMapOvr>
+    <a:masterClrMapping/>
+  </p:clrMapOvr>
+  <p:timing>
+    <p:tnLst>
+      <p:par>
+        <p:cTn id="1" dur="indefinite" restart="never" nodeType="tmRoot">
+          <p:childTnLst>
+            <p:seq>
+              <p:cTn id="2" nodeType="mainSeq"/>
+              <p:prevCondLst>
+                <p:cond evt="onPrev" delay="0">
+                  <p:tgtEl>
+                    <p:sldTgt/>
+                  </p:tgtEl>
+                </p:cond>
+              </p:prevCondLst>
+              <p:nextCondLst>
+                <p:cond evt="onNext" delay="0">
+                  <p:tgtEl>
+                    <p:sldTgt/>
+                  </p:tgtEl>
+                </p:cond>
+              </p:nextCondLst>
+            </p:seq>
+          </p:childTnLst>
+        </p:cTn>
+      </p:par>
+    </p:tnLst>
+  </p:timing>
+</p:sld>
+</file>
+
+<file path=ppt/slides/slide35.xml><?xml version="1.0" encoding="utf-8"?>
+<p:sld xmlns:a="http://schemas.openxmlformats.org/drawingml/2006/main" xmlns:r="http://schemas.openxmlformats.org/officeDocument/2006/relationships" xmlns:p="http://schemas.openxmlformats.org/presentationml/2006/main">
+  <p:cSld>
+    <p:spTree>
+      <p:nvGrpSpPr>
+        <p:cNvPr id="1" name=""/>
+        <p:cNvGrpSpPr/>
+        <p:nvPr/>
+      </p:nvGrpSpPr>
+      <p:grpSpPr>
+        <a:xfrm>
+          <a:off x="0" y="0"/>
+          <a:ext cx="0" cy="0"/>
+          <a:chOff x="0" y="0"/>
+          <a:chExt cx="0" cy="0"/>
+        </a:xfrm>
+      </p:grpSpPr>
+      <p:sp>
+        <p:nvSpPr>
+          <p:cNvPr id="683" name="CustomShape 1"/>
+          <p:cNvSpPr/>
+          <p:nvPr/>
+        </p:nvSpPr>
+        <p:spPr>
+          <a:xfrm>
+            <a:off x="1375200" y="276480"/>
+            <a:ext cx="2894760" cy="263520"/>
+          </a:xfrm>
+          <a:prstGeom prst="rect">
+            <a:avLst/>
+          </a:prstGeom>
+          <a:noFill/>
+          <a:ln>
+            <a:noFill/>
+          </a:ln>
+        </p:spPr>
+        <p:style>
+          <a:lnRef idx="0">
+            <a:scrgbClr r="0" g="0" b="0"/>
+          </a:lnRef>
+          <a:fillRef idx="0">
+            <a:scrgbClr r="0" g="0" b="0"/>
+          </a:fillRef>
+          <a:effectRef idx="0">
+            <a:scrgbClr r="0" g="0" b="0"/>
+          </a:effectRef>
+          <a:fontRef idx="minor"/>
+        </p:style>
+        <p:txBody>
+          <a:bodyPr lIns="90000" tIns="45000" rIns="90000" bIns="45000" anchor="ctr"/>
+          <a:lstStyle/>
+          <a:p>
+            <a:pPr>
+              <a:lnSpc>
+                <a:spcPct val="100000"/>
+              </a:lnSpc>
+            </a:pPr>
+            <a:r>
+              <a:rPr lang="en-US" sz="1000" b="0" strike="noStrike" spc="-1">
+                <a:solidFill>
+                  <a:srgbClr val="BABABA"/>
+                </a:solidFill>
+                <a:uFill>
+                  <a:solidFill>
+                    <a:srgbClr val="FFFFFF"/>
+                  </a:solidFill>
+                </a:uFill>
+                <a:latin typeface="Calibri"/>
+              </a:rPr>
+              <a:t>Experts in agile software engineering</a:t>
+            </a:r>
+            <a:endParaRPr lang="en-US" sz="1800" b="0" strike="noStrike" spc="-1">
+              <a:solidFill>
+                <a:srgbClr val="000000"/>
+              </a:solidFill>
+              <a:uFill>
+                <a:solidFill>
+                  <a:srgbClr val="FFFFFF"/>
+                </a:solidFill>
+              </a:uFill>
+              <a:latin typeface="Arial"/>
+            </a:endParaRPr>
+          </a:p>
+        </p:txBody>
+      </p:sp>
+      <p:sp>
+        <p:nvSpPr>
+          <p:cNvPr id="684" name="CustomShape 2"/>
+          <p:cNvSpPr/>
+          <p:nvPr/>
+        </p:nvSpPr>
+        <p:spPr>
+          <a:xfrm>
+            <a:off x="457200" y="640080"/>
+            <a:ext cx="6666480" cy="783000"/>
+          </a:xfrm>
+          <a:prstGeom prst="rect">
+            <a:avLst/>
+          </a:prstGeom>
+          <a:noFill/>
+          <a:ln>
+            <a:noFill/>
+          </a:ln>
+        </p:spPr>
+        <p:style>
+          <a:lnRef idx="0">
+            <a:scrgbClr r="0" g="0" b="0"/>
+          </a:lnRef>
+          <a:fillRef idx="0">
+            <a:scrgbClr r="0" g="0" b="0"/>
+          </a:fillRef>
+          <a:effectRef idx="0">
+            <a:scrgbClr r="0" g="0" b="0"/>
+          </a:effectRef>
+          <a:fontRef idx="minor"/>
+        </p:style>
+        <p:txBody>
+          <a:bodyPr lIns="90000" tIns="45000" rIns="90000" bIns="45000" anchor="ctr"/>
+          <a:lstStyle/>
+          <a:p>
+            <a:r>
+              <a:rPr lang="en-US" sz="2400" spc="-1" dirty="0" err="1">
+                <a:solidFill>
+                  <a:srgbClr val="004C93"/>
+                </a:solidFill>
+                <a:uFill>
+                  <a:solidFill>
+                    <a:srgbClr val="FFFFFF"/>
+                  </a:solidFill>
+                </a:uFill>
+                <a:latin typeface="Calibri"/>
+              </a:rPr>
+              <a:t>AbstractTests</a:t>
+            </a:r>
+            <a:endParaRPr lang="en-US" sz="2400" spc="-1" dirty="0">
+              <a:solidFill>
+                <a:srgbClr val="000000"/>
+              </a:solidFill>
+              <a:uFill>
+                <a:solidFill>
+                  <a:srgbClr val="FFFFFF"/>
+                </a:solidFill>
+              </a:uFill>
+            </a:endParaRPr>
+          </a:p>
+        </p:txBody>
+      </p:sp>
+      <p:sp>
+        <p:nvSpPr>
+          <p:cNvPr id="686" name="CustomShape 4"/>
+          <p:cNvSpPr/>
+          <p:nvPr/>
+        </p:nvSpPr>
+        <p:spPr>
+          <a:xfrm>
+            <a:off x="8626680" y="180360"/>
+            <a:ext cx="350280" cy="155160"/>
+          </a:xfrm>
+          <a:prstGeom prst="rect">
+            <a:avLst/>
+          </a:prstGeom>
+          <a:noFill/>
+          <a:ln w="9360">
+            <a:noFill/>
+          </a:ln>
+        </p:spPr>
+        <p:style>
+          <a:lnRef idx="0">
+            <a:scrgbClr r="0" g="0" b="0"/>
+          </a:lnRef>
+          <a:fillRef idx="0">
+            <a:scrgbClr r="0" g="0" b="0"/>
+          </a:fillRef>
+          <a:effectRef idx="0">
+            <a:scrgbClr r="0" g="0" b="0"/>
+          </a:effectRef>
+          <a:fontRef idx="minor"/>
+        </p:style>
+        <p:txBody>
+          <a:bodyPr lIns="0" tIns="0" rIns="0" bIns="0"/>
+          <a:lstStyle/>
+          <a:p>
+            <a:pPr algn="ctr">
+              <a:lnSpc>
+                <a:spcPct val="100000"/>
+              </a:lnSpc>
+            </a:pPr>
+            <a:fld id="{6F82BE0B-28F8-4E8B-89B8-EFA9010AFB71}" type="slidenum">
+              <a:rPr lang="en-US" sz="1000" b="0" strike="noStrike" spc="-1">
+                <a:solidFill>
+                  <a:srgbClr val="51A025"/>
+                </a:solidFill>
+                <a:uFill>
+                  <a:solidFill>
+                    <a:srgbClr val="FFFFFF"/>
+                  </a:solidFill>
+                </a:uFill>
+                <a:latin typeface="Calibri"/>
+              </a:rPr>
+              <a:t>35</a:t>
+            </a:fld>
+            <a:endParaRPr lang="en-US" sz="1800" b="0" strike="noStrike" spc="-1">
+              <a:solidFill>
+                <a:srgbClr val="000000"/>
+              </a:solidFill>
+              <a:uFill>
+                <a:solidFill>
+                  <a:srgbClr val="FFFFFF"/>
+                </a:solidFill>
+              </a:uFill>
+              <a:latin typeface="Arial"/>
+            </a:endParaRPr>
+          </a:p>
+        </p:txBody>
+      </p:sp>
+      <p:sp>
+        <p:nvSpPr>
+          <p:cNvPr id="687" name="CustomShape 5"/>
+          <p:cNvSpPr/>
+          <p:nvPr/>
+        </p:nvSpPr>
+        <p:spPr>
+          <a:xfrm>
+            <a:off x="8047440" y="640800"/>
+            <a:ext cx="751320" cy="373680"/>
+          </a:xfrm>
+          <a:prstGeom prst="rect">
+            <a:avLst/>
+          </a:prstGeom>
+          <a:noFill/>
+          <a:ln>
+            <a:noFill/>
+          </a:ln>
+        </p:spPr>
+        <p:style>
+          <a:lnRef idx="0">
+            <a:scrgbClr r="0" g="0" b="0"/>
+          </a:lnRef>
+          <a:fillRef idx="0">
+            <a:scrgbClr r="0" g="0" b="0"/>
+          </a:fillRef>
+          <a:effectRef idx="0">
+            <a:scrgbClr r="0" g="0" b="0"/>
+          </a:effectRef>
+          <a:fontRef idx="minor"/>
+        </p:style>
+      </p:sp>
+      <p:sp>
+        <p:nvSpPr>
+          <p:cNvPr id="9" name="CustomShape 3">
+            <a:extLst>
+              <a:ext uri="{FF2B5EF4-FFF2-40B4-BE49-F238E27FC236}">
+                <a16:creationId xmlns:a16="http://schemas.microsoft.com/office/drawing/2014/main" id="{EA55C943-3A99-420F-AFAC-38FDA97383E7}"/>
+              </a:ext>
+            </a:extLst>
+          </p:cNvPr>
+          <p:cNvSpPr/>
+          <p:nvPr/>
+        </p:nvSpPr>
+        <p:spPr>
+          <a:xfrm>
+            <a:off x="457200" y="1523160"/>
+            <a:ext cx="8207280" cy="3210120"/>
+          </a:xfrm>
+          <a:prstGeom prst="rect">
+            <a:avLst/>
+          </a:prstGeom>
+          <a:noFill/>
+          <a:ln>
+            <a:noFill/>
+          </a:ln>
+        </p:spPr>
+        <p:style>
+          <a:lnRef idx="0">
+            <a:scrgbClr r="0" g="0" b="0"/>
+          </a:lnRef>
+          <a:fillRef idx="0">
+            <a:scrgbClr r="0" g="0" b="0"/>
+          </a:fillRef>
+          <a:effectRef idx="0">
+            <a:scrgbClr r="0" g="0" b="0"/>
+          </a:effectRef>
+          <a:fontRef idx="minor"/>
+        </p:style>
+        <p:txBody>
+          <a:bodyPr lIns="90000" tIns="45000" rIns="90000" bIns="45000"/>
+          <a:lstStyle/>
+          <a:p>
+            <a:pPr marL="720">
+              <a:lnSpc>
+                <a:spcPct val="100000"/>
+              </a:lnSpc>
+              <a:buClr>
+                <a:srgbClr val="51A025"/>
+              </a:buClr>
+            </a:pPr>
+            <a:r>
+              <a:rPr lang="en-US" b="0" strike="noStrike" spc="-1" dirty="0" err="1">
+                <a:solidFill>
+                  <a:srgbClr val="292929"/>
+                </a:solidFill>
+                <a:uFill>
+                  <a:solidFill>
+                    <a:srgbClr val="FFFFFF"/>
+                  </a:solidFill>
+                </a:uFill>
+                <a:latin typeface="Calibri" panose="020F0502020204030204" pitchFamily="34" charset="0"/>
+                <a:cs typeface="Calibri" panose="020F0502020204030204" pitchFamily="34" charset="0"/>
+              </a:rPr>
+              <a:t>Lösung</a:t>
+            </a:r>
+            <a:r>
+              <a:rPr lang="en-US" b="0" strike="noStrike" spc="-1" dirty="0">
+                <a:solidFill>
+                  <a:srgbClr val="292929"/>
+                </a:solidFill>
+                <a:uFill>
+                  <a:solidFill>
+                    <a:srgbClr val="FFFFFF"/>
+                  </a:solidFill>
+                </a:uFill>
+                <a:latin typeface="Calibri" panose="020F0502020204030204" pitchFamily="34" charset="0"/>
+                <a:cs typeface="Calibri" panose="020F0502020204030204" pitchFamily="34" charset="0"/>
+              </a:rPr>
+              <a:t>:</a:t>
+            </a:r>
+          </a:p>
+          <a:p>
+            <a:pPr marL="720">
+              <a:lnSpc>
+                <a:spcPct val="100000"/>
+              </a:lnSpc>
+              <a:buClr>
+                <a:srgbClr val="51A025"/>
+              </a:buClr>
+            </a:pPr>
+            <a:endParaRPr lang="en-US" b="0" strike="noStrike" spc="-1" dirty="0">
+              <a:solidFill>
+                <a:srgbClr val="292929"/>
+              </a:solidFill>
+              <a:uFill>
+                <a:solidFill>
+                  <a:srgbClr val="FFFFFF"/>
+                </a:solidFill>
+              </a:uFill>
+              <a:latin typeface="+mj-lt"/>
+            </a:endParaRPr>
+          </a:p>
+        </p:txBody>
+      </p:sp>
+    </p:spTree>
+    <p:extLst>
+      <p:ext uri="{BB962C8B-B14F-4D97-AF65-F5344CB8AC3E}">
+        <p14:creationId xmlns:p14="http://schemas.microsoft.com/office/powerpoint/2010/main" val="2320777524"/>
+      </p:ext>
+    </p:extLst>
+  </p:cSld>
+  <p:clrMapOvr>
+    <a:masterClrMapping/>
+  </p:clrMapOvr>
+  <p:timing>
+    <p:tnLst>
+      <p:par>
+        <p:cTn id="1" dur="indefinite" restart="never" nodeType="tmRoot">
+          <p:childTnLst>
+            <p:seq>
+              <p:cTn id="2" nodeType="mainSeq"/>
+              <p:prevCondLst>
+                <p:cond evt="onPrev" delay="0">
+                  <p:tgtEl>
+                    <p:sldTgt/>
+                  </p:tgtEl>
+                </p:cond>
+              </p:prevCondLst>
+              <p:nextCondLst>
+                <p:cond evt="onNext" delay="0">
+                  <p:tgtEl>
+                    <p:sldTgt/>
+                  </p:tgtEl>
+                </p:cond>
+              </p:nextCondLst>
+            </p:seq>
+          </p:childTnLst>
+        </p:cTn>
+      </p:par>
+    </p:tnLst>
+  </p:timing>
+</p:sld>
+</file>
+
+<file path=ppt/slides/slide36.xml><?xml version="1.0" encoding="utf-8"?>
+<p:sld xmlns:a="http://schemas.openxmlformats.org/drawingml/2006/main" xmlns:r="http://schemas.openxmlformats.org/officeDocument/2006/relationships" xmlns:p="http://schemas.openxmlformats.org/presentationml/2006/main">
+  <p:cSld>
+    <p:spTree>
+      <p:nvGrpSpPr>
+        <p:cNvPr id="1" name=""/>
+        <p:cNvGrpSpPr/>
+        <p:nvPr/>
+      </p:nvGrpSpPr>
+      <p:grpSpPr>
+        <a:xfrm>
+          <a:off x="0" y="0"/>
+          <a:ext cx="0" cy="0"/>
+          <a:chOff x="0" y="0"/>
+          <a:chExt cx="0" cy="0"/>
+        </a:xfrm>
+      </p:grpSpPr>
+      <p:sp>
+        <p:nvSpPr>
+          <p:cNvPr id="667" name="CustomShape 1"/>
+          <p:cNvSpPr/>
+          <p:nvPr/>
+        </p:nvSpPr>
+        <p:spPr>
+          <a:xfrm>
+            <a:off x="1375200" y="276480"/>
+            <a:ext cx="2894760" cy="263520"/>
+          </a:xfrm>
+          <a:prstGeom prst="rect">
+            <a:avLst/>
+          </a:prstGeom>
+          <a:noFill/>
+          <a:ln>
+            <a:noFill/>
+          </a:ln>
+        </p:spPr>
+        <p:style>
+          <a:lnRef idx="0">
+            <a:scrgbClr r="0" g="0" b="0"/>
+          </a:lnRef>
+          <a:fillRef idx="0">
+            <a:scrgbClr r="0" g="0" b="0"/>
+          </a:fillRef>
+          <a:effectRef idx="0">
+            <a:scrgbClr r="0" g="0" b="0"/>
+          </a:effectRef>
+          <a:fontRef idx="minor"/>
+        </p:style>
+        <p:txBody>
+          <a:bodyPr lIns="90000" tIns="45000" rIns="90000" bIns="45000" anchor="ctr"/>
+          <a:lstStyle/>
+          <a:p>
+            <a:pPr>
+              <a:lnSpc>
+                <a:spcPct val="100000"/>
+              </a:lnSpc>
+            </a:pPr>
+            <a:r>
+              <a:rPr lang="en-US" sz="1000" b="0" strike="noStrike" spc="-1">
+                <a:solidFill>
+                  <a:srgbClr val="BABABA"/>
+                </a:solidFill>
+                <a:uFill>
+                  <a:solidFill>
+                    <a:srgbClr val="FFFFFF"/>
+                  </a:solidFill>
+                </a:uFill>
+                <a:latin typeface="Calibri"/>
+              </a:rPr>
+              <a:t>Experts in agile software engineering</a:t>
+            </a:r>
+            <a:endParaRPr lang="en-US" sz="1800" b="0" strike="noStrike" spc="-1">
+              <a:solidFill>
+                <a:srgbClr val="000000"/>
+              </a:solidFill>
+              <a:uFill>
+                <a:solidFill>
+                  <a:srgbClr val="FFFFFF"/>
+                </a:solidFill>
+              </a:uFill>
+              <a:latin typeface="Arial"/>
+            </a:endParaRPr>
+          </a:p>
+        </p:txBody>
+      </p:sp>
+      <p:sp>
+        <p:nvSpPr>
+          <p:cNvPr id="668" name="CustomShape 2"/>
+          <p:cNvSpPr/>
+          <p:nvPr/>
+        </p:nvSpPr>
+        <p:spPr>
+          <a:xfrm>
+            <a:off x="1004505" y="2180250"/>
+            <a:ext cx="6666480" cy="783000"/>
+          </a:xfrm>
+          <a:prstGeom prst="rect">
+            <a:avLst/>
+          </a:prstGeom>
+          <a:noFill/>
+          <a:ln>
+            <a:noFill/>
+          </a:ln>
+        </p:spPr>
+        <p:style>
+          <a:lnRef idx="0">
+            <a:scrgbClr r="0" g="0" b="0"/>
+          </a:lnRef>
+          <a:fillRef idx="0">
+            <a:scrgbClr r="0" g="0" b="0"/>
+          </a:fillRef>
+          <a:effectRef idx="0">
+            <a:scrgbClr r="0" g="0" b="0"/>
+          </a:effectRef>
+          <a:fontRef idx="minor"/>
+        </p:style>
+        <p:txBody>
+          <a:bodyPr lIns="90000" tIns="45000" rIns="90000" bIns="45000" anchor="ctr"/>
+          <a:lstStyle/>
+          <a:p>
+            <a:pPr>
+              <a:lnSpc>
+                <a:spcPct val="100000"/>
+              </a:lnSpc>
+            </a:pPr>
+            <a:r>
+              <a:rPr lang="en-US" sz="2400" b="0" strike="noStrike" spc="-1" dirty="0" err="1">
+                <a:solidFill>
+                  <a:srgbClr val="004C93"/>
+                </a:solidFill>
+                <a:uFill>
+                  <a:solidFill>
+                    <a:srgbClr val="FFFFFF"/>
+                  </a:solidFill>
+                </a:uFill>
+                <a:latin typeface="Calibri"/>
+              </a:rPr>
+              <a:t>Viele</a:t>
+            </a:r>
+            <a:r>
+              <a:rPr lang="en-US" sz="2400" spc="-1" dirty="0" err="1">
+                <a:solidFill>
+                  <a:srgbClr val="004C93"/>
+                </a:solidFill>
+                <a:uFill>
+                  <a:solidFill>
+                    <a:srgbClr val="FFFFFF"/>
+                  </a:solidFill>
+                </a:uFill>
+                <a:latin typeface="Calibri"/>
+              </a:rPr>
+              <a:t>n</a:t>
+            </a:r>
+            <a:r>
+              <a:rPr lang="en-US" sz="2400" spc="-1" dirty="0">
+                <a:solidFill>
+                  <a:srgbClr val="004C93"/>
+                </a:solidFill>
+                <a:uFill>
+                  <a:solidFill>
+                    <a:srgbClr val="FFFFFF"/>
+                  </a:solidFill>
+                </a:uFill>
+                <a:latin typeface="Calibri"/>
+              </a:rPr>
+              <a:t> Dank </a:t>
+            </a:r>
+            <a:r>
+              <a:rPr lang="en-US" sz="2400" spc="-1" dirty="0" err="1">
+                <a:solidFill>
+                  <a:srgbClr val="004C93"/>
+                </a:solidFill>
+                <a:uFill>
+                  <a:solidFill>
+                    <a:srgbClr val="FFFFFF"/>
+                  </a:solidFill>
+                </a:uFill>
+                <a:latin typeface="Calibri"/>
+              </a:rPr>
+              <a:t>für</a:t>
+            </a:r>
+            <a:r>
+              <a:rPr lang="en-US" sz="2400" spc="-1" dirty="0">
+                <a:solidFill>
+                  <a:srgbClr val="004C93"/>
+                </a:solidFill>
+                <a:uFill>
+                  <a:solidFill>
+                    <a:srgbClr val="FFFFFF"/>
+                  </a:solidFill>
+                </a:uFill>
+                <a:latin typeface="Calibri"/>
+              </a:rPr>
+              <a:t> </a:t>
+            </a:r>
+            <a:r>
+              <a:rPr lang="en-US" sz="2400" spc="-1" dirty="0" err="1">
+                <a:solidFill>
+                  <a:srgbClr val="004C93"/>
+                </a:solidFill>
+                <a:uFill>
+                  <a:solidFill>
+                    <a:srgbClr val="FFFFFF"/>
+                  </a:solidFill>
+                </a:uFill>
+                <a:latin typeface="Calibri"/>
+              </a:rPr>
+              <a:t>Alles</a:t>
+            </a:r>
+            <a:r>
+              <a:rPr lang="en-US" sz="2400" spc="-1" dirty="0">
+                <a:solidFill>
+                  <a:srgbClr val="004C93"/>
+                </a:solidFill>
+                <a:uFill>
+                  <a:solidFill>
+                    <a:srgbClr val="FFFFFF"/>
+                  </a:solidFill>
+                </a:uFill>
+                <a:latin typeface="Calibri"/>
+              </a:rPr>
+              <a:t>!</a:t>
+            </a:r>
+            <a:endParaRPr lang="en-US" sz="1800" b="0" strike="noStrike" spc="-1" dirty="0">
+              <a:solidFill>
+                <a:srgbClr val="000000"/>
+              </a:solidFill>
+              <a:uFill>
+                <a:solidFill>
+                  <a:srgbClr val="FFFFFF"/>
+                </a:solidFill>
+              </a:uFill>
+              <a:latin typeface="Arial"/>
+            </a:endParaRPr>
+          </a:p>
+        </p:txBody>
+      </p:sp>
+      <p:sp>
+        <p:nvSpPr>
+          <p:cNvPr id="670" name="CustomShape 4"/>
+          <p:cNvSpPr/>
+          <p:nvPr/>
+        </p:nvSpPr>
+        <p:spPr>
+          <a:xfrm>
+            <a:off x="8626680" y="180360"/>
+            <a:ext cx="350280" cy="155160"/>
+          </a:xfrm>
+          <a:prstGeom prst="rect">
+            <a:avLst/>
+          </a:prstGeom>
+          <a:noFill/>
+          <a:ln w="9360">
+            <a:noFill/>
+          </a:ln>
+        </p:spPr>
+        <p:style>
+          <a:lnRef idx="0">
+            <a:scrgbClr r="0" g="0" b="0"/>
+          </a:lnRef>
+          <a:fillRef idx="0">
+            <a:scrgbClr r="0" g="0" b="0"/>
+          </a:fillRef>
+          <a:effectRef idx="0">
+            <a:scrgbClr r="0" g="0" b="0"/>
+          </a:effectRef>
+          <a:fontRef idx="minor"/>
+        </p:style>
+        <p:txBody>
+          <a:bodyPr lIns="0" tIns="0" rIns="0" bIns="0"/>
+          <a:lstStyle/>
+          <a:p>
+            <a:pPr algn="ctr">
+              <a:lnSpc>
+                <a:spcPct val="100000"/>
+              </a:lnSpc>
+            </a:pPr>
+            <a:fld id="{F44BF771-09CA-44DA-BA0C-EC56BE8EFD37}" type="slidenum">
+              <a:rPr lang="en-US" sz="1000" b="0" strike="noStrike" spc="-1">
+                <a:solidFill>
+                  <a:srgbClr val="51A025"/>
+                </a:solidFill>
+                <a:uFill>
+                  <a:solidFill>
+                    <a:srgbClr val="FFFFFF"/>
+                  </a:solidFill>
+                </a:uFill>
+                <a:latin typeface="Calibri"/>
+              </a:rPr>
+              <a:t>36</a:t>
             </a:fld>
             <a:endParaRPr lang="en-US" sz="1800" b="0" strike="noStrike" spc="-1">
               <a:solidFill>

--- a/files/Folien.pptx
+++ b/files/Folien.pptx
@@ -38,15 +38,14 @@
     <p:sldId id="262" r:id="rId32"/>
     <p:sldId id="282" r:id="rId33"/>
     <p:sldId id="283" r:id="rId34"/>
-    <p:sldId id="302" r:id="rId35"/>
-    <p:sldId id="273" r:id="rId36"/>
-    <p:sldId id="303" r:id="rId37"/>
-    <p:sldId id="295" r:id="rId38"/>
-    <p:sldId id="296" r:id="rId39"/>
-    <p:sldId id="299" r:id="rId40"/>
-    <p:sldId id="297" r:id="rId41"/>
-    <p:sldId id="298" r:id="rId42"/>
-    <p:sldId id="275" r:id="rId43"/>
+    <p:sldId id="273" r:id="rId35"/>
+    <p:sldId id="303" r:id="rId36"/>
+    <p:sldId id="295" r:id="rId37"/>
+    <p:sldId id="296" r:id="rId38"/>
+    <p:sldId id="299" r:id="rId39"/>
+    <p:sldId id="297" r:id="rId40"/>
+    <p:sldId id="298" r:id="rId41"/>
+    <p:sldId id="275" r:id="rId42"/>
   </p:sldIdLst>
   <p:sldSz cx="9144000" cy="5143500" type="screen16x9"/>
   <p:notesSz cx="7559675" cy="10691813"/>
@@ -19735,27 +19734,6 @@
             </a:endParaRPr>
           </a:p>
           <a:p>
-            <a:pPr marL="720">
-              <a:lnSpc>
-                <a:spcPct val="100000"/>
-              </a:lnSpc>
-              <a:buClr>
-                <a:srgbClr val="51A025"/>
-              </a:buClr>
-            </a:pPr>
-            <a:endParaRPr lang="en-US" sz="900" b="0" strike="noStrike" spc="-1" dirty="0">
-              <a:solidFill>
-                <a:srgbClr val="292929"/>
-              </a:solidFill>
-              <a:uFill>
-                <a:solidFill>
-                  <a:srgbClr val="FFFFFF"/>
-                </a:solidFill>
-              </a:uFill>
-              <a:latin typeface="Calibri"/>
-            </a:endParaRPr>
-          </a:p>
-          <a:p>
             <a:pPr marL="285840" indent="-285120">
               <a:lnSpc>
                 <a:spcPct val="100000"/>
@@ -19766,6 +19744,50 @@
               <a:buFont typeface="Arial"/>
               <a:buChar char="•"/>
             </a:pPr>
+            <a:endParaRPr lang="en-US" sz="500" b="0" strike="noStrike" spc="-1" dirty="0">
+              <a:solidFill>
+                <a:srgbClr val="292929"/>
+              </a:solidFill>
+              <a:uFill>
+                <a:solidFill>
+                  <a:srgbClr val="FFFFFF"/>
+                </a:solidFill>
+              </a:uFill>
+              <a:latin typeface="Calibri"/>
+            </a:endParaRPr>
+          </a:p>
+          <a:p>
+            <a:pPr marL="720">
+              <a:lnSpc>
+                <a:spcPct val="100000"/>
+              </a:lnSpc>
+              <a:buClr>
+                <a:srgbClr val="51A025"/>
+              </a:buClr>
+            </a:pPr>
+            <a:endParaRPr lang="en-US" sz="900" b="0" strike="noStrike" spc="-1" dirty="0">
+              <a:solidFill>
+                <a:srgbClr val="292929"/>
+              </a:solidFill>
+              <a:uFill>
+                <a:solidFill>
+                  <a:srgbClr val="FFFFFF"/>
+                </a:solidFill>
+              </a:uFill>
+              <a:latin typeface="Calibri"/>
+            </a:endParaRPr>
+          </a:p>
+          <a:p>
+            <a:pPr marL="285840" indent="-285120">
+              <a:lnSpc>
+                <a:spcPct val="100000"/>
+              </a:lnSpc>
+              <a:buClr>
+                <a:srgbClr val="51A025"/>
+              </a:buClr>
+              <a:buFont typeface="Arial"/>
+              <a:buChar char="•"/>
+            </a:pPr>
             <a:r>
               <a:rPr lang="en-US" sz="1800" b="0" strike="noStrike" spc="-1" dirty="0" err="1">
                 <a:solidFill>
@@ -19795,6 +19817,46 @@
                 <a:cs typeface="Calibri" panose="020F0502020204030204" pitchFamily="34" charset="0"/>
               </a:rPr>
               <a:t>: </a:t>
+            </a:r>
+          </a:p>
+          <a:p>
+            <a:pPr marL="720">
+              <a:lnSpc>
+                <a:spcPct val="100000"/>
+              </a:lnSpc>
+              <a:buClr>
+                <a:srgbClr val="51A025"/>
+              </a:buClr>
+            </a:pPr>
+            <a:r>
+              <a:rPr lang="en-US" sz="1800" b="0" strike="noStrike" spc="-1" dirty="0">
+                <a:solidFill>
+                  <a:srgbClr val="000000"/>
+                </a:solidFill>
+                <a:uFill>
+                  <a:solidFill>
+                    <a:srgbClr val="FFFFFF"/>
+                  </a:solidFill>
+                </a:uFill>
+                <a:latin typeface="Calibri" panose="020F0502020204030204" pitchFamily="34" charset="0"/>
+                <a:cs typeface="Calibri" panose="020F0502020204030204" pitchFamily="34" charset="0"/>
+              </a:rPr>
+              <a:t>     </a:t>
+            </a:r>
+            <a:r>
+              <a:rPr lang="en-US" sz="500" b="0" strike="noStrike" spc="-1" dirty="0">
+                <a:solidFill>
+                  <a:srgbClr val="000000"/>
+                </a:solidFill>
+                <a:uFill>
+                  <a:solidFill>
+                    <a:srgbClr val="FFFFFF"/>
+                  </a:solidFill>
+                </a:uFill>
+                <a:latin typeface="Calibri" panose="020F0502020204030204" pitchFamily="34" charset="0"/>
+                <a:cs typeface="Calibri" panose="020F0502020204030204" pitchFamily="34" charset="0"/>
+              </a:rPr>
+              <a:t> </a:t>
             </a:r>
             <a:r>
               <a:rPr lang="en-US" sz="1800" b="0" strike="noStrike" spc="-1" dirty="0" err="1">
@@ -19953,7 +20015,7 @@
         </p:nvSpPr>
         <p:spPr>
           <a:xfrm>
-            <a:off x="852219" y="2571750"/>
+            <a:off x="1866011" y="2368777"/>
             <a:ext cx="4567435" cy="672034"/>
           </a:xfrm>
           <a:prstGeom prst="rect">
@@ -20130,7 +20192,7 @@
         </p:nvSpPr>
         <p:spPr>
           <a:xfrm>
-            <a:off x="852220" y="3583151"/>
+            <a:off x="1866011" y="3379571"/>
             <a:ext cx="4567434" cy="1215780"/>
           </a:xfrm>
           <a:prstGeom prst="rect">
@@ -20849,6 +20911,16 @@
               </a:rPr>
               <a:t> der Tests):</a:t>
             </a:r>
+          </a:p>
+          <a:p>
+            <a:pPr marL="720">
+              <a:lnSpc>
+                <a:spcPct val="100000"/>
+              </a:lnSpc>
+              <a:buClr>
+                <a:srgbClr val="51A025"/>
+              </a:buClr>
+            </a:pPr>
             <a:endParaRPr lang="en-US" b="0" strike="noStrike" spc="-1" dirty="0">
               <a:solidFill>
                 <a:srgbClr val="000000"/>
@@ -33671,6 +33743,49 @@
               </a:rPr>
               <a:t>}</a:t>
             </a:r>
+          </a:p>
+          <a:p>
+            <a:pPr>
+              <a:lnSpc>
+                <a:spcPct val="100000"/>
+              </a:lnSpc>
+            </a:pPr>
+            <a:endParaRPr lang="en-US" sz="1200" spc="-1" dirty="0">
+              <a:solidFill>
+                <a:srgbClr val="292929"/>
+              </a:solidFill>
+              <a:uFill>
+                <a:solidFill>
+                  <a:srgbClr val="FFFFFF"/>
+                </a:solidFill>
+              </a:uFill>
+              <a:latin typeface="Calibri"/>
+            </a:endParaRPr>
+          </a:p>
+          <a:p>
+            <a:pPr>
+              <a:lnSpc>
+                <a:spcPct val="100000"/>
+              </a:lnSpc>
+            </a:pPr>
+            <a:endParaRPr lang="en-US" sz="500" spc="-1" dirty="0">
+              <a:solidFill>
+                <a:srgbClr val="292929"/>
+              </a:solidFill>
+              <a:uFill>
+                <a:solidFill>
+                  <a:srgbClr val="FFFFFF"/>
+                </a:solidFill>
+              </a:uFill>
+              <a:latin typeface="Calibri"/>
+            </a:endParaRPr>
+          </a:p>
+          <a:p>
+            <a:pPr>
+              <a:lnSpc>
+                <a:spcPct val="100000"/>
+              </a:lnSpc>
+            </a:pPr>
             <a:endParaRPr lang="en-US" sz="1200" spc="-1" dirty="0">
               <a:solidFill>
                 <a:srgbClr val="000000"/>
@@ -34757,566 +34872,1361 @@
       </p:grpSpPr>
       <p:sp>
         <p:nvSpPr>
-          <p:cNvPr id="2" name="Titel 1">
-            <a:extLst>
-              <a:ext uri="{FF2B5EF4-FFF2-40B4-BE49-F238E27FC236}">
-                <a16:creationId xmlns:a16="http://schemas.microsoft.com/office/drawing/2014/main" id="{D32F0D6D-C809-44A1-8CF6-CD0B75F4D683}"/>
-              </a:ext>
-            </a:extLst>
-          </p:cNvPr>
-          <p:cNvSpPr>
-            <a:spLocks noGrp="1"/>
-          </p:cNvSpPr>
-          <p:nvPr>
-            <p:ph type="title"/>
-          </p:nvPr>
+          <p:cNvPr id="667" name="CustomShape 1"/>
+          <p:cNvSpPr/>
+          <p:nvPr/>
         </p:nvSpPr>
-        <p:spPr/>
+        <p:spPr>
+          <a:xfrm>
+            <a:off x="1375200" y="276480"/>
+            <a:ext cx="2894760" cy="263520"/>
+          </a:xfrm>
+          <a:prstGeom prst="rect">
+            <a:avLst/>
+          </a:prstGeom>
+          <a:noFill/>
+          <a:ln>
+            <a:noFill/>
+          </a:ln>
+        </p:spPr>
+        <p:style>
+          <a:lnRef idx="0">
+            <a:scrgbClr r="0" g="0" b="0"/>
+          </a:lnRef>
+          <a:fillRef idx="0">
+            <a:scrgbClr r="0" g="0" b="0"/>
+          </a:fillRef>
+          <a:effectRef idx="0">
+            <a:scrgbClr r="0" g="0" b="0"/>
+          </a:effectRef>
+          <a:fontRef idx="minor"/>
+        </p:style>
         <p:txBody>
-          <a:bodyPr/>
+          <a:bodyPr lIns="90000" tIns="45000" rIns="90000" bIns="45000" anchor="ctr"/>
           <a:lstStyle/>
           <a:p>
-            <a:endParaRPr lang="de-DE" dirty="0"/>
+            <a:pPr>
+              <a:lnSpc>
+                <a:spcPct val="100000"/>
+              </a:lnSpc>
+            </a:pPr>
+            <a:r>
+              <a:rPr lang="en-US" sz="1000" b="0" strike="noStrike" spc="-1">
+                <a:solidFill>
+                  <a:srgbClr val="BABABA"/>
+                </a:solidFill>
+                <a:uFill>
+                  <a:solidFill>
+                    <a:srgbClr val="FFFFFF"/>
+                  </a:solidFill>
+                </a:uFill>
+                <a:latin typeface="Calibri"/>
+              </a:rPr>
+              <a:t>Experts in agile software engineering</a:t>
+            </a:r>
+            <a:endParaRPr lang="en-US" sz="1800" b="0" strike="noStrike" spc="-1">
+              <a:solidFill>
+                <a:srgbClr val="000000"/>
+              </a:solidFill>
+              <a:uFill>
+                <a:solidFill>
+                  <a:srgbClr val="FFFFFF"/>
+                </a:solidFill>
+              </a:uFill>
+              <a:latin typeface="Arial"/>
+            </a:endParaRPr>
           </a:p>
         </p:txBody>
       </p:sp>
       <p:sp>
         <p:nvSpPr>
-          <p:cNvPr id="3" name="Textplatzhalter 2">
+          <p:cNvPr id="668" name="CustomShape 2"/>
+          <p:cNvSpPr/>
+          <p:nvPr/>
+        </p:nvSpPr>
+        <p:spPr>
+          <a:xfrm>
+            <a:off x="457200" y="640080"/>
+            <a:ext cx="6666480" cy="783000"/>
+          </a:xfrm>
+          <a:prstGeom prst="rect">
+            <a:avLst/>
+          </a:prstGeom>
+          <a:noFill/>
+          <a:ln>
+            <a:noFill/>
+          </a:ln>
+        </p:spPr>
+        <p:style>
+          <a:lnRef idx="0">
+            <a:scrgbClr r="0" g="0" b="0"/>
+          </a:lnRef>
+          <a:fillRef idx="0">
+            <a:scrgbClr r="0" g="0" b="0"/>
+          </a:fillRef>
+          <a:effectRef idx="0">
+            <a:scrgbClr r="0" g="0" b="0"/>
+          </a:effectRef>
+          <a:fontRef idx="minor"/>
+        </p:style>
+        <p:txBody>
+          <a:bodyPr lIns="90000" tIns="45000" rIns="90000" bIns="45000" anchor="ctr"/>
+          <a:lstStyle/>
+          <a:p>
+            <a:pPr>
+              <a:lnSpc>
+                <a:spcPct val="100000"/>
+              </a:lnSpc>
+            </a:pPr>
+            <a:r>
+              <a:rPr lang="en-US" sz="2400" b="0" strike="noStrike" spc="-1" dirty="0">
+                <a:solidFill>
+                  <a:srgbClr val="004C93"/>
+                </a:solidFill>
+                <a:uFill>
+                  <a:solidFill>
+                    <a:srgbClr val="FFFFFF"/>
+                  </a:solidFill>
+                </a:uFill>
+                <a:latin typeface="Calibri"/>
+              </a:rPr>
+              <a:t>Test Suites</a:t>
+            </a:r>
+            <a:endParaRPr lang="en-US" sz="1800" b="0" strike="noStrike" spc="-1" dirty="0">
+              <a:solidFill>
+                <a:srgbClr val="000000"/>
+              </a:solidFill>
+              <a:uFill>
+                <a:solidFill>
+                  <a:srgbClr val="FFFFFF"/>
+                </a:solidFill>
+              </a:uFill>
+              <a:latin typeface="Arial"/>
+            </a:endParaRPr>
+          </a:p>
+        </p:txBody>
+      </p:sp>
+      <p:sp>
+        <p:nvSpPr>
+          <p:cNvPr id="670" name="CustomShape 4"/>
+          <p:cNvSpPr/>
+          <p:nvPr/>
+        </p:nvSpPr>
+        <p:spPr>
+          <a:xfrm>
+            <a:off x="8626680" y="180360"/>
+            <a:ext cx="350280" cy="155160"/>
+          </a:xfrm>
+          <a:prstGeom prst="rect">
+            <a:avLst/>
+          </a:prstGeom>
+          <a:noFill/>
+          <a:ln w="9360">
+            <a:noFill/>
+          </a:ln>
+        </p:spPr>
+        <p:style>
+          <a:lnRef idx="0">
+            <a:scrgbClr r="0" g="0" b="0"/>
+          </a:lnRef>
+          <a:fillRef idx="0">
+            <a:scrgbClr r="0" g="0" b="0"/>
+          </a:fillRef>
+          <a:effectRef idx="0">
+            <a:scrgbClr r="0" g="0" b="0"/>
+          </a:effectRef>
+          <a:fontRef idx="minor"/>
+        </p:style>
+        <p:txBody>
+          <a:bodyPr lIns="0" tIns="0" rIns="0" bIns="0"/>
+          <a:lstStyle/>
+          <a:p>
+            <a:pPr algn="ctr">
+              <a:lnSpc>
+                <a:spcPct val="100000"/>
+              </a:lnSpc>
+            </a:pPr>
+            <a:fld id="{F44BF771-09CA-44DA-BA0C-EC56BE8EFD37}" type="slidenum">
+              <a:rPr lang="en-US" sz="1000" b="0" strike="noStrike" spc="-1">
+                <a:solidFill>
+                  <a:srgbClr val="51A025"/>
+                </a:solidFill>
+                <a:uFill>
+                  <a:solidFill>
+                    <a:srgbClr val="FFFFFF"/>
+                  </a:solidFill>
+                </a:uFill>
+                <a:latin typeface="Calibri"/>
+              </a:rPr>
+              <a:t>28</a:t>
+            </a:fld>
+            <a:endParaRPr lang="en-US" sz="1800" b="0" strike="noStrike" spc="-1">
+              <a:solidFill>
+                <a:srgbClr val="000000"/>
+              </a:solidFill>
+              <a:uFill>
+                <a:solidFill>
+                  <a:srgbClr val="FFFFFF"/>
+                </a:solidFill>
+              </a:uFill>
+              <a:latin typeface="Arial"/>
+            </a:endParaRPr>
+          </a:p>
+        </p:txBody>
+      </p:sp>
+      <p:sp>
+        <p:nvSpPr>
+          <p:cNvPr id="671" name="CustomShape 5"/>
+          <p:cNvSpPr/>
+          <p:nvPr/>
+        </p:nvSpPr>
+        <p:spPr>
+          <a:xfrm>
+            <a:off x="8047440" y="640800"/>
+            <a:ext cx="751320" cy="373680"/>
+          </a:xfrm>
+          <a:prstGeom prst="rect">
+            <a:avLst/>
+          </a:prstGeom>
+          <a:noFill/>
+          <a:ln>
+            <a:noFill/>
+          </a:ln>
+        </p:spPr>
+        <p:style>
+          <a:lnRef idx="0">
+            <a:scrgbClr r="0" g="0" b="0"/>
+          </a:lnRef>
+          <a:fillRef idx="0">
+            <a:scrgbClr r="0" g="0" b="0"/>
+          </a:fillRef>
+          <a:effectRef idx="0">
+            <a:scrgbClr r="0" g="0" b="0"/>
+          </a:effectRef>
+          <a:fontRef idx="minor"/>
+        </p:style>
+      </p:sp>
+      <p:sp>
+        <p:nvSpPr>
+          <p:cNvPr id="8" name="CustomShape 3">
             <a:extLst>
               <a:ext uri="{FF2B5EF4-FFF2-40B4-BE49-F238E27FC236}">
-                <a16:creationId xmlns:a16="http://schemas.microsoft.com/office/drawing/2014/main" id="{3260CCF7-8744-4DD4-A874-BCB0A11C6EE8}"/>
+                <a16:creationId xmlns:a16="http://schemas.microsoft.com/office/drawing/2014/main" id="{4FF9EFF3-9CA1-4F4B-A867-631F30B5AD0B}"/>
               </a:ext>
             </a:extLst>
           </p:cNvPr>
-          <p:cNvSpPr>
-            <a:spLocks noGrp="1"/>
-          </p:cNvSpPr>
-          <p:nvPr>
-            <p:ph type="body"/>
-          </p:nvPr>
+          <p:cNvSpPr/>
+          <p:nvPr/>
         </p:nvSpPr>
-        <p:spPr/>
+        <p:spPr>
+          <a:xfrm>
+            <a:off x="457199" y="1483200"/>
+            <a:ext cx="8112797" cy="3239280"/>
+          </a:xfrm>
+          <a:prstGeom prst="rect">
+            <a:avLst/>
+          </a:prstGeom>
+          <a:noFill/>
+          <a:ln>
+            <a:noFill/>
+          </a:ln>
+        </p:spPr>
+        <p:style>
+          <a:lnRef idx="0">
+            <a:scrgbClr r="0" g="0" b="0"/>
+          </a:lnRef>
+          <a:fillRef idx="0">
+            <a:scrgbClr r="0" g="0" b="0"/>
+          </a:fillRef>
+          <a:effectRef idx="0">
+            <a:scrgbClr r="0" g="0" b="0"/>
+          </a:effectRef>
+          <a:fontRef idx="minor"/>
+        </p:style>
         <p:txBody>
-          <a:bodyPr/>
+          <a:bodyPr lIns="90000" tIns="45000" rIns="90000" bIns="45000"/>
           <a:lstStyle/>
           <a:p>
-            <a:endParaRPr lang="de-DE" sz="900" dirty="0"/>
-          </a:p>
-          <a:p>
-            <a:endParaRPr lang="de-DE" sz="900" dirty="0"/>
-          </a:p>
-          <a:p>
-            <a:r>
-              <a:rPr lang="de-DE" sz="900" u="sng" dirty="0"/>
-              <a:t>Dann </a:t>
-            </a:r>
-            <a:r>
-              <a:rPr lang="de-DE" sz="900" u="sng" dirty="0" err="1"/>
-              <a:t>k�nnen</a:t>
-            </a:r>
-            <a:r>
-              <a:rPr lang="de-DE" sz="900" u="sng" dirty="0"/>
-              <a:t> die </a:t>
-            </a:r>
-            <a:r>
-              <a:rPr lang="de-DE" sz="900" u="sng" dirty="0" err="1"/>
-              <a:t>Suites</a:t>
-            </a:r>
-            <a:r>
-              <a:rPr lang="de-DE" sz="900" u="sng" dirty="0"/>
-              <a:t> wie folgt aussehen.</a:t>
-            </a:r>
-          </a:p>
-          <a:p>
-            <a:endParaRPr lang="de-DE" sz="900" dirty="0"/>
-          </a:p>
-          <a:p>
-            <a:r>
-              <a:rPr lang="de-DE" sz="900" dirty="0"/>
-              <a:t>```</a:t>
-            </a:r>
-            <a:r>
-              <a:rPr lang="de-DE" sz="900" dirty="0" err="1"/>
-              <a:t>java</a:t>
-            </a:r>
-            <a:endParaRPr lang="de-DE" sz="900" dirty="0"/>
-          </a:p>
-          <a:p>
-            <a:r>
-              <a:rPr lang="de-DE" sz="900" dirty="0"/>
+            <a:pPr>
+              <a:lnSpc>
+                <a:spcPct val="100000"/>
+              </a:lnSpc>
+            </a:pPr>
+            <a:r>
+              <a:rPr lang="en-US" sz="1800" b="0" strike="noStrike" spc="-1" dirty="0">
+                <a:solidFill>
+                  <a:srgbClr val="292929"/>
+                </a:solidFill>
+                <a:uFill>
+                  <a:solidFill>
+                    <a:srgbClr val="FFFFFF"/>
+                  </a:solidFill>
+                </a:uFill>
+                <a:latin typeface="Calibri"/>
+              </a:rPr>
+              <a:t>JUnit </a:t>
+            </a:r>
+            <a:r>
+              <a:rPr lang="en-US" spc="-1" dirty="0">
+                <a:solidFill>
+                  <a:srgbClr val="292929"/>
+                </a:solidFill>
+                <a:uFill>
+                  <a:solidFill>
+                    <a:srgbClr val="FFFFFF"/>
+                  </a:solidFill>
+                </a:uFill>
+                <a:latin typeface="Calibri"/>
+              </a:rPr>
+              <a:t>4: Klassen </a:t>
+            </a:r>
+            <a:r>
+              <a:rPr lang="en-US" spc="-1" dirty="0" err="1">
+                <a:solidFill>
+                  <a:srgbClr val="292929"/>
+                </a:solidFill>
+                <a:uFill>
+                  <a:solidFill>
+                    <a:srgbClr val="FFFFFF"/>
+                  </a:solidFill>
+                </a:uFill>
+                <a:latin typeface="Calibri"/>
+              </a:rPr>
+              <a:t>können</a:t>
+            </a:r>
+            <a:r>
+              <a:rPr lang="en-US" spc="-1" dirty="0">
+                <a:solidFill>
+                  <a:srgbClr val="292929"/>
+                </a:solidFill>
+                <a:uFill>
+                  <a:solidFill>
+                    <a:srgbClr val="FFFFFF"/>
+                  </a:solidFill>
+                </a:uFill>
+                <a:latin typeface="Calibri"/>
+              </a:rPr>
+              <a:t> in Test Suites </a:t>
+            </a:r>
+            <a:r>
+              <a:rPr lang="en-US" spc="-1" dirty="0" err="1">
+                <a:solidFill>
+                  <a:srgbClr val="292929"/>
+                </a:solidFill>
+                <a:uFill>
+                  <a:solidFill>
+                    <a:srgbClr val="FFFFFF"/>
+                  </a:solidFill>
+                </a:uFill>
+                <a:latin typeface="Calibri"/>
+              </a:rPr>
+              <a:t>zur</a:t>
+            </a:r>
+            <a:r>
+              <a:rPr lang="en-US" spc="-1" dirty="0">
+                <a:solidFill>
+                  <a:srgbClr val="292929"/>
+                </a:solidFill>
+                <a:uFill>
+                  <a:solidFill>
+                    <a:srgbClr val="FFFFFF"/>
+                  </a:solidFill>
+                </a:uFill>
+                <a:latin typeface="Calibri"/>
+              </a:rPr>
+              <a:t> </a:t>
+            </a:r>
+            <a:r>
+              <a:rPr lang="en-US" spc="-1" dirty="0" err="1">
+                <a:solidFill>
+                  <a:srgbClr val="292929"/>
+                </a:solidFill>
+                <a:uFill>
+                  <a:solidFill>
+                    <a:srgbClr val="FFFFFF"/>
+                  </a:solidFill>
+                </a:uFill>
+                <a:latin typeface="Calibri"/>
+              </a:rPr>
+              <a:t>gemeinsamen</a:t>
+            </a:r>
+            <a:r>
+              <a:rPr lang="en-US" spc="-1" dirty="0">
+                <a:solidFill>
+                  <a:srgbClr val="292929"/>
+                </a:solidFill>
+                <a:uFill>
+                  <a:solidFill>
+                    <a:srgbClr val="FFFFFF"/>
+                  </a:solidFill>
+                </a:uFill>
+                <a:latin typeface="Calibri"/>
+              </a:rPr>
+              <a:t> </a:t>
+            </a:r>
+            <a:r>
+              <a:rPr lang="en-US" spc="-1" dirty="0" err="1">
+                <a:solidFill>
+                  <a:srgbClr val="292929"/>
+                </a:solidFill>
+                <a:uFill>
+                  <a:solidFill>
+                    <a:srgbClr val="FFFFFF"/>
+                  </a:solidFill>
+                </a:uFill>
+                <a:latin typeface="Calibri"/>
+              </a:rPr>
+              <a:t>Ausführung</a:t>
+            </a:r>
+            <a:r>
+              <a:rPr lang="en-US" spc="-1" dirty="0">
+                <a:solidFill>
+                  <a:srgbClr val="292929"/>
+                </a:solidFill>
+                <a:uFill>
+                  <a:solidFill>
+                    <a:srgbClr val="FFFFFF"/>
+                  </a:solidFill>
+                </a:uFill>
+                <a:latin typeface="Calibri"/>
+              </a:rPr>
+              <a:t> </a:t>
+            </a:r>
+            <a:r>
+              <a:rPr lang="en-US" spc="-1" dirty="0" err="1">
+                <a:solidFill>
+                  <a:srgbClr val="292929"/>
+                </a:solidFill>
+                <a:uFill>
+                  <a:solidFill>
+                    <a:srgbClr val="FFFFFF"/>
+                  </a:solidFill>
+                </a:uFill>
+                <a:latin typeface="Calibri"/>
+              </a:rPr>
+              <a:t>gebündelt</a:t>
+            </a:r>
+            <a:r>
+              <a:rPr lang="en-US" spc="-1" dirty="0">
+                <a:solidFill>
+                  <a:srgbClr val="292929"/>
+                </a:solidFill>
+                <a:uFill>
+                  <a:solidFill>
+                    <a:srgbClr val="FFFFFF"/>
+                  </a:solidFill>
+                </a:uFill>
+                <a:latin typeface="Calibri"/>
+              </a:rPr>
+              <a:t> </a:t>
+            </a:r>
+            <a:r>
+              <a:rPr lang="en-US" spc="-1" dirty="0" err="1">
+                <a:solidFill>
+                  <a:srgbClr val="292929"/>
+                </a:solidFill>
+                <a:uFill>
+                  <a:solidFill>
+                    <a:srgbClr val="FFFFFF"/>
+                  </a:solidFill>
+                </a:uFill>
+                <a:latin typeface="Calibri"/>
+              </a:rPr>
+              <a:t>werden</a:t>
+            </a:r>
+            <a:endParaRPr lang="en-US" sz="1800" b="0" strike="noStrike" spc="-1" dirty="0">
+              <a:solidFill>
+                <a:srgbClr val="292929"/>
+              </a:solidFill>
+              <a:uFill>
+                <a:solidFill>
+                  <a:srgbClr val="FFFFFF"/>
+                </a:solidFill>
+              </a:uFill>
+              <a:latin typeface="Calibri"/>
+            </a:endParaRPr>
+          </a:p>
+          <a:p>
+            <a:pPr>
+              <a:lnSpc>
+                <a:spcPct val="100000"/>
+              </a:lnSpc>
+            </a:pPr>
+            <a:endParaRPr lang="en-US" sz="1800" b="0" strike="noStrike" spc="-1" dirty="0">
+              <a:solidFill>
+                <a:srgbClr val="292929"/>
+              </a:solidFill>
+              <a:uFill>
+                <a:solidFill>
+                  <a:srgbClr val="FFFFFF"/>
+                </a:solidFill>
+              </a:uFill>
+              <a:latin typeface="Calibri"/>
+            </a:endParaRPr>
+          </a:p>
+          <a:p>
+            <a:pPr>
+              <a:lnSpc>
+                <a:spcPct val="100000"/>
+              </a:lnSpc>
+            </a:pPr>
+            <a:r>
+              <a:rPr lang="en-US" sz="1800" b="0" strike="noStrike" spc="-1" dirty="0">
+                <a:solidFill>
+                  <a:srgbClr val="292929"/>
+                </a:solidFill>
+                <a:uFill>
+                  <a:solidFill>
+                    <a:srgbClr val="FFFFFF"/>
+                  </a:solidFill>
+                </a:uFill>
+                <a:latin typeface="Calibri"/>
+              </a:rPr>
+              <a:t>JUnit 5: </a:t>
+            </a:r>
+            <a:r>
+              <a:rPr lang="en-US" spc="-1" dirty="0">
+                <a:solidFill>
+                  <a:srgbClr val="292929"/>
+                </a:solidFill>
+                <a:uFill>
+                  <a:solidFill>
+                    <a:srgbClr val="FFFFFF"/>
+                  </a:solidFill>
+                </a:uFill>
+                <a:latin typeface="Calibri"/>
+              </a:rPr>
               <a:t>@</a:t>
             </a:r>
             <a:r>
-              <a:rPr lang="de-DE" sz="900" dirty="0" err="1"/>
-              <a:t>RunWith</a:t>
-            </a:r>
-            <a:r>
-              <a:rPr lang="de-DE" sz="900" dirty="0"/>
-              <a:t>(</a:t>
-            </a:r>
-            <a:r>
-              <a:rPr lang="de-DE" sz="900" dirty="0" err="1"/>
-              <a:t>JUnitPlatform.class</a:t>
-            </a:r>
-            <a:r>
-              <a:rPr lang="de-DE" sz="900" dirty="0"/>
-              <a:t>)</a:t>
-            </a:r>
-          </a:p>
-          <a:p>
-            <a:r>
-              <a:rPr lang="de-DE" sz="900" dirty="0"/>
-              <a:t>@</a:t>
-            </a:r>
-            <a:r>
-              <a:rPr lang="de-DE" sz="900" dirty="0" err="1"/>
+              <a:rPr lang="en-US" spc="-1" dirty="0" err="1">
+                <a:solidFill>
+                  <a:srgbClr val="292929"/>
+                </a:solidFill>
+                <a:uFill>
+                  <a:solidFill>
+                    <a:srgbClr val="FFFFFF"/>
+                  </a:solidFill>
+                </a:uFill>
+                <a:latin typeface="Calibri"/>
+              </a:rPr>
+              <a:t>Suites.SuiteClases</a:t>
+            </a:r>
+            <a:r>
+              <a:rPr lang="en-US" spc="-1" dirty="0">
+                <a:solidFill>
+                  <a:srgbClr val="292929"/>
+                </a:solidFill>
+                <a:uFill>
+                  <a:solidFill>
+                    <a:srgbClr val="FFFFFF"/>
+                  </a:solidFill>
+                </a:uFill>
+                <a:latin typeface="Calibri"/>
+              </a:rPr>
+              <a:t> </a:t>
+            </a:r>
+            <a:r>
+              <a:rPr lang="en-US" spc="-1" dirty="0" err="1">
+                <a:solidFill>
+                  <a:srgbClr val="292929"/>
+                </a:solidFill>
+                <a:uFill>
+                  <a:solidFill>
+                    <a:srgbClr val="FFFFFF"/>
+                  </a:solidFill>
+                </a:uFill>
+                <a:latin typeface="Calibri"/>
+              </a:rPr>
+              <a:t>wird</a:t>
+            </a:r>
+            <a:r>
+              <a:rPr lang="en-US" spc="-1" dirty="0">
+                <a:solidFill>
+                  <a:srgbClr val="292929"/>
+                </a:solidFill>
+                <a:uFill>
+                  <a:solidFill>
+                    <a:srgbClr val="FFFFFF"/>
+                  </a:solidFill>
+                </a:uFill>
+                <a:latin typeface="Calibri"/>
+              </a:rPr>
+              <a:t> </a:t>
+            </a:r>
+            <a:r>
+              <a:rPr lang="en-US" spc="-1" dirty="0" err="1">
+                <a:solidFill>
+                  <a:srgbClr val="292929"/>
+                </a:solidFill>
+                <a:uFill>
+                  <a:solidFill>
+                    <a:srgbClr val="FFFFFF"/>
+                  </a:solidFill>
+                </a:uFill>
+                <a:latin typeface="Calibri"/>
+              </a:rPr>
+              <a:t>durch</a:t>
+            </a:r>
+            <a:r>
+              <a:rPr lang="en-US" spc="-1" dirty="0">
+                <a:solidFill>
+                  <a:srgbClr val="292929"/>
+                </a:solidFill>
+                <a:uFill>
+                  <a:solidFill>
+                    <a:srgbClr val="FFFFFF"/>
+                  </a:solidFill>
+                </a:uFill>
+                <a:latin typeface="Calibri"/>
+              </a:rPr>
+              <a:t> @</a:t>
+            </a:r>
+            <a:r>
+              <a:rPr lang="en-US" spc="-1" dirty="0" err="1">
+                <a:solidFill>
+                  <a:srgbClr val="292929"/>
+                </a:solidFill>
+                <a:uFill>
+                  <a:solidFill>
+                    <a:srgbClr val="FFFFFF"/>
+                  </a:solidFill>
+                </a:uFill>
+                <a:latin typeface="Calibri"/>
+              </a:rPr>
               <a:t>SelectClasses</a:t>
             </a:r>
             <a:r>
-              <a:rPr lang="de-DE" sz="900" dirty="0"/>
-              <a:t>({RentCalculatorJunit4Test.class})</a:t>
-            </a:r>
-          </a:p>
-          <a:p>
-            <a:r>
-              <a:rPr lang="de-DE" sz="900" dirty="0"/>
-              <a:t>@</a:t>
-            </a:r>
-            <a:r>
-              <a:rPr lang="de-DE" sz="900" dirty="0" err="1"/>
-              <a:t>SelectPackages</a:t>
-            </a:r>
-            <a:r>
-              <a:rPr lang="de-DE" sz="900" dirty="0"/>
-              <a:t>({"</a:t>
-            </a:r>
-            <a:r>
-              <a:rPr lang="de-DE" sz="900" dirty="0" err="1"/>
-              <a:t>expectedException</a:t>
-            </a:r>
-            <a:r>
-              <a:rPr lang="de-DE" sz="900" dirty="0"/>
-              <a:t>"})</a:t>
-            </a:r>
-          </a:p>
-          <a:p>
-            <a:r>
-              <a:rPr lang="de-DE" sz="900" dirty="0"/>
-              <a:t>@</a:t>
-            </a:r>
-            <a:r>
-              <a:rPr lang="de-DE" sz="900" dirty="0" err="1"/>
-              <a:t>IncludeTags</a:t>
-            </a:r>
-            <a:r>
-              <a:rPr lang="de-DE" sz="900" dirty="0"/>
-              <a:t>({"</a:t>
-            </a:r>
-            <a:r>
-              <a:rPr lang="de-DE" sz="900" dirty="0" err="1"/>
-              <a:t>short</a:t>
-            </a:r>
-            <a:r>
-              <a:rPr lang="de-DE" sz="900" dirty="0"/>
-              <a:t>","</a:t>
-            </a:r>
-            <a:r>
-              <a:rPr lang="de-DE" sz="900" dirty="0" err="1"/>
-              <a:t>long</a:t>
-            </a:r>
-            <a:r>
-              <a:rPr lang="de-DE" sz="900" dirty="0"/>
-              <a:t>"})</a:t>
-            </a:r>
-          </a:p>
-          <a:p>
-            <a:r>
-              <a:rPr lang="de-DE" sz="900" dirty="0" err="1"/>
-              <a:t>public</a:t>
-            </a:r>
-            <a:r>
-              <a:rPr lang="de-DE" sz="900" dirty="0"/>
+              <a:rPr lang="en-US" spc="-1" dirty="0">
+                <a:solidFill>
+                  <a:srgbClr val="292929"/>
+                </a:solidFill>
+                <a:uFill>
+                  <a:solidFill>
+                    <a:srgbClr val="FFFFFF"/>
+                  </a:solidFill>
+                </a:uFill>
+                <a:latin typeface="Calibri"/>
+              </a:rPr>
               <a:t> </a:t>
             </a:r>
             <a:r>
-              <a:rPr lang="de-DE" sz="900" dirty="0" err="1"/>
-              <a:t>class</a:t>
-            </a:r>
-            <a:r>
-              <a:rPr lang="de-DE" sz="900" dirty="0"/>
+              <a:rPr lang="en-US" spc="-1" dirty="0" err="1">
+                <a:solidFill>
+                  <a:srgbClr val="292929"/>
+                </a:solidFill>
+                <a:uFill>
+                  <a:solidFill>
+                    <a:srgbClr val="FFFFFF"/>
+                  </a:solidFill>
+                </a:uFill>
+                <a:latin typeface="Calibri"/>
+              </a:rPr>
+              <a:t>ersetzt</a:t>
+            </a:r>
+            <a:endParaRPr lang="en-US" spc="-1" dirty="0">
+              <a:solidFill>
+                <a:srgbClr val="292929"/>
+              </a:solidFill>
+              <a:uFill>
+                <a:solidFill>
+                  <a:srgbClr val="FFFFFF"/>
+                </a:solidFill>
+              </a:uFill>
+              <a:latin typeface="Calibri"/>
+            </a:endParaRPr>
+          </a:p>
+          <a:p>
+            <a:pPr>
+              <a:lnSpc>
+                <a:spcPct val="100000"/>
+              </a:lnSpc>
+            </a:pPr>
+            <a:endParaRPr lang="en-US" spc="-1" dirty="0">
+              <a:solidFill>
+                <a:srgbClr val="292929"/>
+              </a:solidFill>
+              <a:uFill>
+                <a:solidFill>
+                  <a:srgbClr val="FFFFFF"/>
+                </a:solidFill>
+              </a:uFill>
+              <a:latin typeface="Calibri"/>
+            </a:endParaRPr>
+          </a:p>
+          <a:p>
+            <a:pPr>
+              <a:lnSpc>
+                <a:spcPct val="100000"/>
+              </a:lnSpc>
+            </a:pPr>
+            <a:r>
+              <a:rPr lang="en-US" spc="-1" dirty="0">
+                <a:solidFill>
+                  <a:srgbClr val="292929"/>
+                </a:solidFill>
+                <a:uFill>
+                  <a:solidFill>
+                    <a:srgbClr val="FFFFFF"/>
+                  </a:solidFill>
+                </a:uFill>
+                <a:latin typeface="Calibri"/>
+              </a:rPr>
+              <a:t>Um JUnit 5 Suites in JUnit 4 </a:t>
+            </a:r>
+            <a:r>
+              <a:rPr lang="en-US" spc="-1" dirty="0" err="1">
+                <a:solidFill>
+                  <a:srgbClr val="292929"/>
+                </a:solidFill>
+                <a:uFill>
+                  <a:solidFill>
+                    <a:srgbClr val="FFFFFF"/>
+                  </a:solidFill>
+                </a:uFill>
+                <a:latin typeface="Calibri"/>
+              </a:rPr>
+              <a:t>zu</a:t>
+            </a:r>
+            <a:r>
+              <a:rPr lang="en-US" spc="-1" dirty="0">
+                <a:solidFill>
+                  <a:srgbClr val="292929"/>
+                </a:solidFill>
+                <a:uFill>
+                  <a:solidFill>
+                    <a:srgbClr val="FFFFFF"/>
+                  </a:solidFill>
+                </a:uFill>
+                <a:latin typeface="Calibri"/>
+              </a:rPr>
               <a:t> </a:t>
             </a:r>
             <a:r>
-              <a:rPr lang="de-DE" sz="900" dirty="0" err="1"/>
-              <a:t>TestSuite</a:t>
-            </a:r>
-            <a:r>
-              <a:rPr lang="de-DE" sz="900" dirty="0"/>
-              <a:t>{</a:t>
-            </a:r>
-          </a:p>
-          <a:p>
-            <a:r>
-              <a:rPr lang="de-DE" sz="900" dirty="0"/>
+              <a:rPr lang="en-US" spc="-1" dirty="0" err="1">
+                <a:solidFill>
+                  <a:srgbClr val="292929"/>
+                </a:solidFill>
+                <a:uFill>
+                  <a:solidFill>
+                    <a:srgbClr val="FFFFFF"/>
+                  </a:solidFill>
+                </a:uFill>
+                <a:latin typeface="Calibri"/>
+              </a:rPr>
+              <a:t>nutzen</a:t>
+            </a:r>
+            <a:r>
+              <a:rPr lang="en-US" spc="-1" dirty="0">
+                <a:solidFill>
+                  <a:srgbClr val="292929"/>
+                </a:solidFill>
+                <a:uFill>
+                  <a:solidFill>
+                    <a:srgbClr val="FFFFFF"/>
+                  </a:solidFill>
+                </a:uFill>
+                <a:latin typeface="Calibri"/>
+              </a:rPr>
+              <a:t>, </a:t>
+            </a:r>
+            <a:r>
+              <a:rPr lang="de-DE" spc="-1" dirty="0">
+                <a:solidFill>
+                  <a:srgbClr val="292929"/>
+                </a:solidFill>
+                <a:uFill>
+                  <a:solidFill>
+                    <a:srgbClr val="FFFFFF"/>
+                  </a:solidFill>
+                </a:uFill>
+                <a:latin typeface="Calibri"/>
+              </a:rPr>
+              <a:t>werden</a:t>
+            </a:r>
+            <a:r>
+              <a:rPr lang="en-US" spc="-1" dirty="0">
+                <a:solidFill>
+                  <a:srgbClr val="292929"/>
+                </a:solidFill>
+                <a:uFill>
+                  <a:solidFill>
+                    <a:srgbClr val="FFFFFF"/>
+                  </a:solidFill>
+                </a:uFill>
+                <a:latin typeface="Calibri"/>
+              </a:rPr>
+              <a:t> </a:t>
+            </a:r>
+            <a:r>
+              <a:rPr lang="en-US" spc="-1" dirty="0" err="1">
+                <a:solidFill>
+                  <a:srgbClr val="292929"/>
+                </a:solidFill>
+                <a:uFill>
+                  <a:solidFill>
+                    <a:srgbClr val="FFFFFF"/>
+                  </a:solidFill>
+                </a:uFill>
+                <a:latin typeface="Calibri"/>
+              </a:rPr>
+              <a:t>folgende</a:t>
+            </a:r>
+            <a:r>
+              <a:rPr lang="en-US" spc="-1" dirty="0">
+                <a:solidFill>
+                  <a:srgbClr val="292929"/>
+                </a:solidFill>
+                <a:uFill>
+                  <a:solidFill>
+                    <a:srgbClr val="FFFFFF"/>
+                  </a:solidFill>
+                </a:uFill>
+                <a:latin typeface="Calibri"/>
+              </a:rPr>
+              <a:t> </a:t>
+            </a:r>
+            <a:r>
+              <a:rPr lang="en-US" spc="-1" dirty="0" err="1">
+                <a:solidFill>
+                  <a:srgbClr val="292929"/>
+                </a:solidFill>
+                <a:uFill>
+                  <a:solidFill>
+                    <a:srgbClr val="FFFFFF"/>
+                  </a:solidFill>
+                </a:uFill>
+                <a:latin typeface="Calibri"/>
+              </a:rPr>
+              <a:t>Abhängigkeiten</a:t>
+            </a:r>
+            <a:r>
+              <a:rPr lang="en-US" spc="-1" dirty="0">
+                <a:solidFill>
+                  <a:srgbClr val="292929"/>
+                </a:solidFill>
+                <a:uFill>
+                  <a:solidFill>
+                    <a:srgbClr val="FFFFFF"/>
+                  </a:solidFill>
+                </a:uFill>
+                <a:latin typeface="Calibri"/>
+              </a:rPr>
+              <a:t> </a:t>
+            </a:r>
+            <a:r>
+              <a:rPr lang="en-US" spc="-1" dirty="0" err="1">
+                <a:solidFill>
+                  <a:srgbClr val="292929"/>
+                </a:solidFill>
+                <a:uFill>
+                  <a:solidFill>
+                    <a:srgbClr val="FFFFFF"/>
+                  </a:solidFill>
+                </a:uFill>
+                <a:latin typeface="Calibri"/>
+              </a:rPr>
+              <a:t>benötigt</a:t>
+            </a:r>
+            <a:r>
+              <a:rPr lang="en-US" spc="-1" dirty="0">
+                <a:solidFill>
+                  <a:srgbClr val="292929"/>
+                </a:solidFill>
+                <a:uFill>
+                  <a:solidFill>
+                    <a:srgbClr val="FFFFFF"/>
+                  </a:solidFill>
+                </a:uFill>
+                <a:latin typeface="Calibri"/>
+              </a:rPr>
+              <a:t>:</a:t>
+            </a:r>
+          </a:p>
+          <a:p>
+            <a:pPr>
+              <a:lnSpc>
+                <a:spcPct val="100000"/>
+              </a:lnSpc>
+            </a:pPr>
+            <a:endParaRPr lang="en-US" sz="1800" b="0" strike="noStrike" spc="-1" dirty="0">
+              <a:solidFill>
+                <a:srgbClr val="000000"/>
+              </a:solidFill>
+              <a:uFill>
+                <a:solidFill>
+                  <a:srgbClr val="FFFFFF"/>
+                </a:solidFill>
+              </a:uFill>
+              <a:latin typeface="Arial"/>
+            </a:endParaRPr>
+          </a:p>
+        </p:txBody>
+      </p:sp>
+      <p:sp>
+        <p:nvSpPr>
+          <p:cNvPr id="2" name="Rechteck 1">
+            <a:extLst>
+              <a:ext uri="{FF2B5EF4-FFF2-40B4-BE49-F238E27FC236}">
+                <a16:creationId xmlns:a16="http://schemas.microsoft.com/office/drawing/2014/main" id="{4C25BD1B-E012-44E0-8188-5E85E2008844}"/>
+              </a:ext>
+            </a:extLst>
+          </p:cNvPr>
+          <p:cNvSpPr/>
+          <p:nvPr/>
+        </p:nvSpPr>
+        <p:spPr>
+          <a:xfrm>
+            <a:off x="574004" y="3326376"/>
+            <a:ext cx="5700900" cy="1040216"/>
+          </a:xfrm>
+          <a:prstGeom prst="rect">
+            <a:avLst/>
+          </a:prstGeom>
+          <a:solidFill>
+            <a:schemeClr val="bg1"/>
+          </a:solidFill>
+          <a:ln>
+            <a:solidFill>
+              <a:schemeClr val="tx1"/>
+            </a:solidFill>
+          </a:ln>
+        </p:spPr>
+        <p:style>
+          <a:lnRef idx="2">
+            <a:schemeClr val="accent1">
+              <a:shade val="50000"/>
+            </a:schemeClr>
+          </a:lnRef>
+          <a:fillRef idx="1">
+            <a:schemeClr val="accent1"/>
+          </a:fillRef>
+          <a:effectRef idx="0">
+            <a:schemeClr val="accent1"/>
+          </a:effectRef>
+          <a:fontRef idx="minor">
+            <a:schemeClr val="lt1"/>
+          </a:fontRef>
+        </p:style>
+        <p:txBody>
+          <a:bodyPr rtlCol="0" anchor="ctr"/>
+          <a:lstStyle/>
+          <a:p>
+            <a:pPr>
+              <a:lnSpc>
+                <a:spcPct val="100000"/>
+              </a:lnSpc>
+            </a:pPr>
+            <a:r>
+              <a:rPr lang="en-US" sz="1200" spc="-1" dirty="0">
+                <a:solidFill>
+                  <a:srgbClr val="292929"/>
+                </a:solidFill>
+                <a:uFill>
+                  <a:solidFill>
+                    <a:srgbClr val="FFFFFF"/>
+                  </a:solidFill>
+                </a:uFill>
+                <a:latin typeface="Calibri" panose="020F0502020204030204" pitchFamily="34" charset="0"/>
+                <a:cs typeface="Calibri" panose="020F0502020204030204" pitchFamily="34" charset="0"/>
+              </a:rPr>
+              <a:t>dependencies {</a:t>
+            </a:r>
+            <a:endParaRPr lang="en-US" sz="1200" spc="-1" dirty="0">
+              <a:solidFill>
+                <a:srgbClr val="000000"/>
+              </a:solidFill>
+              <a:uFill>
+                <a:solidFill>
+                  <a:srgbClr val="FFFFFF"/>
+                </a:solidFill>
+              </a:uFill>
+              <a:latin typeface="Calibri" panose="020F0502020204030204" pitchFamily="34" charset="0"/>
+              <a:cs typeface="Calibri" panose="020F0502020204030204" pitchFamily="34" charset="0"/>
+            </a:endParaRPr>
+          </a:p>
+          <a:p>
+            <a:r>
+              <a:rPr lang="en-US" sz="1200" spc="-1" dirty="0">
+                <a:solidFill>
+                  <a:srgbClr val="292929"/>
+                </a:solidFill>
+                <a:uFill>
+                  <a:solidFill>
+                    <a:srgbClr val="FFFFFF"/>
+                  </a:solidFill>
+                </a:uFill>
+                <a:latin typeface="Calibri" panose="020F0502020204030204" pitchFamily="34" charset="0"/>
+                <a:cs typeface="Calibri" panose="020F0502020204030204" pitchFamily="34" charset="0"/>
+              </a:rPr>
+              <a:t>    </a:t>
+            </a:r>
+            <a:r>
+              <a:rPr lang="de-DE" sz="1200" dirty="0" err="1">
+                <a:solidFill>
+                  <a:schemeClr val="tx1"/>
+                </a:solidFill>
+                <a:latin typeface="Calibri" panose="020F0502020204030204" pitchFamily="34" charset="0"/>
+                <a:cs typeface="Calibri" panose="020F0502020204030204" pitchFamily="34" charset="0"/>
+              </a:rPr>
+              <a:t>compile</a:t>
+            </a:r>
+            <a:r>
+              <a:rPr lang="de-DE" sz="1200" dirty="0">
+                <a:solidFill>
+                  <a:schemeClr val="tx1"/>
+                </a:solidFill>
+                <a:latin typeface="Calibri" panose="020F0502020204030204" pitchFamily="34" charset="0"/>
+                <a:cs typeface="Calibri" panose="020F0502020204030204" pitchFamily="34" charset="0"/>
+              </a:rPr>
+              <a:t> </a:t>
+            </a:r>
+            <a:r>
+              <a:rPr lang="de-DE" sz="1200" dirty="0" err="1">
+                <a:solidFill>
+                  <a:schemeClr val="tx1"/>
+                </a:solidFill>
+                <a:latin typeface="Calibri" panose="020F0502020204030204" pitchFamily="34" charset="0"/>
+                <a:cs typeface="Calibri" panose="020F0502020204030204" pitchFamily="34" charset="0"/>
+              </a:rPr>
+              <a:t>group</a:t>
+            </a:r>
+            <a:r>
+              <a:rPr lang="de-DE" sz="1200" dirty="0">
+                <a:solidFill>
+                  <a:schemeClr val="tx1"/>
+                </a:solidFill>
+                <a:latin typeface="Calibri" panose="020F0502020204030204" pitchFamily="34" charset="0"/>
+                <a:cs typeface="Calibri" panose="020F0502020204030204" pitchFamily="34" charset="0"/>
+              </a:rPr>
+              <a:t>: '</a:t>
+            </a:r>
+            <a:r>
+              <a:rPr lang="de-DE" sz="1200" dirty="0" err="1">
+                <a:solidFill>
+                  <a:schemeClr val="tx1"/>
+                </a:solidFill>
+                <a:latin typeface="Calibri" panose="020F0502020204030204" pitchFamily="34" charset="0"/>
+                <a:cs typeface="Calibri" panose="020F0502020204030204" pitchFamily="34" charset="0"/>
+              </a:rPr>
+              <a:t>org.junit.platform</a:t>
+            </a:r>
+            <a:r>
+              <a:rPr lang="de-DE" sz="1200" dirty="0">
+                <a:solidFill>
+                  <a:schemeClr val="tx1"/>
+                </a:solidFill>
+                <a:latin typeface="Calibri" panose="020F0502020204030204" pitchFamily="34" charset="0"/>
+                <a:cs typeface="Calibri" panose="020F0502020204030204" pitchFamily="34" charset="0"/>
+              </a:rPr>
+              <a:t>', </a:t>
+            </a:r>
+            <a:r>
+              <a:rPr lang="de-DE" sz="1200" dirty="0" err="1">
+                <a:solidFill>
+                  <a:schemeClr val="tx1"/>
+                </a:solidFill>
+                <a:latin typeface="Calibri" panose="020F0502020204030204" pitchFamily="34" charset="0"/>
+                <a:cs typeface="Calibri" panose="020F0502020204030204" pitchFamily="34" charset="0"/>
+              </a:rPr>
+              <a:t>name</a:t>
+            </a:r>
+            <a:r>
+              <a:rPr lang="de-DE" sz="1200" dirty="0">
+                <a:solidFill>
+                  <a:schemeClr val="tx1"/>
+                </a:solidFill>
+                <a:latin typeface="Calibri" panose="020F0502020204030204" pitchFamily="34" charset="0"/>
+                <a:cs typeface="Calibri" panose="020F0502020204030204" pitchFamily="34" charset="0"/>
+              </a:rPr>
+              <a:t>: '</a:t>
+            </a:r>
+            <a:r>
+              <a:rPr lang="de-DE" sz="1200" dirty="0" err="1">
+                <a:solidFill>
+                  <a:schemeClr val="tx1"/>
+                </a:solidFill>
+                <a:latin typeface="Calibri" panose="020F0502020204030204" pitchFamily="34" charset="0"/>
+                <a:cs typeface="Calibri" panose="020F0502020204030204" pitchFamily="34" charset="0"/>
+              </a:rPr>
+              <a:t>junit</a:t>
+            </a:r>
+            <a:r>
+              <a:rPr lang="de-DE" sz="1200" dirty="0">
+                <a:solidFill>
+                  <a:schemeClr val="tx1"/>
+                </a:solidFill>
+                <a:latin typeface="Calibri" panose="020F0502020204030204" pitchFamily="34" charset="0"/>
+                <a:cs typeface="Calibri" panose="020F0502020204030204" pitchFamily="34" charset="0"/>
+              </a:rPr>
+              <a:t>-</a:t>
+            </a:r>
+            <a:r>
+              <a:rPr lang="de-DE" sz="1200" dirty="0" err="1">
+                <a:solidFill>
+                  <a:schemeClr val="tx1"/>
+                </a:solidFill>
+                <a:latin typeface="Calibri" panose="020F0502020204030204" pitchFamily="34" charset="0"/>
+                <a:cs typeface="Calibri" panose="020F0502020204030204" pitchFamily="34" charset="0"/>
+              </a:rPr>
+              <a:t>platform</a:t>
+            </a:r>
+            <a:r>
+              <a:rPr lang="de-DE" sz="1200" dirty="0">
+                <a:solidFill>
+                  <a:schemeClr val="tx1"/>
+                </a:solidFill>
+                <a:latin typeface="Calibri" panose="020F0502020204030204" pitchFamily="34" charset="0"/>
+                <a:cs typeface="Calibri" panose="020F0502020204030204" pitchFamily="34" charset="0"/>
+              </a:rPr>
+              <a:t>-suite-</a:t>
+            </a:r>
+            <a:r>
+              <a:rPr lang="de-DE" sz="1200" dirty="0" err="1">
+                <a:solidFill>
+                  <a:schemeClr val="tx1"/>
+                </a:solidFill>
+                <a:latin typeface="Calibri" panose="020F0502020204030204" pitchFamily="34" charset="0"/>
+                <a:cs typeface="Calibri" panose="020F0502020204030204" pitchFamily="34" charset="0"/>
+              </a:rPr>
+              <a:t>api</a:t>
+            </a:r>
+            <a:r>
+              <a:rPr lang="de-DE" sz="1200" dirty="0">
+                <a:solidFill>
+                  <a:schemeClr val="tx1"/>
+                </a:solidFill>
+                <a:latin typeface="Calibri" panose="020F0502020204030204" pitchFamily="34" charset="0"/>
+                <a:cs typeface="Calibri" panose="020F0502020204030204" pitchFamily="34" charset="0"/>
+              </a:rPr>
+              <a:t>', </a:t>
+            </a:r>
+            <a:r>
+              <a:rPr lang="de-DE" sz="1200" dirty="0" err="1">
+                <a:solidFill>
+                  <a:schemeClr val="tx1"/>
+                </a:solidFill>
+                <a:latin typeface="Calibri" panose="020F0502020204030204" pitchFamily="34" charset="0"/>
+                <a:cs typeface="Calibri" panose="020F0502020204030204" pitchFamily="34" charset="0"/>
+              </a:rPr>
+              <a:t>version</a:t>
+            </a:r>
+            <a:r>
+              <a:rPr lang="de-DE" sz="1200" dirty="0">
+                <a:solidFill>
+                  <a:schemeClr val="tx1"/>
+                </a:solidFill>
+                <a:latin typeface="Calibri" panose="020F0502020204030204" pitchFamily="34" charset="0"/>
+                <a:cs typeface="Calibri" panose="020F0502020204030204" pitchFamily="34" charset="0"/>
+              </a:rPr>
+              <a:t>: '1.2.0'</a:t>
+            </a:r>
+          </a:p>
+          <a:p>
+            <a:r>
+              <a:rPr lang="de-DE" sz="1200" dirty="0">
+                <a:solidFill>
+                  <a:schemeClr val="tx1"/>
+                </a:solidFill>
+                <a:latin typeface="Calibri" panose="020F0502020204030204" pitchFamily="34" charset="0"/>
+                <a:cs typeface="Calibri" panose="020F0502020204030204" pitchFamily="34" charset="0"/>
+              </a:rPr>
+              <a:t>    </a:t>
+            </a:r>
+            <a:r>
+              <a:rPr lang="de-DE" sz="1200" dirty="0" err="1">
+                <a:solidFill>
+                  <a:schemeClr val="tx1"/>
+                </a:solidFill>
+                <a:latin typeface="Calibri" panose="020F0502020204030204" pitchFamily="34" charset="0"/>
+                <a:cs typeface="Calibri" panose="020F0502020204030204" pitchFamily="34" charset="0"/>
+              </a:rPr>
+              <a:t>testCompile</a:t>
+            </a:r>
+            <a:r>
+              <a:rPr lang="de-DE" sz="1200" dirty="0">
+                <a:solidFill>
+                  <a:schemeClr val="tx1"/>
+                </a:solidFill>
+                <a:latin typeface="Calibri" panose="020F0502020204030204" pitchFamily="34" charset="0"/>
+                <a:cs typeface="Calibri" panose="020F0502020204030204" pitchFamily="34" charset="0"/>
+              </a:rPr>
+              <a:t> </a:t>
+            </a:r>
+            <a:r>
+              <a:rPr lang="de-DE" sz="1200" dirty="0" err="1">
+                <a:solidFill>
+                  <a:schemeClr val="tx1"/>
+                </a:solidFill>
+                <a:latin typeface="Calibri" panose="020F0502020204030204" pitchFamily="34" charset="0"/>
+                <a:cs typeface="Calibri" panose="020F0502020204030204" pitchFamily="34" charset="0"/>
+              </a:rPr>
+              <a:t>group</a:t>
+            </a:r>
+            <a:r>
+              <a:rPr lang="de-DE" sz="1200" dirty="0">
+                <a:solidFill>
+                  <a:schemeClr val="tx1"/>
+                </a:solidFill>
+                <a:latin typeface="Calibri" panose="020F0502020204030204" pitchFamily="34" charset="0"/>
+                <a:cs typeface="Calibri" panose="020F0502020204030204" pitchFamily="34" charset="0"/>
+              </a:rPr>
+              <a:t>: '</a:t>
+            </a:r>
+            <a:r>
+              <a:rPr lang="de-DE" sz="1200" dirty="0" err="1">
+                <a:solidFill>
+                  <a:schemeClr val="tx1"/>
+                </a:solidFill>
+                <a:latin typeface="Calibri" panose="020F0502020204030204" pitchFamily="34" charset="0"/>
+                <a:cs typeface="Calibri" panose="020F0502020204030204" pitchFamily="34" charset="0"/>
+              </a:rPr>
+              <a:t>org.junit.platform</a:t>
+            </a:r>
+            <a:r>
+              <a:rPr lang="de-DE" sz="1200" dirty="0">
+                <a:solidFill>
+                  <a:schemeClr val="tx1"/>
+                </a:solidFill>
+                <a:latin typeface="Calibri" panose="020F0502020204030204" pitchFamily="34" charset="0"/>
+                <a:cs typeface="Calibri" panose="020F0502020204030204" pitchFamily="34" charset="0"/>
+              </a:rPr>
+              <a:t>', </a:t>
+            </a:r>
+            <a:r>
+              <a:rPr lang="de-DE" sz="1200" dirty="0" err="1">
+                <a:solidFill>
+                  <a:schemeClr val="tx1"/>
+                </a:solidFill>
+                <a:latin typeface="Calibri" panose="020F0502020204030204" pitchFamily="34" charset="0"/>
+                <a:cs typeface="Calibri" panose="020F0502020204030204" pitchFamily="34" charset="0"/>
+              </a:rPr>
+              <a:t>name</a:t>
+            </a:r>
+            <a:r>
+              <a:rPr lang="de-DE" sz="1200" dirty="0">
+                <a:solidFill>
+                  <a:schemeClr val="tx1"/>
+                </a:solidFill>
+                <a:latin typeface="Calibri" panose="020F0502020204030204" pitchFamily="34" charset="0"/>
+                <a:cs typeface="Calibri" panose="020F0502020204030204" pitchFamily="34" charset="0"/>
+              </a:rPr>
+              <a:t>: '</a:t>
+            </a:r>
+            <a:r>
+              <a:rPr lang="de-DE" sz="1200" dirty="0" err="1">
+                <a:solidFill>
+                  <a:schemeClr val="tx1"/>
+                </a:solidFill>
+                <a:latin typeface="Calibri" panose="020F0502020204030204" pitchFamily="34" charset="0"/>
+                <a:cs typeface="Calibri" panose="020F0502020204030204" pitchFamily="34" charset="0"/>
+              </a:rPr>
+              <a:t>junit-platform-runner</a:t>
+            </a:r>
+            <a:r>
+              <a:rPr lang="de-DE" sz="1200" dirty="0">
+                <a:solidFill>
+                  <a:schemeClr val="tx1"/>
+                </a:solidFill>
+                <a:latin typeface="Calibri" panose="020F0502020204030204" pitchFamily="34" charset="0"/>
+                <a:cs typeface="Calibri" panose="020F0502020204030204" pitchFamily="34" charset="0"/>
+              </a:rPr>
+              <a:t>', </a:t>
+            </a:r>
+            <a:r>
+              <a:rPr lang="de-DE" sz="1200" dirty="0" err="1">
+                <a:solidFill>
+                  <a:schemeClr val="tx1"/>
+                </a:solidFill>
+                <a:latin typeface="Calibri" panose="020F0502020204030204" pitchFamily="34" charset="0"/>
+                <a:cs typeface="Calibri" panose="020F0502020204030204" pitchFamily="34" charset="0"/>
+              </a:rPr>
+              <a:t>version</a:t>
+            </a:r>
+            <a:r>
+              <a:rPr lang="de-DE" sz="1200" dirty="0">
+                <a:solidFill>
+                  <a:schemeClr val="tx1"/>
+                </a:solidFill>
+                <a:latin typeface="Calibri" panose="020F0502020204030204" pitchFamily="34" charset="0"/>
+                <a:cs typeface="Calibri" panose="020F0502020204030204" pitchFamily="34" charset="0"/>
+              </a:rPr>
+              <a:t>: '1.2.0'</a:t>
+            </a:r>
+          </a:p>
+          <a:p>
+            <a:pPr>
+              <a:lnSpc>
+                <a:spcPct val="100000"/>
+              </a:lnSpc>
+            </a:pPr>
+            <a:r>
+              <a:rPr lang="en-US" sz="1200" spc="-1" dirty="0">
+                <a:solidFill>
+                  <a:srgbClr val="292929"/>
+                </a:solidFill>
+                <a:uFill>
+                  <a:solidFill>
+                    <a:srgbClr val="FFFFFF"/>
+                  </a:solidFill>
+                </a:uFill>
+                <a:latin typeface="Calibri" panose="020F0502020204030204" pitchFamily="34" charset="0"/>
+                <a:cs typeface="Calibri" panose="020F0502020204030204" pitchFamily="34" charset="0"/>
+              </a:rPr>
               <a:t>}</a:t>
             </a:r>
-          </a:p>
-          <a:p>
-            <a:r>
-              <a:rPr lang="de-DE" sz="900" dirty="0"/>
-              <a:t>Die </a:t>
-            </a:r>
-            <a:r>
-              <a:rPr lang="de-DE" sz="900" dirty="0" err="1"/>
-              <a:t>Suites</a:t>
-            </a:r>
-            <a:r>
-              <a:rPr lang="de-DE" sz="900" dirty="0"/>
-              <a:t> </a:t>
-            </a:r>
-            <a:r>
-              <a:rPr lang="de-DE" sz="900" u="sng" dirty="0"/>
-              <a:t>Umsetzung von </a:t>
-            </a:r>
-            <a:r>
-              <a:rPr lang="de-DE" sz="900" u="sng" dirty="0" err="1"/>
-              <a:t>JUnit</a:t>
-            </a:r>
-            <a:r>
-              <a:rPr lang="de-DE" sz="900" u="sng" dirty="0"/>
-              <a:t> 5 ist derzeit noch nicht </a:t>
-            </a:r>
-            <a:r>
-              <a:rPr lang="de-DE" sz="900" u="sng" dirty="0" err="1"/>
-              <a:t>vollst�ndig</a:t>
-            </a:r>
-            <a:r>
-              <a:rPr lang="de-DE" sz="900" u="sng" dirty="0"/>
-              <a:t>.</a:t>
-            </a:r>
-          </a:p>
-          <a:p>
-            <a:r>
-              <a:rPr lang="de-DE" sz="900" u="sng" dirty="0"/>
-              <a:t>Der Fortschritt kann unter [</a:t>
-            </a:r>
-            <a:r>
-              <a:rPr lang="de-DE" sz="900" u="sng" dirty="0" err="1"/>
-              <a:t>JUnit</a:t>
-            </a:r>
-            <a:r>
-              <a:rPr lang="de-DE" sz="900" u="sng" dirty="0"/>
-              <a:t> 5 Repository: </a:t>
-            </a:r>
-            <a:r>
-              <a:rPr lang="de-DE" sz="900" u="sng" dirty="0" err="1"/>
-              <a:t>Issues</a:t>
-            </a:r>
-            <a:r>
-              <a:rPr lang="de-DE" sz="900" u="sng" dirty="0"/>
-              <a:t> - </a:t>
-            </a:r>
-            <a:r>
-              <a:rPr lang="de-DE" sz="900" u="sng" dirty="0" err="1"/>
-              <a:t>Suites</a:t>
-            </a:r>
-            <a:r>
-              <a:rPr lang="de-DE" sz="900" u="sng" dirty="0"/>
-              <a:t>](https://github.com/junit-team/junit5/labels/theme%3A%20suites) betrachtet werden.</a:t>
-            </a:r>
-          </a:p>
-          <a:p>
-            <a:endParaRPr lang="de-DE" sz="900" dirty="0"/>
-          </a:p>
-          <a:p>
-            <a:r>
-              <a:rPr lang="de-DE" sz="900" b="1" dirty="0"/>
-              <a:t># </a:t>
-            </a:r>
-            <a:r>
-              <a:rPr lang="de-DE" sz="900" b="1" u="sng" dirty="0"/>
-              <a:t>Aufgabe</a:t>
-            </a:r>
-          </a:p>
-          <a:p>
-            <a:r>
-              <a:rPr lang="de-DE" sz="900" u="sng" dirty="0"/>
-              <a:t>Das Packet </a:t>
-            </a:r>
-            <a:r>
-              <a:rPr lang="de-DE" sz="900" u="sng" dirty="0" err="1"/>
-              <a:t>Testsuites</a:t>
-            </a:r>
-            <a:r>
-              <a:rPr lang="de-DE" sz="900" u="sng" dirty="0"/>
-              <a:t> </a:t>
-            </a:r>
-            <a:r>
-              <a:rPr lang="de-DE" sz="900" u="sng" dirty="0" err="1"/>
-              <a:t>enth�lt</a:t>
-            </a:r>
-            <a:r>
-              <a:rPr lang="de-DE" sz="900" u="sng" dirty="0"/>
-              <a:t> zwei </a:t>
-            </a:r>
-            <a:r>
-              <a:rPr lang="de-DE" sz="900" u="sng" dirty="0" err="1"/>
-              <a:t>Testsuites</a:t>
-            </a:r>
-            <a:r>
-              <a:rPr lang="de-DE" sz="900" u="sng" dirty="0"/>
-              <a:t> einmal </a:t>
-            </a:r>
-            <a:r>
-              <a:rPr lang="de-DE" sz="900" u="sng" dirty="0" err="1"/>
-              <a:t>BasicTestSuite</a:t>
-            </a:r>
-            <a:r>
-              <a:rPr lang="de-DE" sz="900" u="sng" dirty="0"/>
-              <a:t> und </a:t>
-            </a:r>
-            <a:r>
-              <a:rPr lang="de-DE" sz="900" u="sng" dirty="0" err="1"/>
-              <a:t>LongRunningTests</a:t>
-            </a:r>
-            <a:r>
-              <a:rPr lang="de-DE" sz="900" u="sng" dirty="0"/>
-              <a:t>.</a:t>
-            </a:r>
-            <a:endParaRPr lang="de-DE" sz="900" dirty="0"/>
-          </a:p>
-          <a:p>
-            <a:r>
-              <a:rPr lang="de-DE" sz="900" dirty="0"/>
-              <a:t> * </a:t>
-            </a:r>
-            <a:r>
-              <a:rPr lang="de-DE" sz="900" u="sng" dirty="0"/>
-              <a:t>Stelle </a:t>
-            </a:r>
-            <a:r>
-              <a:rPr lang="de-DE" sz="900" u="sng" dirty="0" err="1"/>
-              <a:t>BasicTestSuite</a:t>
-            </a:r>
-            <a:r>
-              <a:rPr lang="de-DE" sz="900" u="sng" dirty="0"/>
-              <a:t> auf </a:t>
-            </a:r>
-            <a:r>
-              <a:rPr lang="de-DE" sz="900" u="sng" dirty="0" err="1"/>
-              <a:t>JUnit</a:t>
-            </a:r>
-            <a:r>
-              <a:rPr lang="de-DE" sz="900" u="sng" dirty="0"/>
-              <a:t> 5 um und verwende `@</a:t>
-            </a:r>
-            <a:r>
-              <a:rPr lang="de-DE" sz="900" u="sng" dirty="0" err="1"/>
-              <a:t>SelectPackages</a:t>
-            </a:r>
-            <a:r>
-              <a:rPr lang="de-DE" sz="900" u="sng" dirty="0"/>
-              <a:t>`</a:t>
-            </a:r>
-          </a:p>
-          <a:p>
-            <a:r>
-              <a:rPr lang="de-DE" sz="900" dirty="0"/>
-              <a:t> * </a:t>
-            </a:r>
-            <a:r>
-              <a:rPr lang="de-DE" sz="900" u="sng" dirty="0"/>
-              <a:t>Stelle </a:t>
-            </a:r>
-            <a:r>
-              <a:rPr lang="de-DE" sz="900" u="sng" dirty="0" err="1"/>
-              <a:t>LongRunningTests</a:t>
-            </a:r>
-            <a:r>
-              <a:rPr lang="de-DE" sz="900" u="sng" dirty="0"/>
-              <a:t> auf </a:t>
-            </a:r>
-            <a:r>
-              <a:rPr lang="de-DE" sz="900" u="sng" dirty="0" err="1"/>
-              <a:t>JUnit</a:t>
-            </a:r>
-            <a:r>
-              <a:rPr lang="de-DE" sz="900" u="sng" dirty="0"/>
-              <a:t> 5 um und verwende `@</a:t>
-            </a:r>
-            <a:r>
-              <a:rPr lang="de-DE" sz="900" u="sng" dirty="0" err="1"/>
-              <a:t>IncludeTags</a:t>
-            </a:r>
-            <a:r>
-              <a:rPr lang="de-DE" sz="900" u="sng" dirty="0"/>
-              <a:t>`</a:t>
-            </a:r>
-          </a:p>
-          <a:p>
-            <a:endParaRPr lang="de-DE" sz="900" dirty="0"/>
-          </a:p>
-          <a:p>
-            <a:r>
-              <a:rPr lang="de-DE" sz="900" b="1" dirty="0"/>
-              <a:t># </a:t>
-            </a:r>
-            <a:r>
-              <a:rPr lang="de-DE" sz="900" b="1" dirty="0" err="1"/>
-              <a:t>L�sung</a:t>
-            </a:r>
-            <a:endParaRPr lang="de-DE" sz="900" dirty="0"/>
-          </a:p>
-          <a:p>
-            <a:r>
-              <a:rPr lang="de-DE" sz="900" dirty="0"/>
-              <a:t>```</a:t>
-            </a:r>
-            <a:r>
-              <a:rPr lang="de-DE" sz="900" dirty="0" err="1"/>
-              <a:t>java</a:t>
-            </a:r>
-            <a:endParaRPr lang="de-DE" sz="900" dirty="0"/>
-          </a:p>
-          <a:p>
-            <a:r>
-              <a:rPr lang="de-DE" sz="900" dirty="0"/>
-              <a:t>@</a:t>
-            </a:r>
-            <a:r>
-              <a:rPr lang="de-DE" sz="900" dirty="0" err="1"/>
-              <a:t>RunWith</a:t>
-            </a:r>
-            <a:r>
-              <a:rPr lang="de-DE" sz="900" dirty="0"/>
-              <a:t>(</a:t>
-            </a:r>
-            <a:r>
-              <a:rPr lang="de-DE" sz="900" dirty="0" err="1"/>
-              <a:t>JUnitPlatform.class</a:t>
-            </a:r>
-            <a:r>
-              <a:rPr lang="de-DE" sz="900" dirty="0"/>
-              <a:t>)</a:t>
-            </a:r>
-          </a:p>
-          <a:p>
-            <a:r>
-              <a:rPr lang="de-DE" sz="900" dirty="0"/>
-              <a:t>@</a:t>
-            </a:r>
-            <a:r>
-              <a:rPr lang="de-DE" sz="900" dirty="0" err="1"/>
-              <a:t>SelectClasses</a:t>
-            </a:r>
-            <a:r>
-              <a:rPr lang="de-DE" sz="900" dirty="0"/>
-              <a:t>({RentCalculatorJunit4Test.class})</a:t>
-            </a:r>
-          </a:p>
-          <a:p>
-            <a:r>
-              <a:rPr lang="de-DE" sz="900" dirty="0"/>
-              <a:t>@</a:t>
-            </a:r>
-            <a:r>
-              <a:rPr lang="de-DE" sz="900" dirty="0" err="1"/>
-              <a:t>SelectPackages</a:t>
-            </a:r>
-            <a:r>
-              <a:rPr lang="de-DE" sz="900" dirty="0"/>
-              <a:t>({"</a:t>
-            </a:r>
-            <a:r>
-              <a:rPr lang="de-DE" sz="900" dirty="0" err="1"/>
-              <a:t>expectedException</a:t>
-            </a:r>
-            <a:r>
-              <a:rPr lang="de-DE" sz="900" dirty="0"/>
-              <a:t>"})</a:t>
-            </a:r>
-          </a:p>
-          <a:p>
-            <a:r>
-              <a:rPr lang="de-DE" sz="900" dirty="0"/>
-              <a:t>@</a:t>
-            </a:r>
-            <a:r>
-              <a:rPr lang="de-DE" sz="900" dirty="0" err="1"/>
-              <a:t>IncludeTags</a:t>
-            </a:r>
-            <a:r>
-              <a:rPr lang="de-DE" sz="900" dirty="0"/>
-              <a:t>({"</a:t>
-            </a:r>
-            <a:r>
-              <a:rPr lang="de-DE" sz="900" dirty="0" err="1"/>
-              <a:t>short</a:t>
-            </a:r>
-            <a:r>
-              <a:rPr lang="de-DE" sz="900" dirty="0"/>
-              <a:t>","</a:t>
-            </a:r>
-            <a:r>
-              <a:rPr lang="de-DE" sz="900" dirty="0" err="1"/>
-              <a:t>long</a:t>
-            </a:r>
-            <a:r>
-              <a:rPr lang="de-DE" sz="900" dirty="0"/>
-              <a:t>"})</a:t>
-            </a:r>
-          </a:p>
-          <a:p>
-            <a:r>
-              <a:rPr lang="de-DE" sz="900" dirty="0" err="1"/>
-              <a:t>public</a:t>
-            </a:r>
-            <a:r>
-              <a:rPr lang="de-DE" sz="900" dirty="0"/>
-              <a:t> </a:t>
-            </a:r>
-            <a:r>
-              <a:rPr lang="de-DE" sz="900" dirty="0" err="1"/>
-              <a:t>class</a:t>
-            </a:r>
-            <a:r>
-              <a:rPr lang="de-DE" sz="900" dirty="0"/>
-              <a:t> </a:t>
-            </a:r>
-            <a:r>
-              <a:rPr lang="de-DE" sz="900" dirty="0" err="1"/>
-              <a:t>RequiresJmqSuite</a:t>
-            </a:r>
-            <a:r>
-              <a:rPr lang="de-DE" sz="900" dirty="0"/>
-              <a:t> {</a:t>
-            </a:r>
-          </a:p>
-          <a:p>
-            <a:r>
-              <a:rPr lang="de-DE" sz="900" dirty="0"/>
-              <a:t>}</a:t>
-            </a:r>
-          </a:p>
-          <a:p>
-            <a:r>
-              <a:rPr lang="de-DE" sz="900" dirty="0"/>
-              <a:t>```</a:t>
-            </a:r>
+            <a:endParaRPr lang="en-US" sz="1200" spc="-1" dirty="0">
+              <a:solidFill>
+                <a:srgbClr val="000000"/>
+              </a:solidFill>
+              <a:uFill>
+                <a:solidFill>
+                  <a:srgbClr val="FFFFFF"/>
+                </a:solidFill>
+              </a:uFill>
+              <a:latin typeface="Calibri" panose="020F0502020204030204" pitchFamily="34" charset="0"/>
+              <a:cs typeface="Calibri" panose="020F0502020204030204" pitchFamily="34" charset="0"/>
+            </a:endParaRPr>
           </a:p>
         </p:txBody>
       </p:sp>
     </p:spTree>
     <p:extLst>
       <p:ext uri="{BB962C8B-B14F-4D97-AF65-F5344CB8AC3E}">
-        <p14:creationId xmlns:p14="http://schemas.microsoft.com/office/powerpoint/2010/main" val="2229568317"/>
+        <p14:creationId xmlns:p14="http://schemas.microsoft.com/office/powerpoint/2010/main" val="1755471618"/>
       </p:ext>
     </p:extLst>
   </p:cSld>
   <p:clrMapOvr>
     <a:masterClrMapping/>
   </p:clrMapOvr>
+  <p:timing>
+    <p:tnLst>
+      <p:par>
+        <p:cTn id="1" dur="indefinite" restart="never" nodeType="tmRoot">
+          <p:childTnLst>
+            <p:seq>
+              <p:cTn id="2" nodeType="mainSeq"/>
+              <p:prevCondLst>
+                <p:cond evt="onPrev" delay="0">
+                  <p:tgtEl>
+                    <p:sldTgt/>
+                  </p:tgtEl>
+                </p:cond>
+              </p:prevCondLst>
+              <p:nextCondLst>
+                <p:cond evt="onNext" delay="0">
+                  <p:tgtEl>
+                    <p:sldTgt/>
+                  </p:tgtEl>
+                </p:cond>
+              </p:nextCondLst>
+            </p:seq>
+          </p:childTnLst>
+        </p:cTn>
+      </p:par>
+    </p:tnLst>
+  </p:timing>
 </p:sld>
 </file>
 
@@ -35614,13 +36524,92 @@
           <a:bodyPr lIns="90000" tIns="45000" rIns="90000" bIns="45000"/>
           <a:lstStyle/>
           <a:p>
-            <a:pPr>
+            <a:r>
+              <a:rPr lang="de-DE" dirty="0">
+                <a:latin typeface="Calibri" panose="020F0502020204030204" pitchFamily="34" charset="0"/>
+                <a:cs typeface="Calibri" panose="020F0502020204030204" pitchFamily="34" charset="0"/>
+              </a:rPr>
+              <a:t>Test </a:t>
+            </a:r>
+            <a:r>
+              <a:rPr lang="de-DE" dirty="0" err="1">
+                <a:latin typeface="Calibri" panose="020F0502020204030204" pitchFamily="34" charset="0"/>
+                <a:cs typeface="Calibri" panose="020F0502020204030204" pitchFamily="34" charset="0"/>
+              </a:rPr>
+              <a:t>Suites</a:t>
+            </a:r>
+            <a:r>
+              <a:rPr lang="de-DE" dirty="0">
+                <a:latin typeface="Calibri" panose="020F0502020204030204" pitchFamily="34" charset="0"/>
+                <a:cs typeface="Calibri" panose="020F0502020204030204" pitchFamily="34" charset="0"/>
+              </a:rPr>
+              <a:t> können dann, wie folgt aussehen:</a:t>
+            </a:r>
+          </a:p>
+          <a:p>
+            <a:endParaRPr lang="de-DE" dirty="0">
+              <a:latin typeface="Calibri" panose="020F0502020204030204" pitchFamily="34" charset="0"/>
+              <a:cs typeface="Calibri" panose="020F0502020204030204" pitchFamily="34" charset="0"/>
+            </a:endParaRPr>
+          </a:p>
+          <a:p>
+            <a:endParaRPr lang="de-DE" dirty="0">
+              <a:latin typeface="Calibri" panose="020F0502020204030204" pitchFamily="34" charset="0"/>
+              <a:cs typeface="Calibri" panose="020F0502020204030204" pitchFamily="34" charset="0"/>
+            </a:endParaRPr>
+          </a:p>
+          <a:p>
+            <a:endParaRPr lang="de-DE" dirty="0">
+              <a:latin typeface="Calibri" panose="020F0502020204030204" pitchFamily="34" charset="0"/>
+              <a:cs typeface="Calibri" panose="020F0502020204030204" pitchFamily="34" charset="0"/>
+            </a:endParaRPr>
+          </a:p>
+          <a:p>
+            <a:endParaRPr lang="de-DE" dirty="0">
+              <a:latin typeface="Calibri" panose="020F0502020204030204" pitchFamily="34" charset="0"/>
+              <a:cs typeface="Calibri" panose="020F0502020204030204" pitchFamily="34" charset="0"/>
+            </a:endParaRPr>
+          </a:p>
+          <a:p>
+            <a:endParaRPr lang="de-DE" dirty="0">
+              <a:latin typeface="Calibri" panose="020F0502020204030204" pitchFamily="34" charset="0"/>
+              <a:cs typeface="Calibri" panose="020F0502020204030204" pitchFamily="34" charset="0"/>
+            </a:endParaRPr>
+          </a:p>
+          <a:p>
+            <a:endParaRPr lang="de-DE" dirty="0">
+              <a:latin typeface="Calibri" panose="020F0502020204030204" pitchFamily="34" charset="0"/>
+              <a:cs typeface="Calibri" panose="020F0502020204030204" pitchFamily="34" charset="0"/>
+            </a:endParaRPr>
+          </a:p>
+          <a:p>
+            <a:endParaRPr lang="de-DE" dirty="0">
+              <a:latin typeface="Calibri" panose="020F0502020204030204" pitchFamily="34" charset="0"/>
+              <a:cs typeface="Calibri" panose="020F0502020204030204" pitchFamily="34" charset="0"/>
+            </a:endParaRPr>
+          </a:p>
+          <a:p>
+            <a:r>
+              <a:rPr lang="de-DE" dirty="0">
+                <a:latin typeface="Calibri" panose="020F0502020204030204" pitchFamily="34" charset="0"/>
+                <a:cs typeface="Calibri" panose="020F0502020204030204" pitchFamily="34" charset="0"/>
+              </a:rPr>
+              <a:t>Hinweis:</a:t>
+            </a:r>
+          </a:p>
+          <a:p>
+            <a:pPr marL="285840" indent="-285120">
               <a:lnSpc>
                 <a:spcPct val="100000"/>
               </a:lnSpc>
+              <a:buClr>
+                <a:srgbClr val="51A025"/>
+              </a:buClr>
+              <a:buFont typeface="Arial"/>
+              <a:buChar char="•"/>
             </a:pPr>
             <a:r>
-              <a:rPr lang="en-US" sz="1800" b="0" strike="noStrike" spc="-1" dirty="0">
+              <a:rPr lang="en-US" spc="-1" dirty="0" err="1">
                 <a:solidFill>
                   <a:srgbClr val="292929"/>
                 </a:solidFill>
@@ -35629,9 +36618,10 @@
                     <a:srgbClr val="FFFFFF"/>
                   </a:solidFill>
                 </a:uFill>
-                <a:latin typeface="Calibri"/>
-              </a:rPr>
-              <a:t>JUnit </a:t>
+                <a:latin typeface="Calibri" panose="020F0502020204030204" pitchFamily="34" charset="0"/>
+                <a:cs typeface="Calibri" panose="020F0502020204030204" pitchFamily="34" charset="0"/>
+              </a:rPr>
+              <a:t>Umsetzung</a:t>
             </a:r>
             <a:r>
               <a:rPr lang="en-US" spc="-1" dirty="0">
@@ -35643,9 +36633,10 @@
                     <a:srgbClr val="FFFFFF"/>
                   </a:solidFill>
                 </a:uFill>
-                <a:latin typeface="Calibri"/>
-              </a:rPr>
-              <a:t>4: Klassen </a:t>
+                <a:latin typeface="Calibri" panose="020F0502020204030204" pitchFamily="34" charset="0"/>
+                <a:cs typeface="Calibri" panose="020F0502020204030204" pitchFamily="34" charset="0"/>
+              </a:rPr>
+              <a:t> </a:t>
             </a:r>
             <a:r>
               <a:rPr lang="en-US" spc="-1" dirty="0" err="1">
@@ -35657,9 +36648,10 @@
                     <a:srgbClr val="FFFFFF"/>
                   </a:solidFill>
                 </a:uFill>
-                <a:latin typeface="Calibri"/>
-              </a:rPr>
-              <a:t>können</a:t>
+                <a:latin typeface="Calibri" panose="020F0502020204030204" pitchFamily="34" charset="0"/>
+                <a:cs typeface="Calibri" panose="020F0502020204030204" pitchFamily="34" charset="0"/>
+              </a:rPr>
+              <a:t>derzeit</a:t>
             </a:r>
             <a:r>
               <a:rPr lang="en-US" spc="-1" dirty="0">
@@ -35671,9 +36663,10 @@
                     <a:srgbClr val="FFFFFF"/>
                   </a:solidFill>
                 </a:uFill>
-                <a:latin typeface="Calibri"/>
-              </a:rPr>
-              <a:t> in Test Suites </a:t>
+                <a:latin typeface="Calibri" panose="020F0502020204030204" pitchFamily="34" charset="0"/>
+                <a:cs typeface="Calibri" panose="020F0502020204030204" pitchFamily="34" charset="0"/>
+              </a:rPr>
+              <a:t> </a:t>
             </a:r>
             <a:r>
               <a:rPr lang="en-US" spc="-1" dirty="0" err="1">
@@ -35685,9 +36678,10 @@
                     <a:srgbClr val="FFFFFF"/>
                   </a:solidFill>
                 </a:uFill>
-                <a:latin typeface="Calibri"/>
-              </a:rPr>
-              <a:t>zur</a:t>
+                <a:latin typeface="Calibri" panose="020F0502020204030204" pitchFamily="34" charset="0"/>
+                <a:cs typeface="Calibri" panose="020F0502020204030204" pitchFamily="34" charset="0"/>
+              </a:rPr>
+              <a:t>noch</a:t>
             </a:r>
             <a:r>
               <a:rPr lang="en-US" spc="-1" dirty="0">
@@ -35699,7 +36693,8 @@
                     <a:srgbClr val="FFFFFF"/>
                   </a:solidFill>
                 </a:uFill>
-                <a:latin typeface="Calibri"/>
+                <a:latin typeface="Calibri" panose="020F0502020204030204" pitchFamily="34" charset="0"/>
+                <a:cs typeface="Calibri" panose="020F0502020204030204" pitchFamily="34" charset="0"/>
               </a:rPr>
               <a:t> </a:t>
             </a:r>
@@ -35713,9 +36708,10 @@
                     <a:srgbClr val="FFFFFF"/>
                   </a:solidFill>
                 </a:uFill>
-                <a:latin typeface="Calibri"/>
-              </a:rPr>
-              <a:t>gemeinsamen</a:t>
+                <a:latin typeface="Calibri" panose="020F0502020204030204" pitchFamily="34" charset="0"/>
+                <a:cs typeface="Calibri" panose="020F0502020204030204" pitchFamily="34" charset="0"/>
+              </a:rPr>
+              <a:t>nicht</a:t>
             </a:r>
             <a:r>
               <a:rPr lang="en-US" spc="-1" dirty="0">
@@ -35727,7 +36723,8 @@
                     <a:srgbClr val="FFFFFF"/>
                   </a:solidFill>
                 </a:uFill>
-                <a:latin typeface="Calibri"/>
+                <a:latin typeface="Calibri" panose="020F0502020204030204" pitchFamily="34" charset="0"/>
+                <a:cs typeface="Calibri" panose="020F0502020204030204" pitchFamily="34" charset="0"/>
               </a:rPr>
               <a:t> </a:t>
             </a:r>
@@ -35741,9 +36738,49 @@
                     <a:srgbClr val="FFFFFF"/>
                   </a:solidFill>
                 </a:uFill>
-                <a:latin typeface="Calibri"/>
-              </a:rPr>
-              <a:t>Ausführung</a:t>
+                <a:latin typeface="Calibri" panose="020F0502020204030204" pitchFamily="34" charset="0"/>
+                <a:cs typeface="Calibri" panose="020F0502020204030204" pitchFamily="34" charset="0"/>
+              </a:rPr>
+              <a:t>vollständig</a:t>
+            </a:r>
+            <a:endParaRPr lang="en-US" spc="-1" dirty="0">
+              <a:solidFill>
+                <a:srgbClr val="292929"/>
+              </a:solidFill>
+              <a:uFill>
+                <a:solidFill>
+                  <a:srgbClr val="FFFFFF"/>
+                </a:solidFill>
+              </a:uFill>
+              <a:latin typeface="Calibri" panose="020F0502020204030204" pitchFamily="34" charset="0"/>
+              <a:cs typeface="Calibri" panose="020F0502020204030204" pitchFamily="34" charset="0"/>
+            </a:endParaRPr>
+          </a:p>
+          <a:p>
+            <a:pPr marL="285840" indent="-285120">
+              <a:lnSpc>
+                <a:spcPct val="100000"/>
+              </a:lnSpc>
+              <a:buClr>
+                <a:srgbClr val="51A025"/>
+              </a:buClr>
+              <a:buFont typeface="Arial"/>
+              <a:buChar char="•"/>
+            </a:pPr>
+            <a:r>
+              <a:rPr lang="en-US" spc="-1" dirty="0" err="1">
+                <a:solidFill>
+                  <a:srgbClr val="292929"/>
+                </a:solidFill>
+                <a:uFill>
+                  <a:solidFill>
+                    <a:srgbClr val="FFFFFF"/>
+                  </a:solidFill>
+                </a:uFill>
+                <a:latin typeface="Calibri" panose="020F0502020204030204" pitchFamily="34" charset="0"/>
+                <a:cs typeface="Calibri" panose="020F0502020204030204" pitchFamily="34" charset="0"/>
+              </a:rPr>
+              <a:t>Fortschritt</a:t>
             </a:r>
             <a:r>
               <a:rPr lang="en-US" spc="-1" dirty="0">
@@ -35755,53 +36792,19 @@
                     <a:srgbClr val="FFFFFF"/>
                   </a:solidFill>
                 </a:uFill>
-                <a:latin typeface="Calibri"/>
-              </a:rPr>
-              <a:t> </a:t>
-            </a:r>
-            <a:r>
-              <a:rPr lang="en-US" spc="-1" dirty="0" err="1">
-                <a:solidFill>
-                  <a:srgbClr val="292929"/>
-                </a:solidFill>
-                <a:uFill>
-                  <a:solidFill>
-                    <a:srgbClr val="FFFFFF"/>
-                  </a:solidFill>
-                </a:uFill>
-                <a:latin typeface="Calibri"/>
-              </a:rPr>
-              <a:t>gebündelt</a:t>
-            </a:r>
-            <a:r>
-              <a:rPr lang="en-US" spc="-1" dirty="0">
-                <a:solidFill>
-                  <a:srgbClr val="292929"/>
-                </a:solidFill>
-                <a:uFill>
-                  <a:solidFill>
-                    <a:srgbClr val="FFFFFF"/>
-                  </a:solidFill>
-                </a:uFill>
-                <a:latin typeface="Calibri"/>
-              </a:rPr>
-              <a:t> </a:t>
-            </a:r>
-            <a:r>
-              <a:rPr lang="en-US" spc="-1" dirty="0" err="1">
-                <a:solidFill>
-                  <a:srgbClr val="292929"/>
-                </a:solidFill>
-                <a:uFill>
-                  <a:solidFill>
-                    <a:srgbClr val="FFFFFF"/>
-                  </a:solidFill>
-                </a:uFill>
-                <a:latin typeface="Calibri"/>
-              </a:rPr>
-              <a:t>werden</a:t>
-            </a:r>
-            <a:endParaRPr lang="en-US" sz="1800" b="0" strike="noStrike" spc="-1" dirty="0">
+                <a:latin typeface="Calibri" panose="020F0502020204030204" pitchFamily="34" charset="0"/>
+                <a:cs typeface="Calibri" panose="020F0502020204030204" pitchFamily="34" charset="0"/>
+              </a:rPr>
+              <a:t>:</a:t>
+            </a:r>
+            <a:r>
+              <a:rPr lang="de-DE" dirty="0">
+                <a:latin typeface="Calibri" panose="020F0502020204030204" pitchFamily="34" charset="0"/>
+                <a:cs typeface="Calibri" panose="020F0502020204030204" pitchFamily="34" charset="0"/>
+              </a:rPr>
+              <a:t> https://github.com/junit-team/junit5/labels/theme%3A%20suites</a:t>
+            </a:r>
+            <a:endParaRPr lang="en-US" spc="-1" dirty="0">
               <a:solidFill>
                 <a:srgbClr val="292929"/>
               </a:solidFill>
@@ -35810,7 +36813,24 @@
                   <a:srgbClr val="FFFFFF"/>
                 </a:solidFill>
               </a:uFill>
-              <a:latin typeface="Calibri"/>
+              <a:latin typeface="Calibri" panose="020F0502020204030204" pitchFamily="34" charset="0"/>
+              <a:cs typeface="Calibri" panose="020F0502020204030204" pitchFamily="34" charset="0"/>
+            </a:endParaRPr>
+          </a:p>
+          <a:p>
+            <a:pPr marL="285840" indent="-285120">
+              <a:lnSpc>
+                <a:spcPct val="100000"/>
+              </a:lnSpc>
+              <a:buClr>
+                <a:srgbClr val="51A025"/>
+              </a:buClr>
+              <a:buFont typeface="Arial"/>
+              <a:buChar char="•"/>
+            </a:pPr>
+            <a:endParaRPr lang="de-DE" dirty="0">
+              <a:latin typeface="Calibri" panose="020F0502020204030204" pitchFamily="34" charset="0"/>
+              <a:cs typeface="Calibri" panose="020F0502020204030204" pitchFamily="34" charset="0"/>
             </a:endParaRPr>
           </a:p>
           <a:p>
@@ -35828,387 +36848,9 @@
                   <a:srgbClr val="FFFFFF"/>
                 </a:solidFill>
               </a:uFill>
-              <a:latin typeface="Calibri"/>
-            </a:endParaRPr>
-          </a:p>
-          <a:p>
-            <a:pPr>
-              <a:lnSpc>
-                <a:spcPct val="100000"/>
-              </a:lnSpc>
-            </a:pPr>
-            <a:r>
-              <a:rPr lang="en-US" sz="1800" b="0" strike="noStrike" spc="-1" dirty="0">
-                <a:solidFill>
-                  <a:srgbClr val="292929"/>
-                </a:solidFill>
-                <a:uFill>
-                  <a:solidFill>
-                    <a:srgbClr val="FFFFFF"/>
-                  </a:solidFill>
-                </a:uFill>
-                <a:latin typeface="Calibri"/>
-              </a:rPr>
-              <a:t>JUnit 5: </a:t>
-            </a:r>
-            <a:r>
-              <a:rPr lang="en-US" spc="-1" dirty="0">
-                <a:solidFill>
-                  <a:srgbClr val="292929"/>
-                </a:solidFill>
-                <a:uFill>
-                  <a:solidFill>
-                    <a:srgbClr val="FFFFFF"/>
-                  </a:solidFill>
-                </a:uFill>
-                <a:latin typeface="Calibri"/>
-              </a:rPr>
-              <a:t>@</a:t>
-            </a:r>
-            <a:r>
-              <a:rPr lang="en-US" spc="-1" dirty="0" err="1">
-                <a:solidFill>
-                  <a:srgbClr val="292929"/>
-                </a:solidFill>
-                <a:uFill>
-                  <a:solidFill>
-                    <a:srgbClr val="FFFFFF"/>
-                  </a:solidFill>
-                </a:uFill>
-                <a:latin typeface="Calibri"/>
-              </a:rPr>
-              <a:t>Suites.SuiteClases</a:t>
-            </a:r>
-            <a:r>
-              <a:rPr lang="en-US" spc="-1" dirty="0">
-                <a:solidFill>
-                  <a:srgbClr val="292929"/>
-                </a:solidFill>
-                <a:uFill>
-                  <a:solidFill>
-                    <a:srgbClr val="FFFFFF"/>
-                  </a:solidFill>
-                </a:uFill>
-                <a:latin typeface="Calibri"/>
-              </a:rPr>
-              <a:t> </a:t>
-            </a:r>
-            <a:r>
-              <a:rPr lang="en-US" spc="-1" dirty="0" err="1">
-                <a:solidFill>
-                  <a:srgbClr val="292929"/>
-                </a:solidFill>
-                <a:uFill>
-                  <a:solidFill>
-                    <a:srgbClr val="FFFFFF"/>
-                  </a:solidFill>
-                </a:uFill>
-                <a:latin typeface="Calibri"/>
-              </a:rPr>
-              <a:t>wird</a:t>
-            </a:r>
-            <a:r>
-              <a:rPr lang="en-US" spc="-1" dirty="0">
-                <a:solidFill>
-                  <a:srgbClr val="292929"/>
-                </a:solidFill>
-                <a:uFill>
-                  <a:solidFill>
-                    <a:srgbClr val="FFFFFF"/>
-                  </a:solidFill>
-                </a:uFill>
-                <a:latin typeface="Calibri"/>
-              </a:rPr>
-              <a:t> </a:t>
-            </a:r>
-            <a:r>
-              <a:rPr lang="en-US" spc="-1" dirty="0" err="1">
-                <a:solidFill>
-                  <a:srgbClr val="292929"/>
-                </a:solidFill>
-                <a:uFill>
-                  <a:solidFill>
-                    <a:srgbClr val="FFFFFF"/>
-                  </a:solidFill>
-                </a:uFill>
-                <a:latin typeface="Calibri"/>
-              </a:rPr>
-              <a:t>durch</a:t>
-            </a:r>
-            <a:r>
-              <a:rPr lang="en-US" spc="-1" dirty="0">
-                <a:solidFill>
-                  <a:srgbClr val="292929"/>
-                </a:solidFill>
-                <a:uFill>
-                  <a:solidFill>
-                    <a:srgbClr val="FFFFFF"/>
-                  </a:solidFill>
-                </a:uFill>
-                <a:latin typeface="Calibri"/>
-              </a:rPr>
-              <a:t> @</a:t>
-            </a:r>
-            <a:r>
-              <a:rPr lang="en-US" spc="-1" dirty="0" err="1">
-                <a:solidFill>
-                  <a:srgbClr val="292929"/>
-                </a:solidFill>
-                <a:uFill>
-                  <a:solidFill>
-                    <a:srgbClr val="FFFFFF"/>
-                  </a:solidFill>
-                </a:uFill>
-                <a:latin typeface="Calibri"/>
-              </a:rPr>
-              <a:t>SelectClasses</a:t>
-            </a:r>
-            <a:r>
-              <a:rPr lang="en-US" spc="-1" dirty="0">
-                <a:solidFill>
-                  <a:srgbClr val="292929"/>
-                </a:solidFill>
-                <a:uFill>
-                  <a:solidFill>
-                    <a:srgbClr val="FFFFFF"/>
-                  </a:solidFill>
-                </a:uFill>
-                <a:latin typeface="Calibri"/>
-              </a:rPr>
-              <a:t> </a:t>
-            </a:r>
-            <a:r>
-              <a:rPr lang="en-US" spc="-1" dirty="0" err="1">
-                <a:solidFill>
-                  <a:srgbClr val="292929"/>
-                </a:solidFill>
-                <a:uFill>
-                  <a:solidFill>
-                    <a:srgbClr val="FFFFFF"/>
-                  </a:solidFill>
-                </a:uFill>
-                <a:latin typeface="Calibri"/>
-              </a:rPr>
-              <a:t>ersetzt</a:t>
-            </a:r>
-            <a:endParaRPr lang="en-US" spc="-1" dirty="0">
-              <a:solidFill>
-                <a:srgbClr val="292929"/>
-              </a:solidFill>
-              <a:uFill>
-                <a:solidFill>
-                  <a:srgbClr val="FFFFFF"/>
-                </a:solidFill>
-              </a:uFill>
-              <a:latin typeface="Calibri"/>
-            </a:endParaRPr>
-          </a:p>
-          <a:p>
-            <a:pPr>
-              <a:lnSpc>
-                <a:spcPct val="100000"/>
-              </a:lnSpc>
-            </a:pPr>
-            <a:endParaRPr lang="en-US" spc="-1" dirty="0">
-              <a:solidFill>
-                <a:srgbClr val="292929"/>
-              </a:solidFill>
-              <a:uFill>
-                <a:solidFill>
-                  <a:srgbClr val="FFFFFF"/>
-                </a:solidFill>
-              </a:uFill>
-              <a:latin typeface="Calibri"/>
-            </a:endParaRPr>
-          </a:p>
-          <a:p>
-            <a:pPr>
-              <a:lnSpc>
-                <a:spcPct val="100000"/>
-              </a:lnSpc>
-            </a:pPr>
-            <a:r>
-              <a:rPr lang="en-US" spc="-1" dirty="0">
-                <a:solidFill>
-                  <a:srgbClr val="292929"/>
-                </a:solidFill>
-                <a:uFill>
-                  <a:solidFill>
-                    <a:srgbClr val="FFFFFF"/>
-                  </a:solidFill>
-                </a:uFill>
-                <a:latin typeface="Calibri"/>
-              </a:rPr>
-              <a:t>Um JUnit 5 Suites in JUnit 4 </a:t>
-            </a:r>
-            <a:r>
-              <a:rPr lang="en-US" spc="-1" dirty="0" err="1">
-                <a:solidFill>
-                  <a:srgbClr val="292929"/>
-                </a:solidFill>
-                <a:uFill>
-                  <a:solidFill>
-                    <a:srgbClr val="FFFFFF"/>
-                  </a:solidFill>
-                </a:uFill>
-                <a:latin typeface="Calibri"/>
-              </a:rPr>
-              <a:t>zu</a:t>
-            </a:r>
-            <a:r>
-              <a:rPr lang="en-US" spc="-1" dirty="0">
-                <a:solidFill>
-                  <a:srgbClr val="292929"/>
-                </a:solidFill>
-                <a:uFill>
-                  <a:solidFill>
-                    <a:srgbClr val="FFFFFF"/>
-                  </a:solidFill>
-                </a:uFill>
-                <a:latin typeface="Calibri"/>
-              </a:rPr>
-              <a:t> </a:t>
-            </a:r>
-            <a:r>
-              <a:rPr lang="en-US" spc="-1" dirty="0" err="1">
-                <a:solidFill>
-                  <a:srgbClr val="292929"/>
-                </a:solidFill>
-                <a:uFill>
-                  <a:solidFill>
-                    <a:srgbClr val="FFFFFF"/>
-                  </a:solidFill>
-                </a:uFill>
-                <a:latin typeface="Calibri"/>
-              </a:rPr>
-              <a:t>nutzen</a:t>
-            </a:r>
-            <a:r>
-              <a:rPr lang="en-US" spc="-1" dirty="0">
-                <a:solidFill>
-                  <a:srgbClr val="292929"/>
-                </a:solidFill>
-                <a:uFill>
-                  <a:solidFill>
-                    <a:srgbClr val="FFFFFF"/>
-                  </a:solidFill>
-                </a:uFill>
-                <a:latin typeface="Calibri"/>
-              </a:rPr>
-              <a:t>, </a:t>
-            </a:r>
-            <a:r>
-              <a:rPr lang="de-DE" spc="-1" dirty="0">
-                <a:solidFill>
-                  <a:srgbClr val="292929"/>
-                </a:solidFill>
-                <a:uFill>
-                  <a:solidFill>
-                    <a:srgbClr val="FFFFFF"/>
-                  </a:solidFill>
-                </a:uFill>
-                <a:latin typeface="Calibri"/>
-              </a:rPr>
-              <a:t>werden</a:t>
-            </a:r>
-            <a:r>
-              <a:rPr lang="en-US" spc="-1" dirty="0">
-                <a:solidFill>
-                  <a:srgbClr val="292929"/>
-                </a:solidFill>
-                <a:uFill>
-                  <a:solidFill>
-                    <a:srgbClr val="FFFFFF"/>
-                  </a:solidFill>
-                </a:uFill>
-                <a:latin typeface="Calibri"/>
-              </a:rPr>
-              <a:t> </a:t>
-            </a:r>
-            <a:r>
-              <a:rPr lang="en-US" spc="-1" dirty="0" err="1">
-                <a:solidFill>
-                  <a:srgbClr val="292929"/>
-                </a:solidFill>
-                <a:uFill>
-                  <a:solidFill>
-                    <a:srgbClr val="FFFFFF"/>
-                  </a:solidFill>
-                </a:uFill>
-                <a:latin typeface="Calibri"/>
-              </a:rPr>
-              <a:t>folgende</a:t>
-            </a:r>
-            <a:r>
-              <a:rPr lang="en-US" spc="-1" dirty="0">
-                <a:solidFill>
-                  <a:srgbClr val="292929"/>
-                </a:solidFill>
-                <a:uFill>
-                  <a:solidFill>
-                    <a:srgbClr val="FFFFFF"/>
-                  </a:solidFill>
-                </a:uFill>
-                <a:latin typeface="Calibri"/>
-              </a:rPr>
-              <a:t> </a:t>
-            </a:r>
-            <a:r>
-              <a:rPr lang="en-US" spc="-1" dirty="0" err="1">
-                <a:solidFill>
-                  <a:srgbClr val="292929"/>
-                </a:solidFill>
-                <a:uFill>
-                  <a:solidFill>
-                    <a:srgbClr val="FFFFFF"/>
-                  </a:solidFill>
-                </a:uFill>
-                <a:latin typeface="Calibri"/>
-              </a:rPr>
-              <a:t>Abhängigkeiten</a:t>
-            </a:r>
-            <a:r>
-              <a:rPr lang="en-US" spc="-1" dirty="0">
-                <a:solidFill>
-                  <a:srgbClr val="292929"/>
-                </a:solidFill>
-                <a:uFill>
-                  <a:solidFill>
-                    <a:srgbClr val="FFFFFF"/>
-                  </a:solidFill>
-                </a:uFill>
-                <a:latin typeface="Calibri"/>
-              </a:rPr>
-              <a:t> </a:t>
-            </a:r>
-            <a:r>
-              <a:rPr lang="en-US" spc="-1" dirty="0" err="1">
-                <a:solidFill>
-                  <a:srgbClr val="292929"/>
-                </a:solidFill>
-                <a:uFill>
-                  <a:solidFill>
-                    <a:srgbClr val="FFFFFF"/>
-                  </a:solidFill>
-                </a:uFill>
-                <a:latin typeface="Calibri"/>
-              </a:rPr>
-              <a:t>benötigt</a:t>
-            </a:r>
-            <a:r>
-              <a:rPr lang="en-US" spc="-1" dirty="0">
-                <a:solidFill>
-                  <a:srgbClr val="292929"/>
-                </a:solidFill>
-                <a:uFill>
-                  <a:solidFill>
-                    <a:srgbClr val="FFFFFF"/>
-                  </a:solidFill>
-                </a:uFill>
-                <a:latin typeface="Calibri"/>
-              </a:rPr>
-              <a:t>:</a:t>
-            </a:r>
+              <a:latin typeface="Calibri" panose="020F0502020204030204" pitchFamily="34" charset="0"/>
+              <a:cs typeface="Calibri" panose="020F0502020204030204" pitchFamily="34" charset="0"/>
+            </a:endParaRPr>
           </a:p>
           <a:p>
             <a:pPr>
@@ -36225,7 +36867,8 @@
                   <a:srgbClr val="FFFFFF"/>
                 </a:solidFill>
               </a:uFill>
-              <a:latin typeface="Arial"/>
+              <a:latin typeface="Calibri" panose="020F0502020204030204" pitchFamily="34" charset="0"/>
+              <a:cs typeface="Calibri" panose="020F0502020204030204" pitchFamily="34" charset="0"/>
             </a:endParaRPr>
           </a:p>
         </p:txBody>
@@ -36244,8 +36887,8 @@
         </p:nvSpPr>
         <p:spPr>
           <a:xfrm>
-            <a:off x="574004" y="3326376"/>
-            <a:ext cx="5700900" cy="1040216"/>
+            <a:off x="574004" y="1928296"/>
+            <a:ext cx="3263548" cy="1663043"/>
           </a:xfrm>
           <a:prstGeom prst="rect">
             <a:avLst/>
@@ -36279,388 +36922,311 @@
           <a:bodyPr rtlCol="0" anchor="ctr"/>
           <a:lstStyle/>
           <a:p>
-            <a:pPr>
-              <a:lnSpc>
-                <a:spcPct val="100000"/>
-              </a:lnSpc>
-            </a:pPr>
-            <a:r>
-              <a:rPr lang="en-US" sz="1200" spc="-1" dirty="0">
-                <a:solidFill>
-                  <a:srgbClr val="292929"/>
-                </a:solidFill>
-                <a:uFill>
-                  <a:solidFill>
-                    <a:srgbClr val="FFFFFF"/>
-                  </a:solidFill>
-                </a:uFill>
+            <a:r>
+              <a:rPr lang="de-DE" sz="1200" dirty="0">
+                <a:solidFill>
+                  <a:schemeClr val="tx1"/>
+                </a:solidFill>
                 <a:latin typeface="Calibri" panose="020F0502020204030204" pitchFamily="34" charset="0"/>
                 <a:cs typeface="Calibri" panose="020F0502020204030204" pitchFamily="34" charset="0"/>
               </a:rPr>
-              <a:t>dependencies {</a:t>
-            </a:r>
-            <a:endParaRPr lang="en-US" sz="1200" spc="-1" dirty="0">
-              <a:solidFill>
-                <a:srgbClr val="000000"/>
-              </a:solidFill>
-              <a:uFill>
-                <a:solidFill>
-                  <a:srgbClr val="FFFFFF"/>
-                </a:solidFill>
-              </a:uFill>
+              <a:t>@</a:t>
+            </a:r>
+            <a:r>
+              <a:rPr lang="de-DE" sz="1200" dirty="0" err="1">
+                <a:solidFill>
+                  <a:schemeClr val="tx1"/>
+                </a:solidFill>
+                <a:latin typeface="Calibri" panose="020F0502020204030204" pitchFamily="34" charset="0"/>
+                <a:cs typeface="Calibri" panose="020F0502020204030204" pitchFamily="34" charset="0"/>
+              </a:rPr>
+              <a:t>RunWith</a:t>
+            </a:r>
+            <a:r>
+              <a:rPr lang="de-DE" sz="1200" dirty="0">
+                <a:solidFill>
+                  <a:schemeClr val="tx1"/>
+                </a:solidFill>
+                <a:latin typeface="Calibri" panose="020F0502020204030204" pitchFamily="34" charset="0"/>
+                <a:cs typeface="Calibri" panose="020F0502020204030204" pitchFamily="34" charset="0"/>
+              </a:rPr>
+              <a:t>(</a:t>
+            </a:r>
+            <a:r>
+              <a:rPr lang="de-DE" sz="1200" dirty="0" err="1">
+                <a:solidFill>
+                  <a:schemeClr val="tx1"/>
+                </a:solidFill>
+                <a:latin typeface="Calibri" panose="020F0502020204030204" pitchFamily="34" charset="0"/>
+                <a:cs typeface="Calibri" panose="020F0502020204030204" pitchFamily="34" charset="0"/>
+              </a:rPr>
+              <a:t>JUnitPlatform.class</a:t>
+            </a:r>
+            <a:r>
+              <a:rPr lang="de-DE" sz="1200" dirty="0">
+                <a:solidFill>
+                  <a:schemeClr val="tx1"/>
+                </a:solidFill>
+                <a:latin typeface="Calibri" panose="020F0502020204030204" pitchFamily="34" charset="0"/>
+                <a:cs typeface="Calibri" panose="020F0502020204030204" pitchFamily="34" charset="0"/>
+              </a:rPr>
+              <a:t>)</a:t>
+            </a:r>
+          </a:p>
+          <a:p>
+            <a:r>
+              <a:rPr lang="de-DE" sz="1200" dirty="0">
+                <a:solidFill>
+                  <a:schemeClr val="tx1"/>
+                </a:solidFill>
+                <a:latin typeface="Calibri" panose="020F0502020204030204" pitchFamily="34" charset="0"/>
+                <a:cs typeface="Calibri" panose="020F0502020204030204" pitchFamily="34" charset="0"/>
+              </a:rPr>
+              <a:t>@</a:t>
+            </a:r>
+            <a:r>
+              <a:rPr lang="de-DE" sz="1200" dirty="0" err="1">
+                <a:solidFill>
+                  <a:schemeClr val="tx1"/>
+                </a:solidFill>
+                <a:latin typeface="Calibri" panose="020F0502020204030204" pitchFamily="34" charset="0"/>
+                <a:cs typeface="Calibri" panose="020F0502020204030204" pitchFamily="34" charset="0"/>
+              </a:rPr>
+              <a:t>SelectClasses</a:t>
+            </a:r>
+            <a:r>
+              <a:rPr lang="de-DE" sz="1200" dirty="0">
+                <a:solidFill>
+                  <a:schemeClr val="tx1"/>
+                </a:solidFill>
+                <a:latin typeface="Calibri" panose="020F0502020204030204" pitchFamily="34" charset="0"/>
+                <a:cs typeface="Calibri" panose="020F0502020204030204" pitchFamily="34" charset="0"/>
+              </a:rPr>
+              <a:t>({RentCalculatorJunit4Test.class})</a:t>
+            </a:r>
+          </a:p>
+          <a:p>
+            <a:r>
+              <a:rPr lang="de-DE" sz="1200" dirty="0">
+                <a:solidFill>
+                  <a:schemeClr val="tx1"/>
+                </a:solidFill>
+                <a:latin typeface="Calibri" panose="020F0502020204030204" pitchFamily="34" charset="0"/>
+                <a:cs typeface="Calibri" panose="020F0502020204030204" pitchFamily="34" charset="0"/>
+              </a:rPr>
+              <a:t>@</a:t>
+            </a:r>
+            <a:r>
+              <a:rPr lang="de-DE" sz="1200" dirty="0" err="1">
+                <a:solidFill>
+                  <a:schemeClr val="tx1"/>
+                </a:solidFill>
+                <a:latin typeface="Calibri" panose="020F0502020204030204" pitchFamily="34" charset="0"/>
+                <a:cs typeface="Calibri" panose="020F0502020204030204" pitchFamily="34" charset="0"/>
+              </a:rPr>
+              <a:t>SelectPackages</a:t>
+            </a:r>
+            <a:r>
+              <a:rPr lang="de-DE" sz="1200" dirty="0">
+                <a:solidFill>
+                  <a:schemeClr val="tx1"/>
+                </a:solidFill>
+                <a:latin typeface="Calibri" panose="020F0502020204030204" pitchFamily="34" charset="0"/>
+                <a:cs typeface="Calibri" panose="020F0502020204030204" pitchFamily="34" charset="0"/>
+              </a:rPr>
+              <a:t>({"</a:t>
+            </a:r>
+            <a:r>
+              <a:rPr lang="de-DE" sz="1200" dirty="0" err="1">
+                <a:solidFill>
+                  <a:schemeClr val="tx1"/>
+                </a:solidFill>
+                <a:latin typeface="Calibri" panose="020F0502020204030204" pitchFamily="34" charset="0"/>
+                <a:cs typeface="Calibri" panose="020F0502020204030204" pitchFamily="34" charset="0"/>
+              </a:rPr>
+              <a:t>expectedException</a:t>
+            </a:r>
+            <a:r>
+              <a:rPr lang="de-DE" sz="1200" dirty="0">
+                <a:solidFill>
+                  <a:schemeClr val="tx1"/>
+                </a:solidFill>
+                <a:latin typeface="Calibri" panose="020F0502020204030204" pitchFamily="34" charset="0"/>
+                <a:cs typeface="Calibri" panose="020F0502020204030204" pitchFamily="34" charset="0"/>
+              </a:rPr>
+              <a:t>"})</a:t>
+            </a:r>
+          </a:p>
+          <a:p>
+            <a:r>
+              <a:rPr lang="de-DE" sz="1200" dirty="0">
+                <a:solidFill>
+                  <a:schemeClr val="tx1"/>
+                </a:solidFill>
+                <a:latin typeface="Calibri" panose="020F0502020204030204" pitchFamily="34" charset="0"/>
+                <a:cs typeface="Calibri" panose="020F0502020204030204" pitchFamily="34" charset="0"/>
+              </a:rPr>
+              <a:t>@</a:t>
+            </a:r>
+            <a:r>
+              <a:rPr lang="de-DE" sz="1200" dirty="0" err="1">
+                <a:solidFill>
+                  <a:schemeClr val="tx1"/>
+                </a:solidFill>
+                <a:latin typeface="Calibri" panose="020F0502020204030204" pitchFamily="34" charset="0"/>
+                <a:cs typeface="Calibri" panose="020F0502020204030204" pitchFamily="34" charset="0"/>
+              </a:rPr>
+              <a:t>IncludeTags</a:t>
+            </a:r>
+            <a:r>
+              <a:rPr lang="de-DE" sz="1200" dirty="0">
+                <a:solidFill>
+                  <a:schemeClr val="tx1"/>
+                </a:solidFill>
+                <a:latin typeface="Calibri" panose="020F0502020204030204" pitchFamily="34" charset="0"/>
+                <a:cs typeface="Calibri" panose="020F0502020204030204" pitchFamily="34" charset="0"/>
+              </a:rPr>
+              <a:t>({"</a:t>
+            </a:r>
+            <a:r>
+              <a:rPr lang="de-DE" sz="1200" dirty="0" err="1">
+                <a:solidFill>
+                  <a:schemeClr val="tx1"/>
+                </a:solidFill>
+                <a:latin typeface="Calibri" panose="020F0502020204030204" pitchFamily="34" charset="0"/>
+                <a:cs typeface="Calibri" panose="020F0502020204030204" pitchFamily="34" charset="0"/>
+              </a:rPr>
+              <a:t>short</a:t>
+            </a:r>
+            <a:r>
+              <a:rPr lang="de-DE" sz="1200" dirty="0">
+                <a:solidFill>
+                  <a:schemeClr val="tx1"/>
+                </a:solidFill>
+                <a:latin typeface="Calibri" panose="020F0502020204030204" pitchFamily="34" charset="0"/>
+                <a:cs typeface="Calibri" panose="020F0502020204030204" pitchFamily="34" charset="0"/>
+              </a:rPr>
+              <a:t>","</a:t>
+            </a:r>
+            <a:r>
+              <a:rPr lang="de-DE" sz="1200" dirty="0" err="1">
+                <a:solidFill>
+                  <a:schemeClr val="tx1"/>
+                </a:solidFill>
+                <a:latin typeface="Calibri" panose="020F0502020204030204" pitchFamily="34" charset="0"/>
+                <a:cs typeface="Calibri" panose="020F0502020204030204" pitchFamily="34" charset="0"/>
+              </a:rPr>
+              <a:t>long</a:t>
+            </a:r>
+            <a:r>
+              <a:rPr lang="de-DE" sz="1200" dirty="0">
+                <a:solidFill>
+                  <a:schemeClr val="tx1"/>
+                </a:solidFill>
+                <a:latin typeface="Calibri" panose="020F0502020204030204" pitchFamily="34" charset="0"/>
+                <a:cs typeface="Calibri" panose="020F0502020204030204" pitchFamily="34" charset="0"/>
+              </a:rPr>
+              <a:t>"})</a:t>
+            </a:r>
+          </a:p>
+          <a:p>
+            <a:r>
+              <a:rPr lang="de-DE" sz="1200" dirty="0" err="1">
+                <a:solidFill>
+                  <a:schemeClr val="tx1"/>
+                </a:solidFill>
+                <a:latin typeface="Calibri" panose="020F0502020204030204" pitchFamily="34" charset="0"/>
+                <a:cs typeface="Calibri" panose="020F0502020204030204" pitchFamily="34" charset="0"/>
+              </a:rPr>
+              <a:t>public</a:t>
+            </a:r>
+            <a:r>
+              <a:rPr lang="de-DE" sz="1200" dirty="0">
+                <a:solidFill>
+                  <a:schemeClr val="tx1"/>
+                </a:solidFill>
+                <a:latin typeface="Calibri" panose="020F0502020204030204" pitchFamily="34" charset="0"/>
+                <a:cs typeface="Calibri" panose="020F0502020204030204" pitchFamily="34" charset="0"/>
+              </a:rPr>
+              <a:t> </a:t>
+            </a:r>
+            <a:r>
+              <a:rPr lang="de-DE" sz="1200" dirty="0" err="1">
+                <a:solidFill>
+                  <a:schemeClr val="tx1"/>
+                </a:solidFill>
+                <a:latin typeface="Calibri" panose="020F0502020204030204" pitchFamily="34" charset="0"/>
+                <a:cs typeface="Calibri" panose="020F0502020204030204" pitchFamily="34" charset="0"/>
+              </a:rPr>
+              <a:t>class</a:t>
+            </a:r>
+            <a:r>
+              <a:rPr lang="de-DE" sz="1200" dirty="0">
+                <a:solidFill>
+                  <a:schemeClr val="tx1"/>
+                </a:solidFill>
+                <a:latin typeface="Calibri" panose="020F0502020204030204" pitchFamily="34" charset="0"/>
+                <a:cs typeface="Calibri" panose="020F0502020204030204" pitchFamily="34" charset="0"/>
+              </a:rPr>
+              <a:t> </a:t>
+            </a:r>
+            <a:r>
+              <a:rPr lang="de-DE" sz="1200" dirty="0" err="1">
+                <a:solidFill>
+                  <a:schemeClr val="tx1"/>
+                </a:solidFill>
+                <a:latin typeface="Calibri" panose="020F0502020204030204" pitchFamily="34" charset="0"/>
+                <a:cs typeface="Calibri" panose="020F0502020204030204" pitchFamily="34" charset="0"/>
+              </a:rPr>
+              <a:t>TestSuite</a:t>
+            </a:r>
+            <a:r>
+              <a:rPr lang="de-DE" sz="1200" dirty="0">
+                <a:solidFill>
+                  <a:schemeClr val="tx1"/>
+                </a:solidFill>
+                <a:latin typeface="Calibri" panose="020F0502020204030204" pitchFamily="34" charset="0"/>
+                <a:cs typeface="Calibri" panose="020F0502020204030204" pitchFamily="34" charset="0"/>
+              </a:rPr>
+              <a:t>{</a:t>
+            </a:r>
+          </a:p>
+          <a:p>
+            <a:endParaRPr lang="de-DE" sz="1200" dirty="0">
+              <a:solidFill>
+                <a:schemeClr val="tx1"/>
+              </a:solidFill>
               <a:latin typeface="Calibri" panose="020F0502020204030204" pitchFamily="34" charset="0"/>
               <a:cs typeface="Calibri" panose="020F0502020204030204" pitchFamily="34" charset="0"/>
             </a:endParaRPr>
           </a:p>
           <a:p>
-            <a:r>
-              <a:rPr lang="en-US" sz="1200" spc="-1" dirty="0">
-                <a:solidFill>
-                  <a:srgbClr val="292929"/>
-                </a:solidFill>
-                <a:uFill>
-                  <a:solidFill>
-                    <a:srgbClr val="FFFFFF"/>
-                  </a:solidFill>
-                </a:uFill>
+            <a:endParaRPr lang="de-DE" sz="1200" dirty="0">
+              <a:solidFill>
+                <a:schemeClr val="tx1"/>
+              </a:solidFill>
+              <a:latin typeface="Calibri" panose="020F0502020204030204" pitchFamily="34" charset="0"/>
+              <a:cs typeface="Calibri" panose="020F0502020204030204" pitchFamily="34" charset="0"/>
+            </a:endParaRPr>
+          </a:p>
+          <a:p>
+            <a:r>
+              <a:rPr lang="de-DE" sz="1200" dirty="0">
+                <a:solidFill>
+                  <a:schemeClr val="tx1"/>
+                </a:solidFill>
                 <a:latin typeface="Calibri" panose="020F0502020204030204" pitchFamily="34" charset="0"/>
                 <a:cs typeface="Calibri" panose="020F0502020204030204" pitchFamily="34" charset="0"/>
               </a:rPr>
-              <a:t>    </a:t>
-            </a:r>
-            <a:r>
-              <a:rPr lang="de-DE" sz="1200" dirty="0" err="1">
-                <a:solidFill>
-                  <a:schemeClr val="tx1"/>
-                </a:solidFill>
-                <a:latin typeface="Calibri" panose="020F0502020204030204" pitchFamily="34" charset="0"/>
-                <a:cs typeface="Calibri" panose="020F0502020204030204" pitchFamily="34" charset="0"/>
-              </a:rPr>
-              <a:t>compile</a:t>
-            </a:r>
-            <a:r>
-              <a:rPr lang="de-DE" sz="1200" dirty="0">
-                <a:solidFill>
-                  <a:schemeClr val="tx1"/>
-                </a:solidFill>
-                <a:latin typeface="Calibri" panose="020F0502020204030204" pitchFamily="34" charset="0"/>
-                <a:cs typeface="Calibri" panose="020F0502020204030204" pitchFamily="34" charset="0"/>
-              </a:rPr>
-              <a:t> </a:t>
-            </a:r>
-            <a:r>
-              <a:rPr lang="de-DE" sz="1200" dirty="0" err="1">
-                <a:solidFill>
-                  <a:schemeClr val="tx1"/>
-                </a:solidFill>
-                <a:latin typeface="Calibri" panose="020F0502020204030204" pitchFamily="34" charset="0"/>
-                <a:cs typeface="Calibri" panose="020F0502020204030204" pitchFamily="34" charset="0"/>
-              </a:rPr>
-              <a:t>group</a:t>
-            </a:r>
-            <a:r>
-              <a:rPr lang="de-DE" sz="1200" dirty="0">
-                <a:solidFill>
-                  <a:schemeClr val="tx1"/>
-                </a:solidFill>
-                <a:latin typeface="Calibri" panose="020F0502020204030204" pitchFamily="34" charset="0"/>
-                <a:cs typeface="Calibri" panose="020F0502020204030204" pitchFamily="34" charset="0"/>
-              </a:rPr>
-              <a:t>: '</a:t>
-            </a:r>
-            <a:r>
-              <a:rPr lang="de-DE" sz="1200" dirty="0" err="1">
-                <a:solidFill>
-                  <a:schemeClr val="tx1"/>
-                </a:solidFill>
-                <a:latin typeface="Calibri" panose="020F0502020204030204" pitchFamily="34" charset="0"/>
-                <a:cs typeface="Calibri" panose="020F0502020204030204" pitchFamily="34" charset="0"/>
-              </a:rPr>
-              <a:t>org.junit.platform</a:t>
-            </a:r>
-            <a:r>
-              <a:rPr lang="de-DE" sz="1200" dirty="0">
-                <a:solidFill>
-                  <a:schemeClr val="tx1"/>
-                </a:solidFill>
-                <a:latin typeface="Calibri" panose="020F0502020204030204" pitchFamily="34" charset="0"/>
-                <a:cs typeface="Calibri" panose="020F0502020204030204" pitchFamily="34" charset="0"/>
-              </a:rPr>
-              <a:t>', </a:t>
-            </a:r>
-            <a:r>
-              <a:rPr lang="de-DE" sz="1200" dirty="0" err="1">
-                <a:solidFill>
-                  <a:schemeClr val="tx1"/>
-                </a:solidFill>
-                <a:latin typeface="Calibri" panose="020F0502020204030204" pitchFamily="34" charset="0"/>
-                <a:cs typeface="Calibri" panose="020F0502020204030204" pitchFamily="34" charset="0"/>
-              </a:rPr>
-              <a:t>name</a:t>
-            </a:r>
-            <a:r>
-              <a:rPr lang="de-DE" sz="1200" dirty="0">
-                <a:solidFill>
-                  <a:schemeClr val="tx1"/>
-                </a:solidFill>
-                <a:latin typeface="Calibri" panose="020F0502020204030204" pitchFamily="34" charset="0"/>
-                <a:cs typeface="Calibri" panose="020F0502020204030204" pitchFamily="34" charset="0"/>
-              </a:rPr>
-              <a:t>: '</a:t>
-            </a:r>
-            <a:r>
-              <a:rPr lang="de-DE" sz="1200" dirty="0" err="1">
-                <a:solidFill>
-                  <a:schemeClr val="tx1"/>
-                </a:solidFill>
-                <a:latin typeface="Calibri" panose="020F0502020204030204" pitchFamily="34" charset="0"/>
-                <a:cs typeface="Calibri" panose="020F0502020204030204" pitchFamily="34" charset="0"/>
-              </a:rPr>
-              <a:t>junit</a:t>
-            </a:r>
-            <a:r>
-              <a:rPr lang="de-DE" sz="1200" dirty="0">
-                <a:solidFill>
-                  <a:schemeClr val="tx1"/>
-                </a:solidFill>
-                <a:latin typeface="Calibri" panose="020F0502020204030204" pitchFamily="34" charset="0"/>
-                <a:cs typeface="Calibri" panose="020F0502020204030204" pitchFamily="34" charset="0"/>
-              </a:rPr>
-              <a:t>-</a:t>
-            </a:r>
-            <a:r>
-              <a:rPr lang="de-DE" sz="1200" dirty="0" err="1">
-                <a:solidFill>
-                  <a:schemeClr val="tx1"/>
-                </a:solidFill>
-                <a:latin typeface="Calibri" panose="020F0502020204030204" pitchFamily="34" charset="0"/>
-                <a:cs typeface="Calibri" panose="020F0502020204030204" pitchFamily="34" charset="0"/>
-              </a:rPr>
-              <a:t>platform</a:t>
-            </a:r>
-            <a:r>
-              <a:rPr lang="de-DE" sz="1200" dirty="0">
-                <a:solidFill>
-                  <a:schemeClr val="tx1"/>
-                </a:solidFill>
-                <a:latin typeface="Calibri" panose="020F0502020204030204" pitchFamily="34" charset="0"/>
-                <a:cs typeface="Calibri" panose="020F0502020204030204" pitchFamily="34" charset="0"/>
-              </a:rPr>
-              <a:t>-suite-</a:t>
-            </a:r>
-            <a:r>
-              <a:rPr lang="de-DE" sz="1200" dirty="0" err="1">
-                <a:solidFill>
-                  <a:schemeClr val="tx1"/>
-                </a:solidFill>
-                <a:latin typeface="Calibri" panose="020F0502020204030204" pitchFamily="34" charset="0"/>
-                <a:cs typeface="Calibri" panose="020F0502020204030204" pitchFamily="34" charset="0"/>
-              </a:rPr>
-              <a:t>api</a:t>
-            </a:r>
-            <a:r>
-              <a:rPr lang="de-DE" sz="1200" dirty="0">
-                <a:solidFill>
-                  <a:schemeClr val="tx1"/>
-                </a:solidFill>
-                <a:latin typeface="Calibri" panose="020F0502020204030204" pitchFamily="34" charset="0"/>
-                <a:cs typeface="Calibri" panose="020F0502020204030204" pitchFamily="34" charset="0"/>
-              </a:rPr>
-              <a:t>', </a:t>
-            </a:r>
-            <a:r>
-              <a:rPr lang="de-DE" sz="1200" dirty="0" err="1">
-                <a:solidFill>
-                  <a:schemeClr val="tx1"/>
-                </a:solidFill>
-                <a:latin typeface="Calibri" panose="020F0502020204030204" pitchFamily="34" charset="0"/>
-                <a:cs typeface="Calibri" panose="020F0502020204030204" pitchFamily="34" charset="0"/>
-              </a:rPr>
-              <a:t>version</a:t>
-            </a:r>
-            <a:r>
-              <a:rPr lang="de-DE" sz="1200" dirty="0">
-                <a:solidFill>
-                  <a:schemeClr val="tx1"/>
-                </a:solidFill>
-                <a:latin typeface="Calibri" panose="020F0502020204030204" pitchFamily="34" charset="0"/>
-                <a:cs typeface="Calibri" panose="020F0502020204030204" pitchFamily="34" charset="0"/>
-              </a:rPr>
-              <a:t>: '1.2.0'</a:t>
-            </a:r>
-          </a:p>
-          <a:p>
-            <a:r>
-              <a:rPr lang="de-DE" sz="1200" dirty="0">
-                <a:solidFill>
-                  <a:schemeClr val="tx1"/>
-                </a:solidFill>
-                <a:latin typeface="Calibri" panose="020F0502020204030204" pitchFamily="34" charset="0"/>
-                <a:cs typeface="Calibri" panose="020F0502020204030204" pitchFamily="34" charset="0"/>
-              </a:rPr>
-              <a:t>    </a:t>
-            </a:r>
-            <a:r>
-              <a:rPr lang="de-DE" sz="1200" dirty="0" err="1">
-                <a:solidFill>
-                  <a:schemeClr val="tx1"/>
-                </a:solidFill>
-                <a:latin typeface="Calibri" panose="020F0502020204030204" pitchFamily="34" charset="0"/>
-                <a:cs typeface="Calibri" panose="020F0502020204030204" pitchFamily="34" charset="0"/>
-              </a:rPr>
-              <a:t>testCompile</a:t>
-            </a:r>
-            <a:r>
-              <a:rPr lang="de-DE" sz="1200" dirty="0">
-                <a:solidFill>
-                  <a:schemeClr val="tx1"/>
-                </a:solidFill>
-                <a:latin typeface="Calibri" panose="020F0502020204030204" pitchFamily="34" charset="0"/>
-                <a:cs typeface="Calibri" panose="020F0502020204030204" pitchFamily="34" charset="0"/>
-              </a:rPr>
-              <a:t> </a:t>
-            </a:r>
-            <a:r>
-              <a:rPr lang="de-DE" sz="1200" dirty="0" err="1">
-                <a:solidFill>
-                  <a:schemeClr val="tx1"/>
-                </a:solidFill>
-                <a:latin typeface="Calibri" panose="020F0502020204030204" pitchFamily="34" charset="0"/>
-                <a:cs typeface="Calibri" panose="020F0502020204030204" pitchFamily="34" charset="0"/>
-              </a:rPr>
-              <a:t>group</a:t>
-            </a:r>
-            <a:r>
-              <a:rPr lang="de-DE" sz="1200" dirty="0">
-                <a:solidFill>
-                  <a:schemeClr val="tx1"/>
-                </a:solidFill>
-                <a:latin typeface="Calibri" panose="020F0502020204030204" pitchFamily="34" charset="0"/>
-                <a:cs typeface="Calibri" panose="020F0502020204030204" pitchFamily="34" charset="0"/>
-              </a:rPr>
-              <a:t>: '</a:t>
-            </a:r>
-            <a:r>
-              <a:rPr lang="de-DE" sz="1200" dirty="0" err="1">
-                <a:solidFill>
-                  <a:schemeClr val="tx1"/>
-                </a:solidFill>
-                <a:latin typeface="Calibri" panose="020F0502020204030204" pitchFamily="34" charset="0"/>
-                <a:cs typeface="Calibri" panose="020F0502020204030204" pitchFamily="34" charset="0"/>
-              </a:rPr>
-              <a:t>org.junit.platform</a:t>
-            </a:r>
-            <a:r>
-              <a:rPr lang="de-DE" sz="1200" dirty="0">
-                <a:solidFill>
-                  <a:schemeClr val="tx1"/>
-                </a:solidFill>
-                <a:latin typeface="Calibri" panose="020F0502020204030204" pitchFamily="34" charset="0"/>
-                <a:cs typeface="Calibri" panose="020F0502020204030204" pitchFamily="34" charset="0"/>
-              </a:rPr>
-              <a:t>', </a:t>
-            </a:r>
-            <a:r>
-              <a:rPr lang="de-DE" sz="1200" dirty="0" err="1">
-                <a:solidFill>
-                  <a:schemeClr val="tx1"/>
-                </a:solidFill>
-                <a:latin typeface="Calibri" panose="020F0502020204030204" pitchFamily="34" charset="0"/>
-                <a:cs typeface="Calibri" panose="020F0502020204030204" pitchFamily="34" charset="0"/>
-              </a:rPr>
-              <a:t>name</a:t>
-            </a:r>
-            <a:r>
-              <a:rPr lang="de-DE" sz="1200" dirty="0">
-                <a:solidFill>
-                  <a:schemeClr val="tx1"/>
-                </a:solidFill>
-                <a:latin typeface="Calibri" panose="020F0502020204030204" pitchFamily="34" charset="0"/>
-                <a:cs typeface="Calibri" panose="020F0502020204030204" pitchFamily="34" charset="0"/>
-              </a:rPr>
-              <a:t>: '</a:t>
-            </a:r>
-            <a:r>
-              <a:rPr lang="de-DE" sz="1200" dirty="0" err="1">
-                <a:solidFill>
-                  <a:schemeClr val="tx1"/>
-                </a:solidFill>
-                <a:latin typeface="Calibri" panose="020F0502020204030204" pitchFamily="34" charset="0"/>
-                <a:cs typeface="Calibri" panose="020F0502020204030204" pitchFamily="34" charset="0"/>
-              </a:rPr>
-              <a:t>junit-platform-runner</a:t>
-            </a:r>
-            <a:r>
-              <a:rPr lang="de-DE" sz="1200" dirty="0">
-                <a:solidFill>
-                  <a:schemeClr val="tx1"/>
-                </a:solidFill>
-                <a:latin typeface="Calibri" panose="020F0502020204030204" pitchFamily="34" charset="0"/>
-                <a:cs typeface="Calibri" panose="020F0502020204030204" pitchFamily="34" charset="0"/>
-              </a:rPr>
-              <a:t>', </a:t>
-            </a:r>
-            <a:r>
-              <a:rPr lang="de-DE" sz="1200" dirty="0" err="1">
-                <a:solidFill>
-                  <a:schemeClr val="tx1"/>
-                </a:solidFill>
-                <a:latin typeface="Calibri" panose="020F0502020204030204" pitchFamily="34" charset="0"/>
-                <a:cs typeface="Calibri" panose="020F0502020204030204" pitchFamily="34" charset="0"/>
-              </a:rPr>
-              <a:t>version</a:t>
-            </a:r>
-            <a:r>
-              <a:rPr lang="de-DE" sz="1200" dirty="0">
-                <a:solidFill>
-                  <a:schemeClr val="tx1"/>
-                </a:solidFill>
-                <a:latin typeface="Calibri" panose="020F0502020204030204" pitchFamily="34" charset="0"/>
-                <a:cs typeface="Calibri" panose="020F0502020204030204" pitchFamily="34" charset="0"/>
-              </a:rPr>
-              <a:t>: '1.2.0'</a:t>
-            </a:r>
-          </a:p>
-          <a:p>
-            <a:pPr>
-              <a:lnSpc>
-                <a:spcPct val="100000"/>
-              </a:lnSpc>
-            </a:pPr>
-            <a:r>
-              <a:rPr lang="en-US" sz="1200" spc="-1" dirty="0">
-                <a:solidFill>
-                  <a:srgbClr val="292929"/>
-                </a:solidFill>
-                <a:uFill>
-                  <a:solidFill>
-                    <a:srgbClr val="FFFFFF"/>
-                  </a:solidFill>
-                </a:uFill>
-                <a:latin typeface="Calibri" panose="020F0502020204030204" pitchFamily="34" charset="0"/>
-                <a:cs typeface="Calibri" panose="020F0502020204030204" pitchFamily="34" charset="0"/>
-              </a:rPr>
               <a:t>}</a:t>
             </a:r>
-            <a:endParaRPr lang="en-US" sz="1200" spc="-1" dirty="0">
-              <a:solidFill>
-                <a:srgbClr val="000000"/>
-              </a:solidFill>
-              <a:uFill>
-                <a:solidFill>
-                  <a:srgbClr val="FFFFFF"/>
-                </a:solidFill>
-              </a:uFill>
-              <a:latin typeface="Calibri" panose="020F0502020204030204" pitchFamily="34" charset="0"/>
-              <a:cs typeface="Calibri" panose="020F0502020204030204" pitchFamily="34" charset="0"/>
-            </a:endParaRPr>
           </a:p>
         </p:txBody>
       </p:sp>
     </p:spTree>
     <p:extLst>
       <p:ext uri="{BB962C8B-B14F-4D97-AF65-F5344CB8AC3E}">
-        <p14:creationId xmlns:p14="http://schemas.microsoft.com/office/powerpoint/2010/main" val="1755471618"/>
+        <p14:creationId xmlns:p14="http://schemas.microsoft.com/office/powerpoint/2010/main" val="3170270323"/>
       </p:ext>
     </p:extLst>
   </p:cSld>
@@ -37129,7 +37695,7 @@
       </p:grpSpPr>
       <p:sp>
         <p:nvSpPr>
-          <p:cNvPr id="667" name="CustomShape 1"/>
+          <p:cNvPr id="683" name="CustomShape 1"/>
           <p:cNvSpPr/>
           <p:nvPr/>
         </p:nvSpPr>
@@ -37197,7 +37763,7 @@
       </p:sp>
       <p:sp>
         <p:nvSpPr>
-          <p:cNvPr id="668" name="CustomShape 2"/>
+          <p:cNvPr id="684" name="CustomShape 2"/>
           <p:cNvSpPr/>
           <p:nvPr/>
         </p:nvSpPr>
@@ -37236,7 +37802,7 @@
               </a:lnSpc>
             </a:pPr>
             <a:r>
-              <a:rPr lang="en-US" sz="2400" b="0" strike="noStrike" spc="-1" dirty="0">
+              <a:rPr lang="en-US" sz="2400" spc="-1" dirty="0">
                 <a:solidFill>
                   <a:srgbClr val="004C93"/>
                 </a:solidFill>
@@ -37249,23 +37815,22 @@
               </a:rPr>
               <a:t>Test Suites</a:t>
             </a:r>
-            <a:endParaRPr lang="en-US" sz="1800" b="0" strike="noStrike" spc="-1" dirty="0">
-              <a:solidFill>
-                <a:srgbClr val="000000"/>
-              </a:solidFill>
-              <a:uFill>
-                <a:solidFill>
-                  <a:srgbClr val="FFFFFF"/>
-                </a:solidFill>
-              </a:uFill>
-              <a:latin typeface="Arial"/>
+            <a:endParaRPr lang="en-US" spc="-1" dirty="0">
+              <a:solidFill>
+                <a:srgbClr val="000000"/>
+              </a:solidFill>
+              <a:uFill>
+                <a:solidFill>
+                  <a:srgbClr val="FFFFFF"/>
+                </a:solidFill>
+              </a:uFill>
             </a:endParaRPr>
           </a:p>
         </p:txBody>
       </p:sp>
       <p:sp>
         <p:nvSpPr>
-          <p:cNvPr id="670" name="CustomShape 4"/>
+          <p:cNvPr id="686" name="CustomShape 4"/>
           <p:cNvSpPr/>
           <p:nvPr/>
         </p:nvSpPr>
@@ -37303,7 +37868,7 @@
                 <a:spcPct val="100000"/>
               </a:lnSpc>
             </a:pPr>
-            <a:fld id="{F44BF771-09CA-44DA-BA0C-EC56BE8EFD37}" type="slidenum">
+            <a:fld id="{6F82BE0B-28F8-4E8B-89B8-EFA9010AFB71}" type="slidenum">
               <a:rPr lang="en-US" sz="1000" b="0" strike="noStrike" spc="-1">
                 <a:solidFill>
                   <a:srgbClr val="51A025"/>
@@ -37333,7 +37898,7 @@
       </p:sp>
       <p:sp>
         <p:nvSpPr>
-          <p:cNvPr id="671" name="CustomShape 5"/>
+          <p:cNvPr id="687" name="CustomShape 5"/>
           <p:cNvSpPr/>
           <p:nvPr/>
         </p:nvSpPr>
@@ -37365,10 +37930,10 @@
       </p:sp>
       <p:sp>
         <p:nvSpPr>
-          <p:cNvPr id="8" name="CustomShape 3">
+          <p:cNvPr id="13" name="CustomShape 3">
             <a:extLst>
               <a:ext uri="{FF2B5EF4-FFF2-40B4-BE49-F238E27FC236}">
-                <a16:creationId xmlns:a16="http://schemas.microsoft.com/office/drawing/2014/main" id="{4FF9EFF3-9CA1-4F4B-A867-631F30B5AD0B}"/>
+                <a16:creationId xmlns:a16="http://schemas.microsoft.com/office/drawing/2014/main" id="{B221EEF5-AAAD-4D59-B95D-ED1036C3C678}"/>
               </a:ext>
             </a:extLst>
           </p:cNvPr>
@@ -37377,8 +37942,8 @@
         </p:nvSpPr>
         <p:spPr>
           <a:xfrm>
-            <a:off x="457199" y="1483200"/>
-            <a:ext cx="8112797" cy="3239280"/>
+            <a:off x="457200" y="1692000"/>
+            <a:ext cx="8207280" cy="3041280"/>
           </a:xfrm>
           <a:prstGeom prst="rect">
             <a:avLst/>
@@ -37404,78 +37969,51 @@
           <a:bodyPr lIns="90000" tIns="45000" rIns="90000" bIns="45000"/>
           <a:lstStyle/>
           <a:p>
-            <a:r>
-              <a:rPr lang="de-DE" dirty="0">
+            <a:pPr marL="720">
+              <a:lnSpc>
+                <a:spcPct val="100000"/>
+              </a:lnSpc>
+              <a:buClr>
+                <a:srgbClr val="51A025"/>
+              </a:buClr>
+            </a:pPr>
+            <a:r>
+              <a:rPr lang="en-US" b="0" strike="noStrike" spc="-1" dirty="0">
+                <a:solidFill>
+                  <a:srgbClr val="292929"/>
+                </a:solidFill>
+                <a:uFill>
+                  <a:solidFill>
+                    <a:srgbClr val="FFFFFF"/>
+                  </a:solidFill>
+                </a:uFill>
                 <a:latin typeface="Calibri" panose="020F0502020204030204" pitchFamily="34" charset="0"/>
                 <a:cs typeface="Calibri" panose="020F0502020204030204" pitchFamily="34" charset="0"/>
               </a:rPr>
-              <a:t>Test </a:t>
-            </a:r>
-            <a:r>
-              <a:rPr lang="de-DE" dirty="0" err="1">
-                <a:latin typeface="Calibri" panose="020F0502020204030204" pitchFamily="34" charset="0"/>
-                <a:cs typeface="Calibri" panose="020F0502020204030204" pitchFamily="34" charset="0"/>
-              </a:rPr>
-              <a:t>Suites</a:t>
-            </a:r>
-            <a:r>
-              <a:rPr lang="de-DE" dirty="0">
-                <a:latin typeface="Calibri" panose="020F0502020204030204" pitchFamily="34" charset="0"/>
-                <a:cs typeface="Calibri" panose="020F0502020204030204" pitchFamily="34" charset="0"/>
-              </a:rPr>
-              <a:t> können dann, wie folgt aussehen:</a:t>
-            </a:r>
-          </a:p>
-          <a:p>
-            <a:endParaRPr lang="de-DE" dirty="0">
+              <a:t>Aufgabe:</a:t>
+            </a:r>
+          </a:p>
+          <a:p>
+            <a:pPr marL="720">
+              <a:lnSpc>
+                <a:spcPct val="100000"/>
+              </a:lnSpc>
+              <a:buClr>
+                <a:srgbClr val="51A025"/>
+              </a:buClr>
+            </a:pPr>
+            <a:endParaRPr lang="en-US" b="0" strike="noStrike" spc="-1" dirty="0">
+              <a:solidFill>
+                <a:srgbClr val="000000"/>
+              </a:solidFill>
+              <a:uFill>
+                <a:solidFill>
+                  <a:srgbClr val="FFFFFF"/>
+                </a:solidFill>
+              </a:uFill>
               <a:latin typeface="Calibri" panose="020F0502020204030204" pitchFamily="34" charset="0"/>
               <a:cs typeface="Calibri" panose="020F0502020204030204" pitchFamily="34" charset="0"/>
             </a:endParaRPr>
-          </a:p>
-          <a:p>
-            <a:endParaRPr lang="de-DE" dirty="0">
-              <a:latin typeface="Calibri" panose="020F0502020204030204" pitchFamily="34" charset="0"/>
-              <a:cs typeface="Calibri" panose="020F0502020204030204" pitchFamily="34" charset="0"/>
-            </a:endParaRPr>
-          </a:p>
-          <a:p>
-            <a:endParaRPr lang="de-DE" dirty="0">
-              <a:latin typeface="Calibri" panose="020F0502020204030204" pitchFamily="34" charset="0"/>
-              <a:cs typeface="Calibri" panose="020F0502020204030204" pitchFamily="34" charset="0"/>
-            </a:endParaRPr>
-          </a:p>
-          <a:p>
-            <a:endParaRPr lang="de-DE" dirty="0">
-              <a:latin typeface="Calibri" panose="020F0502020204030204" pitchFamily="34" charset="0"/>
-              <a:cs typeface="Calibri" panose="020F0502020204030204" pitchFamily="34" charset="0"/>
-            </a:endParaRPr>
-          </a:p>
-          <a:p>
-            <a:endParaRPr lang="de-DE" dirty="0">
-              <a:latin typeface="Calibri" panose="020F0502020204030204" pitchFamily="34" charset="0"/>
-              <a:cs typeface="Calibri" panose="020F0502020204030204" pitchFamily="34" charset="0"/>
-            </a:endParaRPr>
-          </a:p>
-          <a:p>
-            <a:endParaRPr lang="de-DE" dirty="0">
-              <a:latin typeface="Calibri" panose="020F0502020204030204" pitchFamily="34" charset="0"/>
-              <a:cs typeface="Calibri" panose="020F0502020204030204" pitchFamily="34" charset="0"/>
-            </a:endParaRPr>
-          </a:p>
-          <a:p>
-            <a:endParaRPr lang="de-DE" dirty="0">
-              <a:latin typeface="Calibri" panose="020F0502020204030204" pitchFamily="34" charset="0"/>
-              <a:cs typeface="Calibri" panose="020F0502020204030204" pitchFamily="34" charset="0"/>
-            </a:endParaRPr>
-          </a:p>
-          <a:p>
-            <a:r>
-              <a:rPr lang="de-DE" dirty="0">
-                <a:latin typeface="Calibri" panose="020F0502020204030204" pitchFamily="34" charset="0"/>
-                <a:cs typeface="Calibri" panose="020F0502020204030204" pitchFamily="34" charset="0"/>
-              </a:rPr>
-              <a:t>Hinweis:</a:t>
-            </a:r>
           </a:p>
           <a:p>
             <a:pPr marL="285840" indent="-285120">
@@ -37501,7 +38039,7 @@
                 <a:latin typeface="Calibri" panose="020F0502020204030204" pitchFamily="34" charset="0"/>
                 <a:cs typeface="Calibri" panose="020F0502020204030204" pitchFamily="34" charset="0"/>
               </a:rPr>
-              <a:t>Umsetzung</a:t>
+              <a:t>BasicTestSuite</a:t>
             </a:r>
             <a:r>
               <a:rPr lang="en-US" spc="-1" dirty="0">
@@ -37516,7 +38054,7 @@
                 <a:latin typeface="Calibri" panose="020F0502020204030204" pitchFamily="34" charset="0"/>
                 <a:cs typeface="Calibri" panose="020F0502020204030204" pitchFamily="34" charset="0"/>
               </a:rPr>
-              <a:t> </a:t>
+              <a:t>: </a:t>
             </a:r>
             <a:r>
               <a:rPr lang="en-US" spc="-1" dirty="0" err="1">
@@ -37531,7 +38069,7 @@
                 <a:latin typeface="Calibri" panose="020F0502020204030204" pitchFamily="34" charset="0"/>
                 <a:cs typeface="Calibri" panose="020F0502020204030204" pitchFamily="34" charset="0"/>
               </a:rPr>
-              <a:t>derzeit</a:t>
+              <a:t>verwende</a:t>
             </a:r>
             <a:r>
               <a:rPr lang="en-US" spc="-1" dirty="0">
@@ -37546,7 +38084,7 @@
                 <a:latin typeface="Calibri" panose="020F0502020204030204" pitchFamily="34" charset="0"/>
                 <a:cs typeface="Calibri" panose="020F0502020204030204" pitchFamily="34" charset="0"/>
               </a:rPr>
-              <a:t> </a:t>
+              <a:t> @</a:t>
             </a:r>
             <a:r>
               <a:rPr lang="en-US" spc="-1" dirty="0" err="1">
@@ -37561,67 +38099,7 @@
                 <a:latin typeface="Calibri" panose="020F0502020204030204" pitchFamily="34" charset="0"/>
                 <a:cs typeface="Calibri" panose="020F0502020204030204" pitchFamily="34" charset="0"/>
               </a:rPr>
-              <a:t>noch</a:t>
-            </a:r>
-            <a:r>
-              <a:rPr lang="en-US" spc="-1" dirty="0">
-                <a:solidFill>
-                  <a:srgbClr val="292929"/>
-                </a:solidFill>
-                <a:uFill>
-                  <a:solidFill>
-                    <a:srgbClr val="FFFFFF"/>
-                  </a:solidFill>
-                </a:uFill>
-                <a:latin typeface="Calibri" panose="020F0502020204030204" pitchFamily="34" charset="0"/>
-                <a:cs typeface="Calibri" panose="020F0502020204030204" pitchFamily="34" charset="0"/>
-              </a:rPr>
-              <a:t> </a:t>
-            </a:r>
-            <a:r>
-              <a:rPr lang="en-US" spc="-1" dirty="0" err="1">
-                <a:solidFill>
-                  <a:srgbClr val="292929"/>
-                </a:solidFill>
-                <a:uFill>
-                  <a:solidFill>
-                    <a:srgbClr val="FFFFFF"/>
-                  </a:solidFill>
-                </a:uFill>
-                <a:latin typeface="Calibri" panose="020F0502020204030204" pitchFamily="34" charset="0"/>
-                <a:cs typeface="Calibri" panose="020F0502020204030204" pitchFamily="34" charset="0"/>
-              </a:rPr>
-              <a:t>nicht</a:t>
-            </a:r>
-            <a:r>
-              <a:rPr lang="en-US" spc="-1" dirty="0">
-                <a:solidFill>
-                  <a:srgbClr val="292929"/>
-                </a:solidFill>
-                <a:uFill>
-                  <a:solidFill>
-                    <a:srgbClr val="FFFFFF"/>
-                  </a:solidFill>
-                </a:uFill>
-                <a:latin typeface="Calibri" panose="020F0502020204030204" pitchFamily="34" charset="0"/>
-                <a:cs typeface="Calibri" panose="020F0502020204030204" pitchFamily="34" charset="0"/>
-              </a:rPr>
-              <a:t> </a:t>
-            </a:r>
-            <a:r>
-              <a:rPr lang="en-US" spc="-1" dirty="0" err="1">
-                <a:solidFill>
-                  <a:srgbClr val="292929"/>
-                </a:solidFill>
-                <a:uFill>
-                  <a:solidFill>
-                    <a:srgbClr val="FFFFFF"/>
-                  </a:solidFill>
-                </a:uFill>
-                <a:latin typeface="Calibri" panose="020F0502020204030204" pitchFamily="34" charset="0"/>
-                <a:cs typeface="Calibri" panose="020F0502020204030204" pitchFamily="34" charset="0"/>
-              </a:rPr>
-              <a:t>vollständig</a:t>
+              <a:t>SelectPackages</a:t>
             </a:r>
             <a:endParaRPr lang="en-US" spc="-1" dirty="0">
               <a:solidFill>
@@ -37660,7 +38138,7 @@
                 <a:latin typeface="Calibri" panose="020F0502020204030204" pitchFamily="34" charset="0"/>
                 <a:cs typeface="Calibri" panose="020F0502020204030204" pitchFamily="34" charset="0"/>
               </a:rPr>
-              <a:t>Fortschritt</a:t>
+              <a:t>LongRunningTest</a:t>
             </a:r>
             <a:r>
               <a:rPr lang="en-US" spc="-1" dirty="0">
@@ -37675,16 +38153,54 @@
                 <a:latin typeface="Calibri" panose="020F0502020204030204" pitchFamily="34" charset="0"/>
                 <a:cs typeface="Calibri" panose="020F0502020204030204" pitchFamily="34" charset="0"/>
               </a:rPr>
-              <a:t>:</a:t>
-            </a:r>
-            <a:r>
-              <a:rPr lang="de-DE" dirty="0">
+              <a:t>: </a:t>
+            </a:r>
+            <a:r>
+              <a:rPr lang="en-US" spc="-1" dirty="0" err="1">
+                <a:solidFill>
+                  <a:srgbClr val="292929"/>
+                </a:solidFill>
+                <a:uFill>
+                  <a:solidFill>
+                    <a:srgbClr val="FFFFFF"/>
+                  </a:solidFill>
+                </a:uFill>
                 <a:latin typeface="Calibri" panose="020F0502020204030204" pitchFamily="34" charset="0"/>
                 <a:cs typeface="Calibri" panose="020F0502020204030204" pitchFamily="34" charset="0"/>
               </a:rPr>
-              <a:t> https://github.com/junit-team/junit5/labels/theme%3A%20suites</a:t>
-            </a:r>
-            <a:endParaRPr lang="en-US" spc="-1" dirty="0">
+              <a:t>verwende</a:t>
+            </a:r>
+            <a:r>
+              <a:rPr lang="en-US" spc="-1" dirty="0">
+                <a:solidFill>
+                  <a:srgbClr val="292929"/>
+                </a:solidFill>
+                <a:uFill>
+                  <a:solidFill>
+                    <a:srgbClr val="FFFFFF"/>
+                  </a:solidFill>
+                </a:uFill>
+                <a:latin typeface="Calibri" panose="020F0502020204030204" pitchFamily="34" charset="0"/>
+                <a:cs typeface="Calibri" panose="020F0502020204030204" pitchFamily="34" charset="0"/>
+              </a:rPr>
+              <a:t> @</a:t>
+            </a:r>
+            <a:r>
+              <a:rPr lang="en-US" spc="-1" dirty="0" err="1">
+                <a:solidFill>
+                  <a:srgbClr val="292929"/>
+                </a:solidFill>
+                <a:uFill>
+                  <a:solidFill>
+                    <a:srgbClr val="FFFFFF"/>
+                  </a:solidFill>
+                </a:uFill>
+                <a:latin typeface="Calibri" panose="020F0502020204030204" pitchFamily="34" charset="0"/>
+                <a:cs typeface="Calibri" panose="020F0502020204030204" pitchFamily="34" charset="0"/>
+              </a:rPr>
+              <a:t>IncludeTags</a:t>
+            </a:r>
+            <a:endParaRPr lang="en-US" b="0" strike="noStrike" spc="-1" dirty="0">
               <a:solidFill>
                 <a:srgbClr val="292929"/>
               </a:solidFill>
@@ -37693,72 +38209,17 @@
                   <a:srgbClr val="FFFFFF"/>
                 </a:solidFill>
               </a:uFill>
-              <a:latin typeface="Calibri" panose="020F0502020204030204" pitchFamily="34" charset="0"/>
-              <a:cs typeface="Calibri" panose="020F0502020204030204" pitchFamily="34" charset="0"/>
-            </a:endParaRPr>
-          </a:p>
-          <a:p>
-            <a:pPr marL="285840" indent="-285120">
-              <a:lnSpc>
-                <a:spcPct val="100000"/>
-              </a:lnSpc>
-              <a:buClr>
-                <a:srgbClr val="51A025"/>
-              </a:buClr>
-              <a:buFont typeface="Arial"/>
-              <a:buChar char="•"/>
-            </a:pPr>
-            <a:endParaRPr lang="de-DE" dirty="0">
-              <a:latin typeface="Calibri" panose="020F0502020204030204" pitchFamily="34" charset="0"/>
-              <a:cs typeface="Calibri" panose="020F0502020204030204" pitchFamily="34" charset="0"/>
-            </a:endParaRPr>
-          </a:p>
-          <a:p>
-            <a:pPr>
-              <a:lnSpc>
-                <a:spcPct val="100000"/>
-              </a:lnSpc>
-            </a:pPr>
-            <a:endParaRPr lang="en-US" sz="1800" b="0" strike="noStrike" spc="-1" dirty="0">
-              <a:solidFill>
-                <a:srgbClr val="292929"/>
-              </a:solidFill>
-              <a:uFill>
-                <a:solidFill>
-                  <a:srgbClr val="FFFFFF"/>
-                </a:solidFill>
-              </a:uFill>
-              <a:latin typeface="Calibri" panose="020F0502020204030204" pitchFamily="34" charset="0"/>
-              <a:cs typeface="Calibri" panose="020F0502020204030204" pitchFamily="34" charset="0"/>
-            </a:endParaRPr>
-          </a:p>
-          <a:p>
-            <a:pPr>
-              <a:lnSpc>
-                <a:spcPct val="100000"/>
-              </a:lnSpc>
-            </a:pPr>
-            <a:endParaRPr lang="en-US" sz="1800" b="0" strike="noStrike" spc="-1" dirty="0">
-              <a:solidFill>
-                <a:srgbClr val="000000"/>
-              </a:solidFill>
-              <a:uFill>
-                <a:solidFill>
-                  <a:srgbClr val="FFFFFF"/>
-                </a:solidFill>
-              </a:uFill>
-              <a:latin typeface="Calibri" panose="020F0502020204030204" pitchFamily="34" charset="0"/>
-              <a:cs typeface="Calibri" panose="020F0502020204030204" pitchFamily="34" charset="0"/>
+              <a:latin typeface="+mj-lt"/>
             </a:endParaRPr>
           </a:p>
         </p:txBody>
       </p:sp>
       <p:sp>
         <p:nvSpPr>
-          <p:cNvPr id="2" name="Rechteck 1">
+          <p:cNvPr id="7" name="Rechteck 6">
             <a:extLst>
               <a:ext uri="{FF2B5EF4-FFF2-40B4-BE49-F238E27FC236}">
-                <a16:creationId xmlns:a16="http://schemas.microsoft.com/office/drawing/2014/main" id="{4C25BD1B-E012-44E0-8188-5E85E2008844}"/>
+                <a16:creationId xmlns:a16="http://schemas.microsoft.com/office/drawing/2014/main" id="{9ABA87CE-82D6-4D64-8E5B-33F0E0DAFE29}"/>
               </a:ext>
             </a:extLst>
           </p:cNvPr>
@@ -37767,18 +38228,18 @@
         </p:nvSpPr>
         <p:spPr>
           <a:xfrm>
-            <a:off x="574004" y="1928296"/>
-            <a:ext cx="3263548" cy="1663043"/>
-          </a:xfrm>
-          <a:prstGeom prst="rect">
-            <a:avLst/>
-          </a:prstGeom>
-          <a:solidFill>
-            <a:schemeClr val="bg1"/>
-          </a:solidFill>
-          <a:ln>
+            <a:off x="8047440" y="676691"/>
+            <a:ext cx="929520" cy="494060"/>
+          </a:xfrm>
+          <a:prstGeom prst="rect">
+            <a:avLst/>
+          </a:prstGeom>
+          <a:noFill/>
+          <a:ln w="15875">
             <a:solidFill>
-              <a:schemeClr val="tx1"/>
+              <a:schemeClr val="bg1">
+                <a:lumMod val="85000"/>
+              </a:schemeClr>
             </a:solidFill>
           </a:ln>
         </p:spPr>
@@ -37802,303 +38263,18 @@
           <a:bodyPr rtlCol="0" anchor="ctr"/>
           <a:lstStyle/>
           <a:p>
-            <a:r>
-              <a:rPr lang="de-DE" sz="1200" dirty="0">
-                <a:solidFill>
-                  <a:schemeClr val="tx1"/>
+            <a:pPr algn="ctr"/>
+            <a:r>
+              <a:rPr lang="de-DE" dirty="0">
+                <a:solidFill>
+                  <a:schemeClr val="bg1">
+                    <a:lumMod val="75000"/>
+                  </a:schemeClr>
                 </a:solidFill>
                 <a:latin typeface="Calibri" panose="020F0502020204030204" pitchFamily="34" charset="0"/>
                 <a:cs typeface="Calibri" panose="020F0502020204030204" pitchFamily="34" charset="0"/>
               </a:rPr>
-              <a:t>@</a:t>
-            </a:r>
-            <a:r>
-              <a:rPr lang="de-DE" sz="1200" dirty="0" err="1">
-                <a:solidFill>
-                  <a:schemeClr val="tx1"/>
-                </a:solidFill>
-                <a:latin typeface="Calibri" panose="020F0502020204030204" pitchFamily="34" charset="0"/>
-                <a:cs typeface="Calibri" panose="020F0502020204030204" pitchFamily="34" charset="0"/>
-              </a:rPr>
-              <a:t>RunWith</a:t>
-            </a:r>
-            <a:r>
-              <a:rPr lang="de-DE" sz="1200" dirty="0">
-                <a:solidFill>
-                  <a:schemeClr val="tx1"/>
-                </a:solidFill>
-                <a:latin typeface="Calibri" panose="020F0502020204030204" pitchFamily="34" charset="0"/>
-                <a:cs typeface="Calibri" panose="020F0502020204030204" pitchFamily="34" charset="0"/>
-              </a:rPr>
-              <a:t>(</a:t>
-            </a:r>
-            <a:r>
-              <a:rPr lang="de-DE" sz="1200" dirty="0" err="1">
-                <a:solidFill>
-                  <a:schemeClr val="tx1"/>
-                </a:solidFill>
-                <a:latin typeface="Calibri" panose="020F0502020204030204" pitchFamily="34" charset="0"/>
-                <a:cs typeface="Calibri" panose="020F0502020204030204" pitchFamily="34" charset="0"/>
-              </a:rPr>
-              <a:t>JUnitPlatform.class</a:t>
-            </a:r>
-            <a:r>
-              <a:rPr lang="de-DE" sz="1200" dirty="0">
-                <a:solidFill>
-                  <a:schemeClr val="tx1"/>
-                </a:solidFill>
-                <a:latin typeface="Calibri" panose="020F0502020204030204" pitchFamily="34" charset="0"/>
-                <a:cs typeface="Calibri" panose="020F0502020204030204" pitchFamily="34" charset="0"/>
-              </a:rPr>
-              <a:t>)</a:t>
-            </a:r>
-          </a:p>
-          <a:p>
-            <a:r>
-              <a:rPr lang="de-DE" sz="1200" dirty="0">
-                <a:solidFill>
-                  <a:schemeClr val="tx1"/>
-                </a:solidFill>
-                <a:latin typeface="Calibri" panose="020F0502020204030204" pitchFamily="34" charset="0"/>
-                <a:cs typeface="Calibri" panose="020F0502020204030204" pitchFamily="34" charset="0"/>
-              </a:rPr>
-              <a:t>@</a:t>
-            </a:r>
-            <a:r>
-              <a:rPr lang="de-DE" sz="1200" dirty="0" err="1">
-                <a:solidFill>
-                  <a:schemeClr val="tx1"/>
-                </a:solidFill>
-                <a:latin typeface="Calibri" panose="020F0502020204030204" pitchFamily="34" charset="0"/>
-                <a:cs typeface="Calibri" panose="020F0502020204030204" pitchFamily="34" charset="0"/>
-              </a:rPr>
-              <a:t>SelectClasses</a:t>
-            </a:r>
-            <a:r>
-              <a:rPr lang="de-DE" sz="1200" dirty="0">
-                <a:solidFill>
-                  <a:schemeClr val="tx1"/>
-                </a:solidFill>
-                <a:latin typeface="Calibri" panose="020F0502020204030204" pitchFamily="34" charset="0"/>
-                <a:cs typeface="Calibri" panose="020F0502020204030204" pitchFamily="34" charset="0"/>
-              </a:rPr>
-              <a:t>({RentCalculatorJunit4Test.class})</a:t>
-            </a:r>
-          </a:p>
-          <a:p>
-            <a:r>
-              <a:rPr lang="de-DE" sz="1200" dirty="0">
-                <a:solidFill>
-                  <a:schemeClr val="tx1"/>
-                </a:solidFill>
-                <a:latin typeface="Calibri" panose="020F0502020204030204" pitchFamily="34" charset="0"/>
-                <a:cs typeface="Calibri" panose="020F0502020204030204" pitchFamily="34" charset="0"/>
-              </a:rPr>
-              <a:t>@</a:t>
-            </a:r>
-            <a:r>
-              <a:rPr lang="de-DE" sz="1200" dirty="0" err="1">
-                <a:solidFill>
-                  <a:schemeClr val="tx1"/>
-                </a:solidFill>
-                <a:latin typeface="Calibri" panose="020F0502020204030204" pitchFamily="34" charset="0"/>
-                <a:cs typeface="Calibri" panose="020F0502020204030204" pitchFamily="34" charset="0"/>
-              </a:rPr>
-              <a:t>SelectPackages</a:t>
-            </a:r>
-            <a:r>
-              <a:rPr lang="de-DE" sz="1200" dirty="0">
-                <a:solidFill>
-                  <a:schemeClr val="tx1"/>
-                </a:solidFill>
-                <a:latin typeface="Calibri" panose="020F0502020204030204" pitchFamily="34" charset="0"/>
-                <a:cs typeface="Calibri" panose="020F0502020204030204" pitchFamily="34" charset="0"/>
-              </a:rPr>
-              <a:t>({"</a:t>
-            </a:r>
-            <a:r>
-              <a:rPr lang="de-DE" sz="1200" dirty="0" err="1">
-                <a:solidFill>
-                  <a:schemeClr val="tx1"/>
-                </a:solidFill>
-                <a:latin typeface="Calibri" panose="020F0502020204030204" pitchFamily="34" charset="0"/>
-                <a:cs typeface="Calibri" panose="020F0502020204030204" pitchFamily="34" charset="0"/>
-              </a:rPr>
-              <a:t>expectedException</a:t>
-            </a:r>
-            <a:r>
-              <a:rPr lang="de-DE" sz="1200" dirty="0">
-                <a:solidFill>
-                  <a:schemeClr val="tx1"/>
-                </a:solidFill>
-                <a:latin typeface="Calibri" panose="020F0502020204030204" pitchFamily="34" charset="0"/>
-                <a:cs typeface="Calibri" panose="020F0502020204030204" pitchFamily="34" charset="0"/>
-              </a:rPr>
-              <a:t>"})</a:t>
-            </a:r>
-          </a:p>
-          <a:p>
-            <a:r>
-              <a:rPr lang="de-DE" sz="1200" dirty="0">
-                <a:solidFill>
-                  <a:schemeClr val="tx1"/>
-                </a:solidFill>
-                <a:latin typeface="Calibri" panose="020F0502020204030204" pitchFamily="34" charset="0"/>
-                <a:cs typeface="Calibri" panose="020F0502020204030204" pitchFamily="34" charset="0"/>
-              </a:rPr>
-              <a:t>@</a:t>
-            </a:r>
-            <a:r>
-              <a:rPr lang="de-DE" sz="1200" dirty="0" err="1">
-                <a:solidFill>
-                  <a:schemeClr val="tx1"/>
-                </a:solidFill>
-                <a:latin typeface="Calibri" panose="020F0502020204030204" pitchFamily="34" charset="0"/>
-                <a:cs typeface="Calibri" panose="020F0502020204030204" pitchFamily="34" charset="0"/>
-              </a:rPr>
-              <a:t>IncludeTags</a:t>
-            </a:r>
-            <a:r>
-              <a:rPr lang="de-DE" sz="1200" dirty="0">
-                <a:solidFill>
-                  <a:schemeClr val="tx1"/>
-                </a:solidFill>
-                <a:latin typeface="Calibri" panose="020F0502020204030204" pitchFamily="34" charset="0"/>
-                <a:cs typeface="Calibri" panose="020F0502020204030204" pitchFamily="34" charset="0"/>
-              </a:rPr>
-              <a:t>({"</a:t>
-            </a:r>
-            <a:r>
-              <a:rPr lang="de-DE" sz="1200" dirty="0" err="1">
-                <a:solidFill>
-                  <a:schemeClr val="tx1"/>
-                </a:solidFill>
-                <a:latin typeface="Calibri" panose="020F0502020204030204" pitchFamily="34" charset="0"/>
-                <a:cs typeface="Calibri" panose="020F0502020204030204" pitchFamily="34" charset="0"/>
-              </a:rPr>
-              <a:t>short</a:t>
-            </a:r>
-            <a:r>
-              <a:rPr lang="de-DE" sz="1200" dirty="0">
-                <a:solidFill>
-                  <a:schemeClr val="tx1"/>
-                </a:solidFill>
-                <a:latin typeface="Calibri" panose="020F0502020204030204" pitchFamily="34" charset="0"/>
-                <a:cs typeface="Calibri" panose="020F0502020204030204" pitchFamily="34" charset="0"/>
-              </a:rPr>
-              <a:t>","</a:t>
-            </a:r>
-            <a:r>
-              <a:rPr lang="de-DE" sz="1200" dirty="0" err="1">
-                <a:solidFill>
-                  <a:schemeClr val="tx1"/>
-                </a:solidFill>
-                <a:latin typeface="Calibri" panose="020F0502020204030204" pitchFamily="34" charset="0"/>
-                <a:cs typeface="Calibri" panose="020F0502020204030204" pitchFamily="34" charset="0"/>
-              </a:rPr>
-              <a:t>long</a:t>
-            </a:r>
-            <a:r>
-              <a:rPr lang="de-DE" sz="1200" dirty="0">
-                <a:solidFill>
-                  <a:schemeClr val="tx1"/>
-                </a:solidFill>
-                <a:latin typeface="Calibri" panose="020F0502020204030204" pitchFamily="34" charset="0"/>
-                <a:cs typeface="Calibri" panose="020F0502020204030204" pitchFamily="34" charset="0"/>
-              </a:rPr>
-              <a:t>"})</a:t>
-            </a:r>
-          </a:p>
-          <a:p>
-            <a:r>
-              <a:rPr lang="de-DE" sz="1200" dirty="0" err="1">
-                <a:solidFill>
-                  <a:schemeClr val="tx1"/>
-                </a:solidFill>
-                <a:latin typeface="Calibri" panose="020F0502020204030204" pitchFamily="34" charset="0"/>
-                <a:cs typeface="Calibri" panose="020F0502020204030204" pitchFamily="34" charset="0"/>
-              </a:rPr>
-              <a:t>public</a:t>
-            </a:r>
-            <a:r>
-              <a:rPr lang="de-DE" sz="1200" dirty="0">
-                <a:solidFill>
-                  <a:schemeClr val="tx1"/>
-                </a:solidFill>
-                <a:latin typeface="Calibri" panose="020F0502020204030204" pitchFamily="34" charset="0"/>
-                <a:cs typeface="Calibri" panose="020F0502020204030204" pitchFamily="34" charset="0"/>
-              </a:rPr>
-              <a:t> </a:t>
-            </a:r>
-            <a:r>
-              <a:rPr lang="de-DE" sz="1200" dirty="0" err="1">
-                <a:solidFill>
-                  <a:schemeClr val="tx1"/>
-                </a:solidFill>
-                <a:latin typeface="Calibri" panose="020F0502020204030204" pitchFamily="34" charset="0"/>
-                <a:cs typeface="Calibri" panose="020F0502020204030204" pitchFamily="34" charset="0"/>
-              </a:rPr>
-              <a:t>class</a:t>
-            </a:r>
-            <a:r>
-              <a:rPr lang="de-DE" sz="1200" dirty="0">
-                <a:solidFill>
-                  <a:schemeClr val="tx1"/>
-                </a:solidFill>
-                <a:latin typeface="Calibri" panose="020F0502020204030204" pitchFamily="34" charset="0"/>
-                <a:cs typeface="Calibri" panose="020F0502020204030204" pitchFamily="34" charset="0"/>
-              </a:rPr>
-              <a:t> </a:t>
-            </a:r>
-            <a:r>
-              <a:rPr lang="de-DE" sz="1200" dirty="0" err="1">
-                <a:solidFill>
-                  <a:schemeClr val="tx1"/>
-                </a:solidFill>
-                <a:latin typeface="Calibri" panose="020F0502020204030204" pitchFamily="34" charset="0"/>
-                <a:cs typeface="Calibri" panose="020F0502020204030204" pitchFamily="34" charset="0"/>
-              </a:rPr>
-              <a:t>TestSuite</a:t>
-            </a:r>
-            <a:r>
-              <a:rPr lang="de-DE" sz="1200" dirty="0">
-                <a:solidFill>
-                  <a:schemeClr val="tx1"/>
-                </a:solidFill>
-                <a:latin typeface="Calibri" panose="020F0502020204030204" pitchFamily="34" charset="0"/>
-                <a:cs typeface="Calibri" panose="020F0502020204030204" pitchFamily="34" charset="0"/>
-              </a:rPr>
-              <a:t>{</a:t>
-            </a:r>
-          </a:p>
-          <a:p>
-            <a:endParaRPr lang="de-DE" sz="1200" dirty="0">
-              <a:solidFill>
-                <a:schemeClr val="tx1"/>
-              </a:solidFill>
-              <a:latin typeface="Calibri" panose="020F0502020204030204" pitchFamily="34" charset="0"/>
-              <a:cs typeface="Calibri" panose="020F0502020204030204" pitchFamily="34" charset="0"/>
-            </a:endParaRPr>
-          </a:p>
-          <a:p>
-            <a:endParaRPr lang="de-DE" sz="1200" dirty="0">
-              <a:solidFill>
-                <a:schemeClr val="tx1"/>
-              </a:solidFill>
-              <a:latin typeface="Calibri" panose="020F0502020204030204" pitchFamily="34" charset="0"/>
-              <a:cs typeface="Calibri" panose="020F0502020204030204" pitchFamily="34" charset="0"/>
-            </a:endParaRPr>
-          </a:p>
-          <a:p>
-            <a:r>
-              <a:rPr lang="de-DE" sz="1200" dirty="0">
-                <a:solidFill>
-                  <a:schemeClr val="tx1"/>
-                </a:solidFill>
-                <a:latin typeface="Calibri" panose="020F0502020204030204" pitchFamily="34" charset="0"/>
-                <a:cs typeface="Calibri" panose="020F0502020204030204" pitchFamily="34" charset="0"/>
-              </a:rPr>
-              <a:t>}</a:t>
+              <a:t>20 Min</a:t>
             </a:r>
           </a:p>
         </p:txBody>
@@ -38106,7 +38282,7 @@
     </p:spTree>
     <p:extLst>
       <p:ext uri="{BB962C8B-B14F-4D97-AF65-F5344CB8AC3E}">
-        <p14:creationId xmlns:p14="http://schemas.microsoft.com/office/powerpoint/2010/main" val="3170270323"/>
+        <p14:creationId xmlns:p14="http://schemas.microsoft.com/office/powerpoint/2010/main" val="2959705780"/>
       </p:ext>
     </p:extLst>
   </p:cSld>
@@ -38263,11 +38439,6 @@
           <a:bodyPr lIns="90000" tIns="45000" rIns="90000" bIns="45000" anchor="ctr"/>
           <a:lstStyle/>
           <a:p>
-            <a:pPr>
-              <a:lnSpc>
-                <a:spcPct val="100000"/>
-              </a:lnSpc>
-            </a:pPr>
             <a:r>
               <a:rPr lang="en-US" sz="2400" spc="-1" dirty="0">
                 <a:solidFill>
@@ -38282,7 +38453,7 @@
               </a:rPr>
               <a:t>Test Suites</a:t>
             </a:r>
-            <a:endParaRPr lang="en-US" spc="-1" dirty="0">
+            <a:endParaRPr lang="en-US" sz="2400" spc="-1" dirty="0">
               <a:solidFill>
                 <a:srgbClr val="000000"/>
               </a:solidFill>
@@ -38397,10 +38568,10 @@
       </p:sp>
       <p:sp>
         <p:nvSpPr>
-          <p:cNvPr id="13" name="CustomShape 3">
+          <p:cNvPr id="9" name="CustomShape 3">
             <a:extLst>
               <a:ext uri="{FF2B5EF4-FFF2-40B4-BE49-F238E27FC236}">
-                <a16:creationId xmlns:a16="http://schemas.microsoft.com/office/drawing/2014/main" id="{B221EEF5-AAAD-4D59-B95D-ED1036C3C678}"/>
+                <a16:creationId xmlns:a16="http://schemas.microsoft.com/office/drawing/2014/main" id="{EA55C943-3A99-420F-AFAC-38FDA97383E7}"/>
               </a:ext>
             </a:extLst>
           </p:cNvPr>
@@ -38445,7 +38616,7 @@
               </a:buClr>
             </a:pPr>
             <a:r>
-              <a:rPr lang="en-US" b="0" strike="noStrike" spc="-1" dirty="0">
+              <a:rPr lang="en-US" b="0" strike="noStrike" spc="-1" dirty="0" err="1">
                 <a:solidFill>
                   <a:srgbClr val="292929"/>
                 </a:solidFill>
@@ -38457,44 +38628,10 @@
                 <a:latin typeface="Calibri" panose="020F0502020204030204" pitchFamily="34" charset="0"/>
                 <a:cs typeface="Calibri" panose="020F0502020204030204" pitchFamily="34" charset="0"/>
               </a:rPr>
-              <a:t>Aufgabe:</a:t>
-            </a:r>
-          </a:p>
-          <a:p>
-            <a:pPr marL="720">
-              <a:lnSpc>
-                <a:spcPct val="100000"/>
-              </a:lnSpc>
-              <a:buClr>
-                <a:srgbClr val="51A025"/>
-              </a:buClr>
-            </a:pPr>
-            <a:endParaRPr lang="en-US" b="0" strike="noStrike" spc="-1" dirty="0">
-              <a:solidFill>
-                <a:srgbClr val="000000"/>
-              </a:solidFill>
-              <a:uFill>
-                <a:solidFill>
-                  <a:srgbClr val="FFFFFF"/>
-                </a:solidFill>
-              </a:uFill>
-              <a:latin typeface="Calibri" panose="020F0502020204030204" pitchFamily="34" charset="0"/>
-              <a:cs typeface="Calibri" panose="020F0502020204030204" pitchFamily="34" charset="0"/>
-            </a:endParaRPr>
-          </a:p>
-          <a:p>
-            <a:pPr marL="285840" indent="-285120">
-              <a:lnSpc>
-                <a:spcPct val="100000"/>
-              </a:lnSpc>
-              <a:buClr>
-                <a:srgbClr val="51A025"/>
-              </a:buClr>
-              <a:buFont typeface="Arial"/>
-              <a:buChar char="•"/>
-            </a:pPr>
-            <a:r>
-              <a:rPr lang="en-US" spc="-1" dirty="0" err="1">
+              <a:t>Lösung</a:t>
+            </a:r>
+            <a:r>
+              <a:rPr lang="en-US" b="0" strike="noStrike" spc="-1" dirty="0">
                 <a:solidFill>
                   <a:srgbClr val="292929"/>
                 </a:solidFill>
@@ -38506,242 +38643,7 @@
                 <a:latin typeface="Calibri" panose="020F0502020204030204" pitchFamily="34" charset="0"/>
                 <a:cs typeface="Calibri" panose="020F0502020204030204" pitchFamily="34" charset="0"/>
               </a:rPr>
-              <a:t>BasicTestSuite</a:t>
-            </a:r>
-            <a:r>
-              <a:rPr lang="en-US" spc="-1" dirty="0">
-                <a:solidFill>
-                  <a:srgbClr val="292929"/>
-                </a:solidFill>
-                <a:uFill>
-                  <a:solidFill>
-                    <a:srgbClr val="FFFFFF"/>
-                  </a:solidFill>
-                </a:uFill>
-                <a:latin typeface="Calibri" panose="020F0502020204030204" pitchFamily="34" charset="0"/>
-                <a:cs typeface="Calibri" panose="020F0502020204030204" pitchFamily="34" charset="0"/>
-              </a:rPr>
-              <a:t>: </a:t>
-            </a:r>
-            <a:r>
-              <a:rPr lang="en-US" spc="-1" dirty="0" err="1">
-                <a:solidFill>
-                  <a:srgbClr val="292929"/>
-                </a:solidFill>
-                <a:uFill>
-                  <a:solidFill>
-                    <a:srgbClr val="FFFFFF"/>
-                  </a:solidFill>
-                </a:uFill>
-                <a:latin typeface="Calibri" panose="020F0502020204030204" pitchFamily="34" charset="0"/>
-                <a:cs typeface="Calibri" panose="020F0502020204030204" pitchFamily="34" charset="0"/>
-              </a:rPr>
-              <a:t>verwende</a:t>
-            </a:r>
-            <a:r>
-              <a:rPr lang="en-US" spc="-1" dirty="0">
-                <a:solidFill>
-                  <a:srgbClr val="292929"/>
-                </a:solidFill>
-                <a:uFill>
-                  <a:solidFill>
-                    <a:srgbClr val="FFFFFF"/>
-                  </a:solidFill>
-                </a:uFill>
-                <a:latin typeface="Calibri" panose="020F0502020204030204" pitchFamily="34" charset="0"/>
-                <a:cs typeface="Calibri" panose="020F0502020204030204" pitchFamily="34" charset="0"/>
-              </a:rPr>
-              <a:t> @</a:t>
-            </a:r>
-            <a:r>
-              <a:rPr lang="en-US" spc="-1" dirty="0" err="1">
-                <a:solidFill>
-                  <a:srgbClr val="292929"/>
-                </a:solidFill>
-                <a:uFill>
-                  <a:solidFill>
-                    <a:srgbClr val="FFFFFF"/>
-                  </a:solidFill>
-                </a:uFill>
-                <a:latin typeface="Calibri" panose="020F0502020204030204" pitchFamily="34" charset="0"/>
-                <a:cs typeface="Calibri" panose="020F0502020204030204" pitchFamily="34" charset="0"/>
-              </a:rPr>
-              <a:t>SelectPackages</a:t>
-            </a:r>
-            <a:endParaRPr lang="en-US" spc="-1" dirty="0">
-              <a:solidFill>
-                <a:srgbClr val="292929"/>
-              </a:solidFill>
-              <a:uFill>
-                <a:solidFill>
-                  <a:srgbClr val="FFFFFF"/>
-                </a:solidFill>
-              </a:uFill>
-              <a:latin typeface="Calibri" panose="020F0502020204030204" pitchFamily="34" charset="0"/>
-              <a:cs typeface="Calibri" panose="020F0502020204030204" pitchFamily="34" charset="0"/>
-            </a:endParaRPr>
-          </a:p>
-          <a:p>
-            <a:pPr marL="285840" indent="-285120">
-              <a:lnSpc>
-                <a:spcPct val="100000"/>
-              </a:lnSpc>
-              <a:buClr>
-                <a:srgbClr val="51A025"/>
-              </a:buClr>
-              <a:buFont typeface="Arial"/>
-              <a:buChar char="•"/>
-            </a:pPr>
-            <a:r>
-              <a:rPr lang="en-US" spc="-1" dirty="0" err="1">
-                <a:solidFill>
-                  <a:srgbClr val="292929"/>
-                </a:solidFill>
-                <a:uFill>
-                  <a:solidFill>
-                    <a:srgbClr val="FFFFFF"/>
-                  </a:solidFill>
-                </a:uFill>
-                <a:latin typeface="Calibri" panose="020F0502020204030204" pitchFamily="34" charset="0"/>
-                <a:cs typeface="Calibri" panose="020F0502020204030204" pitchFamily="34" charset="0"/>
-              </a:rPr>
-              <a:t>LongRunningTest</a:t>
-            </a:r>
-            <a:r>
-              <a:rPr lang="en-US" spc="-1" dirty="0">
-                <a:solidFill>
-                  <a:srgbClr val="292929"/>
-                </a:solidFill>
-                <a:uFill>
-                  <a:solidFill>
-                    <a:srgbClr val="FFFFFF"/>
-                  </a:solidFill>
-                </a:uFill>
-                <a:latin typeface="Calibri" panose="020F0502020204030204" pitchFamily="34" charset="0"/>
-                <a:cs typeface="Calibri" panose="020F0502020204030204" pitchFamily="34" charset="0"/>
-              </a:rPr>
-              <a:t>: </a:t>
-            </a:r>
-            <a:r>
-              <a:rPr lang="en-US" spc="-1" dirty="0" err="1">
-                <a:solidFill>
-                  <a:srgbClr val="292929"/>
-                </a:solidFill>
-                <a:uFill>
-                  <a:solidFill>
-                    <a:srgbClr val="FFFFFF"/>
-                  </a:solidFill>
-                </a:uFill>
-                <a:latin typeface="Calibri" panose="020F0502020204030204" pitchFamily="34" charset="0"/>
-                <a:cs typeface="Calibri" panose="020F0502020204030204" pitchFamily="34" charset="0"/>
-              </a:rPr>
-              <a:t>verwende</a:t>
-            </a:r>
-            <a:r>
-              <a:rPr lang="en-US" spc="-1" dirty="0">
-                <a:solidFill>
-                  <a:srgbClr val="292929"/>
-                </a:solidFill>
-                <a:uFill>
-                  <a:solidFill>
-                    <a:srgbClr val="FFFFFF"/>
-                  </a:solidFill>
-                </a:uFill>
-                <a:latin typeface="Calibri" panose="020F0502020204030204" pitchFamily="34" charset="0"/>
-                <a:cs typeface="Calibri" panose="020F0502020204030204" pitchFamily="34" charset="0"/>
-              </a:rPr>
-              <a:t> @</a:t>
-            </a:r>
-            <a:r>
-              <a:rPr lang="en-US" spc="-1" dirty="0" err="1">
-                <a:solidFill>
-                  <a:srgbClr val="292929"/>
-                </a:solidFill>
-                <a:uFill>
-                  <a:solidFill>
-                    <a:srgbClr val="FFFFFF"/>
-                  </a:solidFill>
-                </a:uFill>
-                <a:latin typeface="Calibri" panose="020F0502020204030204" pitchFamily="34" charset="0"/>
-                <a:cs typeface="Calibri" panose="020F0502020204030204" pitchFamily="34" charset="0"/>
-              </a:rPr>
-              <a:t>IncludeTags</a:t>
-            </a:r>
-            <a:endParaRPr lang="en-US" b="0" strike="noStrike" spc="-1" dirty="0">
-              <a:solidFill>
-                <a:srgbClr val="292929"/>
-              </a:solidFill>
-              <a:uFill>
-                <a:solidFill>
-                  <a:srgbClr val="FFFFFF"/>
-                </a:solidFill>
-              </a:uFill>
-              <a:latin typeface="+mj-lt"/>
-            </a:endParaRPr>
-          </a:p>
-        </p:txBody>
-      </p:sp>
-      <p:sp>
-        <p:nvSpPr>
-          <p:cNvPr id="7" name="Rechteck 6">
-            <a:extLst>
-              <a:ext uri="{FF2B5EF4-FFF2-40B4-BE49-F238E27FC236}">
-                <a16:creationId xmlns:a16="http://schemas.microsoft.com/office/drawing/2014/main" id="{9ABA87CE-82D6-4D64-8E5B-33F0E0DAFE29}"/>
-              </a:ext>
-            </a:extLst>
-          </p:cNvPr>
-          <p:cNvSpPr/>
-          <p:nvPr/>
-        </p:nvSpPr>
-        <p:spPr>
-          <a:xfrm>
-            <a:off x="8047440" y="676691"/>
-            <a:ext cx="929520" cy="494060"/>
-          </a:xfrm>
-          <a:prstGeom prst="rect">
-            <a:avLst/>
-          </a:prstGeom>
-          <a:noFill/>
-          <a:ln w="15875">
-            <a:solidFill>
-              <a:schemeClr val="bg1">
-                <a:lumMod val="85000"/>
-              </a:schemeClr>
-            </a:solidFill>
-          </a:ln>
-        </p:spPr>
-        <p:style>
-          <a:lnRef idx="2">
-            <a:schemeClr val="accent1">
-              <a:shade val="50000"/>
-            </a:schemeClr>
-          </a:lnRef>
-          <a:fillRef idx="1">
-            <a:schemeClr val="accent1"/>
-          </a:fillRef>
-          <a:effectRef idx="0">
-            <a:schemeClr val="accent1"/>
-          </a:effectRef>
-          <a:fontRef idx="minor">
-            <a:schemeClr val="lt1"/>
-          </a:fontRef>
-        </p:style>
-        <p:txBody>
-          <a:bodyPr rtlCol="0" anchor="ctr"/>
-          <a:lstStyle/>
-          <a:p>
-            <a:pPr algn="ctr"/>
-            <a:r>
-              <a:rPr lang="de-DE" dirty="0">
-                <a:solidFill>
-                  <a:schemeClr val="bg1">
-                    <a:lumMod val="75000"/>
-                  </a:schemeClr>
-                </a:solidFill>
-                <a:latin typeface="Calibri" panose="020F0502020204030204" pitchFamily="34" charset="0"/>
-                <a:cs typeface="Calibri" panose="020F0502020204030204" pitchFamily="34" charset="0"/>
-              </a:rPr>
-              <a:t>20 Min</a:t>
+              <a:t>:</a:t>
             </a:r>
           </a:p>
         </p:txBody>
@@ -38749,7 +38651,7 @@
     </p:spTree>
     <p:extLst>
       <p:ext uri="{BB962C8B-B14F-4D97-AF65-F5344CB8AC3E}">
-        <p14:creationId xmlns:p14="http://schemas.microsoft.com/office/powerpoint/2010/main" val="2959705780"/>
+        <p14:creationId xmlns:p14="http://schemas.microsoft.com/office/powerpoint/2010/main" val="3183201034"/>
       </p:ext>
     </p:extLst>
   </p:cSld>
@@ -38805,14 +38707,14 @@
       </p:grpSpPr>
       <p:sp>
         <p:nvSpPr>
-          <p:cNvPr id="683" name="CustomShape 1"/>
+          <p:cNvPr id="690" name="CustomShape 3"/>
           <p:cNvSpPr/>
           <p:nvPr/>
         </p:nvSpPr>
         <p:spPr>
           <a:xfrm>
-            <a:off x="1375200" y="276480"/>
-            <a:ext cx="2894760" cy="263520"/>
+            <a:off x="457200" y="640080"/>
+            <a:ext cx="8207280" cy="783000"/>
           </a:xfrm>
           <a:prstGeom prst="rect">
             <a:avLst/>
@@ -38844,43 +38746,138 @@
               </a:lnSpc>
             </a:pPr>
             <a:r>
-              <a:rPr lang="en-US" sz="1000" b="0" strike="noStrike" spc="-1">
-                <a:solidFill>
-                  <a:srgbClr val="BABABA"/>
-                </a:solidFill>
-                <a:uFill>
-                  <a:solidFill>
-                    <a:srgbClr val="FFFFFF"/>
-                  </a:solidFill>
-                </a:uFill>
-                <a:latin typeface="Calibri"/>
-              </a:rPr>
-              <a:t>Experts in agile software engineering</a:t>
-            </a:r>
-            <a:endParaRPr lang="en-US" sz="1800" b="0" strike="noStrike" spc="-1">
-              <a:solidFill>
-                <a:srgbClr val="000000"/>
-              </a:solidFill>
-              <a:uFill>
-                <a:solidFill>
-                  <a:srgbClr val="FFFFFF"/>
-                </a:solidFill>
-              </a:uFill>
-              <a:latin typeface="Arial"/>
+              <a:rPr lang="en-US" sz="2400" spc="-1" dirty="0">
+                <a:solidFill>
+                  <a:srgbClr val="004C93"/>
+                </a:solidFill>
+                <a:uFill>
+                  <a:solidFill>
+                    <a:srgbClr val="FFFFFF"/>
+                  </a:solidFill>
+                </a:uFill>
+                <a:latin typeface="Calibri"/>
+              </a:rPr>
+              <a:t>Abstract Tests </a:t>
+            </a:r>
+            <a:r>
+              <a:rPr lang="en-US" sz="2400" spc="-1" dirty="0" err="1">
+                <a:solidFill>
+                  <a:srgbClr val="004C93"/>
+                </a:solidFill>
+                <a:uFill>
+                  <a:solidFill>
+                    <a:srgbClr val="FFFFFF"/>
+                  </a:solidFill>
+                </a:uFill>
+                <a:latin typeface="Calibri"/>
+              </a:rPr>
+              <a:t>nach</a:t>
+            </a:r>
+            <a:r>
+              <a:rPr lang="en-US" sz="2400" spc="-1" dirty="0">
+                <a:solidFill>
+                  <a:srgbClr val="004C93"/>
+                </a:solidFill>
+                <a:uFill>
+                  <a:solidFill>
+                    <a:srgbClr val="FFFFFF"/>
+                  </a:solidFill>
+                </a:uFill>
+                <a:latin typeface="Calibri"/>
+              </a:rPr>
+              <a:t> Contracts</a:t>
+            </a:r>
+            <a:endParaRPr lang="en-US" spc="-1" dirty="0">
+              <a:solidFill>
+                <a:srgbClr val="000000"/>
+              </a:solidFill>
+              <a:uFill>
+                <a:solidFill>
+                  <a:srgbClr val="FFFFFF"/>
+                </a:solidFill>
+              </a:uFill>
             </a:endParaRPr>
           </a:p>
         </p:txBody>
       </p:sp>
       <p:sp>
         <p:nvSpPr>
-          <p:cNvPr id="684" name="CustomShape 2"/>
+          <p:cNvPr id="691" name="CustomShape 4"/>
           <p:cNvSpPr/>
           <p:nvPr/>
         </p:nvSpPr>
         <p:spPr>
           <a:xfrm>
-            <a:off x="457200" y="640080"/>
-            <a:ext cx="6666480" cy="783000"/>
+            <a:off x="8626680" y="180360"/>
+            <a:ext cx="350280" cy="155160"/>
+          </a:xfrm>
+          <a:prstGeom prst="rect">
+            <a:avLst/>
+          </a:prstGeom>
+          <a:noFill/>
+          <a:ln w="9360">
+            <a:noFill/>
+          </a:ln>
+        </p:spPr>
+        <p:style>
+          <a:lnRef idx="0">
+            <a:scrgbClr r="0" g="0" b="0"/>
+          </a:lnRef>
+          <a:fillRef idx="0">
+            <a:scrgbClr r="0" g="0" b="0"/>
+          </a:fillRef>
+          <a:effectRef idx="0">
+            <a:scrgbClr r="0" g="0" b="0"/>
+          </a:effectRef>
+          <a:fontRef idx="minor"/>
+        </p:style>
+        <p:txBody>
+          <a:bodyPr lIns="0" tIns="0" rIns="0" bIns="0"/>
+          <a:lstStyle/>
+          <a:p>
+            <a:pPr algn="ctr">
+              <a:lnSpc>
+                <a:spcPct val="100000"/>
+              </a:lnSpc>
+            </a:pPr>
+            <a:fld id="{29B2A38E-FD1F-404A-B77F-FB5299B00347}" type="slidenum">
+              <a:rPr lang="en-US" sz="1000" b="0" strike="noStrike" spc="-1">
+                <a:solidFill>
+                  <a:srgbClr val="51A025"/>
+                </a:solidFill>
+                <a:uFill>
+                  <a:solidFill>
+                    <a:srgbClr val="FFFFFF"/>
+                  </a:solidFill>
+                </a:uFill>
+                <a:latin typeface="Calibri"/>
+              </a:rPr>
+              <a:t>32</a:t>
+            </a:fld>
+            <a:endParaRPr lang="en-US" sz="1800" b="0" strike="noStrike" spc="-1">
+              <a:solidFill>
+                <a:srgbClr val="000000"/>
+              </a:solidFill>
+              <a:uFill>
+                <a:solidFill>
+                  <a:srgbClr val="FFFFFF"/>
+                </a:solidFill>
+              </a:uFill>
+              <a:latin typeface="Arial"/>
+            </a:endParaRPr>
+          </a:p>
+        </p:txBody>
+      </p:sp>
+      <p:sp>
+        <p:nvSpPr>
+          <p:cNvPr id="692" name="CustomShape 5"/>
+          <p:cNvSpPr/>
+          <p:nvPr/>
+        </p:nvSpPr>
+        <p:spPr>
+          <a:xfrm>
+            <a:off x="1375200" y="276480"/>
+            <a:ext cx="2894760" cy="263520"/>
           </a:xfrm>
           <a:prstGeom prst="rect">
             <a:avLst/>
@@ -38906,139 +38903,45 @@
           <a:bodyPr lIns="90000" tIns="45000" rIns="90000" bIns="45000" anchor="ctr"/>
           <a:lstStyle/>
           <a:p>
-            <a:r>
-              <a:rPr lang="en-US" sz="2400" spc="-1" dirty="0">
-                <a:solidFill>
-                  <a:srgbClr val="004C93"/>
-                </a:solidFill>
-                <a:uFill>
-                  <a:solidFill>
-                    <a:srgbClr val="FFFFFF"/>
-                  </a:solidFill>
-                </a:uFill>
-                <a:latin typeface="Calibri"/>
-              </a:rPr>
-              <a:t>Test Suites</a:t>
-            </a:r>
-            <a:endParaRPr lang="en-US" sz="2400" spc="-1" dirty="0">
-              <a:solidFill>
-                <a:srgbClr val="000000"/>
-              </a:solidFill>
-              <a:uFill>
-                <a:solidFill>
-                  <a:srgbClr val="FFFFFF"/>
-                </a:solidFill>
-              </a:uFill>
+            <a:pPr>
+              <a:lnSpc>
+                <a:spcPct val="100000"/>
+              </a:lnSpc>
+            </a:pPr>
+            <a:r>
+              <a:rPr lang="en-US" sz="1000" b="0" strike="noStrike" spc="-1">
+                <a:solidFill>
+                  <a:srgbClr val="BABABA"/>
+                </a:solidFill>
+                <a:uFill>
+                  <a:solidFill>
+                    <a:srgbClr val="FFFFFF"/>
+                  </a:solidFill>
+                </a:uFill>
+                <a:latin typeface="Calibri"/>
+              </a:rPr>
+              <a:t>Experts in agile software engineering</a:t>
+            </a:r>
+            <a:endParaRPr lang="en-US" sz="1800" b="0" strike="noStrike" spc="-1">
+              <a:solidFill>
+                <a:srgbClr val="000000"/>
+              </a:solidFill>
+              <a:uFill>
+                <a:solidFill>
+                  <a:srgbClr val="FFFFFF"/>
+                </a:solidFill>
+              </a:uFill>
+              <a:latin typeface="Arial"/>
             </a:endParaRPr>
           </a:p>
         </p:txBody>
       </p:sp>
       <p:sp>
         <p:nvSpPr>
-          <p:cNvPr id="686" name="CustomShape 4"/>
-          <p:cNvSpPr/>
-          <p:nvPr/>
-        </p:nvSpPr>
-        <p:spPr>
-          <a:xfrm>
-            <a:off x="8626680" y="180360"/>
-            <a:ext cx="350280" cy="155160"/>
-          </a:xfrm>
-          <a:prstGeom prst="rect">
-            <a:avLst/>
-          </a:prstGeom>
-          <a:noFill/>
-          <a:ln w="9360">
-            <a:noFill/>
-          </a:ln>
-        </p:spPr>
-        <p:style>
-          <a:lnRef idx="0">
-            <a:scrgbClr r="0" g="0" b="0"/>
-          </a:lnRef>
-          <a:fillRef idx="0">
-            <a:scrgbClr r="0" g="0" b="0"/>
-          </a:fillRef>
-          <a:effectRef idx="0">
-            <a:scrgbClr r="0" g="0" b="0"/>
-          </a:effectRef>
-          <a:fontRef idx="minor"/>
-        </p:style>
-        <p:txBody>
-          <a:bodyPr lIns="0" tIns="0" rIns="0" bIns="0"/>
-          <a:lstStyle/>
-          <a:p>
-            <a:pPr algn="ctr">
-              <a:lnSpc>
-                <a:spcPct val="100000"/>
-              </a:lnSpc>
-            </a:pPr>
-            <a:fld id="{6F82BE0B-28F8-4E8B-89B8-EFA9010AFB71}" type="slidenum">
-              <a:rPr lang="en-US" sz="1000" b="0" strike="noStrike" spc="-1">
-                <a:solidFill>
-                  <a:srgbClr val="51A025"/>
-                </a:solidFill>
-                <a:uFill>
-                  <a:solidFill>
-                    <a:srgbClr val="FFFFFF"/>
-                  </a:solidFill>
-                </a:uFill>
-                <a:latin typeface="Calibri"/>
-              </a:rPr>
-              <a:t>32</a:t>
-            </a:fld>
-            <a:endParaRPr lang="en-US" sz="1800" b="0" strike="noStrike" spc="-1">
-              <a:solidFill>
-                <a:srgbClr val="000000"/>
-              </a:solidFill>
-              <a:uFill>
-                <a:solidFill>
-                  <a:srgbClr val="FFFFFF"/>
-                </a:solidFill>
-              </a:uFill>
-              <a:latin typeface="Arial"/>
-            </a:endParaRPr>
-          </a:p>
-        </p:txBody>
-      </p:sp>
-      <p:sp>
-        <p:nvSpPr>
-          <p:cNvPr id="687" name="CustomShape 5"/>
-          <p:cNvSpPr/>
-          <p:nvPr/>
-        </p:nvSpPr>
-        <p:spPr>
-          <a:xfrm>
-            <a:off x="8047440" y="640800"/>
-            <a:ext cx="751320" cy="373680"/>
-          </a:xfrm>
-          <a:prstGeom prst="rect">
-            <a:avLst/>
-          </a:prstGeom>
-          <a:noFill/>
-          <a:ln>
-            <a:noFill/>
-          </a:ln>
-        </p:spPr>
-        <p:style>
-          <a:lnRef idx="0">
-            <a:scrgbClr r="0" g="0" b="0"/>
-          </a:lnRef>
-          <a:fillRef idx="0">
-            <a:scrgbClr r="0" g="0" b="0"/>
-          </a:fillRef>
-          <a:effectRef idx="0">
-            <a:scrgbClr r="0" g="0" b="0"/>
-          </a:effectRef>
-          <a:fontRef idx="minor"/>
-        </p:style>
-      </p:sp>
-      <p:sp>
-        <p:nvSpPr>
-          <p:cNvPr id="9" name="CustomShape 3">
+          <p:cNvPr id="11" name="Rechteck 10">
             <a:extLst>
               <a:ext uri="{FF2B5EF4-FFF2-40B4-BE49-F238E27FC236}">
-                <a16:creationId xmlns:a16="http://schemas.microsoft.com/office/drawing/2014/main" id="{EA55C943-3A99-420F-AFAC-38FDA97383E7}"/>
+                <a16:creationId xmlns:a16="http://schemas.microsoft.com/office/drawing/2014/main" id="{4460BE3B-AD51-4220-9BD5-50A08CBDBAB3}"/>
               </a:ext>
             </a:extLst>
           </p:cNvPr>
@@ -39047,31 +38950,429 @@
         </p:nvSpPr>
         <p:spPr>
           <a:xfrm>
-            <a:off x="457200" y="1692000"/>
-            <a:ext cx="8207280" cy="3041280"/>
-          </a:xfrm>
-          <a:prstGeom prst="rect">
-            <a:avLst/>
-          </a:prstGeom>
-          <a:noFill/>
+            <a:off x="4904696" y="1954699"/>
+            <a:ext cx="3746532" cy="1987823"/>
+          </a:xfrm>
+          <a:prstGeom prst="rect">
+            <a:avLst/>
+          </a:prstGeom>
+          <a:solidFill>
+            <a:schemeClr val="bg1"/>
+          </a:solidFill>
           <a:ln>
-            <a:noFill/>
+            <a:solidFill>
+              <a:schemeClr val="tx1"/>
+            </a:solidFill>
           </a:ln>
         </p:spPr>
         <p:style>
-          <a:lnRef idx="0">
-            <a:scrgbClr r="0" g="0" b="0"/>
+          <a:lnRef idx="2">
+            <a:schemeClr val="accent1">
+              <a:shade val="50000"/>
+            </a:schemeClr>
           </a:lnRef>
-          <a:fillRef idx="0">
-            <a:scrgbClr r="0" g="0" b="0"/>
+          <a:fillRef idx="1">
+            <a:schemeClr val="accent1"/>
           </a:fillRef>
           <a:effectRef idx="0">
-            <a:scrgbClr r="0" g="0" b="0"/>
+            <a:schemeClr val="accent1"/>
           </a:effectRef>
-          <a:fontRef idx="minor"/>
+          <a:fontRef idx="minor">
+            <a:schemeClr val="lt1"/>
+          </a:fontRef>
         </p:style>
         <p:txBody>
-          <a:bodyPr lIns="90000" tIns="45000" rIns="90000" bIns="45000"/>
+          <a:bodyPr rtlCol="0" anchor="ctr"/>
+          <a:lstStyle/>
+          <a:p>
+            <a:r>
+              <a:rPr lang="de-DE" sz="1200" dirty="0" err="1">
+                <a:solidFill>
+                  <a:schemeClr val="tx1"/>
+                </a:solidFill>
+                <a:latin typeface="Calibri" panose="020F0502020204030204" pitchFamily="34" charset="0"/>
+                <a:cs typeface="Calibri" panose="020F0502020204030204" pitchFamily="34" charset="0"/>
+              </a:rPr>
+              <a:t>public</a:t>
+            </a:r>
+            <a:r>
+              <a:rPr lang="de-DE" sz="1200" dirty="0">
+                <a:solidFill>
+                  <a:schemeClr val="tx1"/>
+                </a:solidFill>
+                <a:latin typeface="Calibri" panose="020F0502020204030204" pitchFamily="34" charset="0"/>
+                <a:cs typeface="Calibri" panose="020F0502020204030204" pitchFamily="34" charset="0"/>
+              </a:rPr>
+              <a:t> interface </a:t>
+            </a:r>
+            <a:r>
+              <a:rPr lang="de-DE" sz="1200" dirty="0" err="1">
+                <a:solidFill>
+                  <a:schemeClr val="tx1"/>
+                </a:solidFill>
+                <a:latin typeface="Calibri" panose="020F0502020204030204" pitchFamily="34" charset="0"/>
+                <a:cs typeface="Calibri" panose="020F0502020204030204" pitchFamily="34" charset="0"/>
+              </a:rPr>
+              <a:t>Contract</a:t>
+            </a:r>
+            <a:r>
+              <a:rPr lang="de-DE" sz="1200" dirty="0">
+                <a:solidFill>
+                  <a:schemeClr val="tx1"/>
+                </a:solidFill>
+                <a:latin typeface="Calibri" panose="020F0502020204030204" pitchFamily="34" charset="0"/>
+                <a:cs typeface="Calibri" panose="020F0502020204030204" pitchFamily="34" charset="0"/>
+              </a:rPr>
+              <a:t>&lt;T&gt; {</a:t>
+            </a:r>
+          </a:p>
+          <a:p>
+            <a:r>
+              <a:rPr lang="de-DE" sz="500" dirty="0">
+                <a:solidFill>
+                  <a:schemeClr val="tx1"/>
+                </a:solidFill>
+                <a:latin typeface="Calibri" panose="020F0502020204030204" pitchFamily="34" charset="0"/>
+                <a:cs typeface="Calibri" panose="020F0502020204030204" pitchFamily="34" charset="0"/>
+              </a:rPr>
+              <a:t>    </a:t>
+            </a:r>
+          </a:p>
+          <a:p>
+            <a:r>
+              <a:rPr lang="de-DE" sz="1200" dirty="0">
+                <a:solidFill>
+                  <a:schemeClr val="tx1"/>
+                </a:solidFill>
+                <a:latin typeface="Calibri" panose="020F0502020204030204" pitchFamily="34" charset="0"/>
+                <a:cs typeface="Calibri" panose="020F0502020204030204" pitchFamily="34" charset="0"/>
+              </a:rPr>
+              <a:t>        T </a:t>
+            </a:r>
+            <a:r>
+              <a:rPr lang="de-DE" sz="1200" dirty="0" err="1">
+                <a:solidFill>
+                  <a:schemeClr val="tx1"/>
+                </a:solidFill>
+                <a:latin typeface="Calibri" panose="020F0502020204030204" pitchFamily="34" charset="0"/>
+                <a:cs typeface="Calibri" panose="020F0502020204030204" pitchFamily="34" charset="0"/>
+              </a:rPr>
+              <a:t>createValue</a:t>
+            </a:r>
+            <a:r>
+              <a:rPr lang="de-DE" sz="1200" dirty="0">
+                <a:solidFill>
+                  <a:schemeClr val="tx1"/>
+                </a:solidFill>
+                <a:latin typeface="Calibri" panose="020F0502020204030204" pitchFamily="34" charset="0"/>
+                <a:cs typeface="Calibri" panose="020F0502020204030204" pitchFamily="34" charset="0"/>
+              </a:rPr>
+              <a:t>();</a:t>
+            </a:r>
+          </a:p>
+          <a:p>
+            <a:r>
+              <a:rPr lang="de-DE" sz="500" dirty="0">
+                <a:solidFill>
+                  <a:schemeClr val="tx1"/>
+                </a:solidFill>
+                <a:latin typeface="Calibri" panose="020F0502020204030204" pitchFamily="34" charset="0"/>
+                <a:cs typeface="Calibri" panose="020F0502020204030204" pitchFamily="34" charset="0"/>
+              </a:rPr>
+              <a:t>        </a:t>
+            </a:r>
+          </a:p>
+          <a:p>
+            <a:r>
+              <a:rPr lang="de-DE" sz="1200" dirty="0">
+                <a:solidFill>
+                  <a:schemeClr val="tx1"/>
+                </a:solidFill>
+                <a:latin typeface="Calibri" panose="020F0502020204030204" pitchFamily="34" charset="0"/>
+                <a:cs typeface="Calibri" panose="020F0502020204030204" pitchFamily="34" charset="0"/>
+              </a:rPr>
+              <a:t>        @Test</a:t>
+            </a:r>
+          </a:p>
+          <a:p>
+            <a:r>
+              <a:rPr lang="de-DE" sz="1200" dirty="0">
+                <a:solidFill>
+                  <a:schemeClr val="tx1"/>
+                </a:solidFill>
+                <a:latin typeface="Calibri" panose="020F0502020204030204" pitchFamily="34" charset="0"/>
+                <a:cs typeface="Calibri" panose="020F0502020204030204" pitchFamily="34" charset="0"/>
+              </a:rPr>
+              <a:t>        </a:t>
+            </a:r>
+            <a:r>
+              <a:rPr lang="de-DE" sz="1200" dirty="0" err="1">
+                <a:solidFill>
+                  <a:schemeClr val="tx1"/>
+                </a:solidFill>
+                <a:latin typeface="Calibri" panose="020F0502020204030204" pitchFamily="34" charset="0"/>
+                <a:cs typeface="Calibri" panose="020F0502020204030204" pitchFamily="34" charset="0"/>
+              </a:rPr>
+              <a:t>default</a:t>
+            </a:r>
+            <a:r>
+              <a:rPr lang="de-DE" sz="1200" dirty="0">
+                <a:solidFill>
+                  <a:schemeClr val="tx1"/>
+                </a:solidFill>
+                <a:latin typeface="Calibri" panose="020F0502020204030204" pitchFamily="34" charset="0"/>
+                <a:cs typeface="Calibri" panose="020F0502020204030204" pitchFamily="34" charset="0"/>
+              </a:rPr>
+              <a:t> </a:t>
+            </a:r>
+            <a:r>
+              <a:rPr lang="de-DE" sz="1200" dirty="0" err="1">
+                <a:solidFill>
+                  <a:schemeClr val="tx1"/>
+                </a:solidFill>
+                <a:latin typeface="Calibri" panose="020F0502020204030204" pitchFamily="34" charset="0"/>
+                <a:cs typeface="Calibri" panose="020F0502020204030204" pitchFamily="34" charset="0"/>
+              </a:rPr>
+              <a:t>void</a:t>
+            </a:r>
+            <a:r>
+              <a:rPr lang="de-DE" sz="1200" dirty="0">
+                <a:solidFill>
+                  <a:schemeClr val="tx1"/>
+                </a:solidFill>
+                <a:latin typeface="Calibri" panose="020F0502020204030204" pitchFamily="34" charset="0"/>
+                <a:cs typeface="Calibri" panose="020F0502020204030204" pitchFamily="34" charset="0"/>
+              </a:rPr>
+              <a:t> </a:t>
+            </a:r>
+            <a:r>
+              <a:rPr lang="de-DE" sz="1200" dirty="0" err="1">
+                <a:solidFill>
+                  <a:schemeClr val="tx1"/>
+                </a:solidFill>
+                <a:latin typeface="Calibri" panose="020F0502020204030204" pitchFamily="34" charset="0"/>
+                <a:cs typeface="Calibri" panose="020F0502020204030204" pitchFamily="34" charset="0"/>
+              </a:rPr>
+              <a:t>testValue</a:t>
+            </a:r>
+            <a:r>
+              <a:rPr lang="de-DE" sz="1200" dirty="0">
+                <a:solidFill>
+                  <a:schemeClr val="tx1"/>
+                </a:solidFill>
+                <a:latin typeface="Calibri" panose="020F0502020204030204" pitchFamily="34" charset="0"/>
+                <a:cs typeface="Calibri" panose="020F0502020204030204" pitchFamily="34" charset="0"/>
+              </a:rPr>
+              <a:t>(){</a:t>
+            </a:r>
+          </a:p>
+          <a:p>
+            <a:r>
+              <a:rPr lang="de-DE" sz="1200" dirty="0">
+                <a:solidFill>
+                  <a:schemeClr val="tx1"/>
+                </a:solidFill>
+                <a:latin typeface="Calibri" panose="020F0502020204030204" pitchFamily="34" charset="0"/>
+                <a:cs typeface="Calibri" panose="020F0502020204030204" pitchFamily="34" charset="0"/>
+              </a:rPr>
+              <a:t>            T </a:t>
+            </a:r>
+            <a:r>
+              <a:rPr lang="de-DE" sz="1200" dirty="0" err="1">
+                <a:solidFill>
+                  <a:schemeClr val="tx1"/>
+                </a:solidFill>
+                <a:latin typeface="Calibri" panose="020F0502020204030204" pitchFamily="34" charset="0"/>
+                <a:cs typeface="Calibri" panose="020F0502020204030204" pitchFamily="34" charset="0"/>
+              </a:rPr>
+              <a:t>value</a:t>
+            </a:r>
+            <a:r>
+              <a:rPr lang="de-DE" sz="1200" dirty="0">
+                <a:solidFill>
+                  <a:schemeClr val="tx1"/>
+                </a:solidFill>
+                <a:latin typeface="Calibri" panose="020F0502020204030204" pitchFamily="34" charset="0"/>
+                <a:cs typeface="Calibri" panose="020F0502020204030204" pitchFamily="34" charset="0"/>
+              </a:rPr>
+              <a:t> = </a:t>
+            </a:r>
+            <a:r>
+              <a:rPr lang="de-DE" sz="1200" dirty="0" err="1">
+                <a:solidFill>
+                  <a:schemeClr val="tx1"/>
+                </a:solidFill>
+                <a:latin typeface="Calibri" panose="020F0502020204030204" pitchFamily="34" charset="0"/>
+                <a:cs typeface="Calibri" panose="020F0502020204030204" pitchFamily="34" charset="0"/>
+              </a:rPr>
+              <a:t>createValue</a:t>
+            </a:r>
+            <a:r>
+              <a:rPr lang="de-DE" sz="1200" dirty="0">
+                <a:solidFill>
+                  <a:schemeClr val="tx1"/>
+                </a:solidFill>
+                <a:latin typeface="Calibri" panose="020F0502020204030204" pitchFamily="34" charset="0"/>
+                <a:cs typeface="Calibri" panose="020F0502020204030204" pitchFamily="34" charset="0"/>
+              </a:rPr>
+              <a:t>();</a:t>
+            </a:r>
+          </a:p>
+          <a:p>
+            <a:r>
+              <a:rPr lang="de-DE" sz="1200" dirty="0">
+                <a:solidFill>
+                  <a:schemeClr val="tx1"/>
+                </a:solidFill>
+                <a:latin typeface="Calibri" panose="020F0502020204030204" pitchFamily="34" charset="0"/>
+                <a:cs typeface="Calibri" panose="020F0502020204030204" pitchFamily="34" charset="0"/>
+              </a:rPr>
+              <a:t>            </a:t>
+            </a:r>
+            <a:r>
+              <a:rPr lang="de-DE" sz="1200" dirty="0" err="1">
+                <a:solidFill>
+                  <a:schemeClr val="tx1"/>
+                </a:solidFill>
+                <a:latin typeface="Calibri" panose="020F0502020204030204" pitchFamily="34" charset="0"/>
+                <a:cs typeface="Calibri" panose="020F0502020204030204" pitchFamily="34" charset="0"/>
+              </a:rPr>
+              <a:t>assertThat</a:t>
+            </a:r>
+            <a:r>
+              <a:rPr lang="de-DE" sz="1200" dirty="0">
+                <a:solidFill>
+                  <a:schemeClr val="tx1"/>
+                </a:solidFill>
+                <a:latin typeface="Calibri" panose="020F0502020204030204" pitchFamily="34" charset="0"/>
+                <a:cs typeface="Calibri" panose="020F0502020204030204" pitchFamily="34" charset="0"/>
+              </a:rPr>
+              <a:t>(</a:t>
+            </a:r>
+            <a:r>
+              <a:rPr lang="de-DE" sz="1200" dirty="0" err="1">
+                <a:solidFill>
+                  <a:schemeClr val="tx1"/>
+                </a:solidFill>
+                <a:latin typeface="Calibri" panose="020F0502020204030204" pitchFamily="34" charset="0"/>
+                <a:cs typeface="Calibri" panose="020F0502020204030204" pitchFamily="34" charset="0"/>
+              </a:rPr>
+              <a:t>value</a:t>
+            </a:r>
+            <a:r>
+              <a:rPr lang="de-DE" sz="1200" dirty="0">
+                <a:solidFill>
+                  <a:schemeClr val="tx1"/>
+                </a:solidFill>
+                <a:latin typeface="Calibri" panose="020F0502020204030204" pitchFamily="34" charset="0"/>
+                <a:cs typeface="Calibri" panose="020F0502020204030204" pitchFamily="34" charset="0"/>
+              </a:rPr>
+              <a:t>).</a:t>
+            </a:r>
+            <a:r>
+              <a:rPr lang="de-DE" sz="1200" dirty="0" err="1">
+                <a:solidFill>
+                  <a:schemeClr val="tx1"/>
+                </a:solidFill>
+                <a:latin typeface="Calibri" panose="020F0502020204030204" pitchFamily="34" charset="0"/>
+                <a:cs typeface="Calibri" panose="020F0502020204030204" pitchFamily="34" charset="0"/>
+              </a:rPr>
+              <a:t>isEqualTo</a:t>
+            </a:r>
+            <a:r>
+              <a:rPr lang="de-DE" sz="1200" dirty="0">
+                <a:solidFill>
+                  <a:schemeClr val="tx1"/>
+                </a:solidFill>
+                <a:latin typeface="Calibri" panose="020F0502020204030204" pitchFamily="34" charset="0"/>
+                <a:cs typeface="Calibri" panose="020F0502020204030204" pitchFamily="34" charset="0"/>
+              </a:rPr>
+              <a:t>(</a:t>
+            </a:r>
+            <a:r>
+              <a:rPr lang="de-DE" sz="1200" dirty="0" err="1">
+                <a:solidFill>
+                  <a:schemeClr val="tx1"/>
+                </a:solidFill>
+                <a:latin typeface="Calibri" panose="020F0502020204030204" pitchFamily="34" charset="0"/>
+                <a:cs typeface="Calibri" panose="020F0502020204030204" pitchFamily="34" charset="0"/>
+              </a:rPr>
+              <a:t>expectedValue</a:t>
+            </a:r>
+            <a:r>
+              <a:rPr lang="de-DE" sz="1200" dirty="0">
+                <a:solidFill>
+                  <a:schemeClr val="tx1"/>
+                </a:solidFill>
+                <a:latin typeface="Calibri" panose="020F0502020204030204" pitchFamily="34" charset="0"/>
+                <a:cs typeface="Calibri" panose="020F0502020204030204" pitchFamily="34" charset="0"/>
+              </a:rPr>
+              <a:t>);</a:t>
+            </a:r>
+          </a:p>
+          <a:p>
+            <a:r>
+              <a:rPr lang="de-DE" sz="1200" dirty="0">
+                <a:solidFill>
+                  <a:schemeClr val="tx1"/>
+                </a:solidFill>
+                <a:latin typeface="Calibri" panose="020F0502020204030204" pitchFamily="34" charset="0"/>
+                <a:cs typeface="Calibri" panose="020F0502020204030204" pitchFamily="34" charset="0"/>
+              </a:rPr>
+              <a:t>        }</a:t>
+            </a:r>
+          </a:p>
+          <a:p>
+            <a:r>
+              <a:rPr lang="de-DE" sz="500" dirty="0">
+                <a:solidFill>
+                  <a:schemeClr val="tx1"/>
+                </a:solidFill>
+                <a:latin typeface="Calibri" panose="020F0502020204030204" pitchFamily="34" charset="0"/>
+                <a:cs typeface="Calibri" panose="020F0502020204030204" pitchFamily="34" charset="0"/>
+              </a:rPr>
+              <a:t>        </a:t>
+            </a:r>
+          </a:p>
+          <a:p>
+            <a:r>
+              <a:rPr lang="de-DE" sz="1200" dirty="0">
+                <a:solidFill>
+                  <a:schemeClr val="tx1"/>
+                </a:solidFill>
+                <a:latin typeface="Calibri" panose="020F0502020204030204" pitchFamily="34" charset="0"/>
+                <a:cs typeface="Calibri" panose="020F0502020204030204" pitchFamily="34" charset="0"/>
+              </a:rPr>
+              <a:t>}</a:t>
+            </a:r>
+          </a:p>
+        </p:txBody>
+      </p:sp>
+      <p:sp>
+        <p:nvSpPr>
+          <p:cNvPr id="2" name="Rechteck 1">
+            <a:extLst>
+              <a:ext uri="{FF2B5EF4-FFF2-40B4-BE49-F238E27FC236}">
+                <a16:creationId xmlns:a16="http://schemas.microsoft.com/office/drawing/2014/main" id="{67BD4B7C-543B-4668-A4AD-654AC6569D1E}"/>
+              </a:ext>
+            </a:extLst>
+          </p:cNvPr>
+          <p:cNvSpPr/>
+          <p:nvPr/>
+        </p:nvSpPr>
+        <p:spPr>
+          <a:xfrm>
+            <a:off x="457200" y="1523160"/>
+            <a:ext cx="4207162" cy="3416320"/>
+          </a:xfrm>
+          <a:prstGeom prst="rect">
+            <a:avLst/>
+          </a:prstGeom>
+        </p:spPr>
+        <p:txBody>
+          <a:bodyPr wrap="square">
+            <a:spAutoFit/>
+          </a:bodyPr>
           <a:lstStyle/>
           <a:p>
             <a:pPr marL="720">
@@ -39083,9 +39384,9 @@
               </a:buClr>
             </a:pPr>
             <a:r>
-              <a:rPr lang="en-US" b="0" strike="noStrike" spc="-1" dirty="0" err="1">
-                <a:solidFill>
-                  <a:srgbClr val="292929"/>
+              <a:rPr lang="en-US" spc="-1" dirty="0" err="1">
+                <a:solidFill>
+                  <a:srgbClr val="000000"/>
                 </a:solidFill>
                 <a:uFill>
                   <a:solidFill>
@@ -39095,12 +39396,12 @@
                 <a:latin typeface="Calibri" panose="020F0502020204030204" pitchFamily="34" charset="0"/>
                 <a:cs typeface="Calibri" panose="020F0502020204030204" pitchFamily="34" charset="0"/>
               </a:rPr>
-              <a:t>Lösung</a:t>
-            </a:r>
-            <a:r>
-              <a:rPr lang="en-US" b="0" strike="noStrike" spc="-1" dirty="0">
-                <a:solidFill>
-                  <a:srgbClr val="292929"/>
+              <a:t>Nutzen</a:t>
+            </a:r>
+            <a:r>
+              <a:rPr lang="en-US" spc="-1" dirty="0">
+                <a:solidFill>
+                  <a:srgbClr val="000000"/>
                 </a:solidFill>
                 <a:uFill>
                   <a:solidFill>
@@ -39110,15 +39411,831 @@
                 <a:latin typeface="Calibri" panose="020F0502020204030204" pitchFamily="34" charset="0"/>
                 <a:cs typeface="Calibri" panose="020F0502020204030204" pitchFamily="34" charset="0"/>
               </a:rPr>
-              <a:t>:</a:t>
-            </a:r>
+              <a:t>: </a:t>
+            </a:r>
+          </a:p>
+          <a:p>
+            <a:pPr marL="286470" indent="-285750">
+              <a:lnSpc>
+                <a:spcPct val="100000"/>
+              </a:lnSpc>
+              <a:buClr>
+                <a:srgbClr val="51A025"/>
+              </a:buClr>
+              <a:buFont typeface="Arial" panose="020B0604020202020204" pitchFamily="34" charset="0"/>
+              <a:buChar char="•"/>
+            </a:pPr>
+            <a:r>
+              <a:rPr lang="en-US" spc="-1" dirty="0" err="1">
+                <a:solidFill>
+                  <a:srgbClr val="000000"/>
+                </a:solidFill>
+                <a:uFill>
+                  <a:solidFill>
+                    <a:srgbClr val="FFFFFF"/>
+                  </a:solidFill>
+                </a:uFill>
+                <a:latin typeface="Calibri" panose="020F0502020204030204" pitchFamily="34" charset="0"/>
+                <a:cs typeface="Calibri" panose="020F0502020204030204" pitchFamily="34" charset="0"/>
+              </a:rPr>
+              <a:t>Testen</a:t>
+            </a:r>
+            <a:r>
+              <a:rPr lang="en-US" spc="-1" dirty="0">
+                <a:solidFill>
+                  <a:srgbClr val="000000"/>
+                </a:solidFill>
+                <a:uFill>
+                  <a:solidFill>
+                    <a:srgbClr val="FFFFFF"/>
+                  </a:solidFill>
+                </a:uFill>
+                <a:latin typeface="Calibri" panose="020F0502020204030204" pitchFamily="34" charset="0"/>
+                <a:cs typeface="Calibri" panose="020F0502020204030204" pitchFamily="34" charset="0"/>
+              </a:rPr>
+              <a:t> von </a:t>
+            </a:r>
+            <a:r>
+              <a:rPr lang="en-US" spc="-1" dirty="0" err="1">
+                <a:solidFill>
+                  <a:srgbClr val="000000"/>
+                </a:solidFill>
+                <a:uFill>
+                  <a:solidFill>
+                    <a:srgbClr val="FFFFFF"/>
+                  </a:solidFill>
+                </a:uFill>
+                <a:latin typeface="Calibri" panose="020F0502020204030204" pitchFamily="34" charset="0"/>
+                <a:cs typeface="Calibri" panose="020F0502020204030204" pitchFamily="34" charset="0"/>
+              </a:rPr>
+              <a:t>mehrerer</a:t>
+            </a:r>
+            <a:r>
+              <a:rPr lang="en-US" spc="-1" dirty="0">
+                <a:solidFill>
+                  <a:srgbClr val="000000"/>
+                </a:solidFill>
+                <a:uFill>
+                  <a:solidFill>
+                    <a:srgbClr val="FFFFFF"/>
+                  </a:solidFill>
+                </a:uFill>
+                <a:latin typeface="Calibri" panose="020F0502020204030204" pitchFamily="34" charset="0"/>
+                <a:cs typeface="Calibri" panose="020F0502020204030204" pitchFamily="34" charset="0"/>
+              </a:rPr>
+              <a:t> Klassen </a:t>
+            </a:r>
+            <a:r>
+              <a:rPr lang="en-US" spc="-1" dirty="0" err="1">
+                <a:solidFill>
+                  <a:srgbClr val="000000"/>
+                </a:solidFill>
+                <a:uFill>
+                  <a:solidFill>
+                    <a:srgbClr val="FFFFFF"/>
+                  </a:solidFill>
+                </a:uFill>
+                <a:latin typeface="Calibri" panose="020F0502020204030204" pitchFamily="34" charset="0"/>
+                <a:cs typeface="Calibri" panose="020F0502020204030204" pitchFamily="34" charset="0"/>
+              </a:rPr>
+              <a:t>mit</a:t>
+            </a:r>
+            <a:r>
+              <a:rPr lang="en-US" spc="-1" dirty="0">
+                <a:solidFill>
+                  <a:srgbClr val="000000"/>
+                </a:solidFill>
+                <a:uFill>
+                  <a:solidFill>
+                    <a:srgbClr val="FFFFFF"/>
+                  </a:solidFill>
+                </a:uFill>
+                <a:latin typeface="Calibri" panose="020F0502020204030204" pitchFamily="34" charset="0"/>
+                <a:cs typeface="Calibri" panose="020F0502020204030204" pitchFamily="34" charset="0"/>
+              </a:rPr>
+              <a:t> </a:t>
+            </a:r>
+            <a:r>
+              <a:rPr lang="en-US" spc="-1" dirty="0" err="1">
+                <a:solidFill>
+                  <a:srgbClr val="000000"/>
+                </a:solidFill>
+                <a:uFill>
+                  <a:solidFill>
+                    <a:srgbClr val="FFFFFF"/>
+                  </a:solidFill>
+                </a:uFill>
+                <a:latin typeface="Calibri" panose="020F0502020204030204" pitchFamily="34" charset="0"/>
+                <a:cs typeface="Calibri" panose="020F0502020204030204" pitchFamily="34" charset="0"/>
+              </a:rPr>
+              <a:t>gleichbleibenden</a:t>
+            </a:r>
+            <a:r>
+              <a:rPr lang="en-US" spc="-1" dirty="0">
+                <a:solidFill>
+                  <a:srgbClr val="000000"/>
+                </a:solidFill>
+                <a:uFill>
+                  <a:solidFill>
+                    <a:srgbClr val="FFFFFF"/>
+                  </a:solidFill>
+                </a:uFill>
+                <a:latin typeface="Calibri" panose="020F0502020204030204" pitchFamily="34" charset="0"/>
+                <a:cs typeface="Calibri" panose="020F0502020204030204" pitchFamily="34" charset="0"/>
+              </a:rPr>
+              <a:t> </a:t>
+            </a:r>
+            <a:r>
+              <a:rPr lang="en-US" spc="-1" dirty="0" err="1">
+                <a:solidFill>
+                  <a:srgbClr val="000000"/>
+                </a:solidFill>
+                <a:uFill>
+                  <a:solidFill>
+                    <a:srgbClr val="FFFFFF"/>
+                  </a:solidFill>
+                </a:uFill>
+                <a:latin typeface="Calibri" panose="020F0502020204030204" pitchFamily="34" charset="0"/>
+                <a:cs typeface="Calibri" panose="020F0502020204030204" pitchFamily="34" charset="0"/>
+              </a:rPr>
+              <a:t>Eigenschaften</a:t>
+            </a:r>
+            <a:endParaRPr lang="en-US" spc="-1" dirty="0">
+              <a:solidFill>
+                <a:srgbClr val="000000"/>
+              </a:solidFill>
+              <a:uFill>
+                <a:solidFill>
+                  <a:srgbClr val="FFFFFF"/>
+                </a:solidFill>
+              </a:uFill>
+              <a:latin typeface="Calibri" panose="020F0502020204030204" pitchFamily="34" charset="0"/>
+              <a:cs typeface="Calibri" panose="020F0502020204030204" pitchFamily="34" charset="0"/>
+            </a:endParaRPr>
+          </a:p>
+          <a:p>
+            <a:pPr marL="720">
+              <a:lnSpc>
+                <a:spcPct val="100000"/>
+              </a:lnSpc>
+              <a:buClr>
+                <a:srgbClr val="51A025"/>
+              </a:buClr>
+            </a:pPr>
+            <a:r>
+              <a:rPr lang="en-US" spc="-1" dirty="0" err="1">
+                <a:solidFill>
+                  <a:srgbClr val="000000"/>
+                </a:solidFill>
+                <a:uFill>
+                  <a:solidFill>
+                    <a:srgbClr val="FFFFFF"/>
+                  </a:solidFill>
+                </a:uFill>
+                <a:latin typeface="Calibri" panose="020F0502020204030204" pitchFamily="34" charset="0"/>
+                <a:cs typeface="Calibri" panose="020F0502020204030204" pitchFamily="34" charset="0"/>
+              </a:rPr>
+              <a:t>Beispiel</a:t>
+            </a:r>
+            <a:r>
+              <a:rPr lang="en-US" spc="-1" dirty="0">
+                <a:solidFill>
+                  <a:srgbClr val="000000"/>
+                </a:solidFill>
+                <a:uFill>
+                  <a:solidFill>
+                    <a:srgbClr val="FFFFFF"/>
+                  </a:solidFill>
+                </a:uFill>
+                <a:latin typeface="Calibri" panose="020F0502020204030204" pitchFamily="34" charset="0"/>
+                <a:cs typeface="Calibri" panose="020F0502020204030204" pitchFamily="34" charset="0"/>
+              </a:rPr>
+              <a:t>: </a:t>
+            </a:r>
+          </a:p>
+          <a:p>
+            <a:pPr marL="286470" indent="-285750">
+              <a:lnSpc>
+                <a:spcPct val="100000"/>
+              </a:lnSpc>
+              <a:buClr>
+                <a:srgbClr val="51A025"/>
+              </a:buClr>
+              <a:buFont typeface="Arial" panose="020B0604020202020204" pitchFamily="34" charset="0"/>
+              <a:buChar char="•"/>
+            </a:pPr>
+            <a:r>
+              <a:rPr lang="en-US" spc="-1" dirty="0" err="1">
+                <a:solidFill>
+                  <a:srgbClr val="000000"/>
+                </a:solidFill>
+                <a:uFill>
+                  <a:solidFill>
+                    <a:srgbClr val="FFFFFF"/>
+                  </a:solidFill>
+                </a:uFill>
+                <a:latin typeface="Calibri" panose="020F0502020204030204" pitchFamily="34" charset="0"/>
+                <a:cs typeface="Calibri" panose="020F0502020204030204" pitchFamily="34" charset="0"/>
+              </a:rPr>
+              <a:t>Validatoren</a:t>
+            </a:r>
+            <a:r>
+              <a:rPr lang="en-US" spc="-1" dirty="0">
+                <a:solidFill>
+                  <a:srgbClr val="000000"/>
+                </a:solidFill>
+                <a:uFill>
+                  <a:solidFill>
+                    <a:srgbClr val="FFFFFF"/>
+                  </a:solidFill>
+                </a:uFill>
+                <a:latin typeface="Calibri" panose="020F0502020204030204" pitchFamily="34" charset="0"/>
+                <a:cs typeface="Calibri" panose="020F0502020204030204" pitchFamily="34" charset="0"/>
+              </a:rPr>
+              <a:t>, </a:t>
+            </a:r>
+            <a:r>
+              <a:rPr lang="en-US" spc="-1" dirty="0" err="1">
+                <a:solidFill>
+                  <a:srgbClr val="000000"/>
+                </a:solidFill>
+                <a:uFill>
+                  <a:solidFill>
+                    <a:srgbClr val="FFFFFF"/>
+                  </a:solidFill>
+                </a:uFill>
+                <a:latin typeface="Calibri" panose="020F0502020204030204" pitchFamily="34" charset="0"/>
+                <a:cs typeface="Calibri" panose="020F0502020204030204" pitchFamily="34" charset="0"/>
+              </a:rPr>
+              <a:t>egal</a:t>
+            </a:r>
+            <a:r>
+              <a:rPr lang="en-US" spc="-1" dirty="0">
+                <a:solidFill>
+                  <a:srgbClr val="000000"/>
+                </a:solidFill>
+                <a:uFill>
+                  <a:solidFill>
+                    <a:srgbClr val="FFFFFF"/>
+                  </a:solidFill>
+                </a:uFill>
+                <a:latin typeface="Calibri" panose="020F0502020204030204" pitchFamily="34" charset="0"/>
+                <a:cs typeface="Calibri" panose="020F0502020204030204" pitchFamily="34" charset="0"/>
+              </a:rPr>
+              <a:t> </a:t>
+            </a:r>
+            <a:r>
+              <a:rPr lang="en-US" spc="-1" dirty="0" err="1">
+                <a:solidFill>
+                  <a:srgbClr val="000000"/>
+                </a:solidFill>
+                <a:uFill>
+                  <a:solidFill>
+                    <a:srgbClr val="FFFFFF"/>
+                  </a:solidFill>
+                </a:uFill>
+                <a:latin typeface="Calibri" panose="020F0502020204030204" pitchFamily="34" charset="0"/>
+                <a:cs typeface="Calibri" panose="020F0502020204030204" pitchFamily="34" charset="0"/>
+              </a:rPr>
+              <a:t>welcher</a:t>
+            </a:r>
+            <a:r>
+              <a:rPr lang="en-US" spc="-1" dirty="0">
+                <a:solidFill>
+                  <a:srgbClr val="000000"/>
+                </a:solidFill>
+                <a:uFill>
+                  <a:solidFill>
+                    <a:srgbClr val="FFFFFF"/>
+                  </a:solidFill>
+                </a:uFill>
+                <a:latin typeface="Calibri" panose="020F0502020204030204" pitchFamily="34" charset="0"/>
+                <a:cs typeface="Calibri" panose="020F0502020204030204" pitchFamily="34" charset="0"/>
+              </a:rPr>
+              <a:t> </a:t>
+            </a:r>
+            <a:r>
+              <a:rPr lang="en-US" spc="-1" dirty="0" err="1">
+                <a:solidFill>
+                  <a:srgbClr val="000000"/>
+                </a:solidFill>
+                <a:uFill>
+                  <a:solidFill>
+                    <a:srgbClr val="FFFFFF"/>
+                  </a:solidFill>
+                </a:uFill>
+                <a:latin typeface="Calibri" panose="020F0502020204030204" pitchFamily="34" charset="0"/>
+                <a:cs typeface="Calibri" panose="020F0502020204030204" pitchFamily="34" charset="0"/>
+              </a:rPr>
+              <a:t>angesprochen</a:t>
+            </a:r>
+            <a:r>
+              <a:rPr lang="en-US" spc="-1" dirty="0">
+                <a:solidFill>
+                  <a:srgbClr val="000000"/>
+                </a:solidFill>
+                <a:uFill>
+                  <a:solidFill>
+                    <a:srgbClr val="FFFFFF"/>
+                  </a:solidFill>
+                </a:uFill>
+                <a:latin typeface="Calibri" panose="020F0502020204030204" pitchFamily="34" charset="0"/>
+                <a:cs typeface="Calibri" panose="020F0502020204030204" pitchFamily="34" charset="0"/>
+              </a:rPr>
+              <a:t> </a:t>
+            </a:r>
+            <a:r>
+              <a:rPr lang="en-US" spc="-1" dirty="0" err="1">
+                <a:solidFill>
+                  <a:srgbClr val="000000"/>
+                </a:solidFill>
+                <a:uFill>
+                  <a:solidFill>
+                    <a:srgbClr val="FFFFFF"/>
+                  </a:solidFill>
+                </a:uFill>
+                <a:latin typeface="Calibri" panose="020F0502020204030204" pitchFamily="34" charset="0"/>
+                <a:cs typeface="Calibri" panose="020F0502020204030204" pitchFamily="34" charset="0"/>
+              </a:rPr>
+              <a:t>wird</a:t>
+            </a:r>
+            <a:r>
+              <a:rPr lang="en-US" spc="-1" dirty="0">
+                <a:solidFill>
+                  <a:srgbClr val="000000"/>
+                </a:solidFill>
+                <a:uFill>
+                  <a:solidFill>
+                    <a:srgbClr val="FFFFFF"/>
+                  </a:solidFill>
+                </a:uFill>
+                <a:latin typeface="Calibri" panose="020F0502020204030204" pitchFamily="34" charset="0"/>
+                <a:cs typeface="Calibri" panose="020F0502020204030204" pitchFamily="34" charset="0"/>
+              </a:rPr>
+              <a:t>, sein </a:t>
+            </a:r>
+            <a:r>
+              <a:rPr lang="en-US" spc="-1" dirty="0" err="1">
+                <a:solidFill>
+                  <a:srgbClr val="000000"/>
+                </a:solidFill>
+                <a:uFill>
+                  <a:solidFill>
+                    <a:srgbClr val="FFFFFF"/>
+                  </a:solidFill>
+                </a:uFill>
+                <a:latin typeface="Calibri" panose="020F0502020204030204" pitchFamily="34" charset="0"/>
+                <a:cs typeface="Calibri" panose="020F0502020204030204" pitchFamily="34" charset="0"/>
+              </a:rPr>
+              <a:t>Verhalten</a:t>
+            </a:r>
+            <a:r>
+              <a:rPr lang="en-US" spc="-1" dirty="0">
+                <a:solidFill>
+                  <a:srgbClr val="000000"/>
+                </a:solidFill>
+                <a:uFill>
+                  <a:solidFill>
+                    <a:srgbClr val="FFFFFF"/>
+                  </a:solidFill>
+                </a:uFill>
+                <a:latin typeface="Calibri" panose="020F0502020204030204" pitchFamily="34" charset="0"/>
+                <a:cs typeface="Calibri" panose="020F0502020204030204" pitchFamily="34" charset="0"/>
+              </a:rPr>
+              <a:t> </a:t>
+            </a:r>
+            <a:r>
+              <a:rPr lang="en-US" spc="-1" dirty="0" err="1">
+                <a:solidFill>
+                  <a:srgbClr val="000000"/>
+                </a:solidFill>
+                <a:uFill>
+                  <a:solidFill>
+                    <a:srgbClr val="FFFFFF"/>
+                  </a:solidFill>
+                </a:uFill>
+                <a:latin typeface="Calibri" panose="020F0502020204030204" pitchFamily="34" charset="0"/>
+                <a:cs typeface="Calibri" panose="020F0502020204030204" pitchFamily="34" charset="0"/>
+              </a:rPr>
+              <a:t>sollte</a:t>
+            </a:r>
+            <a:r>
+              <a:rPr lang="en-US" spc="-1" dirty="0">
+                <a:solidFill>
+                  <a:srgbClr val="000000"/>
+                </a:solidFill>
+                <a:uFill>
+                  <a:solidFill>
+                    <a:srgbClr val="FFFFFF"/>
+                  </a:solidFill>
+                </a:uFill>
+                <a:latin typeface="Calibri" panose="020F0502020204030204" pitchFamily="34" charset="0"/>
+                <a:cs typeface="Calibri" panose="020F0502020204030204" pitchFamily="34" charset="0"/>
+              </a:rPr>
+              <a:t> </a:t>
+            </a:r>
+            <a:r>
+              <a:rPr lang="en-US" spc="-1" dirty="0" err="1">
+                <a:solidFill>
+                  <a:srgbClr val="000000"/>
+                </a:solidFill>
+                <a:uFill>
+                  <a:solidFill>
+                    <a:srgbClr val="FFFFFF"/>
+                  </a:solidFill>
+                </a:uFill>
+                <a:latin typeface="Calibri" panose="020F0502020204030204" pitchFamily="34" charset="0"/>
+                <a:cs typeface="Calibri" panose="020F0502020204030204" pitchFamily="34" charset="0"/>
+              </a:rPr>
+              <a:t>nach</a:t>
+            </a:r>
+            <a:r>
+              <a:rPr lang="en-US" spc="-1" dirty="0">
+                <a:solidFill>
+                  <a:srgbClr val="000000"/>
+                </a:solidFill>
+                <a:uFill>
+                  <a:solidFill>
+                    <a:srgbClr val="FFFFFF"/>
+                  </a:solidFill>
+                </a:uFill>
+                <a:latin typeface="Calibri" panose="020F0502020204030204" pitchFamily="34" charset="0"/>
+                <a:cs typeface="Calibri" panose="020F0502020204030204" pitchFamily="34" charset="0"/>
+              </a:rPr>
+              <a:t> </a:t>
+            </a:r>
+            <a:r>
+              <a:rPr lang="en-US" spc="-1" dirty="0" err="1">
+                <a:solidFill>
+                  <a:srgbClr val="000000"/>
+                </a:solidFill>
+                <a:uFill>
+                  <a:solidFill>
+                    <a:srgbClr val="FFFFFF"/>
+                  </a:solidFill>
+                </a:uFill>
+                <a:latin typeface="Calibri" panose="020F0502020204030204" pitchFamily="34" charset="0"/>
+                <a:cs typeface="Calibri" panose="020F0502020204030204" pitchFamily="34" charset="0"/>
+              </a:rPr>
+              <a:t>außen</a:t>
+            </a:r>
+            <a:r>
+              <a:rPr lang="en-US" spc="-1" dirty="0">
+                <a:solidFill>
+                  <a:srgbClr val="000000"/>
+                </a:solidFill>
+                <a:uFill>
+                  <a:solidFill>
+                    <a:srgbClr val="FFFFFF"/>
+                  </a:solidFill>
+                </a:uFill>
+                <a:latin typeface="Calibri" panose="020F0502020204030204" pitchFamily="34" charset="0"/>
+                <a:cs typeface="Calibri" panose="020F0502020204030204" pitchFamily="34" charset="0"/>
+              </a:rPr>
+              <a:t> </a:t>
+            </a:r>
+            <a:r>
+              <a:rPr lang="en-US" spc="-1" dirty="0" err="1">
+                <a:solidFill>
+                  <a:srgbClr val="000000"/>
+                </a:solidFill>
+                <a:uFill>
+                  <a:solidFill>
+                    <a:srgbClr val="FFFFFF"/>
+                  </a:solidFill>
+                </a:uFill>
+                <a:latin typeface="Calibri" panose="020F0502020204030204" pitchFamily="34" charset="0"/>
+                <a:cs typeface="Calibri" panose="020F0502020204030204" pitchFamily="34" charset="0"/>
+              </a:rPr>
+              <a:t>gleich</a:t>
+            </a:r>
+            <a:r>
+              <a:rPr lang="en-US" spc="-1" dirty="0">
+                <a:solidFill>
+                  <a:srgbClr val="000000"/>
+                </a:solidFill>
+                <a:uFill>
+                  <a:solidFill>
+                    <a:srgbClr val="FFFFFF"/>
+                  </a:solidFill>
+                </a:uFill>
+                <a:latin typeface="Calibri" panose="020F0502020204030204" pitchFamily="34" charset="0"/>
+                <a:cs typeface="Calibri" panose="020F0502020204030204" pitchFamily="34" charset="0"/>
+              </a:rPr>
+              <a:t> </a:t>
+            </a:r>
+            <a:r>
+              <a:rPr lang="en-US" spc="-1" dirty="0" err="1">
+                <a:solidFill>
+                  <a:srgbClr val="000000"/>
+                </a:solidFill>
+                <a:uFill>
+                  <a:solidFill>
+                    <a:srgbClr val="FFFFFF"/>
+                  </a:solidFill>
+                </a:uFill>
+                <a:latin typeface="Calibri" panose="020F0502020204030204" pitchFamily="34" charset="0"/>
+                <a:cs typeface="Calibri" panose="020F0502020204030204" pitchFamily="34" charset="0"/>
+              </a:rPr>
+              <a:t>bleiben</a:t>
+            </a:r>
+            <a:endParaRPr lang="en-US" spc="-1" dirty="0">
+              <a:solidFill>
+                <a:srgbClr val="000000"/>
+              </a:solidFill>
+              <a:uFill>
+                <a:solidFill>
+                  <a:srgbClr val="FFFFFF"/>
+                </a:solidFill>
+              </a:uFill>
+              <a:latin typeface="Calibri" panose="020F0502020204030204" pitchFamily="34" charset="0"/>
+              <a:cs typeface="Calibri" panose="020F0502020204030204" pitchFamily="34" charset="0"/>
+            </a:endParaRPr>
+          </a:p>
+          <a:p>
+            <a:pPr marL="720">
+              <a:lnSpc>
+                <a:spcPct val="100000"/>
+              </a:lnSpc>
+              <a:buClr>
+                <a:srgbClr val="51A025"/>
+              </a:buClr>
+            </a:pPr>
+            <a:r>
+              <a:rPr lang="en-US" spc="-1" dirty="0">
+                <a:solidFill>
+                  <a:srgbClr val="000000"/>
+                </a:solidFill>
+                <a:uFill>
+                  <a:solidFill>
+                    <a:srgbClr val="FFFFFF"/>
+                  </a:solidFill>
+                </a:uFill>
+                <a:latin typeface="Calibri" panose="020F0502020204030204" pitchFamily="34" charset="0"/>
+                <a:cs typeface="Calibri" panose="020F0502020204030204" pitchFamily="34" charset="0"/>
+              </a:rPr>
+              <a:t>JUnit 5: </a:t>
+            </a:r>
+          </a:p>
+          <a:p>
+            <a:pPr marL="286470" indent="-285750">
+              <a:lnSpc>
+                <a:spcPct val="100000"/>
+              </a:lnSpc>
+              <a:buClr>
+                <a:srgbClr val="51A025"/>
+              </a:buClr>
+              <a:buFont typeface="Arial" panose="020B0604020202020204" pitchFamily="34" charset="0"/>
+              <a:buChar char="•"/>
+            </a:pPr>
+            <a:r>
+              <a:rPr lang="en-US" spc="-1" dirty="0">
+                <a:solidFill>
+                  <a:srgbClr val="000000"/>
+                </a:solidFill>
+                <a:uFill>
+                  <a:solidFill>
+                    <a:srgbClr val="FFFFFF"/>
+                  </a:solidFill>
+                </a:uFill>
+                <a:latin typeface="Calibri" panose="020F0502020204030204" pitchFamily="34" charset="0"/>
+                <a:cs typeface="Calibri" panose="020F0502020204030204" pitchFamily="34" charset="0"/>
+              </a:rPr>
+              <a:t>Contracts </a:t>
+            </a:r>
+            <a:r>
+              <a:rPr lang="en-US" spc="-1" dirty="0" err="1">
+                <a:solidFill>
+                  <a:srgbClr val="000000"/>
+                </a:solidFill>
+                <a:uFill>
+                  <a:solidFill>
+                    <a:srgbClr val="FFFFFF"/>
+                  </a:solidFill>
+                </a:uFill>
+                <a:latin typeface="Calibri" panose="020F0502020204030204" pitchFamily="34" charset="0"/>
+                <a:cs typeface="Calibri" panose="020F0502020204030204" pitchFamily="34" charset="0"/>
+              </a:rPr>
+              <a:t>bieten</a:t>
+            </a:r>
+            <a:r>
+              <a:rPr lang="en-US" spc="-1" dirty="0">
+                <a:solidFill>
+                  <a:srgbClr val="000000"/>
+                </a:solidFill>
+                <a:uFill>
+                  <a:solidFill>
+                    <a:srgbClr val="FFFFFF"/>
+                  </a:solidFill>
+                </a:uFill>
+                <a:latin typeface="Calibri" panose="020F0502020204030204" pitchFamily="34" charset="0"/>
+                <a:cs typeface="Calibri" panose="020F0502020204030204" pitchFamily="34" charset="0"/>
+              </a:rPr>
+              <a:t> die </a:t>
+            </a:r>
+            <a:r>
+              <a:rPr lang="en-US" spc="-1" dirty="0" err="1">
+                <a:solidFill>
+                  <a:srgbClr val="000000"/>
+                </a:solidFill>
+                <a:uFill>
+                  <a:solidFill>
+                    <a:srgbClr val="FFFFFF"/>
+                  </a:solidFill>
+                </a:uFill>
+                <a:latin typeface="Calibri" panose="020F0502020204030204" pitchFamily="34" charset="0"/>
+                <a:cs typeface="Calibri" panose="020F0502020204030204" pitchFamily="34" charset="0"/>
+              </a:rPr>
+              <a:t>gleiche</a:t>
+            </a:r>
+            <a:r>
+              <a:rPr lang="en-US" spc="-1" dirty="0">
+                <a:solidFill>
+                  <a:srgbClr val="000000"/>
+                </a:solidFill>
+                <a:uFill>
+                  <a:solidFill>
+                    <a:srgbClr val="FFFFFF"/>
+                  </a:solidFill>
+                </a:uFill>
+                <a:latin typeface="Calibri" panose="020F0502020204030204" pitchFamily="34" charset="0"/>
+                <a:cs typeface="Calibri" panose="020F0502020204030204" pitchFamily="34" charset="0"/>
+              </a:rPr>
+              <a:t> </a:t>
+            </a:r>
+            <a:r>
+              <a:rPr lang="en-US" spc="-1" dirty="0" err="1">
+                <a:solidFill>
+                  <a:srgbClr val="000000"/>
+                </a:solidFill>
+                <a:uFill>
+                  <a:solidFill>
+                    <a:srgbClr val="FFFFFF"/>
+                  </a:solidFill>
+                </a:uFill>
+                <a:latin typeface="Calibri" panose="020F0502020204030204" pitchFamily="34" charset="0"/>
+                <a:cs typeface="Calibri" panose="020F0502020204030204" pitchFamily="34" charset="0"/>
+              </a:rPr>
+              <a:t>Funktion</a:t>
+            </a:r>
+            <a:r>
+              <a:rPr lang="en-US" spc="-1" dirty="0">
+                <a:solidFill>
+                  <a:srgbClr val="000000"/>
+                </a:solidFill>
+                <a:uFill>
+                  <a:solidFill>
+                    <a:srgbClr val="FFFFFF"/>
+                  </a:solidFill>
+                </a:uFill>
+                <a:latin typeface="Calibri" panose="020F0502020204030204" pitchFamily="34" charset="0"/>
+                <a:cs typeface="Calibri" panose="020F0502020204030204" pitchFamily="34" charset="0"/>
+              </a:rPr>
+              <a:t> </a:t>
+            </a:r>
+            <a:r>
+              <a:rPr lang="en-US" spc="-1" dirty="0" err="1">
+                <a:solidFill>
+                  <a:srgbClr val="000000"/>
+                </a:solidFill>
+                <a:uFill>
+                  <a:solidFill>
+                    <a:srgbClr val="FFFFFF"/>
+                  </a:solidFill>
+                </a:uFill>
+                <a:latin typeface="Calibri" panose="020F0502020204030204" pitchFamily="34" charset="0"/>
+                <a:cs typeface="Calibri" panose="020F0502020204030204" pitchFamily="34" charset="0"/>
+              </a:rPr>
+              <a:t>wie</a:t>
+            </a:r>
+            <a:r>
+              <a:rPr lang="en-US" spc="-1" dirty="0">
+                <a:solidFill>
+                  <a:srgbClr val="000000"/>
+                </a:solidFill>
+                <a:uFill>
+                  <a:solidFill>
+                    <a:srgbClr val="FFFFFF"/>
+                  </a:solidFill>
+                </a:uFill>
+                <a:latin typeface="Calibri" panose="020F0502020204030204" pitchFamily="34" charset="0"/>
+                <a:cs typeface="Calibri" panose="020F0502020204030204" pitchFamily="34" charset="0"/>
+              </a:rPr>
+              <a:t> Abstract Tests, </a:t>
+            </a:r>
+            <a:r>
+              <a:rPr lang="en-US" spc="-1" dirty="0" err="1">
+                <a:solidFill>
+                  <a:srgbClr val="000000"/>
+                </a:solidFill>
+                <a:uFill>
+                  <a:solidFill>
+                    <a:srgbClr val="FFFFFF"/>
+                  </a:solidFill>
+                </a:uFill>
+                <a:latin typeface="Calibri" panose="020F0502020204030204" pitchFamily="34" charset="0"/>
+                <a:cs typeface="Calibri" panose="020F0502020204030204" pitchFamily="34" charset="0"/>
+              </a:rPr>
+              <a:t>nutzen</a:t>
+            </a:r>
+            <a:r>
+              <a:rPr lang="en-US" spc="-1" dirty="0">
+                <a:solidFill>
+                  <a:srgbClr val="000000"/>
+                </a:solidFill>
+                <a:uFill>
+                  <a:solidFill>
+                    <a:srgbClr val="FFFFFF"/>
+                  </a:solidFill>
+                </a:uFill>
+                <a:latin typeface="Calibri" panose="020F0502020204030204" pitchFamily="34" charset="0"/>
+                <a:cs typeface="Calibri" panose="020F0502020204030204" pitchFamily="34" charset="0"/>
+              </a:rPr>
+              <a:t> </a:t>
+            </a:r>
+            <a:r>
+              <a:rPr lang="en-US" spc="-1" dirty="0" err="1">
+                <a:solidFill>
+                  <a:srgbClr val="000000"/>
+                </a:solidFill>
+                <a:uFill>
+                  <a:solidFill>
+                    <a:srgbClr val="FFFFFF"/>
+                  </a:solidFill>
+                </a:uFill>
+                <a:latin typeface="Calibri" panose="020F0502020204030204" pitchFamily="34" charset="0"/>
+                <a:cs typeface="Calibri" panose="020F0502020204030204" pitchFamily="34" charset="0"/>
+              </a:rPr>
+              <a:t>jedoch</a:t>
+            </a:r>
+            <a:r>
+              <a:rPr lang="en-US" spc="-1" dirty="0">
+                <a:solidFill>
+                  <a:srgbClr val="000000"/>
+                </a:solidFill>
+                <a:uFill>
+                  <a:solidFill>
+                    <a:srgbClr val="FFFFFF"/>
+                  </a:solidFill>
+                </a:uFill>
+                <a:latin typeface="Calibri" panose="020F0502020204030204" pitchFamily="34" charset="0"/>
+                <a:cs typeface="Calibri" panose="020F0502020204030204" pitchFamily="34" charset="0"/>
+              </a:rPr>
+              <a:t> die Java 8 default Interface </a:t>
+            </a:r>
+            <a:r>
+              <a:rPr lang="en-US" spc="-1" dirty="0" err="1">
+                <a:solidFill>
+                  <a:srgbClr val="000000"/>
+                </a:solidFill>
+                <a:uFill>
+                  <a:solidFill>
+                    <a:srgbClr val="FFFFFF"/>
+                  </a:solidFill>
+                </a:uFill>
+                <a:latin typeface="Calibri" panose="020F0502020204030204" pitchFamily="34" charset="0"/>
+                <a:cs typeface="Calibri" panose="020F0502020204030204" pitchFamily="34" charset="0"/>
+              </a:rPr>
+              <a:t>Methoden</a:t>
+            </a:r>
+            <a:endParaRPr lang="en-US" spc="-1" dirty="0">
+              <a:solidFill>
+                <a:srgbClr val="000000"/>
+              </a:solidFill>
+              <a:uFill>
+                <a:solidFill>
+                  <a:srgbClr val="FFFFFF"/>
+                </a:solidFill>
+              </a:uFill>
+              <a:latin typeface="Calibri" panose="020F0502020204030204" pitchFamily="34" charset="0"/>
+              <a:cs typeface="Calibri" panose="020F0502020204030204" pitchFamily="34" charset="0"/>
+            </a:endParaRPr>
+          </a:p>
+          <a:p>
+            <a:pPr marL="457920" lvl="1">
+              <a:buClr>
+                <a:srgbClr val="51A025"/>
+              </a:buClr>
+            </a:pPr>
+            <a:endParaRPr lang="en-US" spc="-1" dirty="0">
+              <a:solidFill>
+                <a:srgbClr val="000000"/>
+              </a:solidFill>
+              <a:uFill>
+                <a:solidFill>
+                  <a:srgbClr val="FFFFFF"/>
+                </a:solidFill>
+              </a:uFill>
+              <a:latin typeface="Calibri" panose="020F0502020204030204" pitchFamily="34" charset="0"/>
+              <a:cs typeface="Calibri" panose="020F0502020204030204" pitchFamily="34" charset="0"/>
+            </a:endParaRPr>
           </a:p>
         </p:txBody>
       </p:sp>
     </p:spTree>
     <p:extLst>
       <p:ext uri="{BB962C8B-B14F-4D97-AF65-F5344CB8AC3E}">
-        <p14:creationId xmlns:p14="http://schemas.microsoft.com/office/powerpoint/2010/main" val="3183201034"/>
+        <p14:creationId xmlns:p14="http://schemas.microsoft.com/office/powerpoint/2010/main" val="666134250"/>
       </p:ext>
     </p:extLst>
   </p:cSld>
@@ -39174,14 +40291,14 @@
       </p:grpSpPr>
       <p:sp>
         <p:nvSpPr>
-          <p:cNvPr id="690" name="CustomShape 3"/>
+          <p:cNvPr id="667" name="CustomShape 1"/>
           <p:cNvSpPr/>
           <p:nvPr/>
         </p:nvSpPr>
         <p:spPr>
           <a:xfrm>
-            <a:off x="457200" y="640080"/>
-            <a:ext cx="8207280" cy="783000"/>
+            <a:off x="1375200" y="276480"/>
+            <a:ext cx="2894760" cy="263520"/>
           </a:xfrm>
           <a:prstGeom prst="rect">
             <a:avLst/>
@@ -39213,63 +40330,152 @@
               </a:lnSpc>
             </a:pPr>
             <a:r>
-              <a:rPr lang="en-US" sz="2400" spc="-1" dirty="0">
-                <a:solidFill>
-                  <a:srgbClr val="004C93"/>
-                </a:solidFill>
-                <a:uFill>
-                  <a:solidFill>
-                    <a:srgbClr val="FFFFFF"/>
-                  </a:solidFill>
-                </a:uFill>
-                <a:latin typeface="Calibri"/>
-              </a:rPr>
-              <a:t>Abstract Tests </a:t>
-            </a:r>
-            <a:r>
-              <a:rPr lang="en-US" sz="2400" spc="-1" dirty="0" err="1">
-                <a:solidFill>
-                  <a:srgbClr val="004C93"/>
-                </a:solidFill>
-                <a:uFill>
-                  <a:solidFill>
-                    <a:srgbClr val="FFFFFF"/>
-                  </a:solidFill>
-                </a:uFill>
-                <a:latin typeface="Calibri"/>
-              </a:rPr>
-              <a:t>nach</a:t>
-            </a:r>
-            <a:r>
-              <a:rPr lang="en-US" sz="2400" spc="-1" dirty="0">
-                <a:solidFill>
-                  <a:srgbClr val="004C93"/>
-                </a:solidFill>
-                <a:uFill>
-                  <a:solidFill>
-                    <a:srgbClr val="FFFFFF"/>
-                  </a:solidFill>
-                </a:uFill>
-                <a:latin typeface="Calibri"/>
-              </a:rPr>
-              <a:t> Contracts</a:t>
-            </a:r>
-            <a:endParaRPr lang="en-US" spc="-1" dirty="0">
-              <a:solidFill>
-                <a:srgbClr val="000000"/>
-              </a:solidFill>
-              <a:uFill>
-                <a:solidFill>
-                  <a:srgbClr val="FFFFFF"/>
-                </a:solidFill>
-              </a:uFill>
+              <a:rPr lang="en-US" sz="1000" b="0" strike="noStrike" spc="-1">
+                <a:solidFill>
+                  <a:srgbClr val="BABABA"/>
+                </a:solidFill>
+                <a:uFill>
+                  <a:solidFill>
+                    <a:srgbClr val="FFFFFF"/>
+                  </a:solidFill>
+                </a:uFill>
+                <a:latin typeface="Calibri"/>
+              </a:rPr>
+              <a:t>Experts in agile software engineering</a:t>
+            </a:r>
+            <a:endParaRPr lang="en-US" sz="1800" b="0" strike="noStrike" spc="-1">
+              <a:solidFill>
+                <a:srgbClr val="000000"/>
+              </a:solidFill>
+              <a:uFill>
+                <a:solidFill>
+                  <a:srgbClr val="FFFFFF"/>
+                </a:solidFill>
+              </a:uFill>
+              <a:latin typeface="Arial"/>
             </a:endParaRPr>
           </a:p>
         </p:txBody>
       </p:sp>
       <p:sp>
         <p:nvSpPr>
-          <p:cNvPr id="691" name="CustomShape 4"/>
+          <p:cNvPr id="668" name="CustomShape 2"/>
+          <p:cNvSpPr/>
+          <p:nvPr/>
+        </p:nvSpPr>
+        <p:spPr>
+          <a:xfrm>
+            <a:off x="457200" y="640080"/>
+            <a:ext cx="6666480" cy="783000"/>
+          </a:xfrm>
+          <a:prstGeom prst="rect">
+            <a:avLst/>
+          </a:prstGeom>
+          <a:noFill/>
+          <a:ln>
+            <a:noFill/>
+          </a:ln>
+        </p:spPr>
+        <p:style>
+          <a:lnRef idx="0">
+            <a:scrgbClr r="0" g="0" b="0"/>
+          </a:lnRef>
+          <a:fillRef idx="0">
+            <a:scrgbClr r="0" g="0" b="0"/>
+          </a:fillRef>
+          <a:effectRef idx="0">
+            <a:scrgbClr r="0" g="0" b="0"/>
+          </a:effectRef>
+          <a:fontRef idx="minor"/>
+        </p:style>
+        <p:txBody>
+          <a:bodyPr lIns="90000" tIns="45000" rIns="90000" bIns="45000" anchor="ctr"/>
+          <a:lstStyle/>
+          <a:p>
+            <a:r>
+              <a:rPr lang="en-US" sz="2400" spc="-1" dirty="0" err="1">
+                <a:solidFill>
+                  <a:srgbClr val="004C93"/>
+                </a:solidFill>
+                <a:uFill>
+                  <a:solidFill>
+                    <a:srgbClr val="FFFFFF"/>
+                  </a:solidFill>
+                </a:uFill>
+                <a:latin typeface="Calibri"/>
+              </a:rPr>
+              <a:t>AbstractTests</a:t>
+            </a:r>
+            <a:endParaRPr lang="en-US" sz="2400" spc="-1" dirty="0">
+              <a:solidFill>
+                <a:srgbClr val="000000"/>
+              </a:solidFill>
+              <a:uFill>
+                <a:solidFill>
+                  <a:srgbClr val="FFFFFF"/>
+                </a:solidFill>
+              </a:uFill>
+            </a:endParaRPr>
+          </a:p>
+        </p:txBody>
+      </p:sp>
+      <p:sp>
+        <p:nvSpPr>
+          <p:cNvPr id="669" name="CustomShape 3"/>
+          <p:cNvSpPr/>
+          <p:nvPr/>
+        </p:nvSpPr>
+        <p:spPr>
+          <a:xfrm>
+            <a:off x="457199" y="1483200"/>
+            <a:ext cx="7638911" cy="3239280"/>
+          </a:xfrm>
+          <a:prstGeom prst="rect">
+            <a:avLst/>
+          </a:prstGeom>
+          <a:noFill/>
+          <a:ln>
+            <a:noFill/>
+          </a:ln>
+        </p:spPr>
+        <p:style>
+          <a:lnRef idx="0">
+            <a:scrgbClr r="0" g="0" b="0"/>
+          </a:lnRef>
+          <a:fillRef idx="0">
+            <a:scrgbClr r="0" g="0" b="0"/>
+          </a:fillRef>
+          <a:effectRef idx="0">
+            <a:scrgbClr r="0" g="0" b="0"/>
+          </a:effectRef>
+          <a:fontRef idx="minor"/>
+        </p:style>
+        <p:txBody>
+          <a:bodyPr lIns="90000" tIns="45000" rIns="90000" bIns="45000"/>
+          <a:lstStyle/>
+          <a:p>
+            <a:pPr>
+              <a:lnSpc>
+                <a:spcPct val="100000"/>
+              </a:lnSpc>
+            </a:pPr>
+            <a:endParaRPr lang="en-US" sz="1800" b="0" strike="noStrike" spc="-1" dirty="0">
+              <a:solidFill>
+                <a:srgbClr val="000000"/>
+              </a:solidFill>
+              <a:uFill>
+                <a:solidFill>
+                  <a:srgbClr val="FFFFFF"/>
+                </a:solidFill>
+              </a:uFill>
+              <a:latin typeface="Arial"/>
+            </a:endParaRPr>
+          </a:p>
+        </p:txBody>
+      </p:sp>
+      <p:sp>
+        <p:nvSpPr>
+          <p:cNvPr id="670" name="CustomShape 4"/>
           <p:cNvSpPr/>
           <p:nvPr/>
         </p:nvSpPr>
@@ -39307,7 +40513,7 @@
                 <a:spcPct val="100000"/>
               </a:lnSpc>
             </a:pPr>
-            <a:fld id="{29B2A38E-FD1F-404A-B77F-FB5299B00347}" type="slidenum">
+            <a:fld id="{F44BF771-09CA-44DA-BA0C-EC56BE8EFD37}" type="slidenum">
               <a:rPr lang="en-US" sz="1000" b="0" strike="noStrike" spc="-1">
                 <a:solidFill>
                   <a:srgbClr val="51A025"/>
@@ -39337,14 +40543,14 @@
       </p:sp>
       <p:sp>
         <p:nvSpPr>
-          <p:cNvPr id="692" name="CustomShape 5"/>
+          <p:cNvPr id="671" name="CustomShape 5"/>
           <p:cNvSpPr/>
           <p:nvPr/>
         </p:nvSpPr>
         <p:spPr>
           <a:xfrm>
-            <a:off x="1375200" y="276480"/>
-            <a:ext cx="2894760" cy="263520"/>
+            <a:off x="8047440" y="640800"/>
+            <a:ext cx="751320" cy="373680"/>
           </a:xfrm>
           <a:prstGeom prst="rect">
             <a:avLst/>
@@ -39366,49 +40572,13 @@
           </a:effectRef>
           <a:fontRef idx="minor"/>
         </p:style>
-        <p:txBody>
-          <a:bodyPr lIns="90000" tIns="45000" rIns="90000" bIns="45000" anchor="ctr"/>
-          <a:lstStyle/>
-          <a:p>
-            <a:pPr>
-              <a:lnSpc>
-                <a:spcPct val="100000"/>
-              </a:lnSpc>
-            </a:pPr>
-            <a:r>
-              <a:rPr lang="en-US" sz="1000" b="0" strike="noStrike" spc="-1">
-                <a:solidFill>
-                  <a:srgbClr val="BABABA"/>
-                </a:solidFill>
-                <a:uFill>
-                  <a:solidFill>
-                    <a:srgbClr val="FFFFFF"/>
-                  </a:solidFill>
-                </a:uFill>
-                <a:latin typeface="Calibri"/>
-              </a:rPr>
-              <a:t>Experts in agile software engineering</a:t>
-            </a:r>
-            <a:endParaRPr lang="en-US" sz="1800" b="0" strike="noStrike" spc="-1">
-              <a:solidFill>
-                <a:srgbClr val="000000"/>
-              </a:solidFill>
-              <a:uFill>
-                <a:solidFill>
-                  <a:srgbClr val="FFFFFF"/>
-                </a:solidFill>
-              </a:uFill>
-              <a:latin typeface="Arial"/>
-            </a:endParaRPr>
-          </a:p>
-        </p:txBody>
       </p:sp>
       <p:sp>
         <p:nvSpPr>
-          <p:cNvPr id="11" name="Rechteck 10">
+          <p:cNvPr id="2" name="Rechteck 1">
             <a:extLst>
               <a:ext uri="{FF2B5EF4-FFF2-40B4-BE49-F238E27FC236}">
-                <a16:creationId xmlns:a16="http://schemas.microsoft.com/office/drawing/2014/main" id="{4460BE3B-AD51-4220-9BD5-50A08CBDBAB3}"/>
+                <a16:creationId xmlns:a16="http://schemas.microsoft.com/office/drawing/2014/main" id="{46F25DC6-6491-4BCB-B638-95E908975B1D}"/>
               </a:ext>
             </a:extLst>
           </p:cNvPr>
@@ -39417,18 +40587,231 @@
         </p:nvSpPr>
         <p:spPr>
           <a:xfrm>
-            <a:off x="4904696" y="1954699"/>
-            <a:ext cx="3746532" cy="1987823"/>
-          </a:xfrm>
-          <a:prstGeom prst="rect">
-            <a:avLst/>
-          </a:prstGeom>
-          <a:solidFill>
-            <a:schemeClr val="bg1"/>
-          </a:solidFill>
-          <a:ln>
+            <a:off x="457198" y="1523160"/>
+            <a:ext cx="7638911" cy="1200329"/>
+          </a:xfrm>
+          <a:prstGeom prst="rect">
+            <a:avLst/>
+          </a:prstGeom>
+        </p:spPr>
+        <p:txBody>
+          <a:bodyPr wrap="square">
+            <a:spAutoFit/>
+          </a:bodyPr>
+          <a:lstStyle/>
+          <a:p>
+            <a:pPr marL="720">
+              <a:lnSpc>
+                <a:spcPct val="100000"/>
+              </a:lnSpc>
+              <a:buClr>
+                <a:srgbClr val="51A025"/>
+              </a:buClr>
+            </a:pPr>
+            <a:r>
+              <a:rPr lang="en-US" spc="-1" dirty="0">
+                <a:solidFill>
+                  <a:srgbClr val="292929"/>
+                </a:solidFill>
+                <a:uFill>
+                  <a:solidFill>
+                    <a:srgbClr val="FFFFFF"/>
+                  </a:solidFill>
+                </a:uFill>
+                <a:latin typeface="Calibri" panose="020F0502020204030204" pitchFamily="34" charset="0"/>
+                <a:cs typeface="Calibri" panose="020F0502020204030204" pitchFamily="34" charset="0"/>
+              </a:rPr>
+              <a:t>Aufgabe:</a:t>
+            </a:r>
+          </a:p>
+          <a:p>
+            <a:pPr marL="720">
+              <a:lnSpc>
+                <a:spcPct val="100000"/>
+              </a:lnSpc>
+              <a:buClr>
+                <a:srgbClr val="51A025"/>
+              </a:buClr>
+            </a:pPr>
+            <a:endParaRPr lang="en-US" spc="-1" dirty="0">
+              <a:solidFill>
+                <a:srgbClr val="000000"/>
+              </a:solidFill>
+              <a:uFill>
+                <a:solidFill>
+                  <a:srgbClr val="FFFFFF"/>
+                </a:solidFill>
+              </a:uFill>
+              <a:latin typeface="Calibri" panose="020F0502020204030204" pitchFamily="34" charset="0"/>
+              <a:cs typeface="Calibri" panose="020F0502020204030204" pitchFamily="34" charset="0"/>
+            </a:endParaRPr>
+          </a:p>
+          <a:p>
+            <a:pPr marL="286470" indent="-285750">
+              <a:lnSpc>
+                <a:spcPct val="100000"/>
+              </a:lnSpc>
+              <a:buClr>
+                <a:srgbClr val="51A025"/>
+              </a:buClr>
+              <a:buFont typeface="Arial" panose="020B0604020202020204" pitchFamily="34" charset="0"/>
+              <a:buChar char="•"/>
+            </a:pPr>
+            <a:r>
+              <a:rPr lang="en-US" spc="-1" dirty="0" err="1">
+                <a:solidFill>
+                  <a:srgbClr val="000000"/>
+                </a:solidFill>
+                <a:uFill>
+                  <a:solidFill>
+                    <a:srgbClr val="FFFFFF"/>
+                  </a:solidFill>
+                </a:uFill>
+                <a:latin typeface="Calibri" panose="020F0502020204030204" pitchFamily="34" charset="0"/>
+                <a:cs typeface="Calibri" panose="020F0502020204030204" pitchFamily="34" charset="0"/>
+              </a:rPr>
+              <a:t>ReadingMethodTest</a:t>
+            </a:r>
+            <a:r>
+              <a:rPr lang="en-US" spc="-1" dirty="0">
+                <a:solidFill>
+                  <a:srgbClr val="000000"/>
+                </a:solidFill>
+                <a:uFill>
+                  <a:solidFill>
+                    <a:srgbClr val="FFFFFF"/>
+                  </a:solidFill>
+                </a:uFill>
+                <a:latin typeface="Calibri" panose="020F0502020204030204" pitchFamily="34" charset="0"/>
+                <a:cs typeface="Calibri" panose="020F0502020204030204" pitchFamily="34" charset="0"/>
+              </a:rPr>
+              <a:t>: in Test Interface </a:t>
+            </a:r>
+            <a:r>
+              <a:rPr lang="en-US" spc="-1" dirty="0" err="1">
+                <a:solidFill>
+                  <a:srgbClr val="000000"/>
+                </a:solidFill>
+                <a:uFill>
+                  <a:solidFill>
+                    <a:srgbClr val="FFFFFF"/>
+                  </a:solidFill>
+                </a:uFill>
+                <a:latin typeface="Calibri" panose="020F0502020204030204" pitchFamily="34" charset="0"/>
+                <a:cs typeface="Calibri" panose="020F0502020204030204" pitchFamily="34" charset="0"/>
+              </a:rPr>
+              <a:t>umwandeln</a:t>
+            </a:r>
+            <a:endParaRPr lang="en-US" spc="-1" dirty="0">
+              <a:solidFill>
+                <a:srgbClr val="000000"/>
+              </a:solidFill>
+              <a:uFill>
+                <a:solidFill>
+                  <a:srgbClr val="FFFFFF"/>
+                </a:solidFill>
+              </a:uFill>
+              <a:latin typeface="Calibri" panose="020F0502020204030204" pitchFamily="34" charset="0"/>
+              <a:cs typeface="Calibri" panose="020F0502020204030204" pitchFamily="34" charset="0"/>
+            </a:endParaRPr>
+          </a:p>
+          <a:p>
+            <a:pPr marL="286470" indent="-285750">
+              <a:lnSpc>
+                <a:spcPct val="100000"/>
+              </a:lnSpc>
+              <a:buClr>
+                <a:srgbClr val="51A025"/>
+              </a:buClr>
+              <a:buFont typeface="Arial" panose="020B0604020202020204" pitchFamily="34" charset="0"/>
+              <a:buChar char="•"/>
+            </a:pPr>
+            <a:r>
+              <a:rPr lang="en-US" spc="-1" dirty="0" err="1">
+                <a:solidFill>
+                  <a:srgbClr val="000000"/>
+                </a:solidFill>
+                <a:uFill>
+                  <a:solidFill>
+                    <a:srgbClr val="FFFFFF"/>
+                  </a:solidFill>
+                </a:uFill>
+                <a:latin typeface="Calibri" panose="020F0502020204030204" pitchFamily="34" charset="0"/>
+                <a:cs typeface="Calibri" panose="020F0502020204030204" pitchFamily="34" charset="0"/>
+              </a:rPr>
+              <a:t>BookingPropertiesTest</a:t>
+            </a:r>
+            <a:r>
+              <a:rPr lang="en-US" spc="-1" dirty="0">
+                <a:solidFill>
+                  <a:srgbClr val="000000"/>
+                </a:solidFill>
+                <a:uFill>
+                  <a:solidFill>
+                    <a:srgbClr val="FFFFFF"/>
+                  </a:solidFill>
+                </a:uFill>
+                <a:latin typeface="Calibri" panose="020F0502020204030204" pitchFamily="34" charset="0"/>
+                <a:cs typeface="Calibri" panose="020F0502020204030204" pitchFamily="34" charset="0"/>
+              </a:rPr>
+              <a:t>: in Test Interface </a:t>
+            </a:r>
+            <a:r>
+              <a:rPr lang="en-US" spc="-1" dirty="0" err="1">
+                <a:solidFill>
+                  <a:srgbClr val="000000"/>
+                </a:solidFill>
+                <a:uFill>
+                  <a:solidFill>
+                    <a:srgbClr val="FFFFFF"/>
+                  </a:solidFill>
+                </a:uFill>
+                <a:latin typeface="Calibri" panose="020F0502020204030204" pitchFamily="34" charset="0"/>
+                <a:cs typeface="Calibri" panose="020F0502020204030204" pitchFamily="34" charset="0"/>
+              </a:rPr>
+              <a:t>umwandeln</a:t>
+            </a:r>
+            <a:endParaRPr lang="en-US" spc="-1" dirty="0">
+              <a:solidFill>
+                <a:srgbClr val="000000"/>
+              </a:solidFill>
+              <a:uFill>
+                <a:solidFill>
+                  <a:srgbClr val="FFFFFF"/>
+                </a:solidFill>
+              </a:uFill>
+              <a:latin typeface="Calibri" panose="020F0502020204030204" pitchFamily="34" charset="0"/>
+              <a:cs typeface="Calibri" panose="020F0502020204030204" pitchFamily="34" charset="0"/>
+            </a:endParaRPr>
+          </a:p>
+        </p:txBody>
+      </p:sp>
+      <p:sp>
+        <p:nvSpPr>
+          <p:cNvPr id="8" name="Rechteck 7">
+            <a:extLst>
+              <a:ext uri="{FF2B5EF4-FFF2-40B4-BE49-F238E27FC236}">
+                <a16:creationId xmlns:a16="http://schemas.microsoft.com/office/drawing/2014/main" id="{C8208138-60A1-4203-A686-3417219AF647}"/>
+              </a:ext>
+            </a:extLst>
+          </p:cNvPr>
+          <p:cNvSpPr/>
+          <p:nvPr/>
+        </p:nvSpPr>
+        <p:spPr>
+          <a:xfrm>
+            <a:off x="8047440" y="676691"/>
+            <a:ext cx="929520" cy="494060"/>
+          </a:xfrm>
+          <a:prstGeom prst="rect">
+            <a:avLst/>
+          </a:prstGeom>
+          <a:noFill/>
+          <a:ln w="15875">
             <a:solidFill>
-              <a:schemeClr val="tx1"/>
+              <a:schemeClr val="bg1">
+                <a:lumMod val="85000"/>
+              </a:schemeClr>
             </a:solidFill>
           </a:ln>
         </p:spPr>
@@ -39452,1257 +40835,26 @@
           <a:bodyPr rtlCol="0" anchor="ctr"/>
           <a:lstStyle/>
           <a:p>
-            <a:r>
-              <a:rPr lang="de-DE" sz="1200" dirty="0" err="1">
-                <a:solidFill>
-                  <a:schemeClr val="tx1"/>
+            <a:pPr algn="ctr"/>
+            <a:r>
+              <a:rPr lang="de-DE" dirty="0">
+                <a:solidFill>
+                  <a:schemeClr val="bg1">
+                    <a:lumMod val="75000"/>
+                  </a:schemeClr>
                 </a:solidFill>
                 <a:latin typeface="Calibri" panose="020F0502020204030204" pitchFamily="34" charset="0"/>
                 <a:cs typeface="Calibri" panose="020F0502020204030204" pitchFamily="34" charset="0"/>
               </a:rPr>
-              <a:t>public</a:t>
-            </a:r>
-            <a:r>
-              <a:rPr lang="de-DE" sz="1200" dirty="0">
-                <a:solidFill>
-                  <a:schemeClr val="tx1"/>
-                </a:solidFill>
-                <a:latin typeface="Calibri" panose="020F0502020204030204" pitchFamily="34" charset="0"/>
-                <a:cs typeface="Calibri" panose="020F0502020204030204" pitchFamily="34" charset="0"/>
-              </a:rPr>
-              <a:t> interface </a:t>
-            </a:r>
-            <a:r>
-              <a:rPr lang="de-DE" sz="1200" dirty="0" err="1">
-                <a:solidFill>
-                  <a:schemeClr val="tx1"/>
-                </a:solidFill>
-                <a:latin typeface="Calibri" panose="020F0502020204030204" pitchFamily="34" charset="0"/>
-                <a:cs typeface="Calibri" panose="020F0502020204030204" pitchFamily="34" charset="0"/>
-              </a:rPr>
-              <a:t>Contract</a:t>
-            </a:r>
-            <a:r>
-              <a:rPr lang="de-DE" sz="1200" dirty="0">
-                <a:solidFill>
-                  <a:schemeClr val="tx1"/>
-                </a:solidFill>
-                <a:latin typeface="Calibri" panose="020F0502020204030204" pitchFamily="34" charset="0"/>
-                <a:cs typeface="Calibri" panose="020F0502020204030204" pitchFamily="34" charset="0"/>
-              </a:rPr>
-              <a:t>&lt;T&gt; {</a:t>
-            </a:r>
-          </a:p>
-          <a:p>
-            <a:r>
-              <a:rPr lang="de-DE" sz="500" dirty="0">
-                <a:solidFill>
-                  <a:schemeClr val="tx1"/>
-                </a:solidFill>
-                <a:latin typeface="Calibri" panose="020F0502020204030204" pitchFamily="34" charset="0"/>
-                <a:cs typeface="Calibri" panose="020F0502020204030204" pitchFamily="34" charset="0"/>
-              </a:rPr>
-              <a:t>    </a:t>
-            </a:r>
-          </a:p>
-          <a:p>
-            <a:r>
-              <a:rPr lang="de-DE" sz="1200" dirty="0">
-                <a:solidFill>
-                  <a:schemeClr val="tx1"/>
-                </a:solidFill>
-                <a:latin typeface="Calibri" panose="020F0502020204030204" pitchFamily="34" charset="0"/>
-                <a:cs typeface="Calibri" panose="020F0502020204030204" pitchFamily="34" charset="0"/>
-              </a:rPr>
-              <a:t>        T </a:t>
-            </a:r>
-            <a:r>
-              <a:rPr lang="de-DE" sz="1200" dirty="0" err="1">
-                <a:solidFill>
-                  <a:schemeClr val="tx1"/>
-                </a:solidFill>
-                <a:latin typeface="Calibri" panose="020F0502020204030204" pitchFamily="34" charset="0"/>
-                <a:cs typeface="Calibri" panose="020F0502020204030204" pitchFamily="34" charset="0"/>
-              </a:rPr>
-              <a:t>createValue</a:t>
-            </a:r>
-            <a:r>
-              <a:rPr lang="de-DE" sz="1200" dirty="0">
-                <a:solidFill>
-                  <a:schemeClr val="tx1"/>
-                </a:solidFill>
-                <a:latin typeface="Calibri" panose="020F0502020204030204" pitchFamily="34" charset="0"/>
-                <a:cs typeface="Calibri" panose="020F0502020204030204" pitchFamily="34" charset="0"/>
-              </a:rPr>
-              <a:t>();</a:t>
-            </a:r>
-          </a:p>
-          <a:p>
-            <a:r>
-              <a:rPr lang="de-DE" sz="500" dirty="0">
-                <a:solidFill>
-                  <a:schemeClr val="tx1"/>
-                </a:solidFill>
-                <a:latin typeface="Calibri" panose="020F0502020204030204" pitchFamily="34" charset="0"/>
-                <a:cs typeface="Calibri" panose="020F0502020204030204" pitchFamily="34" charset="0"/>
-              </a:rPr>
-              <a:t>        </a:t>
-            </a:r>
-          </a:p>
-          <a:p>
-            <a:r>
-              <a:rPr lang="de-DE" sz="1200" dirty="0">
-                <a:solidFill>
-                  <a:schemeClr val="tx1"/>
-                </a:solidFill>
-                <a:latin typeface="Calibri" panose="020F0502020204030204" pitchFamily="34" charset="0"/>
-                <a:cs typeface="Calibri" panose="020F0502020204030204" pitchFamily="34" charset="0"/>
-              </a:rPr>
-              <a:t>        @Test</a:t>
-            </a:r>
-          </a:p>
-          <a:p>
-            <a:r>
-              <a:rPr lang="de-DE" sz="1200" dirty="0">
-                <a:solidFill>
-                  <a:schemeClr val="tx1"/>
-                </a:solidFill>
-                <a:latin typeface="Calibri" panose="020F0502020204030204" pitchFamily="34" charset="0"/>
-                <a:cs typeface="Calibri" panose="020F0502020204030204" pitchFamily="34" charset="0"/>
-              </a:rPr>
-              <a:t>        </a:t>
-            </a:r>
-            <a:r>
-              <a:rPr lang="de-DE" sz="1200" dirty="0" err="1">
-                <a:solidFill>
-                  <a:schemeClr val="tx1"/>
-                </a:solidFill>
-                <a:latin typeface="Calibri" panose="020F0502020204030204" pitchFamily="34" charset="0"/>
-                <a:cs typeface="Calibri" panose="020F0502020204030204" pitchFamily="34" charset="0"/>
-              </a:rPr>
-              <a:t>default</a:t>
-            </a:r>
-            <a:r>
-              <a:rPr lang="de-DE" sz="1200" dirty="0">
-                <a:solidFill>
-                  <a:schemeClr val="tx1"/>
-                </a:solidFill>
-                <a:latin typeface="Calibri" panose="020F0502020204030204" pitchFamily="34" charset="0"/>
-                <a:cs typeface="Calibri" panose="020F0502020204030204" pitchFamily="34" charset="0"/>
-              </a:rPr>
-              <a:t> </a:t>
-            </a:r>
-            <a:r>
-              <a:rPr lang="de-DE" sz="1200" dirty="0" err="1">
-                <a:solidFill>
-                  <a:schemeClr val="tx1"/>
-                </a:solidFill>
-                <a:latin typeface="Calibri" panose="020F0502020204030204" pitchFamily="34" charset="0"/>
-                <a:cs typeface="Calibri" panose="020F0502020204030204" pitchFamily="34" charset="0"/>
-              </a:rPr>
-              <a:t>void</a:t>
-            </a:r>
-            <a:r>
-              <a:rPr lang="de-DE" sz="1200" dirty="0">
-                <a:solidFill>
-                  <a:schemeClr val="tx1"/>
-                </a:solidFill>
-                <a:latin typeface="Calibri" panose="020F0502020204030204" pitchFamily="34" charset="0"/>
-                <a:cs typeface="Calibri" panose="020F0502020204030204" pitchFamily="34" charset="0"/>
-              </a:rPr>
-              <a:t> </a:t>
-            </a:r>
-            <a:r>
-              <a:rPr lang="de-DE" sz="1200" dirty="0" err="1">
-                <a:solidFill>
-                  <a:schemeClr val="tx1"/>
-                </a:solidFill>
-                <a:latin typeface="Calibri" panose="020F0502020204030204" pitchFamily="34" charset="0"/>
-                <a:cs typeface="Calibri" panose="020F0502020204030204" pitchFamily="34" charset="0"/>
-              </a:rPr>
-              <a:t>testValue</a:t>
-            </a:r>
-            <a:r>
-              <a:rPr lang="de-DE" sz="1200" dirty="0">
-                <a:solidFill>
-                  <a:schemeClr val="tx1"/>
-                </a:solidFill>
-                <a:latin typeface="Calibri" panose="020F0502020204030204" pitchFamily="34" charset="0"/>
-                <a:cs typeface="Calibri" panose="020F0502020204030204" pitchFamily="34" charset="0"/>
-              </a:rPr>
-              <a:t>(){</a:t>
-            </a:r>
-          </a:p>
-          <a:p>
-            <a:r>
-              <a:rPr lang="de-DE" sz="1200" dirty="0">
-                <a:solidFill>
-                  <a:schemeClr val="tx1"/>
-                </a:solidFill>
-                <a:latin typeface="Calibri" panose="020F0502020204030204" pitchFamily="34" charset="0"/>
-                <a:cs typeface="Calibri" panose="020F0502020204030204" pitchFamily="34" charset="0"/>
-              </a:rPr>
-              <a:t>            T </a:t>
-            </a:r>
-            <a:r>
-              <a:rPr lang="de-DE" sz="1200" dirty="0" err="1">
-                <a:solidFill>
-                  <a:schemeClr val="tx1"/>
-                </a:solidFill>
-                <a:latin typeface="Calibri" panose="020F0502020204030204" pitchFamily="34" charset="0"/>
-                <a:cs typeface="Calibri" panose="020F0502020204030204" pitchFamily="34" charset="0"/>
-              </a:rPr>
-              <a:t>value</a:t>
-            </a:r>
-            <a:r>
-              <a:rPr lang="de-DE" sz="1200" dirty="0">
-                <a:solidFill>
-                  <a:schemeClr val="tx1"/>
-                </a:solidFill>
-                <a:latin typeface="Calibri" panose="020F0502020204030204" pitchFamily="34" charset="0"/>
-                <a:cs typeface="Calibri" panose="020F0502020204030204" pitchFamily="34" charset="0"/>
-              </a:rPr>
-              <a:t> = </a:t>
-            </a:r>
-            <a:r>
-              <a:rPr lang="de-DE" sz="1200" dirty="0" err="1">
-                <a:solidFill>
-                  <a:schemeClr val="tx1"/>
-                </a:solidFill>
-                <a:latin typeface="Calibri" panose="020F0502020204030204" pitchFamily="34" charset="0"/>
-                <a:cs typeface="Calibri" panose="020F0502020204030204" pitchFamily="34" charset="0"/>
-              </a:rPr>
-              <a:t>createValue</a:t>
-            </a:r>
-            <a:r>
-              <a:rPr lang="de-DE" sz="1200" dirty="0">
-                <a:solidFill>
-                  <a:schemeClr val="tx1"/>
-                </a:solidFill>
-                <a:latin typeface="Calibri" panose="020F0502020204030204" pitchFamily="34" charset="0"/>
-                <a:cs typeface="Calibri" panose="020F0502020204030204" pitchFamily="34" charset="0"/>
-              </a:rPr>
-              <a:t>();</a:t>
-            </a:r>
-          </a:p>
-          <a:p>
-            <a:r>
-              <a:rPr lang="de-DE" sz="1200" dirty="0">
-                <a:solidFill>
-                  <a:schemeClr val="tx1"/>
-                </a:solidFill>
-                <a:latin typeface="Calibri" panose="020F0502020204030204" pitchFamily="34" charset="0"/>
-                <a:cs typeface="Calibri" panose="020F0502020204030204" pitchFamily="34" charset="0"/>
-              </a:rPr>
-              <a:t>            </a:t>
-            </a:r>
-            <a:r>
-              <a:rPr lang="de-DE" sz="1200" dirty="0" err="1">
-                <a:solidFill>
-                  <a:schemeClr val="tx1"/>
-                </a:solidFill>
-                <a:latin typeface="Calibri" panose="020F0502020204030204" pitchFamily="34" charset="0"/>
-                <a:cs typeface="Calibri" panose="020F0502020204030204" pitchFamily="34" charset="0"/>
-              </a:rPr>
-              <a:t>assertThat</a:t>
-            </a:r>
-            <a:r>
-              <a:rPr lang="de-DE" sz="1200" dirty="0">
-                <a:solidFill>
-                  <a:schemeClr val="tx1"/>
-                </a:solidFill>
-                <a:latin typeface="Calibri" panose="020F0502020204030204" pitchFamily="34" charset="0"/>
-                <a:cs typeface="Calibri" panose="020F0502020204030204" pitchFamily="34" charset="0"/>
-              </a:rPr>
-              <a:t>(</a:t>
-            </a:r>
-            <a:r>
-              <a:rPr lang="de-DE" sz="1200" dirty="0" err="1">
-                <a:solidFill>
-                  <a:schemeClr val="tx1"/>
-                </a:solidFill>
-                <a:latin typeface="Calibri" panose="020F0502020204030204" pitchFamily="34" charset="0"/>
-                <a:cs typeface="Calibri" panose="020F0502020204030204" pitchFamily="34" charset="0"/>
-              </a:rPr>
-              <a:t>value</a:t>
-            </a:r>
-            <a:r>
-              <a:rPr lang="de-DE" sz="1200" dirty="0">
-                <a:solidFill>
-                  <a:schemeClr val="tx1"/>
-                </a:solidFill>
-                <a:latin typeface="Calibri" panose="020F0502020204030204" pitchFamily="34" charset="0"/>
-                <a:cs typeface="Calibri" panose="020F0502020204030204" pitchFamily="34" charset="0"/>
-              </a:rPr>
-              <a:t>).</a:t>
-            </a:r>
-            <a:r>
-              <a:rPr lang="de-DE" sz="1200" dirty="0" err="1">
-                <a:solidFill>
-                  <a:schemeClr val="tx1"/>
-                </a:solidFill>
-                <a:latin typeface="Calibri" panose="020F0502020204030204" pitchFamily="34" charset="0"/>
-                <a:cs typeface="Calibri" panose="020F0502020204030204" pitchFamily="34" charset="0"/>
-              </a:rPr>
-              <a:t>isEqualTo</a:t>
-            </a:r>
-            <a:r>
-              <a:rPr lang="de-DE" sz="1200" dirty="0">
-                <a:solidFill>
-                  <a:schemeClr val="tx1"/>
-                </a:solidFill>
-                <a:latin typeface="Calibri" panose="020F0502020204030204" pitchFamily="34" charset="0"/>
-                <a:cs typeface="Calibri" panose="020F0502020204030204" pitchFamily="34" charset="0"/>
-              </a:rPr>
-              <a:t>(</a:t>
-            </a:r>
-            <a:r>
-              <a:rPr lang="de-DE" sz="1200" dirty="0" err="1">
-                <a:solidFill>
-                  <a:schemeClr val="tx1"/>
-                </a:solidFill>
-                <a:latin typeface="Calibri" panose="020F0502020204030204" pitchFamily="34" charset="0"/>
-                <a:cs typeface="Calibri" panose="020F0502020204030204" pitchFamily="34" charset="0"/>
-              </a:rPr>
-              <a:t>expectedValue</a:t>
-            </a:r>
-            <a:r>
-              <a:rPr lang="de-DE" sz="1200" dirty="0">
-                <a:solidFill>
-                  <a:schemeClr val="tx1"/>
-                </a:solidFill>
-                <a:latin typeface="Calibri" panose="020F0502020204030204" pitchFamily="34" charset="0"/>
-                <a:cs typeface="Calibri" panose="020F0502020204030204" pitchFamily="34" charset="0"/>
-              </a:rPr>
-              <a:t>);</a:t>
-            </a:r>
-          </a:p>
-          <a:p>
-            <a:r>
-              <a:rPr lang="de-DE" sz="1200" dirty="0">
-                <a:solidFill>
-                  <a:schemeClr val="tx1"/>
-                </a:solidFill>
-                <a:latin typeface="Calibri" panose="020F0502020204030204" pitchFamily="34" charset="0"/>
-                <a:cs typeface="Calibri" panose="020F0502020204030204" pitchFamily="34" charset="0"/>
-              </a:rPr>
-              <a:t>        }</a:t>
-            </a:r>
-          </a:p>
-          <a:p>
-            <a:r>
-              <a:rPr lang="de-DE" sz="500" dirty="0">
-                <a:solidFill>
-                  <a:schemeClr val="tx1"/>
-                </a:solidFill>
-                <a:latin typeface="Calibri" panose="020F0502020204030204" pitchFamily="34" charset="0"/>
-                <a:cs typeface="Calibri" panose="020F0502020204030204" pitchFamily="34" charset="0"/>
-              </a:rPr>
-              <a:t>        </a:t>
-            </a:r>
-          </a:p>
-          <a:p>
-            <a:r>
-              <a:rPr lang="de-DE" sz="1200" dirty="0">
-                <a:solidFill>
-                  <a:schemeClr val="tx1"/>
-                </a:solidFill>
-                <a:latin typeface="Calibri" panose="020F0502020204030204" pitchFamily="34" charset="0"/>
-                <a:cs typeface="Calibri" panose="020F0502020204030204" pitchFamily="34" charset="0"/>
-              </a:rPr>
-              <a:t>}</a:t>
-            </a:r>
-          </a:p>
-        </p:txBody>
-      </p:sp>
-      <p:sp>
-        <p:nvSpPr>
-          <p:cNvPr id="2" name="Rechteck 1">
-            <a:extLst>
-              <a:ext uri="{FF2B5EF4-FFF2-40B4-BE49-F238E27FC236}">
-                <a16:creationId xmlns:a16="http://schemas.microsoft.com/office/drawing/2014/main" id="{67BD4B7C-543B-4668-A4AD-654AC6569D1E}"/>
-              </a:ext>
-            </a:extLst>
-          </p:cNvPr>
-          <p:cNvSpPr/>
-          <p:nvPr/>
-        </p:nvSpPr>
-        <p:spPr>
-          <a:xfrm>
-            <a:off x="457200" y="1523160"/>
-            <a:ext cx="4207162" cy="3416320"/>
-          </a:xfrm>
-          <a:prstGeom prst="rect">
-            <a:avLst/>
-          </a:prstGeom>
-        </p:spPr>
-        <p:txBody>
-          <a:bodyPr wrap="square">
-            <a:spAutoFit/>
-          </a:bodyPr>
-          <a:lstStyle/>
-          <a:p>
-            <a:pPr marL="720">
-              <a:lnSpc>
-                <a:spcPct val="100000"/>
-              </a:lnSpc>
-              <a:buClr>
-                <a:srgbClr val="51A025"/>
-              </a:buClr>
-            </a:pPr>
-            <a:r>
-              <a:rPr lang="en-US" spc="-1" dirty="0" err="1">
-                <a:solidFill>
-                  <a:srgbClr val="000000"/>
-                </a:solidFill>
-                <a:uFill>
-                  <a:solidFill>
-                    <a:srgbClr val="FFFFFF"/>
-                  </a:solidFill>
-                </a:uFill>
-                <a:latin typeface="Calibri" panose="020F0502020204030204" pitchFamily="34" charset="0"/>
-                <a:cs typeface="Calibri" panose="020F0502020204030204" pitchFamily="34" charset="0"/>
-              </a:rPr>
-              <a:t>Nutzen</a:t>
-            </a:r>
-            <a:r>
-              <a:rPr lang="en-US" spc="-1" dirty="0">
-                <a:solidFill>
-                  <a:srgbClr val="000000"/>
-                </a:solidFill>
-                <a:uFill>
-                  <a:solidFill>
-                    <a:srgbClr val="FFFFFF"/>
-                  </a:solidFill>
-                </a:uFill>
-                <a:latin typeface="Calibri" panose="020F0502020204030204" pitchFamily="34" charset="0"/>
-                <a:cs typeface="Calibri" panose="020F0502020204030204" pitchFamily="34" charset="0"/>
-              </a:rPr>
-              <a:t>: </a:t>
-            </a:r>
-          </a:p>
-          <a:p>
-            <a:pPr marL="286470" indent="-285750">
-              <a:lnSpc>
-                <a:spcPct val="100000"/>
-              </a:lnSpc>
-              <a:buClr>
-                <a:srgbClr val="51A025"/>
-              </a:buClr>
-              <a:buFont typeface="Arial" panose="020B0604020202020204" pitchFamily="34" charset="0"/>
-              <a:buChar char="•"/>
-            </a:pPr>
-            <a:r>
-              <a:rPr lang="en-US" spc="-1" dirty="0" err="1">
-                <a:solidFill>
-                  <a:srgbClr val="000000"/>
-                </a:solidFill>
-                <a:uFill>
-                  <a:solidFill>
-                    <a:srgbClr val="FFFFFF"/>
-                  </a:solidFill>
-                </a:uFill>
-                <a:latin typeface="Calibri" panose="020F0502020204030204" pitchFamily="34" charset="0"/>
-                <a:cs typeface="Calibri" panose="020F0502020204030204" pitchFamily="34" charset="0"/>
-              </a:rPr>
-              <a:t>Testen</a:t>
-            </a:r>
-            <a:r>
-              <a:rPr lang="en-US" spc="-1" dirty="0">
-                <a:solidFill>
-                  <a:srgbClr val="000000"/>
-                </a:solidFill>
-                <a:uFill>
-                  <a:solidFill>
-                    <a:srgbClr val="FFFFFF"/>
-                  </a:solidFill>
-                </a:uFill>
-                <a:latin typeface="Calibri" panose="020F0502020204030204" pitchFamily="34" charset="0"/>
-                <a:cs typeface="Calibri" panose="020F0502020204030204" pitchFamily="34" charset="0"/>
-              </a:rPr>
-              <a:t> von </a:t>
-            </a:r>
-            <a:r>
-              <a:rPr lang="en-US" spc="-1" dirty="0" err="1">
-                <a:solidFill>
-                  <a:srgbClr val="000000"/>
-                </a:solidFill>
-                <a:uFill>
-                  <a:solidFill>
-                    <a:srgbClr val="FFFFFF"/>
-                  </a:solidFill>
-                </a:uFill>
-                <a:latin typeface="Calibri" panose="020F0502020204030204" pitchFamily="34" charset="0"/>
-                <a:cs typeface="Calibri" panose="020F0502020204030204" pitchFamily="34" charset="0"/>
-              </a:rPr>
-              <a:t>mehrerer</a:t>
-            </a:r>
-            <a:r>
-              <a:rPr lang="en-US" spc="-1" dirty="0">
-                <a:solidFill>
-                  <a:srgbClr val="000000"/>
-                </a:solidFill>
-                <a:uFill>
-                  <a:solidFill>
-                    <a:srgbClr val="FFFFFF"/>
-                  </a:solidFill>
-                </a:uFill>
-                <a:latin typeface="Calibri" panose="020F0502020204030204" pitchFamily="34" charset="0"/>
-                <a:cs typeface="Calibri" panose="020F0502020204030204" pitchFamily="34" charset="0"/>
-              </a:rPr>
-              <a:t> Klassen </a:t>
-            </a:r>
-            <a:r>
-              <a:rPr lang="en-US" spc="-1" dirty="0" err="1">
-                <a:solidFill>
-                  <a:srgbClr val="000000"/>
-                </a:solidFill>
-                <a:uFill>
-                  <a:solidFill>
-                    <a:srgbClr val="FFFFFF"/>
-                  </a:solidFill>
-                </a:uFill>
-                <a:latin typeface="Calibri" panose="020F0502020204030204" pitchFamily="34" charset="0"/>
-                <a:cs typeface="Calibri" panose="020F0502020204030204" pitchFamily="34" charset="0"/>
-              </a:rPr>
-              <a:t>mit</a:t>
-            </a:r>
-            <a:r>
-              <a:rPr lang="en-US" spc="-1" dirty="0">
-                <a:solidFill>
-                  <a:srgbClr val="000000"/>
-                </a:solidFill>
-                <a:uFill>
-                  <a:solidFill>
-                    <a:srgbClr val="FFFFFF"/>
-                  </a:solidFill>
-                </a:uFill>
-                <a:latin typeface="Calibri" panose="020F0502020204030204" pitchFamily="34" charset="0"/>
-                <a:cs typeface="Calibri" panose="020F0502020204030204" pitchFamily="34" charset="0"/>
-              </a:rPr>
-              <a:t> </a:t>
-            </a:r>
-            <a:r>
-              <a:rPr lang="en-US" spc="-1" dirty="0" err="1">
-                <a:solidFill>
-                  <a:srgbClr val="000000"/>
-                </a:solidFill>
-                <a:uFill>
-                  <a:solidFill>
-                    <a:srgbClr val="FFFFFF"/>
-                  </a:solidFill>
-                </a:uFill>
-                <a:latin typeface="Calibri" panose="020F0502020204030204" pitchFamily="34" charset="0"/>
-                <a:cs typeface="Calibri" panose="020F0502020204030204" pitchFamily="34" charset="0"/>
-              </a:rPr>
-              <a:t>gleichbleibenden</a:t>
-            </a:r>
-            <a:r>
-              <a:rPr lang="en-US" spc="-1" dirty="0">
-                <a:solidFill>
-                  <a:srgbClr val="000000"/>
-                </a:solidFill>
-                <a:uFill>
-                  <a:solidFill>
-                    <a:srgbClr val="FFFFFF"/>
-                  </a:solidFill>
-                </a:uFill>
-                <a:latin typeface="Calibri" panose="020F0502020204030204" pitchFamily="34" charset="0"/>
-                <a:cs typeface="Calibri" panose="020F0502020204030204" pitchFamily="34" charset="0"/>
-              </a:rPr>
-              <a:t> </a:t>
-            </a:r>
-            <a:r>
-              <a:rPr lang="en-US" spc="-1" dirty="0" err="1">
-                <a:solidFill>
-                  <a:srgbClr val="000000"/>
-                </a:solidFill>
-                <a:uFill>
-                  <a:solidFill>
-                    <a:srgbClr val="FFFFFF"/>
-                  </a:solidFill>
-                </a:uFill>
-                <a:latin typeface="Calibri" panose="020F0502020204030204" pitchFamily="34" charset="0"/>
-                <a:cs typeface="Calibri" panose="020F0502020204030204" pitchFamily="34" charset="0"/>
-              </a:rPr>
-              <a:t>Eigenschaften</a:t>
-            </a:r>
-            <a:endParaRPr lang="en-US" spc="-1" dirty="0">
-              <a:solidFill>
-                <a:srgbClr val="000000"/>
-              </a:solidFill>
-              <a:uFill>
-                <a:solidFill>
-                  <a:srgbClr val="FFFFFF"/>
-                </a:solidFill>
-              </a:uFill>
-              <a:latin typeface="Calibri" panose="020F0502020204030204" pitchFamily="34" charset="0"/>
-              <a:cs typeface="Calibri" panose="020F0502020204030204" pitchFamily="34" charset="0"/>
-            </a:endParaRPr>
-          </a:p>
-          <a:p>
-            <a:pPr marL="720">
-              <a:lnSpc>
-                <a:spcPct val="100000"/>
-              </a:lnSpc>
-              <a:buClr>
-                <a:srgbClr val="51A025"/>
-              </a:buClr>
-            </a:pPr>
-            <a:r>
-              <a:rPr lang="en-US" spc="-1" dirty="0" err="1">
-                <a:solidFill>
-                  <a:srgbClr val="000000"/>
-                </a:solidFill>
-                <a:uFill>
-                  <a:solidFill>
-                    <a:srgbClr val="FFFFFF"/>
-                  </a:solidFill>
-                </a:uFill>
-                <a:latin typeface="Calibri" panose="020F0502020204030204" pitchFamily="34" charset="0"/>
-                <a:cs typeface="Calibri" panose="020F0502020204030204" pitchFamily="34" charset="0"/>
-              </a:rPr>
-              <a:t>Beispiel</a:t>
-            </a:r>
-            <a:r>
-              <a:rPr lang="en-US" spc="-1" dirty="0">
-                <a:solidFill>
-                  <a:srgbClr val="000000"/>
-                </a:solidFill>
-                <a:uFill>
-                  <a:solidFill>
-                    <a:srgbClr val="FFFFFF"/>
-                  </a:solidFill>
-                </a:uFill>
-                <a:latin typeface="Calibri" panose="020F0502020204030204" pitchFamily="34" charset="0"/>
-                <a:cs typeface="Calibri" panose="020F0502020204030204" pitchFamily="34" charset="0"/>
-              </a:rPr>
-              <a:t>: </a:t>
-            </a:r>
-          </a:p>
-          <a:p>
-            <a:pPr marL="286470" indent="-285750">
-              <a:lnSpc>
-                <a:spcPct val="100000"/>
-              </a:lnSpc>
-              <a:buClr>
-                <a:srgbClr val="51A025"/>
-              </a:buClr>
-              <a:buFont typeface="Arial" panose="020B0604020202020204" pitchFamily="34" charset="0"/>
-              <a:buChar char="•"/>
-            </a:pPr>
-            <a:r>
-              <a:rPr lang="en-US" spc="-1" dirty="0" err="1">
-                <a:solidFill>
-                  <a:srgbClr val="000000"/>
-                </a:solidFill>
-                <a:uFill>
-                  <a:solidFill>
-                    <a:srgbClr val="FFFFFF"/>
-                  </a:solidFill>
-                </a:uFill>
-                <a:latin typeface="Calibri" panose="020F0502020204030204" pitchFamily="34" charset="0"/>
-                <a:cs typeface="Calibri" panose="020F0502020204030204" pitchFamily="34" charset="0"/>
-              </a:rPr>
-              <a:t>Validatoren</a:t>
-            </a:r>
-            <a:r>
-              <a:rPr lang="en-US" spc="-1" dirty="0">
-                <a:solidFill>
-                  <a:srgbClr val="000000"/>
-                </a:solidFill>
-                <a:uFill>
-                  <a:solidFill>
-                    <a:srgbClr val="FFFFFF"/>
-                  </a:solidFill>
-                </a:uFill>
-                <a:latin typeface="Calibri" panose="020F0502020204030204" pitchFamily="34" charset="0"/>
-                <a:cs typeface="Calibri" panose="020F0502020204030204" pitchFamily="34" charset="0"/>
-              </a:rPr>
-              <a:t>, </a:t>
-            </a:r>
-            <a:r>
-              <a:rPr lang="en-US" spc="-1" dirty="0" err="1">
-                <a:solidFill>
-                  <a:srgbClr val="000000"/>
-                </a:solidFill>
-                <a:uFill>
-                  <a:solidFill>
-                    <a:srgbClr val="FFFFFF"/>
-                  </a:solidFill>
-                </a:uFill>
-                <a:latin typeface="Calibri" panose="020F0502020204030204" pitchFamily="34" charset="0"/>
-                <a:cs typeface="Calibri" panose="020F0502020204030204" pitchFamily="34" charset="0"/>
-              </a:rPr>
-              <a:t>egal</a:t>
-            </a:r>
-            <a:r>
-              <a:rPr lang="en-US" spc="-1" dirty="0">
-                <a:solidFill>
-                  <a:srgbClr val="000000"/>
-                </a:solidFill>
-                <a:uFill>
-                  <a:solidFill>
-                    <a:srgbClr val="FFFFFF"/>
-                  </a:solidFill>
-                </a:uFill>
-                <a:latin typeface="Calibri" panose="020F0502020204030204" pitchFamily="34" charset="0"/>
-                <a:cs typeface="Calibri" panose="020F0502020204030204" pitchFamily="34" charset="0"/>
-              </a:rPr>
-              <a:t> </a:t>
-            </a:r>
-            <a:r>
-              <a:rPr lang="en-US" spc="-1" dirty="0" err="1">
-                <a:solidFill>
-                  <a:srgbClr val="000000"/>
-                </a:solidFill>
-                <a:uFill>
-                  <a:solidFill>
-                    <a:srgbClr val="FFFFFF"/>
-                  </a:solidFill>
-                </a:uFill>
-                <a:latin typeface="Calibri" panose="020F0502020204030204" pitchFamily="34" charset="0"/>
-                <a:cs typeface="Calibri" panose="020F0502020204030204" pitchFamily="34" charset="0"/>
-              </a:rPr>
-              <a:t>welcher</a:t>
-            </a:r>
-            <a:r>
-              <a:rPr lang="en-US" spc="-1" dirty="0">
-                <a:solidFill>
-                  <a:srgbClr val="000000"/>
-                </a:solidFill>
-                <a:uFill>
-                  <a:solidFill>
-                    <a:srgbClr val="FFFFFF"/>
-                  </a:solidFill>
-                </a:uFill>
-                <a:latin typeface="Calibri" panose="020F0502020204030204" pitchFamily="34" charset="0"/>
-                <a:cs typeface="Calibri" panose="020F0502020204030204" pitchFamily="34" charset="0"/>
-              </a:rPr>
-              <a:t> </a:t>
-            </a:r>
-            <a:r>
-              <a:rPr lang="en-US" spc="-1" dirty="0" err="1">
-                <a:solidFill>
-                  <a:srgbClr val="000000"/>
-                </a:solidFill>
-                <a:uFill>
-                  <a:solidFill>
-                    <a:srgbClr val="FFFFFF"/>
-                  </a:solidFill>
-                </a:uFill>
-                <a:latin typeface="Calibri" panose="020F0502020204030204" pitchFamily="34" charset="0"/>
-                <a:cs typeface="Calibri" panose="020F0502020204030204" pitchFamily="34" charset="0"/>
-              </a:rPr>
-              <a:t>angesprochen</a:t>
-            </a:r>
-            <a:r>
-              <a:rPr lang="en-US" spc="-1" dirty="0">
-                <a:solidFill>
-                  <a:srgbClr val="000000"/>
-                </a:solidFill>
-                <a:uFill>
-                  <a:solidFill>
-                    <a:srgbClr val="FFFFFF"/>
-                  </a:solidFill>
-                </a:uFill>
-                <a:latin typeface="Calibri" panose="020F0502020204030204" pitchFamily="34" charset="0"/>
-                <a:cs typeface="Calibri" panose="020F0502020204030204" pitchFamily="34" charset="0"/>
-              </a:rPr>
-              <a:t> </a:t>
-            </a:r>
-            <a:r>
-              <a:rPr lang="en-US" spc="-1" dirty="0" err="1">
-                <a:solidFill>
-                  <a:srgbClr val="000000"/>
-                </a:solidFill>
-                <a:uFill>
-                  <a:solidFill>
-                    <a:srgbClr val="FFFFFF"/>
-                  </a:solidFill>
-                </a:uFill>
-                <a:latin typeface="Calibri" panose="020F0502020204030204" pitchFamily="34" charset="0"/>
-                <a:cs typeface="Calibri" panose="020F0502020204030204" pitchFamily="34" charset="0"/>
-              </a:rPr>
-              <a:t>wird</a:t>
-            </a:r>
-            <a:r>
-              <a:rPr lang="en-US" spc="-1" dirty="0">
-                <a:solidFill>
-                  <a:srgbClr val="000000"/>
-                </a:solidFill>
-                <a:uFill>
-                  <a:solidFill>
-                    <a:srgbClr val="FFFFFF"/>
-                  </a:solidFill>
-                </a:uFill>
-                <a:latin typeface="Calibri" panose="020F0502020204030204" pitchFamily="34" charset="0"/>
-                <a:cs typeface="Calibri" panose="020F0502020204030204" pitchFamily="34" charset="0"/>
-              </a:rPr>
-              <a:t>, sein </a:t>
-            </a:r>
-            <a:r>
-              <a:rPr lang="en-US" spc="-1" dirty="0" err="1">
-                <a:solidFill>
-                  <a:srgbClr val="000000"/>
-                </a:solidFill>
-                <a:uFill>
-                  <a:solidFill>
-                    <a:srgbClr val="FFFFFF"/>
-                  </a:solidFill>
-                </a:uFill>
-                <a:latin typeface="Calibri" panose="020F0502020204030204" pitchFamily="34" charset="0"/>
-                <a:cs typeface="Calibri" panose="020F0502020204030204" pitchFamily="34" charset="0"/>
-              </a:rPr>
-              <a:t>Verhalten</a:t>
-            </a:r>
-            <a:r>
-              <a:rPr lang="en-US" spc="-1" dirty="0">
-                <a:solidFill>
-                  <a:srgbClr val="000000"/>
-                </a:solidFill>
-                <a:uFill>
-                  <a:solidFill>
-                    <a:srgbClr val="FFFFFF"/>
-                  </a:solidFill>
-                </a:uFill>
-                <a:latin typeface="Calibri" panose="020F0502020204030204" pitchFamily="34" charset="0"/>
-                <a:cs typeface="Calibri" panose="020F0502020204030204" pitchFamily="34" charset="0"/>
-              </a:rPr>
-              <a:t> </a:t>
-            </a:r>
-            <a:r>
-              <a:rPr lang="en-US" spc="-1" dirty="0" err="1">
-                <a:solidFill>
-                  <a:srgbClr val="000000"/>
-                </a:solidFill>
-                <a:uFill>
-                  <a:solidFill>
-                    <a:srgbClr val="FFFFFF"/>
-                  </a:solidFill>
-                </a:uFill>
-                <a:latin typeface="Calibri" panose="020F0502020204030204" pitchFamily="34" charset="0"/>
-                <a:cs typeface="Calibri" panose="020F0502020204030204" pitchFamily="34" charset="0"/>
-              </a:rPr>
-              <a:t>sollte</a:t>
-            </a:r>
-            <a:r>
-              <a:rPr lang="en-US" spc="-1" dirty="0">
-                <a:solidFill>
-                  <a:srgbClr val="000000"/>
-                </a:solidFill>
-                <a:uFill>
-                  <a:solidFill>
-                    <a:srgbClr val="FFFFFF"/>
-                  </a:solidFill>
-                </a:uFill>
-                <a:latin typeface="Calibri" panose="020F0502020204030204" pitchFamily="34" charset="0"/>
-                <a:cs typeface="Calibri" panose="020F0502020204030204" pitchFamily="34" charset="0"/>
-              </a:rPr>
-              <a:t> </a:t>
-            </a:r>
-            <a:r>
-              <a:rPr lang="en-US" spc="-1" dirty="0" err="1">
-                <a:solidFill>
-                  <a:srgbClr val="000000"/>
-                </a:solidFill>
-                <a:uFill>
-                  <a:solidFill>
-                    <a:srgbClr val="FFFFFF"/>
-                  </a:solidFill>
-                </a:uFill>
-                <a:latin typeface="Calibri" panose="020F0502020204030204" pitchFamily="34" charset="0"/>
-                <a:cs typeface="Calibri" panose="020F0502020204030204" pitchFamily="34" charset="0"/>
-              </a:rPr>
-              <a:t>nach</a:t>
-            </a:r>
-            <a:r>
-              <a:rPr lang="en-US" spc="-1" dirty="0">
-                <a:solidFill>
-                  <a:srgbClr val="000000"/>
-                </a:solidFill>
-                <a:uFill>
-                  <a:solidFill>
-                    <a:srgbClr val="FFFFFF"/>
-                  </a:solidFill>
-                </a:uFill>
-                <a:latin typeface="Calibri" panose="020F0502020204030204" pitchFamily="34" charset="0"/>
-                <a:cs typeface="Calibri" panose="020F0502020204030204" pitchFamily="34" charset="0"/>
-              </a:rPr>
-              <a:t> </a:t>
-            </a:r>
-            <a:r>
-              <a:rPr lang="en-US" spc="-1" dirty="0" err="1">
-                <a:solidFill>
-                  <a:srgbClr val="000000"/>
-                </a:solidFill>
-                <a:uFill>
-                  <a:solidFill>
-                    <a:srgbClr val="FFFFFF"/>
-                  </a:solidFill>
-                </a:uFill>
-                <a:latin typeface="Calibri" panose="020F0502020204030204" pitchFamily="34" charset="0"/>
-                <a:cs typeface="Calibri" panose="020F0502020204030204" pitchFamily="34" charset="0"/>
-              </a:rPr>
-              <a:t>außen</a:t>
-            </a:r>
-            <a:r>
-              <a:rPr lang="en-US" spc="-1" dirty="0">
-                <a:solidFill>
-                  <a:srgbClr val="000000"/>
-                </a:solidFill>
-                <a:uFill>
-                  <a:solidFill>
-                    <a:srgbClr val="FFFFFF"/>
-                  </a:solidFill>
-                </a:uFill>
-                <a:latin typeface="Calibri" panose="020F0502020204030204" pitchFamily="34" charset="0"/>
-                <a:cs typeface="Calibri" panose="020F0502020204030204" pitchFamily="34" charset="0"/>
-              </a:rPr>
-              <a:t> </a:t>
-            </a:r>
-            <a:r>
-              <a:rPr lang="en-US" spc="-1" dirty="0" err="1">
-                <a:solidFill>
-                  <a:srgbClr val="000000"/>
-                </a:solidFill>
-                <a:uFill>
-                  <a:solidFill>
-                    <a:srgbClr val="FFFFFF"/>
-                  </a:solidFill>
-                </a:uFill>
-                <a:latin typeface="Calibri" panose="020F0502020204030204" pitchFamily="34" charset="0"/>
-                <a:cs typeface="Calibri" panose="020F0502020204030204" pitchFamily="34" charset="0"/>
-              </a:rPr>
-              <a:t>gleich</a:t>
-            </a:r>
-            <a:r>
-              <a:rPr lang="en-US" spc="-1" dirty="0">
-                <a:solidFill>
-                  <a:srgbClr val="000000"/>
-                </a:solidFill>
-                <a:uFill>
-                  <a:solidFill>
-                    <a:srgbClr val="FFFFFF"/>
-                  </a:solidFill>
-                </a:uFill>
-                <a:latin typeface="Calibri" panose="020F0502020204030204" pitchFamily="34" charset="0"/>
-                <a:cs typeface="Calibri" panose="020F0502020204030204" pitchFamily="34" charset="0"/>
-              </a:rPr>
-              <a:t> </a:t>
-            </a:r>
-            <a:r>
-              <a:rPr lang="en-US" spc="-1" dirty="0" err="1">
-                <a:solidFill>
-                  <a:srgbClr val="000000"/>
-                </a:solidFill>
-                <a:uFill>
-                  <a:solidFill>
-                    <a:srgbClr val="FFFFFF"/>
-                  </a:solidFill>
-                </a:uFill>
-                <a:latin typeface="Calibri" panose="020F0502020204030204" pitchFamily="34" charset="0"/>
-                <a:cs typeface="Calibri" panose="020F0502020204030204" pitchFamily="34" charset="0"/>
-              </a:rPr>
-              <a:t>bleiben</a:t>
-            </a:r>
-            <a:endParaRPr lang="en-US" spc="-1" dirty="0">
-              <a:solidFill>
-                <a:srgbClr val="000000"/>
-              </a:solidFill>
-              <a:uFill>
-                <a:solidFill>
-                  <a:srgbClr val="FFFFFF"/>
-                </a:solidFill>
-              </a:uFill>
-              <a:latin typeface="Calibri" panose="020F0502020204030204" pitchFamily="34" charset="0"/>
-              <a:cs typeface="Calibri" panose="020F0502020204030204" pitchFamily="34" charset="0"/>
-            </a:endParaRPr>
-          </a:p>
-          <a:p>
-            <a:pPr marL="720">
-              <a:lnSpc>
-                <a:spcPct val="100000"/>
-              </a:lnSpc>
-              <a:buClr>
-                <a:srgbClr val="51A025"/>
-              </a:buClr>
-            </a:pPr>
-            <a:r>
-              <a:rPr lang="en-US" spc="-1" dirty="0">
-                <a:solidFill>
-                  <a:srgbClr val="000000"/>
-                </a:solidFill>
-                <a:uFill>
-                  <a:solidFill>
-                    <a:srgbClr val="FFFFFF"/>
-                  </a:solidFill>
-                </a:uFill>
-                <a:latin typeface="Calibri" panose="020F0502020204030204" pitchFamily="34" charset="0"/>
-                <a:cs typeface="Calibri" panose="020F0502020204030204" pitchFamily="34" charset="0"/>
-              </a:rPr>
-              <a:t>JUnit 5: </a:t>
-            </a:r>
-          </a:p>
-          <a:p>
-            <a:pPr marL="286470" indent="-285750">
-              <a:lnSpc>
-                <a:spcPct val="100000"/>
-              </a:lnSpc>
-              <a:buClr>
-                <a:srgbClr val="51A025"/>
-              </a:buClr>
-              <a:buFont typeface="Arial" panose="020B0604020202020204" pitchFamily="34" charset="0"/>
-              <a:buChar char="•"/>
-            </a:pPr>
-            <a:r>
-              <a:rPr lang="en-US" spc="-1" dirty="0">
-                <a:solidFill>
-                  <a:srgbClr val="000000"/>
-                </a:solidFill>
-                <a:uFill>
-                  <a:solidFill>
-                    <a:srgbClr val="FFFFFF"/>
-                  </a:solidFill>
-                </a:uFill>
-                <a:latin typeface="Calibri" panose="020F0502020204030204" pitchFamily="34" charset="0"/>
-                <a:cs typeface="Calibri" panose="020F0502020204030204" pitchFamily="34" charset="0"/>
-              </a:rPr>
-              <a:t>Contracts </a:t>
-            </a:r>
-            <a:r>
-              <a:rPr lang="en-US" spc="-1" dirty="0" err="1">
-                <a:solidFill>
-                  <a:srgbClr val="000000"/>
-                </a:solidFill>
-                <a:uFill>
-                  <a:solidFill>
-                    <a:srgbClr val="FFFFFF"/>
-                  </a:solidFill>
-                </a:uFill>
-                <a:latin typeface="Calibri" panose="020F0502020204030204" pitchFamily="34" charset="0"/>
-                <a:cs typeface="Calibri" panose="020F0502020204030204" pitchFamily="34" charset="0"/>
-              </a:rPr>
-              <a:t>bieten</a:t>
-            </a:r>
-            <a:r>
-              <a:rPr lang="en-US" spc="-1" dirty="0">
-                <a:solidFill>
-                  <a:srgbClr val="000000"/>
-                </a:solidFill>
-                <a:uFill>
-                  <a:solidFill>
-                    <a:srgbClr val="FFFFFF"/>
-                  </a:solidFill>
-                </a:uFill>
-                <a:latin typeface="Calibri" panose="020F0502020204030204" pitchFamily="34" charset="0"/>
-                <a:cs typeface="Calibri" panose="020F0502020204030204" pitchFamily="34" charset="0"/>
-              </a:rPr>
-              <a:t> die </a:t>
-            </a:r>
-            <a:r>
-              <a:rPr lang="en-US" spc="-1" dirty="0" err="1">
-                <a:solidFill>
-                  <a:srgbClr val="000000"/>
-                </a:solidFill>
-                <a:uFill>
-                  <a:solidFill>
-                    <a:srgbClr val="FFFFFF"/>
-                  </a:solidFill>
-                </a:uFill>
-                <a:latin typeface="Calibri" panose="020F0502020204030204" pitchFamily="34" charset="0"/>
-                <a:cs typeface="Calibri" panose="020F0502020204030204" pitchFamily="34" charset="0"/>
-              </a:rPr>
-              <a:t>gleiche</a:t>
-            </a:r>
-            <a:r>
-              <a:rPr lang="en-US" spc="-1" dirty="0">
-                <a:solidFill>
-                  <a:srgbClr val="000000"/>
-                </a:solidFill>
-                <a:uFill>
-                  <a:solidFill>
-                    <a:srgbClr val="FFFFFF"/>
-                  </a:solidFill>
-                </a:uFill>
-                <a:latin typeface="Calibri" panose="020F0502020204030204" pitchFamily="34" charset="0"/>
-                <a:cs typeface="Calibri" panose="020F0502020204030204" pitchFamily="34" charset="0"/>
-              </a:rPr>
-              <a:t> </a:t>
-            </a:r>
-            <a:r>
-              <a:rPr lang="en-US" spc="-1" dirty="0" err="1">
-                <a:solidFill>
-                  <a:srgbClr val="000000"/>
-                </a:solidFill>
-                <a:uFill>
-                  <a:solidFill>
-                    <a:srgbClr val="FFFFFF"/>
-                  </a:solidFill>
-                </a:uFill>
-                <a:latin typeface="Calibri" panose="020F0502020204030204" pitchFamily="34" charset="0"/>
-                <a:cs typeface="Calibri" panose="020F0502020204030204" pitchFamily="34" charset="0"/>
-              </a:rPr>
-              <a:t>Funktion</a:t>
-            </a:r>
-            <a:r>
-              <a:rPr lang="en-US" spc="-1" dirty="0">
-                <a:solidFill>
-                  <a:srgbClr val="000000"/>
-                </a:solidFill>
-                <a:uFill>
-                  <a:solidFill>
-                    <a:srgbClr val="FFFFFF"/>
-                  </a:solidFill>
-                </a:uFill>
-                <a:latin typeface="Calibri" panose="020F0502020204030204" pitchFamily="34" charset="0"/>
-                <a:cs typeface="Calibri" panose="020F0502020204030204" pitchFamily="34" charset="0"/>
-              </a:rPr>
-              <a:t> </a:t>
-            </a:r>
-            <a:r>
-              <a:rPr lang="en-US" spc="-1" dirty="0" err="1">
-                <a:solidFill>
-                  <a:srgbClr val="000000"/>
-                </a:solidFill>
-                <a:uFill>
-                  <a:solidFill>
-                    <a:srgbClr val="FFFFFF"/>
-                  </a:solidFill>
-                </a:uFill>
-                <a:latin typeface="Calibri" panose="020F0502020204030204" pitchFamily="34" charset="0"/>
-                <a:cs typeface="Calibri" panose="020F0502020204030204" pitchFamily="34" charset="0"/>
-              </a:rPr>
-              <a:t>wie</a:t>
-            </a:r>
-            <a:r>
-              <a:rPr lang="en-US" spc="-1" dirty="0">
-                <a:solidFill>
-                  <a:srgbClr val="000000"/>
-                </a:solidFill>
-                <a:uFill>
-                  <a:solidFill>
-                    <a:srgbClr val="FFFFFF"/>
-                  </a:solidFill>
-                </a:uFill>
-                <a:latin typeface="Calibri" panose="020F0502020204030204" pitchFamily="34" charset="0"/>
-                <a:cs typeface="Calibri" panose="020F0502020204030204" pitchFamily="34" charset="0"/>
-              </a:rPr>
-              <a:t> Abstract Tests, </a:t>
-            </a:r>
-            <a:r>
-              <a:rPr lang="en-US" spc="-1" dirty="0" err="1">
-                <a:solidFill>
-                  <a:srgbClr val="000000"/>
-                </a:solidFill>
-                <a:uFill>
-                  <a:solidFill>
-                    <a:srgbClr val="FFFFFF"/>
-                  </a:solidFill>
-                </a:uFill>
-                <a:latin typeface="Calibri" panose="020F0502020204030204" pitchFamily="34" charset="0"/>
-                <a:cs typeface="Calibri" panose="020F0502020204030204" pitchFamily="34" charset="0"/>
-              </a:rPr>
-              <a:t>nutzen</a:t>
-            </a:r>
-            <a:r>
-              <a:rPr lang="en-US" spc="-1" dirty="0">
-                <a:solidFill>
-                  <a:srgbClr val="000000"/>
-                </a:solidFill>
-                <a:uFill>
-                  <a:solidFill>
-                    <a:srgbClr val="FFFFFF"/>
-                  </a:solidFill>
-                </a:uFill>
-                <a:latin typeface="Calibri" panose="020F0502020204030204" pitchFamily="34" charset="0"/>
-                <a:cs typeface="Calibri" panose="020F0502020204030204" pitchFamily="34" charset="0"/>
-              </a:rPr>
-              <a:t> </a:t>
-            </a:r>
-            <a:r>
-              <a:rPr lang="en-US" spc="-1" dirty="0" err="1">
-                <a:solidFill>
-                  <a:srgbClr val="000000"/>
-                </a:solidFill>
-                <a:uFill>
-                  <a:solidFill>
-                    <a:srgbClr val="FFFFFF"/>
-                  </a:solidFill>
-                </a:uFill>
-                <a:latin typeface="Calibri" panose="020F0502020204030204" pitchFamily="34" charset="0"/>
-                <a:cs typeface="Calibri" panose="020F0502020204030204" pitchFamily="34" charset="0"/>
-              </a:rPr>
-              <a:t>jedoch</a:t>
-            </a:r>
-            <a:r>
-              <a:rPr lang="en-US" spc="-1" dirty="0">
-                <a:solidFill>
-                  <a:srgbClr val="000000"/>
-                </a:solidFill>
-                <a:uFill>
-                  <a:solidFill>
-                    <a:srgbClr val="FFFFFF"/>
-                  </a:solidFill>
-                </a:uFill>
-                <a:latin typeface="Calibri" panose="020F0502020204030204" pitchFamily="34" charset="0"/>
-                <a:cs typeface="Calibri" panose="020F0502020204030204" pitchFamily="34" charset="0"/>
-              </a:rPr>
-              <a:t> die Java 8 default Interface </a:t>
-            </a:r>
-            <a:r>
-              <a:rPr lang="en-US" spc="-1" dirty="0" err="1">
-                <a:solidFill>
-                  <a:srgbClr val="000000"/>
-                </a:solidFill>
-                <a:uFill>
-                  <a:solidFill>
-                    <a:srgbClr val="FFFFFF"/>
-                  </a:solidFill>
-                </a:uFill>
-                <a:latin typeface="Calibri" panose="020F0502020204030204" pitchFamily="34" charset="0"/>
-                <a:cs typeface="Calibri" panose="020F0502020204030204" pitchFamily="34" charset="0"/>
-              </a:rPr>
-              <a:t>Methoden</a:t>
-            </a:r>
-            <a:endParaRPr lang="en-US" spc="-1" dirty="0">
-              <a:solidFill>
-                <a:srgbClr val="000000"/>
-              </a:solidFill>
-              <a:uFill>
-                <a:solidFill>
-                  <a:srgbClr val="FFFFFF"/>
-                </a:solidFill>
-              </a:uFill>
-              <a:latin typeface="Calibri" panose="020F0502020204030204" pitchFamily="34" charset="0"/>
-              <a:cs typeface="Calibri" panose="020F0502020204030204" pitchFamily="34" charset="0"/>
-            </a:endParaRPr>
-          </a:p>
-          <a:p>
-            <a:pPr marL="457920" lvl="1">
-              <a:buClr>
-                <a:srgbClr val="51A025"/>
-              </a:buClr>
-            </a:pPr>
-            <a:endParaRPr lang="en-US" spc="-1" dirty="0">
-              <a:solidFill>
-                <a:srgbClr val="000000"/>
-              </a:solidFill>
-              <a:uFill>
-                <a:solidFill>
-                  <a:srgbClr val="FFFFFF"/>
-                </a:solidFill>
-              </a:uFill>
-              <a:latin typeface="Calibri" panose="020F0502020204030204" pitchFamily="34" charset="0"/>
-              <a:cs typeface="Calibri" panose="020F0502020204030204" pitchFamily="34" charset="0"/>
-            </a:endParaRPr>
+              <a:t>10 Min</a:t>
+            </a:r>
           </a:p>
         </p:txBody>
       </p:sp>
     </p:spTree>
     <p:extLst>
       <p:ext uri="{BB962C8B-B14F-4D97-AF65-F5344CB8AC3E}">
-        <p14:creationId xmlns:p14="http://schemas.microsoft.com/office/powerpoint/2010/main" val="666134250"/>
+        <p14:creationId xmlns:p14="http://schemas.microsoft.com/office/powerpoint/2010/main" val="1275146043"/>
       </p:ext>
     </p:extLst>
   </p:cSld>
@@ -40758,7 +40910,7 @@
       </p:grpSpPr>
       <p:sp>
         <p:nvSpPr>
-          <p:cNvPr id="667" name="CustomShape 1"/>
+          <p:cNvPr id="683" name="CustomShape 1"/>
           <p:cNvSpPr/>
           <p:nvPr/>
         </p:nvSpPr>
@@ -40826,7 +40978,7 @@
       </p:sp>
       <p:sp>
         <p:nvSpPr>
-          <p:cNvPr id="668" name="CustomShape 2"/>
+          <p:cNvPr id="684" name="CustomShape 2"/>
           <p:cNvSpPr/>
           <p:nvPr/>
         </p:nvSpPr>
@@ -40888,61 +41040,7 @@
       </p:sp>
       <p:sp>
         <p:nvSpPr>
-          <p:cNvPr id="669" name="CustomShape 3"/>
-          <p:cNvSpPr/>
-          <p:nvPr/>
-        </p:nvSpPr>
-        <p:spPr>
-          <a:xfrm>
-            <a:off x="457199" y="1483200"/>
-            <a:ext cx="7638911" cy="3239280"/>
-          </a:xfrm>
-          <a:prstGeom prst="rect">
-            <a:avLst/>
-          </a:prstGeom>
-          <a:noFill/>
-          <a:ln>
-            <a:noFill/>
-          </a:ln>
-        </p:spPr>
-        <p:style>
-          <a:lnRef idx="0">
-            <a:scrgbClr r="0" g="0" b="0"/>
-          </a:lnRef>
-          <a:fillRef idx="0">
-            <a:scrgbClr r="0" g="0" b="0"/>
-          </a:fillRef>
-          <a:effectRef idx="0">
-            <a:scrgbClr r="0" g="0" b="0"/>
-          </a:effectRef>
-          <a:fontRef idx="minor"/>
-        </p:style>
-        <p:txBody>
-          <a:bodyPr lIns="90000" tIns="45000" rIns="90000" bIns="45000"/>
-          <a:lstStyle/>
-          <a:p>
-            <a:pPr>
-              <a:lnSpc>
-                <a:spcPct val="100000"/>
-              </a:lnSpc>
-            </a:pPr>
-            <a:endParaRPr lang="en-US" sz="1800" b="0" strike="noStrike" spc="-1" dirty="0">
-              <a:solidFill>
-                <a:srgbClr val="000000"/>
-              </a:solidFill>
-              <a:uFill>
-                <a:solidFill>
-                  <a:srgbClr val="FFFFFF"/>
-                </a:solidFill>
-              </a:uFill>
-              <a:latin typeface="Arial"/>
-            </a:endParaRPr>
-          </a:p>
-        </p:txBody>
-      </p:sp>
-      <p:sp>
-        <p:nvSpPr>
-          <p:cNvPr id="670" name="CustomShape 4"/>
+          <p:cNvPr id="686" name="CustomShape 4"/>
           <p:cNvSpPr/>
           <p:nvPr/>
         </p:nvSpPr>
@@ -40980,7 +41078,7 @@
                 <a:spcPct val="100000"/>
               </a:lnSpc>
             </a:pPr>
-            <a:fld id="{F44BF771-09CA-44DA-BA0C-EC56BE8EFD37}" type="slidenum">
+            <a:fld id="{6F82BE0B-28F8-4E8B-89B8-EFA9010AFB71}" type="slidenum">
               <a:rPr lang="en-US" sz="1000" b="0" strike="noStrike" spc="-1">
                 <a:solidFill>
                   <a:srgbClr val="51A025"/>
@@ -41010,7 +41108,7 @@
       </p:sp>
       <p:sp>
         <p:nvSpPr>
-          <p:cNvPr id="671" name="CustomShape 5"/>
+          <p:cNvPr id="687" name="CustomShape 5"/>
           <p:cNvSpPr/>
           <p:nvPr/>
         </p:nvSpPr>
@@ -41042,10 +41140,10 @@
       </p:sp>
       <p:sp>
         <p:nvSpPr>
-          <p:cNvPr id="2" name="Rechteck 1">
+          <p:cNvPr id="9" name="CustomShape 3">
             <a:extLst>
               <a:ext uri="{FF2B5EF4-FFF2-40B4-BE49-F238E27FC236}">
-                <a16:creationId xmlns:a16="http://schemas.microsoft.com/office/drawing/2014/main" id="{46F25DC6-6491-4BCB-B638-95E908975B1D}"/>
+                <a16:creationId xmlns:a16="http://schemas.microsoft.com/office/drawing/2014/main" id="{EA55C943-3A99-420F-AFAC-38FDA97383E7}"/>
               </a:ext>
             </a:extLst>
           </p:cNvPr>
@@ -41054,17 +41152,31 @@
         </p:nvSpPr>
         <p:spPr>
           <a:xfrm>
-            <a:off x="457198" y="1523160"/>
-            <a:ext cx="7638911" cy="1200329"/>
-          </a:xfrm>
-          <a:prstGeom prst="rect">
-            <a:avLst/>
-          </a:prstGeom>
-        </p:spPr>
+            <a:off x="457200" y="1523160"/>
+            <a:ext cx="8207280" cy="3210120"/>
+          </a:xfrm>
+          <a:prstGeom prst="rect">
+            <a:avLst/>
+          </a:prstGeom>
+          <a:noFill/>
+          <a:ln>
+            <a:noFill/>
+          </a:ln>
+        </p:spPr>
+        <p:style>
+          <a:lnRef idx="0">
+            <a:scrgbClr r="0" g="0" b="0"/>
+          </a:lnRef>
+          <a:fillRef idx="0">
+            <a:scrgbClr r="0" g="0" b="0"/>
+          </a:fillRef>
+          <a:effectRef idx="0">
+            <a:scrgbClr r="0" g="0" b="0"/>
+          </a:effectRef>
+          <a:fontRef idx="minor"/>
+        </p:style>
         <p:txBody>
-          <a:bodyPr wrap="square">
-            <a:spAutoFit/>
-          </a:bodyPr>
+          <a:bodyPr lIns="90000" tIns="45000" rIns="90000" bIns="45000"/>
           <a:lstStyle/>
           <a:p>
             <a:pPr marL="720">
@@ -41076,7 +41188,7 @@
               </a:buClr>
             </a:pPr>
             <a:r>
-              <a:rPr lang="en-US" spc="-1" dirty="0">
+              <a:rPr lang="en-US" b="0" strike="noStrike" spc="-1" dirty="0" err="1">
                 <a:solidFill>
                   <a:srgbClr val="292929"/>
                 </a:solidFill>
@@ -41088,7 +41200,22 @@
                 <a:latin typeface="Calibri" panose="020F0502020204030204" pitchFamily="34" charset="0"/>
                 <a:cs typeface="Calibri" panose="020F0502020204030204" pitchFamily="34" charset="0"/>
               </a:rPr>
-              <a:t>Aufgabe:</a:t>
+              <a:t>Lösung</a:t>
+            </a:r>
+            <a:r>
+              <a:rPr lang="en-US" b="0" strike="noStrike" spc="-1" dirty="0">
+                <a:solidFill>
+                  <a:srgbClr val="292929"/>
+                </a:solidFill>
+                <a:uFill>
+                  <a:solidFill>
+                    <a:srgbClr val="FFFFFF"/>
+                  </a:solidFill>
+                </a:uFill>
+                <a:latin typeface="Calibri" panose="020F0502020204030204" pitchFamily="34" charset="0"/>
+                <a:cs typeface="Calibri" panose="020F0502020204030204" pitchFamily="34" charset="0"/>
+              </a:rPr>
+              <a:t>:</a:t>
             </a:r>
           </a:p>
           <a:p>
@@ -41100,228 +41227,24 @@
                 <a:srgbClr val="51A025"/>
               </a:buClr>
             </a:pPr>
-            <a:endParaRPr lang="en-US" spc="-1" dirty="0">
-              <a:solidFill>
-                <a:srgbClr val="000000"/>
-              </a:solidFill>
-              <a:uFill>
-                <a:solidFill>
-                  <a:srgbClr val="FFFFFF"/>
-                </a:solidFill>
-              </a:uFill>
-              <a:latin typeface="Calibri" panose="020F0502020204030204" pitchFamily="34" charset="0"/>
-              <a:cs typeface="Calibri" panose="020F0502020204030204" pitchFamily="34" charset="0"/>
-            </a:endParaRPr>
-          </a:p>
-          <a:p>
-            <a:pPr marL="286470" indent="-285750">
-              <a:lnSpc>
-                <a:spcPct val="100000"/>
-              </a:lnSpc>
-              <a:buClr>
-                <a:srgbClr val="51A025"/>
-              </a:buClr>
-              <a:buFont typeface="Arial" panose="020B0604020202020204" pitchFamily="34" charset="0"/>
-              <a:buChar char="•"/>
-            </a:pPr>
-            <a:r>
-              <a:rPr lang="en-US" spc="-1" dirty="0" err="1">
-                <a:solidFill>
-                  <a:srgbClr val="000000"/>
-                </a:solidFill>
-                <a:uFill>
-                  <a:solidFill>
-                    <a:srgbClr val="FFFFFF"/>
-                  </a:solidFill>
-                </a:uFill>
-                <a:latin typeface="Calibri" panose="020F0502020204030204" pitchFamily="34" charset="0"/>
-                <a:cs typeface="Calibri" panose="020F0502020204030204" pitchFamily="34" charset="0"/>
-              </a:rPr>
-              <a:t>ReadingMethodTest</a:t>
-            </a:r>
-            <a:r>
-              <a:rPr lang="en-US" spc="-1" dirty="0">
-                <a:solidFill>
-                  <a:srgbClr val="000000"/>
-                </a:solidFill>
-                <a:uFill>
-                  <a:solidFill>
-                    <a:srgbClr val="FFFFFF"/>
-                  </a:solidFill>
-                </a:uFill>
-                <a:latin typeface="Calibri" panose="020F0502020204030204" pitchFamily="34" charset="0"/>
-                <a:cs typeface="Calibri" panose="020F0502020204030204" pitchFamily="34" charset="0"/>
-              </a:rPr>
-              <a:t>: in Test Interface </a:t>
-            </a:r>
-            <a:r>
-              <a:rPr lang="en-US" spc="-1" dirty="0" err="1">
-                <a:solidFill>
-                  <a:srgbClr val="000000"/>
-                </a:solidFill>
-                <a:uFill>
-                  <a:solidFill>
-                    <a:srgbClr val="FFFFFF"/>
-                  </a:solidFill>
-                </a:uFill>
-                <a:latin typeface="Calibri" panose="020F0502020204030204" pitchFamily="34" charset="0"/>
-                <a:cs typeface="Calibri" panose="020F0502020204030204" pitchFamily="34" charset="0"/>
-              </a:rPr>
-              <a:t>umwandeln</a:t>
-            </a:r>
-            <a:endParaRPr lang="en-US" spc="-1" dirty="0">
-              <a:solidFill>
-                <a:srgbClr val="000000"/>
-              </a:solidFill>
-              <a:uFill>
-                <a:solidFill>
-                  <a:srgbClr val="FFFFFF"/>
-                </a:solidFill>
-              </a:uFill>
-              <a:latin typeface="Calibri" panose="020F0502020204030204" pitchFamily="34" charset="0"/>
-              <a:cs typeface="Calibri" panose="020F0502020204030204" pitchFamily="34" charset="0"/>
-            </a:endParaRPr>
-          </a:p>
-          <a:p>
-            <a:pPr marL="286470" indent="-285750">
-              <a:lnSpc>
-                <a:spcPct val="100000"/>
-              </a:lnSpc>
-              <a:buClr>
-                <a:srgbClr val="51A025"/>
-              </a:buClr>
-              <a:buFont typeface="Arial" panose="020B0604020202020204" pitchFamily="34" charset="0"/>
-              <a:buChar char="•"/>
-            </a:pPr>
-            <a:r>
-              <a:rPr lang="en-US" spc="-1" dirty="0" err="1">
-                <a:solidFill>
-                  <a:srgbClr val="000000"/>
-                </a:solidFill>
-                <a:uFill>
-                  <a:solidFill>
-                    <a:srgbClr val="FFFFFF"/>
-                  </a:solidFill>
-                </a:uFill>
-                <a:latin typeface="Calibri" panose="020F0502020204030204" pitchFamily="34" charset="0"/>
-                <a:cs typeface="Calibri" panose="020F0502020204030204" pitchFamily="34" charset="0"/>
-              </a:rPr>
-              <a:t>BookingPropertiesTest</a:t>
-            </a:r>
-            <a:r>
-              <a:rPr lang="en-US" spc="-1" dirty="0">
-                <a:solidFill>
-                  <a:srgbClr val="000000"/>
-                </a:solidFill>
-                <a:uFill>
-                  <a:solidFill>
-                    <a:srgbClr val="FFFFFF"/>
-                  </a:solidFill>
-                </a:uFill>
-                <a:latin typeface="Calibri" panose="020F0502020204030204" pitchFamily="34" charset="0"/>
-                <a:cs typeface="Calibri" panose="020F0502020204030204" pitchFamily="34" charset="0"/>
-              </a:rPr>
-              <a:t>: in Test Interface </a:t>
-            </a:r>
-            <a:r>
-              <a:rPr lang="en-US" spc="-1" dirty="0" err="1">
-                <a:solidFill>
-                  <a:srgbClr val="000000"/>
-                </a:solidFill>
-                <a:uFill>
-                  <a:solidFill>
-                    <a:srgbClr val="FFFFFF"/>
-                  </a:solidFill>
-                </a:uFill>
-                <a:latin typeface="Calibri" panose="020F0502020204030204" pitchFamily="34" charset="0"/>
-                <a:cs typeface="Calibri" panose="020F0502020204030204" pitchFamily="34" charset="0"/>
-              </a:rPr>
-              <a:t>umwandeln</a:t>
-            </a:r>
-            <a:endParaRPr lang="en-US" spc="-1" dirty="0">
-              <a:solidFill>
-                <a:srgbClr val="000000"/>
-              </a:solidFill>
-              <a:uFill>
-                <a:solidFill>
-                  <a:srgbClr val="FFFFFF"/>
-                </a:solidFill>
-              </a:uFill>
-              <a:latin typeface="Calibri" panose="020F0502020204030204" pitchFamily="34" charset="0"/>
-              <a:cs typeface="Calibri" panose="020F0502020204030204" pitchFamily="34" charset="0"/>
-            </a:endParaRPr>
-          </a:p>
-        </p:txBody>
-      </p:sp>
-      <p:sp>
-        <p:nvSpPr>
-          <p:cNvPr id="8" name="Rechteck 7">
-            <a:extLst>
-              <a:ext uri="{FF2B5EF4-FFF2-40B4-BE49-F238E27FC236}">
-                <a16:creationId xmlns:a16="http://schemas.microsoft.com/office/drawing/2014/main" id="{C8208138-60A1-4203-A686-3417219AF647}"/>
-              </a:ext>
-            </a:extLst>
-          </p:cNvPr>
-          <p:cNvSpPr/>
-          <p:nvPr/>
-        </p:nvSpPr>
-        <p:spPr>
-          <a:xfrm>
-            <a:off x="8047440" y="676691"/>
-            <a:ext cx="929520" cy="494060"/>
-          </a:xfrm>
-          <a:prstGeom prst="rect">
-            <a:avLst/>
-          </a:prstGeom>
-          <a:noFill/>
-          <a:ln w="15875">
-            <a:solidFill>
-              <a:schemeClr val="bg1">
-                <a:lumMod val="85000"/>
-              </a:schemeClr>
-            </a:solidFill>
-          </a:ln>
-        </p:spPr>
-        <p:style>
-          <a:lnRef idx="2">
-            <a:schemeClr val="accent1">
-              <a:shade val="50000"/>
-            </a:schemeClr>
-          </a:lnRef>
-          <a:fillRef idx="1">
-            <a:schemeClr val="accent1"/>
-          </a:fillRef>
-          <a:effectRef idx="0">
-            <a:schemeClr val="accent1"/>
-          </a:effectRef>
-          <a:fontRef idx="minor">
-            <a:schemeClr val="lt1"/>
-          </a:fontRef>
-        </p:style>
-        <p:txBody>
-          <a:bodyPr rtlCol="0" anchor="ctr"/>
-          <a:lstStyle/>
-          <a:p>
-            <a:pPr algn="ctr"/>
-            <a:r>
-              <a:rPr lang="de-DE" dirty="0">
-                <a:solidFill>
-                  <a:schemeClr val="bg1">
-                    <a:lumMod val="75000"/>
-                  </a:schemeClr>
-                </a:solidFill>
-                <a:latin typeface="Calibri" panose="020F0502020204030204" pitchFamily="34" charset="0"/>
-                <a:cs typeface="Calibri" panose="020F0502020204030204" pitchFamily="34" charset="0"/>
-              </a:rPr>
-              <a:t>10 Min</a:t>
-            </a:r>
+            <a:endParaRPr lang="en-US" b="0" strike="noStrike" spc="-1" dirty="0">
+              <a:solidFill>
+                <a:srgbClr val="292929"/>
+              </a:solidFill>
+              <a:uFill>
+                <a:solidFill>
+                  <a:srgbClr val="FFFFFF"/>
+                </a:solidFill>
+              </a:uFill>
+              <a:latin typeface="+mj-lt"/>
+            </a:endParaRPr>
           </a:p>
         </p:txBody>
       </p:sp>
     </p:spTree>
     <p:extLst>
       <p:ext uri="{BB962C8B-B14F-4D97-AF65-F5344CB8AC3E}">
-        <p14:creationId xmlns:p14="http://schemas.microsoft.com/office/powerpoint/2010/main" val="1275146043"/>
+        <p14:creationId xmlns:p14="http://schemas.microsoft.com/office/powerpoint/2010/main" val="2320777524"/>
       </p:ext>
     </p:extLst>
   </p:cSld>
@@ -41377,396 +41300,6 @@
       </p:grpSpPr>
       <p:sp>
         <p:nvSpPr>
-          <p:cNvPr id="683" name="CustomShape 1"/>
-          <p:cNvSpPr/>
-          <p:nvPr/>
-        </p:nvSpPr>
-        <p:spPr>
-          <a:xfrm>
-            <a:off x="1375200" y="276480"/>
-            <a:ext cx="2894760" cy="263520"/>
-          </a:xfrm>
-          <a:prstGeom prst="rect">
-            <a:avLst/>
-          </a:prstGeom>
-          <a:noFill/>
-          <a:ln>
-            <a:noFill/>
-          </a:ln>
-        </p:spPr>
-        <p:style>
-          <a:lnRef idx="0">
-            <a:scrgbClr r="0" g="0" b="0"/>
-          </a:lnRef>
-          <a:fillRef idx="0">
-            <a:scrgbClr r="0" g="0" b="0"/>
-          </a:fillRef>
-          <a:effectRef idx="0">
-            <a:scrgbClr r="0" g="0" b="0"/>
-          </a:effectRef>
-          <a:fontRef idx="minor"/>
-        </p:style>
-        <p:txBody>
-          <a:bodyPr lIns="90000" tIns="45000" rIns="90000" bIns="45000" anchor="ctr"/>
-          <a:lstStyle/>
-          <a:p>
-            <a:pPr>
-              <a:lnSpc>
-                <a:spcPct val="100000"/>
-              </a:lnSpc>
-            </a:pPr>
-            <a:r>
-              <a:rPr lang="en-US" sz="1000" b="0" strike="noStrike" spc="-1">
-                <a:solidFill>
-                  <a:srgbClr val="BABABA"/>
-                </a:solidFill>
-                <a:uFill>
-                  <a:solidFill>
-                    <a:srgbClr val="FFFFFF"/>
-                  </a:solidFill>
-                </a:uFill>
-                <a:latin typeface="Calibri"/>
-              </a:rPr>
-              <a:t>Experts in agile software engineering</a:t>
-            </a:r>
-            <a:endParaRPr lang="en-US" sz="1800" b="0" strike="noStrike" spc="-1">
-              <a:solidFill>
-                <a:srgbClr val="000000"/>
-              </a:solidFill>
-              <a:uFill>
-                <a:solidFill>
-                  <a:srgbClr val="FFFFFF"/>
-                </a:solidFill>
-              </a:uFill>
-              <a:latin typeface="Arial"/>
-            </a:endParaRPr>
-          </a:p>
-        </p:txBody>
-      </p:sp>
-      <p:sp>
-        <p:nvSpPr>
-          <p:cNvPr id="684" name="CustomShape 2"/>
-          <p:cNvSpPr/>
-          <p:nvPr/>
-        </p:nvSpPr>
-        <p:spPr>
-          <a:xfrm>
-            <a:off x="457200" y="640080"/>
-            <a:ext cx="6666480" cy="783000"/>
-          </a:xfrm>
-          <a:prstGeom prst="rect">
-            <a:avLst/>
-          </a:prstGeom>
-          <a:noFill/>
-          <a:ln>
-            <a:noFill/>
-          </a:ln>
-        </p:spPr>
-        <p:style>
-          <a:lnRef idx="0">
-            <a:scrgbClr r="0" g="0" b="0"/>
-          </a:lnRef>
-          <a:fillRef idx="0">
-            <a:scrgbClr r="0" g="0" b="0"/>
-          </a:fillRef>
-          <a:effectRef idx="0">
-            <a:scrgbClr r="0" g="0" b="0"/>
-          </a:effectRef>
-          <a:fontRef idx="minor"/>
-        </p:style>
-        <p:txBody>
-          <a:bodyPr lIns="90000" tIns="45000" rIns="90000" bIns="45000" anchor="ctr"/>
-          <a:lstStyle/>
-          <a:p>
-            <a:r>
-              <a:rPr lang="en-US" sz="2400" spc="-1" dirty="0" err="1">
-                <a:solidFill>
-                  <a:srgbClr val="004C93"/>
-                </a:solidFill>
-                <a:uFill>
-                  <a:solidFill>
-                    <a:srgbClr val="FFFFFF"/>
-                  </a:solidFill>
-                </a:uFill>
-                <a:latin typeface="Calibri"/>
-              </a:rPr>
-              <a:t>AbstractTests</a:t>
-            </a:r>
-            <a:endParaRPr lang="en-US" sz="2400" spc="-1" dirty="0">
-              <a:solidFill>
-                <a:srgbClr val="000000"/>
-              </a:solidFill>
-              <a:uFill>
-                <a:solidFill>
-                  <a:srgbClr val="FFFFFF"/>
-                </a:solidFill>
-              </a:uFill>
-            </a:endParaRPr>
-          </a:p>
-        </p:txBody>
-      </p:sp>
-      <p:sp>
-        <p:nvSpPr>
-          <p:cNvPr id="686" name="CustomShape 4"/>
-          <p:cNvSpPr/>
-          <p:nvPr/>
-        </p:nvSpPr>
-        <p:spPr>
-          <a:xfrm>
-            <a:off x="8626680" y="180360"/>
-            <a:ext cx="350280" cy="155160"/>
-          </a:xfrm>
-          <a:prstGeom prst="rect">
-            <a:avLst/>
-          </a:prstGeom>
-          <a:noFill/>
-          <a:ln w="9360">
-            <a:noFill/>
-          </a:ln>
-        </p:spPr>
-        <p:style>
-          <a:lnRef idx="0">
-            <a:scrgbClr r="0" g="0" b="0"/>
-          </a:lnRef>
-          <a:fillRef idx="0">
-            <a:scrgbClr r="0" g="0" b="0"/>
-          </a:fillRef>
-          <a:effectRef idx="0">
-            <a:scrgbClr r="0" g="0" b="0"/>
-          </a:effectRef>
-          <a:fontRef idx="minor"/>
-        </p:style>
-        <p:txBody>
-          <a:bodyPr lIns="0" tIns="0" rIns="0" bIns="0"/>
-          <a:lstStyle/>
-          <a:p>
-            <a:pPr algn="ctr">
-              <a:lnSpc>
-                <a:spcPct val="100000"/>
-              </a:lnSpc>
-            </a:pPr>
-            <a:fld id="{6F82BE0B-28F8-4E8B-89B8-EFA9010AFB71}" type="slidenum">
-              <a:rPr lang="en-US" sz="1000" b="0" strike="noStrike" spc="-1">
-                <a:solidFill>
-                  <a:srgbClr val="51A025"/>
-                </a:solidFill>
-                <a:uFill>
-                  <a:solidFill>
-                    <a:srgbClr val="FFFFFF"/>
-                  </a:solidFill>
-                </a:uFill>
-                <a:latin typeface="Calibri"/>
-              </a:rPr>
-              <a:t>35</a:t>
-            </a:fld>
-            <a:endParaRPr lang="en-US" sz="1800" b="0" strike="noStrike" spc="-1">
-              <a:solidFill>
-                <a:srgbClr val="000000"/>
-              </a:solidFill>
-              <a:uFill>
-                <a:solidFill>
-                  <a:srgbClr val="FFFFFF"/>
-                </a:solidFill>
-              </a:uFill>
-              <a:latin typeface="Arial"/>
-            </a:endParaRPr>
-          </a:p>
-        </p:txBody>
-      </p:sp>
-      <p:sp>
-        <p:nvSpPr>
-          <p:cNvPr id="687" name="CustomShape 5"/>
-          <p:cNvSpPr/>
-          <p:nvPr/>
-        </p:nvSpPr>
-        <p:spPr>
-          <a:xfrm>
-            <a:off x="8047440" y="640800"/>
-            <a:ext cx="751320" cy="373680"/>
-          </a:xfrm>
-          <a:prstGeom prst="rect">
-            <a:avLst/>
-          </a:prstGeom>
-          <a:noFill/>
-          <a:ln>
-            <a:noFill/>
-          </a:ln>
-        </p:spPr>
-        <p:style>
-          <a:lnRef idx="0">
-            <a:scrgbClr r="0" g="0" b="0"/>
-          </a:lnRef>
-          <a:fillRef idx="0">
-            <a:scrgbClr r="0" g="0" b="0"/>
-          </a:fillRef>
-          <a:effectRef idx="0">
-            <a:scrgbClr r="0" g="0" b="0"/>
-          </a:effectRef>
-          <a:fontRef idx="minor"/>
-        </p:style>
-      </p:sp>
-      <p:sp>
-        <p:nvSpPr>
-          <p:cNvPr id="9" name="CustomShape 3">
-            <a:extLst>
-              <a:ext uri="{FF2B5EF4-FFF2-40B4-BE49-F238E27FC236}">
-                <a16:creationId xmlns:a16="http://schemas.microsoft.com/office/drawing/2014/main" id="{EA55C943-3A99-420F-AFAC-38FDA97383E7}"/>
-              </a:ext>
-            </a:extLst>
-          </p:cNvPr>
-          <p:cNvSpPr/>
-          <p:nvPr/>
-        </p:nvSpPr>
-        <p:spPr>
-          <a:xfrm>
-            <a:off x="457200" y="1523160"/>
-            <a:ext cx="8207280" cy="3210120"/>
-          </a:xfrm>
-          <a:prstGeom prst="rect">
-            <a:avLst/>
-          </a:prstGeom>
-          <a:noFill/>
-          <a:ln>
-            <a:noFill/>
-          </a:ln>
-        </p:spPr>
-        <p:style>
-          <a:lnRef idx="0">
-            <a:scrgbClr r="0" g="0" b="0"/>
-          </a:lnRef>
-          <a:fillRef idx="0">
-            <a:scrgbClr r="0" g="0" b="0"/>
-          </a:fillRef>
-          <a:effectRef idx="0">
-            <a:scrgbClr r="0" g="0" b="0"/>
-          </a:effectRef>
-          <a:fontRef idx="minor"/>
-        </p:style>
-        <p:txBody>
-          <a:bodyPr lIns="90000" tIns="45000" rIns="90000" bIns="45000"/>
-          <a:lstStyle/>
-          <a:p>
-            <a:pPr marL="720">
-              <a:lnSpc>
-                <a:spcPct val="100000"/>
-              </a:lnSpc>
-              <a:buClr>
-                <a:srgbClr val="51A025"/>
-              </a:buClr>
-            </a:pPr>
-            <a:r>
-              <a:rPr lang="en-US" b="0" strike="noStrike" spc="-1" dirty="0" err="1">
-                <a:solidFill>
-                  <a:srgbClr val="292929"/>
-                </a:solidFill>
-                <a:uFill>
-                  <a:solidFill>
-                    <a:srgbClr val="FFFFFF"/>
-                  </a:solidFill>
-                </a:uFill>
-                <a:latin typeface="Calibri" panose="020F0502020204030204" pitchFamily="34" charset="0"/>
-                <a:cs typeface="Calibri" panose="020F0502020204030204" pitchFamily="34" charset="0"/>
-              </a:rPr>
-              <a:t>Lösung</a:t>
-            </a:r>
-            <a:r>
-              <a:rPr lang="en-US" b="0" strike="noStrike" spc="-1" dirty="0">
-                <a:solidFill>
-                  <a:srgbClr val="292929"/>
-                </a:solidFill>
-                <a:uFill>
-                  <a:solidFill>
-                    <a:srgbClr val="FFFFFF"/>
-                  </a:solidFill>
-                </a:uFill>
-                <a:latin typeface="Calibri" panose="020F0502020204030204" pitchFamily="34" charset="0"/>
-                <a:cs typeface="Calibri" panose="020F0502020204030204" pitchFamily="34" charset="0"/>
-              </a:rPr>
-              <a:t>:</a:t>
-            </a:r>
-          </a:p>
-          <a:p>
-            <a:pPr marL="720">
-              <a:lnSpc>
-                <a:spcPct val="100000"/>
-              </a:lnSpc>
-              <a:buClr>
-                <a:srgbClr val="51A025"/>
-              </a:buClr>
-            </a:pPr>
-            <a:endParaRPr lang="en-US" b="0" strike="noStrike" spc="-1" dirty="0">
-              <a:solidFill>
-                <a:srgbClr val="292929"/>
-              </a:solidFill>
-              <a:uFill>
-                <a:solidFill>
-                  <a:srgbClr val="FFFFFF"/>
-                </a:solidFill>
-              </a:uFill>
-              <a:latin typeface="+mj-lt"/>
-            </a:endParaRPr>
-          </a:p>
-        </p:txBody>
-      </p:sp>
-    </p:spTree>
-    <p:extLst>
-      <p:ext uri="{BB962C8B-B14F-4D97-AF65-F5344CB8AC3E}">
-        <p14:creationId xmlns:p14="http://schemas.microsoft.com/office/powerpoint/2010/main" val="2320777524"/>
-      </p:ext>
-    </p:extLst>
-  </p:cSld>
-  <p:clrMapOvr>
-    <a:masterClrMapping/>
-  </p:clrMapOvr>
-  <p:timing>
-    <p:tnLst>
-      <p:par>
-        <p:cTn id="1" dur="indefinite" restart="never" nodeType="tmRoot">
-          <p:childTnLst>
-            <p:seq>
-              <p:cTn id="2" nodeType="mainSeq"/>
-              <p:prevCondLst>
-                <p:cond evt="onPrev" delay="0">
-                  <p:tgtEl>
-                    <p:sldTgt/>
-                  </p:tgtEl>
-                </p:cond>
-              </p:prevCondLst>
-              <p:nextCondLst>
-                <p:cond evt="onNext" delay="0">
-                  <p:tgtEl>
-                    <p:sldTgt/>
-                  </p:tgtEl>
-                </p:cond>
-              </p:nextCondLst>
-            </p:seq>
-          </p:childTnLst>
-        </p:cTn>
-      </p:par>
-    </p:tnLst>
-  </p:timing>
-</p:sld>
-</file>
-
-<file path=ppt/slides/slide36.xml><?xml version="1.0" encoding="utf-8"?>
-<p:sld xmlns:a="http://schemas.openxmlformats.org/drawingml/2006/main" xmlns:r="http://schemas.openxmlformats.org/officeDocument/2006/relationships" xmlns:p="http://schemas.openxmlformats.org/presentationml/2006/main">
-  <p:cSld>
-    <p:spTree>
-      <p:nvGrpSpPr>
-        <p:cNvPr id="1" name=""/>
-        <p:cNvGrpSpPr/>
-        <p:nvPr/>
-      </p:nvGrpSpPr>
-      <p:grpSpPr>
-        <a:xfrm>
-          <a:off x="0" y="0"/>
-          <a:ext cx="0" cy="0"/>
-          <a:chOff x="0" y="0"/>
-          <a:chExt cx="0" cy="0"/>
-        </a:xfrm>
-      </p:grpSpPr>
-      <p:sp>
-        <p:nvSpPr>
           <p:cNvPr id="667" name="CustomShape 1"/>
           <p:cNvSpPr/>
           <p:nvPr/>
@@ -42037,7 +41570,7 @@
                 </a:uFill>
                 <a:latin typeface="Calibri"/>
               </a:rPr>
-              <a:t>36</a:t>
+              <a:t>35</a:t>
             </a:fld>
             <a:endParaRPr lang="en-US" sz="1800" b="0" strike="noStrike" spc="-1">
               <a:solidFill>
@@ -44275,6 +43808,24 @@
                 <a:spcPct val="100000"/>
               </a:lnSpc>
             </a:pPr>
+            <a:endParaRPr lang="en-US" sz="1800" b="0" strike="noStrike" spc="-1" dirty="0">
+              <a:solidFill>
+                <a:srgbClr val="292929"/>
+              </a:solidFill>
+              <a:uFill>
+                <a:solidFill>
+                  <a:srgbClr val="FFFFFF"/>
+                </a:solidFill>
+              </a:uFill>
+              <a:latin typeface="Calibri"/>
+            </a:endParaRPr>
+          </a:p>
+          <a:p>
+            <a:pPr>
+              <a:lnSpc>
+                <a:spcPct val="100000"/>
+              </a:lnSpc>
+            </a:pPr>
             <a:endParaRPr lang="en-US" sz="500" b="0" strike="noStrike" spc="-1" dirty="0">
               <a:solidFill>
                 <a:srgbClr val="000000"/>
@@ -45094,6 +44645,28 @@
               </a:rPr>
               <a:t> der Tests)</a:t>
             </a:r>
+          </a:p>
+          <a:p>
+            <a:pPr marL="720">
+              <a:lnSpc>
+                <a:spcPct val="100000"/>
+              </a:lnSpc>
+              <a:buClr>
+                <a:srgbClr val="51A025"/>
+              </a:buClr>
+            </a:pPr>
+            <a:endParaRPr lang="en-US" sz="1800" b="0" strike="noStrike" spc="-1" dirty="0">
+              <a:solidFill>
+                <a:srgbClr val="000000"/>
+              </a:solidFill>
+              <a:uFill>
+                <a:solidFill>
+                  <a:srgbClr val="FFFFFF"/>
+                </a:solidFill>
+              </a:uFill>
+              <a:latin typeface="Calibri" panose="020F0502020204030204" pitchFamily="34" charset="0"/>
+              <a:cs typeface="Calibri" panose="020F0502020204030204" pitchFamily="34" charset="0"/>
+            </a:endParaRPr>
           </a:p>
           <a:p>
             <a:pPr marL="286470" indent="-285750">

--- a/files/Folien.pptx
+++ b/files/Folien.pptx
@@ -45,7 +45,8 @@
     <p:sldId id="299" r:id="rId39"/>
     <p:sldId id="297" r:id="rId40"/>
     <p:sldId id="298" r:id="rId41"/>
-    <p:sldId id="275" r:id="rId42"/>
+    <p:sldId id="304" r:id="rId42"/>
+    <p:sldId id="275" r:id="rId43"/>
   </p:sldIdLst>
   <p:sldSz cx="9144000" cy="5143500" type="screen16x9"/>
   <p:notesSz cx="7559675" cy="10691813"/>
@@ -19496,7 +19497,7 @@
         </p:nvSpPr>
         <p:spPr>
           <a:xfrm>
-            <a:off x="457200" y="1692000"/>
+            <a:off x="468360" y="1728360"/>
             <a:ext cx="8207280" cy="3041280"/>
           </a:xfrm>
           <a:prstGeom prst="rect">
@@ -20807,7 +20808,7 @@
               </a:buClr>
             </a:pPr>
             <a:r>
-              <a:rPr lang="en-US" b="0" strike="noStrike" spc="-1" dirty="0" err="1">
+              <a:rPr lang="en-US" b="0" strike="noStrike" spc="-1" dirty="0">
                 <a:solidFill>
                   <a:srgbClr val="292929"/>
                 </a:solidFill>
@@ -20819,22 +20820,7 @@
                 <a:latin typeface="Calibri" panose="020F0502020204030204" pitchFamily="34" charset="0"/>
                 <a:cs typeface="Calibri" panose="020F0502020204030204" pitchFamily="34" charset="0"/>
               </a:rPr>
-              <a:t>Aufgaben</a:t>
-            </a:r>
-            <a:r>
-              <a:rPr lang="en-US" b="0" strike="noStrike" spc="-1" dirty="0">
-                <a:solidFill>
-                  <a:srgbClr val="292929"/>
-                </a:solidFill>
-                <a:uFill>
-                  <a:solidFill>
-                    <a:srgbClr val="FFFFFF"/>
-                  </a:solidFill>
-                </a:uFill>
-                <a:latin typeface="Calibri" panose="020F0502020204030204" pitchFamily="34" charset="0"/>
-                <a:cs typeface="Calibri" panose="020F0502020204030204" pitchFamily="34" charset="0"/>
-              </a:rPr>
-              <a:t> </a:t>
+              <a:t>Aufgabe: </a:t>
             </a:r>
             <a:r>
               <a:rPr lang="en-US" spc="-1" dirty="0">
@@ -20849,7 +20835,7 @@
                 <a:latin typeface="Calibri" panose="020F0502020204030204" pitchFamily="34" charset="0"/>
                 <a:cs typeface="Calibri" panose="020F0502020204030204" pitchFamily="34" charset="0"/>
               </a:rPr>
-              <a:t>(</a:t>
+              <a:t>hamcrest.md (</a:t>
             </a:r>
             <a:r>
               <a:rPr lang="en-US" spc="-1" dirty="0" err="1">
@@ -20909,7 +20895,7 @@
                 <a:latin typeface="Calibri" panose="020F0502020204030204" pitchFamily="34" charset="0"/>
                 <a:cs typeface="Calibri" panose="020F0502020204030204" pitchFamily="34" charset="0"/>
               </a:rPr>
-              <a:t> der Tests):</a:t>
+              <a:t> der Tests)</a:t>
             </a:r>
           </a:p>
           <a:p>
@@ -26863,7 +26849,7 @@
                 <a:latin typeface="Calibri" panose="020F0502020204030204" pitchFamily="34" charset="0"/>
                 <a:cs typeface="Calibri" panose="020F0502020204030204" pitchFamily="34" charset="0"/>
               </a:rPr>
-              <a:t>Aufgabe:</a:t>
+              <a:t>Aufgabe: extensions.md</a:t>
             </a:r>
           </a:p>
           <a:p>
@@ -28024,7 +28010,7 @@
                 </a:uFill>
                 <a:latin typeface="Calibri"/>
               </a:rPr>
-              <a:t>WIP – Agenda</a:t>
+              <a:t>Agenda</a:t>
             </a:r>
             <a:endParaRPr lang="en-US" sz="1800" b="0" strike="noStrike" spc="-1" dirty="0">
               <a:solidFill>
@@ -28049,7 +28035,7 @@
         <p:spPr>
           <a:xfrm>
             <a:off x="457200" y="1483200"/>
-            <a:ext cx="4823280" cy="3041280"/>
+            <a:ext cx="4823280" cy="3383820"/>
           </a:xfrm>
           <a:prstGeom prst="rect">
             <a:avLst/>
@@ -28074,6 +28060,57 @@
         <p:txBody>
           <a:bodyPr lIns="90000" tIns="45000" rIns="90000" bIns="45000"/>
           <a:lstStyle/>
+          <a:p>
+            <a:pPr marL="343080" indent="-342360">
+              <a:lnSpc>
+                <a:spcPct val="100000"/>
+              </a:lnSpc>
+              <a:buClr>
+                <a:srgbClr val="00B050"/>
+              </a:buClr>
+              <a:buFont typeface="Arial" panose="020B0604020202020204" pitchFamily="34" charset="0"/>
+              <a:buChar char="•"/>
+            </a:pPr>
+            <a:r>
+              <a:rPr lang="en-US" sz="1800" b="0" strike="noStrike" spc="-1" dirty="0">
+                <a:solidFill>
+                  <a:srgbClr val="292929"/>
+                </a:solidFill>
+                <a:uFill>
+                  <a:solidFill>
+                    <a:srgbClr val="FFFFFF"/>
+                  </a:solidFill>
+                </a:uFill>
+                <a:latin typeface="Calibri"/>
+              </a:rPr>
+              <a:t>Das </a:t>
+            </a:r>
+            <a:r>
+              <a:rPr lang="en-US" sz="1800" b="0" strike="noStrike" spc="-1" dirty="0" err="1">
+                <a:solidFill>
+                  <a:srgbClr val="292929"/>
+                </a:solidFill>
+                <a:uFill>
+                  <a:solidFill>
+                    <a:srgbClr val="FFFFFF"/>
+                  </a:solidFill>
+                </a:uFill>
+                <a:latin typeface="Calibri"/>
+              </a:rPr>
+              <a:t>Projekt</a:t>
+            </a:r>
+            <a:endParaRPr lang="en-US" sz="1800" b="0" strike="noStrike" spc="-1" dirty="0">
+              <a:solidFill>
+                <a:srgbClr val="292929"/>
+              </a:solidFill>
+              <a:uFill>
+                <a:solidFill>
+                  <a:srgbClr val="FFFFFF"/>
+                </a:solidFill>
+              </a:uFill>
+              <a:latin typeface="Calibri"/>
+            </a:endParaRPr>
+          </a:p>
           <a:p>
             <a:pPr marL="343080" indent="-342360">
               <a:lnSpc>
@@ -28745,7 +28782,7 @@
                 <a:latin typeface="Calibri" panose="020F0502020204030204" pitchFamily="34" charset="0"/>
                 <a:cs typeface="Calibri" panose="020F0502020204030204" pitchFamily="34" charset="0"/>
               </a:rPr>
-              <a:t>:</a:t>
+              <a:t>: extensions.md</a:t>
             </a:r>
           </a:p>
           <a:p>
@@ -30686,7 +30723,7 @@
                 <a:latin typeface="Calibri" panose="020F0502020204030204" pitchFamily="34" charset="0"/>
                 <a:cs typeface="Calibri" panose="020F0502020204030204" pitchFamily="34" charset="0"/>
               </a:rPr>
-              <a:t>Aufgabe:</a:t>
+              <a:t>Aufgabe: temporaryFolder.md</a:t>
             </a:r>
           </a:p>
           <a:p>
@@ -30934,21 +30971,7 @@
                 <a:latin typeface="Calibri" panose="020F0502020204030204" pitchFamily="34" charset="0"/>
                 <a:cs typeface="Calibri" panose="020F0502020204030204" pitchFamily="34" charset="0"/>
               </a:rPr>
-              <a:t> gesichert werden, um sie </a:t>
-            </a:r>
-            <a:r>
-              <a:rPr lang="de-DE">
-                <a:latin typeface="Calibri" panose="020F0502020204030204" pitchFamily="34" charset="0"/>
-                <a:cs typeface="Calibri" panose="020F0502020204030204" pitchFamily="34" charset="0"/>
-              </a:rPr>
-              <a:t>später mit </a:t>
-            </a:r>
-            <a:r>
-              <a:rPr lang="de-DE" dirty="0">
-                <a:latin typeface="Calibri" panose="020F0502020204030204" pitchFamily="34" charset="0"/>
-                <a:cs typeface="Calibri" panose="020F0502020204030204" pitchFamily="34" charset="0"/>
-              </a:rPr>
-              <a:t>der </a:t>
+              <a:t> gesichert werden, um sie später mit der </a:t>
             </a:r>
             <a:r>
               <a:rPr lang="de-DE" dirty="0" err="1">
@@ -34148,7 +34171,7 @@
                 </a:uFill>
                 <a:latin typeface="+mj-lt"/>
               </a:rPr>
-              <a:t>Aufgabe:</a:t>
+              <a:t>Aufgabe: mocking.md</a:t>
             </a:r>
           </a:p>
           <a:p>
@@ -37990,7 +38013,37 @@
                 <a:latin typeface="Calibri" panose="020F0502020204030204" pitchFamily="34" charset="0"/>
                 <a:cs typeface="Calibri" panose="020F0502020204030204" pitchFamily="34" charset="0"/>
               </a:rPr>
-              <a:t>Aufgabe:</a:t>
+              <a:t>Aufgabe: </a:t>
+            </a:r>
+            <a:r>
+              <a:rPr lang="en-US" spc="-1" dirty="0">
+                <a:solidFill>
+                  <a:srgbClr val="292929"/>
+                </a:solidFill>
+                <a:uFill>
+                  <a:solidFill>
+                    <a:srgbClr val="FFFFFF"/>
+                  </a:solidFill>
+                </a:uFill>
+                <a:latin typeface="Calibri" panose="020F0502020204030204" pitchFamily="34" charset="0"/>
+                <a:cs typeface="Calibri" panose="020F0502020204030204" pitchFamily="34" charset="0"/>
+              </a:rPr>
+              <a:t>t</a:t>
+            </a:r>
+            <a:r>
+              <a:rPr lang="en-US" b="0" strike="noStrike" spc="-1" dirty="0">
+                <a:solidFill>
+                  <a:srgbClr val="292929"/>
+                </a:solidFill>
+                <a:uFill>
+                  <a:solidFill>
+                    <a:srgbClr val="FFFFFF"/>
+                  </a:solidFill>
+                </a:uFill>
+                <a:latin typeface="Calibri" panose="020F0502020204030204" pitchFamily="34" charset="0"/>
+                <a:cs typeface="Calibri" panose="020F0502020204030204" pitchFamily="34" charset="0"/>
+              </a:rPr>
+              <a:t>estsuites.md</a:t>
             </a:r>
           </a:p>
           <a:p>
@@ -40621,7 +40674,7 @@
                 <a:latin typeface="Calibri" panose="020F0502020204030204" pitchFamily="34" charset="0"/>
                 <a:cs typeface="Calibri" panose="020F0502020204030204" pitchFamily="34" charset="0"/>
               </a:rPr>
-              <a:t>Aufgabe:</a:t>
+              <a:t>Aufgabe: abstractTests.md</a:t>
             </a:r>
           </a:p>
           <a:p>
@@ -41300,6 +41353,1150 @@
       </p:grpSpPr>
       <p:sp>
         <p:nvSpPr>
+          <p:cNvPr id="690" name="CustomShape 3"/>
+          <p:cNvSpPr/>
+          <p:nvPr/>
+        </p:nvSpPr>
+        <p:spPr>
+          <a:xfrm>
+            <a:off x="457200" y="640080"/>
+            <a:ext cx="8207280" cy="783000"/>
+          </a:xfrm>
+          <a:prstGeom prst="rect">
+            <a:avLst/>
+          </a:prstGeom>
+          <a:noFill/>
+          <a:ln>
+            <a:noFill/>
+          </a:ln>
+        </p:spPr>
+        <p:style>
+          <a:lnRef idx="0">
+            <a:scrgbClr r="0" g="0" b="0"/>
+          </a:lnRef>
+          <a:fillRef idx="0">
+            <a:scrgbClr r="0" g="0" b="0"/>
+          </a:fillRef>
+          <a:effectRef idx="0">
+            <a:scrgbClr r="0" g="0" b="0"/>
+          </a:effectRef>
+          <a:fontRef idx="minor"/>
+        </p:style>
+        <p:txBody>
+          <a:bodyPr lIns="90000" tIns="45000" rIns="90000" bIns="45000" anchor="ctr"/>
+          <a:lstStyle/>
+          <a:p>
+            <a:pPr>
+              <a:lnSpc>
+                <a:spcPct val="100000"/>
+              </a:lnSpc>
+            </a:pPr>
+            <a:r>
+              <a:rPr lang="en-US" sz="2400" spc="-1" dirty="0">
+                <a:solidFill>
+                  <a:srgbClr val="004C93"/>
+                </a:solidFill>
+                <a:uFill>
+                  <a:solidFill>
+                    <a:srgbClr val="FFFFFF"/>
+                  </a:solidFill>
+                </a:uFill>
+                <a:latin typeface="Calibri"/>
+              </a:rPr>
+              <a:t>Timeout</a:t>
+            </a:r>
+            <a:endParaRPr lang="en-US" spc="-1" dirty="0">
+              <a:solidFill>
+                <a:srgbClr val="000000"/>
+              </a:solidFill>
+              <a:uFill>
+                <a:solidFill>
+                  <a:srgbClr val="FFFFFF"/>
+                </a:solidFill>
+              </a:uFill>
+            </a:endParaRPr>
+          </a:p>
+        </p:txBody>
+      </p:sp>
+      <p:sp>
+        <p:nvSpPr>
+          <p:cNvPr id="691" name="CustomShape 4"/>
+          <p:cNvSpPr/>
+          <p:nvPr/>
+        </p:nvSpPr>
+        <p:spPr>
+          <a:xfrm>
+            <a:off x="8626680" y="180360"/>
+            <a:ext cx="350280" cy="155160"/>
+          </a:xfrm>
+          <a:prstGeom prst="rect">
+            <a:avLst/>
+          </a:prstGeom>
+          <a:noFill/>
+          <a:ln w="9360">
+            <a:noFill/>
+          </a:ln>
+        </p:spPr>
+        <p:style>
+          <a:lnRef idx="0">
+            <a:scrgbClr r="0" g="0" b="0"/>
+          </a:lnRef>
+          <a:fillRef idx="0">
+            <a:scrgbClr r="0" g="0" b="0"/>
+          </a:fillRef>
+          <a:effectRef idx="0">
+            <a:scrgbClr r="0" g="0" b="0"/>
+          </a:effectRef>
+          <a:fontRef idx="minor"/>
+        </p:style>
+        <p:txBody>
+          <a:bodyPr lIns="0" tIns="0" rIns="0" bIns="0"/>
+          <a:lstStyle/>
+          <a:p>
+            <a:pPr algn="ctr">
+              <a:lnSpc>
+                <a:spcPct val="100000"/>
+              </a:lnSpc>
+            </a:pPr>
+            <a:fld id="{29B2A38E-FD1F-404A-B77F-FB5299B00347}" type="slidenum">
+              <a:rPr lang="en-US" sz="1000" b="0" strike="noStrike" spc="-1">
+                <a:solidFill>
+                  <a:srgbClr val="51A025"/>
+                </a:solidFill>
+                <a:uFill>
+                  <a:solidFill>
+                    <a:srgbClr val="FFFFFF"/>
+                  </a:solidFill>
+                </a:uFill>
+                <a:latin typeface="Calibri"/>
+              </a:rPr>
+              <a:t>35</a:t>
+            </a:fld>
+            <a:endParaRPr lang="en-US" sz="1800" b="0" strike="noStrike" spc="-1">
+              <a:solidFill>
+                <a:srgbClr val="000000"/>
+              </a:solidFill>
+              <a:uFill>
+                <a:solidFill>
+                  <a:srgbClr val="FFFFFF"/>
+                </a:solidFill>
+              </a:uFill>
+              <a:latin typeface="Arial"/>
+            </a:endParaRPr>
+          </a:p>
+        </p:txBody>
+      </p:sp>
+      <p:sp>
+        <p:nvSpPr>
+          <p:cNvPr id="692" name="CustomShape 5"/>
+          <p:cNvSpPr/>
+          <p:nvPr/>
+        </p:nvSpPr>
+        <p:spPr>
+          <a:xfrm>
+            <a:off x="1375200" y="276480"/>
+            <a:ext cx="2894760" cy="263520"/>
+          </a:xfrm>
+          <a:prstGeom prst="rect">
+            <a:avLst/>
+          </a:prstGeom>
+          <a:noFill/>
+          <a:ln>
+            <a:noFill/>
+          </a:ln>
+        </p:spPr>
+        <p:style>
+          <a:lnRef idx="0">
+            <a:scrgbClr r="0" g="0" b="0"/>
+          </a:lnRef>
+          <a:fillRef idx="0">
+            <a:scrgbClr r="0" g="0" b="0"/>
+          </a:fillRef>
+          <a:effectRef idx="0">
+            <a:scrgbClr r="0" g="0" b="0"/>
+          </a:effectRef>
+          <a:fontRef idx="minor"/>
+        </p:style>
+        <p:txBody>
+          <a:bodyPr lIns="90000" tIns="45000" rIns="90000" bIns="45000" anchor="ctr"/>
+          <a:lstStyle/>
+          <a:p>
+            <a:pPr>
+              <a:lnSpc>
+                <a:spcPct val="100000"/>
+              </a:lnSpc>
+            </a:pPr>
+            <a:r>
+              <a:rPr lang="en-US" sz="1000" b="0" strike="noStrike" spc="-1">
+                <a:solidFill>
+                  <a:srgbClr val="BABABA"/>
+                </a:solidFill>
+                <a:uFill>
+                  <a:solidFill>
+                    <a:srgbClr val="FFFFFF"/>
+                  </a:solidFill>
+                </a:uFill>
+                <a:latin typeface="Calibri"/>
+              </a:rPr>
+              <a:t>Experts in agile software engineering</a:t>
+            </a:r>
+            <a:endParaRPr lang="en-US" sz="1800" b="0" strike="noStrike" spc="-1">
+              <a:solidFill>
+                <a:srgbClr val="000000"/>
+              </a:solidFill>
+              <a:uFill>
+                <a:solidFill>
+                  <a:srgbClr val="FFFFFF"/>
+                </a:solidFill>
+              </a:uFill>
+              <a:latin typeface="Arial"/>
+            </a:endParaRPr>
+          </a:p>
+        </p:txBody>
+      </p:sp>
+      <p:sp>
+        <p:nvSpPr>
+          <p:cNvPr id="2" name="Rechteck 1">
+            <a:extLst>
+              <a:ext uri="{FF2B5EF4-FFF2-40B4-BE49-F238E27FC236}">
+                <a16:creationId xmlns:a16="http://schemas.microsoft.com/office/drawing/2014/main" id="{67BD4B7C-543B-4668-A4AD-654AC6569D1E}"/>
+              </a:ext>
+            </a:extLst>
+          </p:cNvPr>
+          <p:cNvSpPr/>
+          <p:nvPr/>
+        </p:nvSpPr>
+        <p:spPr>
+          <a:xfrm>
+            <a:off x="457200" y="1523160"/>
+            <a:ext cx="4207162" cy="3416320"/>
+          </a:xfrm>
+          <a:prstGeom prst="rect">
+            <a:avLst/>
+          </a:prstGeom>
+        </p:spPr>
+        <p:txBody>
+          <a:bodyPr wrap="square">
+            <a:spAutoFit/>
+          </a:bodyPr>
+          <a:lstStyle/>
+          <a:p>
+            <a:pPr marL="720">
+              <a:lnSpc>
+                <a:spcPct val="100000"/>
+              </a:lnSpc>
+              <a:buClr>
+                <a:srgbClr val="51A025"/>
+              </a:buClr>
+            </a:pPr>
+            <a:r>
+              <a:rPr lang="en-US" spc="-1" dirty="0" err="1">
+                <a:solidFill>
+                  <a:srgbClr val="000000"/>
+                </a:solidFill>
+                <a:uFill>
+                  <a:solidFill>
+                    <a:srgbClr val="FFFFFF"/>
+                  </a:solidFill>
+                </a:uFill>
+                <a:latin typeface="Calibri" panose="020F0502020204030204" pitchFamily="34" charset="0"/>
+                <a:cs typeface="Calibri" panose="020F0502020204030204" pitchFamily="34" charset="0"/>
+              </a:rPr>
+              <a:t>Nutzen</a:t>
+            </a:r>
+            <a:r>
+              <a:rPr lang="en-US" spc="-1" dirty="0">
+                <a:solidFill>
+                  <a:srgbClr val="000000"/>
+                </a:solidFill>
+                <a:uFill>
+                  <a:solidFill>
+                    <a:srgbClr val="FFFFFF"/>
+                  </a:solidFill>
+                </a:uFill>
+                <a:latin typeface="Calibri" panose="020F0502020204030204" pitchFamily="34" charset="0"/>
+                <a:cs typeface="Calibri" panose="020F0502020204030204" pitchFamily="34" charset="0"/>
+              </a:rPr>
+              <a:t>: </a:t>
+            </a:r>
+          </a:p>
+          <a:p>
+            <a:pPr marL="286470" indent="-285750">
+              <a:lnSpc>
+                <a:spcPct val="100000"/>
+              </a:lnSpc>
+              <a:buClr>
+                <a:srgbClr val="51A025"/>
+              </a:buClr>
+              <a:buFont typeface="Arial" panose="020B0604020202020204" pitchFamily="34" charset="0"/>
+              <a:buChar char="•"/>
+            </a:pPr>
+            <a:r>
+              <a:rPr lang="en-US" spc="-1" dirty="0" err="1">
+                <a:solidFill>
+                  <a:srgbClr val="000000"/>
+                </a:solidFill>
+                <a:uFill>
+                  <a:solidFill>
+                    <a:srgbClr val="FFFFFF"/>
+                  </a:solidFill>
+                </a:uFill>
+                <a:latin typeface="Calibri" panose="020F0502020204030204" pitchFamily="34" charset="0"/>
+                <a:cs typeface="Calibri" panose="020F0502020204030204" pitchFamily="34" charset="0"/>
+              </a:rPr>
+              <a:t>Testen</a:t>
+            </a:r>
+            <a:r>
+              <a:rPr lang="en-US" spc="-1" dirty="0">
+                <a:solidFill>
+                  <a:srgbClr val="000000"/>
+                </a:solidFill>
+                <a:uFill>
+                  <a:solidFill>
+                    <a:srgbClr val="FFFFFF"/>
+                  </a:solidFill>
+                </a:uFill>
+                <a:latin typeface="Calibri" panose="020F0502020204030204" pitchFamily="34" charset="0"/>
+                <a:cs typeface="Calibri" panose="020F0502020204030204" pitchFamily="34" charset="0"/>
+              </a:rPr>
+              <a:t> von </a:t>
+            </a:r>
+            <a:r>
+              <a:rPr lang="en-US" spc="-1" dirty="0" err="1">
+                <a:solidFill>
+                  <a:srgbClr val="000000"/>
+                </a:solidFill>
+                <a:uFill>
+                  <a:solidFill>
+                    <a:srgbClr val="FFFFFF"/>
+                  </a:solidFill>
+                </a:uFill>
+                <a:latin typeface="Calibri" panose="020F0502020204030204" pitchFamily="34" charset="0"/>
+                <a:cs typeface="Calibri" panose="020F0502020204030204" pitchFamily="34" charset="0"/>
+              </a:rPr>
+              <a:t>mehrerer</a:t>
+            </a:r>
+            <a:r>
+              <a:rPr lang="en-US" spc="-1" dirty="0">
+                <a:solidFill>
+                  <a:srgbClr val="000000"/>
+                </a:solidFill>
+                <a:uFill>
+                  <a:solidFill>
+                    <a:srgbClr val="FFFFFF"/>
+                  </a:solidFill>
+                </a:uFill>
+                <a:latin typeface="Calibri" panose="020F0502020204030204" pitchFamily="34" charset="0"/>
+                <a:cs typeface="Calibri" panose="020F0502020204030204" pitchFamily="34" charset="0"/>
+              </a:rPr>
+              <a:t> Klassen </a:t>
+            </a:r>
+            <a:r>
+              <a:rPr lang="en-US" spc="-1" dirty="0" err="1">
+                <a:solidFill>
+                  <a:srgbClr val="000000"/>
+                </a:solidFill>
+                <a:uFill>
+                  <a:solidFill>
+                    <a:srgbClr val="FFFFFF"/>
+                  </a:solidFill>
+                </a:uFill>
+                <a:latin typeface="Calibri" panose="020F0502020204030204" pitchFamily="34" charset="0"/>
+                <a:cs typeface="Calibri" panose="020F0502020204030204" pitchFamily="34" charset="0"/>
+              </a:rPr>
+              <a:t>mit</a:t>
+            </a:r>
+            <a:r>
+              <a:rPr lang="en-US" spc="-1" dirty="0">
+                <a:solidFill>
+                  <a:srgbClr val="000000"/>
+                </a:solidFill>
+                <a:uFill>
+                  <a:solidFill>
+                    <a:srgbClr val="FFFFFF"/>
+                  </a:solidFill>
+                </a:uFill>
+                <a:latin typeface="Calibri" panose="020F0502020204030204" pitchFamily="34" charset="0"/>
+                <a:cs typeface="Calibri" panose="020F0502020204030204" pitchFamily="34" charset="0"/>
+              </a:rPr>
+              <a:t> </a:t>
+            </a:r>
+            <a:r>
+              <a:rPr lang="en-US" spc="-1" dirty="0" err="1">
+                <a:solidFill>
+                  <a:srgbClr val="000000"/>
+                </a:solidFill>
+                <a:uFill>
+                  <a:solidFill>
+                    <a:srgbClr val="FFFFFF"/>
+                  </a:solidFill>
+                </a:uFill>
+                <a:latin typeface="Calibri" panose="020F0502020204030204" pitchFamily="34" charset="0"/>
+                <a:cs typeface="Calibri" panose="020F0502020204030204" pitchFamily="34" charset="0"/>
+              </a:rPr>
+              <a:t>gleichbleibenden</a:t>
+            </a:r>
+            <a:r>
+              <a:rPr lang="en-US" spc="-1" dirty="0">
+                <a:solidFill>
+                  <a:srgbClr val="000000"/>
+                </a:solidFill>
+                <a:uFill>
+                  <a:solidFill>
+                    <a:srgbClr val="FFFFFF"/>
+                  </a:solidFill>
+                </a:uFill>
+                <a:latin typeface="Calibri" panose="020F0502020204030204" pitchFamily="34" charset="0"/>
+                <a:cs typeface="Calibri" panose="020F0502020204030204" pitchFamily="34" charset="0"/>
+              </a:rPr>
+              <a:t> </a:t>
+            </a:r>
+            <a:r>
+              <a:rPr lang="en-US" spc="-1" dirty="0" err="1">
+                <a:solidFill>
+                  <a:srgbClr val="000000"/>
+                </a:solidFill>
+                <a:uFill>
+                  <a:solidFill>
+                    <a:srgbClr val="FFFFFF"/>
+                  </a:solidFill>
+                </a:uFill>
+                <a:latin typeface="Calibri" panose="020F0502020204030204" pitchFamily="34" charset="0"/>
+                <a:cs typeface="Calibri" panose="020F0502020204030204" pitchFamily="34" charset="0"/>
+              </a:rPr>
+              <a:t>Eigenschaften</a:t>
+            </a:r>
+            <a:endParaRPr lang="en-US" spc="-1" dirty="0">
+              <a:solidFill>
+                <a:srgbClr val="000000"/>
+              </a:solidFill>
+              <a:uFill>
+                <a:solidFill>
+                  <a:srgbClr val="FFFFFF"/>
+                </a:solidFill>
+              </a:uFill>
+              <a:latin typeface="Calibri" panose="020F0502020204030204" pitchFamily="34" charset="0"/>
+              <a:cs typeface="Calibri" panose="020F0502020204030204" pitchFamily="34" charset="0"/>
+            </a:endParaRPr>
+          </a:p>
+          <a:p>
+            <a:pPr marL="720">
+              <a:lnSpc>
+                <a:spcPct val="100000"/>
+              </a:lnSpc>
+              <a:buClr>
+                <a:srgbClr val="51A025"/>
+              </a:buClr>
+            </a:pPr>
+            <a:r>
+              <a:rPr lang="en-US" spc="-1" dirty="0" err="1">
+                <a:solidFill>
+                  <a:srgbClr val="000000"/>
+                </a:solidFill>
+                <a:uFill>
+                  <a:solidFill>
+                    <a:srgbClr val="FFFFFF"/>
+                  </a:solidFill>
+                </a:uFill>
+                <a:latin typeface="Calibri" panose="020F0502020204030204" pitchFamily="34" charset="0"/>
+                <a:cs typeface="Calibri" panose="020F0502020204030204" pitchFamily="34" charset="0"/>
+              </a:rPr>
+              <a:t>Beispiel</a:t>
+            </a:r>
+            <a:r>
+              <a:rPr lang="en-US" spc="-1" dirty="0">
+                <a:solidFill>
+                  <a:srgbClr val="000000"/>
+                </a:solidFill>
+                <a:uFill>
+                  <a:solidFill>
+                    <a:srgbClr val="FFFFFF"/>
+                  </a:solidFill>
+                </a:uFill>
+                <a:latin typeface="Calibri" panose="020F0502020204030204" pitchFamily="34" charset="0"/>
+                <a:cs typeface="Calibri" panose="020F0502020204030204" pitchFamily="34" charset="0"/>
+              </a:rPr>
+              <a:t>: </a:t>
+            </a:r>
+          </a:p>
+          <a:p>
+            <a:pPr marL="286470" indent="-285750">
+              <a:lnSpc>
+                <a:spcPct val="100000"/>
+              </a:lnSpc>
+              <a:buClr>
+                <a:srgbClr val="51A025"/>
+              </a:buClr>
+              <a:buFont typeface="Arial" panose="020B0604020202020204" pitchFamily="34" charset="0"/>
+              <a:buChar char="•"/>
+            </a:pPr>
+            <a:r>
+              <a:rPr lang="en-US" spc="-1" dirty="0" err="1">
+                <a:solidFill>
+                  <a:srgbClr val="000000"/>
+                </a:solidFill>
+                <a:uFill>
+                  <a:solidFill>
+                    <a:srgbClr val="FFFFFF"/>
+                  </a:solidFill>
+                </a:uFill>
+                <a:latin typeface="Calibri" panose="020F0502020204030204" pitchFamily="34" charset="0"/>
+                <a:cs typeface="Calibri" panose="020F0502020204030204" pitchFamily="34" charset="0"/>
+              </a:rPr>
+              <a:t>Validatoren</a:t>
+            </a:r>
+            <a:r>
+              <a:rPr lang="en-US" spc="-1" dirty="0">
+                <a:solidFill>
+                  <a:srgbClr val="000000"/>
+                </a:solidFill>
+                <a:uFill>
+                  <a:solidFill>
+                    <a:srgbClr val="FFFFFF"/>
+                  </a:solidFill>
+                </a:uFill>
+                <a:latin typeface="Calibri" panose="020F0502020204030204" pitchFamily="34" charset="0"/>
+                <a:cs typeface="Calibri" panose="020F0502020204030204" pitchFamily="34" charset="0"/>
+              </a:rPr>
+              <a:t>, </a:t>
+            </a:r>
+            <a:r>
+              <a:rPr lang="en-US" spc="-1" dirty="0" err="1">
+                <a:solidFill>
+                  <a:srgbClr val="000000"/>
+                </a:solidFill>
+                <a:uFill>
+                  <a:solidFill>
+                    <a:srgbClr val="FFFFFF"/>
+                  </a:solidFill>
+                </a:uFill>
+                <a:latin typeface="Calibri" panose="020F0502020204030204" pitchFamily="34" charset="0"/>
+                <a:cs typeface="Calibri" panose="020F0502020204030204" pitchFamily="34" charset="0"/>
+              </a:rPr>
+              <a:t>egal</a:t>
+            </a:r>
+            <a:r>
+              <a:rPr lang="en-US" spc="-1" dirty="0">
+                <a:solidFill>
+                  <a:srgbClr val="000000"/>
+                </a:solidFill>
+                <a:uFill>
+                  <a:solidFill>
+                    <a:srgbClr val="FFFFFF"/>
+                  </a:solidFill>
+                </a:uFill>
+                <a:latin typeface="Calibri" panose="020F0502020204030204" pitchFamily="34" charset="0"/>
+                <a:cs typeface="Calibri" panose="020F0502020204030204" pitchFamily="34" charset="0"/>
+              </a:rPr>
+              <a:t> </a:t>
+            </a:r>
+            <a:r>
+              <a:rPr lang="en-US" spc="-1" dirty="0" err="1">
+                <a:solidFill>
+                  <a:srgbClr val="000000"/>
+                </a:solidFill>
+                <a:uFill>
+                  <a:solidFill>
+                    <a:srgbClr val="FFFFFF"/>
+                  </a:solidFill>
+                </a:uFill>
+                <a:latin typeface="Calibri" panose="020F0502020204030204" pitchFamily="34" charset="0"/>
+                <a:cs typeface="Calibri" panose="020F0502020204030204" pitchFamily="34" charset="0"/>
+              </a:rPr>
+              <a:t>welcher</a:t>
+            </a:r>
+            <a:r>
+              <a:rPr lang="en-US" spc="-1" dirty="0">
+                <a:solidFill>
+                  <a:srgbClr val="000000"/>
+                </a:solidFill>
+                <a:uFill>
+                  <a:solidFill>
+                    <a:srgbClr val="FFFFFF"/>
+                  </a:solidFill>
+                </a:uFill>
+                <a:latin typeface="Calibri" panose="020F0502020204030204" pitchFamily="34" charset="0"/>
+                <a:cs typeface="Calibri" panose="020F0502020204030204" pitchFamily="34" charset="0"/>
+              </a:rPr>
+              <a:t> </a:t>
+            </a:r>
+            <a:r>
+              <a:rPr lang="en-US" spc="-1" dirty="0" err="1">
+                <a:solidFill>
+                  <a:srgbClr val="000000"/>
+                </a:solidFill>
+                <a:uFill>
+                  <a:solidFill>
+                    <a:srgbClr val="FFFFFF"/>
+                  </a:solidFill>
+                </a:uFill>
+                <a:latin typeface="Calibri" panose="020F0502020204030204" pitchFamily="34" charset="0"/>
+                <a:cs typeface="Calibri" panose="020F0502020204030204" pitchFamily="34" charset="0"/>
+              </a:rPr>
+              <a:t>angesprochen</a:t>
+            </a:r>
+            <a:r>
+              <a:rPr lang="en-US" spc="-1" dirty="0">
+                <a:solidFill>
+                  <a:srgbClr val="000000"/>
+                </a:solidFill>
+                <a:uFill>
+                  <a:solidFill>
+                    <a:srgbClr val="FFFFFF"/>
+                  </a:solidFill>
+                </a:uFill>
+                <a:latin typeface="Calibri" panose="020F0502020204030204" pitchFamily="34" charset="0"/>
+                <a:cs typeface="Calibri" panose="020F0502020204030204" pitchFamily="34" charset="0"/>
+              </a:rPr>
+              <a:t> </a:t>
+            </a:r>
+            <a:r>
+              <a:rPr lang="en-US" spc="-1" dirty="0" err="1">
+                <a:solidFill>
+                  <a:srgbClr val="000000"/>
+                </a:solidFill>
+                <a:uFill>
+                  <a:solidFill>
+                    <a:srgbClr val="FFFFFF"/>
+                  </a:solidFill>
+                </a:uFill>
+                <a:latin typeface="Calibri" panose="020F0502020204030204" pitchFamily="34" charset="0"/>
+                <a:cs typeface="Calibri" panose="020F0502020204030204" pitchFamily="34" charset="0"/>
+              </a:rPr>
+              <a:t>wird</a:t>
+            </a:r>
+            <a:r>
+              <a:rPr lang="en-US" spc="-1" dirty="0">
+                <a:solidFill>
+                  <a:srgbClr val="000000"/>
+                </a:solidFill>
+                <a:uFill>
+                  <a:solidFill>
+                    <a:srgbClr val="FFFFFF"/>
+                  </a:solidFill>
+                </a:uFill>
+                <a:latin typeface="Calibri" panose="020F0502020204030204" pitchFamily="34" charset="0"/>
+                <a:cs typeface="Calibri" panose="020F0502020204030204" pitchFamily="34" charset="0"/>
+              </a:rPr>
+              <a:t>, sein </a:t>
+            </a:r>
+            <a:r>
+              <a:rPr lang="en-US" spc="-1" dirty="0" err="1">
+                <a:solidFill>
+                  <a:srgbClr val="000000"/>
+                </a:solidFill>
+                <a:uFill>
+                  <a:solidFill>
+                    <a:srgbClr val="FFFFFF"/>
+                  </a:solidFill>
+                </a:uFill>
+                <a:latin typeface="Calibri" panose="020F0502020204030204" pitchFamily="34" charset="0"/>
+                <a:cs typeface="Calibri" panose="020F0502020204030204" pitchFamily="34" charset="0"/>
+              </a:rPr>
+              <a:t>Verhalten</a:t>
+            </a:r>
+            <a:r>
+              <a:rPr lang="en-US" spc="-1" dirty="0">
+                <a:solidFill>
+                  <a:srgbClr val="000000"/>
+                </a:solidFill>
+                <a:uFill>
+                  <a:solidFill>
+                    <a:srgbClr val="FFFFFF"/>
+                  </a:solidFill>
+                </a:uFill>
+                <a:latin typeface="Calibri" panose="020F0502020204030204" pitchFamily="34" charset="0"/>
+                <a:cs typeface="Calibri" panose="020F0502020204030204" pitchFamily="34" charset="0"/>
+              </a:rPr>
+              <a:t> </a:t>
+            </a:r>
+            <a:r>
+              <a:rPr lang="en-US" spc="-1" dirty="0" err="1">
+                <a:solidFill>
+                  <a:srgbClr val="000000"/>
+                </a:solidFill>
+                <a:uFill>
+                  <a:solidFill>
+                    <a:srgbClr val="FFFFFF"/>
+                  </a:solidFill>
+                </a:uFill>
+                <a:latin typeface="Calibri" panose="020F0502020204030204" pitchFamily="34" charset="0"/>
+                <a:cs typeface="Calibri" panose="020F0502020204030204" pitchFamily="34" charset="0"/>
+              </a:rPr>
+              <a:t>sollte</a:t>
+            </a:r>
+            <a:r>
+              <a:rPr lang="en-US" spc="-1" dirty="0">
+                <a:solidFill>
+                  <a:srgbClr val="000000"/>
+                </a:solidFill>
+                <a:uFill>
+                  <a:solidFill>
+                    <a:srgbClr val="FFFFFF"/>
+                  </a:solidFill>
+                </a:uFill>
+                <a:latin typeface="Calibri" panose="020F0502020204030204" pitchFamily="34" charset="0"/>
+                <a:cs typeface="Calibri" panose="020F0502020204030204" pitchFamily="34" charset="0"/>
+              </a:rPr>
+              <a:t> </a:t>
+            </a:r>
+            <a:r>
+              <a:rPr lang="en-US" spc="-1" dirty="0" err="1">
+                <a:solidFill>
+                  <a:srgbClr val="000000"/>
+                </a:solidFill>
+                <a:uFill>
+                  <a:solidFill>
+                    <a:srgbClr val="FFFFFF"/>
+                  </a:solidFill>
+                </a:uFill>
+                <a:latin typeface="Calibri" panose="020F0502020204030204" pitchFamily="34" charset="0"/>
+                <a:cs typeface="Calibri" panose="020F0502020204030204" pitchFamily="34" charset="0"/>
+              </a:rPr>
+              <a:t>nach</a:t>
+            </a:r>
+            <a:r>
+              <a:rPr lang="en-US" spc="-1" dirty="0">
+                <a:solidFill>
+                  <a:srgbClr val="000000"/>
+                </a:solidFill>
+                <a:uFill>
+                  <a:solidFill>
+                    <a:srgbClr val="FFFFFF"/>
+                  </a:solidFill>
+                </a:uFill>
+                <a:latin typeface="Calibri" panose="020F0502020204030204" pitchFamily="34" charset="0"/>
+                <a:cs typeface="Calibri" panose="020F0502020204030204" pitchFamily="34" charset="0"/>
+              </a:rPr>
+              <a:t> </a:t>
+            </a:r>
+            <a:r>
+              <a:rPr lang="en-US" spc="-1" dirty="0" err="1">
+                <a:solidFill>
+                  <a:srgbClr val="000000"/>
+                </a:solidFill>
+                <a:uFill>
+                  <a:solidFill>
+                    <a:srgbClr val="FFFFFF"/>
+                  </a:solidFill>
+                </a:uFill>
+                <a:latin typeface="Calibri" panose="020F0502020204030204" pitchFamily="34" charset="0"/>
+                <a:cs typeface="Calibri" panose="020F0502020204030204" pitchFamily="34" charset="0"/>
+              </a:rPr>
+              <a:t>außen</a:t>
+            </a:r>
+            <a:r>
+              <a:rPr lang="en-US" spc="-1" dirty="0">
+                <a:solidFill>
+                  <a:srgbClr val="000000"/>
+                </a:solidFill>
+                <a:uFill>
+                  <a:solidFill>
+                    <a:srgbClr val="FFFFFF"/>
+                  </a:solidFill>
+                </a:uFill>
+                <a:latin typeface="Calibri" panose="020F0502020204030204" pitchFamily="34" charset="0"/>
+                <a:cs typeface="Calibri" panose="020F0502020204030204" pitchFamily="34" charset="0"/>
+              </a:rPr>
+              <a:t> </a:t>
+            </a:r>
+            <a:r>
+              <a:rPr lang="en-US" spc="-1" dirty="0" err="1">
+                <a:solidFill>
+                  <a:srgbClr val="000000"/>
+                </a:solidFill>
+                <a:uFill>
+                  <a:solidFill>
+                    <a:srgbClr val="FFFFFF"/>
+                  </a:solidFill>
+                </a:uFill>
+                <a:latin typeface="Calibri" panose="020F0502020204030204" pitchFamily="34" charset="0"/>
+                <a:cs typeface="Calibri" panose="020F0502020204030204" pitchFamily="34" charset="0"/>
+              </a:rPr>
+              <a:t>gleich</a:t>
+            </a:r>
+            <a:r>
+              <a:rPr lang="en-US" spc="-1" dirty="0">
+                <a:solidFill>
+                  <a:srgbClr val="000000"/>
+                </a:solidFill>
+                <a:uFill>
+                  <a:solidFill>
+                    <a:srgbClr val="FFFFFF"/>
+                  </a:solidFill>
+                </a:uFill>
+                <a:latin typeface="Calibri" panose="020F0502020204030204" pitchFamily="34" charset="0"/>
+                <a:cs typeface="Calibri" panose="020F0502020204030204" pitchFamily="34" charset="0"/>
+              </a:rPr>
+              <a:t> </a:t>
+            </a:r>
+            <a:r>
+              <a:rPr lang="en-US" spc="-1" dirty="0" err="1">
+                <a:solidFill>
+                  <a:srgbClr val="000000"/>
+                </a:solidFill>
+                <a:uFill>
+                  <a:solidFill>
+                    <a:srgbClr val="FFFFFF"/>
+                  </a:solidFill>
+                </a:uFill>
+                <a:latin typeface="Calibri" panose="020F0502020204030204" pitchFamily="34" charset="0"/>
+                <a:cs typeface="Calibri" panose="020F0502020204030204" pitchFamily="34" charset="0"/>
+              </a:rPr>
+              <a:t>bleiben</a:t>
+            </a:r>
+            <a:endParaRPr lang="en-US" spc="-1" dirty="0">
+              <a:solidFill>
+                <a:srgbClr val="000000"/>
+              </a:solidFill>
+              <a:uFill>
+                <a:solidFill>
+                  <a:srgbClr val="FFFFFF"/>
+                </a:solidFill>
+              </a:uFill>
+              <a:latin typeface="Calibri" panose="020F0502020204030204" pitchFamily="34" charset="0"/>
+              <a:cs typeface="Calibri" panose="020F0502020204030204" pitchFamily="34" charset="0"/>
+            </a:endParaRPr>
+          </a:p>
+          <a:p>
+            <a:pPr marL="720">
+              <a:lnSpc>
+                <a:spcPct val="100000"/>
+              </a:lnSpc>
+              <a:buClr>
+                <a:srgbClr val="51A025"/>
+              </a:buClr>
+            </a:pPr>
+            <a:r>
+              <a:rPr lang="en-US" spc="-1" dirty="0">
+                <a:solidFill>
+                  <a:srgbClr val="000000"/>
+                </a:solidFill>
+                <a:uFill>
+                  <a:solidFill>
+                    <a:srgbClr val="FFFFFF"/>
+                  </a:solidFill>
+                </a:uFill>
+                <a:latin typeface="Calibri" panose="020F0502020204030204" pitchFamily="34" charset="0"/>
+                <a:cs typeface="Calibri" panose="020F0502020204030204" pitchFamily="34" charset="0"/>
+              </a:rPr>
+              <a:t>JUnit 5: </a:t>
+            </a:r>
+          </a:p>
+          <a:p>
+            <a:pPr marL="286470" indent="-285750">
+              <a:lnSpc>
+                <a:spcPct val="100000"/>
+              </a:lnSpc>
+              <a:buClr>
+                <a:srgbClr val="51A025"/>
+              </a:buClr>
+              <a:buFont typeface="Arial" panose="020B0604020202020204" pitchFamily="34" charset="0"/>
+              <a:buChar char="•"/>
+            </a:pPr>
+            <a:r>
+              <a:rPr lang="en-US" spc="-1" dirty="0">
+                <a:solidFill>
+                  <a:srgbClr val="000000"/>
+                </a:solidFill>
+                <a:uFill>
+                  <a:solidFill>
+                    <a:srgbClr val="FFFFFF"/>
+                  </a:solidFill>
+                </a:uFill>
+                <a:latin typeface="Calibri" panose="020F0502020204030204" pitchFamily="34" charset="0"/>
+                <a:cs typeface="Calibri" panose="020F0502020204030204" pitchFamily="34" charset="0"/>
+              </a:rPr>
+              <a:t>Contracts </a:t>
+            </a:r>
+            <a:r>
+              <a:rPr lang="en-US" spc="-1" dirty="0" err="1">
+                <a:solidFill>
+                  <a:srgbClr val="000000"/>
+                </a:solidFill>
+                <a:uFill>
+                  <a:solidFill>
+                    <a:srgbClr val="FFFFFF"/>
+                  </a:solidFill>
+                </a:uFill>
+                <a:latin typeface="Calibri" panose="020F0502020204030204" pitchFamily="34" charset="0"/>
+                <a:cs typeface="Calibri" panose="020F0502020204030204" pitchFamily="34" charset="0"/>
+              </a:rPr>
+              <a:t>bieten</a:t>
+            </a:r>
+            <a:r>
+              <a:rPr lang="en-US" spc="-1" dirty="0">
+                <a:solidFill>
+                  <a:srgbClr val="000000"/>
+                </a:solidFill>
+                <a:uFill>
+                  <a:solidFill>
+                    <a:srgbClr val="FFFFFF"/>
+                  </a:solidFill>
+                </a:uFill>
+                <a:latin typeface="Calibri" panose="020F0502020204030204" pitchFamily="34" charset="0"/>
+                <a:cs typeface="Calibri" panose="020F0502020204030204" pitchFamily="34" charset="0"/>
+              </a:rPr>
+              <a:t> die </a:t>
+            </a:r>
+            <a:r>
+              <a:rPr lang="en-US" spc="-1" dirty="0" err="1">
+                <a:solidFill>
+                  <a:srgbClr val="000000"/>
+                </a:solidFill>
+                <a:uFill>
+                  <a:solidFill>
+                    <a:srgbClr val="FFFFFF"/>
+                  </a:solidFill>
+                </a:uFill>
+                <a:latin typeface="Calibri" panose="020F0502020204030204" pitchFamily="34" charset="0"/>
+                <a:cs typeface="Calibri" panose="020F0502020204030204" pitchFamily="34" charset="0"/>
+              </a:rPr>
+              <a:t>gleiche</a:t>
+            </a:r>
+            <a:r>
+              <a:rPr lang="en-US" spc="-1" dirty="0">
+                <a:solidFill>
+                  <a:srgbClr val="000000"/>
+                </a:solidFill>
+                <a:uFill>
+                  <a:solidFill>
+                    <a:srgbClr val="FFFFFF"/>
+                  </a:solidFill>
+                </a:uFill>
+                <a:latin typeface="Calibri" panose="020F0502020204030204" pitchFamily="34" charset="0"/>
+                <a:cs typeface="Calibri" panose="020F0502020204030204" pitchFamily="34" charset="0"/>
+              </a:rPr>
+              <a:t> </a:t>
+            </a:r>
+            <a:r>
+              <a:rPr lang="en-US" spc="-1" dirty="0" err="1">
+                <a:solidFill>
+                  <a:srgbClr val="000000"/>
+                </a:solidFill>
+                <a:uFill>
+                  <a:solidFill>
+                    <a:srgbClr val="FFFFFF"/>
+                  </a:solidFill>
+                </a:uFill>
+                <a:latin typeface="Calibri" panose="020F0502020204030204" pitchFamily="34" charset="0"/>
+                <a:cs typeface="Calibri" panose="020F0502020204030204" pitchFamily="34" charset="0"/>
+              </a:rPr>
+              <a:t>Funktion</a:t>
+            </a:r>
+            <a:r>
+              <a:rPr lang="en-US" spc="-1" dirty="0">
+                <a:solidFill>
+                  <a:srgbClr val="000000"/>
+                </a:solidFill>
+                <a:uFill>
+                  <a:solidFill>
+                    <a:srgbClr val="FFFFFF"/>
+                  </a:solidFill>
+                </a:uFill>
+                <a:latin typeface="Calibri" panose="020F0502020204030204" pitchFamily="34" charset="0"/>
+                <a:cs typeface="Calibri" panose="020F0502020204030204" pitchFamily="34" charset="0"/>
+              </a:rPr>
+              <a:t> </a:t>
+            </a:r>
+            <a:r>
+              <a:rPr lang="en-US" spc="-1" dirty="0" err="1">
+                <a:solidFill>
+                  <a:srgbClr val="000000"/>
+                </a:solidFill>
+                <a:uFill>
+                  <a:solidFill>
+                    <a:srgbClr val="FFFFFF"/>
+                  </a:solidFill>
+                </a:uFill>
+                <a:latin typeface="Calibri" panose="020F0502020204030204" pitchFamily="34" charset="0"/>
+                <a:cs typeface="Calibri" panose="020F0502020204030204" pitchFamily="34" charset="0"/>
+              </a:rPr>
+              <a:t>wie</a:t>
+            </a:r>
+            <a:r>
+              <a:rPr lang="en-US" spc="-1" dirty="0">
+                <a:solidFill>
+                  <a:srgbClr val="000000"/>
+                </a:solidFill>
+                <a:uFill>
+                  <a:solidFill>
+                    <a:srgbClr val="FFFFFF"/>
+                  </a:solidFill>
+                </a:uFill>
+                <a:latin typeface="Calibri" panose="020F0502020204030204" pitchFamily="34" charset="0"/>
+                <a:cs typeface="Calibri" panose="020F0502020204030204" pitchFamily="34" charset="0"/>
+              </a:rPr>
+              <a:t> Abstract Tests, </a:t>
+            </a:r>
+            <a:r>
+              <a:rPr lang="en-US" spc="-1" dirty="0" err="1">
+                <a:solidFill>
+                  <a:srgbClr val="000000"/>
+                </a:solidFill>
+                <a:uFill>
+                  <a:solidFill>
+                    <a:srgbClr val="FFFFFF"/>
+                  </a:solidFill>
+                </a:uFill>
+                <a:latin typeface="Calibri" panose="020F0502020204030204" pitchFamily="34" charset="0"/>
+                <a:cs typeface="Calibri" panose="020F0502020204030204" pitchFamily="34" charset="0"/>
+              </a:rPr>
+              <a:t>nutzen</a:t>
+            </a:r>
+            <a:r>
+              <a:rPr lang="en-US" spc="-1" dirty="0">
+                <a:solidFill>
+                  <a:srgbClr val="000000"/>
+                </a:solidFill>
+                <a:uFill>
+                  <a:solidFill>
+                    <a:srgbClr val="FFFFFF"/>
+                  </a:solidFill>
+                </a:uFill>
+                <a:latin typeface="Calibri" panose="020F0502020204030204" pitchFamily="34" charset="0"/>
+                <a:cs typeface="Calibri" panose="020F0502020204030204" pitchFamily="34" charset="0"/>
+              </a:rPr>
+              <a:t> </a:t>
+            </a:r>
+            <a:r>
+              <a:rPr lang="en-US" spc="-1" dirty="0" err="1">
+                <a:solidFill>
+                  <a:srgbClr val="000000"/>
+                </a:solidFill>
+                <a:uFill>
+                  <a:solidFill>
+                    <a:srgbClr val="FFFFFF"/>
+                  </a:solidFill>
+                </a:uFill>
+                <a:latin typeface="Calibri" panose="020F0502020204030204" pitchFamily="34" charset="0"/>
+                <a:cs typeface="Calibri" panose="020F0502020204030204" pitchFamily="34" charset="0"/>
+              </a:rPr>
+              <a:t>jedoch</a:t>
+            </a:r>
+            <a:r>
+              <a:rPr lang="en-US" spc="-1" dirty="0">
+                <a:solidFill>
+                  <a:srgbClr val="000000"/>
+                </a:solidFill>
+                <a:uFill>
+                  <a:solidFill>
+                    <a:srgbClr val="FFFFFF"/>
+                  </a:solidFill>
+                </a:uFill>
+                <a:latin typeface="Calibri" panose="020F0502020204030204" pitchFamily="34" charset="0"/>
+                <a:cs typeface="Calibri" panose="020F0502020204030204" pitchFamily="34" charset="0"/>
+              </a:rPr>
+              <a:t> die Java 8 default Interface </a:t>
+            </a:r>
+            <a:r>
+              <a:rPr lang="en-US" spc="-1" dirty="0" err="1">
+                <a:solidFill>
+                  <a:srgbClr val="000000"/>
+                </a:solidFill>
+                <a:uFill>
+                  <a:solidFill>
+                    <a:srgbClr val="FFFFFF"/>
+                  </a:solidFill>
+                </a:uFill>
+                <a:latin typeface="Calibri" panose="020F0502020204030204" pitchFamily="34" charset="0"/>
+                <a:cs typeface="Calibri" panose="020F0502020204030204" pitchFamily="34" charset="0"/>
+              </a:rPr>
+              <a:t>Methoden</a:t>
+            </a:r>
+            <a:endParaRPr lang="en-US" spc="-1" dirty="0">
+              <a:solidFill>
+                <a:srgbClr val="000000"/>
+              </a:solidFill>
+              <a:uFill>
+                <a:solidFill>
+                  <a:srgbClr val="FFFFFF"/>
+                </a:solidFill>
+              </a:uFill>
+              <a:latin typeface="Calibri" panose="020F0502020204030204" pitchFamily="34" charset="0"/>
+              <a:cs typeface="Calibri" panose="020F0502020204030204" pitchFamily="34" charset="0"/>
+            </a:endParaRPr>
+          </a:p>
+          <a:p>
+            <a:pPr marL="457920" lvl="1">
+              <a:buClr>
+                <a:srgbClr val="51A025"/>
+              </a:buClr>
+            </a:pPr>
+            <a:endParaRPr lang="en-US" spc="-1" dirty="0">
+              <a:solidFill>
+                <a:srgbClr val="000000"/>
+              </a:solidFill>
+              <a:uFill>
+                <a:solidFill>
+                  <a:srgbClr val="FFFFFF"/>
+                </a:solidFill>
+              </a:uFill>
+              <a:latin typeface="Calibri" panose="020F0502020204030204" pitchFamily="34" charset="0"/>
+              <a:cs typeface="Calibri" panose="020F0502020204030204" pitchFamily="34" charset="0"/>
+            </a:endParaRPr>
+          </a:p>
+        </p:txBody>
+      </p:sp>
+    </p:spTree>
+    <p:extLst>
+      <p:ext uri="{BB962C8B-B14F-4D97-AF65-F5344CB8AC3E}">
+        <p14:creationId xmlns:p14="http://schemas.microsoft.com/office/powerpoint/2010/main" val="11760232"/>
+      </p:ext>
+    </p:extLst>
+  </p:cSld>
+  <p:clrMapOvr>
+    <a:masterClrMapping/>
+  </p:clrMapOvr>
+  <p:timing>
+    <p:tnLst>
+      <p:par>
+        <p:cTn id="1" dur="indefinite" restart="never" nodeType="tmRoot">
+          <p:childTnLst>
+            <p:seq>
+              <p:cTn id="2" nodeType="mainSeq"/>
+              <p:prevCondLst>
+                <p:cond evt="onPrev" delay="0">
+                  <p:tgtEl>
+                    <p:sldTgt/>
+                  </p:tgtEl>
+                </p:cond>
+              </p:prevCondLst>
+              <p:nextCondLst>
+                <p:cond evt="onNext" delay="0">
+                  <p:tgtEl>
+                    <p:sldTgt/>
+                  </p:tgtEl>
+                </p:cond>
+              </p:nextCondLst>
+            </p:seq>
+          </p:childTnLst>
+        </p:cTn>
+      </p:par>
+    </p:tnLst>
+  </p:timing>
+</p:sld>
+</file>
+
+<file path=ppt/slides/slide36.xml><?xml version="1.0" encoding="utf-8"?>
+<p:sld xmlns:a="http://schemas.openxmlformats.org/drawingml/2006/main" xmlns:r="http://schemas.openxmlformats.org/officeDocument/2006/relationships" xmlns:p="http://schemas.openxmlformats.org/presentationml/2006/main">
+  <p:cSld>
+    <p:spTree>
+      <p:nvGrpSpPr>
+        <p:cNvPr id="1" name=""/>
+        <p:cNvGrpSpPr/>
+        <p:nvPr/>
+      </p:nvGrpSpPr>
+      <p:grpSpPr>
+        <a:xfrm>
+          <a:off x="0" y="0"/>
+          <a:ext cx="0" cy="0"/>
+          <a:chOff x="0" y="0"/>
+          <a:chExt cx="0" cy="0"/>
+        </a:xfrm>
+      </p:grpSpPr>
+      <p:sp>
+        <p:nvSpPr>
           <p:cNvPr id="667" name="CustomShape 1"/>
           <p:cNvSpPr/>
           <p:nvPr/>
@@ -41570,7 +42767,7 @@
                 </a:uFill>
                 <a:latin typeface="Calibri"/>
               </a:rPr>
-              <a:t>35</a:t>
+              <a:t>36</a:t>
             </a:fld>
             <a:endParaRPr lang="en-US" sz="1800" b="0" strike="noStrike" spc="-1">
               <a:solidFill>
@@ -42880,7 +44077,7 @@
                 </a:uFill>
                 <a:latin typeface="Calibri"/>
               </a:rPr>
-              <a:t>Aufgabe:</a:t>
+              <a:t>Aufgabe: README.md</a:t>
             </a:r>
           </a:p>
           <a:p>
@@ -42895,47 +44092,16 @@
               <a:buChar char="•"/>
             </a:pPr>
             <a:r>
-              <a:rPr lang="de-DE" dirty="0" err="1">
-                <a:latin typeface="Calibri" panose="020F0502020204030204" pitchFamily="34" charset="0"/>
-                <a:cs typeface="Calibri" panose="020F0502020204030204" pitchFamily="34" charset="0"/>
-              </a:rPr>
-              <a:t>build.gradle</a:t>
-            </a:r>
-            <a:r>
-              <a:rPr lang="de-DE" dirty="0">
-                <a:latin typeface="Calibri" panose="020F0502020204030204" pitchFamily="34" charset="0"/>
-                <a:cs typeface="Calibri" panose="020F0502020204030204" pitchFamily="34" charset="0"/>
-              </a:rPr>
-              <a:t> auf </a:t>
-            </a:r>
-            <a:r>
-              <a:rPr lang="de-DE" dirty="0" err="1">
-                <a:latin typeface="Calibri" panose="020F0502020204030204" pitchFamily="34" charset="0"/>
-                <a:cs typeface="Calibri" panose="020F0502020204030204" pitchFamily="34" charset="0"/>
-              </a:rPr>
-              <a:t>JUnit</a:t>
-            </a:r>
-            <a:r>
-              <a:rPr lang="de-DE" dirty="0">
-                <a:latin typeface="Calibri" panose="020F0502020204030204" pitchFamily="34" charset="0"/>
-                <a:cs typeface="Calibri" panose="020F0502020204030204" pitchFamily="34" charset="0"/>
-              </a:rPr>
-              <a:t> 5 umstellen, u.a. </a:t>
-            </a:r>
-            <a:r>
-              <a:rPr lang="de-DE" dirty="0" err="1">
-                <a:latin typeface="Calibri" panose="020F0502020204030204" pitchFamily="34" charset="0"/>
-                <a:cs typeface="Calibri" panose="020F0502020204030204" pitchFamily="34" charset="0"/>
-              </a:rPr>
-              <a:t>JUnit</a:t>
-            </a:r>
-            <a:r>
-              <a:rPr lang="de-DE" dirty="0">
-                <a:latin typeface="Calibri" panose="020F0502020204030204" pitchFamily="34" charset="0"/>
-                <a:cs typeface="Calibri" panose="020F0502020204030204" pitchFamily="34" charset="0"/>
-              </a:rPr>
-              <a:t> 4 vollständig entfernen</a:t>
-            </a:r>
+              <a:rPr lang="de-DE">
+                <a:latin typeface="Calibri" panose="020F0502020204030204" pitchFamily="34" charset="0"/>
+                <a:cs typeface="Calibri" panose="020F0502020204030204" pitchFamily="34" charset="0"/>
+              </a:rPr>
+              <a:t>JUnit5Test fixen</a:t>
+            </a:r>
+            <a:endParaRPr lang="de-DE" dirty="0">
+              <a:latin typeface="Calibri" panose="020F0502020204030204" pitchFamily="34" charset="0"/>
+              <a:cs typeface="Calibri" panose="020F0502020204030204" pitchFamily="34" charset="0"/>
+            </a:endParaRPr>
           </a:p>
           <a:p>
             <a:pPr marL="720">
@@ -44556,7 +45722,7 @@
               <a:t>Aufgaben</a:t>
             </a:r>
             <a:r>
-              <a:rPr lang="en-US" spc="-1" dirty="0">
+              <a:rPr lang="en-US" sz="1800" b="0" strike="noStrike" spc="-1" dirty="0">
                 <a:solidFill>
                   <a:srgbClr val="000000"/>
                 </a:solidFill>
@@ -44568,22 +45734,7 @@
                 <a:latin typeface="Calibri" panose="020F0502020204030204" pitchFamily="34" charset="0"/>
                 <a:cs typeface="Calibri" panose="020F0502020204030204" pitchFamily="34" charset="0"/>
               </a:rPr>
-              <a:t> </a:t>
-            </a:r>
-            <a:r>
-              <a:rPr lang="en-US" sz="1800" b="0" strike="noStrike" spc="-1" dirty="0">
-                <a:solidFill>
-                  <a:srgbClr val="000000"/>
-                </a:solidFill>
-                <a:uFill>
-                  <a:solidFill>
-                    <a:srgbClr val="FFFFFF"/>
-                  </a:solidFill>
-                </a:uFill>
-                <a:latin typeface="Calibri" panose="020F0502020204030204" pitchFamily="34" charset="0"/>
-                <a:cs typeface="Calibri" panose="020F0502020204030204" pitchFamily="34" charset="0"/>
-              </a:rPr>
-              <a:t>(</a:t>
+              <a:t>: annotations.md (</a:t>
             </a:r>
             <a:r>
               <a:rPr lang="en-US" sz="1800" b="0" strike="noStrike" spc="-1" dirty="0" err="1">
